--- a/Presentatie/Presentatie.pptx
+++ b/Presentatie/Presentatie.pptx
@@ -6,6 +6,16 @@
   </p:sldMasterIdLst>
   <p:sldIdLst>
     <p:sldId id="256" r:id="rId2"/>
+    <p:sldId id="257" r:id="rId3"/>
+    <p:sldId id="258" r:id="rId4"/>
+    <p:sldId id="259" r:id="rId5"/>
+    <p:sldId id="260" r:id="rId6"/>
+    <p:sldId id="261" r:id="rId7"/>
+    <p:sldId id="262" r:id="rId8"/>
+    <p:sldId id="263" r:id="rId9"/>
+    <p:sldId id="266" r:id="rId10"/>
+    <p:sldId id="264" r:id="rId11"/>
+    <p:sldId id="265" r:id="rId12"/>
   </p:sldIdLst>
   <p:sldSz cx="12192000" cy="6858000"/>
   <p:notesSz cx="6858000" cy="9144000"/>
@@ -236,7 +246,7 @@
           <a:p>
             <a:fld id="{D0BEBCF1-C867-4FA3-929D-70E3E2EA05CD}" type="datetimeFigureOut">
               <a:rPr lang="nl-NL" smtClean="0"/>
-              <a:t>26-4-2017</a:t>
+              <a:t>7-6-2017</a:t>
             </a:fld>
             <a:endParaRPr lang="nl-NL"/>
           </a:p>
@@ -404,7 +414,7 @@
           <a:p>
             <a:fld id="{D0BEBCF1-C867-4FA3-929D-70E3E2EA05CD}" type="datetimeFigureOut">
               <a:rPr lang="nl-NL" smtClean="0"/>
-              <a:t>26-4-2017</a:t>
+              <a:t>7-6-2017</a:t>
             </a:fld>
             <a:endParaRPr lang="nl-NL"/>
           </a:p>
@@ -582,7 +592,7 @@
           <a:p>
             <a:fld id="{D0BEBCF1-C867-4FA3-929D-70E3E2EA05CD}" type="datetimeFigureOut">
               <a:rPr lang="nl-NL" smtClean="0"/>
-              <a:t>26-4-2017</a:t>
+              <a:t>7-6-2017</a:t>
             </a:fld>
             <a:endParaRPr lang="nl-NL"/>
           </a:p>
@@ -750,7 +760,7 @@
           <a:p>
             <a:fld id="{D0BEBCF1-C867-4FA3-929D-70E3E2EA05CD}" type="datetimeFigureOut">
               <a:rPr lang="nl-NL" smtClean="0"/>
-              <a:t>26-4-2017</a:t>
+              <a:t>7-6-2017</a:t>
             </a:fld>
             <a:endParaRPr lang="nl-NL"/>
           </a:p>
@@ -995,7 +1005,7 @@
           <a:p>
             <a:fld id="{D0BEBCF1-C867-4FA3-929D-70E3E2EA05CD}" type="datetimeFigureOut">
               <a:rPr lang="nl-NL" smtClean="0"/>
-              <a:t>26-4-2017</a:t>
+              <a:t>7-6-2017</a:t>
             </a:fld>
             <a:endParaRPr lang="nl-NL"/>
           </a:p>
@@ -1224,7 +1234,7 @@
           <a:p>
             <a:fld id="{D0BEBCF1-C867-4FA3-929D-70E3E2EA05CD}" type="datetimeFigureOut">
               <a:rPr lang="nl-NL" smtClean="0"/>
-              <a:t>26-4-2017</a:t>
+              <a:t>7-6-2017</a:t>
             </a:fld>
             <a:endParaRPr lang="nl-NL"/>
           </a:p>
@@ -1588,7 +1598,7 @@
           <a:p>
             <a:fld id="{D0BEBCF1-C867-4FA3-929D-70E3E2EA05CD}" type="datetimeFigureOut">
               <a:rPr lang="nl-NL" smtClean="0"/>
-              <a:t>26-4-2017</a:t>
+              <a:t>7-6-2017</a:t>
             </a:fld>
             <a:endParaRPr lang="nl-NL"/>
           </a:p>
@@ -1705,7 +1715,7 @@
           <a:p>
             <a:fld id="{D0BEBCF1-C867-4FA3-929D-70E3E2EA05CD}" type="datetimeFigureOut">
               <a:rPr lang="nl-NL" smtClean="0"/>
-              <a:t>26-4-2017</a:t>
+              <a:t>7-6-2017</a:t>
             </a:fld>
             <a:endParaRPr lang="nl-NL"/>
           </a:p>
@@ -1800,7 +1810,7 @@
           <a:p>
             <a:fld id="{D0BEBCF1-C867-4FA3-929D-70E3E2EA05CD}" type="datetimeFigureOut">
               <a:rPr lang="nl-NL" smtClean="0"/>
-              <a:t>26-4-2017</a:t>
+              <a:t>7-6-2017</a:t>
             </a:fld>
             <a:endParaRPr lang="nl-NL"/>
           </a:p>
@@ -2075,7 +2085,7 @@
           <a:p>
             <a:fld id="{D0BEBCF1-C867-4FA3-929D-70E3E2EA05CD}" type="datetimeFigureOut">
               <a:rPr lang="nl-NL" smtClean="0"/>
-              <a:t>26-4-2017</a:t>
+              <a:t>7-6-2017</a:t>
             </a:fld>
             <a:endParaRPr lang="nl-NL"/>
           </a:p>
@@ -2327,7 +2337,7 @@
           <a:p>
             <a:fld id="{D0BEBCF1-C867-4FA3-929D-70E3E2EA05CD}" type="datetimeFigureOut">
               <a:rPr lang="nl-NL" smtClean="0"/>
-              <a:t>26-4-2017</a:t>
+              <a:t>7-6-2017</a:t>
             </a:fld>
             <a:endParaRPr lang="nl-NL"/>
           </a:p>
@@ -2538,7 +2548,7 @@
           <a:p>
             <a:fld id="{D0BEBCF1-C867-4FA3-929D-70E3E2EA05CD}" type="datetimeFigureOut">
               <a:rPr lang="nl-NL" smtClean="0"/>
-              <a:t>26-4-2017</a:t>
+              <a:t>7-6-2017</a:t>
             </a:fld>
             <a:endParaRPr lang="nl-NL"/>
           </a:p>
@@ -2959,13 +2969,13 @@
           <a:lstStyle/>
           <a:p>
             <a:r>
-              <a:rPr lang="nl-NL" dirty="0"/>
-              <a:t>Planeten </a:t>
-            </a:r>
-            <a:r>
-              <a:rPr lang="nl-NL"/>
-              <a:t>enzo</a:t>
-            </a:r>
+              <a:rPr lang="nl-NL" smtClean="0"/>
+              <a:t>Vorming van Planeten</a:t>
+            </a:r>
+            <a:br>
+              <a:rPr lang="nl-NL" smtClean="0"/>
+            </a:br>
+            <a:endParaRPr lang="nl-NL"/>
           </a:p>
         </p:txBody>
       </p:sp>
@@ -2981,9 +2991,33 @@
         </p:nvSpPr>
         <p:spPr/>
         <p:txBody>
-          <a:bodyPr/>
-          <a:lstStyle/>
-          <a:p>
+          <a:bodyPr>
+            <a:normAutofit lnSpcReduction="10000"/>
+          </a:bodyPr>
+          <a:lstStyle/>
+          <a:p>
+            <a:r>
+              <a:rPr lang="nl-NL" smtClean="0"/>
+              <a:t>Casper Barendrecht</a:t>
+            </a:r>
+          </a:p>
+          <a:p>
+            <a:r>
+              <a:rPr lang="nl-NL" smtClean="0"/>
+              <a:t>Guanyu Jin</a:t>
+            </a:r>
+          </a:p>
+          <a:p>
+            <a:r>
+              <a:rPr lang="nl-NL" smtClean="0"/>
+              <a:t>Stijn Moerman</a:t>
+            </a:r>
+          </a:p>
+          <a:p>
+            <a:r>
+              <a:rPr lang="nl-NL" smtClean="0"/>
+              <a:t>Nand Snijder</a:t>
+            </a:r>
             <a:endParaRPr lang="nl-NL"/>
           </a:p>
         </p:txBody>
@@ -2998,6 +3032,2350 @@
   <p:clrMapOvr>
     <a:masterClrMapping/>
   </p:clrMapOvr>
+</p:sld>
+</file>
+
+<file path=ppt/slides/slide10.xml><?xml version="1.0" encoding="utf-8"?>
+<p:sld xmlns:a="http://schemas.openxmlformats.org/drawingml/2006/main" xmlns:r="http://schemas.openxmlformats.org/officeDocument/2006/relationships" xmlns:p="http://schemas.openxmlformats.org/presentationml/2006/main">
+  <p:cSld>
+    <p:spTree>
+      <p:nvGrpSpPr>
+        <p:cNvPr id="1" name=""/>
+        <p:cNvGrpSpPr/>
+        <p:nvPr/>
+      </p:nvGrpSpPr>
+      <p:grpSpPr>
+        <a:xfrm>
+          <a:off x="0" y="0"/>
+          <a:ext cx="0" cy="0"/>
+          <a:chOff x="0" y="0"/>
+          <a:chExt cx="0" cy="0"/>
+        </a:xfrm>
+      </p:grpSpPr>
+      <p:sp>
+        <p:nvSpPr>
+          <p:cNvPr id="2" name="Titel 1"/>
+          <p:cNvSpPr>
+            <a:spLocks noGrp="1"/>
+          </p:cNvSpPr>
+          <p:nvPr>
+            <p:ph type="title"/>
+          </p:nvPr>
+        </p:nvSpPr>
+        <p:spPr/>
+        <p:txBody>
+          <a:bodyPr/>
+          <a:lstStyle/>
+          <a:p>
+            <a:r>
+              <a:rPr lang="nl-NL" smtClean="0"/>
+              <a:t>Conclusie</a:t>
+            </a:r>
+            <a:endParaRPr lang="nl-NL"/>
+          </a:p>
+        </p:txBody>
+      </p:sp>
+      <p:sp>
+        <p:nvSpPr>
+          <p:cNvPr id="3" name="Tijdelijke aanduiding voor inhoud 2"/>
+          <p:cNvSpPr>
+            <a:spLocks noGrp="1"/>
+          </p:cNvSpPr>
+          <p:nvPr>
+            <p:ph idx="1"/>
+          </p:nvPr>
+        </p:nvSpPr>
+        <p:spPr/>
+        <p:txBody>
+          <a:bodyPr/>
+          <a:lstStyle/>
+          <a:p>
+            <a:endParaRPr lang="nl-NL"/>
+          </a:p>
+        </p:txBody>
+      </p:sp>
+    </p:spTree>
+    <p:extLst>
+      <p:ext uri="{BB962C8B-B14F-4D97-AF65-F5344CB8AC3E}">
+        <p14:creationId xmlns:p14="http://schemas.microsoft.com/office/powerpoint/2010/main" val="2551201508"/>
+      </p:ext>
+    </p:extLst>
+  </p:cSld>
+  <p:clrMapOvr>
+    <a:masterClrMapping/>
+  </p:clrMapOvr>
+  <p:timing>
+    <p:tnLst>
+      <p:par>
+        <p:cTn id="1" dur="indefinite" restart="never" nodeType="tmRoot"/>
+      </p:par>
+    </p:tnLst>
+  </p:timing>
+</p:sld>
+</file>
+
+<file path=ppt/slides/slide11.xml><?xml version="1.0" encoding="utf-8"?>
+<p:sld xmlns:a="http://schemas.openxmlformats.org/drawingml/2006/main" xmlns:r="http://schemas.openxmlformats.org/officeDocument/2006/relationships" xmlns:p="http://schemas.openxmlformats.org/presentationml/2006/main">
+  <p:cSld>
+    <p:spTree>
+      <p:nvGrpSpPr>
+        <p:cNvPr id="1" name=""/>
+        <p:cNvGrpSpPr/>
+        <p:nvPr/>
+      </p:nvGrpSpPr>
+      <p:grpSpPr>
+        <a:xfrm>
+          <a:off x="0" y="0"/>
+          <a:ext cx="0" cy="0"/>
+          <a:chOff x="0" y="0"/>
+          <a:chExt cx="0" cy="0"/>
+        </a:xfrm>
+      </p:grpSpPr>
+      <p:sp>
+        <p:nvSpPr>
+          <p:cNvPr id="2" name="Titel 1"/>
+          <p:cNvSpPr>
+            <a:spLocks noGrp="1"/>
+          </p:cNvSpPr>
+          <p:nvPr>
+            <p:ph type="title"/>
+          </p:nvPr>
+        </p:nvSpPr>
+        <p:spPr/>
+        <p:txBody>
+          <a:bodyPr/>
+          <a:lstStyle/>
+          <a:p>
+            <a:r>
+              <a:rPr lang="nl-NL" smtClean="0"/>
+              <a:t>Bedankt voor jullie aandacht</a:t>
+            </a:r>
+            <a:endParaRPr lang="nl-NL"/>
+          </a:p>
+        </p:txBody>
+      </p:sp>
+      <p:sp>
+        <p:nvSpPr>
+          <p:cNvPr id="3" name="Tijdelijke aanduiding voor inhoud 2"/>
+          <p:cNvSpPr>
+            <a:spLocks noGrp="1"/>
+          </p:cNvSpPr>
+          <p:nvPr>
+            <p:ph idx="1"/>
+          </p:nvPr>
+        </p:nvSpPr>
+        <p:spPr/>
+        <p:txBody>
+          <a:bodyPr/>
+          <a:lstStyle/>
+          <a:p>
+            <a:endParaRPr lang="nl-NL"/>
+          </a:p>
+        </p:txBody>
+      </p:sp>
+    </p:spTree>
+    <p:extLst>
+      <p:ext uri="{BB962C8B-B14F-4D97-AF65-F5344CB8AC3E}">
+        <p14:creationId xmlns:p14="http://schemas.microsoft.com/office/powerpoint/2010/main" val="3204039081"/>
+      </p:ext>
+    </p:extLst>
+  </p:cSld>
+  <p:clrMapOvr>
+    <a:masterClrMapping/>
+  </p:clrMapOvr>
+</p:sld>
+</file>
+
+<file path=ppt/slides/slide2.xml><?xml version="1.0" encoding="utf-8"?>
+<p:sld xmlns:a="http://schemas.openxmlformats.org/drawingml/2006/main" xmlns:r="http://schemas.openxmlformats.org/officeDocument/2006/relationships" xmlns:p="http://schemas.openxmlformats.org/presentationml/2006/main">
+  <p:cSld>
+    <p:spTree>
+      <p:nvGrpSpPr>
+        <p:cNvPr id="1" name=""/>
+        <p:cNvGrpSpPr/>
+        <p:nvPr/>
+      </p:nvGrpSpPr>
+      <p:grpSpPr>
+        <a:xfrm>
+          <a:off x="0" y="0"/>
+          <a:ext cx="0" cy="0"/>
+          <a:chOff x="0" y="0"/>
+          <a:chExt cx="0" cy="0"/>
+        </a:xfrm>
+      </p:grpSpPr>
+      <p:sp>
+        <p:nvSpPr>
+          <p:cNvPr id="2" name="Titel 1"/>
+          <p:cNvSpPr>
+            <a:spLocks noGrp="1"/>
+          </p:cNvSpPr>
+          <p:nvPr>
+            <p:ph type="title"/>
+          </p:nvPr>
+        </p:nvSpPr>
+        <p:spPr/>
+        <p:txBody>
+          <a:bodyPr/>
+          <a:lstStyle/>
+          <a:p>
+            <a:r>
+              <a:rPr lang="nl-NL" smtClean="0"/>
+              <a:t>Ontstaan van zonnestelsel</a:t>
+            </a:r>
+            <a:endParaRPr lang="nl-NL"/>
+          </a:p>
+        </p:txBody>
+      </p:sp>
+      <p:sp>
+        <p:nvSpPr>
+          <p:cNvPr id="3" name="Tijdelijke aanduiding voor inhoud 2"/>
+          <p:cNvSpPr>
+            <a:spLocks noGrp="1"/>
+          </p:cNvSpPr>
+          <p:nvPr>
+            <p:ph idx="1"/>
+          </p:nvPr>
+        </p:nvSpPr>
+        <p:spPr/>
+        <p:txBody>
+          <a:bodyPr/>
+          <a:lstStyle/>
+          <a:p>
+            <a:r>
+              <a:rPr lang="nl-NL" smtClean="0"/>
+              <a:t>Grote wolk</a:t>
+            </a:r>
+          </a:p>
+          <a:p>
+            <a:r>
+              <a:rPr lang="nl-NL" smtClean="0"/>
+              <a:t>Samenklonteren van kleine hemellichamen</a:t>
+            </a:r>
+          </a:p>
+          <a:p>
+            <a:r>
+              <a:rPr lang="nl-NL" smtClean="0"/>
+              <a:t>Ontstaan planeten</a:t>
+            </a:r>
+          </a:p>
+          <a:p>
+            <a:endParaRPr lang="nl-NL"/>
+          </a:p>
+          <a:p>
+            <a:endParaRPr lang="nl-NL" smtClean="0"/>
+          </a:p>
+          <a:p>
+            <a:endParaRPr lang="nl-NL"/>
+          </a:p>
+          <a:p>
+            <a:endParaRPr lang="nl-NL" smtClean="0"/>
+          </a:p>
+          <a:p>
+            <a:endParaRPr lang="nl-NL"/>
+          </a:p>
+        </p:txBody>
+      </p:sp>
+    </p:spTree>
+    <p:extLst>
+      <p:ext uri="{BB962C8B-B14F-4D97-AF65-F5344CB8AC3E}">
+        <p14:creationId xmlns:p14="http://schemas.microsoft.com/office/powerpoint/2010/main" val="2728231890"/>
+      </p:ext>
+    </p:extLst>
+  </p:cSld>
+  <p:clrMapOvr>
+    <a:masterClrMapping/>
+  </p:clrMapOvr>
+</p:sld>
+</file>
+
+<file path=ppt/slides/slide3.xml><?xml version="1.0" encoding="utf-8"?>
+<p:sld xmlns:a="http://schemas.openxmlformats.org/drawingml/2006/main" xmlns:r="http://schemas.openxmlformats.org/officeDocument/2006/relationships" xmlns:p="http://schemas.openxmlformats.org/presentationml/2006/main">
+  <p:cSld>
+    <p:spTree>
+      <p:nvGrpSpPr>
+        <p:cNvPr id="1" name=""/>
+        <p:cNvGrpSpPr/>
+        <p:nvPr/>
+      </p:nvGrpSpPr>
+      <p:grpSpPr>
+        <a:xfrm>
+          <a:off x="0" y="0"/>
+          <a:ext cx="0" cy="0"/>
+          <a:chOff x="0" y="0"/>
+          <a:chExt cx="0" cy="0"/>
+        </a:xfrm>
+      </p:grpSpPr>
+      <p:sp>
+        <p:nvSpPr>
+          <p:cNvPr id="2" name="Titel 1"/>
+          <p:cNvSpPr>
+            <a:spLocks noGrp="1"/>
+          </p:cNvSpPr>
+          <p:nvPr>
+            <p:ph type="title"/>
+          </p:nvPr>
+        </p:nvSpPr>
+        <p:spPr/>
+        <p:txBody>
+          <a:bodyPr/>
+          <a:lstStyle/>
+          <a:p>
+            <a:r>
+              <a:rPr lang="nl-NL" smtClean="0"/>
+              <a:t>Onderzoeksdoel</a:t>
+            </a:r>
+            <a:endParaRPr lang="nl-NL"/>
+          </a:p>
+        </p:txBody>
+      </p:sp>
+      <p:sp>
+        <p:nvSpPr>
+          <p:cNvPr id="3" name="Tijdelijke aanduiding voor inhoud 2"/>
+          <p:cNvSpPr>
+            <a:spLocks noGrp="1"/>
+          </p:cNvSpPr>
+          <p:nvPr>
+            <p:ph idx="1"/>
+          </p:nvPr>
+        </p:nvSpPr>
+        <p:spPr/>
+        <p:txBody>
+          <a:bodyPr/>
+          <a:lstStyle/>
+          <a:p>
+            <a:r>
+              <a:rPr lang="nl-NL" smtClean="0"/>
+              <a:t>Verloop aantal planeten</a:t>
+            </a:r>
+          </a:p>
+          <a:p>
+            <a:r>
+              <a:rPr lang="nl-NL" smtClean="0"/>
+              <a:t>Invloed aantal begindeeltjes</a:t>
+            </a:r>
+          </a:p>
+          <a:p>
+            <a:r>
+              <a:rPr lang="nl-NL" smtClean="0"/>
+              <a:t>Definitie planeten: deeltjes minstens zo zwaar als Mercurius</a:t>
+            </a:r>
+          </a:p>
+          <a:p>
+            <a:endParaRPr lang="nl-NL"/>
+          </a:p>
+          <a:p>
+            <a:r>
+              <a:rPr lang="nl-NL" smtClean="0"/>
+              <a:t>Snelheid programma optimaliseren</a:t>
+            </a:r>
+          </a:p>
+          <a:p>
+            <a:r>
+              <a:rPr lang="nl-NL" smtClean="0"/>
+              <a:t>Nauwkeurigheid model onderzoeken</a:t>
+            </a:r>
+          </a:p>
+          <a:p>
+            <a:endParaRPr lang="nl-NL" smtClean="0"/>
+          </a:p>
+          <a:p>
+            <a:endParaRPr lang="nl-NL"/>
+          </a:p>
+        </p:txBody>
+      </p:sp>
+    </p:spTree>
+    <p:extLst>
+      <p:ext uri="{BB962C8B-B14F-4D97-AF65-F5344CB8AC3E}">
+        <p14:creationId xmlns:p14="http://schemas.microsoft.com/office/powerpoint/2010/main" val="1860369996"/>
+      </p:ext>
+    </p:extLst>
+  </p:cSld>
+  <p:clrMapOvr>
+    <a:masterClrMapping/>
+  </p:clrMapOvr>
+</p:sld>
+</file>
+
+<file path=ppt/slides/slide4.xml><?xml version="1.0" encoding="utf-8"?>
+<p:sld xmlns:a="http://schemas.openxmlformats.org/drawingml/2006/main" xmlns:r="http://schemas.openxmlformats.org/officeDocument/2006/relationships" xmlns:p="http://schemas.openxmlformats.org/presentationml/2006/main">
+  <p:cSld>
+    <p:spTree>
+      <p:nvGrpSpPr>
+        <p:cNvPr id="1" name=""/>
+        <p:cNvGrpSpPr/>
+        <p:nvPr/>
+      </p:nvGrpSpPr>
+      <p:grpSpPr>
+        <a:xfrm>
+          <a:off x="0" y="0"/>
+          <a:ext cx="0" cy="0"/>
+          <a:chOff x="0" y="0"/>
+          <a:chExt cx="0" cy="0"/>
+        </a:xfrm>
+      </p:grpSpPr>
+      <p:sp>
+        <p:nvSpPr>
+          <p:cNvPr id="2" name="Titel 1"/>
+          <p:cNvSpPr>
+            <a:spLocks noGrp="1"/>
+          </p:cNvSpPr>
+          <p:nvPr>
+            <p:ph type="title"/>
+          </p:nvPr>
+        </p:nvSpPr>
+        <p:spPr/>
+        <p:txBody>
+          <a:bodyPr/>
+          <a:lstStyle/>
+          <a:p>
+            <a:r>
+              <a:rPr lang="nl-NL" smtClean="0"/>
+              <a:t>Model</a:t>
+            </a:r>
+            <a:endParaRPr lang="nl-NL"/>
+          </a:p>
+        </p:txBody>
+      </p:sp>
+      <mc:AlternateContent xmlns:mc="http://schemas.openxmlformats.org/markup-compatibility/2006">
+        <mc:Choice xmlns:a14="http://schemas.microsoft.com/office/drawing/2010/main" Requires="a14">
+          <p:sp>
+            <p:nvSpPr>
+              <p:cNvPr id="3" name="Tijdelijke aanduiding voor inhoud 2"/>
+              <p:cNvSpPr>
+                <a:spLocks noGrp="1"/>
+              </p:cNvSpPr>
+              <p:nvPr>
+                <p:ph idx="1"/>
+              </p:nvPr>
+            </p:nvSpPr>
+            <p:spPr/>
+            <p:txBody>
+              <a:bodyPr>
+                <a:normAutofit/>
+              </a:bodyPr>
+              <a:lstStyle/>
+              <a:p>
+                <a:r>
+                  <a:rPr lang="nl-NL" smtClean="0"/>
+                  <a:t>Integratie versnelling:</a:t>
+                </a:r>
+              </a:p>
+              <a:p>
+                <a:pPr lvl="1"/>
+                <a14:m>
+                  <m:oMath xmlns:m="http://schemas.openxmlformats.org/officeDocument/2006/math">
+                    <m:f>
+                      <m:fPr>
+                        <m:ctrlPr>
+                          <a:rPr lang="nl-NL" sz="3200" i="1" smtClean="0">
+                            <a:latin typeface="Cambria Math"/>
+                          </a:rPr>
+                        </m:ctrlPr>
+                      </m:fPr>
+                      <m:num>
+                        <m:sSup>
+                          <m:sSupPr>
+                            <m:ctrlPr>
+                              <a:rPr lang="nl-NL" sz="3200" i="1" smtClean="0">
+                                <a:latin typeface="Cambria Math"/>
+                              </a:rPr>
+                            </m:ctrlPr>
+                          </m:sSupPr>
+                          <m:e>
+                            <m:r>
+                              <a:rPr lang="nl-NL" sz="3200" b="0" i="1" smtClean="0">
+                                <a:latin typeface="Cambria Math"/>
+                              </a:rPr>
+                              <m:t>𝑑</m:t>
+                            </m:r>
+                          </m:e>
+                          <m:sup>
+                            <m:r>
+                              <a:rPr lang="nl-NL" sz="3200" b="0" i="1" smtClean="0">
+                                <a:latin typeface="Cambria Math"/>
+                              </a:rPr>
+                              <m:t>2</m:t>
+                            </m:r>
+                          </m:sup>
+                        </m:sSup>
+                        <m:acc>
+                          <m:accPr>
+                            <m:chr m:val="⃗"/>
+                            <m:ctrlPr>
+                              <a:rPr lang="nl-NL" sz="3200" i="1" smtClean="0">
+                                <a:latin typeface="Cambria Math"/>
+                              </a:rPr>
+                            </m:ctrlPr>
+                          </m:accPr>
+                          <m:e>
+                            <m:sSub>
+                              <m:sSubPr>
+                                <m:ctrlPr>
+                                  <a:rPr lang="nl-NL" sz="3200" i="1" smtClean="0">
+                                    <a:latin typeface="Cambria Math"/>
+                                  </a:rPr>
+                                </m:ctrlPr>
+                              </m:sSubPr>
+                              <m:e>
+                                <m:r>
+                                  <a:rPr lang="nl-NL" sz="3200" b="0" i="1" smtClean="0">
+                                    <a:latin typeface="Cambria Math"/>
+                                  </a:rPr>
+                                  <m:t>𝑥</m:t>
+                                </m:r>
+                              </m:e>
+                              <m:sub>
+                                <m:r>
+                                  <a:rPr lang="nl-NL" sz="3200" b="0" i="1" smtClean="0">
+                                    <a:latin typeface="Cambria Math"/>
+                                  </a:rPr>
+                                  <m:t>𝑖</m:t>
+                                </m:r>
+                              </m:sub>
+                            </m:sSub>
+                          </m:e>
+                        </m:acc>
+                      </m:num>
+                      <m:den>
+                        <m:r>
+                          <a:rPr lang="nl-NL" sz="3200" i="1" smtClean="0">
+                            <a:latin typeface="Cambria Math"/>
+                          </a:rPr>
+                          <m:t>𝑑</m:t>
+                        </m:r>
+                        <m:sSup>
+                          <m:sSupPr>
+                            <m:ctrlPr>
+                              <a:rPr lang="nl-NL" sz="3200" b="0" i="1" smtClean="0">
+                                <a:latin typeface="Cambria Math"/>
+                              </a:rPr>
+                            </m:ctrlPr>
+                          </m:sSupPr>
+                          <m:e>
+                            <m:r>
+                              <a:rPr lang="nl-NL" sz="3200" b="0" i="1" smtClean="0">
+                                <a:latin typeface="Cambria Math"/>
+                              </a:rPr>
+                              <m:t>𝑡</m:t>
+                            </m:r>
+                          </m:e>
+                          <m:sup>
+                            <m:r>
+                              <a:rPr lang="nl-NL" sz="3200" b="0" i="1" smtClean="0">
+                                <a:latin typeface="Cambria Math"/>
+                              </a:rPr>
+                              <m:t>2</m:t>
+                            </m:r>
+                          </m:sup>
+                        </m:sSup>
+                      </m:den>
+                    </m:f>
+                    <m:r>
+                      <a:rPr lang="nl-NL" sz="3200" b="0" i="1" smtClean="0">
+                        <a:latin typeface="Cambria Math"/>
+                      </a:rPr>
+                      <m:t>=</m:t>
+                    </m:r>
+                    <m:r>
+                      <a:rPr lang="nl-NL" sz="3200" b="0" i="1" smtClean="0">
+                        <a:latin typeface="Cambria Math"/>
+                      </a:rPr>
+                      <m:t>𝐺</m:t>
+                    </m:r>
+                    <m:nary>
+                      <m:naryPr>
+                        <m:chr m:val="∑"/>
+                        <m:supHide m:val="on"/>
+                        <m:ctrlPr>
+                          <a:rPr lang="nl-NL" sz="3200" b="0" i="1" smtClean="0">
+                            <a:latin typeface="Cambria Math"/>
+                          </a:rPr>
+                        </m:ctrlPr>
+                      </m:naryPr>
+                      <m:sub>
+                        <m:r>
+                          <m:rPr>
+                            <m:brk m:alnAt="7"/>
+                          </m:rPr>
+                          <a:rPr lang="nl-NL" sz="3200" b="0" i="1" smtClean="0">
+                            <a:latin typeface="Cambria Math"/>
+                          </a:rPr>
+                          <m:t>𝑗</m:t>
+                        </m:r>
+                        <m:r>
+                          <a:rPr lang="nl-NL" sz="3200" b="0" i="1" smtClean="0">
+                            <a:latin typeface="Cambria Math"/>
+                            <a:ea typeface="Cambria Math"/>
+                          </a:rPr>
+                          <m:t>≠</m:t>
+                        </m:r>
+                        <m:r>
+                          <a:rPr lang="nl-NL" sz="3200" b="0" i="1" smtClean="0">
+                            <a:latin typeface="Cambria Math"/>
+                            <a:ea typeface="Cambria Math"/>
+                          </a:rPr>
+                          <m:t>𝑖</m:t>
+                        </m:r>
+                      </m:sub>
+                      <m:sup/>
+                      <m:e>
+                        <m:sSub>
+                          <m:sSubPr>
+                            <m:ctrlPr>
+                              <a:rPr lang="nl-NL" sz="3200" b="0" i="1" smtClean="0">
+                                <a:latin typeface="Cambria Math"/>
+                              </a:rPr>
+                            </m:ctrlPr>
+                          </m:sSubPr>
+                          <m:e>
+                            <m:r>
+                              <a:rPr lang="nl-NL" sz="3200" b="0" i="1" smtClean="0">
+                                <a:latin typeface="Cambria Math"/>
+                              </a:rPr>
+                              <m:t>𝑚</m:t>
+                            </m:r>
+                          </m:e>
+                          <m:sub>
+                            <m:r>
+                              <a:rPr lang="nl-NL" sz="3200" b="0" i="1" smtClean="0">
+                                <a:latin typeface="Cambria Math"/>
+                              </a:rPr>
+                              <m:t>𝑗</m:t>
+                            </m:r>
+                          </m:sub>
+                        </m:sSub>
+                        <m:f>
+                          <m:fPr>
+                            <m:ctrlPr>
+                              <a:rPr lang="nl-NL" sz="3200" b="0" i="1" smtClean="0">
+                                <a:latin typeface="Cambria Math"/>
+                              </a:rPr>
+                            </m:ctrlPr>
+                          </m:fPr>
+                          <m:num>
+                            <m:acc>
+                              <m:accPr>
+                                <m:chr m:val="⃗"/>
+                                <m:ctrlPr>
+                                  <a:rPr lang="nl-NL" sz="3200" b="0" i="1" smtClean="0">
+                                    <a:latin typeface="Cambria Math"/>
+                                  </a:rPr>
+                                </m:ctrlPr>
+                              </m:accPr>
+                              <m:e>
+                                <m:sSub>
+                                  <m:sSubPr>
+                                    <m:ctrlPr>
+                                      <a:rPr lang="nl-NL" sz="3200" b="0" i="1" smtClean="0">
+                                        <a:latin typeface="Cambria Math"/>
+                                      </a:rPr>
+                                    </m:ctrlPr>
+                                  </m:sSubPr>
+                                  <m:e>
+                                    <m:r>
+                                      <a:rPr lang="nl-NL" sz="3200" b="0" i="1" smtClean="0">
+                                        <a:latin typeface="Cambria Math"/>
+                                      </a:rPr>
+                                      <m:t>𝑥</m:t>
+                                    </m:r>
+                                  </m:e>
+                                  <m:sub>
+                                    <m:r>
+                                      <a:rPr lang="nl-NL" sz="3200" b="0" i="1" smtClean="0">
+                                        <a:latin typeface="Cambria Math"/>
+                                      </a:rPr>
+                                      <m:t>𝑗</m:t>
+                                    </m:r>
+                                  </m:sub>
+                                </m:sSub>
+                              </m:e>
+                            </m:acc>
+                            <m:r>
+                              <a:rPr lang="nl-NL" sz="3200" b="0" i="1" smtClean="0">
+                                <a:latin typeface="Cambria Math"/>
+                              </a:rPr>
+                              <m:t>−</m:t>
+                            </m:r>
+                            <m:acc>
+                              <m:accPr>
+                                <m:chr m:val="⃗"/>
+                                <m:ctrlPr>
+                                  <a:rPr lang="nl-NL" sz="3200" i="1">
+                                    <a:latin typeface="Cambria Math"/>
+                                  </a:rPr>
+                                </m:ctrlPr>
+                              </m:accPr>
+                              <m:e>
+                                <m:sSub>
+                                  <m:sSubPr>
+                                    <m:ctrlPr>
+                                      <a:rPr lang="nl-NL" sz="3200" i="1">
+                                        <a:latin typeface="Cambria Math"/>
+                                      </a:rPr>
+                                    </m:ctrlPr>
+                                  </m:sSubPr>
+                                  <m:e>
+                                    <m:r>
+                                      <a:rPr lang="nl-NL" sz="3200" i="1">
+                                        <a:latin typeface="Cambria Math"/>
+                                      </a:rPr>
+                                      <m:t>𝑥</m:t>
+                                    </m:r>
+                                  </m:e>
+                                  <m:sub>
+                                    <m:r>
+                                      <a:rPr lang="nl-NL" sz="3200" b="0" i="1" smtClean="0">
+                                        <a:latin typeface="Cambria Math"/>
+                                      </a:rPr>
+                                      <m:t>𝑖</m:t>
+                                    </m:r>
+                                  </m:sub>
+                                </m:sSub>
+                              </m:e>
+                            </m:acc>
+                          </m:num>
+                          <m:den>
+                            <m:sSup>
+                              <m:sSupPr>
+                                <m:ctrlPr>
+                                  <a:rPr lang="nl-NL" sz="3200" b="0" i="1" smtClean="0">
+                                    <a:latin typeface="Cambria Math"/>
+                                  </a:rPr>
+                                </m:ctrlPr>
+                              </m:sSupPr>
+                              <m:e>
+                                <m:r>
+                                  <a:rPr lang="nl-NL" sz="3200" b="0" i="1" smtClean="0">
+                                    <a:latin typeface="Cambria Math"/>
+                                  </a:rPr>
+                                  <m:t>|</m:t>
+                                </m:r>
+                                <m:acc>
+                                  <m:accPr>
+                                    <m:chr m:val="⃗"/>
+                                    <m:ctrlPr>
+                                      <a:rPr lang="nl-NL" sz="3200" i="1">
+                                        <a:latin typeface="Cambria Math"/>
+                                      </a:rPr>
+                                    </m:ctrlPr>
+                                  </m:accPr>
+                                  <m:e>
+                                    <m:sSub>
+                                      <m:sSubPr>
+                                        <m:ctrlPr>
+                                          <a:rPr lang="nl-NL" sz="3200" i="1" smtClean="0">
+                                            <a:latin typeface="Cambria Math"/>
+                                          </a:rPr>
+                                        </m:ctrlPr>
+                                      </m:sSubPr>
+                                      <m:e>
+                                        <m:r>
+                                          <a:rPr lang="nl-NL" sz="3200" i="1">
+                                            <a:latin typeface="Cambria Math"/>
+                                          </a:rPr>
+                                          <m:t>𝑥</m:t>
+                                        </m:r>
+                                      </m:e>
+                                      <m:sub>
+                                        <m:r>
+                                          <a:rPr lang="nl-NL" sz="3200" i="1">
+                                            <a:latin typeface="Cambria Math"/>
+                                          </a:rPr>
+                                          <m:t>𝑗</m:t>
+                                        </m:r>
+                                      </m:sub>
+                                    </m:sSub>
+                                  </m:e>
+                                </m:acc>
+                                <m:r>
+                                  <a:rPr lang="nl-NL" sz="3200" i="1">
+                                    <a:latin typeface="Cambria Math"/>
+                                  </a:rPr>
+                                  <m:t>−</m:t>
+                                </m:r>
+                                <m:acc>
+                                  <m:accPr>
+                                    <m:chr m:val="⃗"/>
+                                    <m:ctrlPr>
+                                      <a:rPr lang="nl-NL" sz="3200" i="1">
+                                        <a:latin typeface="Cambria Math"/>
+                                      </a:rPr>
+                                    </m:ctrlPr>
+                                  </m:accPr>
+                                  <m:e>
+                                    <m:sSub>
+                                      <m:sSubPr>
+                                        <m:ctrlPr>
+                                          <a:rPr lang="nl-NL" sz="3200" i="1">
+                                            <a:latin typeface="Cambria Math"/>
+                                          </a:rPr>
+                                        </m:ctrlPr>
+                                      </m:sSubPr>
+                                      <m:e>
+                                        <m:r>
+                                          <a:rPr lang="nl-NL" sz="3200" i="1">
+                                            <a:latin typeface="Cambria Math"/>
+                                          </a:rPr>
+                                          <m:t>𝑥</m:t>
+                                        </m:r>
+                                      </m:e>
+                                      <m:sub>
+                                        <m:r>
+                                          <a:rPr lang="nl-NL" sz="3200" i="1">
+                                            <a:latin typeface="Cambria Math"/>
+                                          </a:rPr>
+                                          <m:t>𝑖</m:t>
+                                        </m:r>
+                                      </m:sub>
+                                    </m:sSub>
+                                  </m:e>
+                                </m:acc>
+                                <m:r>
+                                  <a:rPr lang="nl-NL" sz="3200" b="0" i="1" smtClean="0">
+                                    <a:latin typeface="Cambria Math"/>
+                                  </a:rPr>
+                                  <m:t>|</m:t>
+                                </m:r>
+                              </m:e>
+                              <m:sup>
+                                <m:r>
+                                  <a:rPr lang="nl-NL" sz="3200" b="0" i="1" smtClean="0">
+                                    <a:latin typeface="Cambria Math"/>
+                                  </a:rPr>
+                                  <m:t>3</m:t>
+                                </m:r>
+                              </m:sup>
+                            </m:sSup>
+                          </m:den>
+                        </m:f>
+                      </m:e>
+                    </m:nary>
+                  </m:oMath>
+                </a14:m>
+                <a:endParaRPr lang="nl-NL" sz="3200" smtClean="0"/>
+              </a:p>
+              <a:p>
+                <a:pPr lvl="1"/>
+                <a:r>
+                  <a:rPr lang="nl-NL" smtClean="0"/>
+                  <a:t>Leapfrog</a:t>
+                </a:r>
+              </a:p>
+              <a:p>
+                <a:r>
+                  <a:rPr lang="nl-NL" smtClean="0"/>
+                  <a:t>Botsing</a:t>
+                </a:r>
+              </a:p>
+              <a:p>
+                <a:pPr lvl="1"/>
+                <a:r>
+                  <a:rPr lang="nl-NL" smtClean="0"/>
+                  <a:t>Perfect inelastische botsing (impulsbehoud)</a:t>
+                </a:r>
+              </a:p>
+              <a:p>
+                <a:r>
+                  <a:rPr lang="nl-NL" smtClean="0"/>
+                  <a:t>Begincondities</a:t>
+                </a:r>
+              </a:p>
+              <a:p>
+                <a:pPr lvl="1"/>
+                <a:r>
+                  <a:rPr lang="nl-NL" smtClean="0"/>
+                  <a:t>Gas- &amp; Rotsachtige planeten</a:t>
+                </a:r>
+              </a:p>
+              <a:p>
+                <a:pPr lvl="1"/>
+                <a:r>
+                  <a:rPr lang="nl-NL" smtClean="0"/>
+                  <a:t>Beginmassa</a:t>
+                </a:r>
+              </a:p>
+              <a:p>
+                <a:pPr lvl="1"/>
+                <a:r>
+                  <a:rPr lang="nl-NL" smtClean="0"/>
+                  <a:t>Aantal deeltjes</a:t>
+                </a:r>
+                <a:endParaRPr lang="nl-NL"/>
+              </a:p>
+            </p:txBody>
+          </p:sp>
+        </mc:Choice>
+        <mc:Fallback>
+          <p:sp>
+            <p:nvSpPr>
+              <p:cNvPr id="3" name="Tijdelijke aanduiding voor inhoud 2"/>
+              <p:cNvSpPr>
+                <a:spLocks noGrp="1" noRot="1" noChangeAspect="1" noMove="1" noResize="1" noEditPoints="1" noAdjustHandles="1" noChangeArrowheads="1" noChangeShapeType="1" noTextEdit="1"/>
+              </p:cNvSpPr>
+              <p:nvPr>
+                <p:ph idx="1"/>
+              </p:nvPr>
+            </p:nvSpPr>
+            <p:spPr>
+              <a:blipFill rotWithShape="1">
+                <a:blip r:embed="rId2"/>
+                <a:stretch>
+                  <a:fillRect l="-1043" t="-2241" b="-2521"/>
+                </a:stretch>
+              </a:blipFill>
+            </p:spPr>
+            <p:txBody>
+              <a:bodyPr/>
+              <a:lstStyle/>
+              <a:p>
+                <a:r>
+                  <a:rPr lang="nl-NL">
+                    <a:noFill/>
+                  </a:rPr>
+                  <a:t> </a:t>
+                </a:r>
+              </a:p>
+            </p:txBody>
+          </p:sp>
+        </mc:Fallback>
+      </mc:AlternateContent>
+    </p:spTree>
+    <p:extLst>
+      <p:ext uri="{BB962C8B-B14F-4D97-AF65-F5344CB8AC3E}">
+        <p14:creationId xmlns:p14="http://schemas.microsoft.com/office/powerpoint/2010/main" val="2664191952"/>
+      </p:ext>
+    </p:extLst>
+  </p:cSld>
+  <p:clrMapOvr>
+    <a:masterClrMapping/>
+  </p:clrMapOvr>
+</p:sld>
+</file>
+
+<file path=ppt/slides/slide5.xml><?xml version="1.0" encoding="utf-8"?>
+<p:sld xmlns:a="http://schemas.openxmlformats.org/drawingml/2006/main" xmlns:r="http://schemas.openxmlformats.org/officeDocument/2006/relationships" xmlns:p="http://schemas.openxmlformats.org/presentationml/2006/main">
+  <p:cSld>
+    <p:spTree>
+      <p:nvGrpSpPr>
+        <p:cNvPr id="1" name=""/>
+        <p:cNvGrpSpPr/>
+        <p:nvPr/>
+      </p:nvGrpSpPr>
+      <p:grpSpPr>
+        <a:xfrm>
+          <a:off x="0" y="0"/>
+          <a:ext cx="0" cy="0"/>
+          <a:chOff x="0" y="0"/>
+          <a:chExt cx="0" cy="0"/>
+        </a:xfrm>
+      </p:grpSpPr>
+      <p:sp>
+        <p:nvSpPr>
+          <p:cNvPr id="2" name="Titel 1"/>
+          <p:cNvSpPr>
+            <a:spLocks noGrp="1"/>
+          </p:cNvSpPr>
+          <p:nvPr>
+            <p:ph type="title"/>
+          </p:nvPr>
+        </p:nvSpPr>
+        <p:spPr/>
+        <p:txBody>
+          <a:bodyPr/>
+          <a:lstStyle/>
+          <a:p>
+            <a:r>
+              <a:rPr lang="nl-NL" smtClean="0"/>
+              <a:t>Leapfrog</a:t>
+            </a:r>
+            <a:endParaRPr lang="nl-NL"/>
+          </a:p>
+        </p:txBody>
+      </p:sp>
+      <mc:AlternateContent xmlns:mc="http://schemas.openxmlformats.org/markup-compatibility/2006">
+        <mc:Choice xmlns:a14="http://schemas.microsoft.com/office/drawing/2010/main" Requires="a14">
+          <p:sp>
+            <p:nvSpPr>
+              <p:cNvPr id="3" name="Tijdelijke aanduiding voor inhoud 2"/>
+              <p:cNvSpPr>
+                <a:spLocks noGrp="1"/>
+              </p:cNvSpPr>
+              <p:nvPr>
+                <p:ph idx="1"/>
+              </p:nvPr>
+            </p:nvSpPr>
+            <p:spPr/>
+            <p:txBody>
+              <a:bodyPr/>
+              <a:lstStyle/>
+              <a:p>
+                <a:r>
+                  <a:rPr lang="nl-NL" smtClean="0"/>
+                  <a:t>Handig voor mechanische systemen</a:t>
+                </a:r>
+              </a:p>
+              <a:p>
+                <a:pPr lvl="1"/>
+                <a:r>
+                  <a:rPr lang="nl-NL" smtClean="0"/>
+                  <a:t>Maakt gebruik van versnelling</a:t>
+                </a:r>
+              </a:p>
+              <a:p>
+                <a:r>
+                  <a:rPr lang="nl-NL" smtClean="0"/>
+                  <a:t>Stabiel voor oscillaties</a:t>
+                </a:r>
+              </a:p>
+              <a:p>
+                <a:pPr lvl="1"/>
+                <a:r>
+                  <a:rPr lang="nl-NL" smtClean="0"/>
+                  <a:t>Dus ook voor cirkelbewegingen</a:t>
+                </a:r>
+              </a:p>
+              <a:p>
+                <a:r>
+                  <a:rPr lang="nl-NL" smtClean="0"/>
+                  <a:t>Formule:</a:t>
+                </a:r>
+              </a:p>
+              <a:p>
+                <a:pPr lvl="1"/>
+                <a14:m>
+                  <m:oMath xmlns:m="http://schemas.openxmlformats.org/officeDocument/2006/math">
+                    <m:sSub>
+                      <m:sSubPr>
+                        <m:ctrlPr>
+                          <a:rPr lang="nl-NL" i="1" smtClean="0">
+                            <a:latin typeface="Cambria Math"/>
+                          </a:rPr>
+                        </m:ctrlPr>
+                      </m:sSubPr>
+                      <m:e>
+                        <m:r>
+                          <a:rPr lang="nl-NL" b="0" i="1" smtClean="0">
+                            <a:latin typeface="Cambria Math"/>
+                          </a:rPr>
+                          <m:t>𝑎</m:t>
+                        </m:r>
+                      </m:e>
+                      <m:sub>
+                        <m:r>
+                          <a:rPr lang="nl-NL" i="1">
+                            <a:latin typeface="Cambria Math"/>
+                          </a:rPr>
+                          <m:t>𝑖</m:t>
+                        </m:r>
+                      </m:sub>
+                    </m:sSub>
+                    <m:r>
+                      <a:rPr lang="nl-NL" i="1">
+                        <a:latin typeface="Cambria Math"/>
+                      </a:rPr>
+                      <m:t>=</m:t>
+                    </m:r>
+                    <m:sSub>
+                      <m:sSubPr>
+                        <m:ctrlPr>
+                          <a:rPr lang="nl-NL" i="1">
+                            <a:latin typeface="Cambria Math"/>
+                          </a:rPr>
+                        </m:ctrlPr>
+                      </m:sSubPr>
+                      <m:e>
+                        <m:r>
+                          <a:rPr lang="nl-NL" b="0" i="1" smtClean="0">
+                            <a:latin typeface="Cambria Math"/>
+                          </a:rPr>
+                          <m:t>𝑓</m:t>
+                        </m:r>
+                        <m:r>
+                          <a:rPr lang="nl-NL" b="0" i="1" smtClean="0">
+                            <a:latin typeface="Cambria Math"/>
+                          </a:rPr>
+                          <m:t>(</m:t>
+                        </m:r>
+                        <m:r>
+                          <a:rPr lang="nl-NL" i="1">
+                            <a:latin typeface="Cambria Math"/>
+                          </a:rPr>
+                          <m:t>𝑥</m:t>
+                        </m:r>
+                      </m:e>
+                      <m:sub>
+                        <m:r>
+                          <a:rPr lang="nl-NL" i="1">
+                            <a:latin typeface="Cambria Math"/>
+                          </a:rPr>
+                          <m:t>𝑖</m:t>
+                        </m:r>
+                      </m:sub>
+                    </m:sSub>
+                    <m:r>
+                      <a:rPr lang="nl-NL" b="0" i="1" smtClean="0">
+                        <a:latin typeface="Cambria Math"/>
+                      </a:rPr>
+                      <m:t>)</m:t>
+                    </m:r>
+                  </m:oMath>
+                </a14:m>
+                <a:endParaRPr lang="nl-NL" b="0" i="1" smtClean="0">
+                  <a:latin typeface="Cambria Math"/>
+                </a:endParaRPr>
+              </a:p>
+              <a:p>
+                <a:pPr lvl="1"/>
+                <a14:m>
+                  <m:oMath xmlns:m="http://schemas.openxmlformats.org/officeDocument/2006/math">
+                    <m:sSub>
+                      <m:sSubPr>
+                        <m:ctrlPr>
+                          <a:rPr lang="nl-NL" i="1">
+                            <a:latin typeface="Cambria Math"/>
+                          </a:rPr>
+                        </m:ctrlPr>
+                      </m:sSubPr>
+                      <m:e>
+                        <m:r>
+                          <a:rPr lang="nl-NL" b="0" i="1" smtClean="0">
+                            <a:latin typeface="Cambria Math"/>
+                          </a:rPr>
+                          <m:t>𝑣</m:t>
+                        </m:r>
+                      </m:e>
+                      <m:sub>
+                        <m:r>
+                          <a:rPr lang="nl-NL" i="1">
+                            <a:latin typeface="Cambria Math"/>
+                          </a:rPr>
+                          <m:t>𝑖</m:t>
+                        </m:r>
+                        <m:r>
+                          <a:rPr lang="nl-NL" b="0" i="1" smtClean="0">
+                            <a:latin typeface="Cambria Math"/>
+                          </a:rPr>
+                          <m:t>+1/2</m:t>
+                        </m:r>
+                      </m:sub>
+                    </m:sSub>
+                    <m:r>
+                      <a:rPr lang="nl-NL" i="1">
+                        <a:latin typeface="Cambria Math"/>
+                      </a:rPr>
+                      <m:t>=</m:t>
+                    </m:r>
+                    <m:sSub>
+                      <m:sSubPr>
+                        <m:ctrlPr>
+                          <a:rPr lang="nl-NL" i="1">
+                            <a:latin typeface="Cambria Math"/>
+                          </a:rPr>
+                        </m:ctrlPr>
+                      </m:sSubPr>
+                      <m:e>
+                        <m:r>
+                          <a:rPr lang="nl-NL" b="0" i="1" smtClean="0">
+                            <a:latin typeface="Cambria Math"/>
+                          </a:rPr>
+                          <m:t>𝑣</m:t>
+                        </m:r>
+                      </m:e>
+                      <m:sub>
+                        <m:r>
+                          <a:rPr lang="nl-NL" i="1">
+                            <a:latin typeface="Cambria Math"/>
+                          </a:rPr>
+                          <m:t>𝑖</m:t>
+                        </m:r>
+                        <m:r>
+                          <a:rPr lang="nl-NL" b="0" i="1" smtClean="0">
+                            <a:latin typeface="Cambria Math"/>
+                          </a:rPr>
+                          <m:t>−1/2</m:t>
+                        </m:r>
+                      </m:sub>
+                    </m:sSub>
+                    <m:r>
+                      <a:rPr lang="nl-NL" i="1">
+                        <a:latin typeface="Cambria Math"/>
+                      </a:rPr>
+                      <m:t>+</m:t>
+                    </m:r>
+                    <m:sSub>
+                      <m:sSubPr>
+                        <m:ctrlPr>
+                          <a:rPr lang="nl-NL" i="1">
+                            <a:latin typeface="Cambria Math"/>
+                          </a:rPr>
+                        </m:ctrlPr>
+                      </m:sSubPr>
+                      <m:e>
+                        <m:r>
+                          <a:rPr lang="nl-NL" i="1">
+                            <a:latin typeface="Cambria Math"/>
+                            <a:ea typeface="Cambria Math"/>
+                          </a:rPr>
+                          <m:t>∆</m:t>
+                        </m:r>
+                        <m:r>
+                          <a:rPr lang="nl-NL" i="1">
+                            <a:latin typeface="Cambria Math"/>
+                            <a:ea typeface="Cambria Math"/>
+                          </a:rPr>
+                          <m:t>𝑡</m:t>
+                        </m:r>
+                        <m:r>
+                          <a:rPr lang="nl-NL" i="1">
+                            <a:latin typeface="Cambria Math"/>
+                            <a:ea typeface="Cambria Math"/>
+                          </a:rPr>
+                          <m:t> ∙</m:t>
+                        </m:r>
+                        <m:r>
+                          <a:rPr lang="nl-NL" b="0" i="1" smtClean="0">
+                            <a:latin typeface="Cambria Math"/>
+                            <a:ea typeface="Cambria Math"/>
+                          </a:rPr>
+                          <m:t>𝑎</m:t>
+                        </m:r>
+                      </m:e>
+                      <m:sub>
+                        <m:r>
+                          <a:rPr lang="nl-NL" i="1">
+                            <a:latin typeface="Cambria Math"/>
+                          </a:rPr>
+                          <m:t>𝑖</m:t>
+                        </m:r>
+                      </m:sub>
+                    </m:sSub>
+                  </m:oMath>
+                </a14:m>
+                <a:endParaRPr lang="nl-NL" smtClean="0"/>
+              </a:p>
+              <a:p>
+                <a:pPr lvl="1"/>
+                <a14:m>
+                  <m:oMath xmlns:m="http://schemas.openxmlformats.org/officeDocument/2006/math">
+                    <m:sSub>
+                      <m:sSubPr>
+                        <m:ctrlPr>
+                          <a:rPr lang="nl-NL" i="1">
+                            <a:latin typeface="Cambria Math"/>
+                          </a:rPr>
+                        </m:ctrlPr>
+                      </m:sSubPr>
+                      <m:e>
+                        <m:r>
+                          <a:rPr lang="nl-NL" i="1">
+                            <a:latin typeface="Cambria Math"/>
+                          </a:rPr>
+                          <m:t>𝑥</m:t>
+                        </m:r>
+                      </m:e>
+                      <m:sub>
+                        <m:r>
+                          <a:rPr lang="nl-NL" i="1">
+                            <a:latin typeface="Cambria Math"/>
+                          </a:rPr>
+                          <m:t>𝑖</m:t>
+                        </m:r>
+                        <m:r>
+                          <a:rPr lang="nl-NL" i="1">
+                            <a:latin typeface="Cambria Math"/>
+                          </a:rPr>
+                          <m:t>+1</m:t>
+                        </m:r>
+                      </m:sub>
+                    </m:sSub>
+                    <m:r>
+                      <a:rPr lang="nl-NL" i="1">
+                        <a:latin typeface="Cambria Math"/>
+                      </a:rPr>
+                      <m:t>=</m:t>
+                    </m:r>
+                    <m:sSub>
+                      <m:sSubPr>
+                        <m:ctrlPr>
+                          <a:rPr lang="nl-NL" i="1">
+                            <a:latin typeface="Cambria Math"/>
+                          </a:rPr>
+                        </m:ctrlPr>
+                      </m:sSubPr>
+                      <m:e>
+                        <m:r>
+                          <a:rPr lang="nl-NL" i="1">
+                            <a:latin typeface="Cambria Math"/>
+                          </a:rPr>
+                          <m:t>𝑥</m:t>
+                        </m:r>
+                      </m:e>
+                      <m:sub>
+                        <m:r>
+                          <a:rPr lang="nl-NL" i="1">
+                            <a:latin typeface="Cambria Math"/>
+                          </a:rPr>
+                          <m:t>𝑖</m:t>
+                        </m:r>
+                      </m:sub>
+                    </m:sSub>
+                    <m:r>
+                      <a:rPr lang="nl-NL" i="1">
+                        <a:latin typeface="Cambria Math"/>
+                      </a:rPr>
+                      <m:t>+</m:t>
+                    </m:r>
+                    <m:sSub>
+                      <m:sSubPr>
+                        <m:ctrlPr>
+                          <a:rPr lang="nl-NL" i="1">
+                            <a:latin typeface="Cambria Math"/>
+                          </a:rPr>
+                        </m:ctrlPr>
+                      </m:sSubPr>
+                      <m:e>
+                        <m:r>
+                          <a:rPr lang="nl-NL" i="1">
+                            <a:latin typeface="Cambria Math"/>
+                            <a:ea typeface="Cambria Math"/>
+                          </a:rPr>
+                          <m:t>∆</m:t>
+                        </m:r>
+                        <m:r>
+                          <a:rPr lang="nl-NL" i="1">
+                            <a:latin typeface="Cambria Math"/>
+                            <a:ea typeface="Cambria Math"/>
+                          </a:rPr>
+                          <m:t>𝑡</m:t>
+                        </m:r>
+                        <m:r>
+                          <a:rPr lang="nl-NL" i="1">
+                            <a:latin typeface="Cambria Math"/>
+                            <a:ea typeface="Cambria Math"/>
+                          </a:rPr>
+                          <m:t> ∙</m:t>
+                        </m:r>
+                        <m:r>
+                          <a:rPr lang="nl-NL" i="1">
+                            <a:latin typeface="Cambria Math"/>
+                          </a:rPr>
+                          <m:t>𝑣</m:t>
+                        </m:r>
+                      </m:e>
+                      <m:sub>
+                        <m:r>
+                          <a:rPr lang="nl-NL" i="1">
+                            <a:latin typeface="Cambria Math"/>
+                          </a:rPr>
+                          <m:t>𝑖</m:t>
+                        </m:r>
+                        <m:r>
+                          <a:rPr lang="nl-NL" i="1">
+                            <a:latin typeface="Cambria Math"/>
+                          </a:rPr>
+                          <m:t>+1/2</m:t>
+                        </m:r>
+                      </m:sub>
+                    </m:sSub>
+                  </m:oMath>
+                </a14:m>
+                <a:endParaRPr lang="nl-NL"/>
+              </a:p>
+              <a:p>
+                <a:r>
+                  <a:rPr lang="nl-NL" smtClean="0"/>
+                  <a:t>Orde 2</a:t>
+                </a:r>
+              </a:p>
+              <a:p>
+                <a:pPr lvl="1"/>
+                <a:endParaRPr lang="nl-NL" smtClean="0"/>
+              </a:p>
+              <a:p>
+                <a:pPr marL="457200" lvl="1" indent="0">
+                  <a:buNone/>
+                </a:pPr>
+                <a:endParaRPr lang="nl-NL"/>
+              </a:p>
+            </p:txBody>
+          </p:sp>
+        </mc:Choice>
+        <mc:Fallback>
+          <p:sp>
+            <p:nvSpPr>
+              <p:cNvPr id="3" name="Tijdelijke aanduiding voor inhoud 2"/>
+              <p:cNvSpPr>
+                <a:spLocks noGrp="1" noRot="1" noChangeAspect="1" noMove="1" noResize="1" noEditPoints="1" noAdjustHandles="1" noChangeArrowheads="1" noChangeShapeType="1" noTextEdit="1"/>
+              </p:cNvSpPr>
+              <p:nvPr>
+                <p:ph idx="1"/>
+              </p:nvPr>
+            </p:nvSpPr>
+            <p:spPr>
+              <a:blipFill rotWithShape="1">
+                <a:blip r:embed="rId2"/>
+                <a:stretch>
+                  <a:fillRect l="-1043" t="-2241"/>
+                </a:stretch>
+              </a:blipFill>
+            </p:spPr>
+            <p:txBody>
+              <a:bodyPr/>
+              <a:lstStyle/>
+              <a:p>
+                <a:r>
+                  <a:rPr lang="nl-NL">
+                    <a:noFill/>
+                  </a:rPr>
+                  <a:t> </a:t>
+                </a:r>
+              </a:p>
+            </p:txBody>
+          </p:sp>
+        </mc:Fallback>
+      </mc:AlternateContent>
+    </p:spTree>
+    <p:extLst>
+      <p:ext uri="{BB962C8B-B14F-4D97-AF65-F5344CB8AC3E}">
+        <p14:creationId xmlns:p14="http://schemas.microsoft.com/office/powerpoint/2010/main" val="4106520603"/>
+      </p:ext>
+    </p:extLst>
+  </p:cSld>
+  <p:clrMapOvr>
+    <a:masterClrMapping/>
+  </p:clrMapOvr>
+</p:sld>
+</file>
+
+<file path=ppt/slides/slide6.xml><?xml version="1.0" encoding="utf-8"?>
+<p:sld xmlns:a="http://schemas.openxmlformats.org/drawingml/2006/main" xmlns:r="http://schemas.openxmlformats.org/officeDocument/2006/relationships" xmlns:p="http://schemas.openxmlformats.org/presentationml/2006/main">
+  <p:cSld>
+    <p:spTree>
+      <p:nvGrpSpPr>
+        <p:cNvPr id="1" name=""/>
+        <p:cNvGrpSpPr/>
+        <p:nvPr/>
+      </p:nvGrpSpPr>
+      <p:grpSpPr>
+        <a:xfrm>
+          <a:off x="0" y="0"/>
+          <a:ext cx="0" cy="0"/>
+          <a:chOff x="0" y="0"/>
+          <a:chExt cx="0" cy="0"/>
+        </a:xfrm>
+      </p:grpSpPr>
+      <p:sp>
+        <p:nvSpPr>
+          <p:cNvPr id="2" name="Titel 1"/>
+          <p:cNvSpPr>
+            <a:spLocks noGrp="1"/>
+          </p:cNvSpPr>
+          <p:nvPr>
+            <p:ph type="title"/>
+          </p:nvPr>
+        </p:nvSpPr>
+        <p:spPr/>
+        <p:txBody>
+          <a:bodyPr/>
+          <a:lstStyle/>
+          <a:p>
+            <a:r>
+              <a:rPr lang="nl-NL" smtClean="0"/>
+              <a:t>Barnes-Hut Algoritme</a:t>
+            </a:r>
+            <a:endParaRPr lang="nl-NL"/>
+          </a:p>
+        </p:txBody>
+      </p:sp>
+      <p:sp>
+        <p:nvSpPr>
+          <p:cNvPr id="3" name="Tijdelijke aanduiding voor inhoud 2"/>
+          <p:cNvSpPr>
+            <a:spLocks noGrp="1"/>
+          </p:cNvSpPr>
+          <p:nvPr>
+            <p:ph idx="1"/>
+          </p:nvPr>
+        </p:nvSpPr>
+        <p:spPr/>
+        <p:txBody>
+          <a:bodyPr/>
+          <a:lstStyle/>
+          <a:p>
+            <a:r>
+              <a:rPr lang="nl-NL" smtClean="0"/>
+              <a:t>Langzaam model</a:t>
+            </a:r>
+          </a:p>
+          <a:p>
+            <a:r>
+              <a:rPr lang="nl-NL" smtClean="0"/>
+              <a:t>Afschatting </a:t>
+            </a:r>
+            <a:endParaRPr lang="nl-NL"/>
+          </a:p>
+        </p:txBody>
+      </p:sp>
+    </p:spTree>
+    <p:extLst>
+      <p:ext uri="{BB962C8B-B14F-4D97-AF65-F5344CB8AC3E}">
+        <p14:creationId xmlns:p14="http://schemas.microsoft.com/office/powerpoint/2010/main" val="3895736958"/>
+      </p:ext>
+    </p:extLst>
+  </p:cSld>
+  <p:clrMapOvr>
+    <a:masterClrMapping/>
+  </p:clrMapOvr>
+  <p:timing>
+    <p:tnLst>
+      <p:par>
+        <p:cTn id="1" dur="indefinite" restart="never" nodeType="tmRoot"/>
+      </p:par>
+    </p:tnLst>
+  </p:timing>
+</p:sld>
+</file>
+
+<file path=ppt/slides/slide7.xml><?xml version="1.0" encoding="utf-8"?>
+<p:sld xmlns:a="http://schemas.openxmlformats.org/drawingml/2006/main" xmlns:r="http://schemas.openxmlformats.org/officeDocument/2006/relationships" xmlns:p="http://schemas.openxmlformats.org/presentationml/2006/main">
+  <p:cSld>
+    <p:spTree>
+      <p:nvGrpSpPr>
+        <p:cNvPr id="1" name=""/>
+        <p:cNvGrpSpPr/>
+        <p:nvPr/>
+      </p:nvGrpSpPr>
+      <p:grpSpPr>
+        <a:xfrm>
+          <a:off x="0" y="0"/>
+          <a:ext cx="0" cy="0"/>
+          <a:chOff x="0" y="0"/>
+          <a:chExt cx="0" cy="0"/>
+        </a:xfrm>
+      </p:grpSpPr>
+      <p:pic>
+        <p:nvPicPr>
+          <p:cNvPr id="1026" name="Picture 2" descr="C:\Users\guanyu\Documents\mod2b\Presentatie\AantPlaneten2.jpg"/>
+          <p:cNvPicPr>
+            <a:picLocks noChangeAspect="1" noChangeArrowheads="1"/>
+          </p:cNvPicPr>
+          <p:nvPr/>
+        </p:nvPicPr>
+        <p:blipFill>
+          <a:blip r:embed="rId2">
+            <a:extLst>
+              <a:ext uri="{28A0092B-C50C-407E-A947-70E740481C1C}">
+                <a14:useLocalDpi xmlns:a14="http://schemas.microsoft.com/office/drawing/2010/main" val="0"/>
+              </a:ext>
+            </a:extLst>
+          </a:blip>
+          <a:srcRect/>
+          <a:stretch>
+            <a:fillRect/>
+          </a:stretch>
+        </p:blipFill>
+        <p:spPr bwMode="auto">
+          <a:xfrm>
+            <a:off x="2458658" y="848396"/>
+            <a:ext cx="8820150" cy="5829300"/>
+          </a:xfrm>
+          <a:prstGeom prst="rect">
+            <a:avLst/>
+          </a:prstGeom>
+          <a:noFill/>
+          <a:extLst>
+            <a:ext uri="{909E8E84-426E-40DD-AFC4-6F175D3DCCD1}">
+              <a14:hiddenFill xmlns:a14="http://schemas.microsoft.com/office/drawing/2010/main">
+                <a:solidFill>
+                  <a:srgbClr val="FFFFFF"/>
+                </a:solidFill>
+              </a14:hiddenFill>
+            </a:ext>
+          </a:extLst>
+        </p:spPr>
+      </p:pic>
+      <p:sp>
+        <p:nvSpPr>
+          <p:cNvPr id="2" name="Titel 1"/>
+          <p:cNvSpPr>
+            <a:spLocks noGrp="1"/>
+          </p:cNvSpPr>
+          <p:nvPr>
+            <p:ph type="title"/>
+          </p:nvPr>
+        </p:nvSpPr>
+        <p:spPr/>
+        <p:txBody>
+          <a:bodyPr/>
+          <a:lstStyle/>
+          <a:p>
+            <a:r>
+              <a:rPr lang="nl-NL" smtClean="0"/>
+              <a:t>Resultaten</a:t>
+            </a:r>
+            <a:endParaRPr lang="nl-NL"/>
+          </a:p>
+        </p:txBody>
+      </p:sp>
+      <p:sp>
+        <p:nvSpPr>
+          <p:cNvPr id="5" name="Tijdelijke aanduiding voor inhoud 4"/>
+          <p:cNvSpPr>
+            <a:spLocks noGrp="1"/>
+          </p:cNvSpPr>
+          <p:nvPr>
+            <p:ph idx="1"/>
+          </p:nvPr>
+        </p:nvSpPr>
+        <p:spPr/>
+        <p:txBody>
+          <a:bodyPr/>
+          <a:lstStyle/>
+          <a:p>
+            <a:endParaRPr lang="nl-NL"/>
+          </a:p>
+        </p:txBody>
+      </p:sp>
+    </p:spTree>
+    <p:extLst>
+      <p:ext uri="{BB962C8B-B14F-4D97-AF65-F5344CB8AC3E}">
+        <p14:creationId xmlns:p14="http://schemas.microsoft.com/office/powerpoint/2010/main" val="2321559582"/>
+      </p:ext>
+    </p:extLst>
+  </p:cSld>
+  <p:clrMapOvr>
+    <a:masterClrMapping/>
+  </p:clrMapOvr>
+  <p:timing>
+    <p:tnLst>
+      <p:par>
+        <p:cTn id="1" dur="indefinite" restart="never" nodeType="tmRoot"/>
+      </p:par>
+    </p:tnLst>
+  </p:timing>
+</p:sld>
+</file>
+
+<file path=ppt/slides/slide8.xml><?xml version="1.0" encoding="utf-8"?>
+<p:sld xmlns:a="http://schemas.openxmlformats.org/drawingml/2006/main" xmlns:r="http://schemas.openxmlformats.org/officeDocument/2006/relationships" xmlns:p="http://schemas.openxmlformats.org/presentationml/2006/main">
+  <p:cSld>
+    <p:spTree>
+      <p:nvGrpSpPr>
+        <p:cNvPr id="1" name=""/>
+        <p:cNvGrpSpPr/>
+        <p:nvPr/>
+      </p:nvGrpSpPr>
+      <p:grpSpPr>
+        <a:xfrm>
+          <a:off x="0" y="0"/>
+          <a:ext cx="0" cy="0"/>
+          <a:chOff x="0" y="0"/>
+          <a:chExt cx="0" cy="0"/>
+        </a:xfrm>
+      </p:grpSpPr>
+      <p:sp>
+        <p:nvSpPr>
+          <p:cNvPr id="2" name="Titel 1"/>
+          <p:cNvSpPr>
+            <a:spLocks noGrp="1"/>
+          </p:cNvSpPr>
+          <p:nvPr>
+            <p:ph type="title"/>
+          </p:nvPr>
+        </p:nvSpPr>
+        <p:spPr/>
+        <p:txBody>
+          <a:bodyPr/>
+          <a:lstStyle/>
+          <a:p>
+            <a:r>
+              <a:rPr lang="nl-NL" smtClean="0"/>
+              <a:t>Nauwkeurigheid model</a:t>
+            </a:r>
+            <a:endParaRPr lang="nl-NL"/>
+          </a:p>
+        </p:txBody>
+      </p:sp>
+      <p:sp>
+        <p:nvSpPr>
+          <p:cNvPr id="3" name="Tijdelijke aanduiding voor inhoud 2"/>
+          <p:cNvSpPr>
+            <a:spLocks noGrp="1"/>
+          </p:cNvSpPr>
+          <p:nvPr>
+            <p:ph idx="1"/>
+          </p:nvPr>
+        </p:nvSpPr>
+        <p:spPr/>
+        <p:txBody>
+          <a:bodyPr/>
+          <a:lstStyle/>
+          <a:p>
+            <a:r>
+              <a:rPr lang="nl-NL" smtClean="0"/>
+              <a:t>Analyse voor N=2</a:t>
+            </a:r>
+          </a:p>
+          <a:p>
+            <a:r>
+              <a:rPr lang="nl-NL" smtClean="0"/>
+              <a:t>Behoud van energie</a:t>
+            </a:r>
+          </a:p>
+          <a:p>
+            <a:r>
+              <a:rPr lang="nl-NL" smtClean="0"/>
+              <a:t>Richardson Extrapolatie</a:t>
+            </a:r>
+          </a:p>
+        </p:txBody>
+      </p:sp>
+    </p:spTree>
+    <p:extLst>
+      <p:ext uri="{BB962C8B-B14F-4D97-AF65-F5344CB8AC3E}">
+        <p14:creationId xmlns:p14="http://schemas.microsoft.com/office/powerpoint/2010/main" val="120385941"/>
+      </p:ext>
+    </p:extLst>
+  </p:cSld>
+  <p:clrMapOvr>
+    <a:masterClrMapping/>
+  </p:clrMapOvr>
+  <p:timing>
+    <p:tnLst>
+      <p:par>
+        <p:cTn id="1" dur="indefinite" restart="never" nodeType="tmRoot"/>
+      </p:par>
+    </p:tnLst>
+  </p:timing>
+</p:sld>
+</file>
+
+<file path=ppt/slides/slide9.xml><?xml version="1.0" encoding="utf-8"?>
+<p:sld xmlns:a="http://schemas.openxmlformats.org/drawingml/2006/main" xmlns:r="http://schemas.openxmlformats.org/officeDocument/2006/relationships" xmlns:p="http://schemas.openxmlformats.org/presentationml/2006/main">
+  <p:cSld>
+    <p:spTree>
+      <p:nvGrpSpPr>
+        <p:cNvPr id="1" name=""/>
+        <p:cNvGrpSpPr/>
+        <p:nvPr/>
+      </p:nvGrpSpPr>
+      <p:grpSpPr>
+        <a:xfrm>
+          <a:off x="0" y="0"/>
+          <a:ext cx="0" cy="0"/>
+          <a:chOff x="0" y="0"/>
+          <a:chExt cx="0" cy="0"/>
+        </a:xfrm>
+      </p:grpSpPr>
+      <p:pic>
+        <p:nvPicPr>
+          <p:cNvPr id="4" name="Tijdelijke aanduiding voor inhoud 3"/>
+          <p:cNvPicPr>
+            <a:picLocks noGrp="1" noChangeAspect="1"/>
+          </p:cNvPicPr>
+          <p:nvPr>
+            <p:ph idx="1"/>
+          </p:nvPr>
+        </p:nvPicPr>
+        <p:blipFill>
+          <a:blip r:embed="rId2">
+            <a:extLst>
+              <a:ext uri="{28A0092B-C50C-407E-A947-70E740481C1C}">
+                <a14:useLocalDpi xmlns:a14="http://schemas.microsoft.com/office/drawing/2010/main" val="0"/>
+              </a:ext>
+            </a:extLst>
+          </a:blip>
+          <a:stretch>
+            <a:fillRect/>
+          </a:stretch>
+        </p:blipFill>
+        <p:spPr>
+          <a:xfrm>
+            <a:off x="5819064" y="631056"/>
+            <a:ext cx="5512312" cy="4644377"/>
+          </a:xfrm>
+        </p:spPr>
+      </p:pic>
+      <p:sp>
+        <p:nvSpPr>
+          <p:cNvPr id="2" name="Titel 1"/>
+          <p:cNvSpPr>
+            <a:spLocks noGrp="1"/>
+          </p:cNvSpPr>
+          <p:nvPr>
+            <p:ph type="title"/>
+          </p:nvPr>
+        </p:nvSpPr>
+        <p:spPr/>
+        <p:txBody>
+          <a:bodyPr/>
+          <a:lstStyle/>
+          <a:p>
+            <a:r>
+              <a:rPr lang="nl-NL" smtClean="0"/>
+              <a:t>Nauwkeurigheid model</a:t>
+            </a:r>
+            <a:endParaRPr lang="nl-NL"/>
+          </a:p>
+        </p:txBody>
+      </p:sp>
+      <p:sp>
+        <p:nvSpPr>
+          <p:cNvPr id="5" name="Tijdelijke aanduiding voor inhoud 2"/>
+          <p:cNvSpPr txBox="1">
+            <a:spLocks/>
+          </p:cNvSpPr>
+          <p:nvPr/>
+        </p:nvSpPr>
+        <p:spPr>
+          <a:xfrm>
+            <a:off x="838200" y="1825625"/>
+            <a:ext cx="5408054" cy="4351338"/>
+          </a:xfrm>
+          <a:prstGeom prst="rect">
+            <a:avLst/>
+          </a:prstGeom>
+        </p:spPr>
+        <p:txBody>
+          <a:bodyPr vert="horz" lIns="91440" tIns="45720" rIns="91440" bIns="45720" rtlCol="0">
+            <a:normAutofit/>
+          </a:bodyPr>
+          <a:lstStyle>
+            <a:lvl1pPr marL="228600" indent="-228600" algn="l" defTabSz="914400" rtl="0" eaLnBrk="1" latinLnBrk="0" hangingPunct="1">
+              <a:lnSpc>
+                <a:spcPct val="90000"/>
+              </a:lnSpc>
+              <a:spcBef>
+                <a:spcPts val="1000"/>
+              </a:spcBef>
+              <a:buFont typeface="Arial" panose="020B0604020202020204" pitchFamily="34" charset="0"/>
+              <a:buChar char="•"/>
+              <a:defRPr sz="2800" kern="1200">
+                <a:solidFill>
+                  <a:schemeClr val="tx1"/>
+                </a:solidFill>
+                <a:latin typeface="+mn-lt"/>
+                <a:ea typeface="+mn-ea"/>
+                <a:cs typeface="+mn-cs"/>
+              </a:defRPr>
+            </a:lvl1pPr>
+            <a:lvl2pPr marL="685800" indent="-228600" algn="l" defTabSz="914400" rtl="0" eaLnBrk="1" latinLnBrk="0" hangingPunct="1">
+              <a:lnSpc>
+                <a:spcPct val="90000"/>
+              </a:lnSpc>
+              <a:spcBef>
+                <a:spcPts val="500"/>
+              </a:spcBef>
+              <a:buFont typeface="Arial" panose="020B0604020202020204" pitchFamily="34" charset="0"/>
+              <a:buChar char="•"/>
+              <a:defRPr sz="2400" kern="1200">
+                <a:solidFill>
+                  <a:schemeClr val="tx1"/>
+                </a:solidFill>
+                <a:latin typeface="+mn-lt"/>
+                <a:ea typeface="+mn-ea"/>
+                <a:cs typeface="+mn-cs"/>
+              </a:defRPr>
+            </a:lvl2pPr>
+            <a:lvl3pPr marL="1143000" indent="-228600" algn="l" defTabSz="914400" rtl="0" eaLnBrk="1" latinLnBrk="0" hangingPunct="1">
+              <a:lnSpc>
+                <a:spcPct val="90000"/>
+              </a:lnSpc>
+              <a:spcBef>
+                <a:spcPts val="500"/>
+              </a:spcBef>
+              <a:buFont typeface="Arial" panose="020B0604020202020204" pitchFamily="34" charset="0"/>
+              <a:buChar char="•"/>
+              <a:defRPr sz="2000" kern="1200">
+                <a:solidFill>
+                  <a:schemeClr val="tx1"/>
+                </a:solidFill>
+                <a:latin typeface="+mn-lt"/>
+                <a:ea typeface="+mn-ea"/>
+                <a:cs typeface="+mn-cs"/>
+              </a:defRPr>
+            </a:lvl3pPr>
+            <a:lvl4pPr marL="1600200" indent="-228600" algn="l" defTabSz="914400" rtl="0" eaLnBrk="1" latinLnBrk="0" hangingPunct="1">
+              <a:lnSpc>
+                <a:spcPct val="90000"/>
+              </a:lnSpc>
+              <a:spcBef>
+                <a:spcPts val="500"/>
+              </a:spcBef>
+              <a:buFont typeface="Arial" panose="020B0604020202020204" pitchFamily="34" charset="0"/>
+              <a:buChar char="•"/>
+              <a:defRPr sz="1800" kern="1200">
+                <a:solidFill>
+                  <a:schemeClr val="tx1"/>
+                </a:solidFill>
+                <a:latin typeface="+mn-lt"/>
+                <a:ea typeface="+mn-ea"/>
+                <a:cs typeface="+mn-cs"/>
+              </a:defRPr>
+            </a:lvl4pPr>
+            <a:lvl5pPr marL="2057400" indent="-228600" algn="l" defTabSz="914400" rtl="0" eaLnBrk="1" latinLnBrk="0" hangingPunct="1">
+              <a:lnSpc>
+                <a:spcPct val="90000"/>
+              </a:lnSpc>
+              <a:spcBef>
+                <a:spcPts val="500"/>
+              </a:spcBef>
+              <a:buFont typeface="Arial" panose="020B0604020202020204" pitchFamily="34" charset="0"/>
+              <a:buChar char="•"/>
+              <a:defRPr sz="1800" kern="1200">
+                <a:solidFill>
+                  <a:schemeClr val="tx1"/>
+                </a:solidFill>
+                <a:latin typeface="+mn-lt"/>
+                <a:ea typeface="+mn-ea"/>
+                <a:cs typeface="+mn-cs"/>
+              </a:defRPr>
+            </a:lvl5pPr>
+            <a:lvl6pPr marL="2514600" indent="-228600" algn="l" defTabSz="914400" rtl="0" eaLnBrk="1" latinLnBrk="0" hangingPunct="1">
+              <a:lnSpc>
+                <a:spcPct val="90000"/>
+              </a:lnSpc>
+              <a:spcBef>
+                <a:spcPts val="500"/>
+              </a:spcBef>
+              <a:buFont typeface="Arial" panose="020B0604020202020204" pitchFamily="34" charset="0"/>
+              <a:buChar char="•"/>
+              <a:defRPr sz="1800" kern="1200">
+                <a:solidFill>
+                  <a:schemeClr val="tx1"/>
+                </a:solidFill>
+                <a:latin typeface="+mn-lt"/>
+                <a:ea typeface="+mn-ea"/>
+                <a:cs typeface="+mn-cs"/>
+              </a:defRPr>
+            </a:lvl6pPr>
+            <a:lvl7pPr marL="2971800" indent="-228600" algn="l" defTabSz="914400" rtl="0" eaLnBrk="1" latinLnBrk="0" hangingPunct="1">
+              <a:lnSpc>
+                <a:spcPct val="90000"/>
+              </a:lnSpc>
+              <a:spcBef>
+                <a:spcPts val="500"/>
+              </a:spcBef>
+              <a:buFont typeface="Arial" panose="020B0604020202020204" pitchFamily="34" charset="0"/>
+              <a:buChar char="•"/>
+              <a:defRPr sz="1800" kern="1200">
+                <a:solidFill>
+                  <a:schemeClr val="tx1"/>
+                </a:solidFill>
+                <a:latin typeface="+mn-lt"/>
+                <a:ea typeface="+mn-ea"/>
+                <a:cs typeface="+mn-cs"/>
+              </a:defRPr>
+            </a:lvl7pPr>
+            <a:lvl8pPr marL="3429000" indent="-228600" algn="l" defTabSz="914400" rtl="0" eaLnBrk="1" latinLnBrk="0" hangingPunct="1">
+              <a:lnSpc>
+                <a:spcPct val="90000"/>
+              </a:lnSpc>
+              <a:spcBef>
+                <a:spcPts val="500"/>
+              </a:spcBef>
+              <a:buFont typeface="Arial" panose="020B0604020202020204" pitchFamily="34" charset="0"/>
+              <a:buChar char="•"/>
+              <a:defRPr sz="1800" kern="1200">
+                <a:solidFill>
+                  <a:schemeClr val="tx1"/>
+                </a:solidFill>
+                <a:latin typeface="+mn-lt"/>
+                <a:ea typeface="+mn-ea"/>
+                <a:cs typeface="+mn-cs"/>
+              </a:defRPr>
+            </a:lvl8pPr>
+            <a:lvl9pPr marL="3886200" indent="-228600" algn="l" defTabSz="914400" rtl="0" eaLnBrk="1" latinLnBrk="0" hangingPunct="1">
+              <a:lnSpc>
+                <a:spcPct val="90000"/>
+              </a:lnSpc>
+              <a:spcBef>
+                <a:spcPts val="500"/>
+              </a:spcBef>
+              <a:buFont typeface="Arial" panose="020B0604020202020204" pitchFamily="34" charset="0"/>
+              <a:buChar char="•"/>
+              <a:defRPr sz="1800" kern="1200">
+                <a:solidFill>
+                  <a:schemeClr val="tx1"/>
+                </a:solidFill>
+                <a:latin typeface="+mn-lt"/>
+                <a:ea typeface="+mn-ea"/>
+                <a:cs typeface="+mn-cs"/>
+              </a:defRPr>
+            </a:lvl9pPr>
+          </a:lstStyle>
+          <a:p>
+            <a:r>
+              <a:rPr lang="nl-NL" smtClean="0"/>
+              <a:t>Planeten minder dan 1AU onnauwkeurig </a:t>
+            </a:r>
+          </a:p>
+          <a:p>
+            <a:r>
+              <a:rPr lang="nl-NL" smtClean="0"/>
+              <a:t>Omlooptijd te kort voor dt=1 maand</a:t>
+            </a:r>
+          </a:p>
+          <a:p>
+            <a:r>
+              <a:rPr lang="nl-NL" smtClean="0"/>
+              <a:t>Energie niet behouden</a:t>
+            </a:r>
+          </a:p>
+        </p:txBody>
+      </p:sp>
+      <p:graphicFrame>
+        <p:nvGraphicFramePr>
+          <p:cNvPr id="6" name="Tabel 5"/>
+          <p:cNvGraphicFramePr>
+            <a:graphicFrameLocks noGrp="1"/>
+          </p:cNvGraphicFramePr>
+          <p:nvPr>
+            <p:extLst>
+              <p:ext uri="{D42A27DB-BD31-4B8C-83A1-F6EECF244321}">
+                <p14:modId xmlns:p14="http://schemas.microsoft.com/office/powerpoint/2010/main" val="3826835587"/>
+              </p:ext>
+            </p:extLst>
+          </p:nvPr>
+        </p:nvGraphicFramePr>
+        <p:xfrm>
+          <a:off x="447901" y="5640947"/>
+          <a:ext cx="11190312" cy="775236"/>
+        </p:xfrm>
+        <a:graphic>
+          <a:graphicData uri="http://schemas.openxmlformats.org/drawingml/2006/table">
+            <a:tbl>
+              <a:tblPr firstRow="1" bandRow="1">
+                <a:tableStyleId>{5C22544A-7EE6-4342-B048-85BDC9FD1C3A}</a:tableStyleId>
+              </a:tblPr>
+              <a:tblGrid>
+                <a:gridCol w="1398789"/>
+                <a:gridCol w="1398789"/>
+                <a:gridCol w="1398789"/>
+                <a:gridCol w="1398789"/>
+                <a:gridCol w="1398789"/>
+                <a:gridCol w="1398789"/>
+                <a:gridCol w="1398789"/>
+                <a:gridCol w="1398789"/>
+              </a:tblGrid>
+              <a:tr h="404396">
+                <a:tc>
+                  <a:txBody>
+                    <a:bodyPr/>
+                    <a:lstStyle/>
+                    <a:p>
+                      <a:pPr algn="ctr"/>
+                      <a:r>
+                        <a:rPr lang="nl-NL" smtClean="0"/>
+                        <a:t>k-de</a:t>
+                      </a:r>
+                      <a:r>
+                        <a:rPr lang="nl-NL" baseline="0" smtClean="0"/>
+                        <a:t> tijdstip</a:t>
+                      </a:r>
+                      <a:endParaRPr lang="nl-NL"/>
+                    </a:p>
+                  </a:txBody>
+                  <a:tcPr/>
+                </a:tc>
+                <a:tc>
+                  <a:txBody>
+                    <a:bodyPr/>
+                    <a:lstStyle/>
+                    <a:p>
+                      <a:pPr algn="ctr"/>
+                      <a:r>
+                        <a:rPr lang="nl-NL" smtClean="0"/>
+                        <a:t>0</a:t>
+                      </a:r>
+                      <a:endParaRPr lang="nl-NL"/>
+                    </a:p>
+                  </a:txBody>
+                  <a:tcPr/>
+                </a:tc>
+                <a:tc>
+                  <a:txBody>
+                    <a:bodyPr/>
+                    <a:lstStyle/>
+                    <a:p>
+                      <a:pPr algn="ctr"/>
+                      <a:r>
+                        <a:rPr lang="nl-NL" smtClean="0"/>
+                        <a:t>20</a:t>
+                      </a:r>
+                      <a:endParaRPr lang="nl-NL"/>
+                    </a:p>
+                  </a:txBody>
+                  <a:tcPr anchor="ctr"/>
+                </a:tc>
+                <a:tc>
+                  <a:txBody>
+                    <a:bodyPr/>
+                    <a:lstStyle/>
+                    <a:p>
+                      <a:pPr algn="ctr"/>
+                      <a:r>
+                        <a:rPr lang="nl-NL" smtClean="0"/>
+                        <a:t>40</a:t>
+                      </a:r>
+                      <a:endParaRPr lang="nl-NL"/>
+                    </a:p>
+                  </a:txBody>
+                  <a:tcPr/>
+                </a:tc>
+                <a:tc>
+                  <a:txBody>
+                    <a:bodyPr/>
+                    <a:lstStyle/>
+                    <a:p>
+                      <a:pPr algn="ctr"/>
+                      <a:r>
+                        <a:rPr lang="nl-NL" smtClean="0"/>
+                        <a:t>60</a:t>
+                      </a:r>
+                      <a:endParaRPr lang="nl-NL"/>
+                    </a:p>
+                  </a:txBody>
+                  <a:tcPr/>
+                </a:tc>
+                <a:tc>
+                  <a:txBody>
+                    <a:bodyPr/>
+                    <a:lstStyle/>
+                    <a:p>
+                      <a:pPr algn="ctr"/>
+                      <a:r>
+                        <a:rPr lang="nl-NL" smtClean="0"/>
+                        <a:t>80</a:t>
+                      </a:r>
+                      <a:endParaRPr lang="nl-NL"/>
+                    </a:p>
+                  </a:txBody>
+                  <a:tcPr/>
+                </a:tc>
+                <a:tc>
+                  <a:txBody>
+                    <a:bodyPr/>
+                    <a:lstStyle/>
+                    <a:p>
+                      <a:pPr algn="ctr"/>
+                      <a:r>
+                        <a:rPr lang="nl-NL" smtClean="0"/>
+                        <a:t>100</a:t>
+                      </a:r>
+                      <a:endParaRPr lang="nl-NL"/>
+                    </a:p>
+                  </a:txBody>
+                  <a:tcPr/>
+                </a:tc>
+                <a:tc>
+                  <a:txBody>
+                    <a:bodyPr/>
+                    <a:lstStyle/>
+                    <a:p>
+                      <a:pPr algn="ctr"/>
+                      <a:r>
+                        <a:rPr lang="nl-NL" smtClean="0"/>
+                        <a:t>120</a:t>
+                      </a:r>
+                      <a:endParaRPr lang="nl-NL"/>
+                    </a:p>
+                  </a:txBody>
+                  <a:tcPr/>
+                </a:tc>
+              </a:tr>
+              <a:tr h="370840">
+                <a:tc>
+                  <a:txBody>
+                    <a:bodyPr/>
+                    <a:lstStyle/>
+                    <a:p>
+                      <a:pPr algn="ctr"/>
+                      <a:r>
+                        <a:rPr lang="nl-NL" smtClean="0"/>
+                        <a:t>Energie</a:t>
+                      </a:r>
+                      <a:endParaRPr lang="nl-NL"/>
+                    </a:p>
+                  </a:txBody>
+                  <a:tcPr/>
+                </a:tc>
+                <a:tc>
+                  <a:txBody>
+                    <a:bodyPr/>
+                    <a:lstStyle/>
+                    <a:p>
+                      <a:pPr algn="ctr"/>
+                      <a:r>
+                        <a:rPr lang="nl-NL" sz="1800" b="0" i="0" u="none" strike="noStrike" kern="1200" baseline="0" smtClean="0">
+                          <a:solidFill>
+                            <a:schemeClr val="dk1"/>
+                          </a:solidFill>
+                          <a:latin typeface="+mn-lt"/>
+                          <a:ea typeface="+mn-ea"/>
+                          <a:cs typeface="+mn-cs"/>
+                        </a:rPr>
+                        <a:t>-0.4080</a:t>
+                      </a:r>
+                      <a:endParaRPr lang="nl-NL"/>
+                    </a:p>
+                  </a:txBody>
+                  <a:tcPr/>
+                </a:tc>
+                <a:tc>
+                  <a:txBody>
+                    <a:bodyPr/>
+                    <a:lstStyle/>
+                    <a:p>
+                      <a:pPr algn="ctr"/>
+                      <a:r>
+                        <a:rPr lang="nl-NL" sz="1800" b="0" i="0" u="none" strike="noStrike" kern="1200" baseline="0" smtClean="0">
+                          <a:solidFill>
+                            <a:schemeClr val="dk1"/>
+                          </a:solidFill>
+                          <a:latin typeface="+mn-lt"/>
+                          <a:ea typeface="+mn-ea"/>
+                          <a:cs typeface="+mn-cs"/>
+                        </a:rPr>
+                        <a:t>-0.3539</a:t>
+                      </a:r>
+                      <a:endParaRPr lang="nl-NL"/>
+                    </a:p>
+                  </a:txBody>
+                  <a:tcPr/>
+                </a:tc>
+                <a:tc>
+                  <a:txBody>
+                    <a:bodyPr/>
+                    <a:lstStyle/>
+                    <a:p>
+                      <a:pPr algn="ctr"/>
+                      <a:r>
+                        <a:rPr lang="nl-NL" sz="1800" b="0" i="0" u="none" strike="noStrike" kern="1200" baseline="0" smtClean="0">
+                          <a:solidFill>
+                            <a:schemeClr val="dk1"/>
+                          </a:solidFill>
+                          <a:latin typeface="+mn-lt"/>
+                          <a:ea typeface="+mn-ea"/>
+                          <a:cs typeface="+mn-cs"/>
+                        </a:rPr>
+                        <a:t>-0.3630</a:t>
+                      </a:r>
+                      <a:endParaRPr lang="nl-NL"/>
+                    </a:p>
+                  </a:txBody>
+                  <a:tcPr/>
+                </a:tc>
+                <a:tc>
+                  <a:txBody>
+                    <a:bodyPr/>
+                    <a:lstStyle/>
+                    <a:p>
+                      <a:pPr algn="ctr"/>
+                      <a:r>
+                        <a:rPr lang="nl-NL" sz="1800" b="0" i="0" u="none" strike="noStrike" kern="1200" baseline="0" smtClean="0">
+                          <a:solidFill>
+                            <a:schemeClr val="dk1"/>
+                          </a:solidFill>
+                          <a:latin typeface="+mn-lt"/>
+                          <a:ea typeface="+mn-ea"/>
+                          <a:cs typeface="+mn-cs"/>
+                        </a:rPr>
+                        <a:t>-0.3643</a:t>
+                      </a:r>
+                      <a:endParaRPr lang="nl-NL"/>
+                    </a:p>
+                  </a:txBody>
+                  <a:tcPr/>
+                </a:tc>
+                <a:tc>
+                  <a:txBody>
+                    <a:bodyPr/>
+                    <a:lstStyle/>
+                    <a:p>
+                      <a:pPr algn="ctr"/>
+                      <a:r>
+                        <a:rPr lang="nl-NL" sz="1800" b="0" i="0" u="none" strike="noStrike" kern="1200" baseline="0" smtClean="0">
+                          <a:solidFill>
+                            <a:schemeClr val="dk1"/>
+                          </a:solidFill>
+                          <a:latin typeface="+mn-lt"/>
+                          <a:ea typeface="+mn-ea"/>
+                          <a:cs typeface="+mn-cs"/>
+                        </a:rPr>
+                        <a:t>-0.3543</a:t>
+                      </a:r>
+                      <a:endParaRPr lang="nl-NL"/>
+                    </a:p>
+                  </a:txBody>
+                  <a:tcPr/>
+                </a:tc>
+                <a:tc>
+                  <a:txBody>
+                    <a:bodyPr/>
+                    <a:lstStyle/>
+                    <a:p>
+                      <a:pPr algn="ctr"/>
+                      <a:r>
+                        <a:rPr lang="nl-NL" sz="1800" b="0" i="0" u="none" strike="noStrike" kern="1200" baseline="0" smtClean="0">
+                          <a:solidFill>
+                            <a:schemeClr val="dk1"/>
+                          </a:solidFill>
+                          <a:latin typeface="+mn-lt"/>
+                          <a:ea typeface="+mn-ea"/>
+                          <a:cs typeface="+mn-cs"/>
+                        </a:rPr>
+                        <a:t>-0.3700</a:t>
+                      </a:r>
+                      <a:endParaRPr lang="nl-NL"/>
+                    </a:p>
+                  </a:txBody>
+                  <a:tcPr/>
+                </a:tc>
+                <a:tc>
+                  <a:txBody>
+                    <a:bodyPr/>
+                    <a:lstStyle/>
+                    <a:p>
+                      <a:pPr algn="ctr"/>
+                      <a:r>
+                        <a:rPr lang="nl-NL" sz="1800" b="0" i="0" u="none" strike="noStrike" kern="1200" baseline="0" smtClean="0">
+                          <a:solidFill>
+                            <a:schemeClr val="dk1"/>
+                          </a:solidFill>
+                          <a:latin typeface="+mn-lt"/>
+                          <a:ea typeface="+mn-ea"/>
+                          <a:cs typeface="+mn-cs"/>
+                        </a:rPr>
+                        <a:t>-0.4080</a:t>
+                      </a:r>
+                      <a:endParaRPr lang="nl-NL"/>
+                    </a:p>
+                  </a:txBody>
+                  <a:tcPr/>
+                </a:tc>
+              </a:tr>
+            </a:tbl>
+          </a:graphicData>
+        </a:graphic>
+      </p:graphicFrame>
+    </p:spTree>
+    <p:extLst>
+      <p:ext uri="{BB962C8B-B14F-4D97-AF65-F5344CB8AC3E}">
+        <p14:creationId xmlns:p14="http://schemas.microsoft.com/office/powerpoint/2010/main" val="2513868334"/>
+      </p:ext>
+    </p:extLst>
+  </p:cSld>
+  <p:clrMapOvr>
+    <a:masterClrMapping/>
+  </p:clrMapOvr>
+  <p:timing>
+    <p:tnLst>
+      <p:par>
+        <p:cTn id="1" dur="indefinite" restart="never" nodeType="tmRoot"/>
+      </p:par>
+    </p:tnLst>
+  </p:timing>
 </p:sld>
 </file>
 
@@ -3290,7 +5668,7 @@
   <a:extraClrSchemeLst/>
   <a:extLst>
     <a:ext uri="{05A4C25C-085E-4340-85A3-A5531E510DB2}">
-      <thm15:themeFamily xmlns:thm15="http://schemas.microsoft.com/office/thememl/2012/main" name="Office Theme" id="{62F939B6-93AF-4DB8-9C6B-D6C7DFDC589F}" vid="{4A3C46E8-61CC-4603-A589-7422A47A8E4A}"/>
+      <thm15:themeFamily xmlns:thm15="http://schemas.microsoft.com/office/thememl/2012/main" xmlns="" name="Office Theme" id="{62F939B6-93AF-4DB8-9C6B-D6C7DFDC589F}" vid="{4A3C46E8-61CC-4603-A589-7422A47A8E4A}"/>
     </a:ext>
   </a:extLst>
 </a:theme>

--- a/Presentatie/Presentatie.pptx
+++ b/Presentatie/Presentatie.pptx
@@ -2,7 +2,7 @@
 <file path=ppt/presentation.xml><?xml version="1.0" encoding="utf-8"?>
 <p:presentation xmlns:a="http://schemas.openxmlformats.org/drawingml/2006/main" xmlns:r="http://schemas.openxmlformats.org/officeDocument/2006/relationships" xmlns:p="http://schemas.openxmlformats.org/presentationml/2006/main" saveSubsetFonts="1">
   <p:sldMasterIdLst>
-    <p:sldMasterId id="2147483648" r:id="rId1"/>
+    <p:sldMasterId id="2147483678" r:id="rId1"/>
   </p:sldMasterIdLst>
   <p:sldIdLst>
     <p:sldId id="256" r:id="rId2"/>
@@ -21,9 +21,9 @@
   <p:notesSz cx="6858000" cy="9144000"/>
   <p:defaultTextStyle>
     <a:defPPr>
-      <a:defRPr lang="nl-NL"/>
+      <a:defRPr lang="en-US"/>
     </a:defPPr>
-    <a:lvl1pPr marL="0" algn="l" defTabSz="914400" rtl="0" eaLnBrk="1" latinLnBrk="0" hangingPunct="1">
+    <a:lvl1pPr marL="0" algn="l" defTabSz="457200" rtl="0" eaLnBrk="1" latinLnBrk="0" hangingPunct="1">
       <a:defRPr sz="1800" kern="1200">
         <a:solidFill>
           <a:schemeClr val="tx1"/>
@@ -33,7 +33,7 @@
         <a:cs typeface="+mn-cs"/>
       </a:defRPr>
     </a:lvl1pPr>
-    <a:lvl2pPr marL="457200" algn="l" defTabSz="914400" rtl="0" eaLnBrk="1" latinLnBrk="0" hangingPunct="1">
+    <a:lvl2pPr marL="457200" algn="l" defTabSz="457200" rtl="0" eaLnBrk="1" latinLnBrk="0" hangingPunct="1">
       <a:defRPr sz="1800" kern="1200">
         <a:solidFill>
           <a:schemeClr val="tx1"/>
@@ -43,7 +43,7 @@
         <a:cs typeface="+mn-cs"/>
       </a:defRPr>
     </a:lvl2pPr>
-    <a:lvl3pPr marL="914400" algn="l" defTabSz="914400" rtl="0" eaLnBrk="1" latinLnBrk="0" hangingPunct="1">
+    <a:lvl3pPr marL="914400" algn="l" defTabSz="457200" rtl="0" eaLnBrk="1" latinLnBrk="0" hangingPunct="1">
       <a:defRPr sz="1800" kern="1200">
         <a:solidFill>
           <a:schemeClr val="tx1"/>
@@ -53,7 +53,7 @@
         <a:cs typeface="+mn-cs"/>
       </a:defRPr>
     </a:lvl3pPr>
-    <a:lvl4pPr marL="1371600" algn="l" defTabSz="914400" rtl="0" eaLnBrk="1" latinLnBrk="0" hangingPunct="1">
+    <a:lvl4pPr marL="1371600" algn="l" defTabSz="457200" rtl="0" eaLnBrk="1" latinLnBrk="0" hangingPunct="1">
       <a:defRPr sz="1800" kern="1200">
         <a:solidFill>
           <a:schemeClr val="tx1"/>
@@ -63,7 +63,7 @@
         <a:cs typeface="+mn-cs"/>
       </a:defRPr>
     </a:lvl4pPr>
-    <a:lvl5pPr marL="1828800" algn="l" defTabSz="914400" rtl="0" eaLnBrk="1" latinLnBrk="0" hangingPunct="1">
+    <a:lvl5pPr marL="1828800" algn="l" defTabSz="457200" rtl="0" eaLnBrk="1" latinLnBrk="0" hangingPunct="1">
       <a:defRPr sz="1800" kern="1200">
         <a:solidFill>
           <a:schemeClr val="tx1"/>
@@ -73,7 +73,7 @@
         <a:cs typeface="+mn-cs"/>
       </a:defRPr>
     </a:lvl5pPr>
-    <a:lvl6pPr marL="2286000" algn="l" defTabSz="914400" rtl="0" eaLnBrk="1" latinLnBrk="0" hangingPunct="1">
+    <a:lvl6pPr marL="2286000" algn="l" defTabSz="457200" rtl="0" eaLnBrk="1" latinLnBrk="0" hangingPunct="1">
       <a:defRPr sz="1800" kern="1200">
         <a:solidFill>
           <a:schemeClr val="tx1"/>
@@ -83,7 +83,7 @@
         <a:cs typeface="+mn-cs"/>
       </a:defRPr>
     </a:lvl6pPr>
-    <a:lvl7pPr marL="2743200" algn="l" defTabSz="914400" rtl="0" eaLnBrk="1" latinLnBrk="0" hangingPunct="1">
+    <a:lvl7pPr marL="2743200" algn="l" defTabSz="457200" rtl="0" eaLnBrk="1" latinLnBrk="0" hangingPunct="1">
       <a:defRPr sz="1800" kern="1200">
         <a:solidFill>
           <a:schemeClr val="tx1"/>
@@ -93,7 +93,7 @@
         <a:cs typeface="+mn-cs"/>
       </a:defRPr>
     </a:lvl7pPr>
-    <a:lvl8pPr marL="3200400" algn="l" defTabSz="914400" rtl="0" eaLnBrk="1" latinLnBrk="0" hangingPunct="1">
+    <a:lvl8pPr marL="3200400" algn="l" defTabSz="457200" rtl="0" eaLnBrk="1" latinLnBrk="0" hangingPunct="1">
       <a:defRPr sz="1800" kern="1200">
         <a:solidFill>
           <a:schemeClr val="tx1"/>
@@ -103,7 +103,7 @@
         <a:cs typeface="+mn-cs"/>
       </a:defRPr>
     </a:lvl8pPr>
-    <a:lvl9pPr marL="3657600" algn="l" defTabSz="914400" rtl="0" eaLnBrk="1" latinLnBrk="0" hangingPunct="1">
+    <a:lvl9pPr marL="3657600" algn="l" defTabSz="457200" rtl="0" eaLnBrk="1" latinLnBrk="0" hangingPunct="1">
       <a:defRPr sz="1800" kern="1200">
         <a:solidFill>
           <a:schemeClr val="tx1"/>
@@ -114,6 +114,22 @@
       </a:defRPr>
     </a:lvl9pPr>
   </p:defaultTextStyle>
+  <p:extLst>
+    <p:ext uri="{EFAFB233-063F-42B5-8137-9DF3F51BA10A}">
+      <p15:sldGuideLst xmlns:p15="http://schemas.microsoft.com/office/powerpoint/2012/main">
+        <p15:guide id="1" orient="horz" pos="2160">
+          <p15:clr>
+            <a:srgbClr val="A4A3A4"/>
+          </p15:clr>
+        </p15:guide>
+        <p15:guide id="2" pos="3840">
+          <p15:clr>
+            <a:srgbClr val="A4A3A4"/>
+          </p15:clr>
+        </p15:guide>
+      </p15:sldGuideLst>
+    </p:ext>
+  </p:extLst>
 </p:presentation>
 </file>
 
@@ -134,26 +150,58 @@
           <a:chExt cx="0" cy="0"/>
         </a:xfrm>
       </p:grpSpPr>
-      <p:sp>
-        <p:nvSpPr>
-          <p:cNvPr id="2" name="Titel 1"/>
-          <p:cNvSpPr>
-            <a:spLocks noGrp="1"/>
-          </p:cNvSpPr>
-          <p:nvPr>
-            <p:ph type="ctrTitle"/>
-          </p:nvPr>
-        </p:nvSpPr>
+      <p:pic>
+        <p:nvPicPr>
+          <p:cNvPr id="8" name="Picture 7" descr="C3-HD-BTM.png"/>
+          <p:cNvPicPr>
+            <a:picLocks noChangeAspect="1"/>
+          </p:cNvPicPr>
+          <p:nvPr/>
+        </p:nvPicPr>
+        <p:blipFill>
+          <a:blip r:embed="rId2">
+            <a:extLst>
+              <a:ext uri="{28A0092B-C50C-407E-A947-70E740481C1C}">
+                <a14:useLocalDpi xmlns:a14="http://schemas.microsoft.com/office/drawing/2010/main" val="0"/>
+              </a:ext>
+            </a:extLst>
+          </a:blip>
+          <a:stretch>
+            <a:fillRect/>
+          </a:stretch>
+        </p:blipFill>
         <p:spPr>
           <a:xfrm>
-            <a:off x="1524000" y="1122363"/>
-            <a:ext cx="9144000" cy="2387600"/>
+            <a:off x="0" y="4375150"/>
+            <a:ext cx="12192000" cy="2482850"/>
+          </a:xfrm>
+          <a:prstGeom prst="rect">
+            <a:avLst/>
+          </a:prstGeom>
+        </p:spPr>
+      </p:pic>
+      <p:sp>
+        <p:nvSpPr>
+          <p:cNvPr id="2" name="Title 1"/>
+          <p:cNvSpPr>
+            <a:spLocks noGrp="1"/>
+          </p:cNvSpPr>
+          <p:nvPr>
+            <p:ph type="ctrTitle"/>
+          </p:nvPr>
+        </p:nvSpPr>
+        <p:spPr>
+          <a:xfrm>
+            <a:off x="1371600" y="1803405"/>
+            <a:ext cx="9448800" cy="1825096"/>
           </a:xfrm>
         </p:spPr>
         <p:txBody>
-          <a:bodyPr anchor="b"/>
+          <a:bodyPr anchor="b">
+            <a:normAutofit/>
+          </a:bodyPr>
           <a:lstStyle>
-            <a:lvl1pPr algn="ctr">
+            <a:lvl1pPr algn="l">
               <a:defRPr sz="6000"/>
             </a:lvl1pPr>
           </a:lstStyle>
@@ -162,12 +210,13 @@
               <a:rPr lang="nl-NL"/>
               <a:t>Klik om de stijl te bewerken</a:t>
             </a:r>
-          </a:p>
-        </p:txBody>
-      </p:sp>
-      <p:sp>
-        <p:nvSpPr>
-          <p:cNvPr id="3" name="Ondertitel 2"/>
+            <a:endParaRPr lang="en-US" dirty="0"/>
+          </a:p>
+        </p:txBody>
+      </p:sp>
+      <p:sp>
+        <p:nvSpPr>
+          <p:cNvPr id="3" name="Subtitle 2"/>
           <p:cNvSpPr>
             <a:spLocks noGrp="1"/>
           </p:cNvSpPr>
@@ -177,16 +226,18 @@
         </p:nvSpPr>
         <p:spPr>
           <a:xfrm>
-            <a:off x="1524000" y="3602038"/>
-            <a:ext cx="9144000" cy="1655762"/>
+            <a:off x="1371600" y="3632201"/>
+            <a:ext cx="9448800" cy="685800"/>
           </a:xfrm>
         </p:spPr>
         <p:txBody>
-          <a:bodyPr/>
+          <a:bodyPr>
+            <a:normAutofit/>
+          </a:bodyPr>
           <a:lstStyle>
-            <a:lvl1pPr marL="0" indent="0" algn="ctr">
-              <a:buNone/>
-              <a:defRPr sz="2400"/>
+            <a:lvl1pPr marL="0" indent="0" algn="l">
+              <a:buNone/>
+              <a:defRPr sz="2000"/>
             </a:lvl1pPr>
             <a:lvl2pPr marL="457200" indent="0" algn="ctr">
               <a:buNone/>
@@ -226,12 +277,13 @@
               <a:rPr lang="nl-NL"/>
               <a:t>Klik om de ondertitelstijl van het model te bewerken</a:t>
             </a:r>
-          </a:p>
-        </p:txBody>
-      </p:sp>
-      <p:sp>
-        <p:nvSpPr>
-          <p:cNvPr id="4" name="Tijdelijke aanduiding voor datum 3"/>
+            <a:endParaRPr lang="en-US" dirty="0"/>
+          </a:p>
+        </p:txBody>
+      </p:sp>
+      <p:sp>
+        <p:nvSpPr>
+          <p:cNvPr id="4" name="Date Placeholder 3"/>
           <p:cNvSpPr>
             <a:spLocks noGrp="1"/>
           </p:cNvSpPr>
@@ -239,7 +291,12 @@
             <p:ph type="dt" sz="half" idx="10"/>
           </p:nvPr>
         </p:nvSpPr>
-        <p:spPr/>
+        <p:spPr>
+          <a:xfrm>
+            <a:off x="7909561" y="4314328"/>
+            <a:ext cx="2910840" cy="374642"/>
+          </a:xfrm>
+        </p:spPr>
         <p:txBody>
           <a:bodyPr/>
           <a:lstStyle/>
@@ -254,7 +311,7 @@
       </p:sp>
       <p:sp>
         <p:nvSpPr>
-          <p:cNvPr id="5" name="Tijdelijke aanduiding voor voettekst 4"/>
+          <p:cNvPr id="5" name="Footer Placeholder 4"/>
           <p:cNvSpPr>
             <a:spLocks noGrp="1"/>
           </p:cNvSpPr>
@@ -262,7 +319,12 @@
             <p:ph type="ftr" sz="quarter" idx="11"/>
           </p:nvPr>
         </p:nvSpPr>
-        <p:spPr/>
+        <p:spPr>
+          <a:xfrm>
+            <a:off x="1371600" y="4323845"/>
+            <a:ext cx="6400800" cy="365125"/>
+          </a:xfrm>
+        </p:spPr>
         <p:txBody>
           <a:bodyPr/>
           <a:lstStyle/>
@@ -273,7 +335,7 @@
       </p:sp>
       <p:sp>
         <p:nvSpPr>
-          <p:cNvPr id="6" name="Tijdelijke aanduiding voor dianummer 5"/>
+          <p:cNvPr id="6" name="Slide Number Placeholder 5"/>
           <p:cNvSpPr>
             <a:spLocks noGrp="1"/>
           </p:cNvSpPr>
@@ -281,7 +343,12 @@
             <p:ph type="sldNum" sz="quarter" idx="12"/>
           </p:nvPr>
         </p:nvSpPr>
-        <p:spPr/>
+        <p:spPr>
+          <a:xfrm>
+            <a:off x="8077200" y="1430866"/>
+            <a:ext cx="2743200" cy="365125"/>
+          </a:xfrm>
+        </p:spPr>
         <p:txBody>
           <a:bodyPr/>
           <a:lstStyle/>
@@ -297,7 +364,7 @@
     </p:spTree>
     <p:extLst>
       <p:ext uri="{BB962C8B-B14F-4D97-AF65-F5344CB8AC3E}">
-        <p14:creationId xmlns:p14="http://schemas.microsoft.com/office/powerpoint/2010/main" val="672445585"/>
+        <p14:creationId xmlns:p14="http://schemas.microsoft.com/office/powerpoint/2010/main" val="2223896738"/>
       </p:ext>
     </p:extLst>
   </p:cSld>
@@ -308,6 +375,2598 @@
 </file>
 
 <file path=ppt/slideLayouts/slideLayout10.xml><?xml version="1.0" encoding="utf-8"?>
+<p:sldLayout xmlns:a="http://schemas.openxmlformats.org/drawingml/2006/main" xmlns:r="http://schemas.openxmlformats.org/officeDocument/2006/relationships" xmlns:p="http://schemas.openxmlformats.org/presentationml/2006/main" preserve="1">
+  <p:cSld name="Panoramische afbeelding met bijschrift">
+    <p:spTree>
+      <p:nvGrpSpPr>
+        <p:cNvPr id="1" name=""/>
+        <p:cNvGrpSpPr/>
+        <p:nvPr/>
+      </p:nvGrpSpPr>
+      <p:grpSpPr>
+        <a:xfrm>
+          <a:off x="0" y="0"/>
+          <a:ext cx="0" cy="0"/>
+          <a:chOff x="0" y="0"/>
+          <a:chExt cx="0" cy="0"/>
+        </a:xfrm>
+      </p:grpSpPr>
+      <p:sp>
+        <p:nvSpPr>
+          <p:cNvPr id="2" name="Title 1"/>
+          <p:cNvSpPr>
+            <a:spLocks noGrp="1"/>
+          </p:cNvSpPr>
+          <p:nvPr>
+            <p:ph type="title"/>
+          </p:nvPr>
+        </p:nvSpPr>
+        <p:spPr>
+          <a:xfrm>
+            <a:off x="685777" y="4697360"/>
+            <a:ext cx="10822034" cy="819355"/>
+          </a:xfrm>
+        </p:spPr>
+        <p:txBody>
+          <a:bodyPr anchor="b"/>
+          <a:lstStyle>
+            <a:lvl1pPr algn="l">
+              <a:defRPr sz="3200"/>
+            </a:lvl1pPr>
+          </a:lstStyle>
+          <a:p>
+            <a:r>
+              <a:rPr lang="nl-NL"/>
+              <a:t>Klik om de stijl te bewerken</a:t>
+            </a:r>
+            <a:endParaRPr lang="en-US" dirty="0"/>
+          </a:p>
+        </p:txBody>
+      </p:sp>
+      <p:sp>
+        <p:nvSpPr>
+          <p:cNvPr id="3" name="Picture Placeholder 2"/>
+          <p:cNvSpPr>
+            <a:spLocks noGrp="1" noChangeAspect="1"/>
+          </p:cNvSpPr>
+          <p:nvPr>
+            <p:ph type="pic" idx="1"/>
+          </p:nvPr>
+        </p:nvSpPr>
+        <p:spPr>
+          <a:xfrm>
+            <a:off x="681727" y="941439"/>
+            <a:ext cx="10821840" cy="3478161"/>
+          </a:xfrm>
+        </p:spPr>
+        <p:txBody>
+          <a:bodyPr anchor="t"/>
+          <a:lstStyle>
+            <a:lvl1pPr marL="0" indent="0">
+              <a:buNone/>
+              <a:defRPr sz="3200"/>
+            </a:lvl1pPr>
+            <a:lvl2pPr marL="457200" indent="0">
+              <a:buNone/>
+              <a:defRPr sz="2800"/>
+            </a:lvl2pPr>
+            <a:lvl3pPr marL="914400" indent="0">
+              <a:buNone/>
+              <a:defRPr sz="2400"/>
+            </a:lvl3pPr>
+            <a:lvl4pPr marL="1371600" indent="0">
+              <a:buNone/>
+              <a:defRPr sz="2000"/>
+            </a:lvl4pPr>
+            <a:lvl5pPr marL="1828800" indent="0">
+              <a:buNone/>
+              <a:defRPr sz="2000"/>
+            </a:lvl5pPr>
+            <a:lvl6pPr marL="2286000" indent="0">
+              <a:buNone/>
+              <a:defRPr sz="2000"/>
+            </a:lvl6pPr>
+            <a:lvl7pPr marL="2743200" indent="0">
+              <a:buNone/>
+              <a:defRPr sz="2000"/>
+            </a:lvl7pPr>
+            <a:lvl8pPr marL="3200400" indent="0">
+              <a:buNone/>
+              <a:defRPr sz="2000"/>
+            </a:lvl8pPr>
+            <a:lvl9pPr marL="3657600" indent="0">
+              <a:buNone/>
+              <a:defRPr sz="2000"/>
+            </a:lvl9pPr>
+          </a:lstStyle>
+          <a:p>
+            <a:r>
+              <a:rPr lang="nl-NL"/>
+              <a:t>Klik op het pictogram als u een afbeelding wilt toevoegen</a:t>
+            </a:r>
+            <a:endParaRPr lang="en-US" dirty="0"/>
+          </a:p>
+        </p:txBody>
+      </p:sp>
+      <p:sp>
+        <p:nvSpPr>
+          <p:cNvPr id="4" name="Text Placeholder 3"/>
+          <p:cNvSpPr>
+            <a:spLocks noGrp="1"/>
+          </p:cNvSpPr>
+          <p:nvPr>
+            <p:ph type="body" sz="half" idx="2"/>
+          </p:nvPr>
+        </p:nvSpPr>
+        <p:spPr>
+          <a:xfrm>
+            <a:off x="685800" y="5516715"/>
+            <a:ext cx="10820400" cy="701969"/>
+          </a:xfrm>
+        </p:spPr>
+        <p:txBody>
+          <a:bodyPr/>
+          <a:lstStyle>
+            <a:lvl1pPr marL="0" indent="0" algn="l">
+              <a:buNone/>
+              <a:defRPr sz="1600"/>
+            </a:lvl1pPr>
+            <a:lvl2pPr marL="457200" indent="0">
+              <a:buNone/>
+              <a:defRPr sz="1400"/>
+            </a:lvl2pPr>
+            <a:lvl3pPr marL="914400" indent="0">
+              <a:buNone/>
+              <a:defRPr sz="1200"/>
+            </a:lvl3pPr>
+            <a:lvl4pPr marL="1371600" indent="0">
+              <a:buNone/>
+              <a:defRPr sz="1000"/>
+            </a:lvl4pPr>
+            <a:lvl5pPr marL="1828800" indent="0">
+              <a:buNone/>
+              <a:defRPr sz="1000"/>
+            </a:lvl5pPr>
+            <a:lvl6pPr marL="2286000" indent="0">
+              <a:buNone/>
+              <a:defRPr sz="1000"/>
+            </a:lvl6pPr>
+            <a:lvl7pPr marL="2743200" indent="0">
+              <a:buNone/>
+              <a:defRPr sz="1000"/>
+            </a:lvl7pPr>
+            <a:lvl8pPr marL="3200400" indent="0">
+              <a:buNone/>
+              <a:defRPr sz="1000"/>
+            </a:lvl8pPr>
+            <a:lvl9pPr marL="3657600" indent="0">
+              <a:buNone/>
+              <a:defRPr sz="1000"/>
+            </a:lvl9pPr>
+          </a:lstStyle>
+          <a:p>
+            <a:pPr lvl="0"/>
+            <a:r>
+              <a:rPr lang="nl-NL"/>
+              <a:t>Tekststijl van het model bewerken</a:t>
+            </a:r>
+          </a:p>
+        </p:txBody>
+      </p:sp>
+      <p:sp>
+        <p:nvSpPr>
+          <p:cNvPr id="5" name="Date Placeholder 4"/>
+          <p:cNvSpPr>
+            <a:spLocks noGrp="1"/>
+          </p:cNvSpPr>
+          <p:nvPr>
+            <p:ph type="dt" sz="half" idx="10"/>
+          </p:nvPr>
+        </p:nvSpPr>
+        <p:spPr/>
+        <p:txBody>
+          <a:bodyPr/>
+          <a:lstStyle/>
+          <a:p>
+            <a:fld id="{D0BEBCF1-C867-4FA3-929D-70E3E2EA05CD}" type="datetimeFigureOut">
+              <a:rPr lang="nl-NL" smtClean="0"/>
+              <a:t>7-6-2017</a:t>
+            </a:fld>
+            <a:endParaRPr lang="nl-NL"/>
+          </a:p>
+        </p:txBody>
+      </p:sp>
+      <p:sp>
+        <p:nvSpPr>
+          <p:cNvPr id="6" name="Footer Placeholder 5"/>
+          <p:cNvSpPr>
+            <a:spLocks noGrp="1"/>
+          </p:cNvSpPr>
+          <p:nvPr>
+            <p:ph type="ftr" sz="quarter" idx="11"/>
+          </p:nvPr>
+        </p:nvSpPr>
+        <p:spPr/>
+        <p:txBody>
+          <a:bodyPr/>
+          <a:lstStyle/>
+          <a:p>
+            <a:endParaRPr lang="nl-NL"/>
+          </a:p>
+        </p:txBody>
+      </p:sp>
+      <p:sp>
+        <p:nvSpPr>
+          <p:cNvPr id="7" name="Slide Number Placeholder 6"/>
+          <p:cNvSpPr>
+            <a:spLocks noGrp="1"/>
+          </p:cNvSpPr>
+          <p:nvPr>
+            <p:ph type="sldNum" sz="quarter" idx="12"/>
+          </p:nvPr>
+        </p:nvSpPr>
+        <p:spPr/>
+        <p:txBody>
+          <a:bodyPr/>
+          <a:lstStyle/>
+          <a:p>
+            <a:fld id="{CA5AE562-405B-4300-8199-EA46BD55C81A}" type="slidenum">
+              <a:rPr lang="nl-NL" smtClean="0"/>
+              <a:t>‹nr.›</a:t>
+            </a:fld>
+            <a:endParaRPr lang="nl-NL"/>
+          </a:p>
+        </p:txBody>
+      </p:sp>
+    </p:spTree>
+    <p:extLst>
+      <p:ext uri="{BB962C8B-B14F-4D97-AF65-F5344CB8AC3E}">
+        <p14:creationId xmlns:p14="http://schemas.microsoft.com/office/powerpoint/2010/main" val="2547399383"/>
+      </p:ext>
+    </p:extLst>
+  </p:cSld>
+  <p:clrMapOvr>
+    <a:masterClrMapping/>
+  </p:clrMapOvr>
+</p:sldLayout>
+</file>
+
+<file path=ppt/slideLayouts/slideLayout11.xml><?xml version="1.0" encoding="utf-8"?>
+<p:sldLayout xmlns:a="http://schemas.openxmlformats.org/drawingml/2006/main" xmlns:r="http://schemas.openxmlformats.org/officeDocument/2006/relationships" xmlns:p="http://schemas.openxmlformats.org/presentationml/2006/main" showMasterSp="0" preserve="1">
+  <p:cSld name="Titel en bijschrift">
+    <p:spTree>
+      <p:nvGrpSpPr>
+        <p:cNvPr id="1" name=""/>
+        <p:cNvGrpSpPr/>
+        <p:nvPr/>
+      </p:nvGrpSpPr>
+      <p:grpSpPr>
+        <a:xfrm>
+          <a:off x="0" y="0"/>
+          <a:ext cx="0" cy="0"/>
+          <a:chOff x="0" y="0"/>
+          <a:chExt cx="0" cy="0"/>
+        </a:xfrm>
+      </p:grpSpPr>
+      <p:pic>
+        <p:nvPicPr>
+          <p:cNvPr id="9" name="Picture 8" descr="C3-HD-BTM.png"/>
+          <p:cNvPicPr>
+            <a:picLocks noChangeAspect="1"/>
+          </p:cNvPicPr>
+          <p:nvPr/>
+        </p:nvPicPr>
+        <p:blipFill>
+          <a:blip r:embed="rId2">
+            <a:extLst>
+              <a:ext uri="{28A0092B-C50C-407E-A947-70E740481C1C}">
+                <a14:useLocalDpi xmlns:a14="http://schemas.microsoft.com/office/drawing/2010/main" val="0"/>
+              </a:ext>
+            </a:extLst>
+          </a:blip>
+          <a:stretch>
+            <a:fillRect/>
+          </a:stretch>
+        </p:blipFill>
+        <p:spPr>
+          <a:xfrm>
+            <a:off x="0" y="4375150"/>
+            <a:ext cx="12192000" cy="2482850"/>
+          </a:xfrm>
+          <a:prstGeom prst="rect">
+            <a:avLst/>
+          </a:prstGeom>
+        </p:spPr>
+      </p:pic>
+      <p:sp>
+        <p:nvSpPr>
+          <p:cNvPr id="2" name="Title 1"/>
+          <p:cNvSpPr>
+            <a:spLocks noGrp="1"/>
+          </p:cNvSpPr>
+          <p:nvPr>
+            <p:ph type="title"/>
+          </p:nvPr>
+        </p:nvSpPr>
+        <p:spPr>
+          <a:xfrm>
+            <a:off x="685800" y="753532"/>
+            <a:ext cx="10820400" cy="2802467"/>
+          </a:xfrm>
+        </p:spPr>
+        <p:txBody>
+          <a:bodyPr anchor="ctr"/>
+          <a:lstStyle>
+            <a:lvl1pPr algn="l">
+              <a:defRPr sz="3200"/>
+            </a:lvl1pPr>
+          </a:lstStyle>
+          <a:p>
+            <a:r>
+              <a:rPr lang="nl-NL"/>
+              <a:t>Klik om de stijl te bewerken</a:t>
+            </a:r>
+            <a:endParaRPr lang="en-US" dirty="0"/>
+          </a:p>
+        </p:txBody>
+      </p:sp>
+      <p:sp>
+        <p:nvSpPr>
+          <p:cNvPr id="4" name="Text Placeholder 3"/>
+          <p:cNvSpPr>
+            <a:spLocks noGrp="1"/>
+          </p:cNvSpPr>
+          <p:nvPr>
+            <p:ph type="body" sz="half" idx="2"/>
+          </p:nvPr>
+        </p:nvSpPr>
+        <p:spPr>
+          <a:xfrm>
+            <a:off x="1024467" y="3649133"/>
+            <a:ext cx="10130516" cy="999067"/>
+          </a:xfrm>
+        </p:spPr>
+        <p:txBody>
+          <a:bodyPr anchor="ctr"/>
+          <a:lstStyle>
+            <a:lvl1pPr marL="0" indent="0">
+              <a:buNone/>
+              <a:defRPr sz="1600"/>
+            </a:lvl1pPr>
+            <a:lvl2pPr marL="457200" indent="0">
+              <a:buNone/>
+              <a:defRPr sz="1400"/>
+            </a:lvl2pPr>
+            <a:lvl3pPr marL="914400" indent="0">
+              <a:buNone/>
+              <a:defRPr sz="1200"/>
+            </a:lvl3pPr>
+            <a:lvl4pPr marL="1371600" indent="0">
+              <a:buNone/>
+              <a:defRPr sz="1000"/>
+            </a:lvl4pPr>
+            <a:lvl5pPr marL="1828800" indent="0">
+              <a:buNone/>
+              <a:defRPr sz="1000"/>
+            </a:lvl5pPr>
+            <a:lvl6pPr marL="2286000" indent="0">
+              <a:buNone/>
+              <a:defRPr sz="1000"/>
+            </a:lvl6pPr>
+            <a:lvl7pPr marL="2743200" indent="0">
+              <a:buNone/>
+              <a:defRPr sz="1000"/>
+            </a:lvl7pPr>
+            <a:lvl8pPr marL="3200400" indent="0">
+              <a:buNone/>
+              <a:defRPr sz="1000"/>
+            </a:lvl8pPr>
+            <a:lvl9pPr marL="3657600" indent="0">
+              <a:buNone/>
+              <a:defRPr sz="1000"/>
+            </a:lvl9pPr>
+          </a:lstStyle>
+          <a:p>
+            <a:pPr lvl="0"/>
+            <a:r>
+              <a:rPr lang="nl-NL"/>
+              <a:t>Tekststijl van het model bewerken</a:t>
+            </a:r>
+          </a:p>
+        </p:txBody>
+      </p:sp>
+      <p:sp>
+        <p:nvSpPr>
+          <p:cNvPr id="5" name="Date Placeholder 4"/>
+          <p:cNvSpPr>
+            <a:spLocks noGrp="1"/>
+          </p:cNvSpPr>
+          <p:nvPr>
+            <p:ph type="dt" sz="half" idx="10"/>
+          </p:nvPr>
+        </p:nvSpPr>
+        <p:spPr>
+          <a:xfrm>
+            <a:off x="7814452" y="381000"/>
+            <a:ext cx="2910840" cy="365125"/>
+          </a:xfrm>
+        </p:spPr>
+        <p:txBody>
+          <a:bodyPr/>
+          <a:lstStyle>
+            <a:lvl1pPr algn="r">
+              <a:defRPr/>
+            </a:lvl1pPr>
+          </a:lstStyle>
+          <a:p>
+            <a:fld id="{D0BEBCF1-C867-4FA3-929D-70E3E2EA05CD}" type="datetimeFigureOut">
+              <a:rPr lang="nl-NL" smtClean="0"/>
+              <a:t>7-6-2017</a:t>
+            </a:fld>
+            <a:endParaRPr lang="nl-NL"/>
+          </a:p>
+        </p:txBody>
+      </p:sp>
+      <p:sp>
+        <p:nvSpPr>
+          <p:cNvPr id="6" name="Footer Placeholder 5"/>
+          <p:cNvSpPr>
+            <a:spLocks noGrp="1"/>
+          </p:cNvSpPr>
+          <p:nvPr>
+            <p:ph type="ftr" sz="quarter" idx="11"/>
+          </p:nvPr>
+        </p:nvSpPr>
+        <p:spPr>
+          <a:xfrm>
+            <a:off x="685800" y="379941"/>
+            <a:ext cx="6991492" cy="365125"/>
+          </a:xfrm>
+        </p:spPr>
+        <p:txBody>
+          <a:bodyPr/>
+          <a:lstStyle/>
+          <a:p>
+            <a:endParaRPr lang="nl-NL"/>
+          </a:p>
+        </p:txBody>
+      </p:sp>
+      <p:sp>
+        <p:nvSpPr>
+          <p:cNvPr id="7" name="Slide Number Placeholder 6"/>
+          <p:cNvSpPr>
+            <a:spLocks noGrp="1"/>
+          </p:cNvSpPr>
+          <p:nvPr>
+            <p:ph type="sldNum" sz="quarter" idx="12"/>
+          </p:nvPr>
+        </p:nvSpPr>
+        <p:spPr>
+          <a:xfrm>
+            <a:off x="10862452" y="381000"/>
+            <a:ext cx="643748" cy="365125"/>
+          </a:xfrm>
+        </p:spPr>
+        <p:txBody>
+          <a:bodyPr/>
+          <a:lstStyle/>
+          <a:p>
+            <a:fld id="{CA5AE562-405B-4300-8199-EA46BD55C81A}" type="slidenum">
+              <a:rPr lang="nl-NL" smtClean="0"/>
+              <a:t>‹nr.›</a:t>
+            </a:fld>
+            <a:endParaRPr lang="nl-NL"/>
+          </a:p>
+        </p:txBody>
+      </p:sp>
+    </p:spTree>
+    <p:extLst>
+      <p:ext uri="{BB962C8B-B14F-4D97-AF65-F5344CB8AC3E}">
+        <p14:creationId xmlns:p14="http://schemas.microsoft.com/office/powerpoint/2010/main" val="231888478"/>
+      </p:ext>
+    </p:extLst>
+  </p:cSld>
+  <p:clrMapOvr>
+    <a:masterClrMapping/>
+  </p:clrMapOvr>
+</p:sldLayout>
+</file>
+
+<file path=ppt/slideLayouts/slideLayout12.xml><?xml version="1.0" encoding="utf-8"?>
+<p:sldLayout xmlns:a="http://schemas.openxmlformats.org/drawingml/2006/main" xmlns:r="http://schemas.openxmlformats.org/officeDocument/2006/relationships" xmlns:p="http://schemas.openxmlformats.org/presentationml/2006/main" showMasterSp="0" preserve="1">
+  <p:cSld name="Citeraat met bijschrift">
+    <p:spTree>
+      <p:nvGrpSpPr>
+        <p:cNvPr id="1" name=""/>
+        <p:cNvGrpSpPr/>
+        <p:nvPr/>
+      </p:nvGrpSpPr>
+      <p:grpSpPr>
+        <a:xfrm>
+          <a:off x="0" y="0"/>
+          <a:ext cx="0" cy="0"/>
+          <a:chOff x="0" y="0"/>
+          <a:chExt cx="0" cy="0"/>
+        </a:xfrm>
+      </p:grpSpPr>
+      <p:pic>
+        <p:nvPicPr>
+          <p:cNvPr id="11" name="Picture 10" descr="C3-HD-BTM.png"/>
+          <p:cNvPicPr>
+            <a:picLocks noChangeAspect="1"/>
+          </p:cNvPicPr>
+          <p:nvPr/>
+        </p:nvPicPr>
+        <p:blipFill>
+          <a:blip r:embed="rId2">
+            <a:extLst>
+              <a:ext uri="{28A0092B-C50C-407E-A947-70E740481C1C}">
+                <a14:useLocalDpi xmlns:a14="http://schemas.microsoft.com/office/drawing/2010/main" val="0"/>
+              </a:ext>
+            </a:extLst>
+          </a:blip>
+          <a:stretch>
+            <a:fillRect/>
+          </a:stretch>
+        </p:blipFill>
+        <p:spPr>
+          <a:xfrm>
+            <a:off x="0" y="4375150"/>
+            <a:ext cx="12192000" cy="2482850"/>
+          </a:xfrm>
+          <a:prstGeom prst="rect">
+            <a:avLst/>
+          </a:prstGeom>
+        </p:spPr>
+      </p:pic>
+      <p:sp>
+        <p:nvSpPr>
+          <p:cNvPr id="2" name="Title 1"/>
+          <p:cNvSpPr>
+            <a:spLocks noGrp="1"/>
+          </p:cNvSpPr>
+          <p:nvPr>
+            <p:ph type="title"/>
+          </p:nvPr>
+        </p:nvSpPr>
+        <p:spPr>
+          <a:xfrm>
+            <a:off x="1024467" y="753533"/>
+            <a:ext cx="10151533" cy="2604495"/>
+          </a:xfrm>
+        </p:spPr>
+        <p:txBody>
+          <a:bodyPr anchor="ctr"/>
+          <a:lstStyle>
+            <a:lvl1pPr algn="l">
+              <a:defRPr sz="3200"/>
+            </a:lvl1pPr>
+          </a:lstStyle>
+          <a:p>
+            <a:r>
+              <a:rPr lang="nl-NL"/>
+              <a:t>Klik om de stijl te bewerken</a:t>
+            </a:r>
+            <a:endParaRPr lang="en-US" dirty="0"/>
+          </a:p>
+        </p:txBody>
+      </p:sp>
+      <p:sp>
+        <p:nvSpPr>
+          <p:cNvPr id="12" name="Text Placeholder 3"/>
+          <p:cNvSpPr>
+            <a:spLocks noGrp="1"/>
+          </p:cNvSpPr>
+          <p:nvPr>
+            <p:ph type="body" sz="half" idx="13"/>
+          </p:nvPr>
+        </p:nvSpPr>
+        <p:spPr>
+          <a:xfrm>
+            <a:off x="1303865" y="3365556"/>
+            <a:ext cx="9592736" cy="444443"/>
+          </a:xfrm>
+        </p:spPr>
+        <p:txBody>
+          <a:bodyPr anchor="t">
+            <a:normAutofit/>
+          </a:bodyPr>
+          <a:lstStyle>
+            <a:lvl1pPr marL="0" indent="0">
+              <a:buNone/>
+              <a:defRPr sz="1400"/>
+            </a:lvl1pPr>
+            <a:lvl2pPr marL="457200" indent="0">
+              <a:buNone/>
+              <a:defRPr sz="1400"/>
+            </a:lvl2pPr>
+            <a:lvl3pPr marL="914400" indent="0">
+              <a:buNone/>
+              <a:defRPr sz="1200"/>
+            </a:lvl3pPr>
+            <a:lvl4pPr marL="1371600" indent="0">
+              <a:buNone/>
+              <a:defRPr sz="1000"/>
+            </a:lvl4pPr>
+            <a:lvl5pPr marL="1828800" indent="0">
+              <a:buNone/>
+              <a:defRPr sz="1000"/>
+            </a:lvl5pPr>
+            <a:lvl6pPr marL="2286000" indent="0">
+              <a:buNone/>
+              <a:defRPr sz="1000"/>
+            </a:lvl6pPr>
+            <a:lvl7pPr marL="2743200" indent="0">
+              <a:buNone/>
+              <a:defRPr sz="1000"/>
+            </a:lvl7pPr>
+            <a:lvl8pPr marL="3200400" indent="0">
+              <a:buNone/>
+              <a:defRPr sz="1000"/>
+            </a:lvl8pPr>
+            <a:lvl9pPr marL="3657600" indent="0">
+              <a:buNone/>
+              <a:defRPr sz="1000"/>
+            </a:lvl9pPr>
+          </a:lstStyle>
+          <a:p>
+            <a:pPr lvl="0"/>
+            <a:r>
+              <a:rPr lang="nl-NL"/>
+              <a:t>Tekststijl van het model bewerken</a:t>
+            </a:r>
+          </a:p>
+        </p:txBody>
+      </p:sp>
+      <p:sp>
+        <p:nvSpPr>
+          <p:cNvPr id="4" name="Text Placeholder 3"/>
+          <p:cNvSpPr>
+            <a:spLocks noGrp="1"/>
+          </p:cNvSpPr>
+          <p:nvPr>
+            <p:ph type="body" sz="half" idx="2"/>
+          </p:nvPr>
+        </p:nvSpPr>
+        <p:spPr>
+          <a:xfrm>
+            <a:off x="1024467" y="3959862"/>
+            <a:ext cx="10151533" cy="679871"/>
+          </a:xfrm>
+        </p:spPr>
+        <p:txBody>
+          <a:bodyPr anchor="ctr">
+            <a:normAutofit/>
+          </a:bodyPr>
+          <a:lstStyle>
+            <a:lvl1pPr marL="0" indent="0">
+              <a:buNone/>
+              <a:defRPr sz="1600"/>
+            </a:lvl1pPr>
+            <a:lvl2pPr marL="457200" indent="0">
+              <a:buNone/>
+              <a:defRPr sz="1400"/>
+            </a:lvl2pPr>
+            <a:lvl3pPr marL="914400" indent="0">
+              <a:buNone/>
+              <a:defRPr sz="1200"/>
+            </a:lvl3pPr>
+            <a:lvl4pPr marL="1371600" indent="0">
+              <a:buNone/>
+              <a:defRPr sz="1000"/>
+            </a:lvl4pPr>
+            <a:lvl5pPr marL="1828800" indent="0">
+              <a:buNone/>
+              <a:defRPr sz="1000"/>
+            </a:lvl5pPr>
+            <a:lvl6pPr marL="2286000" indent="0">
+              <a:buNone/>
+              <a:defRPr sz="1000"/>
+            </a:lvl6pPr>
+            <a:lvl7pPr marL="2743200" indent="0">
+              <a:buNone/>
+              <a:defRPr sz="1000"/>
+            </a:lvl7pPr>
+            <a:lvl8pPr marL="3200400" indent="0">
+              <a:buNone/>
+              <a:defRPr sz="1000"/>
+            </a:lvl8pPr>
+            <a:lvl9pPr marL="3657600" indent="0">
+              <a:buNone/>
+              <a:defRPr sz="1000"/>
+            </a:lvl9pPr>
+          </a:lstStyle>
+          <a:p>
+            <a:pPr lvl="0"/>
+            <a:r>
+              <a:rPr lang="nl-NL"/>
+              <a:t>Tekststijl van het model bewerken</a:t>
+            </a:r>
+          </a:p>
+        </p:txBody>
+      </p:sp>
+      <p:sp>
+        <p:nvSpPr>
+          <p:cNvPr id="5" name="Date Placeholder 4"/>
+          <p:cNvSpPr>
+            <a:spLocks noGrp="1"/>
+          </p:cNvSpPr>
+          <p:nvPr>
+            <p:ph type="dt" sz="half" idx="10"/>
+          </p:nvPr>
+        </p:nvSpPr>
+        <p:spPr>
+          <a:xfrm>
+            <a:off x="7814452" y="381000"/>
+            <a:ext cx="2910840" cy="365125"/>
+          </a:xfrm>
+        </p:spPr>
+        <p:txBody>
+          <a:bodyPr/>
+          <a:lstStyle>
+            <a:lvl1pPr algn="r">
+              <a:defRPr/>
+            </a:lvl1pPr>
+          </a:lstStyle>
+          <a:p>
+            <a:fld id="{D0BEBCF1-C867-4FA3-929D-70E3E2EA05CD}" type="datetimeFigureOut">
+              <a:rPr lang="nl-NL" smtClean="0"/>
+              <a:t>7-6-2017</a:t>
+            </a:fld>
+            <a:endParaRPr lang="nl-NL"/>
+          </a:p>
+        </p:txBody>
+      </p:sp>
+      <p:sp>
+        <p:nvSpPr>
+          <p:cNvPr id="6" name="Footer Placeholder 5"/>
+          <p:cNvSpPr>
+            <a:spLocks noGrp="1"/>
+          </p:cNvSpPr>
+          <p:nvPr>
+            <p:ph type="ftr" sz="quarter" idx="11"/>
+          </p:nvPr>
+        </p:nvSpPr>
+        <p:spPr>
+          <a:xfrm>
+            <a:off x="685800" y="379941"/>
+            <a:ext cx="6991492" cy="365125"/>
+          </a:xfrm>
+        </p:spPr>
+        <p:txBody>
+          <a:bodyPr/>
+          <a:lstStyle/>
+          <a:p>
+            <a:endParaRPr lang="nl-NL"/>
+          </a:p>
+        </p:txBody>
+      </p:sp>
+      <p:sp>
+        <p:nvSpPr>
+          <p:cNvPr id="7" name="Slide Number Placeholder 6"/>
+          <p:cNvSpPr>
+            <a:spLocks noGrp="1"/>
+          </p:cNvSpPr>
+          <p:nvPr>
+            <p:ph type="sldNum" sz="quarter" idx="12"/>
+          </p:nvPr>
+        </p:nvSpPr>
+        <p:spPr>
+          <a:xfrm>
+            <a:off x="10862452" y="381000"/>
+            <a:ext cx="643748" cy="365125"/>
+          </a:xfrm>
+        </p:spPr>
+        <p:txBody>
+          <a:bodyPr/>
+          <a:lstStyle/>
+          <a:p>
+            <a:fld id="{CA5AE562-405B-4300-8199-EA46BD55C81A}" type="slidenum">
+              <a:rPr lang="nl-NL" smtClean="0"/>
+              <a:t>‹nr.›</a:t>
+            </a:fld>
+            <a:endParaRPr lang="nl-NL"/>
+          </a:p>
+        </p:txBody>
+      </p:sp>
+      <p:sp>
+        <p:nvSpPr>
+          <p:cNvPr id="9" name="TextBox 8"/>
+          <p:cNvSpPr txBox="1"/>
+          <p:nvPr/>
+        </p:nvSpPr>
+        <p:spPr>
+          <a:xfrm>
+            <a:off x="476250" y="933450"/>
+            <a:ext cx="609600" cy="584776"/>
+          </a:xfrm>
+          <a:prstGeom prst="rect">
+            <a:avLst/>
+          </a:prstGeom>
+        </p:spPr>
+        <p:txBody>
+          <a:bodyPr vert="horz" lIns="91440" tIns="45720" rIns="91440" bIns="45720" rtlCol="0" anchor="ctr">
+            <a:noAutofit/>
+          </a:bodyPr>
+          <a:lstStyle>
+            <a:lvl1pPr>
+              <a:spcBef>
+                <a:spcPct val="0"/>
+              </a:spcBef>
+              <a:buNone/>
+              <a:defRPr sz="3200" b="0" cap="all">
+                <a:ln w="3175" cmpd="sng">
+                  <a:noFill/>
+                </a:ln>
+                <a:effectLst>
+                  <a:glow rad="38100">
+                    <a:schemeClr val="bg1">
+                      <a:lumMod val="65000"/>
+                      <a:lumOff val="35000"/>
+                      <a:alpha val="40000"/>
+                    </a:schemeClr>
+                  </a:glow>
+                  <a:outerShdw blurRad="28575" dist="38100" dir="14040000" algn="tl" rotWithShape="0">
+                    <a:srgbClr val="000000">
+                      <a:alpha val="25000"/>
+                    </a:srgbClr>
+                  </a:outerShdw>
+                </a:effectLst>
+              </a:defRPr>
+            </a:lvl1pPr>
+            <a:lvl2pPr>
+              <a:defRPr>
+                <a:solidFill>
+                  <a:schemeClr val="tx2"/>
+                </a:solidFill>
+              </a:defRPr>
+            </a:lvl2pPr>
+            <a:lvl3pPr>
+              <a:defRPr>
+                <a:solidFill>
+                  <a:schemeClr val="tx2"/>
+                </a:solidFill>
+              </a:defRPr>
+            </a:lvl3pPr>
+            <a:lvl4pPr>
+              <a:defRPr>
+                <a:solidFill>
+                  <a:schemeClr val="tx2"/>
+                </a:solidFill>
+              </a:defRPr>
+            </a:lvl4pPr>
+            <a:lvl5pPr>
+              <a:defRPr>
+                <a:solidFill>
+                  <a:schemeClr val="tx2"/>
+                </a:solidFill>
+              </a:defRPr>
+            </a:lvl5pPr>
+            <a:lvl6pPr>
+              <a:defRPr>
+                <a:solidFill>
+                  <a:schemeClr val="tx2"/>
+                </a:solidFill>
+              </a:defRPr>
+            </a:lvl6pPr>
+            <a:lvl7pPr>
+              <a:defRPr>
+                <a:solidFill>
+                  <a:schemeClr val="tx2"/>
+                </a:solidFill>
+              </a:defRPr>
+            </a:lvl7pPr>
+            <a:lvl8pPr>
+              <a:defRPr>
+                <a:solidFill>
+                  <a:schemeClr val="tx2"/>
+                </a:solidFill>
+              </a:defRPr>
+            </a:lvl8pPr>
+            <a:lvl9pPr>
+              <a:defRPr>
+                <a:solidFill>
+                  <a:schemeClr val="tx2"/>
+                </a:solidFill>
+              </a:defRPr>
+            </a:lvl9pPr>
+          </a:lstStyle>
+          <a:p>
+            <a:pPr lvl="0"/>
+            <a:r>
+              <a:rPr lang="en-US" sz="8000" dirty="0">
+                <a:solidFill>
+                  <a:schemeClr val="tx1"/>
+                </a:solidFill>
+                <a:effectLst/>
+              </a:rPr>
+              <a:t>“</a:t>
+            </a:r>
+          </a:p>
+        </p:txBody>
+      </p:sp>
+      <p:sp>
+        <p:nvSpPr>
+          <p:cNvPr id="10" name="TextBox 9"/>
+          <p:cNvSpPr txBox="1"/>
+          <p:nvPr/>
+        </p:nvSpPr>
+        <p:spPr>
+          <a:xfrm>
+            <a:off x="10984230" y="2701290"/>
+            <a:ext cx="609600" cy="584776"/>
+          </a:xfrm>
+          <a:prstGeom prst="rect">
+            <a:avLst/>
+          </a:prstGeom>
+        </p:spPr>
+        <p:txBody>
+          <a:bodyPr vert="horz" lIns="91440" tIns="45720" rIns="91440" bIns="45720" rtlCol="0" anchor="ctr">
+            <a:noAutofit/>
+          </a:bodyPr>
+          <a:lstStyle>
+            <a:lvl1pPr>
+              <a:spcBef>
+                <a:spcPct val="0"/>
+              </a:spcBef>
+              <a:buNone/>
+              <a:defRPr sz="3200" b="0" cap="all">
+                <a:ln w="3175" cmpd="sng">
+                  <a:noFill/>
+                </a:ln>
+                <a:effectLst>
+                  <a:glow rad="38100">
+                    <a:schemeClr val="bg1">
+                      <a:lumMod val="65000"/>
+                      <a:lumOff val="35000"/>
+                      <a:alpha val="40000"/>
+                    </a:schemeClr>
+                  </a:glow>
+                  <a:outerShdw blurRad="28575" dist="38100" dir="14040000" algn="tl" rotWithShape="0">
+                    <a:srgbClr val="000000">
+                      <a:alpha val="25000"/>
+                    </a:srgbClr>
+                  </a:outerShdw>
+                </a:effectLst>
+              </a:defRPr>
+            </a:lvl1pPr>
+            <a:lvl2pPr>
+              <a:defRPr>
+                <a:solidFill>
+                  <a:schemeClr val="tx2"/>
+                </a:solidFill>
+              </a:defRPr>
+            </a:lvl2pPr>
+            <a:lvl3pPr>
+              <a:defRPr>
+                <a:solidFill>
+                  <a:schemeClr val="tx2"/>
+                </a:solidFill>
+              </a:defRPr>
+            </a:lvl3pPr>
+            <a:lvl4pPr>
+              <a:defRPr>
+                <a:solidFill>
+                  <a:schemeClr val="tx2"/>
+                </a:solidFill>
+              </a:defRPr>
+            </a:lvl4pPr>
+            <a:lvl5pPr>
+              <a:defRPr>
+                <a:solidFill>
+                  <a:schemeClr val="tx2"/>
+                </a:solidFill>
+              </a:defRPr>
+            </a:lvl5pPr>
+            <a:lvl6pPr>
+              <a:defRPr>
+                <a:solidFill>
+                  <a:schemeClr val="tx2"/>
+                </a:solidFill>
+              </a:defRPr>
+            </a:lvl6pPr>
+            <a:lvl7pPr>
+              <a:defRPr>
+                <a:solidFill>
+                  <a:schemeClr val="tx2"/>
+                </a:solidFill>
+              </a:defRPr>
+            </a:lvl7pPr>
+            <a:lvl8pPr>
+              <a:defRPr>
+                <a:solidFill>
+                  <a:schemeClr val="tx2"/>
+                </a:solidFill>
+              </a:defRPr>
+            </a:lvl8pPr>
+            <a:lvl9pPr>
+              <a:defRPr>
+                <a:solidFill>
+                  <a:schemeClr val="tx2"/>
+                </a:solidFill>
+              </a:defRPr>
+            </a:lvl9pPr>
+          </a:lstStyle>
+          <a:p>
+            <a:pPr lvl="0" algn="r"/>
+            <a:r>
+              <a:rPr lang="en-US" sz="8000" dirty="0">
+                <a:solidFill>
+                  <a:schemeClr val="tx1"/>
+                </a:solidFill>
+                <a:effectLst/>
+              </a:rPr>
+              <a:t>”</a:t>
+            </a:r>
+          </a:p>
+        </p:txBody>
+      </p:sp>
+    </p:spTree>
+    <p:extLst>
+      <p:ext uri="{BB962C8B-B14F-4D97-AF65-F5344CB8AC3E}">
+        <p14:creationId xmlns:p14="http://schemas.microsoft.com/office/powerpoint/2010/main" val="3662077945"/>
+      </p:ext>
+    </p:extLst>
+  </p:cSld>
+  <p:clrMapOvr>
+    <a:masterClrMapping/>
+  </p:clrMapOvr>
+</p:sldLayout>
+</file>
+
+<file path=ppt/slideLayouts/slideLayout13.xml><?xml version="1.0" encoding="utf-8"?>
+<p:sldLayout xmlns:a="http://schemas.openxmlformats.org/drawingml/2006/main" xmlns:r="http://schemas.openxmlformats.org/officeDocument/2006/relationships" xmlns:p="http://schemas.openxmlformats.org/presentationml/2006/main" showMasterSp="0" preserve="1">
+  <p:cSld name="Naamkaartje">
+    <p:spTree>
+      <p:nvGrpSpPr>
+        <p:cNvPr id="1" name=""/>
+        <p:cNvGrpSpPr/>
+        <p:nvPr/>
+      </p:nvGrpSpPr>
+      <p:grpSpPr>
+        <a:xfrm>
+          <a:off x="0" y="0"/>
+          <a:ext cx="0" cy="0"/>
+          <a:chOff x="0" y="0"/>
+          <a:chExt cx="0" cy="0"/>
+        </a:xfrm>
+      </p:grpSpPr>
+      <p:pic>
+        <p:nvPicPr>
+          <p:cNvPr id="8" name="Picture 7" descr="C3-HD-BTM.png"/>
+          <p:cNvPicPr>
+            <a:picLocks noChangeAspect="1"/>
+          </p:cNvPicPr>
+          <p:nvPr/>
+        </p:nvPicPr>
+        <p:blipFill>
+          <a:blip r:embed="rId2">
+            <a:extLst>
+              <a:ext uri="{28A0092B-C50C-407E-A947-70E740481C1C}">
+                <a14:useLocalDpi xmlns:a14="http://schemas.microsoft.com/office/drawing/2010/main" val="0"/>
+              </a:ext>
+            </a:extLst>
+          </a:blip>
+          <a:stretch>
+            <a:fillRect/>
+          </a:stretch>
+        </p:blipFill>
+        <p:spPr>
+          <a:xfrm>
+            <a:off x="0" y="4375150"/>
+            <a:ext cx="12192000" cy="2482850"/>
+          </a:xfrm>
+          <a:prstGeom prst="rect">
+            <a:avLst/>
+          </a:prstGeom>
+        </p:spPr>
+      </p:pic>
+      <p:sp>
+        <p:nvSpPr>
+          <p:cNvPr id="2" name="Title 1"/>
+          <p:cNvSpPr>
+            <a:spLocks noGrp="1"/>
+          </p:cNvSpPr>
+          <p:nvPr>
+            <p:ph type="title"/>
+          </p:nvPr>
+        </p:nvSpPr>
+        <p:spPr>
+          <a:xfrm>
+            <a:off x="1024495" y="1124701"/>
+            <a:ext cx="10146186" cy="2511835"/>
+          </a:xfrm>
+        </p:spPr>
+        <p:txBody>
+          <a:bodyPr anchor="b"/>
+          <a:lstStyle>
+            <a:lvl1pPr algn="l">
+              <a:defRPr sz="3200"/>
+            </a:lvl1pPr>
+          </a:lstStyle>
+          <a:p>
+            <a:r>
+              <a:rPr lang="nl-NL"/>
+              <a:t>Klik om de stijl te bewerken</a:t>
+            </a:r>
+            <a:endParaRPr lang="en-US" dirty="0"/>
+          </a:p>
+        </p:txBody>
+      </p:sp>
+      <p:sp>
+        <p:nvSpPr>
+          <p:cNvPr id="4" name="Text Placeholder 3"/>
+          <p:cNvSpPr>
+            <a:spLocks noGrp="1"/>
+          </p:cNvSpPr>
+          <p:nvPr>
+            <p:ph type="body" sz="half" idx="2"/>
+          </p:nvPr>
+        </p:nvSpPr>
+        <p:spPr>
+          <a:xfrm>
+            <a:off x="1024467" y="3648315"/>
+            <a:ext cx="10144654" cy="999885"/>
+          </a:xfrm>
+        </p:spPr>
+        <p:txBody>
+          <a:bodyPr anchor="t"/>
+          <a:lstStyle>
+            <a:lvl1pPr marL="0" indent="0">
+              <a:buNone/>
+              <a:defRPr sz="1600"/>
+            </a:lvl1pPr>
+            <a:lvl2pPr marL="457200" indent="0">
+              <a:buNone/>
+              <a:defRPr sz="1400"/>
+            </a:lvl2pPr>
+            <a:lvl3pPr marL="914400" indent="0">
+              <a:buNone/>
+              <a:defRPr sz="1200"/>
+            </a:lvl3pPr>
+            <a:lvl4pPr marL="1371600" indent="0">
+              <a:buNone/>
+              <a:defRPr sz="1000"/>
+            </a:lvl4pPr>
+            <a:lvl5pPr marL="1828800" indent="0">
+              <a:buNone/>
+              <a:defRPr sz="1000"/>
+            </a:lvl5pPr>
+            <a:lvl6pPr marL="2286000" indent="0">
+              <a:buNone/>
+              <a:defRPr sz="1000"/>
+            </a:lvl6pPr>
+            <a:lvl7pPr marL="2743200" indent="0">
+              <a:buNone/>
+              <a:defRPr sz="1000"/>
+            </a:lvl7pPr>
+            <a:lvl8pPr marL="3200400" indent="0">
+              <a:buNone/>
+              <a:defRPr sz="1000"/>
+            </a:lvl8pPr>
+            <a:lvl9pPr marL="3657600" indent="0">
+              <a:buNone/>
+              <a:defRPr sz="1000"/>
+            </a:lvl9pPr>
+          </a:lstStyle>
+          <a:p>
+            <a:pPr lvl="0"/>
+            <a:r>
+              <a:rPr lang="nl-NL"/>
+              <a:t>Tekststijl van het model bewerken</a:t>
+            </a:r>
+          </a:p>
+        </p:txBody>
+      </p:sp>
+      <p:sp>
+        <p:nvSpPr>
+          <p:cNvPr id="5" name="Date Placeholder 4"/>
+          <p:cNvSpPr>
+            <a:spLocks noGrp="1"/>
+          </p:cNvSpPr>
+          <p:nvPr>
+            <p:ph type="dt" sz="half" idx="10"/>
+          </p:nvPr>
+        </p:nvSpPr>
+        <p:spPr>
+          <a:xfrm>
+            <a:off x="7814452" y="378883"/>
+            <a:ext cx="2910840" cy="365125"/>
+          </a:xfrm>
+        </p:spPr>
+        <p:txBody>
+          <a:bodyPr/>
+          <a:lstStyle>
+            <a:lvl1pPr algn="r">
+              <a:defRPr/>
+            </a:lvl1pPr>
+          </a:lstStyle>
+          <a:p>
+            <a:fld id="{D0BEBCF1-C867-4FA3-929D-70E3E2EA05CD}" type="datetimeFigureOut">
+              <a:rPr lang="nl-NL" smtClean="0"/>
+              <a:t>7-6-2017</a:t>
+            </a:fld>
+            <a:endParaRPr lang="nl-NL"/>
+          </a:p>
+        </p:txBody>
+      </p:sp>
+      <p:sp>
+        <p:nvSpPr>
+          <p:cNvPr id="6" name="Footer Placeholder 5"/>
+          <p:cNvSpPr>
+            <a:spLocks noGrp="1"/>
+          </p:cNvSpPr>
+          <p:nvPr>
+            <p:ph type="ftr" sz="quarter" idx="11"/>
+          </p:nvPr>
+        </p:nvSpPr>
+        <p:spPr>
+          <a:xfrm>
+            <a:off x="685800" y="378883"/>
+            <a:ext cx="6991492" cy="365125"/>
+          </a:xfrm>
+        </p:spPr>
+        <p:txBody>
+          <a:bodyPr/>
+          <a:lstStyle/>
+          <a:p>
+            <a:endParaRPr lang="nl-NL"/>
+          </a:p>
+        </p:txBody>
+      </p:sp>
+      <p:sp>
+        <p:nvSpPr>
+          <p:cNvPr id="7" name="Slide Number Placeholder 6"/>
+          <p:cNvSpPr>
+            <a:spLocks noGrp="1"/>
+          </p:cNvSpPr>
+          <p:nvPr>
+            <p:ph type="sldNum" sz="quarter" idx="12"/>
+          </p:nvPr>
+        </p:nvSpPr>
+        <p:spPr>
+          <a:xfrm>
+            <a:off x="10862452" y="381000"/>
+            <a:ext cx="643748" cy="365125"/>
+          </a:xfrm>
+        </p:spPr>
+        <p:txBody>
+          <a:bodyPr/>
+          <a:lstStyle/>
+          <a:p>
+            <a:fld id="{CA5AE562-405B-4300-8199-EA46BD55C81A}" type="slidenum">
+              <a:rPr lang="nl-NL" smtClean="0"/>
+              <a:t>‹nr.›</a:t>
+            </a:fld>
+            <a:endParaRPr lang="nl-NL"/>
+          </a:p>
+        </p:txBody>
+      </p:sp>
+    </p:spTree>
+    <p:extLst>
+      <p:ext uri="{BB962C8B-B14F-4D97-AF65-F5344CB8AC3E}">
+        <p14:creationId xmlns:p14="http://schemas.microsoft.com/office/powerpoint/2010/main" val="289991658"/>
+      </p:ext>
+    </p:extLst>
+  </p:cSld>
+  <p:clrMapOvr>
+    <a:masterClrMapping/>
+  </p:clrMapOvr>
+</p:sldLayout>
+</file>
+
+<file path=ppt/slideLayouts/slideLayout14.xml><?xml version="1.0" encoding="utf-8"?>
+<p:sldLayout xmlns:a="http://schemas.openxmlformats.org/drawingml/2006/main" xmlns:r="http://schemas.openxmlformats.org/officeDocument/2006/relationships" xmlns:p="http://schemas.openxmlformats.org/presentationml/2006/main" preserve="1">
+  <p:cSld name="3 kolommen">
+    <p:spTree>
+      <p:nvGrpSpPr>
+        <p:cNvPr id="1" name=""/>
+        <p:cNvGrpSpPr/>
+        <p:nvPr/>
+      </p:nvGrpSpPr>
+      <p:grpSpPr>
+        <a:xfrm>
+          <a:off x="0" y="0"/>
+          <a:ext cx="0" cy="0"/>
+          <a:chOff x="0" y="0"/>
+          <a:chExt cx="0" cy="0"/>
+        </a:xfrm>
+      </p:grpSpPr>
+      <p:sp>
+        <p:nvSpPr>
+          <p:cNvPr id="15" name="Title 1"/>
+          <p:cNvSpPr>
+            <a:spLocks noGrp="1"/>
+          </p:cNvSpPr>
+          <p:nvPr>
+            <p:ph type="title"/>
+          </p:nvPr>
+        </p:nvSpPr>
+        <p:spPr>
+          <a:xfrm>
+            <a:off x="2895600" y="761999"/>
+            <a:ext cx="8610599" cy="1303867"/>
+          </a:xfrm>
+        </p:spPr>
+        <p:txBody>
+          <a:bodyPr/>
+          <a:lstStyle/>
+          <a:p>
+            <a:r>
+              <a:rPr lang="nl-NL"/>
+              <a:t>Klik om de stijl te bewerken</a:t>
+            </a:r>
+            <a:endParaRPr lang="en-US" dirty="0"/>
+          </a:p>
+        </p:txBody>
+      </p:sp>
+      <p:sp>
+        <p:nvSpPr>
+          <p:cNvPr id="7" name="Text Placeholder 2"/>
+          <p:cNvSpPr>
+            <a:spLocks noGrp="1"/>
+          </p:cNvSpPr>
+          <p:nvPr>
+            <p:ph type="body" idx="1"/>
+          </p:nvPr>
+        </p:nvSpPr>
+        <p:spPr>
+          <a:xfrm>
+            <a:off x="685800" y="2202080"/>
+            <a:ext cx="3456432" cy="617320"/>
+          </a:xfrm>
+        </p:spPr>
+        <p:txBody>
+          <a:bodyPr anchor="b">
+            <a:noAutofit/>
+          </a:bodyPr>
+          <a:lstStyle>
+            <a:lvl1pPr marL="0" indent="0">
+              <a:buNone/>
+              <a:defRPr sz="2400" b="0">
+                <a:solidFill>
+                  <a:schemeClr val="tx1"/>
+                </a:solidFill>
+              </a:defRPr>
+            </a:lvl1pPr>
+            <a:lvl2pPr marL="457200" indent="0">
+              <a:buNone/>
+              <a:defRPr sz="2000" b="1"/>
+            </a:lvl2pPr>
+            <a:lvl3pPr marL="914400" indent="0">
+              <a:buNone/>
+              <a:defRPr sz="1800" b="1"/>
+            </a:lvl3pPr>
+            <a:lvl4pPr marL="1371600" indent="0">
+              <a:buNone/>
+              <a:defRPr sz="1600" b="1"/>
+            </a:lvl4pPr>
+            <a:lvl5pPr marL="1828800" indent="0">
+              <a:buNone/>
+              <a:defRPr sz="1600" b="1"/>
+            </a:lvl5pPr>
+            <a:lvl6pPr marL="2286000" indent="0">
+              <a:buNone/>
+              <a:defRPr sz="1600" b="1"/>
+            </a:lvl6pPr>
+            <a:lvl7pPr marL="2743200" indent="0">
+              <a:buNone/>
+              <a:defRPr sz="1600" b="1"/>
+            </a:lvl7pPr>
+            <a:lvl8pPr marL="3200400" indent="0">
+              <a:buNone/>
+              <a:defRPr sz="1600" b="1"/>
+            </a:lvl8pPr>
+            <a:lvl9pPr marL="3657600" indent="0">
+              <a:buNone/>
+              <a:defRPr sz="1600" b="1"/>
+            </a:lvl9pPr>
+          </a:lstStyle>
+          <a:p>
+            <a:pPr lvl="0"/>
+            <a:r>
+              <a:rPr lang="nl-NL"/>
+              <a:t>Tekststijl van het model bewerken</a:t>
+            </a:r>
+          </a:p>
+        </p:txBody>
+      </p:sp>
+      <p:sp>
+        <p:nvSpPr>
+          <p:cNvPr id="8" name="Text Placeholder 3"/>
+          <p:cNvSpPr>
+            <a:spLocks noGrp="1"/>
+          </p:cNvSpPr>
+          <p:nvPr>
+            <p:ph type="body" sz="half" idx="15"/>
+          </p:nvPr>
+        </p:nvSpPr>
+        <p:spPr>
+          <a:xfrm>
+            <a:off x="685799" y="2904565"/>
+            <a:ext cx="3456432" cy="3314132"/>
+          </a:xfrm>
+        </p:spPr>
+        <p:txBody>
+          <a:bodyPr anchor="t">
+            <a:normAutofit/>
+          </a:bodyPr>
+          <a:lstStyle>
+            <a:lvl1pPr marL="0" indent="0">
+              <a:buNone/>
+              <a:defRPr sz="1400"/>
+            </a:lvl1pPr>
+            <a:lvl2pPr marL="457200" indent="0">
+              <a:buNone/>
+              <a:defRPr sz="1200"/>
+            </a:lvl2pPr>
+            <a:lvl3pPr marL="914400" indent="0">
+              <a:buNone/>
+              <a:defRPr sz="1000"/>
+            </a:lvl3pPr>
+            <a:lvl4pPr marL="1371600" indent="0">
+              <a:buNone/>
+              <a:defRPr sz="900"/>
+            </a:lvl4pPr>
+            <a:lvl5pPr marL="1828800" indent="0">
+              <a:buNone/>
+              <a:defRPr sz="900"/>
+            </a:lvl5pPr>
+            <a:lvl6pPr marL="2286000" indent="0">
+              <a:buNone/>
+              <a:defRPr sz="900"/>
+            </a:lvl6pPr>
+            <a:lvl7pPr marL="2743200" indent="0">
+              <a:buNone/>
+              <a:defRPr sz="900"/>
+            </a:lvl7pPr>
+            <a:lvl8pPr marL="3200400" indent="0">
+              <a:buNone/>
+              <a:defRPr sz="900"/>
+            </a:lvl8pPr>
+            <a:lvl9pPr marL="3657600" indent="0">
+              <a:buNone/>
+              <a:defRPr sz="900"/>
+            </a:lvl9pPr>
+          </a:lstStyle>
+          <a:p>
+            <a:pPr lvl="0"/>
+            <a:r>
+              <a:rPr lang="nl-NL"/>
+              <a:t>Tekststijl van het model bewerken</a:t>
+            </a:r>
+          </a:p>
+        </p:txBody>
+      </p:sp>
+      <p:sp>
+        <p:nvSpPr>
+          <p:cNvPr id="9" name="Text Placeholder 4"/>
+          <p:cNvSpPr>
+            <a:spLocks noGrp="1"/>
+          </p:cNvSpPr>
+          <p:nvPr>
+            <p:ph type="body" sz="quarter" idx="3"/>
+          </p:nvPr>
+        </p:nvSpPr>
+        <p:spPr>
+          <a:xfrm>
+            <a:off x="4368800" y="2201333"/>
+            <a:ext cx="3456432" cy="626534"/>
+          </a:xfrm>
+        </p:spPr>
+        <p:txBody>
+          <a:bodyPr anchor="b">
+            <a:noAutofit/>
+          </a:bodyPr>
+          <a:lstStyle>
+            <a:lvl1pPr marL="0" indent="0">
+              <a:buNone/>
+              <a:defRPr sz="2400" b="0">
+                <a:solidFill>
+                  <a:schemeClr val="tx1"/>
+                </a:solidFill>
+              </a:defRPr>
+            </a:lvl1pPr>
+            <a:lvl2pPr marL="457200" indent="0">
+              <a:buNone/>
+              <a:defRPr sz="2000" b="1"/>
+            </a:lvl2pPr>
+            <a:lvl3pPr marL="914400" indent="0">
+              <a:buNone/>
+              <a:defRPr sz="1800" b="1"/>
+            </a:lvl3pPr>
+            <a:lvl4pPr marL="1371600" indent="0">
+              <a:buNone/>
+              <a:defRPr sz="1600" b="1"/>
+            </a:lvl4pPr>
+            <a:lvl5pPr marL="1828800" indent="0">
+              <a:buNone/>
+              <a:defRPr sz="1600" b="1"/>
+            </a:lvl5pPr>
+            <a:lvl6pPr marL="2286000" indent="0">
+              <a:buNone/>
+              <a:defRPr sz="1600" b="1"/>
+            </a:lvl6pPr>
+            <a:lvl7pPr marL="2743200" indent="0">
+              <a:buNone/>
+              <a:defRPr sz="1600" b="1"/>
+            </a:lvl7pPr>
+            <a:lvl8pPr marL="3200400" indent="0">
+              <a:buNone/>
+              <a:defRPr sz="1600" b="1"/>
+            </a:lvl8pPr>
+            <a:lvl9pPr marL="3657600" indent="0">
+              <a:buNone/>
+              <a:defRPr sz="1600" b="1"/>
+            </a:lvl9pPr>
+          </a:lstStyle>
+          <a:p>
+            <a:pPr lvl="0"/>
+            <a:r>
+              <a:rPr lang="nl-NL"/>
+              <a:t>Tekststijl van het model bewerken</a:t>
+            </a:r>
+          </a:p>
+        </p:txBody>
+      </p:sp>
+      <p:sp>
+        <p:nvSpPr>
+          <p:cNvPr id="10" name="Text Placeholder 3"/>
+          <p:cNvSpPr>
+            <a:spLocks noGrp="1"/>
+          </p:cNvSpPr>
+          <p:nvPr>
+            <p:ph type="body" sz="half" idx="16"/>
+          </p:nvPr>
+        </p:nvSpPr>
+        <p:spPr>
+          <a:xfrm>
+            <a:off x="4366858" y="2904067"/>
+            <a:ext cx="3456432" cy="3314618"/>
+          </a:xfrm>
+        </p:spPr>
+        <p:txBody>
+          <a:bodyPr anchor="t">
+            <a:normAutofit/>
+          </a:bodyPr>
+          <a:lstStyle>
+            <a:lvl1pPr marL="0" indent="0">
+              <a:buNone/>
+              <a:defRPr sz="1400"/>
+            </a:lvl1pPr>
+            <a:lvl2pPr marL="457200" indent="0">
+              <a:buNone/>
+              <a:defRPr sz="1200"/>
+            </a:lvl2pPr>
+            <a:lvl3pPr marL="914400" indent="0">
+              <a:buNone/>
+              <a:defRPr sz="1000"/>
+            </a:lvl3pPr>
+            <a:lvl4pPr marL="1371600" indent="0">
+              <a:buNone/>
+              <a:defRPr sz="900"/>
+            </a:lvl4pPr>
+            <a:lvl5pPr marL="1828800" indent="0">
+              <a:buNone/>
+              <a:defRPr sz="900"/>
+            </a:lvl5pPr>
+            <a:lvl6pPr marL="2286000" indent="0">
+              <a:buNone/>
+              <a:defRPr sz="900"/>
+            </a:lvl6pPr>
+            <a:lvl7pPr marL="2743200" indent="0">
+              <a:buNone/>
+              <a:defRPr sz="900"/>
+            </a:lvl7pPr>
+            <a:lvl8pPr marL="3200400" indent="0">
+              <a:buNone/>
+              <a:defRPr sz="900"/>
+            </a:lvl8pPr>
+            <a:lvl9pPr marL="3657600" indent="0">
+              <a:buNone/>
+              <a:defRPr sz="900"/>
+            </a:lvl9pPr>
+          </a:lstStyle>
+          <a:p>
+            <a:pPr lvl="0"/>
+            <a:r>
+              <a:rPr lang="nl-NL"/>
+              <a:t>Tekststijl van het model bewerken</a:t>
+            </a:r>
+          </a:p>
+        </p:txBody>
+      </p:sp>
+      <p:sp>
+        <p:nvSpPr>
+          <p:cNvPr id="11" name="Text Placeholder 4"/>
+          <p:cNvSpPr>
+            <a:spLocks noGrp="1"/>
+          </p:cNvSpPr>
+          <p:nvPr>
+            <p:ph type="body" sz="quarter" idx="13"/>
+          </p:nvPr>
+        </p:nvSpPr>
+        <p:spPr>
+          <a:xfrm>
+            <a:off x="8051800" y="2192866"/>
+            <a:ext cx="3456432" cy="626534"/>
+          </a:xfrm>
+        </p:spPr>
+        <p:txBody>
+          <a:bodyPr anchor="b">
+            <a:noAutofit/>
+          </a:bodyPr>
+          <a:lstStyle>
+            <a:lvl1pPr marL="0" indent="0">
+              <a:buNone/>
+              <a:defRPr sz="2400" b="0">
+                <a:solidFill>
+                  <a:schemeClr val="tx1"/>
+                </a:solidFill>
+              </a:defRPr>
+            </a:lvl1pPr>
+            <a:lvl2pPr marL="457200" indent="0">
+              <a:buNone/>
+              <a:defRPr sz="2000" b="1"/>
+            </a:lvl2pPr>
+            <a:lvl3pPr marL="914400" indent="0">
+              <a:buNone/>
+              <a:defRPr sz="1800" b="1"/>
+            </a:lvl3pPr>
+            <a:lvl4pPr marL="1371600" indent="0">
+              <a:buNone/>
+              <a:defRPr sz="1600" b="1"/>
+            </a:lvl4pPr>
+            <a:lvl5pPr marL="1828800" indent="0">
+              <a:buNone/>
+              <a:defRPr sz="1600" b="1"/>
+            </a:lvl5pPr>
+            <a:lvl6pPr marL="2286000" indent="0">
+              <a:buNone/>
+              <a:defRPr sz="1600" b="1"/>
+            </a:lvl6pPr>
+            <a:lvl7pPr marL="2743200" indent="0">
+              <a:buNone/>
+              <a:defRPr sz="1600" b="1"/>
+            </a:lvl7pPr>
+            <a:lvl8pPr marL="3200400" indent="0">
+              <a:buNone/>
+              <a:defRPr sz="1600" b="1"/>
+            </a:lvl8pPr>
+            <a:lvl9pPr marL="3657600" indent="0">
+              <a:buNone/>
+              <a:defRPr sz="1600" b="1"/>
+            </a:lvl9pPr>
+          </a:lstStyle>
+          <a:p>
+            <a:pPr lvl="0"/>
+            <a:r>
+              <a:rPr lang="nl-NL"/>
+              <a:t>Tekststijl van het model bewerken</a:t>
+            </a:r>
+          </a:p>
+        </p:txBody>
+      </p:sp>
+      <p:sp>
+        <p:nvSpPr>
+          <p:cNvPr id="12" name="Text Placeholder 3"/>
+          <p:cNvSpPr>
+            <a:spLocks noGrp="1"/>
+          </p:cNvSpPr>
+          <p:nvPr>
+            <p:ph type="body" sz="half" idx="17"/>
+          </p:nvPr>
+        </p:nvSpPr>
+        <p:spPr>
+          <a:xfrm>
+            <a:off x="8051801" y="2904565"/>
+            <a:ext cx="3456432" cy="3314132"/>
+          </a:xfrm>
+        </p:spPr>
+        <p:txBody>
+          <a:bodyPr anchor="t">
+            <a:normAutofit/>
+          </a:bodyPr>
+          <a:lstStyle>
+            <a:lvl1pPr marL="0" indent="0">
+              <a:buNone/>
+              <a:defRPr sz="1400"/>
+            </a:lvl1pPr>
+            <a:lvl2pPr marL="457200" indent="0">
+              <a:buNone/>
+              <a:defRPr sz="1200"/>
+            </a:lvl2pPr>
+            <a:lvl3pPr marL="914400" indent="0">
+              <a:buNone/>
+              <a:defRPr sz="1000"/>
+            </a:lvl3pPr>
+            <a:lvl4pPr marL="1371600" indent="0">
+              <a:buNone/>
+              <a:defRPr sz="900"/>
+            </a:lvl4pPr>
+            <a:lvl5pPr marL="1828800" indent="0">
+              <a:buNone/>
+              <a:defRPr sz="900"/>
+            </a:lvl5pPr>
+            <a:lvl6pPr marL="2286000" indent="0">
+              <a:buNone/>
+              <a:defRPr sz="900"/>
+            </a:lvl6pPr>
+            <a:lvl7pPr marL="2743200" indent="0">
+              <a:buNone/>
+              <a:defRPr sz="900"/>
+            </a:lvl7pPr>
+            <a:lvl8pPr marL="3200400" indent="0">
+              <a:buNone/>
+              <a:defRPr sz="900"/>
+            </a:lvl8pPr>
+            <a:lvl9pPr marL="3657600" indent="0">
+              <a:buNone/>
+              <a:defRPr sz="900"/>
+            </a:lvl9pPr>
+          </a:lstStyle>
+          <a:p>
+            <a:pPr lvl="0"/>
+            <a:r>
+              <a:rPr lang="nl-NL"/>
+              <a:t>Tekststijl van het model bewerken</a:t>
+            </a:r>
+          </a:p>
+        </p:txBody>
+      </p:sp>
+      <p:sp>
+        <p:nvSpPr>
+          <p:cNvPr id="3" name="Date Placeholder 2"/>
+          <p:cNvSpPr>
+            <a:spLocks noGrp="1"/>
+          </p:cNvSpPr>
+          <p:nvPr>
+            <p:ph type="dt" sz="half" idx="10"/>
+          </p:nvPr>
+        </p:nvSpPr>
+        <p:spPr/>
+        <p:txBody>
+          <a:bodyPr/>
+          <a:lstStyle/>
+          <a:p>
+            <a:fld id="{D0BEBCF1-C867-4FA3-929D-70E3E2EA05CD}" type="datetimeFigureOut">
+              <a:rPr lang="nl-NL" smtClean="0"/>
+              <a:t>7-6-2017</a:t>
+            </a:fld>
+            <a:endParaRPr lang="nl-NL"/>
+          </a:p>
+        </p:txBody>
+      </p:sp>
+      <p:sp>
+        <p:nvSpPr>
+          <p:cNvPr id="4" name="Footer Placeholder 3"/>
+          <p:cNvSpPr>
+            <a:spLocks noGrp="1"/>
+          </p:cNvSpPr>
+          <p:nvPr>
+            <p:ph type="ftr" sz="quarter" idx="11"/>
+          </p:nvPr>
+        </p:nvSpPr>
+        <p:spPr/>
+        <p:txBody>
+          <a:bodyPr/>
+          <a:lstStyle/>
+          <a:p>
+            <a:endParaRPr lang="nl-NL"/>
+          </a:p>
+        </p:txBody>
+      </p:sp>
+      <p:sp>
+        <p:nvSpPr>
+          <p:cNvPr id="5" name="Slide Number Placeholder 4"/>
+          <p:cNvSpPr>
+            <a:spLocks noGrp="1"/>
+          </p:cNvSpPr>
+          <p:nvPr>
+            <p:ph type="sldNum" sz="quarter" idx="12"/>
+          </p:nvPr>
+        </p:nvSpPr>
+        <p:spPr/>
+        <p:txBody>
+          <a:bodyPr/>
+          <a:lstStyle/>
+          <a:p>
+            <a:fld id="{CA5AE562-405B-4300-8199-EA46BD55C81A}" type="slidenum">
+              <a:rPr lang="nl-NL" smtClean="0"/>
+              <a:t>‹nr.›</a:t>
+            </a:fld>
+            <a:endParaRPr lang="nl-NL"/>
+          </a:p>
+        </p:txBody>
+      </p:sp>
+    </p:spTree>
+    <p:extLst>
+      <p:ext uri="{BB962C8B-B14F-4D97-AF65-F5344CB8AC3E}">
+        <p14:creationId xmlns:p14="http://schemas.microsoft.com/office/powerpoint/2010/main" val="60696647"/>
+      </p:ext>
+    </p:extLst>
+  </p:cSld>
+  <p:clrMapOvr>
+    <a:masterClrMapping/>
+  </p:clrMapOvr>
+</p:sldLayout>
+</file>
+
+<file path=ppt/slideLayouts/slideLayout15.xml><?xml version="1.0" encoding="utf-8"?>
+<p:sldLayout xmlns:a="http://schemas.openxmlformats.org/drawingml/2006/main" xmlns:r="http://schemas.openxmlformats.org/officeDocument/2006/relationships" xmlns:p="http://schemas.openxmlformats.org/presentationml/2006/main" preserve="1">
+  <p:cSld name="3 Afbeelding-kolom">
+    <p:spTree>
+      <p:nvGrpSpPr>
+        <p:cNvPr id="1" name=""/>
+        <p:cNvGrpSpPr/>
+        <p:nvPr/>
+      </p:nvGrpSpPr>
+      <p:grpSpPr>
+        <a:xfrm>
+          <a:off x="0" y="0"/>
+          <a:ext cx="0" cy="0"/>
+          <a:chOff x="0" y="0"/>
+          <a:chExt cx="0" cy="0"/>
+        </a:xfrm>
+      </p:grpSpPr>
+      <p:sp>
+        <p:nvSpPr>
+          <p:cNvPr id="30" name="Title 1"/>
+          <p:cNvSpPr>
+            <a:spLocks noGrp="1"/>
+          </p:cNvSpPr>
+          <p:nvPr>
+            <p:ph type="title"/>
+          </p:nvPr>
+        </p:nvSpPr>
+        <p:spPr>
+          <a:xfrm>
+            <a:off x="2895600" y="762000"/>
+            <a:ext cx="8610599" cy="1295400"/>
+          </a:xfrm>
+        </p:spPr>
+        <p:txBody>
+          <a:bodyPr/>
+          <a:lstStyle/>
+          <a:p>
+            <a:r>
+              <a:rPr lang="nl-NL"/>
+              <a:t>Klik om de stijl te bewerken</a:t>
+            </a:r>
+            <a:endParaRPr lang="en-US" dirty="0"/>
+          </a:p>
+        </p:txBody>
+      </p:sp>
+      <p:sp>
+        <p:nvSpPr>
+          <p:cNvPr id="19" name="Text Placeholder 2"/>
+          <p:cNvSpPr>
+            <a:spLocks noGrp="1"/>
+          </p:cNvSpPr>
+          <p:nvPr>
+            <p:ph type="body" idx="1"/>
+          </p:nvPr>
+        </p:nvSpPr>
+        <p:spPr>
+          <a:xfrm>
+            <a:off x="688618" y="4191000"/>
+            <a:ext cx="3451582" cy="682765"/>
+          </a:xfrm>
+        </p:spPr>
+        <p:txBody>
+          <a:bodyPr anchor="b">
+            <a:noAutofit/>
+          </a:bodyPr>
+          <a:lstStyle>
+            <a:lvl1pPr marL="0" indent="0">
+              <a:buNone/>
+              <a:defRPr sz="2400" b="0">
+                <a:solidFill>
+                  <a:schemeClr val="tx1"/>
+                </a:solidFill>
+              </a:defRPr>
+            </a:lvl1pPr>
+            <a:lvl2pPr marL="457200" indent="0">
+              <a:buNone/>
+              <a:defRPr sz="2000" b="1"/>
+            </a:lvl2pPr>
+            <a:lvl3pPr marL="914400" indent="0">
+              <a:buNone/>
+              <a:defRPr sz="1800" b="1"/>
+            </a:lvl3pPr>
+            <a:lvl4pPr marL="1371600" indent="0">
+              <a:buNone/>
+              <a:defRPr sz="1600" b="1"/>
+            </a:lvl4pPr>
+            <a:lvl5pPr marL="1828800" indent="0">
+              <a:buNone/>
+              <a:defRPr sz="1600" b="1"/>
+            </a:lvl5pPr>
+            <a:lvl6pPr marL="2286000" indent="0">
+              <a:buNone/>
+              <a:defRPr sz="1600" b="1"/>
+            </a:lvl6pPr>
+            <a:lvl7pPr marL="2743200" indent="0">
+              <a:buNone/>
+              <a:defRPr sz="1600" b="1"/>
+            </a:lvl7pPr>
+            <a:lvl8pPr marL="3200400" indent="0">
+              <a:buNone/>
+              <a:defRPr sz="1600" b="1"/>
+            </a:lvl8pPr>
+            <a:lvl9pPr marL="3657600" indent="0">
+              <a:buNone/>
+              <a:defRPr sz="1600" b="1"/>
+            </a:lvl9pPr>
+          </a:lstStyle>
+          <a:p>
+            <a:pPr lvl="0"/>
+            <a:r>
+              <a:rPr lang="nl-NL"/>
+              <a:t>Tekststijl van het model bewerken</a:t>
+            </a:r>
+          </a:p>
+        </p:txBody>
+      </p:sp>
+      <p:sp>
+        <p:nvSpPr>
+          <p:cNvPr id="20" name="Picture Placeholder 2"/>
+          <p:cNvSpPr>
+            <a:spLocks noGrp="1" noChangeAspect="1"/>
+          </p:cNvSpPr>
+          <p:nvPr>
+            <p:ph type="pic" idx="15"/>
+          </p:nvPr>
+        </p:nvSpPr>
+        <p:spPr>
+          <a:xfrm>
+            <a:off x="688618" y="2362200"/>
+            <a:ext cx="3451582" cy="1524000"/>
+          </a:xfrm>
+          <a:prstGeom prst="roundRect">
+            <a:avLst>
+              <a:gd name="adj" fmla="val 0"/>
+            </a:avLst>
+          </a:prstGeom>
+          <a:effectLst>
+            <a:outerShdw blurRad="50800" dist="50800" dir="5400000" algn="tl" rotWithShape="0">
+              <a:srgbClr val="000000">
+                <a:alpha val="43000"/>
+              </a:srgbClr>
+            </a:outerShdw>
+          </a:effectLst>
+        </p:spPr>
+        <p:txBody>
+          <a:bodyPr anchor="t">
+            <a:normAutofit/>
+          </a:bodyPr>
+          <a:lstStyle>
+            <a:lvl1pPr marL="0" indent="0" algn="ctr">
+              <a:buNone/>
+              <a:defRPr sz="1600"/>
+            </a:lvl1pPr>
+            <a:lvl2pPr marL="457200" indent="0">
+              <a:buNone/>
+              <a:defRPr sz="1600"/>
+            </a:lvl2pPr>
+            <a:lvl3pPr marL="914400" indent="0">
+              <a:buNone/>
+              <a:defRPr sz="1600"/>
+            </a:lvl3pPr>
+            <a:lvl4pPr marL="1371600" indent="0">
+              <a:buNone/>
+              <a:defRPr sz="1600"/>
+            </a:lvl4pPr>
+            <a:lvl5pPr marL="1828800" indent="0">
+              <a:buNone/>
+              <a:defRPr sz="1600"/>
+            </a:lvl5pPr>
+            <a:lvl6pPr marL="2286000" indent="0">
+              <a:buNone/>
+              <a:defRPr sz="1600"/>
+            </a:lvl6pPr>
+            <a:lvl7pPr marL="2743200" indent="0">
+              <a:buNone/>
+              <a:defRPr sz="1600"/>
+            </a:lvl7pPr>
+            <a:lvl8pPr marL="3200400" indent="0">
+              <a:buNone/>
+              <a:defRPr sz="1600"/>
+            </a:lvl8pPr>
+            <a:lvl9pPr marL="3657600" indent="0">
+              <a:buNone/>
+              <a:defRPr sz="1600"/>
+            </a:lvl9pPr>
+          </a:lstStyle>
+          <a:p>
+            <a:r>
+              <a:rPr lang="nl-NL"/>
+              <a:t>Klik op het pictogram als u een afbeelding wilt toevoegen</a:t>
+            </a:r>
+            <a:endParaRPr lang="en-US" dirty="0"/>
+          </a:p>
+        </p:txBody>
+      </p:sp>
+      <p:sp>
+        <p:nvSpPr>
+          <p:cNvPr id="21" name="Text Placeholder 3"/>
+          <p:cNvSpPr>
+            <a:spLocks noGrp="1"/>
+          </p:cNvSpPr>
+          <p:nvPr>
+            <p:ph type="body" sz="half" idx="18"/>
+          </p:nvPr>
+        </p:nvSpPr>
+        <p:spPr>
+          <a:xfrm>
+            <a:off x="688618" y="4873764"/>
+            <a:ext cx="3451582" cy="1344921"/>
+          </a:xfrm>
+        </p:spPr>
+        <p:txBody>
+          <a:bodyPr anchor="t">
+            <a:normAutofit/>
+          </a:bodyPr>
+          <a:lstStyle>
+            <a:lvl1pPr marL="0" indent="0">
+              <a:buNone/>
+              <a:defRPr sz="1400"/>
+            </a:lvl1pPr>
+            <a:lvl2pPr marL="457200" indent="0">
+              <a:buNone/>
+              <a:defRPr sz="1200"/>
+            </a:lvl2pPr>
+            <a:lvl3pPr marL="914400" indent="0">
+              <a:buNone/>
+              <a:defRPr sz="1000"/>
+            </a:lvl3pPr>
+            <a:lvl4pPr marL="1371600" indent="0">
+              <a:buNone/>
+              <a:defRPr sz="900"/>
+            </a:lvl4pPr>
+            <a:lvl5pPr marL="1828800" indent="0">
+              <a:buNone/>
+              <a:defRPr sz="900"/>
+            </a:lvl5pPr>
+            <a:lvl6pPr marL="2286000" indent="0">
+              <a:buNone/>
+              <a:defRPr sz="900"/>
+            </a:lvl6pPr>
+            <a:lvl7pPr marL="2743200" indent="0">
+              <a:buNone/>
+              <a:defRPr sz="900"/>
+            </a:lvl7pPr>
+            <a:lvl8pPr marL="3200400" indent="0">
+              <a:buNone/>
+              <a:defRPr sz="900"/>
+            </a:lvl8pPr>
+            <a:lvl9pPr marL="3657600" indent="0">
+              <a:buNone/>
+              <a:defRPr sz="900"/>
+            </a:lvl9pPr>
+          </a:lstStyle>
+          <a:p>
+            <a:pPr lvl="0"/>
+            <a:r>
+              <a:rPr lang="nl-NL"/>
+              <a:t>Tekststijl van het model bewerken</a:t>
+            </a:r>
+          </a:p>
+        </p:txBody>
+      </p:sp>
+      <p:sp>
+        <p:nvSpPr>
+          <p:cNvPr id="22" name="Text Placeholder 4"/>
+          <p:cNvSpPr>
+            <a:spLocks noGrp="1"/>
+          </p:cNvSpPr>
+          <p:nvPr>
+            <p:ph type="body" sz="quarter" idx="3"/>
+          </p:nvPr>
+        </p:nvSpPr>
+        <p:spPr>
+          <a:xfrm>
+            <a:off x="4374263" y="4191000"/>
+            <a:ext cx="3448935" cy="682765"/>
+          </a:xfrm>
+        </p:spPr>
+        <p:txBody>
+          <a:bodyPr anchor="b">
+            <a:noAutofit/>
+          </a:bodyPr>
+          <a:lstStyle>
+            <a:lvl1pPr marL="0" indent="0">
+              <a:buNone/>
+              <a:defRPr sz="2400" b="0">
+                <a:solidFill>
+                  <a:schemeClr val="tx1"/>
+                </a:solidFill>
+              </a:defRPr>
+            </a:lvl1pPr>
+            <a:lvl2pPr marL="457200" indent="0">
+              <a:buNone/>
+              <a:defRPr sz="2000" b="1"/>
+            </a:lvl2pPr>
+            <a:lvl3pPr marL="914400" indent="0">
+              <a:buNone/>
+              <a:defRPr sz="1800" b="1"/>
+            </a:lvl3pPr>
+            <a:lvl4pPr marL="1371600" indent="0">
+              <a:buNone/>
+              <a:defRPr sz="1600" b="1"/>
+            </a:lvl4pPr>
+            <a:lvl5pPr marL="1828800" indent="0">
+              <a:buNone/>
+              <a:defRPr sz="1600" b="1"/>
+            </a:lvl5pPr>
+            <a:lvl6pPr marL="2286000" indent="0">
+              <a:buNone/>
+              <a:defRPr sz="1600" b="1"/>
+            </a:lvl6pPr>
+            <a:lvl7pPr marL="2743200" indent="0">
+              <a:buNone/>
+              <a:defRPr sz="1600" b="1"/>
+            </a:lvl7pPr>
+            <a:lvl8pPr marL="3200400" indent="0">
+              <a:buNone/>
+              <a:defRPr sz="1600" b="1"/>
+            </a:lvl8pPr>
+            <a:lvl9pPr marL="3657600" indent="0">
+              <a:buNone/>
+              <a:defRPr sz="1600" b="1"/>
+            </a:lvl9pPr>
+          </a:lstStyle>
+          <a:p>
+            <a:pPr lvl="0"/>
+            <a:r>
+              <a:rPr lang="nl-NL"/>
+              <a:t>Tekststijl van het model bewerken</a:t>
+            </a:r>
+          </a:p>
+        </p:txBody>
+      </p:sp>
+      <p:sp>
+        <p:nvSpPr>
+          <p:cNvPr id="23" name="Picture Placeholder 2"/>
+          <p:cNvSpPr>
+            <a:spLocks noGrp="1" noChangeAspect="1"/>
+          </p:cNvSpPr>
+          <p:nvPr>
+            <p:ph type="pic" idx="21"/>
+          </p:nvPr>
+        </p:nvSpPr>
+        <p:spPr>
+          <a:xfrm>
+            <a:off x="4374263" y="2362200"/>
+            <a:ext cx="3448936" cy="1524000"/>
+          </a:xfrm>
+          <a:prstGeom prst="roundRect">
+            <a:avLst>
+              <a:gd name="adj" fmla="val 0"/>
+            </a:avLst>
+          </a:prstGeom>
+          <a:effectLst>
+            <a:outerShdw blurRad="50800" dist="50800" dir="5400000" algn="tl" rotWithShape="0">
+              <a:srgbClr val="000000">
+                <a:alpha val="43000"/>
+              </a:srgbClr>
+            </a:outerShdw>
+          </a:effectLst>
+        </p:spPr>
+        <p:txBody>
+          <a:bodyPr anchor="t">
+            <a:normAutofit/>
+          </a:bodyPr>
+          <a:lstStyle>
+            <a:lvl1pPr marL="0" indent="0" algn="ctr">
+              <a:buNone/>
+              <a:defRPr sz="1600"/>
+            </a:lvl1pPr>
+            <a:lvl2pPr marL="457200" indent="0">
+              <a:buNone/>
+              <a:defRPr sz="1600"/>
+            </a:lvl2pPr>
+            <a:lvl3pPr marL="914400" indent="0">
+              <a:buNone/>
+              <a:defRPr sz="1600"/>
+            </a:lvl3pPr>
+            <a:lvl4pPr marL="1371600" indent="0">
+              <a:buNone/>
+              <a:defRPr sz="1600"/>
+            </a:lvl4pPr>
+            <a:lvl5pPr marL="1828800" indent="0">
+              <a:buNone/>
+              <a:defRPr sz="1600"/>
+            </a:lvl5pPr>
+            <a:lvl6pPr marL="2286000" indent="0">
+              <a:buNone/>
+              <a:defRPr sz="1600"/>
+            </a:lvl6pPr>
+            <a:lvl7pPr marL="2743200" indent="0">
+              <a:buNone/>
+              <a:defRPr sz="1600"/>
+            </a:lvl7pPr>
+            <a:lvl8pPr marL="3200400" indent="0">
+              <a:buNone/>
+              <a:defRPr sz="1600"/>
+            </a:lvl8pPr>
+            <a:lvl9pPr marL="3657600" indent="0">
+              <a:buNone/>
+              <a:defRPr sz="1600"/>
+            </a:lvl9pPr>
+          </a:lstStyle>
+          <a:p>
+            <a:r>
+              <a:rPr lang="nl-NL"/>
+              <a:t>Klik op het pictogram als u een afbeelding wilt toevoegen</a:t>
+            </a:r>
+            <a:endParaRPr lang="en-US" dirty="0"/>
+          </a:p>
+        </p:txBody>
+      </p:sp>
+      <p:sp>
+        <p:nvSpPr>
+          <p:cNvPr id="24" name="Text Placeholder 3"/>
+          <p:cNvSpPr>
+            <a:spLocks noGrp="1"/>
+          </p:cNvSpPr>
+          <p:nvPr>
+            <p:ph type="body" sz="half" idx="19"/>
+          </p:nvPr>
+        </p:nvSpPr>
+        <p:spPr>
+          <a:xfrm>
+            <a:off x="4374264" y="4873763"/>
+            <a:ext cx="3448935" cy="1344921"/>
+          </a:xfrm>
+        </p:spPr>
+        <p:txBody>
+          <a:bodyPr anchor="t">
+            <a:normAutofit/>
+          </a:bodyPr>
+          <a:lstStyle>
+            <a:lvl1pPr marL="0" indent="0">
+              <a:buNone/>
+              <a:defRPr sz="1400"/>
+            </a:lvl1pPr>
+            <a:lvl2pPr marL="457200" indent="0">
+              <a:buNone/>
+              <a:defRPr sz="1200"/>
+            </a:lvl2pPr>
+            <a:lvl3pPr marL="914400" indent="0">
+              <a:buNone/>
+              <a:defRPr sz="1000"/>
+            </a:lvl3pPr>
+            <a:lvl4pPr marL="1371600" indent="0">
+              <a:buNone/>
+              <a:defRPr sz="900"/>
+            </a:lvl4pPr>
+            <a:lvl5pPr marL="1828800" indent="0">
+              <a:buNone/>
+              <a:defRPr sz="900"/>
+            </a:lvl5pPr>
+            <a:lvl6pPr marL="2286000" indent="0">
+              <a:buNone/>
+              <a:defRPr sz="900"/>
+            </a:lvl6pPr>
+            <a:lvl7pPr marL="2743200" indent="0">
+              <a:buNone/>
+              <a:defRPr sz="900"/>
+            </a:lvl7pPr>
+            <a:lvl8pPr marL="3200400" indent="0">
+              <a:buNone/>
+              <a:defRPr sz="900"/>
+            </a:lvl8pPr>
+            <a:lvl9pPr marL="3657600" indent="0">
+              <a:buNone/>
+              <a:defRPr sz="900"/>
+            </a:lvl9pPr>
+          </a:lstStyle>
+          <a:p>
+            <a:pPr lvl="0"/>
+            <a:r>
+              <a:rPr lang="nl-NL"/>
+              <a:t>Tekststijl van het model bewerken</a:t>
+            </a:r>
+          </a:p>
+        </p:txBody>
+      </p:sp>
+      <p:sp>
+        <p:nvSpPr>
+          <p:cNvPr id="25" name="Text Placeholder 4"/>
+          <p:cNvSpPr>
+            <a:spLocks noGrp="1"/>
+          </p:cNvSpPr>
+          <p:nvPr>
+            <p:ph type="body" sz="quarter" idx="13"/>
+          </p:nvPr>
+        </p:nvSpPr>
+        <p:spPr>
+          <a:xfrm>
+            <a:off x="8049731" y="4191000"/>
+            <a:ext cx="3456469" cy="682765"/>
+          </a:xfrm>
+        </p:spPr>
+        <p:txBody>
+          <a:bodyPr anchor="b">
+            <a:noAutofit/>
+          </a:bodyPr>
+          <a:lstStyle>
+            <a:lvl1pPr marL="0" indent="0">
+              <a:buNone/>
+              <a:defRPr sz="2400" b="0">
+                <a:solidFill>
+                  <a:schemeClr val="tx1"/>
+                </a:solidFill>
+              </a:defRPr>
+            </a:lvl1pPr>
+            <a:lvl2pPr marL="457200" indent="0">
+              <a:buNone/>
+              <a:defRPr sz="2000" b="1"/>
+            </a:lvl2pPr>
+            <a:lvl3pPr marL="914400" indent="0">
+              <a:buNone/>
+              <a:defRPr sz="1800" b="1"/>
+            </a:lvl3pPr>
+            <a:lvl4pPr marL="1371600" indent="0">
+              <a:buNone/>
+              <a:defRPr sz="1600" b="1"/>
+            </a:lvl4pPr>
+            <a:lvl5pPr marL="1828800" indent="0">
+              <a:buNone/>
+              <a:defRPr sz="1600" b="1"/>
+            </a:lvl5pPr>
+            <a:lvl6pPr marL="2286000" indent="0">
+              <a:buNone/>
+              <a:defRPr sz="1600" b="1"/>
+            </a:lvl6pPr>
+            <a:lvl7pPr marL="2743200" indent="0">
+              <a:buNone/>
+              <a:defRPr sz="1600" b="1"/>
+            </a:lvl7pPr>
+            <a:lvl8pPr marL="3200400" indent="0">
+              <a:buNone/>
+              <a:defRPr sz="1600" b="1"/>
+            </a:lvl8pPr>
+            <a:lvl9pPr marL="3657600" indent="0">
+              <a:buNone/>
+              <a:defRPr sz="1600" b="1"/>
+            </a:lvl9pPr>
+          </a:lstStyle>
+          <a:p>
+            <a:pPr lvl="0"/>
+            <a:r>
+              <a:rPr lang="nl-NL"/>
+              <a:t>Tekststijl van het model bewerken</a:t>
+            </a:r>
+          </a:p>
+        </p:txBody>
+      </p:sp>
+      <p:sp>
+        <p:nvSpPr>
+          <p:cNvPr id="26" name="Picture Placeholder 2"/>
+          <p:cNvSpPr>
+            <a:spLocks noGrp="1" noChangeAspect="1"/>
+          </p:cNvSpPr>
+          <p:nvPr>
+            <p:ph type="pic" idx="22"/>
+          </p:nvPr>
+        </p:nvSpPr>
+        <p:spPr>
+          <a:xfrm>
+            <a:off x="8049855" y="2362200"/>
+            <a:ext cx="3447878" cy="1524000"/>
+          </a:xfrm>
+          <a:prstGeom prst="roundRect">
+            <a:avLst>
+              <a:gd name="adj" fmla="val 0"/>
+            </a:avLst>
+          </a:prstGeom>
+          <a:effectLst>
+            <a:outerShdw blurRad="50800" dist="50800" dir="5400000" algn="tl" rotWithShape="0">
+              <a:srgbClr val="000000">
+                <a:alpha val="43000"/>
+              </a:srgbClr>
+            </a:outerShdw>
+          </a:effectLst>
+        </p:spPr>
+        <p:txBody>
+          <a:bodyPr anchor="t">
+            <a:normAutofit/>
+          </a:bodyPr>
+          <a:lstStyle>
+            <a:lvl1pPr marL="0" indent="0" algn="ctr">
+              <a:buNone/>
+              <a:defRPr sz="1600"/>
+            </a:lvl1pPr>
+            <a:lvl2pPr marL="457200" indent="0">
+              <a:buNone/>
+              <a:defRPr sz="1600"/>
+            </a:lvl2pPr>
+            <a:lvl3pPr marL="914400" indent="0">
+              <a:buNone/>
+              <a:defRPr sz="1600"/>
+            </a:lvl3pPr>
+            <a:lvl4pPr marL="1371600" indent="0">
+              <a:buNone/>
+              <a:defRPr sz="1600"/>
+            </a:lvl4pPr>
+            <a:lvl5pPr marL="1828800" indent="0">
+              <a:buNone/>
+              <a:defRPr sz="1600"/>
+            </a:lvl5pPr>
+            <a:lvl6pPr marL="2286000" indent="0">
+              <a:buNone/>
+              <a:defRPr sz="1600"/>
+            </a:lvl6pPr>
+            <a:lvl7pPr marL="2743200" indent="0">
+              <a:buNone/>
+              <a:defRPr sz="1600"/>
+            </a:lvl7pPr>
+            <a:lvl8pPr marL="3200400" indent="0">
+              <a:buNone/>
+              <a:defRPr sz="1600"/>
+            </a:lvl8pPr>
+            <a:lvl9pPr marL="3657600" indent="0">
+              <a:buNone/>
+              <a:defRPr sz="1600"/>
+            </a:lvl9pPr>
+          </a:lstStyle>
+          <a:p>
+            <a:r>
+              <a:rPr lang="nl-NL"/>
+              <a:t>Klik op het pictogram als u een afbeelding wilt toevoegen</a:t>
+            </a:r>
+            <a:endParaRPr lang="en-US" dirty="0"/>
+          </a:p>
+        </p:txBody>
+      </p:sp>
+      <p:sp>
+        <p:nvSpPr>
+          <p:cNvPr id="27" name="Text Placeholder 3"/>
+          <p:cNvSpPr>
+            <a:spLocks noGrp="1"/>
+          </p:cNvSpPr>
+          <p:nvPr>
+            <p:ph type="body" sz="half" idx="20"/>
+          </p:nvPr>
+        </p:nvSpPr>
+        <p:spPr>
+          <a:xfrm>
+            <a:off x="8049731" y="4873761"/>
+            <a:ext cx="3452445" cy="1344921"/>
+          </a:xfrm>
+        </p:spPr>
+        <p:txBody>
+          <a:bodyPr anchor="t">
+            <a:normAutofit/>
+          </a:bodyPr>
+          <a:lstStyle>
+            <a:lvl1pPr marL="0" indent="0">
+              <a:buNone/>
+              <a:defRPr sz="1400"/>
+            </a:lvl1pPr>
+            <a:lvl2pPr marL="457200" indent="0">
+              <a:buNone/>
+              <a:defRPr sz="1200"/>
+            </a:lvl2pPr>
+            <a:lvl3pPr marL="914400" indent="0">
+              <a:buNone/>
+              <a:defRPr sz="1000"/>
+            </a:lvl3pPr>
+            <a:lvl4pPr marL="1371600" indent="0">
+              <a:buNone/>
+              <a:defRPr sz="900"/>
+            </a:lvl4pPr>
+            <a:lvl5pPr marL="1828800" indent="0">
+              <a:buNone/>
+              <a:defRPr sz="900"/>
+            </a:lvl5pPr>
+            <a:lvl6pPr marL="2286000" indent="0">
+              <a:buNone/>
+              <a:defRPr sz="900"/>
+            </a:lvl6pPr>
+            <a:lvl7pPr marL="2743200" indent="0">
+              <a:buNone/>
+              <a:defRPr sz="900"/>
+            </a:lvl7pPr>
+            <a:lvl8pPr marL="3200400" indent="0">
+              <a:buNone/>
+              <a:defRPr sz="900"/>
+            </a:lvl8pPr>
+            <a:lvl9pPr marL="3657600" indent="0">
+              <a:buNone/>
+              <a:defRPr sz="900"/>
+            </a:lvl9pPr>
+          </a:lstStyle>
+          <a:p>
+            <a:pPr lvl="0"/>
+            <a:r>
+              <a:rPr lang="nl-NL"/>
+              <a:t>Tekststijl van het model bewerken</a:t>
+            </a:r>
+          </a:p>
+        </p:txBody>
+      </p:sp>
+      <p:sp>
+        <p:nvSpPr>
+          <p:cNvPr id="3" name="Date Placeholder 2"/>
+          <p:cNvSpPr>
+            <a:spLocks noGrp="1"/>
+          </p:cNvSpPr>
+          <p:nvPr>
+            <p:ph type="dt" sz="half" idx="10"/>
+          </p:nvPr>
+        </p:nvSpPr>
+        <p:spPr/>
+        <p:txBody>
+          <a:bodyPr/>
+          <a:lstStyle/>
+          <a:p>
+            <a:fld id="{D0BEBCF1-C867-4FA3-929D-70E3E2EA05CD}" type="datetimeFigureOut">
+              <a:rPr lang="nl-NL" smtClean="0"/>
+              <a:t>7-6-2017</a:t>
+            </a:fld>
+            <a:endParaRPr lang="nl-NL"/>
+          </a:p>
+        </p:txBody>
+      </p:sp>
+      <p:sp>
+        <p:nvSpPr>
+          <p:cNvPr id="4" name="Footer Placeholder 3"/>
+          <p:cNvSpPr>
+            <a:spLocks noGrp="1"/>
+          </p:cNvSpPr>
+          <p:nvPr>
+            <p:ph type="ftr" sz="quarter" idx="11"/>
+          </p:nvPr>
+        </p:nvSpPr>
+        <p:spPr/>
+        <p:txBody>
+          <a:bodyPr/>
+          <a:lstStyle/>
+          <a:p>
+            <a:endParaRPr lang="nl-NL"/>
+          </a:p>
+        </p:txBody>
+      </p:sp>
+      <p:sp>
+        <p:nvSpPr>
+          <p:cNvPr id="5" name="Slide Number Placeholder 4"/>
+          <p:cNvSpPr>
+            <a:spLocks noGrp="1"/>
+          </p:cNvSpPr>
+          <p:nvPr>
+            <p:ph type="sldNum" sz="quarter" idx="12"/>
+          </p:nvPr>
+        </p:nvSpPr>
+        <p:spPr/>
+        <p:txBody>
+          <a:bodyPr/>
+          <a:lstStyle/>
+          <a:p>
+            <a:fld id="{CA5AE562-405B-4300-8199-EA46BD55C81A}" type="slidenum">
+              <a:rPr lang="nl-NL" smtClean="0"/>
+              <a:t>‹nr.›</a:t>
+            </a:fld>
+            <a:endParaRPr lang="nl-NL"/>
+          </a:p>
+        </p:txBody>
+      </p:sp>
+    </p:spTree>
+    <p:extLst>
+      <p:ext uri="{BB962C8B-B14F-4D97-AF65-F5344CB8AC3E}">
+        <p14:creationId xmlns:p14="http://schemas.microsoft.com/office/powerpoint/2010/main" val="1521752794"/>
+      </p:ext>
+    </p:extLst>
+  </p:cSld>
+  <p:clrMapOvr>
+    <a:masterClrMapping/>
+  </p:clrMapOvr>
+</p:sldLayout>
+</file>
+
+<file path=ppt/slideLayouts/slideLayout16.xml><?xml version="1.0" encoding="utf-8"?>
 <p:sldLayout xmlns:a="http://schemas.openxmlformats.org/drawingml/2006/main" xmlns:r="http://schemas.openxmlformats.org/officeDocument/2006/relationships" xmlns:p="http://schemas.openxmlformats.org/presentationml/2006/main" type="vertTx" preserve="1">
   <p:cSld name="Titel en verticale tekst">
     <p:spTree>
@@ -326,7 +2985,7 @@
       </p:grpSpPr>
       <p:sp>
         <p:nvSpPr>
-          <p:cNvPr id="2" name="Titel 1"/>
+          <p:cNvPr id="2" name="Title 1"/>
           <p:cNvSpPr>
             <a:spLocks noGrp="1"/>
           </p:cNvSpPr>
@@ -343,12 +3002,13 @@
               <a:rPr lang="nl-NL"/>
               <a:t>Klik om de stijl te bewerken</a:t>
             </a:r>
-          </a:p>
-        </p:txBody>
-      </p:sp>
-      <p:sp>
-        <p:nvSpPr>
-          <p:cNvPr id="3" name="Tijdelijke aanduiding voor verticale tekst 2"/>
+            <a:endParaRPr lang="en-US" dirty="0"/>
+          </a:p>
+        </p:txBody>
+      </p:sp>
+      <p:sp>
+        <p:nvSpPr>
+          <p:cNvPr id="3" name="Vertical Text Placeholder 2"/>
           <p:cNvSpPr>
             <a:spLocks noGrp="1"/>
           </p:cNvSpPr>
@@ -356,7 +3016,12 @@
             <p:ph type="body" orient="vert" idx="1"/>
           </p:nvPr>
         </p:nvSpPr>
-        <p:spPr/>
+        <p:spPr>
+          <a:xfrm>
+            <a:off x="685800" y="2194559"/>
+            <a:ext cx="10820400" cy="4024125"/>
+          </a:xfrm>
+        </p:spPr>
         <p:txBody>
           <a:bodyPr vert="eaVert"/>
           <a:lstStyle/>
@@ -394,12 +3059,13 @@
               <a:rPr lang="nl-NL"/>
               <a:t>Vijfde niveau</a:t>
             </a:r>
-          </a:p>
-        </p:txBody>
-      </p:sp>
-      <p:sp>
-        <p:nvSpPr>
-          <p:cNvPr id="4" name="Tijdelijke aanduiding voor datum 3"/>
+            <a:endParaRPr lang="en-US" dirty="0"/>
+          </a:p>
+        </p:txBody>
+      </p:sp>
+      <p:sp>
+        <p:nvSpPr>
+          <p:cNvPr id="4" name="Date Placeholder 3"/>
           <p:cNvSpPr>
             <a:spLocks noGrp="1"/>
           </p:cNvSpPr>
@@ -422,7 +3088,7 @@
       </p:sp>
       <p:sp>
         <p:nvSpPr>
-          <p:cNvPr id="5" name="Tijdelijke aanduiding voor voettekst 4"/>
+          <p:cNvPr id="5" name="Footer Placeholder 4"/>
           <p:cNvSpPr>
             <a:spLocks noGrp="1"/>
           </p:cNvSpPr>
@@ -441,7 +3107,7 @@
       </p:sp>
       <p:sp>
         <p:nvSpPr>
-          <p:cNvPr id="6" name="Tijdelijke aanduiding voor dianummer 5"/>
+          <p:cNvPr id="6" name="Slide Number Placeholder 5"/>
           <p:cNvSpPr>
             <a:spLocks noGrp="1"/>
           </p:cNvSpPr>
@@ -465,7 +3131,7 @@
     </p:spTree>
     <p:extLst>
       <p:ext uri="{BB962C8B-B14F-4D97-AF65-F5344CB8AC3E}">
-        <p14:creationId xmlns:p14="http://schemas.microsoft.com/office/powerpoint/2010/main" val="3804554223"/>
+        <p14:creationId xmlns:p14="http://schemas.microsoft.com/office/powerpoint/2010/main" val="1104710981"/>
       </p:ext>
     </p:extLst>
   </p:cSld>
@@ -475,8 +3141,8 @@
 </p:sldLayout>
 </file>
 
-<file path=ppt/slideLayouts/slideLayout11.xml><?xml version="1.0" encoding="utf-8"?>
-<p:sldLayout xmlns:a="http://schemas.openxmlformats.org/drawingml/2006/main" xmlns:r="http://schemas.openxmlformats.org/officeDocument/2006/relationships" xmlns:p="http://schemas.openxmlformats.org/presentationml/2006/main" type="vertTitleAndTx" preserve="1">
+<file path=ppt/slideLayouts/slideLayout17.xml><?xml version="1.0" encoding="utf-8"?>
+<p:sldLayout xmlns:a="http://schemas.openxmlformats.org/drawingml/2006/main" xmlns:r="http://schemas.openxmlformats.org/officeDocument/2006/relationships" xmlns:p="http://schemas.openxmlformats.org/presentationml/2006/main" showMasterSp="0" type="vertTitleAndTx" preserve="1">
   <p:cSld name="Verticale titel en tekst">
     <p:spTree>
       <p:nvGrpSpPr>
@@ -492,36 +3158,71 @@
           <a:chExt cx="0" cy="0"/>
         </a:xfrm>
       </p:grpSpPr>
-      <p:sp>
-        <p:nvSpPr>
-          <p:cNvPr id="2" name="Verticale titel 1"/>
-          <p:cNvSpPr>
-            <a:spLocks noGrp="1"/>
-          </p:cNvSpPr>
-          <p:nvPr>
-            <p:ph type="title" orient="vert"/>
-          </p:nvPr>
-        </p:nvSpPr>
+      <p:pic>
+        <p:nvPicPr>
+          <p:cNvPr id="9" name="Picture 8" descr="C3-HD-BTM.png"/>
+          <p:cNvPicPr>
+            <a:picLocks noChangeAspect="1"/>
+          </p:cNvPicPr>
+          <p:nvPr/>
+        </p:nvPicPr>
+        <p:blipFill>
+          <a:blip r:embed="rId2">
+            <a:extLst>
+              <a:ext uri="{28A0092B-C50C-407E-A947-70E740481C1C}">
+                <a14:useLocalDpi xmlns:a14="http://schemas.microsoft.com/office/drawing/2010/main" val="0"/>
+              </a:ext>
+            </a:extLst>
+          </a:blip>
+          <a:stretch>
+            <a:fillRect/>
+          </a:stretch>
+        </p:blipFill>
         <p:spPr>
           <a:xfrm>
-            <a:off x="8724900" y="365125"/>
-            <a:ext cx="2628900" cy="5811838"/>
+            <a:off x="0" y="4375150"/>
+            <a:ext cx="12192000" cy="2482850"/>
+          </a:xfrm>
+          <a:prstGeom prst="rect">
+            <a:avLst/>
+          </a:prstGeom>
+        </p:spPr>
+      </p:pic>
+      <p:sp>
+        <p:nvSpPr>
+          <p:cNvPr id="2" name="Vertical Title 1"/>
+          <p:cNvSpPr>
+            <a:spLocks noGrp="1"/>
+          </p:cNvSpPr>
+          <p:nvPr>
+            <p:ph type="title" orient="vert"/>
+          </p:nvPr>
+        </p:nvSpPr>
+        <p:spPr>
+          <a:xfrm>
+            <a:off x="9448800" y="745066"/>
+            <a:ext cx="2057400" cy="3903133"/>
           </a:xfrm>
         </p:spPr>
         <p:txBody>
           <a:bodyPr vert="eaVert"/>
-          <a:lstStyle/>
+          <a:lstStyle>
+            <a:lvl1pPr algn="l">
+              <a:defRPr/>
+            </a:lvl1pPr>
+          </a:lstStyle>
           <a:p>
             <a:r>
               <a:rPr lang="nl-NL"/>
               <a:t>Klik om de stijl te bewerken</a:t>
             </a:r>
-          </a:p>
-        </p:txBody>
-      </p:sp>
-      <p:sp>
-        <p:nvSpPr>
-          <p:cNvPr id="3" name="Tijdelijke aanduiding voor verticale tekst 2"/>
+            <a:endParaRPr lang="en-US" dirty="0"/>
+          </a:p>
+        </p:txBody>
+      </p:sp>
+      <p:sp>
+        <p:nvSpPr>
+          <p:cNvPr id="3" name="Vertical Text Placeholder 2"/>
           <p:cNvSpPr>
             <a:spLocks noGrp="1"/>
           </p:cNvSpPr>
@@ -531,8 +3232,8 @@
         </p:nvSpPr>
         <p:spPr>
           <a:xfrm>
-            <a:off x="838200" y="365125"/>
-            <a:ext cx="7734300" cy="5811838"/>
+            <a:off x="1024466" y="745067"/>
+            <a:ext cx="8204201" cy="3903133"/>
           </a:xfrm>
         </p:spPr>
         <p:txBody>
@@ -572,12 +3273,13 @@
               <a:rPr lang="nl-NL"/>
               <a:t>Vijfde niveau</a:t>
             </a:r>
-          </a:p>
-        </p:txBody>
-      </p:sp>
-      <p:sp>
-        <p:nvSpPr>
-          <p:cNvPr id="4" name="Tijdelijke aanduiding voor datum 3"/>
+            <a:endParaRPr lang="en-US" dirty="0"/>
+          </a:p>
+        </p:txBody>
+      </p:sp>
+      <p:sp>
+        <p:nvSpPr>
+          <p:cNvPr id="4" name="Date Placeholder 3"/>
           <p:cNvSpPr>
             <a:spLocks noGrp="1"/>
           </p:cNvSpPr>
@@ -585,10 +3287,19 @@
             <p:ph type="dt" sz="half" idx="10"/>
           </p:nvPr>
         </p:nvSpPr>
-        <p:spPr/>
+        <p:spPr>
+          <a:xfrm>
+            <a:off x="7814452" y="379941"/>
+            <a:ext cx="2910840" cy="365125"/>
+          </a:xfrm>
+        </p:spPr>
         <p:txBody>
           <a:bodyPr/>
-          <a:lstStyle/>
+          <a:lstStyle>
+            <a:lvl1pPr algn="r">
+              <a:defRPr/>
+            </a:lvl1pPr>
+          </a:lstStyle>
           <a:p>
             <a:fld id="{D0BEBCF1-C867-4FA3-929D-70E3E2EA05CD}" type="datetimeFigureOut">
               <a:rPr lang="nl-NL" smtClean="0"/>
@@ -600,7 +3311,7 @@
       </p:sp>
       <p:sp>
         <p:nvSpPr>
-          <p:cNvPr id="5" name="Tijdelijke aanduiding voor voettekst 4"/>
+          <p:cNvPr id="5" name="Footer Placeholder 4"/>
           <p:cNvSpPr>
             <a:spLocks noGrp="1"/>
           </p:cNvSpPr>
@@ -608,7 +3319,12 @@
             <p:ph type="ftr" sz="quarter" idx="11"/>
           </p:nvPr>
         </p:nvSpPr>
-        <p:spPr/>
+        <p:spPr>
+          <a:xfrm>
+            <a:off x="685800" y="381000"/>
+            <a:ext cx="6991492" cy="365125"/>
+          </a:xfrm>
+        </p:spPr>
         <p:txBody>
           <a:bodyPr/>
           <a:lstStyle/>
@@ -619,7 +3335,7 @@
       </p:sp>
       <p:sp>
         <p:nvSpPr>
-          <p:cNvPr id="6" name="Tijdelijke aanduiding voor dianummer 5"/>
+          <p:cNvPr id="6" name="Slide Number Placeholder 5"/>
           <p:cNvSpPr>
             <a:spLocks noGrp="1"/>
           </p:cNvSpPr>
@@ -627,7 +3343,12 @@
             <p:ph type="sldNum" sz="quarter" idx="12"/>
           </p:nvPr>
         </p:nvSpPr>
-        <p:spPr/>
+        <p:spPr>
+          <a:xfrm>
+            <a:off x="10862452" y="381000"/>
+            <a:ext cx="643748" cy="365125"/>
+          </a:xfrm>
+        </p:spPr>
         <p:txBody>
           <a:bodyPr/>
           <a:lstStyle/>
@@ -643,7 +3364,7 @@
     </p:spTree>
     <p:extLst>
       <p:ext uri="{BB962C8B-B14F-4D97-AF65-F5344CB8AC3E}">
-        <p14:creationId xmlns:p14="http://schemas.microsoft.com/office/powerpoint/2010/main" val="527984683"/>
+        <p14:creationId xmlns:p14="http://schemas.microsoft.com/office/powerpoint/2010/main" val="818830459"/>
       </p:ext>
     </p:extLst>
   </p:cSld>
@@ -672,7 +3393,7 @@
       </p:grpSpPr>
       <p:sp>
         <p:nvSpPr>
-          <p:cNvPr id="2" name="Titel 1"/>
+          <p:cNvPr id="2" name="Title 1"/>
           <p:cNvSpPr>
             <a:spLocks noGrp="1"/>
           </p:cNvSpPr>
@@ -689,12 +3410,13 @@
               <a:rPr lang="nl-NL"/>
               <a:t>Klik om de stijl te bewerken</a:t>
             </a:r>
-          </a:p>
-        </p:txBody>
-      </p:sp>
-      <p:sp>
-        <p:nvSpPr>
-          <p:cNvPr id="3" name="Tijdelijke aanduiding voor inhoud 2"/>
+            <a:endParaRPr lang="en-US" dirty="0"/>
+          </a:p>
+        </p:txBody>
+      </p:sp>
+      <p:sp>
+        <p:nvSpPr>
+          <p:cNvPr id="3" name="Content Placeholder 2"/>
           <p:cNvSpPr>
             <a:spLocks noGrp="1"/>
           </p:cNvSpPr>
@@ -740,12 +3462,13 @@
               <a:rPr lang="nl-NL"/>
               <a:t>Vijfde niveau</a:t>
             </a:r>
-          </a:p>
-        </p:txBody>
-      </p:sp>
-      <p:sp>
-        <p:nvSpPr>
-          <p:cNvPr id="4" name="Tijdelijke aanduiding voor datum 3"/>
+            <a:endParaRPr lang="en-US" dirty="0"/>
+          </a:p>
+        </p:txBody>
+      </p:sp>
+      <p:sp>
+        <p:nvSpPr>
+          <p:cNvPr id="4" name="Date Placeholder 3"/>
           <p:cNvSpPr>
             <a:spLocks noGrp="1"/>
           </p:cNvSpPr>
@@ -768,7 +3491,7 @@
       </p:sp>
       <p:sp>
         <p:nvSpPr>
-          <p:cNvPr id="5" name="Tijdelijke aanduiding voor voettekst 4"/>
+          <p:cNvPr id="5" name="Footer Placeholder 4"/>
           <p:cNvSpPr>
             <a:spLocks noGrp="1"/>
           </p:cNvSpPr>
@@ -787,7 +3510,7 @@
       </p:sp>
       <p:sp>
         <p:nvSpPr>
-          <p:cNvPr id="6" name="Tijdelijke aanduiding voor dianummer 5"/>
+          <p:cNvPr id="6" name="Slide Number Placeholder 5"/>
           <p:cNvSpPr>
             <a:spLocks noGrp="1"/>
           </p:cNvSpPr>
@@ -811,7 +3534,7 @@
     </p:spTree>
     <p:extLst>
       <p:ext uri="{BB962C8B-B14F-4D97-AF65-F5344CB8AC3E}">
-        <p14:creationId xmlns:p14="http://schemas.microsoft.com/office/powerpoint/2010/main" val="3259441686"/>
+        <p14:creationId xmlns:p14="http://schemas.microsoft.com/office/powerpoint/2010/main" val="867264187"/>
       </p:ext>
     </p:extLst>
   </p:cSld>
@@ -822,7 +3545,7 @@
 </file>
 
 <file path=ppt/slideLayouts/slideLayout3.xml><?xml version="1.0" encoding="utf-8"?>
-<p:sldLayout xmlns:a="http://schemas.openxmlformats.org/drawingml/2006/main" xmlns:r="http://schemas.openxmlformats.org/officeDocument/2006/relationships" xmlns:p="http://schemas.openxmlformats.org/presentationml/2006/main" type="secHead" preserve="1">
+<p:sldLayout xmlns:a="http://schemas.openxmlformats.org/drawingml/2006/main" xmlns:r="http://schemas.openxmlformats.org/officeDocument/2006/relationships" xmlns:p="http://schemas.openxmlformats.org/presentationml/2006/main" showMasterSp="0" type="secHead" preserve="1">
   <p:cSld name="Sectiekop">
     <p:spTree>
       <p:nvGrpSpPr>
@@ -838,27 +3561,59 @@
           <a:chExt cx="0" cy="0"/>
         </a:xfrm>
       </p:grpSpPr>
-      <p:sp>
-        <p:nvSpPr>
-          <p:cNvPr id="2" name="Titel 1"/>
-          <p:cNvSpPr>
-            <a:spLocks noGrp="1"/>
-          </p:cNvSpPr>
-          <p:nvPr>
-            <p:ph type="title"/>
-          </p:nvPr>
-        </p:nvSpPr>
+      <p:pic>
+        <p:nvPicPr>
+          <p:cNvPr id="8" name="Picture 7" descr="C3-HD-BTM.png"/>
+          <p:cNvPicPr>
+            <a:picLocks noChangeAspect="1"/>
+          </p:cNvPicPr>
+          <p:nvPr/>
+        </p:nvPicPr>
+        <p:blipFill>
+          <a:blip r:embed="rId2">
+            <a:extLst>
+              <a:ext uri="{28A0092B-C50C-407E-A947-70E740481C1C}">
+                <a14:useLocalDpi xmlns:a14="http://schemas.microsoft.com/office/drawing/2010/main" val="0"/>
+              </a:ext>
+            </a:extLst>
+          </a:blip>
+          <a:stretch>
+            <a:fillRect/>
+          </a:stretch>
+        </p:blipFill>
         <p:spPr>
           <a:xfrm>
-            <a:off x="831850" y="1709738"/>
-            <a:ext cx="10515600" cy="2852737"/>
+            <a:off x="0" y="4375150"/>
+            <a:ext cx="12192000" cy="2482850"/>
+          </a:xfrm>
+          <a:prstGeom prst="rect">
+            <a:avLst/>
+          </a:prstGeom>
+        </p:spPr>
+      </p:pic>
+      <p:sp>
+        <p:nvSpPr>
+          <p:cNvPr id="2" name="Title 1"/>
+          <p:cNvSpPr>
+            <a:spLocks noGrp="1"/>
+          </p:cNvSpPr>
+          <p:nvPr>
+            <p:ph type="title"/>
+          </p:nvPr>
+        </p:nvSpPr>
+        <p:spPr>
+          <a:xfrm>
+            <a:off x="685800" y="753533"/>
+            <a:ext cx="10820399" cy="2801935"/>
           </a:xfrm>
         </p:spPr>
         <p:txBody>
-          <a:bodyPr anchor="b"/>
+          <a:bodyPr anchor="b">
+            <a:normAutofit/>
+          </a:bodyPr>
           <a:lstStyle>
-            <a:lvl1pPr>
-              <a:defRPr sz="6000"/>
+            <a:lvl1pPr algn="r">
+              <a:defRPr sz="4000"/>
             </a:lvl1pPr>
           </a:lstStyle>
           <a:p>
@@ -866,12 +3621,13 @@
               <a:rPr lang="nl-NL"/>
               <a:t>Klik om de stijl te bewerken</a:t>
             </a:r>
-          </a:p>
-        </p:txBody>
-      </p:sp>
-      <p:sp>
-        <p:nvSpPr>
-          <p:cNvPr id="3" name="Tijdelijke aanduiding voor tekst 2"/>
+            <a:endParaRPr lang="en-US" dirty="0"/>
+          </a:p>
+        </p:txBody>
+      </p:sp>
+      <p:sp>
+        <p:nvSpPr>
+          <p:cNvPr id="3" name="Text Placeholder 2"/>
           <p:cNvSpPr>
             <a:spLocks noGrp="1"/>
           </p:cNvSpPr>
@@ -881,16 +3637,18 @@
         </p:nvSpPr>
         <p:spPr>
           <a:xfrm>
-            <a:off x="831850" y="4589463"/>
-            <a:ext cx="10515600" cy="1500187"/>
+            <a:off x="1024467" y="3641725"/>
+            <a:ext cx="10490200" cy="955675"/>
           </a:xfrm>
         </p:spPr>
         <p:txBody>
-          <a:bodyPr/>
+          <a:bodyPr>
+            <a:normAutofit/>
+          </a:bodyPr>
           <a:lstStyle>
-            <a:lvl1pPr marL="0" indent="0">
-              <a:buNone/>
-              <a:defRPr sz="2400">
+            <a:lvl1pPr marL="0" indent="0" algn="r">
+              <a:buNone/>
+              <a:defRPr sz="2200">
                 <a:solidFill>
                   <a:schemeClr val="tx1">
                     <a:tint val="75000"/>
@@ -990,7 +3748,7 @@
       </p:sp>
       <p:sp>
         <p:nvSpPr>
-          <p:cNvPr id="4" name="Tijdelijke aanduiding voor datum 3"/>
+          <p:cNvPr id="4" name="Date Placeholder 3"/>
           <p:cNvSpPr>
             <a:spLocks noGrp="1"/>
           </p:cNvSpPr>
@@ -998,10 +3756,19 @@
             <p:ph type="dt" sz="half" idx="10"/>
           </p:nvPr>
         </p:nvSpPr>
-        <p:spPr/>
+        <p:spPr>
+          <a:xfrm>
+            <a:off x="7814452" y="381000"/>
+            <a:ext cx="2910840" cy="365125"/>
+          </a:xfrm>
+        </p:spPr>
         <p:txBody>
           <a:bodyPr/>
-          <a:lstStyle/>
+          <a:lstStyle>
+            <a:lvl1pPr algn="r">
+              <a:defRPr/>
+            </a:lvl1pPr>
+          </a:lstStyle>
           <a:p>
             <a:fld id="{D0BEBCF1-C867-4FA3-929D-70E3E2EA05CD}" type="datetimeFigureOut">
               <a:rPr lang="nl-NL" smtClean="0"/>
@@ -1013,7 +3780,7 @@
       </p:sp>
       <p:sp>
         <p:nvSpPr>
-          <p:cNvPr id="5" name="Tijdelijke aanduiding voor voettekst 4"/>
+          <p:cNvPr id="5" name="Footer Placeholder 4"/>
           <p:cNvSpPr>
             <a:spLocks noGrp="1"/>
           </p:cNvSpPr>
@@ -1021,7 +3788,12 @@
             <p:ph type="ftr" sz="quarter" idx="11"/>
           </p:nvPr>
         </p:nvSpPr>
-        <p:spPr/>
+        <p:spPr>
+          <a:xfrm>
+            <a:off x="685800" y="381001"/>
+            <a:ext cx="6991492" cy="364065"/>
+          </a:xfrm>
+        </p:spPr>
         <p:txBody>
           <a:bodyPr/>
           <a:lstStyle/>
@@ -1032,7 +3804,7 @@
       </p:sp>
       <p:sp>
         <p:nvSpPr>
-          <p:cNvPr id="6" name="Tijdelijke aanduiding voor dianummer 5"/>
+          <p:cNvPr id="6" name="Slide Number Placeholder 5"/>
           <p:cNvSpPr>
             <a:spLocks noGrp="1"/>
           </p:cNvSpPr>
@@ -1040,7 +3812,12 @@
             <p:ph type="sldNum" sz="quarter" idx="12"/>
           </p:nvPr>
         </p:nvSpPr>
-        <p:spPr/>
+        <p:spPr>
+          <a:xfrm>
+            <a:off x="10862452" y="381000"/>
+            <a:ext cx="643748" cy="365125"/>
+          </a:xfrm>
+        </p:spPr>
         <p:txBody>
           <a:bodyPr/>
           <a:lstStyle/>
@@ -1056,7 +3833,7 @@
     </p:spTree>
     <p:extLst>
       <p:ext uri="{BB962C8B-B14F-4D97-AF65-F5344CB8AC3E}">
-        <p14:creationId xmlns:p14="http://schemas.microsoft.com/office/powerpoint/2010/main" val="1704735549"/>
+        <p14:creationId xmlns:p14="http://schemas.microsoft.com/office/powerpoint/2010/main" val="770509763"/>
       </p:ext>
     </p:extLst>
   </p:cSld>
@@ -1085,7 +3862,7 @@
       </p:grpSpPr>
       <p:sp>
         <p:nvSpPr>
-          <p:cNvPr id="2" name="Titel 1"/>
+          <p:cNvPr id="2" name="Title 1"/>
           <p:cNvSpPr>
             <a:spLocks noGrp="1"/>
           </p:cNvSpPr>
@@ -1102,12 +3879,13 @@
               <a:rPr lang="nl-NL"/>
               <a:t>Klik om de stijl te bewerken</a:t>
             </a:r>
-          </a:p>
-        </p:txBody>
-      </p:sp>
-      <p:sp>
-        <p:nvSpPr>
-          <p:cNvPr id="3" name="Tijdelijke aanduiding voor inhoud 2"/>
+            <a:endParaRPr lang="en-US" dirty="0"/>
+          </a:p>
+        </p:txBody>
+      </p:sp>
+      <p:sp>
+        <p:nvSpPr>
+          <p:cNvPr id="3" name="Content Placeholder 2"/>
           <p:cNvSpPr>
             <a:spLocks noGrp="1"/>
           </p:cNvSpPr>
@@ -1117,8 +3895,8 @@
         </p:nvSpPr>
         <p:spPr>
           <a:xfrm>
-            <a:off x="838200" y="1825625"/>
-            <a:ext cx="5181600" cy="4351338"/>
+            <a:off x="685800" y="2194559"/>
+            <a:ext cx="5334000" cy="4024125"/>
           </a:xfrm>
         </p:spPr>
         <p:txBody>
@@ -1158,12 +3936,13 @@
               <a:rPr lang="nl-NL"/>
               <a:t>Vijfde niveau</a:t>
             </a:r>
-          </a:p>
-        </p:txBody>
-      </p:sp>
-      <p:sp>
-        <p:nvSpPr>
-          <p:cNvPr id="4" name="Tijdelijke aanduiding voor inhoud 3"/>
+            <a:endParaRPr lang="en-US" dirty="0"/>
+          </a:p>
+        </p:txBody>
+      </p:sp>
+      <p:sp>
+        <p:nvSpPr>
+          <p:cNvPr id="4" name="Content Placeholder 3"/>
           <p:cNvSpPr>
             <a:spLocks noGrp="1"/>
           </p:cNvSpPr>
@@ -1173,8 +3952,8 @@
         </p:nvSpPr>
         <p:spPr>
           <a:xfrm>
-            <a:off x="6172200" y="1825625"/>
-            <a:ext cx="5181600" cy="4351338"/>
+            <a:off x="6172200" y="2194559"/>
+            <a:ext cx="5334000" cy="4024125"/>
           </a:xfrm>
         </p:spPr>
         <p:txBody>
@@ -1214,12 +3993,13 @@
               <a:rPr lang="nl-NL"/>
               <a:t>Vijfde niveau</a:t>
             </a:r>
-          </a:p>
-        </p:txBody>
-      </p:sp>
-      <p:sp>
-        <p:nvSpPr>
-          <p:cNvPr id="5" name="Tijdelijke aanduiding voor datum 4"/>
+            <a:endParaRPr lang="en-US" dirty="0"/>
+          </a:p>
+        </p:txBody>
+      </p:sp>
+      <p:sp>
+        <p:nvSpPr>
+          <p:cNvPr id="5" name="Date Placeholder 4"/>
           <p:cNvSpPr>
             <a:spLocks noGrp="1"/>
           </p:cNvSpPr>
@@ -1242,7 +4022,7 @@
       </p:sp>
       <p:sp>
         <p:nvSpPr>
-          <p:cNvPr id="6" name="Tijdelijke aanduiding voor voettekst 5"/>
+          <p:cNvPr id="6" name="Footer Placeholder 5"/>
           <p:cNvSpPr>
             <a:spLocks noGrp="1"/>
           </p:cNvSpPr>
@@ -1261,7 +4041,7 @@
       </p:sp>
       <p:sp>
         <p:nvSpPr>
-          <p:cNvPr id="7" name="Tijdelijke aanduiding voor dianummer 6"/>
+          <p:cNvPr id="7" name="Slide Number Placeholder 6"/>
           <p:cNvSpPr>
             <a:spLocks noGrp="1"/>
           </p:cNvSpPr>
@@ -1285,7 +4065,7 @@
     </p:spTree>
     <p:extLst>
       <p:ext uri="{BB962C8B-B14F-4D97-AF65-F5344CB8AC3E}">
-        <p14:creationId xmlns:p14="http://schemas.microsoft.com/office/powerpoint/2010/main" val="289006630"/>
+        <p14:creationId xmlns:p14="http://schemas.microsoft.com/office/powerpoint/2010/main" val="2545519072"/>
       </p:ext>
     </p:extLst>
   </p:cSld>
@@ -1314,7 +4094,7 @@
       </p:grpSpPr>
       <p:sp>
         <p:nvSpPr>
-          <p:cNvPr id="2" name="Titel 1"/>
+          <p:cNvPr id="2" name="Title 1"/>
           <p:cNvSpPr>
             <a:spLocks noGrp="1"/>
           </p:cNvSpPr>
@@ -1324,8 +4104,8 @@
         </p:nvSpPr>
         <p:spPr>
           <a:xfrm>
-            <a:off x="839788" y="365125"/>
-            <a:ext cx="10515600" cy="1325563"/>
+            <a:off x="2895600" y="762000"/>
+            <a:ext cx="8610600" cy="1295400"/>
           </a:xfrm>
         </p:spPr>
         <p:txBody>
@@ -1336,12 +4116,13 @@
               <a:rPr lang="nl-NL"/>
               <a:t>Klik om de stijl te bewerken</a:t>
             </a:r>
-          </a:p>
-        </p:txBody>
-      </p:sp>
-      <p:sp>
-        <p:nvSpPr>
-          <p:cNvPr id="3" name="Tijdelijke aanduiding voor tekst 2"/>
+            <a:endParaRPr lang="en-US" dirty="0"/>
+          </a:p>
+        </p:txBody>
+      </p:sp>
+      <p:sp>
+        <p:nvSpPr>
+          <p:cNvPr id="3" name="Text Placeholder 2"/>
           <p:cNvSpPr>
             <a:spLocks noGrp="1"/>
           </p:cNvSpPr>
@@ -1351,16 +4132,22 @@
         </p:nvSpPr>
         <p:spPr>
           <a:xfrm>
-            <a:off x="839788" y="1681163"/>
-            <a:ext cx="5157787" cy="823912"/>
+            <a:off x="914409" y="2183802"/>
+            <a:ext cx="5079991" cy="823912"/>
           </a:xfrm>
         </p:spPr>
         <p:txBody>
-          <a:bodyPr anchor="b"/>
+          <a:bodyPr anchor="b">
+            <a:normAutofit/>
+          </a:bodyPr>
           <a:lstStyle>
             <a:lvl1pPr marL="0" indent="0">
               <a:buNone/>
-              <a:defRPr sz="2400" b="1"/>
+              <a:defRPr sz="2800" b="0">
+                <a:solidFill>
+                  <a:schemeClr val="tx1"/>
+                </a:solidFill>
+              </a:defRPr>
             </a:lvl1pPr>
             <a:lvl2pPr marL="457200" indent="0">
               <a:buNone/>
@@ -1406,7 +4193,7 @@
       </p:sp>
       <p:sp>
         <p:nvSpPr>
-          <p:cNvPr id="4" name="Tijdelijke aanduiding voor inhoud 3"/>
+          <p:cNvPr id="4" name="Content Placeholder 3"/>
           <p:cNvSpPr>
             <a:spLocks noGrp="1"/>
           </p:cNvSpPr>
@@ -1416,8 +4203,8 @@
         </p:nvSpPr>
         <p:spPr>
           <a:xfrm>
-            <a:off x="839788" y="2505075"/>
-            <a:ext cx="5157787" cy="3684588"/>
+            <a:off x="685800" y="3132666"/>
+            <a:ext cx="5311775" cy="3086019"/>
           </a:xfrm>
         </p:spPr>
         <p:txBody>
@@ -1457,12 +4244,13 @@
               <a:rPr lang="nl-NL"/>
               <a:t>Vijfde niveau</a:t>
             </a:r>
-          </a:p>
-        </p:txBody>
-      </p:sp>
-      <p:sp>
-        <p:nvSpPr>
-          <p:cNvPr id="5" name="Tijdelijke aanduiding voor tekst 4"/>
+            <a:endParaRPr lang="en-US" dirty="0"/>
+          </a:p>
+        </p:txBody>
+      </p:sp>
+      <p:sp>
+        <p:nvSpPr>
+          <p:cNvPr id="5" name="Text Placeholder 4"/>
           <p:cNvSpPr>
             <a:spLocks noGrp="1"/>
           </p:cNvSpPr>
@@ -1472,16 +4260,22 @@
         </p:nvSpPr>
         <p:spPr>
           <a:xfrm>
-            <a:off x="6172200" y="1681163"/>
-            <a:ext cx="5183188" cy="823912"/>
+            <a:off x="6400800" y="2183802"/>
+            <a:ext cx="5105400" cy="823912"/>
           </a:xfrm>
         </p:spPr>
         <p:txBody>
-          <a:bodyPr anchor="b"/>
+          <a:bodyPr anchor="b">
+            <a:normAutofit/>
+          </a:bodyPr>
           <a:lstStyle>
             <a:lvl1pPr marL="0" indent="0">
               <a:buNone/>
-              <a:defRPr sz="2400" b="1"/>
+              <a:defRPr sz="2800" b="0">
+                <a:solidFill>
+                  <a:schemeClr val="tx1"/>
+                </a:solidFill>
+              </a:defRPr>
             </a:lvl1pPr>
             <a:lvl2pPr marL="457200" indent="0">
               <a:buNone/>
@@ -1527,7 +4321,7 @@
       </p:sp>
       <p:sp>
         <p:nvSpPr>
-          <p:cNvPr id="6" name="Tijdelijke aanduiding voor inhoud 5"/>
+          <p:cNvPr id="6" name="Content Placeholder 5"/>
           <p:cNvSpPr>
             <a:spLocks noGrp="1"/>
           </p:cNvSpPr>
@@ -1537,8 +4331,8 @@
         </p:nvSpPr>
         <p:spPr>
           <a:xfrm>
-            <a:off x="6172200" y="2505075"/>
-            <a:ext cx="5183188" cy="3684588"/>
+            <a:off x="6172200" y="3132666"/>
+            <a:ext cx="5334000" cy="3086019"/>
           </a:xfrm>
         </p:spPr>
         <p:txBody>
@@ -1578,12 +4372,13 @@
               <a:rPr lang="nl-NL"/>
               <a:t>Vijfde niveau</a:t>
             </a:r>
-          </a:p>
-        </p:txBody>
-      </p:sp>
-      <p:sp>
-        <p:nvSpPr>
-          <p:cNvPr id="7" name="Tijdelijke aanduiding voor datum 6"/>
+            <a:endParaRPr lang="en-US" dirty="0"/>
+          </a:p>
+        </p:txBody>
+      </p:sp>
+      <p:sp>
+        <p:nvSpPr>
+          <p:cNvPr id="7" name="Date Placeholder 6"/>
           <p:cNvSpPr>
             <a:spLocks noGrp="1"/>
           </p:cNvSpPr>
@@ -1606,7 +4401,7 @@
       </p:sp>
       <p:sp>
         <p:nvSpPr>
-          <p:cNvPr id="8" name="Tijdelijke aanduiding voor voettekst 7"/>
+          <p:cNvPr id="8" name="Footer Placeholder 7"/>
           <p:cNvSpPr>
             <a:spLocks noGrp="1"/>
           </p:cNvSpPr>
@@ -1625,7 +4420,7 @@
       </p:sp>
       <p:sp>
         <p:nvSpPr>
-          <p:cNvPr id="9" name="Tijdelijke aanduiding voor dianummer 8"/>
+          <p:cNvPr id="9" name="Slide Number Placeholder 8"/>
           <p:cNvSpPr>
             <a:spLocks noGrp="1"/>
           </p:cNvSpPr>
@@ -1649,7 +4444,7 @@
     </p:spTree>
     <p:extLst>
       <p:ext uri="{BB962C8B-B14F-4D97-AF65-F5344CB8AC3E}">
-        <p14:creationId xmlns:p14="http://schemas.microsoft.com/office/powerpoint/2010/main" val="682159781"/>
+        <p14:creationId xmlns:p14="http://schemas.microsoft.com/office/powerpoint/2010/main" val="2896719468"/>
       </p:ext>
     </p:extLst>
   </p:cSld>
@@ -1678,7 +4473,7 @@
       </p:grpSpPr>
       <p:sp>
         <p:nvSpPr>
-          <p:cNvPr id="2" name="Titel 1"/>
+          <p:cNvPr id="2" name="Title 1"/>
           <p:cNvSpPr>
             <a:spLocks noGrp="1"/>
           </p:cNvSpPr>
@@ -1695,12 +4490,13 @@
               <a:rPr lang="nl-NL"/>
               <a:t>Klik om de stijl te bewerken</a:t>
             </a:r>
-          </a:p>
-        </p:txBody>
-      </p:sp>
-      <p:sp>
-        <p:nvSpPr>
-          <p:cNvPr id="3" name="Tijdelijke aanduiding voor datum 2"/>
+            <a:endParaRPr lang="en-US" dirty="0"/>
+          </a:p>
+        </p:txBody>
+      </p:sp>
+      <p:sp>
+        <p:nvSpPr>
+          <p:cNvPr id="3" name="Date Placeholder 2"/>
           <p:cNvSpPr>
             <a:spLocks noGrp="1"/>
           </p:cNvSpPr>
@@ -1723,7 +4519,7 @@
       </p:sp>
       <p:sp>
         <p:nvSpPr>
-          <p:cNvPr id="4" name="Tijdelijke aanduiding voor voettekst 3"/>
+          <p:cNvPr id="4" name="Footer Placeholder 3"/>
           <p:cNvSpPr>
             <a:spLocks noGrp="1"/>
           </p:cNvSpPr>
@@ -1742,7 +4538,7 @@
       </p:sp>
       <p:sp>
         <p:nvSpPr>
-          <p:cNvPr id="5" name="Tijdelijke aanduiding voor dianummer 4"/>
+          <p:cNvPr id="5" name="Slide Number Placeholder 4"/>
           <p:cNvSpPr>
             <a:spLocks noGrp="1"/>
           </p:cNvSpPr>
@@ -1766,7 +4562,7 @@
     </p:spTree>
     <p:extLst>
       <p:ext uri="{BB962C8B-B14F-4D97-AF65-F5344CB8AC3E}">
-        <p14:creationId xmlns:p14="http://schemas.microsoft.com/office/powerpoint/2010/main" val="2075163049"/>
+        <p14:creationId xmlns:p14="http://schemas.microsoft.com/office/powerpoint/2010/main" val="32929515"/>
       </p:ext>
     </p:extLst>
   </p:cSld>
@@ -1795,7 +4591,7 @@
       </p:grpSpPr>
       <p:sp>
         <p:nvSpPr>
-          <p:cNvPr id="2" name="Tijdelijke aanduiding voor datum 1"/>
+          <p:cNvPr id="2" name="Date Placeholder 1"/>
           <p:cNvSpPr>
             <a:spLocks noGrp="1"/>
           </p:cNvSpPr>
@@ -1818,7 +4614,7 @@
       </p:sp>
       <p:sp>
         <p:nvSpPr>
-          <p:cNvPr id="3" name="Tijdelijke aanduiding voor voettekst 2"/>
+          <p:cNvPr id="3" name="Footer Placeholder 2"/>
           <p:cNvSpPr>
             <a:spLocks noGrp="1"/>
           </p:cNvSpPr>
@@ -1837,7 +4633,7 @@
       </p:sp>
       <p:sp>
         <p:nvSpPr>
-          <p:cNvPr id="4" name="Tijdelijke aanduiding voor dianummer 3"/>
+          <p:cNvPr id="4" name="Slide Number Placeholder 3"/>
           <p:cNvSpPr>
             <a:spLocks noGrp="1"/>
           </p:cNvSpPr>
@@ -1861,7 +4657,7 @@
     </p:spTree>
     <p:extLst>
       <p:ext uri="{BB962C8B-B14F-4D97-AF65-F5344CB8AC3E}">
-        <p14:creationId xmlns:p14="http://schemas.microsoft.com/office/powerpoint/2010/main" val="984083421"/>
+        <p14:creationId xmlns:p14="http://schemas.microsoft.com/office/powerpoint/2010/main" val="3986059327"/>
       </p:ext>
     </p:extLst>
   </p:cSld>
@@ -1890,7 +4686,7 @@
       </p:grpSpPr>
       <p:sp>
         <p:nvSpPr>
-          <p:cNvPr id="2" name="Titel 1"/>
+          <p:cNvPr id="2" name="Title 1"/>
           <p:cNvSpPr>
             <a:spLocks noGrp="1"/>
           </p:cNvSpPr>
@@ -1900,14 +4696,14 @@
         </p:nvSpPr>
         <p:spPr>
           <a:xfrm>
-            <a:off x="839788" y="457200"/>
-            <a:ext cx="3932237" cy="1600200"/>
+            <a:off x="685800" y="1524000"/>
+            <a:ext cx="4114800" cy="1600200"/>
           </a:xfrm>
         </p:spPr>
         <p:txBody>
           <a:bodyPr anchor="b"/>
           <a:lstStyle>
-            <a:lvl1pPr>
+            <a:lvl1pPr algn="l">
               <a:defRPr sz="3200"/>
             </a:lvl1pPr>
           </a:lstStyle>
@@ -1916,12 +4712,13 @@
               <a:rPr lang="nl-NL"/>
               <a:t>Klik om de stijl te bewerken</a:t>
             </a:r>
-          </a:p>
-        </p:txBody>
-      </p:sp>
-      <p:sp>
-        <p:nvSpPr>
-          <p:cNvPr id="3" name="Tijdelijke aanduiding voor inhoud 2"/>
+            <a:endParaRPr lang="en-US" dirty="0"/>
+          </a:p>
+        </p:txBody>
+      </p:sp>
+      <p:sp>
+        <p:nvSpPr>
+          <p:cNvPr id="3" name="Content Placeholder 2"/>
           <p:cNvSpPr>
             <a:spLocks noGrp="1"/>
           </p:cNvSpPr>
@@ -1931,41 +4728,13 @@
         </p:nvSpPr>
         <p:spPr>
           <a:xfrm>
-            <a:off x="5183188" y="987425"/>
-            <a:ext cx="6172200" cy="4873625"/>
+            <a:off x="4995582" y="746759"/>
+            <a:ext cx="6510618" cy="5471925"/>
           </a:xfrm>
         </p:spPr>
         <p:txBody>
-          <a:bodyPr/>
-          <a:lstStyle>
-            <a:lvl1pPr>
-              <a:defRPr sz="3200"/>
-            </a:lvl1pPr>
-            <a:lvl2pPr>
-              <a:defRPr sz="2800"/>
-            </a:lvl2pPr>
-            <a:lvl3pPr>
-              <a:defRPr sz="2400"/>
-            </a:lvl3pPr>
-            <a:lvl4pPr>
-              <a:defRPr sz="2000"/>
-            </a:lvl4pPr>
-            <a:lvl5pPr>
-              <a:defRPr sz="2000"/>
-            </a:lvl5pPr>
-            <a:lvl6pPr>
-              <a:defRPr sz="2000"/>
-            </a:lvl6pPr>
-            <a:lvl7pPr>
-              <a:defRPr sz="2000"/>
-            </a:lvl7pPr>
-            <a:lvl8pPr>
-              <a:defRPr sz="2000"/>
-            </a:lvl8pPr>
-            <a:lvl9pPr>
-              <a:defRPr sz="2000"/>
-            </a:lvl9pPr>
-          </a:lstStyle>
+          <a:bodyPr anchor="ctr"/>
+          <a:lstStyle/>
           <a:p>
             <a:pPr lvl="0"/>
             <a:r>
@@ -2000,12 +4769,13 @@
               <a:rPr lang="nl-NL"/>
               <a:t>Vijfde niveau</a:t>
             </a:r>
-          </a:p>
-        </p:txBody>
-      </p:sp>
-      <p:sp>
-        <p:nvSpPr>
-          <p:cNvPr id="4" name="Tijdelijke aanduiding voor tekst 3"/>
+            <a:endParaRPr lang="en-US" dirty="0"/>
+          </a:p>
+        </p:txBody>
+      </p:sp>
+      <p:sp>
+        <p:nvSpPr>
+          <p:cNvPr id="4" name="Text Placeholder 3"/>
           <p:cNvSpPr>
             <a:spLocks noGrp="1"/>
           </p:cNvSpPr>
@@ -2015,8 +4785,8 @@
         </p:nvSpPr>
         <p:spPr>
           <a:xfrm>
-            <a:off x="839788" y="2057400"/>
-            <a:ext cx="3932237" cy="3811588"/>
+            <a:off x="685800" y="3124199"/>
+            <a:ext cx="4114800" cy="3094485"/>
           </a:xfrm>
         </p:spPr>
         <p:txBody>
@@ -2070,7 +4840,7 @@
       </p:sp>
       <p:sp>
         <p:nvSpPr>
-          <p:cNvPr id="5" name="Tijdelijke aanduiding voor datum 4"/>
+          <p:cNvPr id="5" name="Date Placeholder 4"/>
           <p:cNvSpPr>
             <a:spLocks noGrp="1"/>
           </p:cNvSpPr>
@@ -2093,7 +4863,7 @@
       </p:sp>
       <p:sp>
         <p:nvSpPr>
-          <p:cNvPr id="6" name="Tijdelijke aanduiding voor voettekst 5"/>
+          <p:cNvPr id="6" name="Footer Placeholder 5"/>
           <p:cNvSpPr>
             <a:spLocks noGrp="1"/>
           </p:cNvSpPr>
@@ -2112,7 +4882,7 @@
       </p:sp>
       <p:sp>
         <p:nvSpPr>
-          <p:cNvPr id="7" name="Tijdelijke aanduiding voor dianummer 6"/>
+          <p:cNvPr id="7" name="Slide Number Placeholder 6"/>
           <p:cNvSpPr>
             <a:spLocks noGrp="1"/>
           </p:cNvSpPr>
@@ -2136,7 +4906,7 @@
     </p:spTree>
     <p:extLst>
       <p:ext uri="{BB962C8B-B14F-4D97-AF65-F5344CB8AC3E}">
-        <p14:creationId xmlns:p14="http://schemas.microsoft.com/office/powerpoint/2010/main" val="1651210738"/>
+        <p14:creationId xmlns:p14="http://schemas.microsoft.com/office/powerpoint/2010/main" val="762381946"/>
       </p:ext>
     </p:extLst>
   </p:cSld>
@@ -2165,7 +4935,7 @@
       </p:grpSpPr>
       <p:sp>
         <p:nvSpPr>
-          <p:cNvPr id="2" name="Titel 1"/>
+          <p:cNvPr id="2" name="Title 1"/>
           <p:cNvSpPr>
             <a:spLocks noGrp="1"/>
           </p:cNvSpPr>
@@ -2175,14 +4945,14 @@
         </p:nvSpPr>
         <p:spPr>
           <a:xfrm>
-            <a:off x="839788" y="457200"/>
-            <a:ext cx="3932237" cy="1600200"/>
+            <a:off x="685800" y="1524000"/>
+            <a:ext cx="6873240" cy="1600200"/>
           </a:xfrm>
         </p:spPr>
         <p:txBody>
           <a:bodyPr anchor="b"/>
           <a:lstStyle>
-            <a:lvl1pPr>
+            <a:lvl1pPr algn="l">
               <a:defRPr sz="3200"/>
             </a:lvl1pPr>
           </a:lstStyle>
@@ -2191,14 +4961,15 @@
               <a:rPr lang="nl-NL"/>
               <a:t>Klik om de stijl te bewerken</a:t>
             </a:r>
-          </a:p>
-        </p:txBody>
-      </p:sp>
-      <p:sp>
-        <p:nvSpPr>
-          <p:cNvPr id="3" name="Tijdelijke aanduiding voor afbeelding 2"/>
-          <p:cNvSpPr>
-            <a:spLocks noGrp="1"/>
+            <a:endParaRPr lang="en-US" dirty="0"/>
+          </a:p>
+        </p:txBody>
+      </p:sp>
+      <p:sp>
+        <p:nvSpPr>
+          <p:cNvPr id="3" name="Picture Placeholder 2"/>
+          <p:cNvSpPr>
+            <a:spLocks noGrp="1" noChangeAspect="1"/>
           </p:cNvSpPr>
           <p:nvPr>
             <p:ph type="pic" idx="1"/>
@@ -2206,8 +4977,73 @@
         </p:nvSpPr>
         <p:spPr>
           <a:xfrm>
-            <a:off x="5183188" y="987425"/>
-            <a:ext cx="6172200" cy="4873625"/>
+            <a:off x="7861238" y="751241"/>
+            <a:ext cx="3644962" cy="5467443"/>
+          </a:xfrm>
+        </p:spPr>
+        <p:txBody>
+          <a:bodyPr anchor="t"/>
+          <a:lstStyle>
+            <a:lvl1pPr marL="0" indent="0">
+              <a:buNone/>
+              <a:defRPr sz="3200"/>
+            </a:lvl1pPr>
+            <a:lvl2pPr marL="457200" indent="0">
+              <a:buNone/>
+              <a:defRPr sz="2800"/>
+            </a:lvl2pPr>
+            <a:lvl3pPr marL="914400" indent="0">
+              <a:buNone/>
+              <a:defRPr sz="2400"/>
+            </a:lvl3pPr>
+            <a:lvl4pPr marL="1371600" indent="0">
+              <a:buNone/>
+              <a:defRPr sz="2000"/>
+            </a:lvl4pPr>
+            <a:lvl5pPr marL="1828800" indent="0">
+              <a:buNone/>
+              <a:defRPr sz="2000"/>
+            </a:lvl5pPr>
+            <a:lvl6pPr marL="2286000" indent="0">
+              <a:buNone/>
+              <a:defRPr sz="2000"/>
+            </a:lvl6pPr>
+            <a:lvl7pPr marL="2743200" indent="0">
+              <a:buNone/>
+              <a:defRPr sz="2000"/>
+            </a:lvl7pPr>
+            <a:lvl8pPr marL="3200400" indent="0">
+              <a:buNone/>
+              <a:defRPr sz="2000"/>
+            </a:lvl8pPr>
+            <a:lvl9pPr marL="3657600" indent="0">
+              <a:buNone/>
+              <a:defRPr sz="2000"/>
+            </a:lvl9pPr>
+          </a:lstStyle>
+          <a:p>
+            <a:r>
+              <a:rPr lang="nl-NL"/>
+              <a:t>Klik op het pictogram als u een afbeelding wilt toevoegen</a:t>
+            </a:r>
+            <a:endParaRPr lang="en-US" dirty="0"/>
+          </a:p>
+        </p:txBody>
+      </p:sp>
+      <p:sp>
+        <p:nvSpPr>
+          <p:cNvPr id="4" name="Text Placeholder 3"/>
+          <p:cNvSpPr>
+            <a:spLocks noGrp="1"/>
+          </p:cNvSpPr>
+          <p:nvPr>
+            <p:ph type="body" sz="half" idx="2"/>
+          </p:nvPr>
+        </p:nvSpPr>
+        <p:spPr>
+          <a:xfrm>
+            <a:off x="685800" y="3124199"/>
+            <a:ext cx="6873240" cy="3094485"/>
           </a:xfrm>
         </p:spPr>
         <p:txBody>
@@ -2215,67 +5051,6 @@
           <a:lstStyle>
             <a:lvl1pPr marL="0" indent="0">
               <a:buNone/>
-              <a:defRPr sz="3200"/>
-            </a:lvl1pPr>
-            <a:lvl2pPr marL="457200" indent="0">
-              <a:buNone/>
-              <a:defRPr sz="2800"/>
-            </a:lvl2pPr>
-            <a:lvl3pPr marL="914400" indent="0">
-              <a:buNone/>
-              <a:defRPr sz="2400"/>
-            </a:lvl3pPr>
-            <a:lvl4pPr marL="1371600" indent="0">
-              <a:buNone/>
-              <a:defRPr sz="2000"/>
-            </a:lvl4pPr>
-            <a:lvl5pPr marL="1828800" indent="0">
-              <a:buNone/>
-              <a:defRPr sz="2000"/>
-            </a:lvl5pPr>
-            <a:lvl6pPr marL="2286000" indent="0">
-              <a:buNone/>
-              <a:defRPr sz="2000"/>
-            </a:lvl6pPr>
-            <a:lvl7pPr marL="2743200" indent="0">
-              <a:buNone/>
-              <a:defRPr sz="2000"/>
-            </a:lvl7pPr>
-            <a:lvl8pPr marL="3200400" indent="0">
-              <a:buNone/>
-              <a:defRPr sz="2000"/>
-            </a:lvl8pPr>
-            <a:lvl9pPr marL="3657600" indent="0">
-              <a:buNone/>
-              <a:defRPr sz="2000"/>
-            </a:lvl9pPr>
-          </a:lstStyle>
-          <a:p>
-            <a:endParaRPr lang="nl-NL"/>
-          </a:p>
-        </p:txBody>
-      </p:sp>
-      <p:sp>
-        <p:nvSpPr>
-          <p:cNvPr id="4" name="Tijdelijke aanduiding voor tekst 3"/>
-          <p:cNvSpPr>
-            <a:spLocks noGrp="1"/>
-          </p:cNvSpPr>
-          <p:nvPr>
-            <p:ph type="body" sz="half" idx="2"/>
-          </p:nvPr>
-        </p:nvSpPr>
-        <p:spPr>
-          <a:xfrm>
-            <a:off x="839788" y="2057400"/>
-            <a:ext cx="3932237" cy="3811588"/>
-          </a:xfrm>
-        </p:spPr>
-        <p:txBody>
-          <a:bodyPr/>
-          <a:lstStyle>
-            <a:lvl1pPr marL="0" indent="0">
-              <a:buNone/>
               <a:defRPr sz="1600"/>
             </a:lvl1pPr>
             <a:lvl2pPr marL="457200" indent="0">
@@ -2322,7 +5097,7 @@
       </p:sp>
       <p:sp>
         <p:nvSpPr>
-          <p:cNvPr id="5" name="Tijdelijke aanduiding voor datum 4"/>
+          <p:cNvPr id="5" name="Date Placeholder 4"/>
           <p:cNvSpPr>
             <a:spLocks noGrp="1"/>
           </p:cNvSpPr>
@@ -2345,7 +5120,7 @@
       </p:sp>
       <p:sp>
         <p:nvSpPr>
-          <p:cNvPr id="6" name="Tijdelijke aanduiding voor voettekst 5"/>
+          <p:cNvPr id="6" name="Footer Placeholder 5"/>
           <p:cNvSpPr>
             <a:spLocks noGrp="1"/>
           </p:cNvSpPr>
@@ -2364,7 +5139,7 @@
       </p:sp>
       <p:sp>
         <p:nvSpPr>
-          <p:cNvPr id="7" name="Tijdelijke aanduiding voor dianummer 6"/>
+          <p:cNvPr id="7" name="Slide Number Placeholder 6"/>
           <p:cNvSpPr>
             <a:spLocks noGrp="1"/>
           </p:cNvSpPr>
@@ -2388,7 +5163,7 @@
     </p:spTree>
     <p:extLst>
       <p:ext uri="{BB962C8B-B14F-4D97-AF65-F5344CB8AC3E}">
-        <p14:creationId xmlns:p14="http://schemas.microsoft.com/office/powerpoint/2010/main" val="2921459119"/>
+        <p14:creationId xmlns:p14="http://schemas.microsoft.com/office/powerpoint/2010/main" val="4145446405"/>
       </p:ext>
     </p:extLst>
   </p:cSld>
@@ -2420,123 +5195,155 @@
           <a:chExt cx="0" cy="0"/>
         </a:xfrm>
       </p:grpSpPr>
-      <p:sp>
-        <p:nvSpPr>
-          <p:cNvPr id="2" name="Tijdelijke aanduiding voor titel 1"/>
-          <p:cNvSpPr>
-            <a:spLocks noGrp="1"/>
-          </p:cNvSpPr>
-          <p:nvPr>
-            <p:ph type="title"/>
-          </p:nvPr>
-        </p:nvSpPr>
+      <p:pic>
+        <p:nvPicPr>
+          <p:cNvPr id="8" name="Picture 7" descr="C3-HD-TOP.png"/>
+          <p:cNvPicPr>
+            <a:picLocks noChangeAspect="1"/>
+          </p:cNvPicPr>
+          <p:nvPr/>
+        </p:nvPicPr>
+        <p:blipFill>
+          <a:blip r:embed="rId19">
+            <a:extLst>
+              <a:ext uri="{28A0092B-C50C-407E-A947-70E740481C1C}">
+                <a14:useLocalDpi xmlns:a14="http://schemas.microsoft.com/office/drawing/2010/main" val="0"/>
+              </a:ext>
+            </a:extLst>
+          </a:blip>
+          <a:stretch>
+            <a:fillRect/>
+          </a:stretch>
+        </p:blipFill>
         <p:spPr>
           <a:xfrm>
-            <a:off x="838200" y="365125"/>
-            <a:ext cx="10515600" cy="1325563"/>
+            <a:off x="0" y="0"/>
+            <a:ext cx="12192000" cy="1441450"/>
           </a:xfrm>
           <a:prstGeom prst="rect">
             <a:avLst/>
           </a:prstGeom>
         </p:spPr>
-        <p:txBody>
-          <a:bodyPr vert="horz" lIns="91440" tIns="45720" rIns="91440" bIns="45720" rtlCol="0" anchor="ctr">
-            <a:normAutofit/>
-          </a:bodyPr>
-          <a:lstStyle/>
-          <a:p>
-            <a:r>
-              <a:rPr lang="nl-NL"/>
-              <a:t>Klik om de stijl te bewerken</a:t>
-            </a:r>
-          </a:p>
-        </p:txBody>
-      </p:sp>
-      <p:sp>
-        <p:nvSpPr>
-          <p:cNvPr id="3" name="Tijdelijke aanduiding voor tekst 2"/>
-          <p:cNvSpPr>
-            <a:spLocks noGrp="1"/>
-          </p:cNvSpPr>
-          <p:nvPr>
-            <p:ph type="body" idx="1"/>
+      </p:pic>
+      <p:sp>
+        <p:nvSpPr>
+          <p:cNvPr id="2" name="Title Placeholder 1"/>
+          <p:cNvSpPr>
+            <a:spLocks noGrp="1"/>
+          </p:cNvSpPr>
+          <p:nvPr>
+            <p:ph type="title"/>
           </p:nvPr>
         </p:nvSpPr>
         <p:spPr>
           <a:xfrm>
-            <a:off x="838200" y="1825625"/>
-            <a:ext cx="10515600" cy="4351338"/>
+            <a:off x="2895600" y="764373"/>
+            <a:ext cx="8610600" cy="1293028"/>
           </a:xfrm>
           <a:prstGeom prst="rect">
             <a:avLst/>
           </a:prstGeom>
         </p:spPr>
         <p:txBody>
-          <a:bodyPr vert="horz" lIns="91440" tIns="45720" rIns="91440" bIns="45720" rtlCol="0">
+          <a:bodyPr vert="horz" lIns="91440" tIns="45720" rIns="91440" bIns="45720" rtlCol="0" anchor="ctr">
             <a:normAutofit/>
           </a:bodyPr>
           <a:lstStyle/>
           <a:p>
-            <a:pPr lvl="0"/>
-            <a:r>
-              <a:rPr lang="nl-NL"/>
-              <a:t>Tekststijl van het model bewerken</a:t>
-            </a:r>
-          </a:p>
-          <a:p>
-            <a:pPr lvl="1"/>
-            <a:r>
-              <a:rPr lang="nl-NL"/>
-              <a:t>Tweede niveau</a:t>
-            </a:r>
-          </a:p>
-          <a:p>
-            <a:pPr lvl="2"/>
-            <a:r>
-              <a:rPr lang="nl-NL"/>
-              <a:t>Derde niveau</a:t>
-            </a:r>
-          </a:p>
-          <a:p>
-            <a:pPr lvl="3"/>
-            <a:r>
-              <a:rPr lang="nl-NL"/>
-              <a:t>Vierde niveau</a:t>
-            </a:r>
-          </a:p>
-          <a:p>
-            <a:pPr lvl="4"/>
-            <a:r>
-              <a:rPr lang="nl-NL"/>
-              <a:t>Vijfde niveau</a:t>
-            </a:r>
-          </a:p>
-        </p:txBody>
-      </p:sp>
-      <p:sp>
-        <p:nvSpPr>
-          <p:cNvPr id="4" name="Tijdelijke aanduiding voor datum 3"/>
-          <p:cNvSpPr>
-            <a:spLocks noGrp="1"/>
-          </p:cNvSpPr>
-          <p:nvPr>
-            <p:ph type="dt" sz="half" idx="2"/>
+            <a:r>
+              <a:rPr lang="nl-NL"/>
+              <a:t>Klik om de stijl te bewerken</a:t>
+            </a:r>
+            <a:endParaRPr lang="en-US" dirty="0"/>
+          </a:p>
+        </p:txBody>
+      </p:sp>
+      <p:sp>
+        <p:nvSpPr>
+          <p:cNvPr id="3" name="Text Placeholder 2"/>
+          <p:cNvSpPr>
+            <a:spLocks noGrp="1"/>
+          </p:cNvSpPr>
+          <p:nvPr>
+            <p:ph type="body" idx="1"/>
           </p:nvPr>
         </p:nvSpPr>
         <p:spPr>
           <a:xfrm>
-            <a:off x="838200" y="6356350"/>
-            <a:ext cx="2743200" cy="365125"/>
+            <a:off x="685800" y="2194560"/>
+            <a:ext cx="10820400" cy="4024125"/>
           </a:xfrm>
           <a:prstGeom prst="rect">
             <a:avLst/>
           </a:prstGeom>
         </p:spPr>
         <p:txBody>
+          <a:bodyPr vert="horz" lIns="91440" tIns="45720" rIns="91440" bIns="45720" rtlCol="0">
+            <a:normAutofit/>
+          </a:bodyPr>
+          <a:lstStyle/>
+          <a:p>
+            <a:pPr lvl="0"/>
+            <a:r>
+              <a:rPr lang="nl-NL"/>
+              <a:t>Tekststijl van het model bewerken</a:t>
+            </a:r>
+          </a:p>
+          <a:p>
+            <a:pPr lvl="1"/>
+            <a:r>
+              <a:rPr lang="nl-NL"/>
+              <a:t>Tweede niveau</a:t>
+            </a:r>
+          </a:p>
+          <a:p>
+            <a:pPr lvl="2"/>
+            <a:r>
+              <a:rPr lang="nl-NL"/>
+              <a:t>Derde niveau</a:t>
+            </a:r>
+          </a:p>
+          <a:p>
+            <a:pPr lvl="3"/>
+            <a:r>
+              <a:rPr lang="nl-NL"/>
+              <a:t>Vierde niveau</a:t>
+            </a:r>
+          </a:p>
+          <a:p>
+            <a:pPr lvl="4"/>
+            <a:r>
+              <a:rPr lang="nl-NL"/>
+              <a:t>Vijfde niveau</a:t>
+            </a:r>
+            <a:endParaRPr lang="en-US" dirty="0"/>
+          </a:p>
+        </p:txBody>
+      </p:sp>
+      <p:sp>
+        <p:nvSpPr>
+          <p:cNvPr id="4" name="Date Placeholder 3"/>
+          <p:cNvSpPr>
+            <a:spLocks noGrp="1"/>
+          </p:cNvSpPr>
+          <p:nvPr>
+            <p:ph type="dt" sz="half" idx="2"/>
+          </p:nvPr>
+        </p:nvSpPr>
+        <p:spPr>
+          <a:xfrm>
+            <a:off x="8595360" y="6356350"/>
+            <a:ext cx="2910840" cy="365125"/>
+          </a:xfrm>
+          <a:prstGeom prst="rect">
+            <a:avLst/>
+          </a:prstGeom>
+        </p:spPr>
+        <p:txBody>
           <a:bodyPr vert="horz" lIns="91440" tIns="45720" rIns="91440" bIns="45720" rtlCol="0" anchor="ctr"/>
           <a:lstStyle>
-            <a:lvl1pPr algn="l">
-              <a:defRPr sz="1200">
+            <a:lvl1pPr algn="r">
+              <a:defRPr sz="1050">
                 <a:solidFill>
                   <a:schemeClr val="tx1">
                     <a:tint val="75000"/>
@@ -2556,7 +5363,7 @@
       </p:sp>
       <p:sp>
         <p:nvSpPr>
-          <p:cNvPr id="5" name="Tijdelijke aanduiding voor voettekst 4"/>
+          <p:cNvPr id="5" name="Footer Placeholder 4"/>
           <p:cNvSpPr>
             <a:spLocks noGrp="1"/>
           </p:cNvSpPr>
@@ -2566,8 +5373,8 @@
         </p:nvSpPr>
         <p:spPr>
           <a:xfrm>
-            <a:off x="4038600" y="6356350"/>
-            <a:ext cx="4114800" cy="365125"/>
+            <a:off x="685800" y="6355845"/>
+            <a:ext cx="7772400" cy="365125"/>
           </a:xfrm>
           <a:prstGeom prst="rect">
             <a:avLst/>
@@ -2576,8 +5383,8 @@
         <p:txBody>
           <a:bodyPr vert="horz" lIns="91440" tIns="45720" rIns="91440" bIns="45720" rtlCol="0" anchor="ctr"/>
           <a:lstStyle>
-            <a:lvl1pPr algn="ctr">
-              <a:defRPr sz="1200">
+            <a:lvl1pPr algn="l">
+              <a:defRPr sz="1050">
                 <a:solidFill>
                   <a:schemeClr val="tx1">
                     <a:tint val="75000"/>
@@ -2593,7 +5400,7 @@
       </p:sp>
       <p:sp>
         <p:nvSpPr>
-          <p:cNvPr id="6" name="Tijdelijke aanduiding voor dianummer 5"/>
+          <p:cNvPr id="6" name="Slide Number Placeholder 5"/>
           <p:cNvSpPr>
             <a:spLocks noGrp="1"/>
           </p:cNvSpPr>
@@ -2603,7 +5410,7 @@
         </p:nvSpPr>
         <p:spPr>
           <a:xfrm>
-            <a:off x="8610600" y="6356350"/>
+            <a:off x="8763000" y="381000"/>
             <a:ext cx="2743200" cy="365125"/>
           </a:xfrm>
           <a:prstGeom prst="rect">
@@ -2614,7 +5421,7 @@
           <a:bodyPr vert="horz" lIns="91440" tIns="45720" rIns="91440" bIns="45720" rtlCol="0" anchor="ctr"/>
           <a:lstStyle>
             <a:lvl1pPr algn="r">
-              <a:defRPr sz="1200">
+              <a:defRPr sz="1050">
                 <a:solidFill>
                   <a:schemeClr val="tx1">
                     <a:tint val="75000"/>
@@ -2635,27 +5442,33 @@
     </p:spTree>
     <p:extLst>
       <p:ext uri="{BB962C8B-B14F-4D97-AF65-F5344CB8AC3E}">
-        <p14:creationId xmlns:p14="http://schemas.microsoft.com/office/powerpoint/2010/main" val="1128378497"/>
+        <p14:creationId xmlns:p14="http://schemas.microsoft.com/office/powerpoint/2010/main" val="1637316721"/>
       </p:ext>
     </p:extLst>
   </p:cSld>
   <p:clrMap bg1="lt1" tx1="dk1" bg2="lt2" tx2="dk2" accent1="accent1" accent2="accent2" accent3="accent3" accent4="accent4" accent5="accent5" accent6="accent6" hlink="hlink" folHlink="folHlink"/>
   <p:sldLayoutIdLst>
-    <p:sldLayoutId id="2147483649" r:id="rId1"/>
-    <p:sldLayoutId id="2147483650" r:id="rId2"/>
-    <p:sldLayoutId id="2147483651" r:id="rId3"/>
-    <p:sldLayoutId id="2147483652" r:id="rId4"/>
-    <p:sldLayoutId id="2147483653" r:id="rId5"/>
-    <p:sldLayoutId id="2147483654" r:id="rId6"/>
-    <p:sldLayoutId id="2147483655" r:id="rId7"/>
-    <p:sldLayoutId id="2147483656" r:id="rId8"/>
-    <p:sldLayoutId id="2147483657" r:id="rId9"/>
-    <p:sldLayoutId id="2147483658" r:id="rId10"/>
-    <p:sldLayoutId id="2147483659" r:id="rId11"/>
+    <p:sldLayoutId id="2147483679" r:id="rId1"/>
+    <p:sldLayoutId id="2147483680" r:id="rId2"/>
+    <p:sldLayoutId id="2147483681" r:id="rId3"/>
+    <p:sldLayoutId id="2147483682" r:id="rId4"/>
+    <p:sldLayoutId id="2147483683" r:id="rId5"/>
+    <p:sldLayoutId id="2147483684" r:id="rId6"/>
+    <p:sldLayoutId id="2147483685" r:id="rId7"/>
+    <p:sldLayoutId id="2147483686" r:id="rId8"/>
+    <p:sldLayoutId id="2147483687" r:id="rId9"/>
+    <p:sldLayoutId id="2147483688" r:id="rId10"/>
+    <p:sldLayoutId id="2147483689" r:id="rId11"/>
+    <p:sldLayoutId id="2147483690" r:id="rId12"/>
+    <p:sldLayoutId id="2147483691" r:id="rId13"/>
+    <p:sldLayoutId id="2147483692" r:id="rId14"/>
+    <p:sldLayoutId id="2147483693" r:id="rId15"/>
+    <p:sldLayoutId id="2147483694" r:id="rId16"/>
+    <p:sldLayoutId id="2147483695" r:id="rId17"/>
   </p:sldLayoutIdLst>
   <p:txStyles>
     <p:titleStyle>
-      <a:lvl1pPr algn="l" defTabSz="914400" rtl="0" eaLnBrk="1" latinLnBrk="0" hangingPunct="1">
+      <a:lvl1pPr algn="r" defTabSz="914400" rtl="0" eaLnBrk="1" latinLnBrk="0" hangingPunct="1">
         <a:lnSpc>
           <a:spcPct val="90000"/>
         </a:lnSpc>
@@ -2663,7 +5476,7 @@
           <a:spcPct val="0"/>
         </a:spcBef>
         <a:buNone/>
-        <a:defRPr sz="4400" kern="1200">
+        <a:defRPr sz="4000" kern="1200" cap="all" baseline="0">
           <a:solidFill>
             <a:schemeClr val="tx1"/>
           </a:solidFill>
@@ -2683,7 +5496,7 @@
         </a:spcBef>
         <a:buFont typeface="Arial" panose="020B0604020202020204" pitchFamily="34" charset="0"/>
         <a:buChar char="•"/>
-        <a:defRPr sz="2800" kern="1200">
+        <a:defRPr sz="2200" kern="1200">
           <a:solidFill>
             <a:schemeClr val="tx1"/>
           </a:solidFill>
@@ -2701,7 +5514,7 @@
         </a:spcBef>
         <a:buFont typeface="Arial" panose="020B0604020202020204" pitchFamily="34" charset="0"/>
         <a:buChar char="•"/>
-        <a:defRPr sz="2400" kern="1200">
+        <a:defRPr sz="2000" kern="1200">
           <a:solidFill>
             <a:schemeClr val="tx1"/>
           </a:solidFill>
@@ -2719,7 +5532,7 @@
         </a:spcBef>
         <a:buFont typeface="Arial" panose="020B0604020202020204" pitchFamily="34" charset="0"/>
         <a:buChar char="•"/>
-        <a:defRPr sz="2000" kern="1200">
+        <a:defRPr sz="1800" kern="1200">
           <a:solidFill>
             <a:schemeClr val="tx1"/>
           </a:solidFill>
@@ -2737,7 +5550,7 @@
         </a:spcBef>
         <a:buFont typeface="Arial" panose="020B0604020202020204" pitchFamily="34" charset="0"/>
         <a:buChar char="•"/>
-        <a:defRPr sz="1800" kern="1200">
+        <a:defRPr sz="1600" kern="1200">
           <a:solidFill>
             <a:schemeClr val="tx1"/>
           </a:solidFill>
@@ -2755,7 +5568,7 @@
         </a:spcBef>
         <a:buFont typeface="Arial" panose="020B0604020202020204" pitchFamily="34" charset="0"/>
         <a:buChar char="•"/>
-        <a:defRPr sz="1800" kern="1200">
+        <a:defRPr sz="1600" kern="1200">
           <a:solidFill>
             <a:schemeClr val="tx1"/>
           </a:solidFill>
@@ -2773,7 +5586,7 @@
         </a:spcBef>
         <a:buFont typeface="Arial" panose="020B0604020202020204" pitchFamily="34" charset="0"/>
         <a:buChar char="•"/>
-        <a:defRPr sz="1800" kern="1200">
+        <a:defRPr sz="1600" kern="1200">
           <a:solidFill>
             <a:schemeClr val="tx1"/>
           </a:solidFill>
@@ -2791,7 +5604,7 @@
         </a:spcBef>
         <a:buFont typeface="Arial" panose="020B0604020202020204" pitchFamily="34" charset="0"/>
         <a:buChar char="•"/>
-        <a:defRPr sz="1800" kern="1200">
+        <a:defRPr sz="1600" kern="1200">
           <a:solidFill>
             <a:schemeClr val="tx1"/>
           </a:solidFill>
@@ -2809,7 +5622,7 @@
         </a:spcBef>
         <a:buFont typeface="Arial" panose="020B0604020202020204" pitchFamily="34" charset="0"/>
         <a:buChar char="•"/>
-        <a:defRPr sz="1800" kern="1200">
+        <a:defRPr sz="1600" kern="1200">
           <a:solidFill>
             <a:schemeClr val="tx1"/>
           </a:solidFill>
@@ -2827,7 +5640,7 @@
         </a:spcBef>
         <a:buFont typeface="Arial" panose="020B0604020202020204" pitchFamily="34" charset="0"/>
         <a:buChar char="•"/>
-        <a:defRPr sz="1800" kern="1200">
+        <a:defRPr sz="1600" kern="1200">
           <a:solidFill>
             <a:schemeClr val="tx1"/>
           </a:solidFill>
@@ -2839,7 +5652,7 @@
     </p:bodyStyle>
     <p:otherStyle>
       <a:defPPr>
-        <a:defRPr lang="nl-NL"/>
+        <a:defRPr lang="en-US"/>
       </a:defPPr>
       <a:lvl1pPr marL="0" algn="l" defTabSz="914400" rtl="0" eaLnBrk="1" latinLnBrk="0" hangingPunct="1">
         <a:defRPr sz="1800" kern="1200">
@@ -2965,60 +5778,70 @@
         </p:nvSpPr>
         <p:spPr/>
         <p:txBody>
-          <a:bodyPr/>
-          <a:lstStyle/>
-          <a:p>
-            <a:r>
-              <a:rPr lang="nl-NL" smtClean="0"/>
-              <a:t>Vorming van Planeten</a:t>
-            </a:r>
-            <a:br>
-              <a:rPr lang="nl-NL" smtClean="0"/>
-            </a:br>
-            <a:endParaRPr lang="nl-NL"/>
-          </a:p>
-        </p:txBody>
-      </p:sp>
-      <p:sp>
-        <p:nvSpPr>
-          <p:cNvPr id="3" name="Ondertitel 2"/>
-          <p:cNvSpPr>
-            <a:spLocks noGrp="1"/>
-          </p:cNvSpPr>
-          <p:nvPr>
-            <p:ph type="subTitle" idx="1"/>
-          </p:nvPr>
-        </p:nvSpPr>
-        <p:spPr/>
-        <p:txBody>
           <a:bodyPr>
-            <a:normAutofit lnSpcReduction="10000"/>
+            <a:normAutofit fontScale="90000"/>
           </a:bodyPr>
           <a:lstStyle/>
           <a:p>
             <a:r>
-              <a:rPr lang="nl-NL" smtClean="0"/>
+              <a:rPr lang="nl-NL" dirty="0"/>
+              <a:t>Vorming van Planeten</a:t>
+            </a:r>
+            <a:br>
+              <a:rPr lang="nl-NL" dirty="0"/>
+            </a:br>
+            <a:endParaRPr lang="nl-NL" dirty="0"/>
+          </a:p>
+        </p:txBody>
+      </p:sp>
+      <p:sp>
+        <p:nvSpPr>
+          <p:cNvPr id="3" name="Ondertitel 2"/>
+          <p:cNvSpPr>
+            <a:spLocks noGrp="1"/>
+          </p:cNvSpPr>
+          <p:nvPr>
+            <p:ph type="subTitle" idx="1"/>
+          </p:nvPr>
+        </p:nvSpPr>
+        <p:spPr>
+          <a:xfrm>
+            <a:off x="1371600" y="3632200"/>
+            <a:ext cx="9448800" cy="1335725"/>
+          </a:xfrm>
+        </p:spPr>
+        <p:txBody>
+          <a:bodyPr>
+            <a:normAutofit fontScale="92500" lnSpcReduction="20000"/>
+          </a:bodyPr>
+          <a:lstStyle/>
+          <a:p>
+            <a:r>
+              <a:rPr lang="nl-NL" dirty="0"/>
               <a:t>Casper Barendrecht</a:t>
             </a:r>
           </a:p>
           <a:p>
             <a:r>
-              <a:rPr lang="nl-NL" smtClean="0"/>
+              <a:rPr lang="nl-NL" dirty="0"/>
               <a:t>Guanyu Jin</a:t>
             </a:r>
           </a:p>
           <a:p>
             <a:r>
-              <a:rPr lang="nl-NL" smtClean="0"/>
+              <a:rPr lang="nl-NL" dirty="0"/>
               <a:t>Stijn Moerman</a:t>
             </a:r>
           </a:p>
           <a:p>
             <a:r>
-              <a:rPr lang="nl-NL" smtClean="0"/>
-              <a:t>Nand Snijder</a:t>
-            </a:r>
-            <a:endParaRPr lang="nl-NL"/>
+              <a:rPr lang="nl-NL" dirty="0" err="1"/>
+              <a:t>Nand</a:t>
+            </a:r>
+            <a:r>
+              <a:rPr lang="nl-NL" dirty="0"/>
+              <a:t> Snijder</a:t>
+            </a:r>
           </a:p>
         </p:txBody>
       </p:sp>
@@ -3068,10 +5891,9 @@
           <a:lstStyle/>
           <a:p>
             <a:r>
-              <a:rPr lang="nl-NL" smtClean="0"/>
+              <a:rPr lang="nl-NL"/>
               <a:t>Conclusie</a:t>
             </a:r>
-            <a:endParaRPr lang="nl-NL"/>
           </a:p>
         </p:txBody>
       </p:sp>
@@ -3104,13 +5926,6 @@
   <p:clrMapOvr>
     <a:masterClrMapping/>
   </p:clrMapOvr>
-  <p:timing>
-    <p:tnLst>
-      <p:par>
-        <p:cTn id="1" dur="indefinite" restart="never" nodeType="tmRoot"/>
-      </p:par>
-    </p:tnLst>
-  </p:timing>
 </p:sld>
 </file>
 
@@ -3147,10 +5962,9 @@
           <a:lstStyle/>
           <a:p>
             <a:r>
-              <a:rPr lang="nl-NL" smtClean="0"/>
+              <a:rPr lang="nl-NL"/>
               <a:t>Bedankt voor jullie aandacht</a:t>
             </a:r>
-            <a:endParaRPr lang="nl-NL"/>
           </a:p>
         </p:txBody>
       </p:sp>
@@ -3219,10 +6033,9 @@
           <a:lstStyle/>
           <a:p>
             <a:r>
-              <a:rPr lang="nl-NL" smtClean="0"/>
+              <a:rPr lang="nl-NL"/>
               <a:t>Ontstaan van zonnestelsel</a:t>
             </a:r>
-            <a:endParaRPr lang="nl-NL"/>
           </a:p>
         </p:txBody>
       </p:sp>
@@ -3242,19 +6055,19 @@
           <a:lstStyle/>
           <a:p>
             <a:r>
-              <a:rPr lang="nl-NL" smtClean="0"/>
+              <a:rPr lang="nl-NL"/>
               <a:t>Grote wolk</a:t>
             </a:r>
           </a:p>
           <a:p>
             <a:r>
-              <a:rPr lang="nl-NL" smtClean="0"/>
+              <a:rPr lang="nl-NL"/>
               <a:t>Samenklonteren van kleine hemellichamen</a:t>
             </a:r>
           </a:p>
           <a:p>
             <a:r>
-              <a:rPr lang="nl-NL" smtClean="0"/>
+              <a:rPr lang="nl-NL"/>
               <a:t>Ontstaan planeten</a:t>
             </a:r>
           </a:p>
@@ -3262,13 +6075,13 @@
             <a:endParaRPr lang="nl-NL"/>
           </a:p>
           <a:p>
-            <a:endParaRPr lang="nl-NL" smtClean="0"/>
-          </a:p>
-          <a:p>
             <a:endParaRPr lang="nl-NL"/>
           </a:p>
           <a:p>
-            <a:endParaRPr lang="nl-NL" smtClean="0"/>
+            <a:endParaRPr lang="nl-NL"/>
+          </a:p>
+          <a:p>
+            <a:endParaRPr lang="nl-NL"/>
           </a:p>
           <a:p>
             <a:endParaRPr lang="nl-NL"/>
@@ -3321,10 +6134,9 @@
           <a:lstStyle/>
           <a:p>
             <a:r>
-              <a:rPr lang="nl-NL" smtClean="0"/>
+              <a:rPr lang="nl-NL"/>
               <a:t>Onderzoeksdoel</a:t>
             </a:r>
-            <a:endParaRPr lang="nl-NL"/>
           </a:p>
         </p:txBody>
       </p:sp>
@@ -3344,19 +6156,19 @@
           <a:lstStyle/>
           <a:p>
             <a:r>
-              <a:rPr lang="nl-NL" smtClean="0"/>
+              <a:rPr lang="nl-NL"/>
               <a:t>Verloop aantal planeten</a:t>
             </a:r>
           </a:p>
           <a:p>
             <a:r>
-              <a:rPr lang="nl-NL" smtClean="0"/>
+              <a:rPr lang="nl-NL"/>
               <a:t>Invloed aantal begindeeltjes</a:t>
             </a:r>
           </a:p>
           <a:p>
             <a:r>
-              <a:rPr lang="nl-NL" smtClean="0"/>
+              <a:rPr lang="nl-NL"/>
               <a:t>Definitie planeten: deeltjes minstens zo zwaar als Mercurius</a:t>
             </a:r>
           </a:p>
@@ -3365,18 +6177,18 @@
           </a:p>
           <a:p>
             <a:r>
-              <a:rPr lang="nl-NL" smtClean="0"/>
+              <a:rPr lang="nl-NL"/>
               <a:t>Snelheid programma optimaliseren</a:t>
             </a:r>
           </a:p>
           <a:p>
             <a:r>
-              <a:rPr lang="nl-NL" smtClean="0"/>
+              <a:rPr lang="nl-NL"/>
               <a:t>Nauwkeurigheid model onderzoeken</a:t>
             </a:r>
           </a:p>
           <a:p>
-            <a:endParaRPr lang="nl-NL" smtClean="0"/>
+            <a:endParaRPr lang="nl-NL"/>
           </a:p>
           <a:p>
             <a:endParaRPr lang="nl-NL"/>
@@ -3429,15 +6241,14 @@
           <a:lstStyle/>
           <a:p>
             <a:r>
-              <a:rPr lang="nl-NL" smtClean="0"/>
+              <a:rPr lang="nl-NL"/>
               <a:t>Model</a:t>
             </a:r>
-            <a:endParaRPr lang="nl-NL"/>
-          </a:p>
-        </p:txBody>
-      </p:sp>
-      <mc:AlternateContent xmlns:mc="http://schemas.openxmlformats.org/markup-compatibility/2006">
-        <mc:Choice xmlns:a14="http://schemas.microsoft.com/office/drawing/2010/main" Requires="a14">
+          </a:p>
+        </p:txBody>
+      </p:sp>
+      <mc:AlternateContent xmlns:mc="http://schemas.openxmlformats.org/markup-compatibility/2006" xmlns:a14="http://schemas.microsoft.com/office/drawing/2010/main">
+        <mc:Choice Requires="a14">
           <p:sp>
             <p:nvSpPr>
               <p:cNvPr id="3" name="Tijdelijke aanduiding voor inhoud 2"/>
@@ -3456,7 +6267,7 @@
               <a:lstStyle/>
               <a:p>
                 <a:r>
-                  <a:rPr lang="nl-NL" smtClean="0"/>
+                  <a:rPr lang="nl-NL"/>
                   <a:t>Integratie versnelling:</a:t>
                 </a:r>
               </a:p>
@@ -3468,7 +6279,7 @@
                       <m:fPr>
                         <m:ctrlPr>
                           <a:rPr lang="nl-NL" sz="3200" i="1" smtClean="0">
-                            <a:latin typeface="Cambria Math"/>
+                            <a:latin typeface="Cambria Math" panose="02040503050406030204" pitchFamily="18" charset="0"/>
                           </a:rPr>
                         </m:ctrlPr>
                       </m:fPr>
@@ -3477,7 +6288,7 @@
                           <m:sSupPr>
                             <m:ctrlPr>
                               <a:rPr lang="nl-NL" sz="3200" i="1" smtClean="0">
-                                <a:latin typeface="Cambria Math"/>
+                                <a:latin typeface="Cambria Math" panose="02040503050406030204" pitchFamily="18" charset="0"/>
                               </a:rPr>
                             </m:ctrlPr>
                           </m:sSupPr>
@@ -3503,7 +6314,7 @@
                             <m:chr m:val="⃗"/>
                             <m:ctrlPr>
                               <a:rPr lang="nl-NL" sz="3200" i="1" smtClean="0">
-                                <a:latin typeface="Cambria Math"/>
+                                <a:latin typeface="Cambria Math" panose="02040503050406030204" pitchFamily="18" charset="0"/>
                               </a:rPr>
                             </m:ctrlPr>
                           </m:accPr>
@@ -3512,7 +6323,7 @@
                               <m:sSubPr>
                                 <m:ctrlPr>
                                   <a:rPr lang="nl-NL" sz="3200" i="1" smtClean="0">
-                                    <a:latin typeface="Cambria Math"/>
+                                    <a:latin typeface="Cambria Math" panose="02040503050406030204" pitchFamily="18" charset="0"/>
                                   </a:rPr>
                                 </m:ctrlPr>
                               </m:sSubPr>
@@ -3547,7 +6358,7 @@
                           <m:sSupPr>
                             <m:ctrlPr>
                               <a:rPr lang="nl-NL" sz="3200" b="0" i="1" smtClean="0">
-                                <a:latin typeface="Cambria Math"/>
+                                <a:latin typeface="Cambria Math" panose="02040503050406030204" pitchFamily="18" charset="0"/>
                               </a:rPr>
                             </m:ctrlPr>
                           </m:sSupPr>
@@ -3588,7 +6399,7 @@
                         <m:supHide m:val="on"/>
                         <m:ctrlPr>
                           <a:rPr lang="nl-NL" sz="3200" b="0" i="1" smtClean="0">
-                            <a:latin typeface="Cambria Math"/>
+                            <a:latin typeface="Cambria Math" panose="02040503050406030204" pitchFamily="18" charset="0"/>
                           </a:rPr>
                         </m:ctrlPr>
                       </m:naryPr>
@@ -3623,7 +6434,7 @@
                           <m:sSubPr>
                             <m:ctrlPr>
                               <a:rPr lang="nl-NL" sz="3200" b="0" i="1" smtClean="0">
-                                <a:latin typeface="Cambria Math"/>
+                                <a:latin typeface="Cambria Math" panose="02040503050406030204" pitchFamily="18" charset="0"/>
                               </a:rPr>
                             </m:ctrlPr>
                           </m:sSubPr>
@@ -3648,7 +6459,7 @@
                           <m:fPr>
                             <m:ctrlPr>
                               <a:rPr lang="nl-NL" sz="3200" b="0" i="1" smtClean="0">
-                                <a:latin typeface="Cambria Math"/>
+                                <a:latin typeface="Cambria Math" panose="02040503050406030204" pitchFamily="18" charset="0"/>
                               </a:rPr>
                             </m:ctrlPr>
                           </m:fPr>
@@ -3658,7 +6469,7 @@
                                 <m:chr m:val="⃗"/>
                                 <m:ctrlPr>
                                   <a:rPr lang="nl-NL" sz="3200" b="0" i="1" smtClean="0">
-                                    <a:latin typeface="Cambria Math"/>
+                                    <a:latin typeface="Cambria Math" panose="02040503050406030204" pitchFamily="18" charset="0"/>
                                   </a:rPr>
                                 </m:ctrlPr>
                               </m:accPr>
@@ -3667,7 +6478,7 @@
                                   <m:sSubPr>
                                     <m:ctrlPr>
                                       <a:rPr lang="nl-NL" sz="3200" b="0" i="1" smtClean="0">
-                                        <a:latin typeface="Cambria Math"/>
+                                        <a:latin typeface="Cambria Math" panose="02040503050406030204" pitchFamily="18" charset="0"/>
                                       </a:rPr>
                                     </m:ctrlPr>
                                   </m:sSubPr>
@@ -3701,7 +6512,7 @@
                                 <m:chr m:val="⃗"/>
                                 <m:ctrlPr>
                                   <a:rPr lang="nl-NL" sz="3200" i="1">
-                                    <a:latin typeface="Cambria Math"/>
+                                    <a:latin typeface="Cambria Math" panose="02040503050406030204" pitchFamily="18" charset="0"/>
                                   </a:rPr>
                                 </m:ctrlPr>
                               </m:accPr>
@@ -3710,7 +6521,7 @@
                                   <m:sSubPr>
                                     <m:ctrlPr>
                                       <a:rPr lang="nl-NL" sz="3200" i="1">
-                                        <a:latin typeface="Cambria Math"/>
+                                        <a:latin typeface="Cambria Math" panose="02040503050406030204" pitchFamily="18" charset="0"/>
                                       </a:rPr>
                                     </m:ctrlPr>
                                   </m:sSubPr>
@@ -3739,7 +6550,7 @@
                               <m:sSupPr>
                                 <m:ctrlPr>
                                   <a:rPr lang="nl-NL" sz="3200" b="0" i="1" smtClean="0">
-                                    <a:latin typeface="Cambria Math"/>
+                                    <a:latin typeface="Cambria Math" panose="02040503050406030204" pitchFamily="18" charset="0"/>
                                   </a:rPr>
                                 </m:ctrlPr>
                               </m:sSupPr>
@@ -3755,7 +6566,7 @@
                                     <m:chr m:val="⃗"/>
                                     <m:ctrlPr>
                                       <a:rPr lang="nl-NL" sz="3200" i="1">
-                                        <a:latin typeface="Cambria Math"/>
+                                        <a:latin typeface="Cambria Math" panose="02040503050406030204" pitchFamily="18" charset="0"/>
                                       </a:rPr>
                                     </m:ctrlPr>
                                   </m:accPr>
@@ -3764,7 +6575,7 @@
                                       <m:sSubPr>
                                         <m:ctrlPr>
                                           <a:rPr lang="nl-NL" sz="3200" i="1" smtClean="0">
-                                            <a:latin typeface="Cambria Math"/>
+                                            <a:latin typeface="Cambria Math" panose="02040503050406030204" pitchFamily="18" charset="0"/>
                                           </a:rPr>
                                         </m:ctrlPr>
                                       </m:sSubPr>
@@ -3798,7 +6609,7 @@
                                     <m:chr m:val="⃗"/>
                                     <m:ctrlPr>
                                       <a:rPr lang="nl-NL" sz="3200" i="1">
-                                        <a:latin typeface="Cambria Math"/>
+                                        <a:latin typeface="Cambria Math" panose="02040503050406030204" pitchFamily="18" charset="0"/>
                                       </a:rPr>
                                     </m:ctrlPr>
                                   </m:accPr>
@@ -3807,7 +6618,7 @@
                                       <m:sSubPr>
                                         <m:ctrlPr>
                                           <a:rPr lang="nl-NL" sz="3200" i="1">
-                                            <a:latin typeface="Cambria Math"/>
+                                            <a:latin typeface="Cambria Math" panose="02040503050406030204" pitchFamily="18" charset="0"/>
                                           </a:rPr>
                                         </m:ctrlPr>
                                       </m:sSubPr>
@@ -3852,60 +6663,59 @@
                     </m:nary>
                   </m:oMath>
                 </a14:m>
-                <a:endParaRPr lang="nl-NL" sz="3200" smtClean="0"/>
+                <a:endParaRPr lang="nl-NL" sz="3200"/>
               </a:p>
               <a:p>
                 <a:pPr lvl="1"/>
                 <a:r>
-                  <a:rPr lang="nl-NL" smtClean="0"/>
+                  <a:rPr lang="nl-NL"/>
                   <a:t>Leapfrog</a:t>
                 </a:r>
               </a:p>
               <a:p>
                 <a:r>
-                  <a:rPr lang="nl-NL" smtClean="0"/>
+                  <a:rPr lang="nl-NL"/>
                   <a:t>Botsing</a:t>
                 </a:r>
               </a:p>
               <a:p>
                 <a:pPr lvl="1"/>
                 <a:r>
-                  <a:rPr lang="nl-NL" smtClean="0"/>
+                  <a:rPr lang="nl-NL"/>
                   <a:t>Perfect inelastische botsing (impulsbehoud)</a:t>
                 </a:r>
               </a:p>
               <a:p>
                 <a:r>
-                  <a:rPr lang="nl-NL" smtClean="0"/>
+                  <a:rPr lang="nl-NL"/>
                   <a:t>Begincondities</a:t>
                 </a:r>
               </a:p>
               <a:p>
                 <a:pPr lvl="1"/>
                 <a:r>
-                  <a:rPr lang="nl-NL" smtClean="0"/>
+                  <a:rPr lang="nl-NL"/>
                   <a:t>Gas- &amp; Rotsachtige planeten</a:t>
                 </a:r>
               </a:p>
               <a:p>
                 <a:pPr lvl="1"/>
                 <a:r>
-                  <a:rPr lang="nl-NL" smtClean="0"/>
+                  <a:rPr lang="nl-NL"/>
                   <a:t>Beginmassa</a:t>
                 </a:r>
               </a:p>
               <a:p>
                 <a:pPr lvl="1"/>
                 <a:r>
-                  <a:rPr lang="nl-NL" smtClean="0"/>
+                  <a:rPr lang="nl-NL"/>
                   <a:t>Aantal deeltjes</a:t>
                 </a:r>
-                <a:endParaRPr lang="nl-NL"/>
               </a:p>
             </p:txBody>
           </p:sp>
         </mc:Choice>
-        <mc:Fallback>
+        <mc:Fallback xmlns="">
           <p:sp>
             <p:nvSpPr>
               <p:cNvPr id="3" name="Tijdelijke aanduiding voor inhoud 2"/>
@@ -3985,15 +6795,14 @@
           <a:lstStyle/>
           <a:p>
             <a:r>
-              <a:rPr lang="nl-NL" smtClean="0"/>
+              <a:rPr lang="nl-NL"/>
               <a:t>Leapfrog</a:t>
             </a:r>
-            <a:endParaRPr lang="nl-NL"/>
-          </a:p>
-        </p:txBody>
-      </p:sp>
-      <mc:AlternateContent xmlns:mc="http://schemas.openxmlformats.org/markup-compatibility/2006">
-        <mc:Choice xmlns:a14="http://schemas.microsoft.com/office/drawing/2010/main" Requires="a14">
+          </a:p>
+        </p:txBody>
+      </p:sp>
+      <mc:AlternateContent xmlns:mc="http://schemas.openxmlformats.org/markup-compatibility/2006" xmlns:a14="http://schemas.microsoft.com/office/drawing/2010/main">
+        <mc:Choice Requires="a14">
           <p:sp>
             <p:nvSpPr>
               <p:cNvPr id="3" name="Tijdelijke aanduiding voor inhoud 2"/>
@@ -4010,33 +6819,33 @@
               <a:lstStyle/>
               <a:p>
                 <a:r>
-                  <a:rPr lang="nl-NL" smtClean="0"/>
+                  <a:rPr lang="nl-NL"/>
                   <a:t>Handig voor mechanische systemen</a:t>
                 </a:r>
               </a:p>
               <a:p>
                 <a:pPr lvl="1"/>
                 <a:r>
-                  <a:rPr lang="nl-NL" smtClean="0"/>
+                  <a:rPr lang="nl-NL"/>
                   <a:t>Maakt gebruik van versnelling</a:t>
                 </a:r>
               </a:p>
               <a:p>
                 <a:r>
-                  <a:rPr lang="nl-NL" smtClean="0"/>
+                  <a:rPr lang="nl-NL"/>
                   <a:t>Stabiel voor oscillaties</a:t>
                 </a:r>
               </a:p>
               <a:p>
                 <a:pPr lvl="1"/>
                 <a:r>
-                  <a:rPr lang="nl-NL" smtClean="0"/>
+                  <a:rPr lang="nl-NL"/>
                   <a:t>Dus ook voor cirkelbewegingen</a:t>
                 </a:r>
               </a:p>
               <a:p>
                 <a:r>
-                  <a:rPr lang="nl-NL" smtClean="0"/>
+                  <a:rPr lang="nl-NL"/>
                   <a:t>Formule:</a:t>
                 </a:r>
               </a:p>
@@ -4048,7 +6857,7 @@
                       <m:sSubPr>
                         <m:ctrlPr>
                           <a:rPr lang="nl-NL" i="1" smtClean="0">
-                            <a:latin typeface="Cambria Math"/>
+                            <a:latin typeface="Cambria Math" panose="02040503050406030204" pitchFamily="18" charset="0"/>
                           </a:rPr>
                         </m:ctrlPr>
                       </m:sSubPr>
@@ -4079,7 +6888,7 @@
                       <m:sSubPr>
                         <m:ctrlPr>
                           <a:rPr lang="nl-NL" i="1">
-                            <a:latin typeface="Cambria Math"/>
+                            <a:latin typeface="Cambria Math" panose="02040503050406030204" pitchFamily="18" charset="0"/>
                           </a:rPr>
                         </m:ctrlPr>
                       </m:sSubPr>
@@ -4120,7 +6929,7 @@
                     </m:r>
                   </m:oMath>
                 </a14:m>
-                <a:endParaRPr lang="nl-NL" b="0" i="1" smtClean="0">
+                <a:endParaRPr lang="nl-NL" b="0" i="1">
                   <a:latin typeface="Cambria Math"/>
                 </a:endParaRPr>
               </a:p>
@@ -4132,7 +6941,7 @@
                       <m:sSubPr>
                         <m:ctrlPr>
                           <a:rPr lang="nl-NL" i="1">
-                            <a:latin typeface="Cambria Math"/>
+                            <a:latin typeface="Cambria Math" panose="02040503050406030204" pitchFamily="18" charset="0"/>
                           </a:rPr>
                         </m:ctrlPr>
                       </m:sSubPr>
@@ -4169,7 +6978,7 @@
                       <m:sSubPr>
                         <m:ctrlPr>
                           <a:rPr lang="nl-NL" i="1">
-                            <a:latin typeface="Cambria Math"/>
+                            <a:latin typeface="Cambria Math" panose="02040503050406030204" pitchFamily="18" charset="0"/>
                           </a:rPr>
                         </m:ctrlPr>
                       </m:sSubPr>
@@ -4206,7 +7015,7 @@
                       <m:sSubPr>
                         <m:ctrlPr>
                           <a:rPr lang="nl-NL" i="1">
-                            <a:latin typeface="Cambria Math"/>
+                            <a:latin typeface="Cambria Math" panose="02040503050406030204" pitchFamily="18" charset="0"/>
                           </a:rPr>
                         </m:ctrlPr>
                       </m:sSubPr>
@@ -4251,7 +7060,7 @@
                     </m:sSub>
                   </m:oMath>
                 </a14:m>
-                <a:endParaRPr lang="nl-NL" smtClean="0"/>
+                <a:endParaRPr lang="nl-NL"/>
               </a:p>
               <a:p>
                 <a:pPr lvl="1"/>
@@ -4261,7 +7070,7 @@
                       <m:sSubPr>
                         <m:ctrlPr>
                           <a:rPr lang="nl-NL" i="1">
-                            <a:latin typeface="Cambria Math"/>
+                            <a:latin typeface="Cambria Math" panose="02040503050406030204" pitchFamily="18" charset="0"/>
                           </a:rPr>
                         </m:ctrlPr>
                       </m:sSubPr>
@@ -4298,7 +7107,7 @@
                       <m:sSubPr>
                         <m:ctrlPr>
                           <a:rPr lang="nl-NL" i="1">
-                            <a:latin typeface="Cambria Math"/>
+                            <a:latin typeface="Cambria Math" panose="02040503050406030204" pitchFamily="18" charset="0"/>
                           </a:rPr>
                         </m:ctrlPr>
                       </m:sSubPr>
@@ -4329,7 +7138,7 @@
                       <m:sSubPr>
                         <m:ctrlPr>
                           <a:rPr lang="nl-NL" i="1">
-                            <a:latin typeface="Cambria Math"/>
+                            <a:latin typeface="Cambria Math" panose="02040503050406030204" pitchFamily="18" charset="0"/>
                           </a:rPr>
                         </m:ctrlPr>
                       </m:sSubPr>
@@ -4383,13 +7192,13 @@
               </a:p>
               <a:p>
                 <a:r>
-                  <a:rPr lang="nl-NL" smtClean="0"/>
+                  <a:rPr lang="nl-NL"/>
                   <a:t>Orde 2</a:t>
                 </a:r>
               </a:p>
               <a:p>
                 <a:pPr lvl="1"/>
-                <a:endParaRPr lang="nl-NL" smtClean="0"/>
+                <a:endParaRPr lang="nl-NL"/>
               </a:p>
               <a:p>
                 <a:pPr marL="457200" lvl="1" indent="0">
@@ -4400,7 +7209,7 @@
             </p:txBody>
           </p:sp>
         </mc:Choice>
-        <mc:Fallback>
+        <mc:Fallback xmlns="">
           <p:sp>
             <p:nvSpPr>
               <p:cNvPr id="3" name="Tijdelijke aanduiding voor inhoud 2"/>
@@ -4480,10 +7289,9 @@
           <a:lstStyle/>
           <a:p>
             <a:r>
-              <a:rPr lang="nl-NL" smtClean="0"/>
+              <a:rPr lang="nl-NL"/>
               <a:t>Barnes-Hut Algoritme</a:t>
             </a:r>
-            <a:endParaRPr lang="nl-NL"/>
           </a:p>
         </p:txBody>
       </p:sp>
@@ -4503,16 +7311,15 @@
           <a:lstStyle/>
           <a:p>
             <a:r>
-              <a:rPr lang="nl-NL" smtClean="0"/>
+              <a:rPr lang="nl-NL"/>
               <a:t>Langzaam model</a:t>
             </a:r>
           </a:p>
           <a:p>
             <a:r>
-              <a:rPr lang="nl-NL" smtClean="0"/>
+              <a:rPr lang="nl-NL"/>
               <a:t>Afschatting </a:t>
             </a:r>
-            <a:endParaRPr lang="nl-NL"/>
           </a:p>
         </p:txBody>
       </p:sp>
@@ -4526,13 +7333,6 @@
   <p:clrMapOvr>
     <a:masterClrMapping/>
   </p:clrMapOvr>
-  <p:timing>
-    <p:tnLst>
-      <p:par>
-        <p:cTn id="1" dur="indefinite" restart="never" nodeType="tmRoot"/>
-      </p:par>
-    </p:tnLst>
-  </p:timing>
 </p:sld>
 </file>
 
@@ -4561,7 +7361,7 @@
           </p:cNvPicPr>
           <p:nvPr/>
         </p:nvPicPr>
-        <p:blipFill>
+        <p:blipFill rotWithShape="1">
           <a:blip r:embed="rId2">
             <a:extLst>
               <a:ext uri="{28A0092B-C50C-407E-A947-70E740481C1C}">
@@ -4569,15 +7369,13 @@
               </a:ext>
             </a:extLst>
           </a:blip>
-          <a:srcRect/>
-          <a:stretch>
-            <a:fillRect/>
-          </a:stretch>
+          <a:srcRect l="7715"/>
+          <a:stretch/>
         </p:blipFill>
         <p:spPr bwMode="auto">
           <a:xfrm>
-            <a:off x="2458658" y="848396"/>
-            <a:ext cx="8820150" cy="5829300"/>
+            <a:off x="2290715" y="1136307"/>
+            <a:ext cx="8290513" cy="5937317"/>
           </a:xfrm>
           <a:prstGeom prst="rect">
             <a:avLst/>
@@ -4610,29 +7408,9 @@
           <a:lstStyle/>
           <a:p>
             <a:r>
-              <a:rPr lang="nl-NL" smtClean="0"/>
+              <a:rPr lang="nl-NL"/>
               <a:t>Resultaten</a:t>
             </a:r>
-            <a:endParaRPr lang="nl-NL"/>
-          </a:p>
-        </p:txBody>
-      </p:sp>
-      <p:sp>
-        <p:nvSpPr>
-          <p:cNvPr id="5" name="Tijdelijke aanduiding voor inhoud 4"/>
-          <p:cNvSpPr>
-            <a:spLocks noGrp="1"/>
-          </p:cNvSpPr>
-          <p:nvPr>
-            <p:ph idx="1"/>
-          </p:nvPr>
-        </p:nvSpPr>
-        <p:spPr/>
-        <p:txBody>
-          <a:bodyPr/>
-          <a:lstStyle/>
-          <a:p>
-            <a:endParaRPr lang="nl-NL"/>
           </a:p>
         </p:txBody>
       </p:sp>
@@ -4646,13 +7424,6 @@
   <p:clrMapOvr>
     <a:masterClrMapping/>
   </p:clrMapOvr>
-  <p:timing>
-    <p:tnLst>
-      <p:par>
-        <p:cTn id="1" dur="indefinite" restart="never" nodeType="tmRoot"/>
-      </p:par>
-    </p:tnLst>
-  </p:timing>
 </p:sld>
 </file>
 
@@ -4689,10 +7460,9 @@
           <a:lstStyle/>
           <a:p>
             <a:r>
-              <a:rPr lang="nl-NL" smtClean="0"/>
+              <a:rPr lang="nl-NL"/>
               <a:t>Nauwkeurigheid model</a:t>
             </a:r>
-            <a:endParaRPr lang="nl-NL"/>
           </a:p>
         </p:txBody>
       </p:sp>
@@ -4712,20 +7482,24 @@
           <a:lstStyle/>
           <a:p>
             <a:r>
-              <a:rPr lang="nl-NL" smtClean="0"/>
+              <a:rPr lang="nl-NL" dirty="0"/>
               <a:t>Analyse voor N=2</a:t>
             </a:r>
           </a:p>
           <a:p>
             <a:r>
-              <a:rPr lang="nl-NL" smtClean="0"/>
+              <a:rPr lang="nl-NL" dirty="0"/>
               <a:t>Behoud van energie</a:t>
             </a:r>
           </a:p>
           <a:p>
             <a:r>
-              <a:rPr lang="nl-NL" smtClean="0"/>
-              <a:t>Richardson Extrapolatie</a:t>
+              <a:rPr lang="nl-NL" dirty="0" err="1"/>
+              <a:t>Richardson</a:t>
+            </a:r>
+            <a:r>
+              <a:rPr lang="nl-NL" dirty="0"/>
+              <a:t> Extrapolatie</a:t>
             </a:r>
           </a:p>
         </p:txBody>
@@ -4740,13 +7514,6 @@
   <p:clrMapOvr>
     <a:masterClrMapping/>
   </p:clrMapOvr>
-  <p:timing>
-    <p:tnLst>
-      <p:par>
-        <p:cTn id="1" dur="indefinite" restart="never" nodeType="tmRoot"/>
-      </p:par>
-    </p:tnLst>
-  </p:timing>
 </p:sld>
 </file>
 
@@ -4767,6 +7534,28 @@
           <a:chExt cx="0" cy="0"/>
         </a:xfrm>
       </p:grpSpPr>
+      <p:sp>
+        <p:nvSpPr>
+          <p:cNvPr id="2" name="Titel 1"/>
+          <p:cNvSpPr>
+            <a:spLocks noGrp="1"/>
+          </p:cNvSpPr>
+          <p:nvPr>
+            <p:ph type="title"/>
+          </p:nvPr>
+        </p:nvSpPr>
+        <p:spPr/>
+        <p:txBody>
+          <a:bodyPr/>
+          <a:lstStyle/>
+          <a:p>
+            <a:r>
+              <a:rPr lang="nl-NL"/>
+              <a:t>Nauwkeurigheid model</a:t>
+            </a:r>
+          </a:p>
+        </p:txBody>
+      </p:sp>
       <p:pic>
         <p:nvPicPr>
           <p:cNvPr id="4" name="Tijdelijke aanduiding voor inhoud 3"/>
@@ -4791,36 +7580,13 @@
         </p:blipFill>
         <p:spPr>
           <a:xfrm>
-            <a:off x="5819064" y="631056"/>
+            <a:off x="6031596" y="1825625"/>
             <a:ext cx="5512312" cy="4644377"/>
           </a:xfrm>
         </p:spPr>
       </p:pic>
       <p:sp>
         <p:nvSpPr>
-          <p:cNvPr id="2" name="Titel 1"/>
-          <p:cNvSpPr>
-            <a:spLocks noGrp="1"/>
-          </p:cNvSpPr>
-          <p:nvPr>
-            <p:ph type="title"/>
-          </p:nvPr>
-        </p:nvSpPr>
-        <p:spPr/>
-        <p:txBody>
-          <a:bodyPr/>
-          <a:lstStyle/>
-          <a:p>
-            <a:r>
-              <a:rPr lang="nl-NL" smtClean="0"/>
-              <a:t>Nauwkeurigheid model</a:t>
-            </a:r>
-            <a:endParaRPr lang="nl-NL"/>
-          </a:p>
-        </p:txBody>
-      </p:sp>
-      <p:sp>
-        <p:nvSpPr>
           <p:cNvPr id="5" name="Tijdelijke aanduiding voor inhoud 2"/>
           <p:cNvSpPr txBox="1">
             <a:spLocks/>
@@ -4829,7 +7595,7 @@
         </p:nvSpPr>
         <p:spPr>
           <a:xfrm>
-            <a:off x="838200" y="1825625"/>
+            <a:off x="470554" y="1835052"/>
             <a:ext cx="5408054" cy="4351338"/>
           </a:xfrm>
           <a:prstGeom prst="rect">
@@ -5005,22 +7771,7 @@
             </a:lvl9pPr>
           </a:lstStyle>
           <a:p>
-            <a:r>
-              <a:rPr lang="nl-NL" smtClean="0"/>
-              <a:t>Planeten minder dan 1AU onnauwkeurig </a:t>
-            </a:r>
-          </a:p>
-          <a:p>
-            <a:r>
-              <a:rPr lang="nl-NL" smtClean="0"/>
-              <a:t>Omlooptijd te kort voor dt=1 maand</a:t>
-            </a:r>
-          </a:p>
-          <a:p>
-            <a:r>
-              <a:rPr lang="nl-NL" smtClean="0"/>
-              <a:t>Energie niet behouden</a:t>
-            </a:r>
+            <a:endParaRPr lang="nl-NL" sz="2200" dirty="0"/>
           </a:p>
         </p:txBody>
       </p:sp>
@@ -5033,14 +7784,14 @@
           <p:nvPr>
             <p:extLst>
               <p:ext uri="{D42A27DB-BD31-4B8C-83A1-F6EECF244321}">
-                <p14:modId xmlns:p14="http://schemas.microsoft.com/office/powerpoint/2010/main" val="3826835587"/>
+                <p14:modId xmlns:p14="http://schemas.microsoft.com/office/powerpoint/2010/main" val="230060398"/>
               </p:ext>
             </p:extLst>
           </p:nvPr>
         </p:nvGraphicFramePr>
         <p:xfrm>
           <a:off x="447901" y="5640947"/>
-          <a:ext cx="11190312" cy="775236"/>
+          <a:ext cx="11190312" cy="1010920"/>
         </p:xfrm>
         <a:graphic>
           <a:graphicData uri="http://schemas.openxmlformats.org/drawingml/2006/table">
@@ -5049,14 +7800,62 @@
                 <a:tableStyleId>{5C22544A-7EE6-4342-B048-85BDC9FD1C3A}</a:tableStyleId>
               </a:tblPr>
               <a:tblGrid>
-                <a:gridCol w="1398789"/>
-                <a:gridCol w="1398789"/>
-                <a:gridCol w="1398789"/>
-                <a:gridCol w="1398789"/>
-                <a:gridCol w="1398789"/>
-                <a:gridCol w="1398789"/>
-                <a:gridCol w="1398789"/>
-                <a:gridCol w="1398789"/>
+                <a:gridCol w="1398789">
+                  <a:extLst>
+                    <a:ext uri="{9D8B030D-6E8A-4147-A177-3AD203B41FA5}">
+                      <a16:colId xmlns:a16="http://schemas.microsoft.com/office/drawing/2014/main" val="20000"/>
+                    </a:ext>
+                  </a:extLst>
+                </a:gridCol>
+                <a:gridCol w="1398789">
+                  <a:extLst>
+                    <a:ext uri="{9D8B030D-6E8A-4147-A177-3AD203B41FA5}">
+                      <a16:colId xmlns:a16="http://schemas.microsoft.com/office/drawing/2014/main" val="20001"/>
+                    </a:ext>
+                  </a:extLst>
+                </a:gridCol>
+                <a:gridCol w="1398789">
+                  <a:extLst>
+                    <a:ext uri="{9D8B030D-6E8A-4147-A177-3AD203B41FA5}">
+                      <a16:colId xmlns:a16="http://schemas.microsoft.com/office/drawing/2014/main" val="20002"/>
+                    </a:ext>
+                  </a:extLst>
+                </a:gridCol>
+                <a:gridCol w="1398789">
+                  <a:extLst>
+                    <a:ext uri="{9D8B030D-6E8A-4147-A177-3AD203B41FA5}">
+                      <a16:colId xmlns:a16="http://schemas.microsoft.com/office/drawing/2014/main" val="20003"/>
+                    </a:ext>
+                  </a:extLst>
+                </a:gridCol>
+                <a:gridCol w="1398789">
+                  <a:extLst>
+                    <a:ext uri="{9D8B030D-6E8A-4147-A177-3AD203B41FA5}">
+                      <a16:colId xmlns:a16="http://schemas.microsoft.com/office/drawing/2014/main" val="20004"/>
+                    </a:ext>
+                  </a:extLst>
+                </a:gridCol>
+                <a:gridCol w="1398789">
+                  <a:extLst>
+                    <a:ext uri="{9D8B030D-6E8A-4147-A177-3AD203B41FA5}">
+                      <a16:colId xmlns:a16="http://schemas.microsoft.com/office/drawing/2014/main" val="20005"/>
+                    </a:ext>
+                  </a:extLst>
+                </a:gridCol>
+                <a:gridCol w="1398789">
+                  <a:extLst>
+                    <a:ext uri="{9D8B030D-6E8A-4147-A177-3AD203B41FA5}">
+                      <a16:colId xmlns:a16="http://schemas.microsoft.com/office/drawing/2014/main" val="20006"/>
+                    </a:ext>
+                  </a:extLst>
+                </a:gridCol>
+                <a:gridCol w="1398789">
+                  <a:extLst>
+                    <a:ext uri="{9D8B030D-6E8A-4147-A177-3AD203B41FA5}">
+                      <a16:colId xmlns:a16="http://schemas.microsoft.com/office/drawing/2014/main" val="20007"/>
+                    </a:ext>
+                  </a:extLst>
+                </a:gridCol>
               </a:tblGrid>
               <a:tr h="404396">
                 <a:tc>
@@ -5066,11 +7865,11 @@
                     <a:p>
                       <a:pPr algn="ctr"/>
                       <a:r>
-                        <a:rPr lang="nl-NL" smtClean="0"/>
+                        <a:rPr lang="nl-NL"/>
                         <a:t>k-de</a:t>
                       </a:r>
                       <a:r>
-                        <a:rPr lang="nl-NL" baseline="0" smtClean="0"/>
+                        <a:rPr lang="nl-NL" baseline="0"/>
                         <a:t> tijdstip</a:t>
                       </a:r>
                       <a:endParaRPr lang="nl-NL"/>
@@ -5085,10 +7884,114 @@
                     <a:p>
                       <a:pPr algn="ctr"/>
                       <a:r>
-                        <a:rPr lang="nl-NL" smtClean="0"/>
+                        <a:rPr lang="nl-NL" dirty="0"/>
                         <a:t>0</a:t>
                       </a:r>
-                      <a:endParaRPr lang="nl-NL"/>
+                    </a:p>
+                  </a:txBody>
+                  <a:tcPr anchor="ctr"/>
+                </a:tc>
+                <a:tc>
+                  <a:txBody>
+                    <a:bodyPr/>
+                    <a:lstStyle/>
+                    <a:p>
+                      <a:pPr algn="ctr"/>
+                      <a:r>
+                        <a:rPr lang="nl-NL" dirty="0"/>
+                        <a:t>20</a:t>
+                      </a:r>
+                    </a:p>
+                  </a:txBody>
+                  <a:tcPr anchor="ctr"/>
+                </a:tc>
+                <a:tc>
+                  <a:txBody>
+                    <a:bodyPr/>
+                    <a:lstStyle/>
+                    <a:p>
+                      <a:pPr algn="ctr"/>
+                      <a:r>
+                        <a:rPr lang="nl-NL" dirty="0"/>
+                        <a:t>40</a:t>
+                      </a:r>
+                    </a:p>
+                  </a:txBody>
+                  <a:tcPr anchor="ctr"/>
+                </a:tc>
+                <a:tc>
+                  <a:txBody>
+                    <a:bodyPr/>
+                    <a:lstStyle/>
+                    <a:p>
+                      <a:pPr algn="ctr"/>
+                      <a:r>
+                        <a:rPr lang="nl-NL" dirty="0"/>
+                        <a:t>60</a:t>
+                      </a:r>
+                    </a:p>
+                  </a:txBody>
+                  <a:tcPr anchor="ctr"/>
+                </a:tc>
+                <a:tc>
+                  <a:txBody>
+                    <a:bodyPr/>
+                    <a:lstStyle/>
+                    <a:p>
+                      <a:pPr algn="ctr"/>
+                      <a:r>
+                        <a:rPr lang="nl-NL" dirty="0"/>
+                        <a:t>80</a:t>
+                      </a:r>
+                    </a:p>
+                  </a:txBody>
+                  <a:tcPr anchor="ctr"/>
+                </a:tc>
+                <a:tc>
+                  <a:txBody>
+                    <a:bodyPr/>
+                    <a:lstStyle/>
+                    <a:p>
+                      <a:pPr algn="ctr"/>
+                      <a:r>
+                        <a:rPr lang="nl-NL" dirty="0"/>
+                        <a:t>100</a:t>
+                      </a:r>
+                    </a:p>
+                  </a:txBody>
+                  <a:tcPr anchor="ctr"/>
+                </a:tc>
+                <a:tc>
+                  <a:txBody>
+                    <a:bodyPr/>
+                    <a:lstStyle/>
+                    <a:p>
+                      <a:pPr algn="ctr"/>
+                      <a:r>
+                        <a:rPr lang="nl-NL" dirty="0"/>
+                        <a:t>120</a:t>
+                      </a:r>
+                    </a:p>
+                  </a:txBody>
+                  <a:tcPr anchor="ctr"/>
+                </a:tc>
+                <a:extLst>
+                  <a:ext uri="{0D108BD9-81ED-4DB2-BD59-A6C34878D82A}">
+                    <a16:rowId xmlns:a16="http://schemas.microsoft.com/office/drawing/2014/main" val="10000"/>
+                  </a:ext>
+                </a:extLst>
+              </a:tr>
+              <a:tr h="370840">
+                <a:tc>
+                  <a:txBody>
+                    <a:bodyPr/>
+                    <a:lstStyle/>
+                    <a:p>
+                      <a:pPr algn="ctr"/>
+                      <a:r>
+                        <a:rPr lang="nl-NL"/>
+                        <a:t>Energie</a:t>
+                      </a:r>
                     </a:p>
                   </a:txBody>
                   <a:tcPr/>
@@ -5100,114 +8003,7 @@
                     <a:p>
                       <a:pPr algn="ctr"/>
                       <a:r>
-                        <a:rPr lang="nl-NL" smtClean="0"/>
-                        <a:t>20</a:t>
-                      </a:r>
-                      <a:endParaRPr lang="nl-NL"/>
-                    </a:p>
-                  </a:txBody>
-                  <a:tcPr anchor="ctr"/>
-                </a:tc>
-                <a:tc>
-                  <a:txBody>
-                    <a:bodyPr/>
-                    <a:lstStyle/>
-                    <a:p>
-                      <a:pPr algn="ctr"/>
-                      <a:r>
-                        <a:rPr lang="nl-NL" smtClean="0"/>
-                        <a:t>40</a:t>
-                      </a:r>
-                      <a:endParaRPr lang="nl-NL"/>
-                    </a:p>
-                  </a:txBody>
-                  <a:tcPr/>
-                </a:tc>
-                <a:tc>
-                  <a:txBody>
-                    <a:bodyPr/>
-                    <a:lstStyle/>
-                    <a:p>
-                      <a:pPr algn="ctr"/>
-                      <a:r>
-                        <a:rPr lang="nl-NL" smtClean="0"/>
-                        <a:t>60</a:t>
-                      </a:r>
-                      <a:endParaRPr lang="nl-NL"/>
-                    </a:p>
-                  </a:txBody>
-                  <a:tcPr/>
-                </a:tc>
-                <a:tc>
-                  <a:txBody>
-                    <a:bodyPr/>
-                    <a:lstStyle/>
-                    <a:p>
-                      <a:pPr algn="ctr"/>
-                      <a:r>
-                        <a:rPr lang="nl-NL" smtClean="0"/>
-                        <a:t>80</a:t>
-                      </a:r>
-                      <a:endParaRPr lang="nl-NL"/>
-                    </a:p>
-                  </a:txBody>
-                  <a:tcPr/>
-                </a:tc>
-                <a:tc>
-                  <a:txBody>
-                    <a:bodyPr/>
-                    <a:lstStyle/>
-                    <a:p>
-                      <a:pPr algn="ctr"/>
-                      <a:r>
-                        <a:rPr lang="nl-NL" smtClean="0"/>
-                        <a:t>100</a:t>
-                      </a:r>
-                      <a:endParaRPr lang="nl-NL"/>
-                    </a:p>
-                  </a:txBody>
-                  <a:tcPr/>
-                </a:tc>
-                <a:tc>
-                  <a:txBody>
-                    <a:bodyPr/>
-                    <a:lstStyle/>
-                    <a:p>
-                      <a:pPr algn="ctr"/>
-                      <a:r>
-                        <a:rPr lang="nl-NL" smtClean="0"/>
-                        <a:t>120</a:t>
-                      </a:r>
-                      <a:endParaRPr lang="nl-NL"/>
-                    </a:p>
-                  </a:txBody>
-                  <a:tcPr/>
-                </a:tc>
-              </a:tr>
-              <a:tr h="370840">
-                <a:tc>
-                  <a:txBody>
-                    <a:bodyPr/>
-                    <a:lstStyle/>
-                    <a:p>
-                      <a:pPr algn="ctr"/>
-                      <a:r>
-                        <a:rPr lang="nl-NL" smtClean="0"/>
-                        <a:t>Energie</a:t>
-                      </a:r>
-                      <a:endParaRPr lang="nl-NL"/>
-                    </a:p>
-                  </a:txBody>
-                  <a:tcPr/>
-                </a:tc>
-                <a:tc>
-                  <a:txBody>
-                    <a:bodyPr/>
-                    <a:lstStyle/>
-                    <a:p>
-                      <a:pPr algn="ctr"/>
-                      <a:r>
-                        <a:rPr lang="nl-NL" sz="1800" b="0" i="0" u="none" strike="noStrike" kern="1200" baseline="0" smtClean="0">
+                        <a:rPr lang="nl-NL" sz="1800" b="0" i="0" u="none" strike="noStrike" kern="1200" baseline="0">
                           <a:solidFill>
                             <a:schemeClr val="dk1"/>
                           </a:solidFill>
@@ -5229,7 +8025,7 @@
                     <a:p>
                       <a:pPr algn="ctr"/>
                       <a:r>
-                        <a:rPr lang="nl-NL" sz="1800" b="0" i="0" u="none" strike="noStrike" kern="1200" baseline="0" smtClean="0">
+                        <a:rPr lang="nl-NL" sz="1800" b="0" i="0" u="none" strike="noStrike" kern="1200" baseline="0">
                           <a:solidFill>
                             <a:schemeClr val="dk1"/>
                           </a:solidFill>
@@ -5251,7 +8047,7 @@
                     <a:p>
                       <a:pPr algn="ctr"/>
                       <a:r>
-                        <a:rPr lang="nl-NL" sz="1800" b="0" i="0" u="none" strike="noStrike" kern="1200" baseline="0" smtClean="0">
+                        <a:rPr lang="nl-NL" sz="1800" b="0" i="0" u="none" strike="noStrike" kern="1200" baseline="0">
                           <a:solidFill>
                             <a:schemeClr val="dk1"/>
                           </a:solidFill>
@@ -5273,7 +8069,7 @@
                     <a:p>
                       <a:pPr algn="ctr"/>
                       <a:r>
-                        <a:rPr lang="nl-NL" sz="1800" b="0" i="0" u="none" strike="noStrike" kern="1200" baseline="0" smtClean="0">
+                        <a:rPr lang="nl-NL" sz="1800" b="0" i="0" u="none" strike="noStrike" kern="1200" baseline="0">
                           <a:solidFill>
                             <a:schemeClr val="dk1"/>
                           </a:solidFill>
@@ -5295,7 +8091,7 @@
                     <a:p>
                       <a:pPr algn="ctr"/>
                       <a:r>
-                        <a:rPr lang="nl-NL" sz="1800" b="0" i="0" u="none" strike="noStrike" kern="1200" baseline="0" smtClean="0">
+                        <a:rPr lang="nl-NL" sz="1800" b="0" i="0" u="none" strike="noStrike" kern="1200" baseline="0">
                           <a:solidFill>
                             <a:schemeClr val="dk1"/>
                           </a:solidFill>
@@ -5317,7 +8113,7 @@
                     <a:p>
                       <a:pPr algn="ctr"/>
                       <a:r>
-                        <a:rPr lang="nl-NL" sz="1800" b="0" i="0" u="none" strike="noStrike" kern="1200" baseline="0" smtClean="0">
+                        <a:rPr lang="nl-NL" sz="1800" b="0" i="0" u="none" strike="noStrike" kern="1200" baseline="0">
                           <a:solidFill>
                             <a:schemeClr val="dk1"/>
                           </a:solidFill>
@@ -5339,7 +8135,7 @@
                     <a:p>
                       <a:pPr algn="ctr"/>
                       <a:r>
-                        <a:rPr lang="nl-NL" sz="1800" b="0" i="0" u="none" strike="noStrike" kern="1200" baseline="0" smtClean="0">
+                        <a:rPr lang="nl-NL" sz="1800" b="0" i="0" u="none" strike="noStrike" kern="1200" baseline="0" dirty="0">
                           <a:solidFill>
                             <a:schemeClr val="dk1"/>
                           </a:solidFill>
@@ -5349,16 +8145,234 @@
                         </a:rPr>
                         <a:t>-0.4080</a:t>
                       </a:r>
-                      <a:endParaRPr lang="nl-NL"/>
+                      <a:endParaRPr lang="nl-NL" dirty="0"/>
                     </a:p>
                   </a:txBody>
                   <a:tcPr/>
                 </a:tc>
+                <a:extLst>
+                  <a:ext uri="{0D108BD9-81ED-4DB2-BD59-A6C34878D82A}">
+                    <a16:rowId xmlns:a16="http://schemas.microsoft.com/office/drawing/2014/main" val="10001"/>
+                  </a:ext>
+                </a:extLst>
               </a:tr>
             </a:tbl>
           </a:graphicData>
         </a:graphic>
       </p:graphicFrame>
+      <p:sp>
+        <p:nvSpPr>
+          <p:cNvPr id="7" name="Tijdelijke aanduiding voor inhoud 2"/>
+          <p:cNvSpPr txBox="1">
+            <a:spLocks/>
+          </p:cNvSpPr>
+          <p:nvPr/>
+        </p:nvSpPr>
+        <p:spPr>
+          <a:xfrm>
+            <a:off x="685800" y="2194560"/>
+            <a:ext cx="10820400" cy="4024125"/>
+          </a:xfrm>
+          <a:prstGeom prst="rect">
+            <a:avLst/>
+          </a:prstGeom>
+        </p:spPr>
+        <p:txBody>
+          <a:bodyPr vert="horz" lIns="91440" tIns="45720" rIns="91440" bIns="45720" rtlCol="0">
+            <a:normAutofit/>
+          </a:bodyPr>
+          <a:lstStyle>
+            <a:lvl1pPr marL="228600" indent="-228600" algn="l" defTabSz="914400" rtl="0" eaLnBrk="1" latinLnBrk="0" hangingPunct="1">
+              <a:lnSpc>
+                <a:spcPct val="90000"/>
+              </a:lnSpc>
+              <a:spcBef>
+                <a:spcPts val="1000"/>
+              </a:spcBef>
+              <a:buFont typeface="Arial" panose="020B0604020202020204" pitchFamily="34" charset="0"/>
+              <a:buChar char="•"/>
+              <a:defRPr sz="2200" kern="1200">
+                <a:solidFill>
+                  <a:schemeClr val="tx1"/>
+                </a:solidFill>
+                <a:latin typeface="+mn-lt"/>
+                <a:ea typeface="+mn-ea"/>
+                <a:cs typeface="+mn-cs"/>
+              </a:defRPr>
+            </a:lvl1pPr>
+            <a:lvl2pPr marL="685800" indent="-228600" algn="l" defTabSz="914400" rtl="0" eaLnBrk="1" latinLnBrk="0" hangingPunct="1">
+              <a:lnSpc>
+                <a:spcPct val="90000"/>
+              </a:lnSpc>
+              <a:spcBef>
+                <a:spcPts val="500"/>
+              </a:spcBef>
+              <a:buFont typeface="Arial" panose="020B0604020202020204" pitchFamily="34" charset="0"/>
+              <a:buChar char="•"/>
+              <a:defRPr sz="2000" kern="1200">
+                <a:solidFill>
+                  <a:schemeClr val="tx1"/>
+                </a:solidFill>
+                <a:latin typeface="+mn-lt"/>
+                <a:ea typeface="+mn-ea"/>
+                <a:cs typeface="+mn-cs"/>
+              </a:defRPr>
+            </a:lvl2pPr>
+            <a:lvl3pPr marL="1143000" indent="-228600" algn="l" defTabSz="914400" rtl="0" eaLnBrk="1" latinLnBrk="0" hangingPunct="1">
+              <a:lnSpc>
+                <a:spcPct val="90000"/>
+              </a:lnSpc>
+              <a:spcBef>
+                <a:spcPts val="500"/>
+              </a:spcBef>
+              <a:buFont typeface="Arial" panose="020B0604020202020204" pitchFamily="34" charset="0"/>
+              <a:buChar char="•"/>
+              <a:defRPr sz="1800" kern="1200">
+                <a:solidFill>
+                  <a:schemeClr val="tx1"/>
+                </a:solidFill>
+                <a:latin typeface="+mn-lt"/>
+                <a:ea typeface="+mn-ea"/>
+                <a:cs typeface="+mn-cs"/>
+              </a:defRPr>
+            </a:lvl3pPr>
+            <a:lvl4pPr marL="1600200" indent="-228600" algn="l" defTabSz="914400" rtl="0" eaLnBrk="1" latinLnBrk="0" hangingPunct="1">
+              <a:lnSpc>
+                <a:spcPct val="90000"/>
+              </a:lnSpc>
+              <a:spcBef>
+                <a:spcPts val="500"/>
+              </a:spcBef>
+              <a:buFont typeface="Arial" panose="020B0604020202020204" pitchFamily="34" charset="0"/>
+              <a:buChar char="•"/>
+              <a:defRPr sz="1600" kern="1200">
+                <a:solidFill>
+                  <a:schemeClr val="tx1"/>
+                </a:solidFill>
+                <a:latin typeface="+mn-lt"/>
+                <a:ea typeface="+mn-ea"/>
+                <a:cs typeface="+mn-cs"/>
+              </a:defRPr>
+            </a:lvl4pPr>
+            <a:lvl5pPr marL="2057400" indent="-228600" algn="l" defTabSz="914400" rtl="0" eaLnBrk="1" latinLnBrk="0" hangingPunct="1">
+              <a:lnSpc>
+                <a:spcPct val="90000"/>
+              </a:lnSpc>
+              <a:spcBef>
+                <a:spcPts val="500"/>
+              </a:spcBef>
+              <a:buFont typeface="Arial" panose="020B0604020202020204" pitchFamily="34" charset="0"/>
+              <a:buChar char="•"/>
+              <a:defRPr sz="1600" kern="1200">
+                <a:solidFill>
+                  <a:schemeClr val="tx1"/>
+                </a:solidFill>
+                <a:latin typeface="+mn-lt"/>
+                <a:ea typeface="+mn-ea"/>
+                <a:cs typeface="+mn-cs"/>
+              </a:defRPr>
+            </a:lvl5pPr>
+            <a:lvl6pPr marL="2514600" indent="-228600" algn="l" defTabSz="914400" rtl="0" eaLnBrk="1" latinLnBrk="0" hangingPunct="1">
+              <a:lnSpc>
+                <a:spcPct val="90000"/>
+              </a:lnSpc>
+              <a:spcBef>
+                <a:spcPts val="500"/>
+              </a:spcBef>
+              <a:buFont typeface="Arial" panose="020B0604020202020204" pitchFamily="34" charset="0"/>
+              <a:buChar char="•"/>
+              <a:defRPr sz="1600" kern="1200">
+                <a:solidFill>
+                  <a:schemeClr val="tx1"/>
+                </a:solidFill>
+                <a:latin typeface="+mn-lt"/>
+                <a:ea typeface="+mn-ea"/>
+                <a:cs typeface="+mn-cs"/>
+              </a:defRPr>
+            </a:lvl6pPr>
+            <a:lvl7pPr marL="2971800" indent="-228600" algn="l" defTabSz="914400" rtl="0" eaLnBrk="1" latinLnBrk="0" hangingPunct="1">
+              <a:lnSpc>
+                <a:spcPct val="90000"/>
+              </a:lnSpc>
+              <a:spcBef>
+                <a:spcPts val="500"/>
+              </a:spcBef>
+              <a:buFont typeface="Arial" panose="020B0604020202020204" pitchFamily="34" charset="0"/>
+              <a:buChar char="•"/>
+              <a:defRPr sz="1600" kern="1200">
+                <a:solidFill>
+                  <a:schemeClr val="tx1"/>
+                </a:solidFill>
+                <a:latin typeface="+mn-lt"/>
+                <a:ea typeface="+mn-ea"/>
+                <a:cs typeface="+mn-cs"/>
+              </a:defRPr>
+            </a:lvl7pPr>
+            <a:lvl8pPr marL="3429000" indent="-228600" algn="l" defTabSz="914400" rtl="0" eaLnBrk="1" latinLnBrk="0" hangingPunct="1">
+              <a:lnSpc>
+                <a:spcPct val="90000"/>
+              </a:lnSpc>
+              <a:spcBef>
+                <a:spcPts val="500"/>
+              </a:spcBef>
+              <a:buFont typeface="Arial" panose="020B0604020202020204" pitchFamily="34" charset="0"/>
+              <a:buChar char="•"/>
+              <a:defRPr sz="1600" kern="1200">
+                <a:solidFill>
+                  <a:schemeClr val="tx1"/>
+                </a:solidFill>
+                <a:latin typeface="+mn-lt"/>
+                <a:ea typeface="+mn-ea"/>
+                <a:cs typeface="+mn-cs"/>
+              </a:defRPr>
+            </a:lvl8pPr>
+            <a:lvl9pPr marL="3886200" indent="-228600" algn="l" defTabSz="914400" rtl="0" eaLnBrk="1" latinLnBrk="0" hangingPunct="1">
+              <a:lnSpc>
+                <a:spcPct val="90000"/>
+              </a:lnSpc>
+              <a:spcBef>
+                <a:spcPts val="500"/>
+              </a:spcBef>
+              <a:buFont typeface="Arial" panose="020B0604020202020204" pitchFamily="34" charset="0"/>
+              <a:buChar char="•"/>
+              <a:defRPr sz="1600" kern="1200">
+                <a:solidFill>
+                  <a:schemeClr val="tx1"/>
+                </a:solidFill>
+                <a:latin typeface="+mn-lt"/>
+                <a:ea typeface="+mn-ea"/>
+                <a:cs typeface="+mn-cs"/>
+              </a:defRPr>
+            </a:lvl9pPr>
+          </a:lstStyle>
+          <a:p>
+            <a:r>
+              <a:rPr lang="nl-NL" dirty="0"/>
+              <a:t>Planeten minder dan 1 AU onnauwkeurig </a:t>
+            </a:r>
+          </a:p>
+          <a:p>
+            <a:r>
+              <a:rPr lang="nl-NL" dirty="0"/>
+              <a:t>Omlooptijd te kort voor </a:t>
+            </a:r>
+            <a:r>
+              <a:rPr lang="el-GR" dirty="0"/>
+              <a:t>Δ</a:t>
+            </a:r>
+            <a:r>
+              <a:rPr lang="nl-NL" dirty="0"/>
+              <a:t>t = 1 maand</a:t>
+            </a:r>
+          </a:p>
+          <a:p>
+            <a:r>
+              <a:rPr lang="nl-NL" dirty="0"/>
+              <a:t>Energie niet behouden</a:t>
+            </a:r>
+          </a:p>
+        </p:txBody>
+      </p:sp>
     </p:spTree>
     <p:extLst>
       <p:ext uri="{BB962C8B-B14F-4D97-AF65-F5344CB8AC3E}">
@@ -5369,20 +8383,13 @@
   <p:clrMapOvr>
     <a:masterClrMapping/>
   </p:clrMapOvr>
-  <p:timing>
-    <p:tnLst>
-      <p:par>
-        <p:cTn id="1" dur="indefinite" restart="never" nodeType="tmRoot"/>
-      </p:par>
-    </p:tnLst>
-  </p:timing>
 </p:sld>
 </file>
 
 <file path=ppt/theme/theme1.xml><?xml version="1.0" encoding="utf-8"?>
-<a:theme xmlns:a="http://schemas.openxmlformats.org/drawingml/2006/main" name="Kantoorthema">
+<a:theme xmlns:a="http://schemas.openxmlformats.org/drawingml/2006/main" name="Condensspoor">
   <a:themeElements>
-    <a:clrScheme name="Kantoor">
+    <a:clrScheme name="Condensspoor">
       <a:dk1>
         <a:sysClr val="windowText" lastClr="000000"/>
       </a:dk1>
@@ -5390,44 +8397,44 @@
         <a:sysClr val="window" lastClr="FFFFFF"/>
       </a:lt1>
       <a:dk2>
-        <a:srgbClr val="44546A"/>
+        <a:srgbClr val="454545"/>
       </a:dk2>
       <a:lt2>
-        <a:srgbClr val="E7E6E6"/>
+        <a:srgbClr val="DADADA"/>
       </a:lt2>
       <a:accent1>
-        <a:srgbClr val="4472C4"/>
+        <a:srgbClr val="C4220D"/>
       </a:accent1>
       <a:accent2>
-        <a:srgbClr val="ED7D31"/>
+        <a:srgbClr val="EB7712"/>
       </a:accent2>
       <a:accent3>
-        <a:srgbClr val="A5A5A5"/>
+        <a:srgbClr val="ECBD31"/>
       </a:accent3>
       <a:accent4>
-        <a:srgbClr val="FFC000"/>
+        <a:srgbClr val="92CE4A"/>
       </a:accent4>
       <a:accent5>
-        <a:srgbClr val="5B9BD5"/>
+        <a:srgbClr val="50CFB4"/>
       </a:accent5>
       <a:accent6>
-        <a:srgbClr val="70AD47"/>
+        <a:srgbClr val="0D8EC5"/>
       </a:accent6>
       <a:hlink>
-        <a:srgbClr val="0563C1"/>
+        <a:srgbClr val="EA5A0C"/>
       </a:hlink>
       <a:folHlink>
-        <a:srgbClr val="954F72"/>
+        <a:srgbClr val="F09D3A"/>
       </a:folHlink>
     </a:clrScheme>
-    <a:fontScheme name="Kantoor">
+    <a:fontScheme name="Condensspoor">
       <a:majorFont>
-        <a:latin typeface="Calibri Light" panose="020F0302020204030204"/>
+        <a:latin typeface="Century Gothic" panose="020B0502020202020204"/>
         <a:ea typeface=""/>
         <a:cs typeface=""/>
-        <a:font script="Jpan" typeface="游ゴシック Light"/>
+        <a:font script="Jpan" typeface="ＭＳ Ｐゴシック"/>
         <a:font script="Hang" typeface="맑은 고딕"/>
-        <a:font script="Hans" typeface="等线 Light"/>
+        <a:font script="Hans" typeface="宋体"/>
         <a:font script="Hant" typeface="新細明體"/>
         <a:font script="Arab" typeface="Times New Roman"/>
         <a:font script="Hebr" typeface="Times New Roman"/>
@@ -5455,31 +8462,14 @@
         <a:font script="Viet" typeface="Times New Roman"/>
         <a:font script="Uigh" typeface="Microsoft Uighur"/>
         <a:font script="Geor" typeface="Sylfaen"/>
-        <a:font script="Armn" typeface="Arial"/>
-        <a:font script="Bugi" typeface="Leelawadee UI"/>
-        <a:font script="Bopo" typeface="Microsoft JhengHei"/>
-        <a:font script="Java" typeface="Javanese Text"/>
-        <a:font script="Lisu" typeface="Segoe UI"/>
-        <a:font script="Mymr" typeface="Myanmar Text"/>
-        <a:font script="Nkoo" typeface="Ebrima"/>
-        <a:font script="Olck" typeface="Nirmala UI"/>
-        <a:font script="Osma" typeface="Ebrima"/>
-        <a:font script="Phag" typeface="Phagspa"/>
-        <a:font script="Syrn" typeface="Estrangelo Edessa"/>
-        <a:font script="Syrj" typeface="Estrangelo Edessa"/>
-        <a:font script="Syre" typeface="Estrangelo Edessa"/>
-        <a:font script="Sora" typeface="Nirmala UI"/>
-        <a:font script="Tale" typeface="Microsoft Tai Le"/>
-        <a:font script="Talu" typeface="Microsoft New Tai Lue"/>
-        <a:font script="Tfng" typeface="Ebrima"/>
       </a:majorFont>
       <a:minorFont>
-        <a:latin typeface="Calibri" panose="020F0502020204030204"/>
+        <a:latin typeface="Century Gothic" panose="020B0502020202020204"/>
         <a:ea typeface=""/>
         <a:cs typeface=""/>
-        <a:font script="Jpan" typeface="游ゴシック"/>
+        <a:font script="Jpan" typeface="ＭＳ Ｐゴシック"/>
         <a:font script="Hang" typeface="맑은 고딕"/>
-        <a:font script="Hans" typeface="等线"/>
+        <a:font script="Hans" typeface="宋体"/>
         <a:font script="Hant" typeface="新細明體"/>
         <a:font script="Arab" typeface="Arial"/>
         <a:font script="Hebr" typeface="Arial"/>
@@ -5507,26 +8497,9 @@
         <a:font script="Viet" typeface="Arial"/>
         <a:font script="Uigh" typeface="Microsoft Uighur"/>
         <a:font script="Geor" typeface="Sylfaen"/>
-        <a:font script="Armn" typeface="Arial"/>
-        <a:font script="Bugi" typeface="Leelawadee UI"/>
-        <a:font script="Bopo" typeface="Microsoft JhengHei"/>
-        <a:font script="Java" typeface="Javanese Text"/>
-        <a:font script="Lisu" typeface="Segoe UI"/>
-        <a:font script="Mymr" typeface="Myanmar Text"/>
-        <a:font script="Nkoo" typeface="Ebrima"/>
-        <a:font script="Olck" typeface="Nirmala UI"/>
-        <a:font script="Osma" typeface="Ebrima"/>
-        <a:font script="Phag" typeface="Phagspa"/>
-        <a:font script="Syrn" typeface="Estrangelo Edessa"/>
-        <a:font script="Syrj" typeface="Estrangelo Edessa"/>
-        <a:font script="Syre" typeface="Estrangelo Edessa"/>
-        <a:font script="Sora" typeface="Nirmala UI"/>
-        <a:font script="Tale" typeface="Microsoft Tai Le"/>
-        <a:font script="Talu" typeface="Microsoft New Tai Lue"/>
-        <a:font script="Tfng" typeface="Ebrima"/>
       </a:minorFont>
     </a:fontScheme>
-    <a:fmtScheme name="Kantoor">
+    <a:fmtScheme name="Condensspoor">
       <a:fillStyleLst>
         <a:solidFill>
           <a:schemeClr val="phClr"/>
@@ -5535,23 +8508,24 @@
           <a:gsLst>
             <a:gs pos="0">
               <a:schemeClr val="phClr">
+                <a:tint val="69000"/>
+                <a:alpha val="100000"/>
+                <a:satMod val="109000"/>
                 <a:lumMod val="110000"/>
-                <a:satMod val="105000"/>
-                <a:tint val="67000"/>
               </a:schemeClr>
             </a:gs>
-            <a:gs pos="50000">
+            <a:gs pos="52000">
               <a:schemeClr val="phClr">
-                <a:lumMod val="105000"/>
-                <a:satMod val="103000"/>
-                <a:tint val="73000"/>
+                <a:tint val="74000"/>
+                <a:satMod val="100000"/>
+                <a:lumMod val="104000"/>
               </a:schemeClr>
             </a:gs>
             <a:gs pos="100000">
               <a:schemeClr val="phClr">
-                <a:lumMod val="105000"/>
-                <a:satMod val="109000"/>
-                <a:tint val="81000"/>
+                <a:tint val="78000"/>
+                <a:satMod val="100000"/>
+                <a:lumMod val="100000"/>
               </a:schemeClr>
             </a:gs>
           </a:gsLst>
@@ -5561,23 +8535,16 @@
           <a:gsLst>
             <a:gs pos="0">
               <a:schemeClr val="phClr">
-                <a:satMod val="103000"/>
-                <a:lumMod val="102000"/>
-                <a:tint val="94000"/>
+                <a:tint val="96000"/>
+                <a:satMod val="100000"/>
+                <a:lumMod val="104000"/>
               </a:schemeClr>
             </a:gs>
-            <a:gs pos="50000">
+            <a:gs pos="78000">
               <a:schemeClr val="phClr">
+                <a:shade val="100000"/>
                 <a:satMod val="110000"/>
                 <a:lumMod val="100000"/>
-                <a:shade val="100000"/>
-              </a:schemeClr>
-            </a:gs>
-            <a:gs pos="100000">
-              <a:schemeClr val="phClr">
-                <a:lumMod val="99000"/>
-                <a:satMod val="120000"/>
-                <a:shade val="78000"/>
               </a:schemeClr>
             </a:gs>
           </a:gsLst>
@@ -5585,26 +8552,23 @@
         </a:gradFill>
       </a:fillStyleLst>
       <a:lnStyleLst>
-        <a:ln w="6350" cap="flat" cmpd="sng" algn="ctr">
+        <a:ln w="9525" cap="flat" cmpd="sng" algn="ctr">
           <a:solidFill>
             <a:schemeClr val="phClr"/>
           </a:solidFill>
           <a:prstDash val="solid"/>
-          <a:miter lim="800000"/>
         </a:ln>
         <a:ln w="12700" cap="flat" cmpd="sng" algn="ctr">
           <a:solidFill>
             <a:schemeClr val="phClr"/>
           </a:solidFill>
           <a:prstDash val="solid"/>
-          <a:miter lim="800000"/>
         </a:ln>
         <a:ln w="19050" cap="flat" cmpd="sng" algn="ctr">
           <a:solidFill>
             <a:schemeClr val="phClr"/>
           </a:solidFill>
           <a:prstDash val="solid"/>
-          <a:miter lim="800000"/>
         </a:ln>
       </a:lnStyleLst>
       <a:effectStyleLst>
@@ -5613,15 +8577,33 @@
         </a:effectStyle>
         <a:effectStyle>
           <a:effectLst/>
+          <a:scene3d>
+            <a:camera prst="orthographicFront">
+              <a:rot lat="0" lon="0" rev="0"/>
+            </a:camera>
+            <a:lightRig rig="threePt" dir="t"/>
+          </a:scene3d>
+          <a:sp3d>
+            <a:bevelT w="25400" h="12700"/>
+          </a:sp3d>
         </a:effectStyle>
         <a:effectStyle>
           <a:effectLst>
             <a:outerShdw blurRad="57150" dist="19050" dir="5400000" algn="ctr" rotWithShape="0">
               <a:srgbClr val="000000">
-                <a:alpha val="63000"/>
+                <a:alpha val="48000"/>
               </a:srgbClr>
             </a:outerShdw>
           </a:effectLst>
+          <a:scene3d>
+            <a:camera prst="orthographicFront">
+              <a:rot lat="0" lon="0" rev="0"/>
+            </a:camera>
+            <a:lightRig rig="threePt" dir="t"/>
+          </a:scene3d>
+          <a:sp3d>
+            <a:bevelT w="50800" h="25400"/>
+          </a:sp3d>
         </a:effectStyle>
       </a:effectStyleLst>
       <a:bgFillStyleLst>
@@ -5639,16 +8621,16 @@
             <a:gs pos="0">
               <a:schemeClr val="phClr">
                 <a:tint val="93000"/>
+                <a:shade val="98000"/>
                 <a:satMod val="150000"/>
-                <a:shade val="98000"/>
                 <a:lumMod val="102000"/>
               </a:schemeClr>
             </a:gs>
             <a:gs pos="50000">
               <a:schemeClr val="phClr">
                 <a:tint val="98000"/>
+                <a:shade val="90000"/>
                 <a:satMod val="130000"/>
-                <a:shade val="90000"/>
                 <a:lumMod val="103000"/>
               </a:schemeClr>
             </a:gs>
@@ -5668,7 +8650,7 @@
   <a:extraClrSchemeLst/>
   <a:extLst>
     <a:ext uri="{05A4C25C-085E-4340-85A3-A5531E510DB2}">
-      <thm15:themeFamily xmlns:thm15="http://schemas.microsoft.com/office/thememl/2012/main" xmlns="" name="Office Theme" id="{62F939B6-93AF-4DB8-9C6B-D6C7DFDC589F}" vid="{4A3C46E8-61CC-4603-A589-7422A47A8E4A}"/>
+      <thm15:themeFamily xmlns:thm15="http://schemas.microsoft.com/office/thememl/2012/main" name="Vapor Trail" id="{4FDF2955-7D9C-493C-B9F9-C205151B46CD}" vid="{FE1EB5C7-81A8-4CBA-AE6E-B3BF73DC3895}"/>
     </a:ext>
   </a:extLst>
 </a:theme>

--- a/Presentatie/Presentatie.pptx
+++ b/Presentatie/Presentatie.pptx
@@ -5776,7 +5776,12 @@
             <p:ph type="ctrTitle"/>
           </p:nvPr>
         </p:nvSpPr>
-        <p:spPr/>
+        <p:spPr>
+          <a:xfrm>
+            <a:off x="1371600" y="2048502"/>
+            <a:ext cx="9448800" cy="1825096"/>
+          </a:xfrm>
+        </p:spPr>
         <p:txBody>
           <a:bodyPr>
             <a:normAutofit fontScale="90000"/>
@@ -5785,7 +5790,7 @@
           <a:p>
             <a:r>
               <a:rPr lang="nl-NL" dirty="0"/>
-              <a:t>Vorming van Planeten</a:t>
+              <a:t>Vorming van Sterrenstelsels</a:t>
             </a:r>
             <a:br>
               <a:rPr lang="nl-NL" dirty="0"/>
@@ -6267,7 +6272,7 @@
               <a:lstStyle/>
               <a:p>
                 <a:r>
-                  <a:rPr lang="nl-NL"/>
+                  <a:rPr lang="nl-NL" dirty="0"/>
                   <a:t>Integratie versnelling:</a:t>
                 </a:r>
               </a:p>
@@ -6663,52 +6668,61 @@
                     </m:nary>
                   </m:oMath>
                 </a14:m>
-                <a:endParaRPr lang="nl-NL" sz="3200"/>
+                <a:endParaRPr lang="nl-NL" sz="3200" dirty="0"/>
               </a:p>
               <a:p>
                 <a:pPr lvl="1"/>
                 <a:r>
-                  <a:rPr lang="nl-NL"/>
+                  <a:rPr lang="nl-NL" dirty="0" err="1"/>
                   <a:t>Leapfrog</a:t>
                 </a:r>
+                <a:endParaRPr lang="nl-NL" dirty="0"/>
               </a:p>
               <a:p>
                 <a:r>
-                  <a:rPr lang="nl-NL"/>
+                  <a:rPr lang="nl-NL" dirty="0"/>
                   <a:t>Botsing</a:t>
                 </a:r>
               </a:p>
               <a:p>
                 <a:pPr lvl="1"/>
                 <a:r>
-                  <a:rPr lang="nl-NL"/>
-                  <a:t>Perfect inelastische botsing (impulsbehoud)</a:t>
+                  <a:rPr lang="nl-NL" dirty="0"/>
+                  <a:t>Perfect </a:t>
+                </a:r>
+                <a:r>
+                  <a:rPr lang="nl-NL" dirty="0" err="1"/>
+                  <a:t>inelastische</a:t>
+                </a:r>
+                <a:r>
+                  <a:rPr lang="nl-NL" dirty="0"/>
+                  <a:t> botsing (impulsbehoud)</a:t>
                 </a:r>
               </a:p>
               <a:p>
                 <a:r>
-                  <a:rPr lang="nl-NL"/>
+                  <a:rPr lang="nl-NL" dirty="0"/>
                   <a:t>Begincondities</a:t>
                 </a:r>
               </a:p>
               <a:p>
                 <a:pPr lvl="1"/>
                 <a:r>
-                  <a:rPr lang="nl-NL"/>
+                  <a:rPr lang="nl-NL" dirty="0"/>
                   <a:t>Gas- &amp; Rotsachtige planeten</a:t>
                 </a:r>
               </a:p>
               <a:p>
                 <a:pPr lvl="1"/>
                 <a:r>
-                  <a:rPr lang="nl-NL"/>
+                  <a:rPr lang="nl-NL" dirty="0"/>
                   <a:t>Beginmassa</a:t>
                 </a:r>
               </a:p>
               <a:p>
                 <a:pPr lvl="1"/>
                 <a:r>
-                  <a:rPr lang="nl-NL"/>
+                  <a:rPr lang="nl-NL" dirty="0"/>
                   <a:t>Aantal deeltjes</a:t>
                 </a:r>
               </a:p>

--- a/Presentatie/Presentatie.pptx
+++ b/Presentatie/Presentatie.pptx
@@ -5776,12 +5776,7 @@
             <p:ph type="ctrTitle"/>
           </p:nvPr>
         </p:nvSpPr>
-        <p:spPr>
-          <a:xfrm>
-            <a:off x="1371600" y="2048502"/>
-            <a:ext cx="9448800" cy="1825096"/>
-          </a:xfrm>
-        </p:spPr>
+        <p:spPr/>
         <p:txBody>
           <a:bodyPr>
             <a:normAutofit fontScale="90000"/>
@@ -5896,7 +5891,7 @@
           <a:lstStyle/>
           <a:p>
             <a:r>
-              <a:rPr lang="nl-NL"/>
+              <a:rPr lang="nl-NL" dirty="0"/>
               <a:t>Conclusie</a:t>
             </a:r>
           </a:p>
@@ -5917,7 +5912,41 @@
           <a:bodyPr/>
           <a:lstStyle/>
           <a:p>
-            <a:endParaRPr lang="nl-NL"/>
+            <a:r>
+              <a:rPr lang="nl-NL" dirty="0"/>
+              <a:t>Barnes-Hut voor sneller programma</a:t>
+            </a:r>
+          </a:p>
+          <a:p>
+            <a:r>
+              <a:rPr lang="nl-NL" dirty="0" err="1"/>
+              <a:t>Leapfrog</a:t>
+            </a:r>
+            <a:r>
+              <a:rPr lang="nl-NL" dirty="0"/>
+              <a:t> voor goede integratie</a:t>
+            </a:r>
+          </a:p>
+          <a:p>
+            <a:endParaRPr lang="nl-NL" dirty="0"/>
+          </a:p>
+          <a:p>
+            <a:r>
+              <a:rPr lang="nl-NL" dirty="0"/>
+              <a:t>Aantal planeten bereikt equilibrium</a:t>
+            </a:r>
+          </a:p>
+          <a:p>
+            <a:r>
+              <a:rPr lang="nl-NL" dirty="0"/>
+              <a:t>Voor groot aantal beginlichamen geen invloed</a:t>
+            </a:r>
+          </a:p>
+          <a:p>
+            <a:endParaRPr lang="nl-NL" dirty="0"/>
+          </a:p>
+          <a:p>
+            <a:endParaRPr lang="nl-NL" dirty="0"/>
           </a:p>
         </p:txBody>
       </p:sp>
@@ -6038,8 +6067,8 @@
           <a:lstStyle/>
           <a:p>
             <a:r>
-              <a:rPr lang="nl-NL"/>
-              <a:t>Ontstaan van zonnestelsel</a:t>
+              <a:rPr lang="nl-NL" dirty="0"/>
+              <a:t>Ontstaan zonnestelsel</a:t>
             </a:r>
           </a:p>
         </p:txBody>
@@ -6060,36 +6089,36 @@
           <a:lstStyle/>
           <a:p>
             <a:r>
-              <a:rPr lang="nl-NL"/>
+              <a:rPr lang="nl-NL" dirty="0"/>
               <a:t>Grote wolk</a:t>
             </a:r>
           </a:p>
           <a:p>
             <a:r>
-              <a:rPr lang="nl-NL"/>
+              <a:rPr lang="nl-NL" dirty="0"/>
               <a:t>Samenklonteren van kleine hemellichamen</a:t>
             </a:r>
           </a:p>
           <a:p>
             <a:r>
-              <a:rPr lang="nl-NL"/>
+              <a:rPr lang="nl-NL" dirty="0"/>
               <a:t>Ontstaan planeten</a:t>
             </a:r>
           </a:p>
           <a:p>
-            <a:endParaRPr lang="nl-NL"/>
-          </a:p>
-          <a:p>
-            <a:endParaRPr lang="nl-NL"/>
-          </a:p>
-          <a:p>
-            <a:endParaRPr lang="nl-NL"/>
-          </a:p>
-          <a:p>
-            <a:endParaRPr lang="nl-NL"/>
-          </a:p>
-          <a:p>
-            <a:endParaRPr lang="nl-NL"/>
+            <a:endParaRPr lang="nl-NL" dirty="0"/>
+          </a:p>
+          <a:p>
+            <a:endParaRPr lang="nl-NL" dirty="0"/>
+          </a:p>
+          <a:p>
+            <a:endParaRPr lang="nl-NL" dirty="0"/>
+          </a:p>
+          <a:p>
+            <a:endParaRPr lang="nl-NL" dirty="0"/>
+          </a:p>
+          <a:p>
+            <a:endParaRPr lang="nl-NL" dirty="0"/>
           </a:p>
         </p:txBody>
       </p:sp>
@@ -6161,42 +6190,42 @@
           <a:lstStyle/>
           <a:p>
             <a:r>
-              <a:rPr lang="nl-NL"/>
+              <a:rPr lang="nl-NL" dirty="0"/>
               <a:t>Verloop aantal planeten</a:t>
             </a:r>
           </a:p>
           <a:p>
             <a:r>
-              <a:rPr lang="nl-NL"/>
+              <a:rPr lang="nl-NL" dirty="0"/>
               <a:t>Invloed aantal begindeeltjes</a:t>
             </a:r>
           </a:p>
           <a:p>
             <a:r>
-              <a:rPr lang="nl-NL"/>
+              <a:rPr lang="nl-NL" dirty="0"/>
               <a:t>Definitie planeten: deeltjes minstens zo zwaar als Mercurius</a:t>
             </a:r>
           </a:p>
           <a:p>
-            <a:endParaRPr lang="nl-NL"/>
-          </a:p>
-          <a:p>
-            <a:r>
-              <a:rPr lang="nl-NL"/>
+            <a:endParaRPr lang="nl-NL" dirty="0"/>
+          </a:p>
+          <a:p>
+            <a:r>
+              <a:rPr lang="nl-NL" dirty="0"/>
               <a:t>Snelheid programma optimaliseren</a:t>
             </a:r>
           </a:p>
           <a:p>
             <a:r>
-              <a:rPr lang="nl-NL"/>
+              <a:rPr lang="nl-NL" dirty="0"/>
               <a:t>Nauwkeurigheid model onderzoeken</a:t>
             </a:r>
           </a:p>
           <a:p>
-            <a:endParaRPr lang="nl-NL"/>
-          </a:p>
-          <a:p>
-            <a:endParaRPr lang="nl-NL"/>
+            <a:endParaRPr lang="nl-NL" dirty="0"/>
+          </a:p>
+          <a:p>
+            <a:endParaRPr lang="nl-NL" dirty="0"/>
           </a:p>
         </p:txBody>
       </p:sp>
@@ -6246,14 +6275,14 @@
           <a:lstStyle/>
           <a:p>
             <a:r>
-              <a:rPr lang="nl-NL"/>
+              <a:rPr lang="nl-NL" dirty="0"/>
               <a:t>Model</a:t>
             </a:r>
           </a:p>
         </p:txBody>
       </p:sp>
-      <mc:AlternateContent xmlns:mc="http://schemas.openxmlformats.org/markup-compatibility/2006" xmlns:a14="http://schemas.microsoft.com/office/drawing/2010/main">
-        <mc:Choice Requires="a14">
+      <mc:AlternateContent xmlns:mc="http://schemas.openxmlformats.org/markup-compatibility/2006">
+        <mc:Choice xmlns:a14="http://schemas.microsoft.com/office/drawing/2010/main" Requires="a14">
           <p:sp>
             <p:nvSpPr>
               <p:cNvPr id="3" name="Tijdelijke aanduiding voor inhoud 2"/>
@@ -6264,7 +6293,12 @@
                 <p:ph idx="1"/>
               </p:nvPr>
             </p:nvSpPr>
-            <p:spPr/>
+            <p:spPr>
+              <a:xfrm>
+                <a:off x="685800" y="2194560"/>
+                <a:ext cx="10820400" cy="4385349"/>
+              </a:xfrm>
+            </p:spPr>
             <p:txBody>
               <a:bodyPr>
                 <a:normAutofit/>
@@ -6273,13 +6307,44 @@
               <a:p>
                 <a:r>
                   <a:rPr lang="nl-NL" dirty="0"/>
-                  <a:t>Integratie versnelling:</a:t>
+                  <a:t>Integratie m.b.v. versnelling:</a:t>
                 </a:r>
               </a:p>
               <a:p>
                 <a:pPr lvl="1"/>
                 <a14:m>
                   <m:oMath xmlns:m="http://schemas.openxmlformats.org/officeDocument/2006/math">
+                    <m:sSub>
+                      <m:sSubPr>
+                        <m:ctrlPr>
+                          <a:rPr lang="nl-NL" sz="3200" i="1" smtClean="0">
+                            <a:latin typeface="Cambria Math" panose="02040503050406030204" pitchFamily="18" charset="0"/>
+                          </a:rPr>
+                        </m:ctrlPr>
+                      </m:sSubPr>
+                      <m:e>
+                        <m:r>
+                          <a:rPr lang="nl-NL" sz="3200" b="0" i="1" smtClean="0">
+                            <a:latin typeface="Cambria Math" panose="02040503050406030204" pitchFamily="18" charset="0"/>
+                          </a:rPr>
+                          <m:t>𝑎</m:t>
+                        </m:r>
+                      </m:e>
+                      <m:sub>
+                        <m:r>
+                          <a:rPr lang="nl-NL" sz="3200" b="0" i="1" smtClean="0">
+                            <a:latin typeface="Cambria Math" panose="02040503050406030204" pitchFamily="18" charset="0"/>
+                          </a:rPr>
+                          <m:t>𝑖</m:t>
+                        </m:r>
+                      </m:sub>
+                    </m:sSub>
+                    <m:r>
+                      <a:rPr lang="nl-NL" sz="3200" b="0" i="1" smtClean="0">
+                        <a:latin typeface="Cambria Math" panose="02040503050406030204" pitchFamily="18" charset="0"/>
+                      </a:rPr>
+                      <m:t>=</m:t>
+                    </m:r>
                     <m:f>
                       <m:fPr>
                         <m:ctrlPr>
@@ -6560,98 +6625,99 @@
                                 </m:ctrlPr>
                               </m:sSupPr>
                               <m:e>
-                                <m:r>
-                                  <a:rPr lang="nl-NL" sz="3200" b="0" i="1" smtClean="0">
-                                    <a:latin typeface="Cambria Math"/>
-                                  </a:rPr>
-                                  <m:t>|</m:t>
-                                </m:r>
-                                <m:acc>
-                                  <m:accPr>
-                                    <m:chr m:val="⃗"/>
+                                <m:d>
+                                  <m:dPr>
+                                    <m:begChr m:val="|"/>
+                                    <m:endChr m:val="|"/>
                                     <m:ctrlPr>
-                                      <a:rPr lang="nl-NL" sz="3200" i="1">
-                                        <a:latin typeface="Cambria Math" panose="02040503050406030204" pitchFamily="18" charset="0"/>
+                                      <a:rPr lang="nl-NL" sz="3200" b="0" i="1" smtClean="0">
+                                        <a:latin typeface="Cambria Math"/>
                                       </a:rPr>
                                     </m:ctrlPr>
-                                  </m:accPr>
+                                  </m:dPr>
                                   <m:e>
-                                    <m:sSub>
-                                      <m:sSubPr>
-                                        <m:ctrlPr>
-                                          <a:rPr lang="nl-NL" sz="3200" i="1" smtClean="0">
-                                            <a:latin typeface="Cambria Math" panose="02040503050406030204" pitchFamily="18" charset="0"/>
-                                          </a:rPr>
-                                        </m:ctrlPr>
-                                      </m:sSubPr>
-                                      <m:e>
-                                        <m:r>
-                                          <a:rPr lang="nl-NL" sz="3200" i="1">
-                                            <a:latin typeface="Cambria Math"/>
-                                          </a:rPr>
-                                          <m:t>𝑥</m:t>
-                                        </m:r>
-                                      </m:e>
-                                      <m:sub>
-                                        <m:r>
-                                          <a:rPr lang="nl-NL" sz="3200" i="1">
-                                            <a:latin typeface="Cambria Math"/>
-                                          </a:rPr>
-                                          <m:t>𝑗</m:t>
-                                        </m:r>
-                                      </m:sub>
-                                    </m:sSub>
-                                  </m:e>
-                                </m:acc>
-                                <m:r>
-                                  <a:rPr lang="nl-NL" sz="3200" i="1">
-                                    <a:latin typeface="Cambria Math"/>
-                                  </a:rPr>
-                                  <m:t>−</m:t>
-                                </m:r>
-                                <m:acc>
-                                  <m:accPr>
-                                    <m:chr m:val="⃗"/>
-                                    <m:ctrlPr>
-                                      <a:rPr lang="nl-NL" sz="3200" i="1">
-                                        <a:latin typeface="Cambria Math" panose="02040503050406030204" pitchFamily="18" charset="0"/>
-                                      </a:rPr>
-                                    </m:ctrlPr>
-                                  </m:accPr>
-                                  <m:e>
-                                    <m:sSub>
-                                      <m:sSubPr>
+                                    <m:acc>
+                                      <m:accPr>
+                                        <m:chr m:val="⃗"/>
                                         <m:ctrlPr>
                                           <a:rPr lang="nl-NL" sz="3200" i="1">
                                             <a:latin typeface="Cambria Math" panose="02040503050406030204" pitchFamily="18" charset="0"/>
                                           </a:rPr>
                                         </m:ctrlPr>
-                                      </m:sSubPr>
+                                      </m:accPr>
                                       <m:e>
-                                        <m:r>
+                                        <m:sSub>
+                                          <m:sSubPr>
+                                            <m:ctrlPr>
+                                              <a:rPr lang="nl-NL" sz="3200" i="1" smtClean="0">
+                                                <a:latin typeface="Cambria Math" panose="02040503050406030204" pitchFamily="18" charset="0"/>
+                                              </a:rPr>
+                                            </m:ctrlPr>
+                                          </m:sSubPr>
+                                          <m:e>
+                                            <m:r>
+                                              <a:rPr lang="nl-NL" sz="3200" i="1">
+                                                <a:latin typeface="Cambria Math"/>
+                                              </a:rPr>
+                                              <m:t>𝑥</m:t>
+                                            </m:r>
+                                          </m:e>
+                                          <m:sub>
+                                            <m:r>
+                                              <a:rPr lang="nl-NL" sz="3200" i="1">
+                                                <a:latin typeface="Cambria Math"/>
+                                              </a:rPr>
+                                              <m:t>𝑗</m:t>
+                                            </m:r>
+                                          </m:sub>
+                                        </m:sSub>
+                                      </m:e>
+                                    </m:acc>
+                                    <m:r>
+                                      <a:rPr lang="nl-NL" sz="3200" i="1">
+                                        <a:latin typeface="Cambria Math"/>
+                                      </a:rPr>
+                                      <m:t>−</m:t>
+                                    </m:r>
+                                    <m:acc>
+                                      <m:accPr>
+                                        <m:chr m:val="⃗"/>
+                                        <m:ctrlPr>
                                           <a:rPr lang="nl-NL" sz="3200" i="1">
-                                            <a:latin typeface="Cambria Math"/>
+                                            <a:latin typeface="Cambria Math" panose="02040503050406030204" pitchFamily="18" charset="0"/>
                                           </a:rPr>
-                                          <m:t>𝑥</m:t>
-                                        </m:r>
+                                        </m:ctrlPr>
+                                      </m:accPr>
+                                      <m:e>
+                                        <m:sSub>
+                                          <m:sSubPr>
+                                            <m:ctrlPr>
+                                              <a:rPr lang="nl-NL" sz="3200" i="1">
+                                                <a:latin typeface="Cambria Math" panose="02040503050406030204" pitchFamily="18" charset="0"/>
+                                              </a:rPr>
+                                            </m:ctrlPr>
+                                          </m:sSubPr>
+                                          <m:e>
+                                            <m:r>
+                                              <a:rPr lang="nl-NL" sz="3200" i="1">
+                                                <a:latin typeface="Cambria Math"/>
+                                              </a:rPr>
+                                              <m:t>𝑥</m:t>
+                                            </m:r>
+                                          </m:e>
+                                          <m:sub>
+                                            <m:r>
+                                              <a:rPr lang="nl-NL" sz="3200" i="1">
+                                                <a:latin typeface="Cambria Math"/>
+                                              </a:rPr>
+                                              <m:t>𝑖</m:t>
+                                            </m:r>
+                                          </m:sub>
+                                        </m:sSub>
                                       </m:e>
-                                      <m:sub>
-                                        <m:r>
-                                          <a:rPr lang="nl-NL" sz="3200" i="1">
-                                            <a:latin typeface="Cambria Math"/>
-                                          </a:rPr>
-                                          <m:t>𝑖</m:t>
-                                        </m:r>
-                                      </m:sub>
-                                    </m:sSub>
+                                    </m:acc>
                                   </m:e>
-                                </m:acc>
-                                <m:r>
-                                  <a:rPr lang="nl-NL" sz="3200" b="0" i="1" smtClean="0">
-                                    <a:latin typeface="Cambria Math"/>
-                                  </a:rPr>
-                                  <m:t>|</m:t>
-                                </m:r>
+                                </m:d>
                               </m:e>
                               <m:sup>
                                 <m:r>
@@ -6664,6 +6730,66 @@
                             </m:sSup>
                           </m:den>
                         </m:f>
+                        <m:box>
+                          <m:boxPr>
+                            <m:ctrlPr>
+                              <a:rPr lang="nl-NL" sz="3200" b="0" i="1" smtClean="0">
+                                <a:latin typeface="Cambria Math" panose="02040503050406030204" pitchFamily="18" charset="0"/>
+                              </a:rPr>
+                            </m:ctrlPr>
+                          </m:boxPr>
+                          <m:e>
+                            <m:r>
+                              <a:rPr lang="nl-NL" sz="3200" b="0" i="1" smtClean="0">
+                                <a:latin typeface="Cambria Math" panose="02040503050406030204" pitchFamily="18" charset="0"/>
+                              </a:rPr>
+                              <m:t>≔</m:t>
+                            </m:r>
+                          </m:e>
+                        </m:box>
+                        <m:r>
+                          <a:rPr lang="nl-NL" sz="3200" b="0" i="1" smtClean="0">
+                            <a:latin typeface="Cambria Math" panose="02040503050406030204" pitchFamily="18" charset="0"/>
+                          </a:rPr>
+                          <m:t>𝑓</m:t>
+                        </m:r>
+                        <m:r>
+                          <a:rPr lang="nl-NL" sz="3200" b="0" i="1" smtClean="0">
+                            <a:latin typeface="Cambria Math" panose="02040503050406030204" pitchFamily="18" charset="0"/>
+                          </a:rPr>
+                          <m:t>(</m:t>
+                        </m:r>
+                        <m:sSub>
+                          <m:sSubPr>
+                            <m:ctrlPr>
+                              <a:rPr lang="nl-NL" sz="3200" b="0" i="1" smtClean="0">
+                                <a:latin typeface="Cambria Math" panose="02040503050406030204" pitchFamily="18" charset="0"/>
+                              </a:rPr>
+                            </m:ctrlPr>
+                          </m:sSubPr>
+                          <m:e>
+                            <m:r>
+                              <a:rPr lang="nl-NL" sz="3200" b="0" i="1" smtClean="0">
+                                <a:latin typeface="Cambria Math" panose="02040503050406030204" pitchFamily="18" charset="0"/>
+                              </a:rPr>
+                              <m:t>𝑥</m:t>
+                            </m:r>
+                          </m:e>
+                          <m:sub>
+                            <m:r>
+                              <a:rPr lang="nl-NL" sz="3200" b="0" i="1" smtClean="0">
+                                <a:latin typeface="Cambria Math" panose="02040503050406030204" pitchFamily="18" charset="0"/>
+                              </a:rPr>
+                              <m:t>𝑖</m:t>
+                            </m:r>
+                          </m:sub>
+                        </m:sSub>
+                        <m:r>
+                          <a:rPr lang="nl-NL" sz="3200" b="0" i="1" smtClean="0">
+                            <a:latin typeface="Cambria Math" panose="02040503050406030204" pitchFamily="18" charset="0"/>
+                          </a:rPr>
+                          <m:t>)</m:t>
+                        </m:r>
                       </m:e>
                     </m:nary>
                   </m:oMath>
@@ -6716,20 +6842,28 @@
                 <a:pPr lvl="1"/>
                 <a:r>
                   <a:rPr lang="nl-NL" dirty="0"/>
-                  <a:t>Beginmassa</a:t>
+                  <a:t>Aantal deeltjes</a:t>
                 </a:r>
               </a:p>
               <a:p>
                 <a:pPr lvl="1"/>
                 <a:r>
                   <a:rPr lang="nl-NL" dirty="0"/>
-                  <a:t>Aantal deeltjes</a:t>
+                  <a:t>Massa</a:t>
+                </a:r>
+                <a:endParaRPr lang="nl-NL" dirty="0"/>
+              </a:p>
+              <a:p>
+                <a:pPr lvl="1"/>
+                <a:r>
+                  <a:rPr lang="nl-NL" dirty="0"/>
+                  <a:t>Plaats</a:t>
                 </a:r>
               </a:p>
             </p:txBody>
           </p:sp>
         </mc:Choice>
-        <mc:Fallback xmlns="">
+        <mc:Fallback>
           <p:sp>
             <p:nvSpPr>
               <p:cNvPr id="3" name="Tijdelijke aanduiding voor inhoud 2"/>
@@ -6741,10 +6875,14 @@
               </p:nvPr>
             </p:nvSpPr>
             <p:spPr>
-              <a:blipFill rotWithShape="1">
+              <a:xfrm>
+                <a:off x="685800" y="2194560"/>
+                <a:ext cx="10820400" cy="4385349"/>
+              </a:xfrm>
+              <a:blipFill>
                 <a:blip r:embed="rId2"/>
                 <a:stretch>
-                  <a:fillRect l="-1043" t="-2241" b="-2521"/>
+                  <a:fillRect l="-676" t="-1808"/>
                 </a:stretch>
               </a:blipFill>
             </p:spPr>
@@ -7257,6 +7395,36 @@
           </p:sp>
         </mc:Fallback>
       </mc:AlternateContent>
+      <p:pic>
+        <p:nvPicPr>
+          <p:cNvPr id="4" name="Afbeelding 3"/>
+          <p:cNvPicPr>
+            <a:picLocks noChangeAspect="1"/>
+          </p:cNvPicPr>
+          <p:nvPr/>
+        </p:nvPicPr>
+        <p:blipFill>
+          <a:blip r:embed="rId3">
+            <a:extLst>
+              <a:ext uri="{28A0092B-C50C-407E-A947-70E740481C1C}">
+                <a14:useLocalDpi xmlns:a14="http://schemas.microsoft.com/office/drawing/2010/main" val="0"/>
+              </a:ext>
+            </a:extLst>
+          </a:blip>
+          <a:stretch>
+            <a:fillRect/>
+          </a:stretch>
+        </p:blipFill>
+        <p:spPr>
+          <a:xfrm>
+            <a:off x="4134671" y="4825916"/>
+            <a:ext cx="7856223" cy="1857739"/>
+          </a:xfrm>
+          <a:prstGeom prst="rect">
+            <a:avLst/>
+          </a:prstGeom>
+        </p:spPr>
+      </p:pic>
     </p:spTree>
     <p:extLst>
       <p:ext uri="{BB962C8B-B14F-4D97-AF65-F5344CB8AC3E}">

--- a/Presentatie/Presentatie.pptx
+++ b/Presentatie/Presentatie.pptx
@@ -5946,6 +5946,15 @@
             <a:endParaRPr lang="nl-NL" dirty="0"/>
           </a:p>
           <a:p>
+            <a:r>
+              <a:rPr lang="nl-NL" dirty="0"/>
+              <a:t>Model nauwkeurig genoeg</a:t>
+            </a:r>
+          </a:p>
+          <a:p>
+            <a:endParaRPr lang="nl-NL" dirty="0"/>
+          </a:p>
+          <a:p>
             <a:endParaRPr lang="nl-NL" dirty="0"/>
           </a:p>
         </p:txBody>
@@ -6314,31 +6323,43 @@
                 <a:pPr lvl="1"/>
                 <a14:m>
                   <m:oMath xmlns:m="http://schemas.openxmlformats.org/officeDocument/2006/math">
-                    <m:sSub>
-                      <m:sSubPr>
+                    <m:acc>
+                      <m:accPr>
+                        <m:chr m:val="⃗"/>
                         <m:ctrlPr>
-                          <a:rPr lang="nl-NL" sz="3200" i="1" smtClean="0">
+                          <a:rPr lang="nl-NL" sz="3200" b="0" i="1" smtClean="0">
                             <a:latin typeface="Cambria Math" panose="02040503050406030204" pitchFamily="18" charset="0"/>
                           </a:rPr>
                         </m:ctrlPr>
-                      </m:sSubPr>
+                      </m:accPr>
                       <m:e>
-                        <m:r>
-                          <a:rPr lang="nl-NL" sz="3200" b="0" i="1" smtClean="0">
-                            <a:latin typeface="Cambria Math" panose="02040503050406030204" pitchFamily="18" charset="0"/>
-                          </a:rPr>
-                          <m:t>𝑎</m:t>
-                        </m:r>
+                        <m:sSub>
+                          <m:sSubPr>
+                            <m:ctrlPr>
+                              <a:rPr lang="nl-NL" sz="3200" b="0" i="1" smtClean="0">
+                                <a:latin typeface="Cambria Math" panose="02040503050406030204" pitchFamily="18" charset="0"/>
+                              </a:rPr>
+                            </m:ctrlPr>
+                          </m:sSubPr>
+                          <m:e>
+                            <m:r>
+                              <a:rPr lang="nl-NL" sz="3200" b="0" i="1" smtClean="0">
+                                <a:latin typeface="Cambria Math" panose="02040503050406030204" pitchFamily="18" charset="0"/>
+                              </a:rPr>
+                              <m:t>𝑎</m:t>
+                            </m:r>
+                          </m:e>
+                          <m:sub>
+                            <m:r>
+                              <a:rPr lang="nl-NL" sz="3200" b="0" i="1" smtClean="0">
+                                <a:latin typeface="Cambria Math" panose="02040503050406030204" pitchFamily="18" charset="0"/>
+                              </a:rPr>
+                              <m:t>𝑖</m:t>
+                            </m:r>
+                          </m:sub>
+                        </m:sSub>
                       </m:e>
-                      <m:sub>
-                        <m:r>
-                          <a:rPr lang="nl-NL" sz="3200" b="0" i="1" smtClean="0">
-                            <a:latin typeface="Cambria Math" panose="02040503050406030204" pitchFamily="18" charset="0"/>
-                          </a:rPr>
-                          <m:t>𝑖</m:t>
-                        </m:r>
-                      </m:sub>
-                    </m:sSub>
+                    </m:acc>
                     <m:r>
                       <a:rPr lang="nl-NL" sz="3200" b="0" i="1" smtClean="0">
                         <a:latin typeface="Cambria Math" panose="02040503050406030204" pitchFamily="18" charset="0"/>
@@ -6747,43 +6768,67 @@
                             </m:r>
                           </m:e>
                         </m:box>
-                        <m:r>
-                          <a:rPr lang="nl-NL" sz="3200" b="0" i="1" smtClean="0">
-                            <a:latin typeface="Cambria Math" panose="02040503050406030204" pitchFamily="18" charset="0"/>
-                          </a:rPr>
-                          <m:t>𝑓</m:t>
-                        </m:r>
+                        <m:acc>
+                          <m:accPr>
+                            <m:chr m:val="⃗"/>
+                            <m:ctrlPr>
+                              <a:rPr lang="nl-NL" sz="3200" b="0" i="1" smtClean="0">
+                                <a:latin typeface="Cambria Math" panose="02040503050406030204" pitchFamily="18" charset="0"/>
+                              </a:rPr>
+                            </m:ctrlPr>
+                          </m:accPr>
+                          <m:e>
+                            <m:r>
+                              <a:rPr lang="nl-NL" sz="3200" b="0" i="1" smtClean="0">
+                                <a:latin typeface="Cambria Math" panose="02040503050406030204" pitchFamily="18" charset="0"/>
+                              </a:rPr>
+                              <m:t>𝑓</m:t>
+                            </m:r>
+                          </m:e>
+                        </m:acc>
                         <m:r>
                           <a:rPr lang="nl-NL" sz="3200" b="0" i="1" smtClean="0">
                             <a:latin typeface="Cambria Math" panose="02040503050406030204" pitchFamily="18" charset="0"/>
                           </a:rPr>
                           <m:t>(</m:t>
                         </m:r>
-                        <m:sSub>
-                          <m:sSubPr>
+                        <m:acc>
+                          <m:accPr>
+                            <m:chr m:val="⃗"/>
                             <m:ctrlPr>
                               <a:rPr lang="nl-NL" sz="3200" b="0" i="1" smtClean="0">
                                 <a:latin typeface="Cambria Math" panose="02040503050406030204" pitchFamily="18" charset="0"/>
                               </a:rPr>
                             </m:ctrlPr>
-                          </m:sSubPr>
+                          </m:accPr>
                           <m:e>
-                            <m:r>
-                              <a:rPr lang="nl-NL" sz="3200" b="0" i="1" smtClean="0">
-                                <a:latin typeface="Cambria Math" panose="02040503050406030204" pitchFamily="18" charset="0"/>
-                              </a:rPr>
-                              <m:t>𝑥</m:t>
-                            </m:r>
+                            <m:sSub>
+                              <m:sSubPr>
+                                <m:ctrlPr>
+                                  <a:rPr lang="nl-NL" sz="3200" b="0" i="1" smtClean="0">
+                                    <a:latin typeface="Cambria Math" panose="02040503050406030204" pitchFamily="18" charset="0"/>
+                                  </a:rPr>
+                                </m:ctrlPr>
+                              </m:sSubPr>
+                              <m:e>
+                                <m:r>
+                                  <a:rPr lang="nl-NL" sz="3200" b="0" i="1" smtClean="0">
+                                    <a:latin typeface="Cambria Math" panose="02040503050406030204" pitchFamily="18" charset="0"/>
+                                  </a:rPr>
+                                  <m:t>𝑥</m:t>
+                                </m:r>
+                              </m:e>
+                              <m:sub>
+                                <m:r>
+                                  <a:rPr lang="nl-NL" sz="3200" b="0" i="1" smtClean="0">
+                                    <a:latin typeface="Cambria Math" panose="02040503050406030204" pitchFamily="18" charset="0"/>
+                                  </a:rPr>
+                                  <m:t>𝑖</m:t>
+                                </m:r>
+                              </m:sub>
+                            </m:sSub>
                           </m:e>
-                          <m:sub>
-                            <m:r>
-                              <a:rPr lang="nl-NL" sz="3200" b="0" i="1" smtClean="0">
-                                <a:latin typeface="Cambria Math" panose="02040503050406030204" pitchFamily="18" charset="0"/>
-                              </a:rPr>
-                              <m:t>𝑖</m:t>
-                            </m:r>
-                          </m:sub>
-                        </m:sSub>
+                        </m:acc>
                         <m:r>
                           <a:rPr lang="nl-NL" sz="3200" b="0" i="1" smtClean="0">
                             <a:latin typeface="Cambria Math" panose="02040503050406030204" pitchFamily="18" charset="0"/>

--- a/Presentatie/Presentatie.pptx
+++ b/Presentatie/Presentatie.pptx
@@ -11,11 +11,12 @@
     <p:sldId id="259" r:id="rId5"/>
     <p:sldId id="260" r:id="rId6"/>
     <p:sldId id="261" r:id="rId7"/>
-    <p:sldId id="262" r:id="rId8"/>
-    <p:sldId id="263" r:id="rId9"/>
-    <p:sldId id="266" r:id="rId10"/>
-    <p:sldId id="264" r:id="rId11"/>
-    <p:sldId id="265" r:id="rId12"/>
+    <p:sldId id="267" r:id="rId8"/>
+    <p:sldId id="262" r:id="rId9"/>
+    <p:sldId id="263" r:id="rId10"/>
+    <p:sldId id="266" r:id="rId11"/>
+    <p:sldId id="264" r:id="rId12"/>
+    <p:sldId id="265" r:id="rId13"/>
   </p:sldIdLst>
   <p:sldSz cx="12192000" cy="6858000"/>
   <p:notesSz cx="6858000" cy="9144000"/>
@@ -2997,28 +2998,41 @@
           <a:lstStyle/>
           <a:p>
             <a:r>
-              <a:rPr lang="nl-NL" smtClean="0"/>
+              <a:rPr lang="nl-NL" dirty="0" smtClean="0"/>
               <a:t>Casper Barendrecht</a:t>
             </a:r>
           </a:p>
           <a:p>
             <a:r>
-              <a:rPr lang="nl-NL" smtClean="0"/>
-              <a:t>Guanyu Jin</a:t>
-            </a:r>
-          </a:p>
-          <a:p>
-            <a:r>
-              <a:rPr lang="nl-NL" smtClean="0"/>
+              <a:rPr lang="nl-NL" dirty="0" err="1" smtClean="0"/>
+              <a:t>Guanyu</a:t>
+            </a:r>
+            <a:r>
+              <a:rPr lang="nl-NL" dirty="0" smtClean="0"/>
+              <a:t> </a:t>
+            </a:r>
+            <a:r>
+              <a:rPr lang="nl-NL" dirty="0" err="1" smtClean="0"/>
+              <a:t>Jin</a:t>
+            </a:r>
+            <a:endParaRPr lang="nl-NL" dirty="0" smtClean="0"/>
+          </a:p>
+          <a:p>
+            <a:r>
+              <a:rPr lang="nl-NL" dirty="0" smtClean="0"/>
               <a:t>Stijn Moerman</a:t>
             </a:r>
           </a:p>
           <a:p>
             <a:r>
-              <a:rPr lang="nl-NL" smtClean="0"/>
-              <a:t>Nand Snijder</a:t>
-            </a:r>
-            <a:endParaRPr lang="nl-NL"/>
+              <a:rPr lang="nl-NL" dirty="0" err="1" smtClean="0"/>
+              <a:t>Nand</a:t>
+            </a:r>
+            <a:r>
+              <a:rPr lang="nl-NL" dirty="0" smtClean="0"/>
+              <a:t> Snijder</a:t>
+            </a:r>
+            <a:endParaRPr lang="nl-NL" dirty="0"/>
           </a:p>
         </p:txBody>
       </p:sp>
@@ -3032,6 +3046,13 @@
   <p:clrMapOvr>
     <a:masterClrMapping/>
   </p:clrMapOvr>
+  <p:timing>
+    <p:tnLst>
+      <p:par>
+        <p:cTn id="1" dur="indefinite" restart="never" nodeType="tmRoot"/>
+      </p:par>
+    </p:tnLst>
+  </p:timing>
 </p:sld>
 </file>
 
@@ -3052,6 +3073,35 @@
           <a:chExt cx="0" cy="0"/>
         </a:xfrm>
       </p:grpSpPr>
+      <p:pic>
+        <p:nvPicPr>
+          <p:cNvPr id="4" name="Tijdelijke aanduiding voor inhoud 3"/>
+          <p:cNvPicPr>
+            <a:picLocks noGrp="1" noChangeAspect="1"/>
+          </p:cNvPicPr>
+          <p:nvPr>
+            <p:ph idx="1"/>
+          </p:nvPr>
+        </p:nvPicPr>
+        <p:blipFill>
+          <a:blip r:embed="rId2">
+            <a:extLst>
+              <a:ext uri="{28A0092B-C50C-407E-A947-70E740481C1C}">
+                <a14:useLocalDpi xmlns:a14="http://schemas.microsoft.com/office/drawing/2010/main" val="0"/>
+              </a:ext>
+            </a:extLst>
+          </a:blip>
+          <a:stretch>
+            <a:fillRect/>
+          </a:stretch>
+        </p:blipFill>
+        <p:spPr>
+          <a:xfrm>
+            <a:off x="5819064" y="631056"/>
+            <a:ext cx="5512312" cy="4644377"/>
+          </a:xfrm>
+        </p:spPr>
+      </p:pic>
       <p:sp>
         <p:nvSpPr>
           <p:cNvPr id="2" name="Titel 1"/>
@@ -3069,7 +3119,7 @@
           <a:p>
             <a:r>
               <a:rPr lang="nl-NL" smtClean="0"/>
-              <a:t>Conclusie</a:t>
+              <a:t>Nauwkeurigheid model</a:t>
             </a:r>
             <a:endParaRPr lang="nl-NL"/>
           </a:p>
@@ -3077,27 +3127,548 @@
       </p:sp>
       <p:sp>
         <p:nvSpPr>
-          <p:cNvPr id="3" name="Tijdelijke aanduiding voor inhoud 2"/>
-          <p:cNvSpPr>
-            <a:spLocks noGrp="1"/>
-          </p:cNvSpPr>
-          <p:nvPr>
-            <p:ph idx="1"/>
-          </p:nvPr>
-        </p:nvSpPr>
-        <p:spPr/>
-        <p:txBody>
-          <a:bodyPr/>
-          <a:lstStyle/>
-          <a:p>
-            <a:endParaRPr lang="nl-NL"/>
-          </a:p>
-        </p:txBody>
-      </p:sp>
+          <p:cNvPr id="5" name="Tijdelijke aanduiding voor inhoud 2"/>
+          <p:cNvSpPr txBox="1">
+            <a:spLocks/>
+          </p:cNvSpPr>
+          <p:nvPr/>
+        </p:nvSpPr>
+        <p:spPr>
+          <a:xfrm>
+            <a:off x="838200" y="1825625"/>
+            <a:ext cx="5408054" cy="4351338"/>
+          </a:xfrm>
+          <a:prstGeom prst="rect">
+            <a:avLst/>
+          </a:prstGeom>
+        </p:spPr>
+        <p:txBody>
+          <a:bodyPr vert="horz" lIns="91440" tIns="45720" rIns="91440" bIns="45720" rtlCol="0">
+            <a:normAutofit/>
+          </a:bodyPr>
+          <a:lstStyle>
+            <a:lvl1pPr marL="228600" indent="-228600" algn="l" defTabSz="914400" rtl="0" eaLnBrk="1" latinLnBrk="0" hangingPunct="1">
+              <a:lnSpc>
+                <a:spcPct val="90000"/>
+              </a:lnSpc>
+              <a:spcBef>
+                <a:spcPts val="1000"/>
+              </a:spcBef>
+              <a:buFont typeface="Arial" panose="020B0604020202020204" pitchFamily="34" charset="0"/>
+              <a:buChar char="•"/>
+              <a:defRPr sz="2800" kern="1200">
+                <a:solidFill>
+                  <a:schemeClr val="tx1"/>
+                </a:solidFill>
+                <a:latin typeface="+mn-lt"/>
+                <a:ea typeface="+mn-ea"/>
+                <a:cs typeface="+mn-cs"/>
+              </a:defRPr>
+            </a:lvl1pPr>
+            <a:lvl2pPr marL="685800" indent="-228600" algn="l" defTabSz="914400" rtl="0" eaLnBrk="1" latinLnBrk="0" hangingPunct="1">
+              <a:lnSpc>
+                <a:spcPct val="90000"/>
+              </a:lnSpc>
+              <a:spcBef>
+                <a:spcPts val="500"/>
+              </a:spcBef>
+              <a:buFont typeface="Arial" panose="020B0604020202020204" pitchFamily="34" charset="0"/>
+              <a:buChar char="•"/>
+              <a:defRPr sz="2400" kern="1200">
+                <a:solidFill>
+                  <a:schemeClr val="tx1"/>
+                </a:solidFill>
+                <a:latin typeface="+mn-lt"/>
+                <a:ea typeface="+mn-ea"/>
+                <a:cs typeface="+mn-cs"/>
+              </a:defRPr>
+            </a:lvl2pPr>
+            <a:lvl3pPr marL="1143000" indent="-228600" algn="l" defTabSz="914400" rtl="0" eaLnBrk="1" latinLnBrk="0" hangingPunct="1">
+              <a:lnSpc>
+                <a:spcPct val="90000"/>
+              </a:lnSpc>
+              <a:spcBef>
+                <a:spcPts val="500"/>
+              </a:spcBef>
+              <a:buFont typeface="Arial" panose="020B0604020202020204" pitchFamily="34" charset="0"/>
+              <a:buChar char="•"/>
+              <a:defRPr sz="2000" kern="1200">
+                <a:solidFill>
+                  <a:schemeClr val="tx1"/>
+                </a:solidFill>
+                <a:latin typeface="+mn-lt"/>
+                <a:ea typeface="+mn-ea"/>
+                <a:cs typeface="+mn-cs"/>
+              </a:defRPr>
+            </a:lvl3pPr>
+            <a:lvl4pPr marL="1600200" indent="-228600" algn="l" defTabSz="914400" rtl="0" eaLnBrk="1" latinLnBrk="0" hangingPunct="1">
+              <a:lnSpc>
+                <a:spcPct val="90000"/>
+              </a:lnSpc>
+              <a:spcBef>
+                <a:spcPts val="500"/>
+              </a:spcBef>
+              <a:buFont typeface="Arial" panose="020B0604020202020204" pitchFamily="34" charset="0"/>
+              <a:buChar char="•"/>
+              <a:defRPr sz="1800" kern="1200">
+                <a:solidFill>
+                  <a:schemeClr val="tx1"/>
+                </a:solidFill>
+                <a:latin typeface="+mn-lt"/>
+                <a:ea typeface="+mn-ea"/>
+                <a:cs typeface="+mn-cs"/>
+              </a:defRPr>
+            </a:lvl4pPr>
+            <a:lvl5pPr marL="2057400" indent="-228600" algn="l" defTabSz="914400" rtl="0" eaLnBrk="1" latinLnBrk="0" hangingPunct="1">
+              <a:lnSpc>
+                <a:spcPct val="90000"/>
+              </a:lnSpc>
+              <a:spcBef>
+                <a:spcPts val="500"/>
+              </a:spcBef>
+              <a:buFont typeface="Arial" panose="020B0604020202020204" pitchFamily="34" charset="0"/>
+              <a:buChar char="•"/>
+              <a:defRPr sz="1800" kern="1200">
+                <a:solidFill>
+                  <a:schemeClr val="tx1"/>
+                </a:solidFill>
+                <a:latin typeface="+mn-lt"/>
+                <a:ea typeface="+mn-ea"/>
+                <a:cs typeface="+mn-cs"/>
+              </a:defRPr>
+            </a:lvl5pPr>
+            <a:lvl6pPr marL="2514600" indent="-228600" algn="l" defTabSz="914400" rtl="0" eaLnBrk="1" latinLnBrk="0" hangingPunct="1">
+              <a:lnSpc>
+                <a:spcPct val="90000"/>
+              </a:lnSpc>
+              <a:spcBef>
+                <a:spcPts val="500"/>
+              </a:spcBef>
+              <a:buFont typeface="Arial" panose="020B0604020202020204" pitchFamily="34" charset="0"/>
+              <a:buChar char="•"/>
+              <a:defRPr sz="1800" kern="1200">
+                <a:solidFill>
+                  <a:schemeClr val="tx1"/>
+                </a:solidFill>
+                <a:latin typeface="+mn-lt"/>
+                <a:ea typeface="+mn-ea"/>
+                <a:cs typeface="+mn-cs"/>
+              </a:defRPr>
+            </a:lvl6pPr>
+            <a:lvl7pPr marL="2971800" indent="-228600" algn="l" defTabSz="914400" rtl="0" eaLnBrk="1" latinLnBrk="0" hangingPunct="1">
+              <a:lnSpc>
+                <a:spcPct val="90000"/>
+              </a:lnSpc>
+              <a:spcBef>
+                <a:spcPts val="500"/>
+              </a:spcBef>
+              <a:buFont typeface="Arial" panose="020B0604020202020204" pitchFamily="34" charset="0"/>
+              <a:buChar char="•"/>
+              <a:defRPr sz="1800" kern="1200">
+                <a:solidFill>
+                  <a:schemeClr val="tx1"/>
+                </a:solidFill>
+                <a:latin typeface="+mn-lt"/>
+                <a:ea typeface="+mn-ea"/>
+                <a:cs typeface="+mn-cs"/>
+              </a:defRPr>
+            </a:lvl7pPr>
+            <a:lvl8pPr marL="3429000" indent="-228600" algn="l" defTabSz="914400" rtl="0" eaLnBrk="1" latinLnBrk="0" hangingPunct="1">
+              <a:lnSpc>
+                <a:spcPct val="90000"/>
+              </a:lnSpc>
+              <a:spcBef>
+                <a:spcPts val="500"/>
+              </a:spcBef>
+              <a:buFont typeface="Arial" panose="020B0604020202020204" pitchFamily="34" charset="0"/>
+              <a:buChar char="•"/>
+              <a:defRPr sz="1800" kern="1200">
+                <a:solidFill>
+                  <a:schemeClr val="tx1"/>
+                </a:solidFill>
+                <a:latin typeface="+mn-lt"/>
+                <a:ea typeface="+mn-ea"/>
+                <a:cs typeface="+mn-cs"/>
+              </a:defRPr>
+            </a:lvl8pPr>
+            <a:lvl9pPr marL="3886200" indent="-228600" algn="l" defTabSz="914400" rtl="0" eaLnBrk="1" latinLnBrk="0" hangingPunct="1">
+              <a:lnSpc>
+                <a:spcPct val="90000"/>
+              </a:lnSpc>
+              <a:spcBef>
+                <a:spcPts val="500"/>
+              </a:spcBef>
+              <a:buFont typeface="Arial" panose="020B0604020202020204" pitchFamily="34" charset="0"/>
+              <a:buChar char="•"/>
+              <a:defRPr sz="1800" kern="1200">
+                <a:solidFill>
+                  <a:schemeClr val="tx1"/>
+                </a:solidFill>
+                <a:latin typeface="+mn-lt"/>
+                <a:ea typeface="+mn-ea"/>
+                <a:cs typeface="+mn-cs"/>
+              </a:defRPr>
+            </a:lvl9pPr>
+          </a:lstStyle>
+          <a:p>
+            <a:r>
+              <a:rPr lang="nl-NL" smtClean="0"/>
+              <a:t>Planeten minder dan 1AU onnauwkeurig </a:t>
+            </a:r>
+          </a:p>
+          <a:p>
+            <a:r>
+              <a:rPr lang="nl-NL" smtClean="0"/>
+              <a:t>Omlooptijd te kort voor dt=1 maand</a:t>
+            </a:r>
+          </a:p>
+          <a:p>
+            <a:r>
+              <a:rPr lang="nl-NL" smtClean="0"/>
+              <a:t>Energie niet behouden</a:t>
+            </a:r>
+          </a:p>
+        </p:txBody>
+      </p:sp>
+      <p:graphicFrame>
+        <p:nvGraphicFramePr>
+          <p:cNvPr id="6" name="Tabel 5"/>
+          <p:cNvGraphicFramePr>
+            <a:graphicFrameLocks noGrp="1"/>
+          </p:cNvGraphicFramePr>
+          <p:nvPr>
+            <p:extLst>
+              <p:ext uri="{D42A27DB-BD31-4B8C-83A1-F6EECF244321}">
+                <p14:modId xmlns:p14="http://schemas.microsoft.com/office/powerpoint/2010/main" val="3826835587"/>
+              </p:ext>
+            </p:extLst>
+          </p:nvPr>
+        </p:nvGraphicFramePr>
+        <p:xfrm>
+          <a:off x="447901" y="5640947"/>
+          <a:ext cx="11190312" cy="775236"/>
+        </p:xfrm>
+        <a:graphic>
+          <a:graphicData uri="http://schemas.openxmlformats.org/drawingml/2006/table">
+            <a:tbl>
+              <a:tblPr firstRow="1" bandRow="1">
+                <a:tableStyleId>{5C22544A-7EE6-4342-B048-85BDC9FD1C3A}</a:tableStyleId>
+              </a:tblPr>
+              <a:tblGrid>
+                <a:gridCol w="1398789"/>
+                <a:gridCol w="1398789"/>
+                <a:gridCol w="1398789"/>
+                <a:gridCol w="1398789"/>
+                <a:gridCol w="1398789"/>
+                <a:gridCol w="1398789"/>
+                <a:gridCol w="1398789"/>
+                <a:gridCol w="1398789"/>
+              </a:tblGrid>
+              <a:tr h="404396">
+                <a:tc>
+                  <a:txBody>
+                    <a:bodyPr/>
+                    <a:lstStyle/>
+                    <a:p>
+                      <a:pPr algn="ctr"/>
+                      <a:r>
+                        <a:rPr lang="nl-NL" smtClean="0"/>
+                        <a:t>k-de</a:t>
+                      </a:r>
+                      <a:r>
+                        <a:rPr lang="nl-NL" baseline="0" smtClean="0"/>
+                        <a:t> tijdstip</a:t>
+                      </a:r>
+                      <a:endParaRPr lang="nl-NL"/>
+                    </a:p>
+                  </a:txBody>
+                  <a:tcPr/>
+                </a:tc>
+                <a:tc>
+                  <a:txBody>
+                    <a:bodyPr/>
+                    <a:lstStyle/>
+                    <a:p>
+                      <a:pPr algn="ctr"/>
+                      <a:r>
+                        <a:rPr lang="nl-NL" smtClean="0"/>
+                        <a:t>0</a:t>
+                      </a:r>
+                      <a:endParaRPr lang="nl-NL"/>
+                    </a:p>
+                  </a:txBody>
+                  <a:tcPr/>
+                </a:tc>
+                <a:tc>
+                  <a:txBody>
+                    <a:bodyPr/>
+                    <a:lstStyle/>
+                    <a:p>
+                      <a:pPr algn="ctr"/>
+                      <a:r>
+                        <a:rPr lang="nl-NL" smtClean="0"/>
+                        <a:t>20</a:t>
+                      </a:r>
+                      <a:endParaRPr lang="nl-NL"/>
+                    </a:p>
+                  </a:txBody>
+                  <a:tcPr anchor="ctr"/>
+                </a:tc>
+                <a:tc>
+                  <a:txBody>
+                    <a:bodyPr/>
+                    <a:lstStyle/>
+                    <a:p>
+                      <a:pPr algn="ctr"/>
+                      <a:r>
+                        <a:rPr lang="nl-NL" smtClean="0"/>
+                        <a:t>40</a:t>
+                      </a:r>
+                      <a:endParaRPr lang="nl-NL"/>
+                    </a:p>
+                  </a:txBody>
+                  <a:tcPr/>
+                </a:tc>
+                <a:tc>
+                  <a:txBody>
+                    <a:bodyPr/>
+                    <a:lstStyle/>
+                    <a:p>
+                      <a:pPr algn="ctr"/>
+                      <a:r>
+                        <a:rPr lang="nl-NL" smtClean="0"/>
+                        <a:t>60</a:t>
+                      </a:r>
+                      <a:endParaRPr lang="nl-NL"/>
+                    </a:p>
+                  </a:txBody>
+                  <a:tcPr/>
+                </a:tc>
+                <a:tc>
+                  <a:txBody>
+                    <a:bodyPr/>
+                    <a:lstStyle/>
+                    <a:p>
+                      <a:pPr algn="ctr"/>
+                      <a:r>
+                        <a:rPr lang="nl-NL" smtClean="0"/>
+                        <a:t>80</a:t>
+                      </a:r>
+                      <a:endParaRPr lang="nl-NL"/>
+                    </a:p>
+                  </a:txBody>
+                  <a:tcPr/>
+                </a:tc>
+                <a:tc>
+                  <a:txBody>
+                    <a:bodyPr/>
+                    <a:lstStyle/>
+                    <a:p>
+                      <a:pPr algn="ctr"/>
+                      <a:r>
+                        <a:rPr lang="nl-NL" smtClean="0"/>
+                        <a:t>100</a:t>
+                      </a:r>
+                      <a:endParaRPr lang="nl-NL"/>
+                    </a:p>
+                  </a:txBody>
+                  <a:tcPr/>
+                </a:tc>
+                <a:tc>
+                  <a:txBody>
+                    <a:bodyPr/>
+                    <a:lstStyle/>
+                    <a:p>
+                      <a:pPr algn="ctr"/>
+                      <a:r>
+                        <a:rPr lang="nl-NL" smtClean="0"/>
+                        <a:t>120</a:t>
+                      </a:r>
+                      <a:endParaRPr lang="nl-NL"/>
+                    </a:p>
+                  </a:txBody>
+                  <a:tcPr/>
+                </a:tc>
+              </a:tr>
+              <a:tr h="370840">
+                <a:tc>
+                  <a:txBody>
+                    <a:bodyPr/>
+                    <a:lstStyle/>
+                    <a:p>
+                      <a:pPr algn="ctr"/>
+                      <a:r>
+                        <a:rPr lang="nl-NL" smtClean="0"/>
+                        <a:t>Energie</a:t>
+                      </a:r>
+                      <a:endParaRPr lang="nl-NL"/>
+                    </a:p>
+                  </a:txBody>
+                  <a:tcPr/>
+                </a:tc>
+                <a:tc>
+                  <a:txBody>
+                    <a:bodyPr/>
+                    <a:lstStyle/>
+                    <a:p>
+                      <a:pPr algn="ctr"/>
+                      <a:r>
+                        <a:rPr lang="nl-NL" sz="1800" b="0" i="0" u="none" strike="noStrike" kern="1200" baseline="0" smtClean="0">
+                          <a:solidFill>
+                            <a:schemeClr val="dk1"/>
+                          </a:solidFill>
+                          <a:latin typeface="+mn-lt"/>
+                          <a:ea typeface="+mn-ea"/>
+                          <a:cs typeface="+mn-cs"/>
+                        </a:rPr>
+                        <a:t>-0.4080</a:t>
+                      </a:r>
+                      <a:endParaRPr lang="nl-NL"/>
+                    </a:p>
+                  </a:txBody>
+                  <a:tcPr/>
+                </a:tc>
+                <a:tc>
+                  <a:txBody>
+                    <a:bodyPr/>
+                    <a:lstStyle/>
+                    <a:p>
+                      <a:pPr algn="ctr"/>
+                      <a:r>
+                        <a:rPr lang="nl-NL" sz="1800" b="0" i="0" u="none" strike="noStrike" kern="1200" baseline="0" smtClean="0">
+                          <a:solidFill>
+                            <a:schemeClr val="dk1"/>
+                          </a:solidFill>
+                          <a:latin typeface="+mn-lt"/>
+                          <a:ea typeface="+mn-ea"/>
+                          <a:cs typeface="+mn-cs"/>
+                        </a:rPr>
+                        <a:t>-0.3539</a:t>
+                      </a:r>
+                      <a:endParaRPr lang="nl-NL"/>
+                    </a:p>
+                  </a:txBody>
+                  <a:tcPr/>
+                </a:tc>
+                <a:tc>
+                  <a:txBody>
+                    <a:bodyPr/>
+                    <a:lstStyle/>
+                    <a:p>
+                      <a:pPr algn="ctr"/>
+                      <a:r>
+                        <a:rPr lang="nl-NL" sz="1800" b="0" i="0" u="none" strike="noStrike" kern="1200" baseline="0" smtClean="0">
+                          <a:solidFill>
+                            <a:schemeClr val="dk1"/>
+                          </a:solidFill>
+                          <a:latin typeface="+mn-lt"/>
+                          <a:ea typeface="+mn-ea"/>
+                          <a:cs typeface="+mn-cs"/>
+                        </a:rPr>
+                        <a:t>-0.3630</a:t>
+                      </a:r>
+                      <a:endParaRPr lang="nl-NL"/>
+                    </a:p>
+                  </a:txBody>
+                  <a:tcPr/>
+                </a:tc>
+                <a:tc>
+                  <a:txBody>
+                    <a:bodyPr/>
+                    <a:lstStyle/>
+                    <a:p>
+                      <a:pPr algn="ctr"/>
+                      <a:r>
+                        <a:rPr lang="nl-NL" sz="1800" b="0" i="0" u="none" strike="noStrike" kern="1200" baseline="0" smtClean="0">
+                          <a:solidFill>
+                            <a:schemeClr val="dk1"/>
+                          </a:solidFill>
+                          <a:latin typeface="+mn-lt"/>
+                          <a:ea typeface="+mn-ea"/>
+                          <a:cs typeface="+mn-cs"/>
+                        </a:rPr>
+                        <a:t>-0.3643</a:t>
+                      </a:r>
+                      <a:endParaRPr lang="nl-NL"/>
+                    </a:p>
+                  </a:txBody>
+                  <a:tcPr/>
+                </a:tc>
+                <a:tc>
+                  <a:txBody>
+                    <a:bodyPr/>
+                    <a:lstStyle/>
+                    <a:p>
+                      <a:pPr algn="ctr"/>
+                      <a:r>
+                        <a:rPr lang="nl-NL" sz="1800" b="0" i="0" u="none" strike="noStrike" kern="1200" baseline="0" smtClean="0">
+                          <a:solidFill>
+                            <a:schemeClr val="dk1"/>
+                          </a:solidFill>
+                          <a:latin typeface="+mn-lt"/>
+                          <a:ea typeface="+mn-ea"/>
+                          <a:cs typeface="+mn-cs"/>
+                        </a:rPr>
+                        <a:t>-0.3543</a:t>
+                      </a:r>
+                      <a:endParaRPr lang="nl-NL"/>
+                    </a:p>
+                  </a:txBody>
+                  <a:tcPr/>
+                </a:tc>
+                <a:tc>
+                  <a:txBody>
+                    <a:bodyPr/>
+                    <a:lstStyle/>
+                    <a:p>
+                      <a:pPr algn="ctr"/>
+                      <a:r>
+                        <a:rPr lang="nl-NL" sz="1800" b="0" i="0" u="none" strike="noStrike" kern="1200" baseline="0" smtClean="0">
+                          <a:solidFill>
+                            <a:schemeClr val="dk1"/>
+                          </a:solidFill>
+                          <a:latin typeface="+mn-lt"/>
+                          <a:ea typeface="+mn-ea"/>
+                          <a:cs typeface="+mn-cs"/>
+                        </a:rPr>
+                        <a:t>-0.3700</a:t>
+                      </a:r>
+                      <a:endParaRPr lang="nl-NL"/>
+                    </a:p>
+                  </a:txBody>
+                  <a:tcPr/>
+                </a:tc>
+                <a:tc>
+                  <a:txBody>
+                    <a:bodyPr/>
+                    <a:lstStyle/>
+                    <a:p>
+                      <a:pPr algn="ctr"/>
+                      <a:r>
+                        <a:rPr lang="nl-NL" sz="1800" b="0" i="0" u="none" strike="noStrike" kern="1200" baseline="0" smtClean="0">
+                          <a:solidFill>
+                            <a:schemeClr val="dk1"/>
+                          </a:solidFill>
+                          <a:latin typeface="+mn-lt"/>
+                          <a:ea typeface="+mn-ea"/>
+                          <a:cs typeface="+mn-cs"/>
+                        </a:rPr>
+                        <a:t>-0.4080</a:t>
+                      </a:r>
+                      <a:endParaRPr lang="nl-NL"/>
+                    </a:p>
+                  </a:txBody>
+                  <a:tcPr/>
+                </a:tc>
+              </a:tr>
+            </a:tbl>
+          </a:graphicData>
+        </a:graphic>
+      </p:graphicFrame>
     </p:spTree>
     <p:extLst>
       <p:ext uri="{BB962C8B-B14F-4D97-AF65-F5344CB8AC3E}">
-        <p14:creationId xmlns:p14="http://schemas.microsoft.com/office/powerpoint/2010/main" val="2551201508"/>
+        <p14:creationId xmlns:p14="http://schemas.microsoft.com/office/powerpoint/2010/main" val="2513868334"/>
       </p:ext>
     </p:extLst>
   </p:cSld>
@@ -3148,6 +3719,85 @@
           <a:p>
             <a:r>
               <a:rPr lang="nl-NL" smtClean="0"/>
+              <a:t>Conclusie</a:t>
+            </a:r>
+            <a:endParaRPr lang="nl-NL"/>
+          </a:p>
+        </p:txBody>
+      </p:sp>
+      <p:sp>
+        <p:nvSpPr>
+          <p:cNvPr id="3" name="Tijdelijke aanduiding voor inhoud 2"/>
+          <p:cNvSpPr>
+            <a:spLocks noGrp="1"/>
+          </p:cNvSpPr>
+          <p:nvPr>
+            <p:ph idx="1"/>
+          </p:nvPr>
+        </p:nvSpPr>
+        <p:spPr/>
+        <p:txBody>
+          <a:bodyPr/>
+          <a:lstStyle/>
+          <a:p>
+            <a:endParaRPr lang="nl-NL"/>
+          </a:p>
+        </p:txBody>
+      </p:sp>
+    </p:spTree>
+    <p:extLst>
+      <p:ext uri="{BB962C8B-B14F-4D97-AF65-F5344CB8AC3E}">
+        <p14:creationId xmlns:p14="http://schemas.microsoft.com/office/powerpoint/2010/main" val="2551201508"/>
+      </p:ext>
+    </p:extLst>
+  </p:cSld>
+  <p:clrMapOvr>
+    <a:masterClrMapping/>
+  </p:clrMapOvr>
+  <p:timing>
+    <p:tnLst>
+      <p:par>
+        <p:cTn id="1" dur="indefinite" restart="never" nodeType="tmRoot"/>
+      </p:par>
+    </p:tnLst>
+  </p:timing>
+</p:sld>
+</file>
+
+<file path=ppt/slides/slide12.xml><?xml version="1.0" encoding="utf-8"?>
+<p:sld xmlns:a="http://schemas.openxmlformats.org/drawingml/2006/main" xmlns:r="http://schemas.openxmlformats.org/officeDocument/2006/relationships" xmlns:p="http://schemas.openxmlformats.org/presentationml/2006/main">
+  <p:cSld>
+    <p:spTree>
+      <p:nvGrpSpPr>
+        <p:cNvPr id="1" name=""/>
+        <p:cNvGrpSpPr/>
+        <p:nvPr/>
+      </p:nvGrpSpPr>
+      <p:grpSpPr>
+        <a:xfrm>
+          <a:off x="0" y="0"/>
+          <a:ext cx="0" cy="0"/>
+          <a:chOff x="0" y="0"/>
+          <a:chExt cx="0" cy="0"/>
+        </a:xfrm>
+      </p:grpSpPr>
+      <p:sp>
+        <p:nvSpPr>
+          <p:cNvPr id="2" name="Titel 1"/>
+          <p:cNvSpPr>
+            <a:spLocks noGrp="1"/>
+          </p:cNvSpPr>
+          <p:nvPr>
+            <p:ph type="title"/>
+          </p:nvPr>
+        </p:nvSpPr>
+        <p:spPr/>
+        <p:txBody>
+          <a:bodyPr/>
+          <a:lstStyle/>
+          <a:p>
+            <a:r>
+              <a:rPr lang="nl-NL" smtClean="0"/>
               <a:t>Bedankt voor jullie aandacht</a:t>
             </a:r>
             <a:endParaRPr lang="nl-NL"/>
@@ -3183,6 +3833,13 @@
   <p:clrMapOvr>
     <a:masterClrMapping/>
   </p:clrMapOvr>
+  <p:timing>
+    <p:tnLst>
+      <p:par>
+        <p:cTn id="1" dur="indefinite" restart="never" nodeType="tmRoot"/>
+      </p:par>
+    </p:tnLst>
+  </p:timing>
 </p:sld>
 </file>
 
@@ -3285,6 +3942,13 @@
   <p:clrMapOvr>
     <a:masterClrMapping/>
   </p:clrMapOvr>
+  <p:timing>
+    <p:tnLst>
+      <p:par>
+        <p:cTn id="1" dur="indefinite" restart="never" nodeType="tmRoot"/>
+      </p:par>
+    </p:tnLst>
+  </p:timing>
 </p:sld>
 </file>
 
@@ -3393,6 +4057,13 @@
   <p:clrMapOvr>
     <a:masterClrMapping/>
   </p:clrMapOvr>
+  <p:timing>
+    <p:tnLst>
+      <p:par>
+        <p:cTn id="1" dur="indefinite" restart="never" nodeType="tmRoot"/>
+      </p:par>
+    </p:tnLst>
+  </p:timing>
 </p:sld>
 </file>
 
@@ -3436,8 +4107,8 @@
           </a:p>
         </p:txBody>
       </p:sp>
-      <mc:AlternateContent xmlns:mc="http://schemas.openxmlformats.org/markup-compatibility/2006">
-        <mc:Choice xmlns:a14="http://schemas.microsoft.com/office/drawing/2010/main" Requires="a14">
+      <mc:AlternateContent xmlns:mc="http://schemas.openxmlformats.org/markup-compatibility/2006" xmlns:a14="http://schemas.microsoft.com/office/drawing/2010/main">
+        <mc:Choice Requires="a14">
           <p:sp>
             <p:nvSpPr>
               <p:cNvPr id="3" name="Tijdelijke aanduiding voor inhoud 2"/>
@@ -3905,7 +4576,7 @@
             </p:txBody>
           </p:sp>
         </mc:Choice>
-        <mc:Fallback>
+        <mc:Fallback xmlns="">
           <p:sp>
             <p:nvSpPr>
               <p:cNvPr id="3" name="Tijdelijke aanduiding voor inhoud 2"/>
@@ -3949,6 +4620,13 @@
   <p:clrMapOvr>
     <a:masterClrMapping/>
   </p:clrMapOvr>
+  <p:timing>
+    <p:tnLst>
+      <p:par>
+        <p:cTn id="1" dur="indefinite" restart="never" nodeType="tmRoot"/>
+      </p:par>
+    </p:tnLst>
+  </p:timing>
 </p:sld>
 </file>
 
@@ -3992,8 +4670,8 @@
           </a:p>
         </p:txBody>
       </p:sp>
-      <mc:AlternateContent xmlns:mc="http://schemas.openxmlformats.org/markup-compatibility/2006">
-        <mc:Choice xmlns:a14="http://schemas.microsoft.com/office/drawing/2010/main" Requires="a14">
+      <mc:AlternateContent xmlns:mc="http://schemas.openxmlformats.org/markup-compatibility/2006" xmlns:a14="http://schemas.microsoft.com/office/drawing/2010/main">
+        <mc:Choice Requires="a14">
           <p:sp>
             <p:nvSpPr>
               <p:cNvPr id="3" name="Tijdelijke aanduiding voor inhoud 2"/>
@@ -4400,7 +5078,7 @@
             </p:txBody>
           </p:sp>
         </mc:Choice>
-        <mc:Fallback>
+        <mc:Fallback xmlns="">
           <p:sp>
             <p:nvSpPr>
               <p:cNvPr id="3" name="Tijdelijke aanduiding voor inhoud 2"/>
@@ -4497,25 +5175,127 @@
             <p:ph idx="1"/>
           </p:nvPr>
         </p:nvSpPr>
-        <p:spPr/>
-        <p:txBody>
-          <a:bodyPr/>
-          <a:lstStyle/>
-          <a:p>
-            <a:r>
-              <a:rPr lang="nl-NL" smtClean="0"/>
-              <a:t>Langzaam model</a:t>
-            </a:r>
-          </a:p>
-          <a:p>
-            <a:r>
-              <a:rPr lang="nl-NL" smtClean="0"/>
-              <a:t>Afschatting </a:t>
-            </a:r>
-            <a:endParaRPr lang="nl-NL"/>
-          </a:p>
-        </p:txBody>
-      </p:sp>
+        <p:spPr>
+          <a:xfrm>
+            <a:off x="838200" y="1825624"/>
+            <a:ext cx="4998156" cy="4676776"/>
+          </a:xfrm>
+        </p:spPr>
+        <p:txBody>
+          <a:bodyPr>
+            <a:normAutofit lnSpcReduction="10000"/>
+          </a:bodyPr>
+          <a:lstStyle/>
+          <a:p>
+            <a:r>
+              <a:rPr lang="nl-NL" dirty="0" smtClean="0"/>
+              <a:t>Langzaam </a:t>
+            </a:r>
+            <a:r>
+              <a:rPr lang="nl-NL" dirty="0" smtClean="0"/>
+              <a:t>model; orde N²</a:t>
+            </a:r>
+          </a:p>
+          <a:p>
+            <a:r>
+              <a:rPr lang="nl-NL" dirty="0" smtClean="0"/>
+              <a:t>Afschatting: deeltjes dicht bij elkaar groeperen</a:t>
+            </a:r>
+          </a:p>
+          <a:p>
+            <a:r>
+              <a:rPr lang="nl-NL" dirty="0" smtClean="0"/>
+              <a:t>Implementatie: ruimte recursief opdelen in kwadranten tot elk deeltje eigen kwadrant heeft</a:t>
+            </a:r>
+          </a:p>
+          <a:p>
+            <a:r>
+              <a:rPr lang="nl-NL" dirty="0" smtClean="0"/>
+              <a:t>Programmeren: Barnes-Hut boom</a:t>
+            </a:r>
+          </a:p>
+          <a:p>
+            <a:r>
+              <a:rPr lang="nl-NL" dirty="0"/>
+              <a:t>Algoritme niet exact</a:t>
+            </a:r>
+            <a:endParaRPr lang="nl-NL" dirty="0" smtClean="0"/>
+          </a:p>
+          <a:p>
+            <a:r>
+              <a:rPr lang="nl-NL" dirty="0" smtClean="0"/>
+              <a:t>orde </a:t>
+            </a:r>
+            <a:r>
+              <a:rPr lang="nl-NL" dirty="0" err="1" smtClean="0"/>
+              <a:t>N·log</a:t>
+            </a:r>
+            <a:r>
+              <a:rPr lang="nl-NL" dirty="0" smtClean="0"/>
+              <a:t>(N)</a:t>
+            </a:r>
+          </a:p>
+        </p:txBody>
+      </p:sp>
+      <p:pic>
+        <p:nvPicPr>
+          <p:cNvPr id="4" name="Afbeelding 3"/>
+          <p:cNvPicPr>
+            <a:picLocks noChangeAspect="1"/>
+          </p:cNvPicPr>
+          <p:nvPr/>
+        </p:nvPicPr>
+        <p:blipFill>
+          <a:blip r:embed="rId2">
+            <a:extLst>
+              <a:ext uri="{28A0092B-C50C-407E-A947-70E740481C1C}">
+                <a14:useLocalDpi xmlns:a14="http://schemas.microsoft.com/office/drawing/2010/main" val="0"/>
+              </a:ext>
+            </a:extLst>
+          </a:blip>
+          <a:stretch>
+            <a:fillRect/>
+          </a:stretch>
+        </p:blipFill>
+        <p:spPr>
+          <a:xfrm>
+            <a:off x="6124149" y="699915"/>
+            <a:ext cx="3933333" cy="3933333"/>
+          </a:xfrm>
+          <a:prstGeom prst="rect">
+            <a:avLst/>
+          </a:prstGeom>
+        </p:spPr>
+      </p:pic>
+      <p:pic>
+        <p:nvPicPr>
+          <p:cNvPr id="5" name="Afbeelding 4"/>
+          <p:cNvPicPr>
+            <a:picLocks noChangeAspect="1"/>
+          </p:cNvPicPr>
+          <p:nvPr/>
+        </p:nvPicPr>
+        <p:blipFill rotWithShape="1">
+          <a:blip r:embed="rId3">
+            <a:extLst>
+              <a:ext uri="{28A0092B-C50C-407E-A947-70E740481C1C}">
+                <a14:useLocalDpi xmlns:a14="http://schemas.microsoft.com/office/drawing/2010/main" val="0"/>
+              </a:ext>
+            </a:extLst>
+          </a:blip>
+          <a:srcRect t="20254"/>
+          <a:stretch/>
+        </p:blipFill>
+        <p:spPr>
+          <a:xfrm>
+            <a:off x="9287719" y="4831645"/>
+            <a:ext cx="2575990" cy="1981200"/>
+          </a:xfrm>
+          <a:prstGeom prst="rect">
+            <a:avLst/>
+          </a:prstGeom>
+        </p:spPr>
+      </p:pic>
     </p:spTree>
     <p:extLst>
       <p:ext uri="{BB962C8B-B14F-4D97-AF65-F5344CB8AC3E}">
@@ -4537,6 +5317,143 @@
 </file>
 
 <file path=ppt/slides/slide7.xml><?xml version="1.0" encoding="utf-8"?>
+<p:sld xmlns:a="http://schemas.openxmlformats.org/drawingml/2006/main" xmlns:r="http://schemas.openxmlformats.org/officeDocument/2006/relationships" xmlns:p="http://schemas.openxmlformats.org/presentationml/2006/main">
+  <p:cSld>
+    <p:spTree>
+      <p:nvGrpSpPr>
+        <p:cNvPr id="1" name=""/>
+        <p:cNvGrpSpPr/>
+        <p:nvPr/>
+      </p:nvGrpSpPr>
+      <p:grpSpPr>
+        <a:xfrm>
+          <a:off x="0" y="0"/>
+          <a:ext cx="0" cy="0"/>
+          <a:chOff x="0" y="0"/>
+          <a:chExt cx="0" cy="0"/>
+        </a:xfrm>
+      </p:grpSpPr>
+      <p:sp>
+        <p:nvSpPr>
+          <p:cNvPr id="2" name="Titel 1"/>
+          <p:cNvSpPr>
+            <a:spLocks noGrp="1"/>
+          </p:cNvSpPr>
+          <p:nvPr>
+            <p:ph type="title"/>
+          </p:nvPr>
+        </p:nvSpPr>
+        <p:spPr/>
+        <p:txBody>
+          <a:bodyPr/>
+          <a:lstStyle/>
+          <a:p>
+            <a:r>
+              <a:rPr lang="nl-NL" dirty="0" smtClean="0"/>
+              <a:t>Barnes-Hut </a:t>
+            </a:r>
+            <a:r>
+              <a:rPr lang="nl-NL" dirty="0" smtClean="0"/>
+              <a:t>voor botsingen</a:t>
+            </a:r>
+            <a:endParaRPr lang="nl-NL" dirty="0"/>
+          </a:p>
+        </p:txBody>
+      </p:sp>
+      <p:sp>
+        <p:nvSpPr>
+          <p:cNvPr id="3" name="Tijdelijke aanduiding voor inhoud 2"/>
+          <p:cNvSpPr>
+            <a:spLocks noGrp="1"/>
+          </p:cNvSpPr>
+          <p:nvPr>
+            <p:ph idx="1"/>
+          </p:nvPr>
+        </p:nvSpPr>
+        <p:spPr>
+          <a:xfrm>
+            <a:off x="838200" y="1791758"/>
+            <a:ext cx="4998156" cy="4654198"/>
+          </a:xfrm>
+        </p:spPr>
+        <p:txBody>
+          <a:bodyPr>
+            <a:normAutofit/>
+          </a:bodyPr>
+          <a:lstStyle/>
+          <a:p>
+            <a:r>
+              <a:rPr lang="nl-NL" dirty="0" smtClean="0"/>
+              <a:t>Langzaam </a:t>
+            </a:r>
+            <a:r>
+              <a:rPr lang="nl-NL" dirty="0" smtClean="0"/>
+              <a:t>model; orde N²</a:t>
+            </a:r>
+            <a:endParaRPr lang="nl-NL" dirty="0" smtClean="0"/>
+          </a:p>
+          <a:p>
+            <a:r>
+              <a:rPr lang="nl-NL" dirty="0" smtClean="0"/>
+              <a:t>Rond elk deeltje rechthoek met grenzen</a:t>
+            </a:r>
+          </a:p>
+          <a:p>
+            <a:r>
+              <a:rPr lang="nl-NL" dirty="0" smtClean="0"/>
+              <a:t>Botsing mogelijk als en slechts als rechthoeken overlappen</a:t>
+            </a:r>
+          </a:p>
+          <a:p>
+            <a:r>
+              <a:rPr lang="nl-NL" dirty="0" smtClean="0"/>
+              <a:t>Barnes-Hut boom: interne takken hebben ruimste rechthoek</a:t>
+            </a:r>
+          </a:p>
+          <a:p>
+            <a:r>
+              <a:rPr lang="nl-NL" dirty="0"/>
+              <a:t>Algoritme wel exact</a:t>
+            </a:r>
+            <a:endParaRPr lang="nl-NL" dirty="0" smtClean="0"/>
+          </a:p>
+          <a:p>
+            <a:r>
+              <a:rPr lang="nl-NL" dirty="0" smtClean="0"/>
+              <a:t>orde </a:t>
+            </a:r>
+            <a:r>
+              <a:rPr lang="nl-NL" dirty="0" err="1" smtClean="0"/>
+              <a:t>N·log</a:t>
+            </a:r>
+            <a:r>
+              <a:rPr lang="nl-NL" dirty="0" smtClean="0"/>
+              <a:t>(N)</a:t>
+            </a:r>
+          </a:p>
+        </p:txBody>
+      </p:sp>
+    </p:spTree>
+    <p:extLst>
+      <p:ext uri="{BB962C8B-B14F-4D97-AF65-F5344CB8AC3E}">
+        <p14:creationId xmlns:p14="http://schemas.microsoft.com/office/powerpoint/2010/main" val="4065502139"/>
+      </p:ext>
+    </p:extLst>
+  </p:cSld>
+  <p:clrMapOvr>
+    <a:masterClrMapping/>
+  </p:clrMapOvr>
+  <p:timing>
+    <p:tnLst>
+      <p:par>
+        <p:cTn id="1" dur="indefinite" restart="never" nodeType="tmRoot"/>
+      </p:par>
+    </p:tnLst>
+  </p:timing>
+</p:sld>
+</file>
+
+<file path=ppt/slides/slide8.xml><?xml version="1.0" encoding="utf-8"?>
 <p:sld xmlns:a="http://schemas.openxmlformats.org/drawingml/2006/main" xmlns:r="http://schemas.openxmlformats.org/officeDocument/2006/relationships" xmlns:p="http://schemas.openxmlformats.org/presentationml/2006/main">
   <p:cSld>
     <p:spTree>
@@ -4656,100 +5573,6 @@
 </p:sld>
 </file>
 
-<file path=ppt/slides/slide8.xml><?xml version="1.0" encoding="utf-8"?>
-<p:sld xmlns:a="http://schemas.openxmlformats.org/drawingml/2006/main" xmlns:r="http://schemas.openxmlformats.org/officeDocument/2006/relationships" xmlns:p="http://schemas.openxmlformats.org/presentationml/2006/main">
-  <p:cSld>
-    <p:spTree>
-      <p:nvGrpSpPr>
-        <p:cNvPr id="1" name=""/>
-        <p:cNvGrpSpPr/>
-        <p:nvPr/>
-      </p:nvGrpSpPr>
-      <p:grpSpPr>
-        <a:xfrm>
-          <a:off x="0" y="0"/>
-          <a:ext cx="0" cy="0"/>
-          <a:chOff x="0" y="0"/>
-          <a:chExt cx="0" cy="0"/>
-        </a:xfrm>
-      </p:grpSpPr>
-      <p:sp>
-        <p:nvSpPr>
-          <p:cNvPr id="2" name="Titel 1"/>
-          <p:cNvSpPr>
-            <a:spLocks noGrp="1"/>
-          </p:cNvSpPr>
-          <p:nvPr>
-            <p:ph type="title"/>
-          </p:nvPr>
-        </p:nvSpPr>
-        <p:spPr/>
-        <p:txBody>
-          <a:bodyPr/>
-          <a:lstStyle/>
-          <a:p>
-            <a:r>
-              <a:rPr lang="nl-NL" smtClean="0"/>
-              <a:t>Nauwkeurigheid model</a:t>
-            </a:r>
-            <a:endParaRPr lang="nl-NL"/>
-          </a:p>
-        </p:txBody>
-      </p:sp>
-      <p:sp>
-        <p:nvSpPr>
-          <p:cNvPr id="3" name="Tijdelijke aanduiding voor inhoud 2"/>
-          <p:cNvSpPr>
-            <a:spLocks noGrp="1"/>
-          </p:cNvSpPr>
-          <p:nvPr>
-            <p:ph idx="1"/>
-          </p:nvPr>
-        </p:nvSpPr>
-        <p:spPr/>
-        <p:txBody>
-          <a:bodyPr/>
-          <a:lstStyle/>
-          <a:p>
-            <a:r>
-              <a:rPr lang="nl-NL" smtClean="0"/>
-              <a:t>Analyse voor N=2</a:t>
-            </a:r>
-          </a:p>
-          <a:p>
-            <a:r>
-              <a:rPr lang="nl-NL" smtClean="0"/>
-              <a:t>Behoud van energie</a:t>
-            </a:r>
-          </a:p>
-          <a:p>
-            <a:r>
-              <a:rPr lang="nl-NL" smtClean="0"/>
-              <a:t>Richardson Extrapolatie</a:t>
-            </a:r>
-          </a:p>
-        </p:txBody>
-      </p:sp>
-    </p:spTree>
-    <p:extLst>
-      <p:ext uri="{BB962C8B-B14F-4D97-AF65-F5344CB8AC3E}">
-        <p14:creationId xmlns:p14="http://schemas.microsoft.com/office/powerpoint/2010/main" val="120385941"/>
-      </p:ext>
-    </p:extLst>
-  </p:cSld>
-  <p:clrMapOvr>
-    <a:masterClrMapping/>
-  </p:clrMapOvr>
-  <p:timing>
-    <p:tnLst>
-      <p:par>
-        <p:cTn id="1" dur="indefinite" restart="never" nodeType="tmRoot"/>
-      </p:par>
-    </p:tnLst>
-  </p:timing>
-</p:sld>
-</file>
-
 <file path=ppt/slides/slide9.xml><?xml version="1.0" encoding="utf-8"?>
 <p:sld xmlns:a="http://schemas.openxmlformats.org/drawingml/2006/main" xmlns:r="http://schemas.openxmlformats.org/officeDocument/2006/relationships" xmlns:p="http://schemas.openxmlformats.org/presentationml/2006/main">
   <p:cSld>
@@ -4767,35 +5590,6 @@
           <a:chExt cx="0" cy="0"/>
         </a:xfrm>
       </p:grpSpPr>
-      <p:pic>
-        <p:nvPicPr>
-          <p:cNvPr id="4" name="Tijdelijke aanduiding voor inhoud 3"/>
-          <p:cNvPicPr>
-            <a:picLocks noGrp="1" noChangeAspect="1"/>
-          </p:cNvPicPr>
-          <p:nvPr>
-            <p:ph idx="1"/>
-          </p:nvPr>
-        </p:nvPicPr>
-        <p:blipFill>
-          <a:blip r:embed="rId2">
-            <a:extLst>
-              <a:ext uri="{28A0092B-C50C-407E-A947-70E740481C1C}">
-                <a14:useLocalDpi xmlns:a14="http://schemas.microsoft.com/office/drawing/2010/main" val="0"/>
-              </a:ext>
-            </a:extLst>
-          </a:blip>
-          <a:stretch>
-            <a:fillRect/>
-          </a:stretch>
-        </p:blipFill>
-        <p:spPr>
-          <a:xfrm>
-            <a:off x="5819064" y="631056"/>
-            <a:ext cx="5512312" cy="4644377"/>
-          </a:xfrm>
-        </p:spPr>
-      </p:pic>
       <p:sp>
         <p:nvSpPr>
           <p:cNvPr id="2" name="Titel 1"/>
@@ -4821,548 +5615,42 @@
       </p:sp>
       <p:sp>
         <p:nvSpPr>
-          <p:cNvPr id="5" name="Tijdelijke aanduiding voor inhoud 2"/>
-          <p:cNvSpPr txBox="1">
-            <a:spLocks/>
-          </p:cNvSpPr>
-          <p:nvPr/>
-        </p:nvSpPr>
-        <p:spPr>
-          <a:xfrm>
-            <a:off x="838200" y="1825625"/>
-            <a:ext cx="5408054" cy="4351338"/>
-          </a:xfrm>
-          <a:prstGeom prst="rect">
-            <a:avLst/>
-          </a:prstGeom>
-        </p:spPr>
-        <p:txBody>
-          <a:bodyPr vert="horz" lIns="91440" tIns="45720" rIns="91440" bIns="45720" rtlCol="0">
-            <a:normAutofit/>
-          </a:bodyPr>
-          <a:lstStyle>
-            <a:lvl1pPr marL="228600" indent="-228600" algn="l" defTabSz="914400" rtl="0" eaLnBrk="1" latinLnBrk="0" hangingPunct="1">
-              <a:lnSpc>
-                <a:spcPct val="90000"/>
-              </a:lnSpc>
-              <a:spcBef>
-                <a:spcPts val="1000"/>
-              </a:spcBef>
-              <a:buFont typeface="Arial" panose="020B0604020202020204" pitchFamily="34" charset="0"/>
-              <a:buChar char="•"/>
-              <a:defRPr sz="2800" kern="1200">
-                <a:solidFill>
-                  <a:schemeClr val="tx1"/>
-                </a:solidFill>
-                <a:latin typeface="+mn-lt"/>
-                <a:ea typeface="+mn-ea"/>
-                <a:cs typeface="+mn-cs"/>
-              </a:defRPr>
-            </a:lvl1pPr>
-            <a:lvl2pPr marL="685800" indent="-228600" algn="l" defTabSz="914400" rtl="0" eaLnBrk="1" latinLnBrk="0" hangingPunct="1">
-              <a:lnSpc>
-                <a:spcPct val="90000"/>
-              </a:lnSpc>
-              <a:spcBef>
-                <a:spcPts val="500"/>
-              </a:spcBef>
-              <a:buFont typeface="Arial" panose="020B0604020202020204" pitchFamily="34" charset="0"/>
-              <a:buChar char="•"/>
-              <a:defRPr sz="2400" kern="1200">
-                <a:solidFill>
-                  <a:schemeClr val="tx1"/>
-                </a:solidFill>
-                <a:latin typeface="+mn-lt"/>
-                <a:ea typeface="+mn-ea"/>
-                <a:cs typeface="+mn-cs"/>
-              </a:defRPr>
-            </a:lvl2pPr>
-            <a:lvl3pPr marL="1143000" indent="-228600" algn="l" defTabSz="914400" rtl="0" eaLnBrk="1" latinLnBrk="0" hangingPunct="1">
-              <a:lnSpc>
-                <a:spcPct val="90000"/>
-              </a:lnSpc>
-              <a:spcBef>
-                <a:spcPts val="500"/>
-              </a:spcBef>
-              <a:buFont typeface="Arial" panose="020B0604020202020204" pitchFamily="34" charset="0"/>
-              <a:buChar char="•"/>
-              <a:defRPr sz="2000" kern="1200">
-                <a:solidFill>
-                  <a:schemeClr val="tx1"/>
-                </a:solidFill>
-                <a:latin typeface="+mn-lt"/>
-                <a:ea typeface="+mn-ea"/>
-                <a:cs typeface="+mn-cs"/>
-              </a:defRPr>
-            </a:lvl3pPr>
-            <a:lvl4pPr marL="1600200" indent="-228600" algn="l" defTabSz="914400" rtl="0" eaLnBrk="1" latinLnBrk="0" hangingPunct="1">
-              <a:lnSpc>
-                <a:spcPct val="90000"/>
-              </a:lnSpc>
-              <a:spcBef>
-                <a:spcPts val="500"/>
-              </a:spcBef>
-              <a:buFont typeface="Arial" panose="020B0604020202020204" pitchFamily="34" charset="0"/>
-              <a:buChar char="•"/>
-              <a:defRPr sz="1800" kern="1200">
-                <a:solidFill>
-                  <a:schemeClr val="tx1"/>
-                </a:solidFill>
-                <a:latin typeface="+mn-lt"/>
-                <a:ea typeface="+mn-ea"/>
-                <a:cs typeface="+mn-cs"/>
-              </a:defRPr>
-            </a:lvl4pPr>
-            <a:lvl5pPr marL="2057400" indent="-228600" algn="l" defTabSz="914400" rtl="0" eaLnBrk="1" latinLnBrk="0" hangingPunct="1">
-              <a:lnSpc>
-                <a:spcPct val="90000"/>
-              </a:lnSpc>
-              <a:spcBef>
-                <a:spcPts val="500"/>
-              </a:spcBef>
-              <a:buFont typeface="Arial" panose="020B0604020202020204" pitchFamily="34" charset="0"/>
-              <a:buChar char="•"/>
-              <a:defRPr sz="1800" kern="1200">
-                <a:solidFill>
-                  <a:schemeClr val="tx1"/>
-                </a:solidFill>
-                <a:latin typeface="+mn-lt"/>
-                <a:ea typeface="+mn-ea"/>
-                <a:cs typeface="+mn-cs"/>
-              </a:defRPr>
-            </a:lvl5pPr>
-            <a:lvl6pPr marL="2514600" indent="-228600" algn="l" defTabSz="914400" rtl="0" eaLnBrk="1" latinLnBrk="0" hangingPunct="1">
-              <a:lnSpc>
-                <a:spcPct val="90000"/>
-              </a:lnSpc>
-              <a:spcBef>
-                <a:spcPts val="500"/>
-              </a:spcBef>
-              <a:buFont typeface="Arial" panose="020B0604020202020204" pitchFamily="34" charset="0"/>
-              <a:buChar char="•"/>
-              <a:defRPr sz="1800" kern="1200">
-                <a:solidFill>
-                  <a:schemeClr val="tx1"/>
-                </a:solidFill>
-                <a:latin typeface="+mn-lt"/>
-                <a:ea typeface="+mn-ea"/>
-                <a:cs typeface="+mn-cs"/>
-              </a:defRPr>
-            </a:lvl6pPr>
-            <a:lvl7pPr marL="2971800" indent="-228600" algn="l" defTabSz="914400" rtl="0" eaLnBrk="1" latinLnBrk="0" hangingPunct="1">
-              <a:lnSpc>
-                <a:spcPct val="90000"/>
-              </a:lnSpc>
-              <a:spcBef>
-                <a:spcPts val="500"/>
-              </a:spcBef>
-              <a:buFont typeface="Arial" panose="020B0604020202020204" pitchFamily="34" charset="0"/>
-              <a:buChar char="•"/>
-              <a:defRPr sz="1800" kern="1200">
-                <a:solidFill>
-                  <a:schemeClr val="tx1"/>
-                </a:solidFill>
-                <a:latin typeface="+mn-lt"/>
-                <a:ea typeface="+mn-ea"/>
-                <a:cs typeface="+mn-cs"/>
-              </a:defRPr>
-            </a:lvl7pPr>
-            <a:lvl8pPr marL="3429000" indent="-228600" algn="l" defTabSz="914400" rtl="0" eaLnBrk="1" latinLnBrk="0" hangingPunct="1">
-              <a:lnSpc>
-                <a:spcPct val="90000"/>
-              </a:lnSpc>
-              <a:spcBef>
-                <a:spcPts val="500"/>
-              </a:spcBef>
-              <a:buFont typeface="Arial" panose="020B0604020202020204" pitchFamily="34" charset="0"/>
-              <a:buChar char="•"/>
-              <a:defRPr sz="1800" kern="1200">
-                <a:solidFill>
-                  <a:schemeClr val="tx1"/>
-                </a:solidFill>
-                <a:latin typeface="+mn-lt"/>
-                <a:ea typeface="+mn-ea"/>
-                <a:cs typeface="+mn-cs"/>
-              </a:defRPr>
-            </a:lvl8pPr>
-            <a:lvl9pPr marL="3886200" indent="-228600" algn="l" defTabSz="914400" rtl="0" eaLnBrk="1" latinLnBrk="0" hangingPunct="1">
-              <a:lnSpc>
-                <a:spcPct val="90000"/>
-              </a:lnSpc>
-              <a:spcBef>
-                <a:spcPts val="500"/>
-              </a:spcBef>
-              <a:buFont typeface="Arial" panose="020B0604020202020204" pitchFamily="34" charset="0"/>
-              <a:buChar char="•"/>
-              <a:defRPr sz="1800" kern="1200">
-                <a:solidFill>
-                  <a:schemeClr val="tx1"/>
-                </a:solidFill>
-                <a:latin typeface="+mn-lt"/>
-                <a:ea typeface="+mn-ea"/>
-                <a:cs typeface="+mn-cs"/>
-              </a:defRPr>
-            </a:lvl9pPr>
-          </a:lstStyle>
+          <p:cNvPr id="3" name="Tijdelijke aanduiding voor inhoud 2"/>
+          <p:cNvSpPr>
+            <a:spLocks noGrp="1"/>
+          </p:cNvSpPr>
+          <p:nvPr>
+            <p:ph idx="1"/>
+          </p:nvPr>
+        </p:nvSpPr>
+        <p:spPr/>
+        <p:txBody>
+          <a:bodyPr/>
+          <a:lstStyle/>
           <a:p>
             <a:r>
               <a:rPr lang="nl-NL" smtClean="0"/>
-              <a:t>Planeten minder dan 1AU onnauwkeurig </a:t>
+              <a:t>Analyse voor N=2</a:t>
             </a:r>
           </a:p>
           <a:p>
             <a:r>
               <a:rPr lang="nl-NL" smtClean="0"/>
-              <a:t>Omlooptijd te kort voor dt=1 maand</a:t>
+              <a:t>Behoud van energie</a:t>
             </a:r>
           </a:p>
           <a:p>
             <a:r>
               <a:rPr lang="nl-NL" smtClean="0"/>
-              <a:t>Energie niet behouden</a:t>
-            </a:r>
-          </a:p>
-        </p:txBody>
-      </p:sp>
-      <p:graphicFrame>
-        <p:nvGraphicFramePr>
-          <p:cNvPr id="6" name="Tabel 5"/>
-          <p:cNvGraphicFramePr>
-            <a:graphicFrameLocks noGrp="1"/>
-          </p:cNvGraphicFramePr>
-          <p:nvPr>
-            <p:extLst>
-              <p:ext uri="{D42A27DB-BD31-4B8C-83A1-F6EECF244321}">
-                <p14:modId xmlns:p14="http://schemas.microsoft.com/office/powerpoint/2010/main" val="3826835587"/>
-              </p:ext>
-            </p:extLst>
-          </p:nvPr>
-        </p:nvGraphicFramePr>
-        <p:xfrm>
-          <a:off x="447901" y="5640947"/>
-          <a:ext cx="11190312" cy="775236"/>
-        </p:xfrm>
-        <a:graphic>
-          <a:graphicData uri="http://schemas.openxmlformats.org/drawingml/2006/table">
-            <a:tbl>
-              <a:tblPr firstRow="1" bandRow="1">
-                <a:tableStyleId>{5C22544A-7EE6-4342-B048-85BDC9FD1C3A}</a:tableStyleId>
-              </a:tblPr>
-              <a:tblGrid>
-                <a:gridCol w="1398789"/>
-                <a:gridCol w="1398789"/>
-                <a:gridCol w="1398789"/>
-                <a:gridCol w="1398789"/>
-                <a:gridCol w="1398789"/>
-                <a:gridCol w="1398789"/>
-                <a:gridCol w="1398789"/>
-                <a:gridCol w="1398789"/>
-              </a:tblGrid>
-              <a:tr h="404396">
-                <a:tc>
-                  <a:txBody>
-                    <a:bodyPr/>
-                    <a:lstStyle/>
-                    <a:p>
-                      <a:pPr algn="ctr"/>
-                      <a:r>
-                        <a:rPr lang="nl-NL" smtClean="0"/>
-                        <a:t>k-de</a:t>
-                      </a:r>
-                      <a:r>
-                        <a:rPr lang="nl-NL" baseline="0" smtClean="0"/>
-                        <a:t> tijdstip</a:t>
-                      </a:r>
-                      <a:endParaRPr lang="nl-NL"/>
-                    </a:p>
-                  </a:txBody>
-                  <a:tcPr/>
-                </a:tc>
-                <a:tc>
-                  <a:txBody>
-                    <a:bodyPr/>
-                    <a:lstStyle/>
-                    <a:p>
-                      <a:pPr algn="ctr"/>
-                      <a:r>
-                        <a:rPr lang="nl-NL" smtClean="0"/>
-                        <a:t>0</a:t>
-                      </a:r>
-                      <a:endParaRPr lang="nl-NL"/>
-                    </a:p>
-                  </a:txBody>
-                  <a:tcPr/>
-                </a:tc>
-                <a:tc>
-                  <a:txBody>
-                    <a:bodyPr/>
-                    <a:lstStyle/>
-                    <a:p>
-                      <a:pPr algn="ctr"/>
-                      <a:r>
-                        <a:rPr lang="nl-NL" smtClean="0"/>
-                        <a:t>20</a:t>
-                      </a:r>
-                      <a:endParaRPr lang="nl-NL"/>
-                    </a:p>
-                  </a:txBody>
-                  <a:tcPr anchor="ctr"/>
-                </a:tc>
-                <a:tc>
-                  <a:txBody>
-                    <a:bodyPr/>
-                    <a:lstStyle/>
-                    <a:p>
-                      <a:pPr algn="ctr"/>
-                      <a:r>
-                        <a:rPr lang="nl-NL" smtClean="0"/>
-                        <a:t>40</a:t>
-                      </a:r>
-                      <a:endParaRPr lang="nl-NL"/>
-                    </a:p>
-                  </a:txBody>
-                  <a:tcPr/>
-                </a:tc>
-                <a:tc>
-                  <a:txBody>
-                    <a:bodyPr/>
-                    <a:lstStyle/>
-                    <a:p>
-                      <a:pPr algn="ctr"/>
-                      <a:r>
-                        <a:rPr lang="nl-NL" smtClean="0"/>
-                        <a:t>60</a:t>
-                      </a:r>
-                      <a:endParaRPr lang="nl-NL"/>
-                    </a:p>
-                  </a:txBody>
-                  <a:tcPr/>
-                </a:tc>
-                <a:tc>
-                  <a:txBody>
-                    <a:bodyPr/>
-                    <a:lstStyle/>
-                    <a:p>
-                      <a:pPr algn="ctr"/>
-                      <a:r>
-                        <a:rPr lang="nl-NL" smtClean="0"/>
-                        <a:t>80</a:t>
-                      </a:r>
-                      <a:endParaRPr lang="nl-NL"/>
-                    </a:p>
-                  </a:txBody>
-                  <a:tcPr/>
-                </a:tc>
-                <a:tc>
-                  <a:txBody>
-                    <a:bodyPr/>
-                    <a:lstStyle/>
-                    <a:p>
-                      <a:pPr algn="ctr"/>
-                      <a:r>
-                        <a:rPr lang="nl-NL" smtClean="0"/>
-                        <a:t>100</a:t>
-                      </a:r>
-                      <a:endParaRPr lang="nl-NL"/>
-                    </a:p>
-                  </a:txBody>
-                  <a:tcPr/>
-                </a:tc>
-                <a:tc>
-                  <a:txBody>
-                    <a:bodyPr/>
-                    <a:lstStyle/>
-                    <a:p>
-                      <a:pPr algn="ctr"/>
-                      <a:r>
-                        <a:rPr lang="nl-NL" smtClean="0"/>
-                        <a:t>120</a:t>
-                      </a:r>
-                      <a:endParaRPr lang="nl-NL"/>
-                    </a:p>
-                  </a:txBody>
-                  <a:tcPr/>
-                </a:tc>
-              </a:tr>
-              <a:tr h="370840">
-                <a:tc>
-                  <a:txBody>
-                    <a:bodyPr/>
-                    <a:lstStyle/>
-                    <a:p>
-                      <a:pPr algn="ctr"/>
-                      <a:r>
-                        <a:rPr lang="nl-NL" smtClean="0"/>
-                        <a:t>Energie</a:t>
-                      </a:r>
-                      <a:endParaRPr lang="nl-NL"/>
-                    </a:p>
-                  </a:txBody>
-                  <a:tcPr/>
-                </a:tc>
-                <a:tc>
-                  <a:txBody>
-                    <a:bodyPr/>
-                    <a:lstStyle/>
-                    <a:p>
-                      <a:pPr algn="ctr"/>
-                      <a:r>
-                        <a:rPr lang="nl-NL" sz="1800" b="0" i="0" u="none" strike="noStrike" kern="1200" baseline="0" smtClean="0">
-                          <a:solidFill>
-                            <a:schemeClr val="dk1"/>
-                          </a:solidFill>
-                          <a:latin typeface="+mn-lt"/>
-                          <a:ea typeface="+mn-ea"/>
-                          <a:cs typeface="+mn-cs"/>
-                        </a:rPr>
-                        <a:t>-0.4080</a:t>
-                      </a:r>
-                      <a:endParaRPr lang="nl-NL"/>
-                    </a:p>
-                  </a:txBody>
-                  <a:tcPr/>
-                </a:tc>
-                <a:tc>
-                  <a:txBody>
-                    <a:bodyPr/>
-                    <a:lstStyle/>
-                    <a:p>
-                      <a:pPr algn="ctr"/>
-                      <a:r>
-                        <a:rPr lang="nl-NL" sz="1800" b="0" i="0" u="none" strike="noStrike" kern="1200" baseline="0" smtClean="0">
-                          <a:solidFill>
-                            <a:schemeClr val="dk1"/>
-                          </a:solidFill>
-                          <a:latin typeface="+mn-lt"/>
-                          <a:ea typeface="+mn-ea"/>
-                          <a:cs typeface="+mn-cs"/>
-                        </a:rPr>
-                        <a:t>-0.3539</a:t>
-                      </a:r>
-                      <a:endParaRPr lang="nl-NL"/>
-                    </a:p>
-                  </a:txBody>
-                  <a:tcPr/>
-                </a:tc>
-                <a:tc>
-                  <a:txBody>
-                    <a:bodyPr/>
-                    <a:lstStyle/>
-                    <a:p>
-                      <a:pPr algn="ctr"/>
-                      <a:r>
-                        <a:rPr lang="nl-NL" sz="1800" b="0" i="0" u="none" strike="noStrike" kern="1200" baseline="0" smtClean="0">
-                          <a:solidFill>
-                            <a:schemeClr val="dk1"/>
-                          </a:solidFill>
-                          <a:latin typeface="+mn-lt"/>
-                          <a:ea typeface="+mn-ea"/>
-                          <a:cs typeface="+mn-cs"/>
-                        </a:rPr>
-                        <a:t>-0.3630</a:t>
-                      </a:r>
-                      <a:endParaRPr lang="nl-NL"/>
-                    </a:p>
-                  </a:txBody>
-                  <a:tcPr/>
-                </a:tc>
-                <a:tc>
-                  <a:txBody>
-                    <a:bodyPr/>
-                    <a:lstStyle/>
-                    <a:p>
-                      <a:pPr algn="ctr"/>
-                      <a:r>
-                        <a:rPr lang="nl-NL" sz="1800" b="0" i="0" u="none" strike="noStrike" kern="1200" baseline="0" smtClean="0">
-                          <a:solidFill>
-                            <a:schemeClr val="dk1"/>
-                          </a:solidFill>
-                          <a:latin typeface="+mn-lt"/>
-                          <a:ea typeface="+mn-ea"/>
-                          <a:cs typeface="+mn-cs"/>
-                        </a:rPr>
-                        <a:t>-0.3643</a:t>
-                      </a:r>
-                      <a:endParaRPr lang="nl-NL"/>
-                    </a:p>
-                  </a:txBody>
-                  <a:tcPr/>
-                </a:tc>
-                <a:tc>
-                  <a:txBody>
-                    <a:bodyPr/>
-                    <a:lstStyle/>
-                    <a:p>
-                      <a:pPr algn="ctr"/>
-                      <a:r>
-                        <a:rPr lang="nl-NL" sz="1800" b="0" i="0" u="none" strike="noStrike" kern="1200" baseline="0" smtClean="0">
-                          <a:solidFill>
-                            <a:schemeClr val="dk1"/>
-                          </a:solidFill>
-                          <a:latin typeface="+mn-lt"/>
-                          <a:ea typeface="+mn-ea"/>
-                          <a:cs typeface="+mn-cs"/>
-                        </a:rPr>
-                        <a:t>-0.3543</a:t>
-                      </a:r>
-                      <a:endParaRPr lang="nl-NL"/>
-                    </a:p>
-                  </a:txBody>
-                  <a:tcPr/>
-                </a:tc>
-                <a:tc>
-                  <a:txBody>
-                    <a:bodyPr/>
-                    <a:lstStyle/>
-                    <a:p>
-                      <a:pPr algn="ctr"/>
-                      <a:r>
-                        <a:rPr lang="nl-NL" sz="1800" b="0" i="0" u="none" strike="noStrike" kern="1200" baseline="0" smtClean="0">
-                          <a:solidFill>
-                            <a:schemeClr val="dk1"/>
-                          </a:solidFill>
-                          <a:latin typeface="+mn-lt"/>
-                          <a:ea typeface="+mn-ea"/>
-                          <a:cs typeface="+mn-cs"/>
-                        </a:rPr>
-                        <a:t>-0.3700</a:t>
-                      </a:r>
-                      <a:endParaRPr lang="nl-NL"/>
-                    </a:p>
-                  </a:txBody>
-                  <a:tcPr/>
-                </a:tc>
-                <a:tc>
-                  <a:txBody>
-                    <a:bodyPr/>
-                    <a:lstStyle/>
-                    <a:p>
-                      <a:pPr algn="ctr"/>
-                      <a:r>
-                        <a:rPr lang="nl-NL" sz="1800" b="0" i="0" u="none" strike="noStrike" kern="1200" baseline="0" smtClean="0">
-                          <a:solidFill>
-                            <a:schemeClr val="dk1"/>
-                          </a:solidFill>
-                          <a:latin typeface="+mn-lt"/>
-                          <a:ea typeface="+mn-ea"/>
-                          <a:cs typeface="+mn-cs"/>
-                        </a:rPr>
-                        <a:t>-0.4080</a:t>
-                      </a:r>
-                      <a:endParaRPr lang="nl-NL"/>
-                    </a:p>
-                  </a:txBody>
-                  <a:tcPr/>
-                </a:tc>
-              </a:tr>
-            </a:tbl>
-          </a:graphicData>
-        </a:graphic>
-      </p:graphicFrame>
+              <a:t>Richardson Extrapolatie</a:t>
+            </a:r>
+          </a:p>
+        </p:txBody>
+      </p:sp>
     </p:spTree>
     <p:extLst>
       <p:ext uri="{BB962C8B-B14F-4D97-AF65-F5344CB8AC3E}">
-        <p14:creationId xmlns:p14="http://schemas.microsoft.com/office/powerpoint/2010/main" val="2513868334"/>
+        <p14:creationId xmlns:p14="http://schemas.microsoft.com/office/powerpoint/2010/main" val="120385941"/>
       </p:ext>
     </p:extLst>
   </p:cSld>
@@ -5668,7 +5956,7 @@
   <a:extraClrSchemeLst/>
   <a:extLst>
     <a:ext uri="{05A4C25C-085E-4340-85A3-A5531E510DB2}">
-      <thm15:themeFamily xmlns:thm15="http://schemas.microsoft.com/office/thememl/2012/main" xmlns="" name="Office Theme" id="{62F939B6-93AF-4DB8-9C6B-D6C7DFDC589F}" vid="{4A3C46E8-61CC-4603-A589-7422A47A8E4A}"/>
+      <thm15:themeFamily xmlns="" xmlns:thm15="http://schemas.microsoft.com/office/thememl/2012/main" name="Office Theme" id="{62F939B6-93AF-4DB8-9C6B-D6C7DFDC589F}" vid="{4A3C46E8-61CC-4603-A589-7422A47A8E4A}"/>
     </a:ext>
   </a:extLst>
 </a:theme>

--- a/Presentatie/Presentatie.pptx
+++ b/Presentatie/Presentatie.pptx
@@ -14,8 +14,11 @@
     <p:sldId id="262" r:id="rId8"/>
     <p:sldId id="263" r:id="rId9"/>
     <p:sldId id="266" r:id="rId10"/>
-    <p:sldId id="264" r:id="rId11"/>
-    <p:sldId id="265" r:id="rId12"/>
+    <p:sldId id="267" r:id="rId11"/>
+    <p:sldId id="268" r:id="rId12"/>
+    <p:sldId id="269" r:id="rId13"/>
+    <p:sldId id="264" r:id="rId14"/>
+    <p:sldId id="265" r:id="rId15"/>
   </p:sldIdLst>
   <p:sldSz cx="12192000" cy="6858000"/>
   <p:notesSz cx="6858000" cy="9144000"/>
@@ -3067,6 +3070,1064 @@
           <a:bodyPr/>
           <a:lstStyle/>
           <a:p>
+            <a:endParaRPr lang="nl-NL"/>
+          </a:p>
+        </p:txBody>
+      </p:sp>
+      <p:pic>
+        <p:nvPicPr>
+          <p:cNvPr id="4" name="Tijdelijke aanduiding voor inhoud 3"/>
+          <p:cNvPicPr>
+            <a:picLocks noGrp="1" noChangeAspect="1"/>
+          </p:cNvPicPr>
+          <p:nvPr>
+            <p:ph idx="1"/>
+          </p:nvPr>
+        </p:nvPicPr>
+        <p:blipFill>
+          <a:blip r:embed="rId2">
+            <a:extLst>
+              <a:ext uri="{28A0092B-C50C-407E-A947-70E740481C1C}">
+                <a14:useLocalDpi xmlns:a14="http://schemas.microsoft.com/office/drawing/2010/main" val="0"/>
+              </a:ext>
+            </a:extLst>
+          </a:blip>
+          <a:stretch>
+            <a:fillRect/>
+          </a:stretch>
+        </p:blipFill>
+        <p:spPr>
+          <a:xfrm>
+            <a:off x="610313" y="911224"/>
+            <a:ext cx="5304668" cy="4351338"/>
+          </a:xfrm>
+        </p:spPr>
+      </p:pic>
+      <p:pic>
+        <p:nvPicPr>
+          <p:cNvPr id="5" name="Afbeelding 4"/>
+          <p:cNvPicPr>
+            <a:picLocks noChangeAspect="1"/>
+          </p:cNvPicPr>
+          <p:nvPr/>
+        </p:nvPicPr>
+        <p:blipFill>
+          <a:blip r:embed="rId3">
+            <a:extLst>
+              <a:ext uri="{28A0092B-C50C-407E-A947-70E740481C1C}">
+                <a14:useLocalDpi xmlns:a14="http://schemas.microsoft.com/office/drawing/2010/main" val="0"/>
+              </a:ext>
+            </a:extLst>
+          </a:blip>
+          <a:stretch>
+            <a:fillRect/>
+          </a:stretch>
+        </p:blipFill>
+        <p:spPr>
+          <a:xfrm>
+            <a:off x="6123354" y="894479"/>
+            <a:ext cx="5403238" cy="4463132"/>
+          </a:xfrm>
+          <a:prstGeom prst="rect">
+            <a:avLst/>
+          </a:prstGeom>
+        </p:spPr>
+      </p:pic>
+    </p:spTree>
+    <p:extLst>
+      <p:ext uri="{BB962C8B-B14F-4D97-AF65-F5344CB8AC3E}">
+        <p14:creationId xmlns:p14="http://schemas.microsoft.com/office/powerpoint/2010/main" val="4026531802"/>
+      </p:ext>
+    </p:extLst>
+  </p:cSld>
+  <p:clrMapOvr>
+    <a:masterClrMapping/>
+  </p:clrMapOvr>
+</p:sld>
+</file>
+
+<file path=ppt/slides/slide11.xml><?xml version="1.0" encoding="utf-8"?>
+<p:sld xmlns:a="http://schemas.openxmlformats.org/drawingml/2006/main" xmlns:r="http://schemas.openxmlformats.org/officeDocument/2006/relationships" xmlns:p="http://schemas.openxmlformats.org/presentationml/2006/main">
+  <p:cSld>
+    <p:spTree>
+      <p:nvGrpSpPr>
+        <p:cNvPr id="1" name=""/>
+        <p:cNvGrpSpPr/>
+        <p:nvPr/>
+      </p:nvGrpSpPr>
+      <p:grpSpPr>
+        <a:xfrm>
+          <a:off x="0" y="0"/>
+          <a:ext cx="0" cy="0"/>
+          <a:chOff x="0" y="0"/>
+          <a:chExt cx="0" cy="0"/>
+        </a:xfrm>
+      </p:grpSpPr>
+      <p:sp>
+        <p:nvSpPr>
+          <p:cNvPr id="2" name="Titel 1"/>
+          <p:cNvSpPr>
+            <a:spLocks noGrp="1"/>
+          </p:cNvSpPr>
+          <p:nvPr>
+            <p:ph type="title"/>
+          </p:nvPr>
+        </p:nvSpPr>
+        <p:spPr/>
+        <p:txBody>
+          <a:bodyPr/>
+          <a:lstStyle/>
+          <a:p>
+            <a:endParaRPr lang="nl-NL"/>
+          </a:p>
+        </p:txBody>
+      </p:sp>
+      <p:graphicFrame>
+        <p:nvGraphicFramePr>
+          <p:cNvPr id="5" name="Tabel 4"/>
+          <p:cNvGraphicFramePr>
+            <a:graphicFrameLocks noGrp="1"/>
+          </p:cNvGraphicFramePr>
+          <p:nvPr>
+            <p:extLst>
+              <p:ext uri="{D42A27DB-BD31-4B8C-83A1-F6EECF244321}">
+                <p14:modId xmlns:p14="http://schemas.microsoft.com/office/powerpoint/2010/main" val="2759699353"/>
+              </p:ext>
+            </p:extLst>
+          </p:nvPr>
+        </p:nvGraphicFramePr>
+        <p:xfrm>
+          <a:off x="304802" y="965916"/>
+          <a:ext cx="11874320" cy="860237"/>
+        </p:xfrm>
+        <a:graphic>
+          <a:graphicData uri="http://schemas.openxmlformats.org/drawingml/2006/table">
+            <a:tbl>
+              <a:tblPr firstRow="1" bandRow="1">
+                <a:tableStyleId>{5C22544A-7EE6-4342-B048-85BDC9FD1C3A}</a:tableStyleId>
+              </a:tblPr>
+              <a:tblGrid>
+                <a:gridCol w="1484290"/>
+                <a:gridCol w="1484290"/>
+                <a:gridCol w="1484290"/>
+                <a:gridCol w="1484290"/>
+                <a:gridCol w="1484290"/>
+                <a:gridCol w="1484290"/>
+                <a:gridCol w="1484290"/>
+                <a:gridCol w="1484290"/>
+              </a:tblGrid>
+              <a:tr h="489397">
+                <a:tc>
+                  <a:txBody>
+                    <a:bodyPr/>
+                    <a:lstStyle/>
+                    <a:p>
+                      <a:pPr algn="ctr"/>
+                      <a:r>
+                        <a:rPr lang="nl-NL" smtClean="0"/>
+                        <a:t>k-de</a:t>
+                      </a:r>
+                      <a:r>
+                        <a:rPr lang="nl-NL" baseline="0" smtClean="0"/>
+                        <a:t> tijdstip</a:t>
+                      </a:r>
+                      <a:endParaRPr lang="nl-NL"/>
+                    </a:p>
+                  </a:txBody>
+                  <a:tcPr/>
+                </a:tc>
+                <a:tc>
+                  <a:txBody>
+                    <a:bodyPr/>
+                    <a:lstStyle/>
+                    <a:p>
+                      <a:pPr algn="ctr"/>
+                      <a:r>
+                        <a:rPr lang="nl-NL" smtClean="0"/>
+                        <a:t>0</a:t>
+                      </a:r>
+                      <a:endParaRPr lang="nl-NL"/>
+                    </a:p>
+                  </a:txBody>
+                  <a:tcPr/>
+                </a:tc>
+                <a:tc>
+                  <a:txBody>
+                    <a:bodyPr/>
+                    <a:lstStyle/>
+                    <a:p>
+                      <a:pPr algn="ctr"/>
+                      <a:r>
+                        <a:rPr lang="nl-NL" smtClean="0"/>
+                        <a:t>20</a:t>
+                      </a:r>
+                      <a:endParaRPr lang="nl-NL"/>
+                    </a:p>
+                  </a:txBody>
+                  <a:tcPr anchor="ctr"/>
+                </a:tc>
+                <a:tc>
+                  <a:txBody>
+                    <a:bodyPr/>
+                    <a:lstStyle/>
+                    <a:p>
+                      <a:pPr algn="ctr"/>
+                      <a:r>
+                        <a:rPr lang="nl-NL" smtClean="0"/>
+                        <a:t>40</a:t>
+                      </a:r>
+                      <a:endParaRPr lang="nl-NL"/>
+                    </a:p>
+                  </a:txBody>
+                  <a:tcPr/>
+                </a:tc>
+                <a:tc>
+                  <a:txBody>
+                    <a:bodyPr/>
+                    <a:lstStyle/>
+                    <a:p>
+                      <a:pPr algn="ctr"/>
+                      <a:r>
+                        <a:rPr lang="nl-NL" smtClean="0"/>
+                        <a:t>60</a:t>
+                      </a:r>
+                      <a:endParaRPr lang="nl-NL"/>
+                    </a:p>
+                  </a:txBody>
+                  <a:tcPr/>
+                </a:tc>
+                <a:tc>
+                  <a:txBody>
+                    <a:bodyPr/>
+                    <a:lstStyle/>
+                    <a:p>
+                      <a:pPr algn="ctr"/>
+                      <a:r>
+                        <a:rPr lang="nl-NL" smtClean="0"/>
+                        <a:t>80</a:t>
+                      </a:r>
+                      <a:endParaRPr lang="nl-NL"/>
+                    </a:p>
+                  </a:txBody>
+                  <a:tcPr/>
+                </a:tc>
+                <a:tc>
+                  <a:txBody>
+                    <a:bodyPr/>
+                    <a:lstStyle/>
+                    <a:p>
+                      <a:pPr algn="ctr"/>
+                      <a:r>
+                        <a:rPr lang="nl-NL" smtClean="0"/>
+                        <a:t>100</a:t>
+                      </a:r>
+                      <a:endParaRPr lang="nl-NL"/>
+                    </a:p>
+                  </a:txBody>
+                  <a:tcPr/>
+                </a:tc>
+                <a:tc>
+                  <a:txBody>
+                    <a:bodyPr/>
+                    <a:lstStyle/>
+                    <a:p>
+                      <a:pPr algn="ctr"/>
+                      <a:r>
+                        <a:rPr lang="nl-NL" smtClean="0"/>
+                        <a:t>120</a:t>
+                      </a:r>
+                      <a:endParaRPr lang="nl-NL"/>
+                    </a:p>
+                  </a:txBody>
+                  <a:tcPr/>
+                </a:tc>
+              </a:tr>
+              <a:tr h="370840">
+                <a:tc>
+                  <a:txBody>
+                    <a:bodyPr/>
+                    <a:lstStyle/>
+                    <a:p>
+                      <a:pPr algn="ctr"/>
+                      <a:r>
+                        <a:rPr lang="nl-NL" smtClean="0"/>
+                        <a:t>Energie/AM</a:t>
+                      </a:r>
+                      <a:endParaRPr lang="nl-NL"/>
+                    </a:p>
+                  </a:txBody>
+                  <a:tcPr/>
+                </a:tc>
+                <a:tc>
+                  <a:txBody>
+                    <a:bodyPr/>
+                    <a:lstStyle/>
+                    <a:p>
+                      <a:pPr algn="ctr"/>
+                      <a:r>
+                        <a:rPr lang="nl-NL" sz="1800" b="0" i="0" u="none" strike="noStrike" kern="1200" baseline="0" smtClean="0">
+                          <a:solidFill>
+                            <a:schemeClr val="dk1"/>
+                          </a:solidFill>
+                          <a:latin typeface="+mn-lt"/>
+                          <a:ea typeface="+mn-ea"/>
+                          <a:cs typeface="+mn-cs"/>
+                        </a:rPr>
+                        <a:t>-</a:t>
+                      </a:r>
+                      <a:r>
+                        <a:rPr lang="nl-NL" sz="1800" b="0" i="0" u="none" strike="noStrike" kern="1200" baseline="0" smtClean="0">
+                          <a:solidFill>
+                            <a:schemeClr val="dk1"/>
+                          </a:solidFill>
+                          <a:latin typeface="+mn-lt"/>
+                          <a:ea typeface="+mn-ea"/>
+                          <a:cs typeface="+mn-cs"/>
+                        </a:rPr>
+                        <a:t>0.0680</a:t>
+                      </a:r>
+                      <a:endParaRPr lang="nl-NL"/>
+                    </a:p>
+                  </a:txBody>
+                  <a:tcPr/>
+                </a:tc>
+                <a:tc>
+                  <a:txBody>
+                    <a:bodyPr/>
+                    <a:lstStyle/>
+                    <a:p>
+                      <a:pPr algn="ctr"/>
+                      <a:r>
+                        <a:rPr lang="nl-NL" sz="1800" b="0" i="0" u="none" strike="noStrike" kern="1200" baseline="0" smtClean="0">
+                          <a:solidFill>
+                            <a:schemeClr val="dk1"/>
+                          </a:solidFill>
+                          <a:latin typeface="+mn-lt"/>
+                          <a:ea typeface="+mn-ea"/>
+                          <a:cs typeface="+mn-cs"/>
+                        </a:rPr>
+                        <a:t>-</a:t>
+                      </a:r>
+                      <a:r>
+                        <a:rPr lang="nl-NL" sz="1800" b="0" i="0" u="none" strike="noStrike" kern="1200" baseline="0" smtClean="0">
+                          <a:solidFill>
+                            <a:schemeClr val="dk1"/>
+                          </a:solidFill>
+                          <a:latin typeface="+mn-lt"/>
+                          <a:ea typeface="+mn-ea"/>
+                          <a:cs typeface="+mn-cs"/>
+                        </a:rPr>
+                        <a:t>0.0658</a:t>
+                      </a:r>
+                      <a:endParaRPr lang="nl-NL"/>
+                    </a:p>
+                  </a:txBody>
+                  <a:tcPr/>
+                </a:tc>
+                <a:tc>
+                  <a:txBody>
+                    <a:bodyPr/>
+                    <a:lstStyle/>
+                    <a:p>
+                      <a:pPr algn="ctr"/>
+                      <a:r>
+                        <a:rPr lang="nl-NL" sz="1800" b="0" i="0" u="none" strike="noStrike" kern="1200" baseline="0" smtClean="0">
+                          <a:solidFill>
+                            <a:schemeClr val="dk1"/>
+                          </a:solidFill>
+                          <a:latin typeface="+mn-lt"/>
+                          <a:ea typeface="+mn-ea"/>
+                          <a:cs typeface="+mn-cs"/>
+                        </a:rPr>
+                        <a:t>-0.0657</a:t>
+                      </a:r>
+                      <a:endParaRPr lang="nl-NL"/>
+                    </a:p>
+                  </a:txBody>
+                  <a:tcPr/>
+                </a:tc>
+                <a:tc>
+                  <a:txBody>
+                    <a:bodyPr/>
+                    <a:lstStyle/>
+                    <a:p>
+                      <a:pPr algn="ctr"/>
+                      <a:r>
+                        <a:rPr lang="nl-NL" sz="1800" b="0" i="0" u="none" strike="noStrike" kern="1200" baseline="0" smtClean="0">
+                          <a:solidFill>
+                            <a:schemeClr val="dk1"/>
+                          </a:solidFill>
+                          <a:latin typeface="+mn-lt"/>
+                          <a:ea typeface="+mn-ea"/>
+                          <a:cs typeface="+mn-cs"/>
+                        </a:rPr>
+                        <a:t>-0.0658</a:t>
+                      </a:r>
+                      <a:endParaRPr lang="nl-NL"/>
+                    </a:p>
+                  </a:txBody>
+                  <a:tcPr/>
+                </a:tc>
+                <a:tc>
+                  <a:txBody>
+                    <a:bodyPr/>
+                    <a:lstStyle/>
+                    <a:p>
+                      <a:pPr algn="ctr"/>
+                      <a:r>
+                        <a:rPr lang="nl-NL" sz="1800" b="0" i="0" u="none" strike="noStrike" kern="1200" baseline="0" smtClean="0">
+                          <a:solidFill>
+                            <a:schemeClr val="dk1"/>
+                          </a:solidFill>
+                          <a:latin typeface="+mn-lt"/>
+                          <a:ea typeface="+mn-ea"/>
+                          <a:cs typeface="+mn-cs"/>
+                        </a:rPr>
+                        <a:t>-0.0658</a:t>
+                      </a:r>
+                      <a:endParaRPr lang="nl-NL"/>
+                    </a:p>
+                  </a:txBody>
+                  <a:tcPr/>
+                </a:tc>
+                <a:tc>
+                  <a:txBody>
+                    <a:bodyPr/>
+                    <a:lstStyle/>
+                    <a:p>
+                      <a:pPr algn="ctr"/>
+                      <a:r>
+                        <a:rPr lang="nl-NL" sz="1800" b="0" i="0" u="none" strike="noStrike" kern="1200" baseline="0" smtClean="0">
+                          <a:solidFill>
+                            <a:schemeClr val="dk1"/>
+                          </a:solidFill>
+                          <a:latin typeface="+mn-lt"/>
+                          <a:ea typeface="+mn-ea"/>
+                          <a:cs typeface="+mn-cs"/>
+                        </a:rPr>
+                        <a:t>-0.0657</a:t>
+                      </a:r>
+                      <a:endParaRPr lang="nl-NL"/>
+                    </a:p>
+                  </a:txBody>
+                  <a:tcPr/>
+                </a:tc>
+                <a:tc>
+                  <a:txBody>
+                    <a:bodyPr/>
+                    <a:lstStyle/>
+                    <a:p>
+                      <a:pPr algn="ctr"/>
+                      <a:r>
+                        <a:rPr lang="nl-NL" sz="1800" b="0" i="0" u="none" strike="noStrike" kern="1200" baseline="0" smtClean="0">
+                          <a:solidFill>
+                            <a:schemeClr val="dk1"/>
+                          </a:solidFill>
+                          <a:latin typeface="+mn-lt"/>
+                          <a:ea typeface="+mn-ea"/>
+                          <a:cs typeface="+mn-cs"/>
+                        </a:rPr>
+                        <a:t>-0.0658</a:t>
+                      </a:r>
+                      <a:endParaRPr lang="nl-NL"/>
+                    </a:p>
+                  </a:txBody>
+                  <a:tcPr/>
+                </a:tc>
+              </a:tr>
+            </a:tbl>
+          </a:graphicData>
+        </a:graphic>
+      </p:graphicFrame>
+      <p:pic>
+        <p:nvPicPr>
+          <p:cNvPr id="6" name="Afbeelding 5"/>
+          <p:cNvPicPr>
+            <a:picLocks noChangeAspect="1"/>
+          </p:cNvPicPr>
+          <p:nvPr/>
+        </p:nvPicPr>
+        <p:blipFill>
+          <a:blip r:embed="rId2">
+            <a:extLst>
+              <a:ext uri="{28A0092B-C50C-407E-A947-70E740481C1C}">
+                <a14:useLocalDpi xmlns:a14="http://schemas.microsoft.com/office/drawing/2010/main" val="0"/>
+              </a:ext>
+            </a:extLst>
+          </a:blip>
+          <a:stretch>
+            <a:fillRect/>
+          </a:stretch>
+        </p:blipFill>
+        <p:spPr>
+          <a:xfrm>
+            <a:off x="3112999" y="2060621"/>
+            <a:ext cx="5369140" cy="4689116"/>
+          </a:xfrm>
+          <a:prstGeom prst="rect">
+            <a:avLst/>
+          </a:prstGeom>
+        </p:spPr>
+      </p:pic>
+    </p:spTree>
+    <p:extLst>
+      <p:ext uri="{BB962C8B-B14F-4D97-AF65-F5344CB8AC3E}">
+        <p14:creationId xmlns:p14="http://schemas.microsoft.com/office/powerpoint/2010/main" val="254408983"/>
+      </p:ext>
+    </p:extLst>
+  </p:cSld>
+  <p:clrMapOvr>
+    <a:masterClrMapping/>
+  </p:clrMapOvr>
+</p:sld>
+</file>
+
+<file path=ppt/slides/slide12.xml><?xml version="1.0" encoding="utf-8"?>
+<p:sld xmlns:a="http://schemas.openxmlformats.org/drawingml/2006/main" xmlns:r="http://schemas.openxmlformats.org/officeDocument/2006/relationships" xmlns:p="http://schemas.openxmlformats.org/presentationml/2006/main">
+  <p:cSld>
+    <p:spTree>
+      <p:nvGrpSpPr>
+        <p:cNvPr id="1" name=""/>
+        <p:cNvGrpSpPr/>
+        <p:nvPr/>
+      </p:nvGrpSpPr>
+      <p:grpSpPr>
+        <a:xfrm>
+          <a:off x="0" y="0"/>
+          <a:ext cx="0" cy="0"/>
+          <a:chOff x="0" y="0"/>
+          <a:chExt cx="0" cy="0"/>
+        </a:xfrm>
+      </p:grpSpPr>
+      <p:sp>
+        <p:nvSpPr>
+          <p:cNvPr id="2" name="Titel 1"/>
+          <p:cNvSpPr>
+            <a:spLocks noGrp="1"/>
+          </p:cNvSpPr>
+          <p:nvPr>
+            <p:ph type="title"/>
+          </p:nvPr>
+        </p:nvSpPr>
+        <p:spPr/>
+        <p:txBody>
+          <a:bodyPr/>
+          <a:lstStyle/>
+          <a:p>
+            <a:r>
+              <a:rPr lang="nl-NL" smtClean="0"/>
+              <a:t>Richardson Extrapolatie</a:t>
+            </a:r>
+            <a:endParaRPr lang="nl-NL"/>
+          </a:p>
+        </p:txBody>
+      </p:sp>
+      <p:graphicFrame>
+        <p:nvGraphicFramePr>
+          <p:cNvPr id="4" name="Tijdelijke aanduiding voor inhoud 3"/>
+          <p:cNvGraphicFramePr>
+            <a:graphicFrameLocks noGrp="1"/>
+          </p:cNvGraphicFramePr>
+          <p:nvPr>
+            <p:ph idx="1"/>
+            <p:extLst>
+              <p:ext uri="{D42A27DB-BD31-4B8C-83A1-F6EECF244321}">
+                <p14:modId xmlns:p14="http://schemas.microsoft.com/office/powerpoint/2010/main" val="1859239450"/>
+              </p:ext>
+            </p:extLst>
+          </p:nvPr>
+        </p:nvGraphicFramePr>
+        <p:xfrm>
+          <a:off x="838200" y="1825625"/>
+          <a:ext cx="10515600" cy="1112520"/>
+        </p:xfrm>
+        <a:graphic>
+          <a:graphicData uri="http://schemas.openxmlformats.org/drawingml/2006/table">
+            <a:tbl>
+              <a:tblPr firstRow="1" bandRow="1">
+                <a:tableStyleId>{5C22544A-7EE6-4342-B048-85BDC9FD1C3A}</a:tableStyleId>
+              </a:tblPr>
+              <a:tblGrid>
+                <a:gridCol w="2628900"/>
+                <a:gridCol w="2628900"/>
+                <a:gridCol w="2628900"/>
+                <a:gridCol w="2628900"/>
+              </a:tblGrid>
+              <a:tr h="370840">
+                <a:tc>
+                  <a:txBody>
+                    <a:bodyPr/>
+                    <a:lstStyle/>
+                    <a:p>
+                      <a:pPr algn="ctr"/>
+                      <a:r>
+                        <a:rPr lang="nl-NL" smtClean="0"/>
+                        <a:t>dt</a:t>
+                      </a:r>
+                      <a:r>
+                        <a:rPr lang="nl-NL" baseline="0" smtClean="0"/>
+                        <a:t> (maand)</a:t>
+                      </a:r>
+                      <a:endParaRPr lang="nl-NL"/>
+                    </a:p>
+                  </a:txBody>
+                  <a:tcPr/>
+                </a:tc>
+                <a:tc>
+                  <a:txBody>
+                    <a:bodyPr/>
+                    <a:lstStyle/>
+                    <a:p>
+                      <a:pPr algn="ctr"/>
+                      <a:r>
+                        <a:rPr lang="nl-NL" smtClean="0"/>
+                        <a:t>1</a:t>
+                      </a:r>
+                      <a:endParaRPr lang="nl-NL"/>
+                    </a:p>
+                  </a:txBody>
+                  <a:tcPr anchor="ctr"/>
+                </a:tc>
+                <a:tc>
+                  <a:txBody>
+                    <a:bodyPr/>
+                    <a:lstStyle/>
+                    <a:p>
+                      <a:pPr algn="ctr"/>
+                      <a:r>
+                        <a:rPr lang="nl-NL" smtClean="0"/>
+                        <a:t>0,5</a:t>
+                      </a:r>
+                      <a:endParaRPr lang="nl-NL"/>
+                    </a:p>
+                  </a:txBody>
+                  <a:tcPr/>
+                </a:tc>
+                <a:tc>
+                  <a:txBody>
+                    <a:bodyPr/>
+                    <a:lstStyle/>
+                    <a:p>
+                      <a:pPr algn="ctr"/>
+                      <a:r>
+                        <a:rPr lang="nl-NL" smtClean="0"/>
+                        <a:t>0,25</a:t>
+                      </a:r>
+                      <a:endParaRPr lang="nl-NL"/>
+                    </a:p>
+                  </a:txBody>
+                  <a:tcPr/>
+                </a:tc>
+              </a:tr>
+              <a:tr h="370840">
+                <a:tc>
+                  <a:txBody>
+                    <a:bodyPr/>
+                    <a:lstStyle/>
+                    <a:p>
+                      <a:pPr algn="ctr"/>
+                      <a:r>
+                        <a:rPr lang="nl-NL" smtClean="0"/>
+                        <a:t>x</a:t>
+                      </a:r>
+                      <a:r>
+                        <a:rPr lang="nl-NL" baseline="0" smtClean="0"/>
+                        <a:t> coördinaat (AU)</a:t>
+                      </a:r>
+                      <a:endParaRPr lang="nl-NL"/>
+                    </a:p>
+                  </a:txBody>
+                  <a:tcPr/>
+                </a:tc>
+                <a:tc>
+                  <a:txBody>
+                    <a:bodyPr/>
+                    <a:lstStyle/>
+                    <a:p>
+                      <a:pPr algn="ctr"/>
+                      <a:r>
+                        <a:rPr lang="nl-NL" sz="1800" kern="1200" smtClean="0">
+                          <a:solidFill>
+                            <a:schemeClr val="dk1"/>
+                          </a:solidFill>
+                          <a:effectLst/>
+                          <a:latin typeface="+mn-lt"/>
+                          <a:ea typeface="+mn-ea"/>
+                          <a:cs typeface="+mn-cs"/>
+                        </a:rPr>
+                        <a:t>-3.2505</a:t>
+                      </a:r>
+                      <a:endParaRPr lang="nl-NL"/>
+                    </a:p>
+                  </a:txBody>
+                  <a:tcPr/>
+                </a:tc>
+                <a:tc>
+                  <a:txBody>
+                    <a:bodyPr/>
+                    <a:lstStyle/>
+                    <a:p>
+                      <a:pPr algn="ctr"/>
+                      <a:r>
+                        <a:rPr lang="nl-NL" sz="1800" kern="1200" smtClean="0">
+                          <a:solidFill>
+                            <a:schemeClr val="dk1"/>
+                          </a:solidFill>
+                          <a:effectLst/>
+                          <a:latin typeface="+mn-lt"/>
+                          <a:ea typeface="+mn-ea"/>
+                          <a:cs typeface="+mn-cs"/>
+                        </a:rPr>
+                        <a:t>-3.1469</a:t>
+                      </a:r>
+                      <a:endParaRPr lang="nl-NL"/>
+                    </a:p>
+                  </a:txBody>
+                  <a:tcPr/>
+                </a:tc>
+                <a:tc>
+                  <a:txBody>
+                    <a:bodyPr/>
+                    <a:lstStyle/>
+                    <a:p>
+                      <a:pPr algn="ctr"/>
+                      <a:r>
+                        <a:rPr lang="nl-NL" sz="1800" kern="1200" smtClean="0">
+                          <a:solidFill>
+                            <a:schemeClr val="dk1"/>
+                          </a:solidFill>
+                          <a:effectLst/>
+                          <a:latin typeface="+mn-lt"/>
+                          <a:ea typeface="+mn-ea"/>
+                          <a:cs typeface="+mn-cs"/>
+                        </a:rPr>
+                        <a:t>-3.0978</a:t>
+                      </a:r>
+                      <a:endParaRPr lang="nl-NL"/>
+                    </a:p>
+                  </a:txBody>
+                  <a:tcPr/>
+                </a:tc>
+              </a:tr>
+              <a:tr h="370840">
+                <a:tc>
+                  <a:txBody>
+                    <a:bodyPr/>
+                    <a:lstStyle/>
+                    <a:p>
+                      <a:pPr algn="ctr"/>
+                      <a:r>
+                        <a:rPr lang="nl-NL" smtClean="0"/>
+                        <a:t>y</a:t>
+                      </a:r>
+                      <a:r>
+                        <a:rPr lang="nl-NL" baseline="0" smtClean="0"/>
+                        <a:t> coördinaat (AU)</a:t>
+                      </a:r>
+                      <a:endParaRPr lang="nl-NL"/>
+                    </a:p>
+                  </a:txBody>
+                  <a:tcPr/>
+                </a:tc>
+                <a:tc>
+                  <a:txBody>
+                    <a:bodyPr/>
+                    <a:lstStyle/>
+                    <a:p>
+                      <a:pPr algn="ctr"/>
+                      <a:r>
+                        <a:rPr lang="nl-NL" sz="1800" kern="1200" smtClean="0">
+                          <a:solidFill>
+                            <a:schemeClr val="dk1"/>
+                          </a:solidFill>
+                          <a:effectLst/>
+                          <a:latin typeface="+mn-lt"/>
+                          <a:ea typeface="+mn-ea"/>
+                          <a:cs typeface="+mn-cs"/>
+                        </a:rPr>
+                        <a:t>-3.8003</a:t>
+                      </a:r>
+                      <a:endParaRPr lang="nl-NL"/>
+                    </a:p>
+                  </a:txBody>
+                  <a:tcPr/>
+                </a:tc>
+                <a:tc>
+                  <a:txBody>
+                    <a:bodyPr/>
+                    <a:lstStyle/>
+                    <a:p>
+                      <a:pPr algn="ctr"/>
+                      <a:r>
+                        <a:rPr lang="nl-NL" sz="1800" kern="1200" smtClean="0">
+                          <a:solidFill>
+                            <a:schemeClr val="dk1"/>
+                          </a:solidFill>
+                          <a:effectLst/>
+                          <a:latin typeface="+mn-lt"/>
+                          <a:ea typeface="+mn-ea"/>
+                          <a:cs typeface="+mn-cs"/>
+                        </a:rPr>
+                        <a:t>-3.8859</a:t>
+                      </a:r>
+                      <a:endParaRPr lang="nl-NL"/>
+                    </a:p>
+                  </a:txBody>
+                  <a:tcPr/>
+                </a:tc>
+                <a:tc>
+                  <a:txBody>
+                    <a:bodyPr/>
+                    <a:lstStyle/>
+                    <a:p>
+                      <a:pPr algn="ctr"/>
+                      <a:r>
+                        <a:rPr lang="nl-NL" sz="1800" kern="1200" smtClean="0">
+                          <a:solidFill>
+                            <a:schemeClr val="dk1"/>
+                          </a:solidFill>
+                          <a:effectLst/>
+                          <a:latin typeface="+mn-lt"/>
+                          <a:ea typeface="+mn-ea"/>
+                          <a:cs typeface="+mn-cs"/>
+                        </a:rPr>
+                        <a:t>-3.9250</a:t>
+                      </a:r>
+                      <a:endParaRPr lang="nl-NL"/>
+                    </a:p>
+                  </a:txBody>
+                  <a:tcPr/>
+                </a:tc>
+              </a:tr>
+            </a:tbl>
+          </a:graphicData>
+        </a:graphic>
+      </p:graphicFrame>
+      <mc:AlternateContent xmlns:mc="http://schemas.openxmlformats.org/markup-compatibility/2006">
+        <mc:Choice xmlns:a14="http://schemas.microsoft.com/office/drawing/2010/main" Requires="a14">
+          <p:sp>
+            <p:nvSpPr>
+              <p:cNvPr id="5" name="Tekstvak 4"/>
+              <p:cNvSpPr txBox="1"/>
+              <p:nvPr/>
+            </p:nvSpPr>
+            <p:spPr>
+              <a:xfrm>
+                <a:off x="1596980" y="3876541"/>
+                <a:ext cx="7915052" cy="623632"/>
+              </a:xfrm>
+              <a:prstGeom prst="rect">
+                <a:avLst/>
+              </a:prstGeom>
+              <a:noFill/>
+            </p:spPr>
+            <p:txBody>
+              <a:bodyPr wrap="none" rtlCol="0">
+                <a:spAutoFit/>
+              </a:bodyPr>
+              <a:lstStyle/>
+              <a:p>
+                <a:r>
+                  <a:rPr lang="nl-NL" sz="3200" smtClean="0"/>
+                  <a:t>Richardson geeft: </a:t>
+                </a:r>
+                <a14:m>
+                  <m:oMath xmlns:m="http://schemas.openxmlformats.org/officeDocument/2006/math">
+                    <m:sSub>
+                      <m:sSubPr>
+                        <m:ctrlPr>
+                          <a:rPr lang="nl-NL" sz="3200" i="1" smtClean="0">
+                            <a:latin typeface="Cambria Math"/>
+                          </a:rPr>
+                        </m:ctrlPr>
+                      </m:sSubPr>
+                      <m:e>
+                        <m:r>
+                          <a:rPr lang="nl-NL" sz="3200" b="0" i="1" smtClean="0">
+                            <a:latin typeface="Cambria Math"/>
+                          </a:rPr>
+                          <m:t>𝑝</m:t>
+                        </m:r>
+                      </m:e>
+                      <m:sub>
+                        <m:r>
+                          <a:rPr lang="nl-NL" sz="3200" b="0" i="1" smtClean="0">
+                            <a:latin typeface="Cambria Math"/>
+                          </a:rPr>
+                          <m:t>𝑥</m:t>
+                        </m:r>
+                      </m:sub>
+                    </m:sSub>
+                    <m:r>
+                      <a:rPr lang="nl-NL" sz="3200" i="1" smtClean="0">
+                        <a:latin typeface="Cambria Math"/>
+                        <a:ea typeface="Cambria Math"/>
+                      </a:rPr>
+                      <m:t>≈</m:t>
+                    </m:r>
+                    <m:r>
+                      <a:rPr lang="nl-NL" sz="3200" b="0" i="1" smtClean="0">
+                        <a:latin typeface="Cambria Math"/>
+                        <a:ea typeface="Cambria Math"/>
+                      </a:rPr>
+                      <m:t>1,0782,   </m:t>
+                    </m:r>
+                    <m:sSub>
+                      <m:sSubPr>
+                        <m:ctrlPr>
+                          <a:rPr lang="nl-NL" sz="3200" b="0" i="1" smtClean="0">
+                            <a:latin typeface="Cambria Math"/>
+                            <a:ea typeface="Cambria Math"/>
+                          </a:rPr>
+                        </m:ctrlPr>
+                      </m:sSubPr>
+                      <m:e>
+                        <m:r>
+                          <a:rPr lang="nl-NL" sz="3200" b="0" i="1" smtClean="0">
+                            <a:latin typeface="Cambria Math"/>
+                            <a:ea typeface="Cambria Math"/>
+                          </a:rPr>
+                          <m:t>𝑝</m:t>
+                        </m:r>
+                      </m:e>
+                      <m:sub>
+                        <m:r>
+                          <a:rPr lang="nl-NL" sz="3200" b="0" i="1" smtClean="0">
+                            <a:latin typeface="Cambria Math"/>
+                            <a:ea typeface="Cambria Math"/>
+                          </a:rPr>
+                          <m:t>𝑦</m:t>
+                        </m:r>
+                      </m:sub>
+                    </m:sSub>
+                    <m:r>
+                      <a:rPr lang="nl-NL" sz="3200" b="0" i="1" smtClean="0">
+                        <a:latin typeface="Cambria Math"/>
+                        <a:ea typeface="Cambria Math"/>
+                      </a:rPr>
+                      <m:t>≈1,1304</m:t>
+                    </m:r>
+                  </m:oMath>
+                </a14:m>
+                <a:endParaRPr lang="nl-NL" sz="3200"/>
+              </a:p>
+            </p:txBody>
+          </p:sp>
+        </mc:Choice>
+        <mc:Fallback>
+          <p:sp>
+            <p:nvSpPr>
+              <p:cNvPr id="5" name="Tekstvak 4"/>
+              <p:cNvSpPr txBox="1">
+                <a:spLocks noRot="1" noChangeAspect="1" noMove="1" noResize="1" noEditPoints="1" noAdjustHandles="1" noChangeArrowheads="1" noChangeShapeType="1" noTextEdit="1"/>
+              </p:cNvSpPr>
+              <p:nvPr/>
+            </p:nvSpPr>
+            <p:spPr>
+              <a:xfrm>
+                <a:off x="1596980" y="3876541"/>
+                <a:ext cx="7915052" cy="623632"/>
+              </a:xfrm>
+              <a:prstGeom prst="rect">
+                <a:avLst/>
+              </a:prstGeom>
+              <a:blipFill rotWithShape="1">
+                <a:blip r:embed="rId2"/>
+                <a:stretch>
+                  <a:fillRect l="-2003" t="-11765" b="-26471"/>
+                </a:stretch>
+              </a:blipFill>
+            </p:spPr>
+            <p:txBody>
+              <a:bodyPr/>
+              <a:lstStyle/>
+              <a:p>
+                <a:r>
+                  <a:rPr lang="nl-NL">
+                    <a:noFill/>
+                  </a:rPr>
+                  <a:t> </a:t>
+                </a:r>
+              </a:p>
+            </p:txBody>
+          </p:sp>
+        </mc:Fallback>
+      </mc:AlternateContent>
+      <p:sp>
+        <p:nvSpPr>
+          <p:cNvPr id="6" name="Tekstvak 5"/>
+          <p:cNvSpPr txBox="1"/>
+          <p:nvPr/>
+        </p:nvSpPr>
+        <p:spPr>
+          <a:xfrm>
+            <a:off x="2738190" y="4987950"/>
+            <a:ext cx="5898731" cy="584775"/>
+          </a:xfrm>
+          <a:prstGeom prst="rect">
+            <a:avLst/>
+          </a:prstGeom>
+          <a:noFill/>
+        </p:spPr>
+        <p:txBody>
+          <a:bodyPr wrap="none" rtlCol="0">
+            <a:spAutoFit/>
+          </a:bodyPr>
+          <a:lstStyle/>
+          <a:p>
+            <a:r>
+              <a:rPr lang="nl-NL" sz="3200" smtClean="0"/>
+              <a:t>Onverwacht!! Leapfrog is orde 2!! </a:t>
+            </a:r>
+            <a:endParaRPr lang="nl-NL"/>
+          </a:p>
+        </p:txBody>
+      </p:sp>
+    </p:spTree>
+    <p:extLst>
+      <p:ext uri="{BB962C8B-B14F-4D97-AF65-F5344CB8AC3E}">
+        <p14:creationId xmlns:p14="http://schemas.microsoft.com/office/powerpoint/2010/main" val="934293264"/>
+      </p:ext>
+    </p:extLst>
+  </p:cSld>
+  <p:clrMapOvr>
+    <a:masterClrMapping/>
+  </p:clrMapOvr>
+</p:sld>
+</file>
+
+<file path=ppt/slides/slide13.xml><?xml version="1.0" encoding="utf-8"?>
+<p:sld xmlns:a="http://schemas.openxmlformats.org/drawingml/2006/main" xmlns:r="http://schemas.openxmlformats.org/officeDocument/2006/relationships" xmlns:p="http://schemas.openxmlformats.org/presentationml/2006/main">
+  <p:cSld>
+    <p:spTree>
+      <p:nvGrpSpPr>
+        <p:cNvPr id="1" name=""/>
+        <p:cNvGrpSpPr/>
+        <p:nvPr/>
+      </p:nvGrpSpPr>
+      <p:grpSpPr>
+        <a:xfrm>
+          <a:off x="0" y="0"/>
+          <a:ext cx="0" cy="0"/>
+          <a:chOff x="0" y="0"/>
+          <a:chExt cx="0" cy="0"/>
+        </a:xfrm>
+      </p:grpSpPr>
+      <p:sp>
+        <p:nvSpPr>
+          <p:cNvPr id="2" name="Titel 1"/>
+          <p:cNvSpPr>
+            <a:spLocks noGrp="1"/>
+          </p:cNvSpPr>
+          <p:nvPr>
+            <p:ph type="title"/>
+          </p:nvPr>
+        </p:nvSpPr>
+        <p:spPr/>
+        <p:txBody>
+          <a:bodyPr/>
+          <a:lstStyle/>
+          <a:p>
             <a:r>
               <a:rPr lang="nl-NL" smtClean="0"/>
               <a:t>Conclusie</a:t>
@@ -3114,7 +4175,7 @@
 </p:sld>
 </file>
 
-<file path=ppt/slides/slide11.xml><?xml version="1.0" encoding="utf-8"?>
+<file path=ppt/slides/slide14.xml><?xml version="1.0" encoding="utf-8"?>
 <p:sld xmlns:a="http://schemas.openxmlformats.org/drawingml/2006/main" xmlns:r="http://schemas.openxmlformats.org/officeDocument/2006/relationships" xmlns:p="http://schemas.openxmlformats.org/presentationml/2006/main">
   <p:cSld>
     <p:spTree>
@@ -3436,8 +4497,8 @@
           </a:p>
         </p:txBody>
       </p:sp>
-      <mc:AlternateContent xmlns:mc="http://schemas.openxmlformats.org/markup-compatibility/2006">
-        <mc:Choice xmlns:a14="http://schemas.microsoft.com/office/drawing/2010/main" Requires="a14">
+      <mc:AlternateContent xmlns:mc="http://schemas.openxmlformats.org/markup-compatibility/2006" xmlns:a14="http://schemas.microsoft.com/office/drawing/2010/main">
+        <mc:Choice Requires="a14">
           <p:sp>
             <p:nvSpPr>
               <p:cNvPr id="3" name="Tijdelijke aanduiding voor inhoud 2"/>
@@ -3905,7 +4966,7 @@
             </p:txBody>
           </p:sp>
         </mc:Choice>
-        <mc:Fallback>
+        <mc:Fallback xmlns="">
           <p:sp>
             <p:nvSpPr>
               <p:cNvPr id="3" name="Tijdelijke aanduiding voor inhoud 2"/>
@@ -3992,8 +5053,8 @@
           </a:p>
         </p:txBody>
       </p:sp>
-      <mc:AlternateContent xmlns:mc="http://schemas.openxmlformats.org/markup-compatibility/2006">
-        <mc:Choice xmlns:a14="http://schemas.microsoft.com/office/drawing/2010/main" Requires="a14">
+      <mc:AlternateContent xmlns:mc="http://schemas.openxmlformats.org/markup-compatibility/2006" xmlns:a14="http://schemas.microsoft.com/office/drawing/2010/main">
+        <mc:Choice Requires="a14">
           <p:sp>
             <p:nvSpPr>
               <p:cNvPr id="3" name="Tijdelijke aanduiding voor inhoud 2"/>
@@ -4400,7 +5461,7 @@
             </p:txBody>
           </p:sp>
         </mc:Choice>
-        <mc:Fallback>
+        <mc:Fallback xmlns="">
           <p:sp>
             <p:nvSpPr>
               <p:cNvPr id="3" name="Tijdelijke aanduiding voor inhoud 2"/>
@@ -5019,7 +6080,19 @@
           <a:p>
             <a:r>
               <a:rPr lang="nl-NL" smtClean="0"/>
-              <a:t>Energie niet behouden</a:t>
+              <a:t>Energie </a:t>
+            </a:r>
+            <a:r>
+              <a:rPr lang="nl-NL" smtClean="0"/>
+              <a:t>ongeveer</a:t>
+            </a:r>
+            <a:r>
+              <a:rPr lang="nl-NL" smtClean="0"/>
+              <a:t> </a:t>
+            </a:r>
+            <a:r>
+              <a:rPr lang="nl-NL" smtClean="0"/>
+              <a:t>behouden</a:t>
             </a:r>
           </a:p>
         </p:txBody>
@@ -5033,14 +6106,14 @@
           <p:nvPr>
             <p:extLst>
               <p:ext uri="{D42A27DB-BD31-4B8C-83A1-F6EECF244321}">
-                <p14:modId xmlns:p14="http://schemas.microsoft.com/office/powerpoint/2010/main" val="3826835587"/>
+                <p14:modId xmlns:p14="http://schemas.microsoft.com/office/powerpoint/2010/main" val="3811272145"/>
               </p:ext>
             </p:extLst>
           </p:nvPr>
         </p:nvGraphicFramePr>
         <p:xfrm>
-          <a:off x="447901" y="5640947"/>
-          <a:ext cx="11190312" cy="775236"/>
+          <a:off x="141671" y="5640947"/>
+          <a:ext cx="11874320" cy="775236"/>
         </p:xfrm>
         <a:graphic>
           <a:graphicData uri="http://schemas.openxmlformats.org/drawingml/2006/table">
@@ -5049,14 +6122,14 @@
                 <a:tableStyleId>{5C22544A-7EE6-4342-B048-85BDC9FD1C3A}</a:tableStyleId>
               </a:tblPr>
               <a:tblGrid>
-                <a:gridCol w="1398789"/>
-                <a:gridCol w="1398789"/>
-                <a:gridCol w="1398789"/>
-                <a:gridCol w="1398789"/>
-                <a:gridCol w="1398789"/>
-                <a:gridCol w="1398789"/>
-                <a:gridCol w="1398789"/>
-                <a:gridCol w="1398789"/>
+                <a:gridCol w="1484290"/>
+                <a:gridCol w="1484290"/>
+                <a:gridCol w="1484290"/>
+                <a:gridCol w="1484290"/>
+                <a:gridCol w="1484290"/>
+                <a:gridCol w="1484290"/>
+                <a:gridCol w="1484290"/>
+                <a:gridCol w="1484290"/>
               </a:tblGrid>
               <a:tr h="404396">
                 <a:tc>
@@ -5193,7 +6266,7 @@
                       <a:pPr algn="ctr"/>
                       <a:r>
                         <a:rPr lang="nl-NL" smtClean="0"/>
-                        <a:t>Energie</a:t>
+                        <a:t>Energie/AM</a:t>
                       </a:r>
                       <a:endParaRPr lang="nl-NL"/>
                     </a:p>
@@ -5215,7 +6288,18 @@
                           <a:ea typeface="+mn-ea"/>
                           <a:cs typeface="+mn-cs"/>
                         </a:rPr>
-                        <a:t>-0.4080</a:t>
+                        <a:t>-</a:t>
+                      </a:r>
+                      <a:r>
+                        <a:rPr lang="nl-NL" sz="1800" b="0" i="0" u="none" strike="noStrike" kern="1200" baseline="0" smtClean="0">
+                          <a:solidFill>
+                            <a:schemeClr val="dk1"/>
+                          </a:solidFill>
+                          <a:latin typeface="+mn-lt"/>
+                          <a:ea typeface="+mn-ea"/>
+                          <a:cs typeface="+mn-cs"/>
+                        </a:rPr>
+                        <a:t>0.1360</a:t>
                       </a:r>
                       <a:endParaRPr lang="nl-NL"/>
                     </a:p>
@@ -5237,7 +6321,18 @@
                           <a:ea typeface="+mn-ea"/>
                           <a:cs typeface="+mn-cs"/>
                         </a:rPr>
-                        <a:t>-0.3539</a:t>
+                        <a:t>-</a:t>
+                      </a:r>
+                      <a:r>
+                        <a:rPr lang="nl-NL" sz="1800" b="0" i="0" u="none" strike="noStrike" kern="1200" baseline="0" smtClean="0">
+                          <a:solidFill>
+                            <a:schemeClr val="dk1"/>
+                          </a:solidFill>
+                          <a:latin typeface="+mn-lt"/>
+                          <a:ea typeface="+mn-ea"/>
+                          <a:cs typeface="+mn-cs"/>
+                        </a:rPr>
+                        <a:t>0.1133</a:t>
                       </a:r>
                       <a:endParaRPr lang="nl-NL"/>
                     </a:p>
@@ -5259,7 +6354,18 @@
                           <a:ea typeface="+mn-ea"/>
                           <a:cs typeface="+mn-cs"/>
                         </a:rPr>
-                        <a:t>-0.3630</a:t>
+                        <a:t>-</a:t>
+                      </a:r>
+                      <a:r>
+                        <a:rPr lang="nl-NL" sz="1800" b="0" i="0" u="none" strike="noStrike" kern="1200" baseline="0" smtClean="0">
+                          <a:solidFill>
+                            <a:schemeClr val="dk1"/>
+                          </a:solidFill>
+                          <a:latin typeface="+mn-lt"/>
+                          <a:ea typeface="+mn-ea"/>
+                          <a:cs typeface="+mn-cs"/>
+                        </a:rPr>
+                        <a:t>0.0981</a:t>
                       </a:r>
                       <a:endParaRPr lang="nl-NL"/>
                     </a:p>
@@ -5281,7 +6387,18 @@
                           <a:ea typeface="+mn-ea"/>
                           <a:cs typeface="+mn-cs"/>
                         </a:rPr>
-                        <a:t>-0.3643</a:t>
+                        <a:t>-</a:t>
+                      </a:r>
+                      <a:r>
+                        <a:rPr lang="nl-NL" sz="1800" b="0" i="0" u="none" strike="noStrike" kern="1200" baseline="0" smtClean="0">
+                          <a:solidFill>
+                            <a:schemeClr val="dk1"/>
+                          </a:solidFill>
+                          <a:latin typeface="+mn-lt"/>
+                          <a:ea typeface="+mn-ea"/>
+                          <a:cs typeface="+mn-cs"/>
+                        </a:rPr>
+                        <a:t>0.1096</a:t>
                       </a:r>
                       <a:endParaRPr lang="nl-NL"/>
                     </a:p>
@@ -5303,7 +6420,18 @@
                           <a:ea typeface="+mn-ea"/>
                           <a:cs typeface="+mn-cs"/>
                         </a:rPr>
-                        <a:t>-0.3543</a:t>
+                        <a:t>-</a:t>
+                      </a:r>
+                      <a:r>
+                        <a:rPr lang="nl-NL" sz="1800" b="0" i="0" u="none" strike="noStrike" kern="1200" baseline="0" smtClean="0">
+                          <a:solidFill>
+                            <a:schemeClr val="dk1"/>
+                          </a:solidFill>
+                          <a:latin typeface="+mn-lt"/>
+                          <a:ea typeface="+mn-ea"/>
+                          <a:cs typeface="+mn-cs"/>
+                        </a:rPr>
+                        <a:t>0.1092</a:t>
                       </a:r>
                       <a:endParaRPr lang="nl-NL"/>
                     </a:p>
@@ -5325,7 +6453,18 @@
                           <a:ea typeface="+mn-ea"/>
                           <a:cs typeface="+mn-cs"/>
                         </a:rPr>
-                        <a:t>-0.3700</a:t>
+                        <a:t>-</a:t>
+                      </a:r>
+                      <a:r>
+                        <a:rPr lang="nl-NL" sz="1800" b="0" i="0" u="none" strike="noStrike" kern="1200" baseline="0" smtClean="0">
+                          <a:solidFill>
+                            <a:schemeClr val="dk1"/>
+                          </a:solidFill>
+                          <a:latin typeface="+mn-lt"/>
+                          <a:ea typeface="+mn-ea"/>
+                          <a:cs typeface="+mn-cs"/>
+                        </a:rPr>
+                        <a:t>0.0984</a:t>
                       </a:r>
                       <a:endParaRPr lang="nl-NL"/>
                     </a:p>
@@ -5347,7 +6486,18 @@
                           <a:ea typeface="+mn-ea"/>
                           <a:cs typeface="+mn-cs"/>
                         </a:rPr>
-                        <a:t>-0.4080</a:t>
+                        <a:t>-</a:t>
+                      </a:r>
+                      <a:r>
+                        <a:rPr lang="nl-NL" sz="1800" b="0" i="0" u="none" strike="noStrike" kern="1200" baseline="0" smtClean="0">
+                          <a:solidFill>
+                            <a:schemeClr val="dk1"/>
+                          </a:solidFill>
+                          <a:latin typeface="+mn-lt"/>
+                          <a:ea typeface="+mn-ea"/>
+                          <a:cs typeface="+mn-cs"/>
+                        </a:rPr>
+                        <a:t>0.1130</a:t>
                       </a:r>
                       <a:endParaRPr lang="nl-NL"/>
                     </a:p>
@@ -5668,7 +6818,7 @@
   <a:extraClrSchemeLst/>
   <a:extLst>
     <a:ext uri="{05A4C25C-085E-4340-85A3-A5531E510DB2}">
-      <thm15:themeFamily xmlns:thm15="http://schemas.microsoft.com/office/thememl/2012/main" xmlns="" name="Office Theme" id="{62F939B6-93AF-4DB8-9C6B-D6C7DFDC589F}" vid="{4A3C46E8-61CC-4603-A589-7422A47A8E4A}"/>
+      <thm15:themeFamily xmlns="" xmlns:thm15="http://schemas.microsoft.com/office/thememl/2012/main" name="Office Theme" id="{62F939B6-93AF-4DB8-9C6B-D6C7DFDC589F}" vid="{4A3C46E8-61CC-4603-A589-7422A47A8E4A}"/>
     </a:ext>
   </a:extLst>
 </a:theme>

--- a/Presentatie/Presentatie.pptx
+++ b/Presentatie/Presentatie.pptx
@@ -10,12 +10,13 @@
     <p:sldId id="258" r:id="rId4"/>
     <p:sldId id="259" r:id="rId5"/>
     <p:sldId id="260" r:id="rId6"/>
-    <p:sldId id="261" r:id="rId7"/>
-    <p:sldId id="262" r:id="rId8"/>
-    <p:sldId id="263" r:id="rId9"/>
-    <p:sldId id="266" r:id="rId10"/>
-    <p:sldId id="264" r:id="rId11"/>
-    <p:sldId id="265" r:id="rId12"/>
+    <p:sldId id="267" r:id="rId7"/>
+    <p:sldId id="268" r:id="rId8"/>
+    <p:sldId id="262" r:id="rId9"/>
+    <p:sldId id="263" r:id="rId10"/>
+    <p:sldId id="266" r:id="rId11"/>
+    <p:sldId id="264" r:id="rId12"/>
+    <p:sldId id="265" r:id="rId13"/>
   </p:sldIdLst>
   <p:sldSz cx="12192000" cy="6858000"/>
   <p:notesSz cx="6858000" cy="9144000"/>
@@ -5891,6 +5892,875 @@
           <a:lstStyle/>
           <a:p>
             <a:r>
+              <a:rPr lang="nl-NL"/>
+              <a:t>Nauwkeurigheid model</a:t>
+            </a:r>
+          </a:p>
+        </p:txBody>
+      </p:sp>
+      <p:pic>
+        <p:nvPicPr>
+          <p:cNvPr id="4" name="Tijdelijke aanduiding voor inhoud 3"/>
+          <p:cNvPicPr>
+            <a:picLocks noGrp="1" noChangeAspect="1"/>
+          </p:cNvPicPr>
+          <p:nvPr>
+            <p:ph idx="1"/>
+          </p:nvPr>
+        </p:nvPicPr>
+        <p:blipFill>
+          <a:blip r:embed="rId2">
+            <a:extLst>
+              <a:ext uri="{28A0092B-C50C-407E-A947-70E740481C1C}">
+                <a14:useLocalDpi xmlns:a14="http://schemas.microsoft.com/office/drawing/2010/main" val="0"/>
+              </a:ext>
+            </a:extLst>
+          </a:blip>
+          <a:stretch>
+            <a:fillRect/>
+          </a:stretch>
+        </p:blipFill>
+        <p:spPr>
+          <a:xfrm>
+            <a:off x="6031596" y="1825625"/>
+            <a:ext cx="5512312" cy="4644377"/>
+          </a:xfrm>
+        </p:spPr>
+      </p:pic>
+      <p:sp>
+        <p:nvSpPr>
+          <p:cNvPr id="5" name="Tijdelijke aanduiding voor inhoud 2"/>
+          <p:cNvSpPr txBox="1">
+            <a:spLocks/>
+          </p:cNvSpPr>
+          <p:nvPr/>
+        </p:nvSpPr>
+        <p:spPr>
+          <a:xfrm>
+            <a:off x="470554" y="1835052"/>
+            <a:ext cx="5408054" cy="4351338"/>
+          </a:xfrm>
+          <a:prstGeom prst="rect">
+            <a:avLst/>
+          </a:prstGeom>
+        </p:spPr>
+        <p:txBody>
+          <a:bodyPr vert="horz" lIns="91440" tIns="45720" rIns="91440" bIns="45720" rtlCol="0">
+            <a:normAutofit/>
+          </a:bodyPr>
+          <a:lstStyle>
+            <a:lvl1pPr marL="228600" indent="-228600" algn="l" defTabSz="914400" rtl="0" eaLnBrk="1" latinLnBrk="0" hangingPunct="1">
+              <a:lnSpc>
+                <a:spcPct val="90000"/>
+              </a:lnSpc>
+              <a:spcBef>
+                <a:spcPts val="1000"/>
+              </a:spcBef>
+              <a:buFont typeface="Arial" panose="020B0604020202020204" pitchFamily="34" charset="0"/>
+              <a:buChar char="•"/>
+              <a:defRPr sz="2800" kern="1200">
+                <a:solidFill>
+                  <a:schemeClr val="tx1"/>
+                </a:solidFill>
+                <a:latin typeface="+mn-lt"/>
+                <a:ea typeface="+mn-ea"/>
+                <a:cs typeface="+mn-cs"/>
+              </a:defRPr>
+            </a:lvl1pPr>
+            <a:lvl2pPr marL="685800" indent="-228600" algn="l" defTabSz="914400" rtl="0" eaLnBrk="1" latinLnBrk="0" hangingPunct="1">
+              <a:lnSpc>
+                <a:spcPct val="90000"/>
+              </a:lnSpc>
+              <a:spcBef>
+                <a:spcPts val="500"/>
+              </a:spcBef>
+              <a:buFont typeface="Arial" panose="020B0604020202020204" pitchFamily="34" charset="0"/>
+              <a:buChar char="•"/>
+              <a:defRPr sz="2400" kern="1200">
+                <a:solidFill>
+                  <a:schemeClr val="tx1"/>
+                </a:solidFill>
+                <a:latin typeface="+mn-lt"/>
+                <a:ea typeface="+mn-ea"/>
+                <a:cs typeface="+mn-cs"/>
+              </a:defRPr>
+            </a:lvl2pPr>
+            <a:lvl3pPr marL="1143000" indent="-228600" algn="l" defTabSz="914400" rtl="0" eaLnBrk="1" latinLnBrk="0" hangingPunct="1">
+              <a:lnSpc>
+                <a:spcPct val="90000"/>
+              </a:lnSpc>
+              <a:spcBef>
+                <a:spcPts val="500"/>
+              </a:spcBef>
+              <a:buFont typeface="Arial" panose="020B0604020202020204" pitchFamily="34" charset="0"/>
+              <a:buChar char="•"/>
+              <a:defRPr sz="2000" kern="1200">
+                <a:solidFill>
+                  <a:schemeClr val="tx1"/>
+                </a:solidFill>
+                <a:latin typeface="+mn-lt"/>
+                <a:ea typeface="+mn-ea"/>
+                <a:cs typeface="+mn-cs"/>
+              </a:defRPr>
+            </a:lvl3pPr>
+            <a:lvl4pPr marL="1600200" indent="-228600" algn="l" defTabSz="914400" rtl="0" eaLnBrk="1" latinLnBrk="0" hangingPunct="1">
+              <a:lnSpc>
+                <a:spcPct val="90000"/>
+              </a:lnSpc>
+              <a:spcBef>
+                <a:spcPts val="500"/>
+              </a:spcBef>
+              <a:buFont typeface="Arial" panose="020B0604020202020204" pitchFamily="34" charset="0"/>
+              <a:buChar char="•"/>
+              <a:defRPr sz="1800" kern="1200">
+                <a:solidFill>
+                  <a:schemeClr val="tx1"/>
+                </a:solidFill>
+                <a:latin typeface="+mn-lt"/>
+                <a:ea typeface="+mn-ea"/>
+                <a:cs typeface="+mn-cs"/>
+              </a:defRPr>
+            </a:lvl4pPr>
+            <a:lvl5pPr marL="2057400" indent="-228600" algn="l" defTabSz="914400" rtl="0" eaLnBrk="1" latinLnBrk="0" hangingPunct="1">
+              <a:lnSpc>
+                <a:spcPct val="90000"/>
+              </a:lnSpc>
+              <a:spcBef>
+                <a:spcPts val="500"/>
+              </a:spcBef>
+              <a:buFont typeface="Arial" panose="020B0604020202020204" pitchFamily="34" charset="0"/>
+              <a:buChar char="•"/>
+              <a:defRPr sz="1800" kern="1200">
+                <a:solidFill>
+                  <a:schemeClr val="tx1"/>
+                </a:solidFill>
+                <a:latin typeface="+mn-lt"/>
+                <a:ea typeface="+mn-ea"/>
+                <a:cs typeface="+mn-cs"/>
+              </a:defRPr>
+            </a:lvl5pPr>
+            <a:lvl6pPr marL="2514600" indent="-228600" algn="l" defTabSz="914400" rtl="0" eaLnBrk="1" latinLnBrk="0" hangingPunct="1">
+              <a:lnSpc>
+                <a:spcPct val="90000"/>
+              </a:lnSpc>
+              <a:spcBef>
+                <a:spcPts val="500"/>
+              </a:spcBef>
+              <a:buFont typeface="Arial" panose="020B0604020202020204" pitchFamily="34" charset="0"/>
+              <a:buChar char="•"/>
+              <a:defRPr sz="1800" kern="1200">
+                <a:solidFill>
+                  <a:schemeClr val="tx1"/>
+                </a:solidFill>
+                <a:latin typeface="+mn-lt"/>
+                <a:ea typeface="+mn-ea"/>
+                <a:cs typeface="+mn-cs"/>
+              </a:defRPr>
+            </a:lvl6pPr>
+            <a:lvl7pPr marL="2971800" indent="-228600" algn="l" defTabSz="914400" rtl="0" eaLnBrk="1" latinLnBrk="0" hangingPunct="1">
+              <a:lnSpc>
+                <a:spcPct val="90000"/>
+              </a:lnSpc>
+              <a:spcBef>
+                <a:spcPts val="500"/>
+              </a:spcBef>
+              <a:buFont typeface="Arial" panose="020B0604020202020204" pitchFamily="34" charset="0"/>
+              <a:buChar char="•"/>
+              <a:defRPr sz="1800" kern="1200">
+                <a:solidFill>
+                  <a:schemeClr val="tx1"/>
+                </a:solidFill>
+                <a:latin typeface="+mn-lt"/>
+                <a:ea typeface="+mn-ea"/>
+                <a:cs typeface="+mn-cs"/>
+              </a:defRPr>
+            </a:lvl7pPr>
+            <a:lvl8pPr marL="3429000" indent="-228600" algn="l" defTabSz="914400" rtl="0" eaLnBrk="1" latinLnBrk="0" hangingPunct="1">
+              <a:lnSpc>
+                <a:spcPct val="90000"/>
+              </a:lnSpc>
+              <a:spcBef>
+                <a:spcPts val="500"/>
+              </a:spcBef>
+              <a:buFont typeface="Arial" panose="020B0604020202020204" pitchFamily="34" charset="0"/>
+              <a:buChar char="•"/>
+              <a:defRPr sz="1800" kern="1200">
+                <a:solidFill>
+                  <a:schemeClr val="tx1"/>
+                </a:solidFill>
+                <a:latin typeface="+mn-lt"/>
+                <a:ea typeface="+mn-ea"/>
+                <a:cs typeface="+mn-cs"/>
+              </a:defRPr>
+            </a:lvl8pPr>
+            <a:lvl9pPr marL="3886200" indent="-228600" algn="l" defTabSz="914400" rtl="0" eaLnBrk="1" latinLnBrk="0" hangingPunct="1">
+              <a:lnSpc>
+                <a:spcPct val="90000"/>
+              </a:lnSpc>
+              <a:spcBef>
+                <a:spcPts val="500"/>
+              </a:spcBef>
+              <a:buFont typeface="Arial" panose="020B0604020202020204" pitchFamily="34" charset="0"/>
+              <a:buChar char="•"/>
+              <a:defRPr sz="1800" kern="1200">
+                <a:solidFill>
+                  <a:schemeClr val="tx1"/>
+                </a:solidFill>
+                <a:latin typeface="+mn-lt"/>
+                <a:ea typeface="+mn-ea"/>
+                <a:cs typeface="+mn-cs"/>
+              </a:defRPr>
+            </a:lvl9pPr>
+          </a:lstStyle>
+          <a:p>
+            <a:endParaRPr lang="nl-NL" sz="2200" dirty="0"/>
+          </a:p>
+        </p:txBody>
+      </p:sp>
+      <p:graphicFrame>
+        <p:nvGraphicFramePr>
+          <p:cNvPr id="6" name="Tabel 5"/>
+          <p:cNvGraphicFramePr>
+            <a:graphicFrameLocks noGrp="1"/>
+          </p:cNvGraphicFramePr>
+          <p:nvPr>
+            <p:extLst>
+              <p:ext uri="{D42A27DB-BD31-4B8C-83A1-F6EECF244321}">
+                <p14:modId xmlns:p14="http://schemas.microsoft.com/office/powerpoint/2010/main" val="230060398"/>
+              </p:ext>
+            </p:extLst>
+          </p:nvPr>
+        </p:nvGraphicFramePr>
+        <p:xfrm>
+          <a:off x="447901" y="5640947"/>
+          <a:ext cx="11190312" cy="1010920"/>
+        </p:xfrm>
+        <a:graphic>
+          <a:graphicData uri="http://schemas.openxmlformats.org/drawingml/2006/table">
+            <a:tbl>
+              <a:tblPr firstRow="1" bandRow="1">
+                <a:tableStyleId>{5C22544A-7EE6-4342-B048-85BDC9FD1C3A}</a:tableStyleId>
+              </a:tblPr>
+              <a:tblGrid>
+                <a:gridCol w="1398789">
+                  <a:extLst>
+                    <a:ext uri="{9D8B030D-6E8A-4147-A177-3AD203B41FA5}">
+                      <a16:colId xmlns:a16="http://schemas.microsoft.com/office/drawing/2014/main" val="20000"/>
+                    </a:ext>
+                  </a:extLst>
+                </a:gridCol>
+                <a:gridCol w="1398789">
+                  <a:extLst>
+                    <a:ext uri="{9D8B030D-6E8A-4147-A177-3AD203B41FA5}">
+                      <a16:colId xmlns:a16="http://schemas.microsoft.com/office/drawing/2014/main" val="20001"/>
+                    </a:ext>
+                  </a:extLst>
+                </a:gridCol>
+                <a:gridCol w="1398789">
+                  <a:extLst>
+                    <a:ext uri="{9D8B030D-6E8A-4147-A177-3AD203B41FA5}">
+                      <a16:colId xmlns:a16="http://schemas.microsoft.com/office/drawing/2014/main" val="20002"/>
+                    </a:ext>
+                  </a:extLst>
+                </a:gridCol>
+                <a:gridCol w="1398789">
+                  <a:extLst>
+                    <a:ext uri="{9D8B030D-6E8A-4147-A177-3AD203B41FA5}">
+                      <a16:colId xmlns:a16="http://schemas.microsoft.com/office/drawing/2014/main" val="20003"/>
+                    </a:ext>
+                  </a:extLst>
+                </a:gridCol>
+                <a:gridCol w="1398789">
+                  <a:extLst>
+                    <a:ext uri="{9D8B030D-6E8A-4147-A177-3AD203B41FA5}">
+                      <a16:colId xmlns:a16="http://schemas.microsoft.com/office/drawing/2014/main" val="20004"/>
+                    </a:ext>
+                  </a:extLst>
+                </a:gridCol>
+                <a:gridCol w="1398789">
+                  <a:extLst>
+                    <a:ext uri="{9D8B030D-6E8A-4147-A177-3AD203B41FA5}">
+                      <a16:colId xmlns:a16="http://schemas.microsoft.com/office/drawing/2014/main" val="20005"/>
+                    </a:ext>
+                  </a:extLst>
+                </a:gridCol>
+                <a:gridCol w="1398789">
+                  <a:extLst>
+                    <a:ext uri="{9D8B030D-6E8A-4147-A177-3AD203B41FA5}">
+                      <a16:colId xmlns:a16="http://schemas.microsoft.com/office/drawing/2014/main" val="20006"/>
+                    </a:ext>
+                  </a:extLst>
+                </a:gridCol>
+                <a:gridCol w="1398789">
+                  <a:extLst>
+                    <a:ext uri="{9D8B030D-6E8A-4147-A177-3AD203B41FA5}">
+                      <a16:colId xmlns:a16="http://schemas.microsoft.com/office/drawing/2014/main" val="20007"/>
+                    </a:ext>
+                  </a:extLst>
+                </a:gridCol>
+              </a:tblGrid>
+              <a:tr h="404396">
+                <a:tc>
+                  <a:txBody>
+                    <a:bodyPr/>
+                    <a:lstStyle/>
+                    <a:p>
+                      <a:pPr algn="ctr"/>
+                      <a:r>
+                        <a:rPr lang="nl-NL"/>
+                        <a:t>k-de</a:t>
+                      </a:r>
+                      <a:r>
+                        <a:rPr lang="nl-NL" baseline="0"/>
+                        <a:t> tijdstip</a:t>
+                      </a:r>
+                      <a:endParaRPr lang="nl-NL"/>
+                    </a:p>
+                  </a:txBody>
+                  <a:tcPr/>
+                </a:tc>
+                <a:tc>
+                  <a:txBody>
+                    <a:bodyPr/>
+                    <a:lstStyle/>
+                    <a:p>
+                      <a:pPr algn="ctr"/>
+                      <a:r>
+                        <a:rPr lang="nl-NL" dirty="0"/>
+                        <a:t>0</a:t>
+                      </a:r>
+                    </a:p>
+                  </a:txBody>
+                  <a:tcPr anchor="ctr"/>
+                </a:tc>
+                <a:tc>
+                  <a:txBody>
+                    <a:bodyPr/>
+                    <a:lstStyle/>
+                    <a:p>
+                      <a:pPr algn="ctr"/>
+                      <a:r>
+                        <a:rPr lang="nl-NL" dirty="0"/>
+                        <a:t>20</a:t>
+                      </a:r>
+                    </a:p>
+                  </a:txBody>
+                  <a:tcPr anchor="ctr"/>
+                </a:tc>
+                <a:tc>
+                  <a:txBody>
+                    <a:bodyPr/>
+                    <a:lstStyle/>
+                    <a:p>
+                      <a:pPr algn="ctr"/>
+                      <a:r>
+                        <a:rPr lang="nl-NL" dirty="0"/>
+                        <a:t>40</a:t>
+                      </a:r>
+                    </a:p>
+                  </a:txBody>
+                  <a:tcPr anchor="ctr"/>
+                </a:tc>
+                <a:tc>
+                  <a:txBody>
+                    <a:bodyPr/>
+                    <a:lstStyle/>
+                    <a:p>
+                      <a:pPr algn="ctr"/>
+                      <a:r>
+                        <a:rPr lang="nl-NL" dirty="0"/>
+                        <a:t>60</a:t>
+                      </a:r>
+                    </a:p>
+                  </a:txBody>
+                  <a:tcPr anchor="ctr"/>
+                </a:tc>
+                <a:tc>
+                  <a:txBody>
+                    <a:bodyPr/>
+                    <a:lstStyle/>
+                    <a:p>
+                      <a:pPr algn="ctr"/>
+                      <a:r>
+                        <a:rPr lang="nl-NL" dirty="0"/>
+                        <a:t>80</a:t>
+                      </a:r>
+                    </a:p>
+                  </a:txBody>
+                  <a:tcPr anchor="ctr"/>
+                </a:tc>
+                <a:tc>
+                  <a:txBody>
+                    <a:bodyPr/>
+                    <a:lstStyle/>
+                    <a:p>
+                      <a:pPr algn="ctr"/>
+                      <a:r>
+                        <a:rPr lang="nl-NL" dirty="0"/>
+                        <a:t>100</a:t>
+                      </a:r>
+                    </a:p>
+                  </a:txBody>
+                  <a:tcPr anchor="ctr"/>
+                </a:tc>
+                <a:tc>
+                  <a:txBody>
+                    <a:bodyPr/>
+                    <a:lstStyle/>
+                    <a:p>
+                      <a:pPr algn="ctr"/>
+                      <a:r>
+                        <a:rPr lang="nl-NL" dirty="0"/>
+                        <a:t>120</a:t>
+                      </a:r>
+                    </a:p>
+                  </a:txBody>
+                  <a:tcPr anchor="ctr"/>
+                </a:tc>
+                <a:extLst>
+                  <a:ext uri="{0D108BD9-81ED-4DB2-BD59-A6C34878D82A}">
+                    <a16:rowId xmlns:a16="http://schemas.microsoft.com/office/drawing/2014/main" val="10000"/>
+                  </a:ext>
+                </a:extLst>
+              </a:tr>
+              <a:tr h="370840">
+                <a:tc>
+                  <a:txBody>
+                    <a:bodyPr/>
+                    <a:lstStyle/>
+                    <a:p>
+                      <a:pPr algn="ctr"/>
+                      <a:r>
+                        <a:rPr lang="nl-NL"/>
+                        <a:t>Energie</a:t>
+                      </a:r>
+                    </a:p>
+                  </a:txBody>
+                  <a:tcPr/>
+                </a:tc>
+                <a:tc>
+                  <a:txBody>
+                    <a:bodyPr/>
+                    <a:lstStyle/>
+                    <a:p>
+                      <a:pPr algn="ctr"/>
+                      <a:r>
+                        <a:rPr lang="nl-NL" sz="1800" b="0" i="0" u="none" strike="noStrike" kern="1200" baseline="0">
+                          <a:solidFill>
+                            <a:schemeClr val="dk1"/>
+                          </a:solidFill>
+                          <a:latin typeface="+mn-lt"/>
+                          <a:ea typeface="+mn-ea"/>
+                          <a:cs typeface="+mn-cs"/>
+                        </a:rPr>
+                        <a:t>-0.4080</a:t>
+                      </a:r>
+                      <a:endParaRPr lang="nl-NL"/>
+                    </a:p>
+                  </a:txBody>
+                  <a:tcPr/>
+                </a:tc>
+                <a:tc>
+                  <a:txBody>
+                    <a:bodyPr/>
+                    <a:lstStyle/>
+                    <a:p>
+                      <a:pPr algn="ctr"/>
+                      <a:r>
+                        <a:rPr lang="nl-NL" sz="1800" b="0" i="0" u="none" strike="noStrike" kern="1200" baseline="0">
+                          <a:solidFill>
+                            <a:schemeClr val="dk1"/>
+                          </a:solidFill>
+                          <a:latin typeface="+mn-lt"/>
+                          <a:ea typeface="+mn-ea"/>
+                          <a:cs typeface="+mn-cs"/>
+                        </a:rPr>
+                        <a:t>-0.3539</a:t>
+                      </a:r>
+                      <a:endParaRPr lang="nl-NL"/>
+                    </a:p>
+                  </a:txBody>
+                  <a:tcPr/>
+                </a:tc>
+                <a:tc>
+                  <a:txBody>
+                    <a:bodyPr/>
+                    <a:lstStyle/>
+                    <a:p>
+                      <a:pPr algn="ctr"/>
+                      <a:r>
+                        <a:rPr lang="nl-NL" sz="1800" b="0" i="0" u="none" strike="noStrike" kern="1200" baseline="0">
+                          <a:solidFill>
+                            <a:schemeClr val="dk1"/>
+                          </a:solidFill>
+                          <a:latin typeface="+mn-lt"/>
+                          <a:ea typeface="+mn-ea"/>
+                          <a:cs typeface="+mn-cs"/>
+                        </a:rPr>
+                        <a:t>-0.3630</a:t>
+                      </a:r>
+                      <a:endParaRPr lang="nl-NL"/>
+                    </a:p>
+                  </a:txBody>
+                  <a:tcPr/>
+                </a:tc>
+                <a:tc>
+                  <a:txBody>
+                    <a:bodyPr/>
+                    <a:lstStyle/>
+                    <a:p>
+                      <a:pPr algn="ctr"/>
+                      <a:r>
+                        <a:rPr lang="nl-NL" sz="1800" b="0" i="0" u="none" strike="noStrike" kern="1200" baseline="0">
+                          <a:solidFill>
+                            <a:schemeClr val="dk1"/>
+                          </a:solidFill>
+                          <a:latin typeface="+mn-lt"/>
+                          <a:ea typeface="+mn-ea"/>
+                          <a:cs typeface="+mn-cs"/>
+                        </a:rPr>
+                        <a:t>-0.3643</a:t>
+                      </a:r>
+                      <a:endParaRPr lang="nl-NL"/>
+                    </a:p>
+                  </a:txBody>
+                  <a:tcPr/>
+                </a:tc>
+                <a:tc>
+                  <a:txBody>
+                    <a:bodyPr/>
+                    <a:lstStyle/>
+                    <a:p>
+                      <a:pPr algn="ctr"/>
+                      <a:r>
+                        <a:rPr lang="nl-NL" sz="1800" b="0" i="0" u="none" strike="noStrike" kern="1200" baseline="0">
+                          <a:solidFill>
+                            <a:schemeClr val="dk1"/>
+                          </a:solidFill>
+                          <a:latin typeface="+mn-lt"/>
+                          <a:ea typeface="+mn-ea"/>
+                          <a:cs typeface="+mn-cs"/>
+                        </a:rPr>
+                        <a:t>-0.3543</a:t>
+                      </a:r>
+                      <a:endParaRPr lang="nl-NL"/>
+                    </a:p>
+                  </a:txBody>
+                  <a:tcPr/>
+                </a:tc>
+                <a:tc>
+                  <a:txBody>
+                    <a:bodyPr/>
+                    <a:lstStyle/>
+                    <a:p>
+                      <a:pPr algn="ctr"/>
+                      <a:r>
+                        <a:rPr lang="nl-NL" sz="1800" b="0" i="0" u="none" strike="noStrike" kern="1200" baseline="0">
+                          <a:solidFill>
+                            <a:schemeClr val="dk1"/>
+                          </a:solidFill>
+                          <a:latin typeface="+mn-lt"/>
+                          <a:ea typeface="+mn-ea"/>
+                          <a:cs typeface="+mn-cs"/>
+                        </a:rPr>
+                        <a:t>-0.3700</a:t>
+                      </a:r>
+                      <a:endParaRPr lang="nl-NL"/>
+                    </a:p>
+                  </a:txBody>
+                  <a:tcPr/>
+                </a:tc>
+                <a:tc>
+                  <a:txBody>
+                    <a:bodyPr/>
+                    <a:lstStyle/>
+                    <a:p>
+                      <a:pPr algn="ctr"/>
+                      <a:r>
+                        <a:rPr lang="nl-NL" sz="1800" b="0" i="0" u="none" strike="noStrike" kern="1200" baseline="0" dirty="0">
+                          <a:solidFill>
+                            <a:schemeClr val="dk1"/>
+                          </a:solidFill>
+                          <a:latin typeface="+mn-lt"/>
+                          <a:ea typeface="+mn-ea"/>
+                          <a:cs typeface="+mn-cs"/>
+                        </a:rPr>
+                        <a:t>-0.4080</a:t>
+                      </a:r>
+                      <a:endParaRPr lang="nl-NL" dirty="0"/>
+                    </a:p>
+                  </a:txBody>
+                  <a:tcPr/>
+                </a:tc>
+                <a:extLst>
+                  <a:ext uri="{0D108BD9-81ED-4DB2-BD59-A6C34878D82A}">
+                    <a16:rowId xmlns:a16="http://schemas.microsoft.com/office/drawing/2014/main" val="10001"/>
+                  </a:ext>
+                </a:extLst>
+              </a:tr>
+            </a:tbl>
+          </a:graphicData>
+        </a:graphic>
+      </p:graphicFrame>
+      <p:sp>
+        <p:nvSpPr>
+          <p:cNvPr id="7" name="Tijdelijke aanduiding voor inhoud 2"/>
+          <p:cNvSpPr txBox="1">
+            <a:spLocks/>
+          </p:cNvSpPr>
+          <p:nvPr/>
+        </p:nvSpPr>
+        <p:spPr>
+          <a:xfrm>
+            <a:off x="685800" y="2194560"/>
+            <a:ext cx="10820400" cy="4024125"/>
+          </a:xfrm>
+          <a:prstGeom prst="rect">
+            <a:avLst/>
+          </a:prstGeom>
+        </p:spPr>
+        <p:txBody>
+          <a:bodyPr vert="horz" lIns="91440" tIns="45720" rIns="91440" bIns="45720" rtlCol="0">
+            <a:normAutofit/>
+          </a:bodyPr>
+          <a:lstStyle>
+            <a:lvl1pPr marL="228600" indent="-228600" algn="l" defTabSz="914400" rtl="0" eaLnBrk="1" latinLnBrk="0" hangingPunct="1">
+              <a:lnSpc>
+                <a:spcPct val="90000"/>
+              </a:lnSpc>
+              <a:spcBef>
+                <a:spcPts val="1000"/>
+              </a:spcBef>
+              <a:buFont typeface="Arial" panose="020B0604020202020204" pitchFamily="34" charset="0"/>
+              <a:buChar char="•"/>
+              <a:defRPr sz="2200" kern="1200">
+                <a:solidFill>
+                  <a:schemeClr val="tx1"/>
+                </a:solidFill>
+                <a:latin typeface="+mn-lt"/>
+                <a:ea typeface="+mn-ea"/>
+                <a:cs typeface="+mn-cs"/>
+              </a:defRPr>
+            </a:lvl1pPr>
+            <a:lvl2pPr marL="685800" indent="-228600" algn="l" defTabSz="914400" rtl="0" eaLnBrk="1" latinLnBrk="0" hangingPunct="1">
+              <a:lnSpc>
+                <a:spcPct val="90000"/>
+              </a:lnSpc>
+              <a:spcBef>
+                <a:spcPts val="500"/>
+              </a:spcBef>
+              <a:buFont typeface="Arial" panose="020B0604020202020204" pitchFamily="34" charset="0"/>
+              <a:buChar char="•"/>
+              <a:defRPr sz="2000" kern="1200">
+                <a:solidFill>
+                  <a:schemeClr val="tx1"/>
+                </a:solidFill>
+                <a:latin typeface="+mn-lt"/>
+                <a:ea typeface="+mn-ea"/>
+                <a:cs typeface="+mn-cs"/>
+              </a:defRPr>
+            </a:lvl2pPr>
+            <a:lvl3pPr marL="1143000" indent="-228600" algn="l" defTabSz="914400" rtl="0" eaLnBrk="1" latinLnBrk="0" hangingPunct="1">
+              <a:lnSpc>
+                <a:spcPct val="90000"/>
+              </a:lnSpc>
+              <a:spcBef>
+                <a:spcPts val="500"/>
+              </a:spcBef>
+              <a:buFont typeface="Arial" panose="020B0604020202020204" pitchFamily="34" charset="0"/>
+              <a:buChar char="•"/>
+              <a:defRPr sz="1800" kern="1200">
+                <a:solidFill>
+                  <a:schemeClr val="tx1"/>
+                </a:solidFill>
+                <a:latin typeface="+mn-lt"/>
+                <a:ea typeface="+mn-ea"/>
+                <a:cs typeface="+mn-cs"/>
+              </a:defRPr>
+            </a:lvl3pPr>
+            <a:lvl4pPr marL="1600200" indent="-228600" algn="l" defTabSz="914400" rtl="0" eaLnBrk="1" latinLnBrk="0" hangingPunct="1">
+              <a:lnSpc>
+                <a:spcPct val="90000"/>
+              </a:lnSpc>
+              <a:spcBef>
+                <a:spcPts val="500"/>
+              </a:spcBef>
+              <a:buFont typeface="Arial" panose="020B0604020202020204" pitchFamily="34" charset="0"/>
+              <a:buChar char="•"/>
+              <a:defRPr sz="1600" kern="1200">
+                <a:solidFill>
+                  <a:schemeClr val="tx1"/>
+                </a:solidFill>
+                <a:latin typeface="+mn-lt"/>
+                <a:ea typeface="+mn-ea"/>
+                <a:cs typeface="+mn-cs"/>
+              </a:defRPr>
+            </a:lvl4pPr>
+            <a:lvl5pPr marL="2057400" indent="-228600" algn="l" defTabSz="914400" rtl="0" eaLnBrk="1" latinLnBrk="0" hangingPunct="1">
+              <a:lnSpc>
+                <a:spcPct val="90000"/>
+              </a:lnSpc>
+              <a:spcBef>
+                <a:spcPts val="500"/>
+              </a:spcBef>
+              <a:buFont typeface="Arial" panose="020B0604020202020204" pitchFamily="34" charset="0"/>
+              <a:buChar char="•"/>
+              <a:defRPr sz="1600" kern="1200">
+                <a:solidFill>
+                  <a:schemeClr val="tx1"/>
+                </a:solidFill>
+                <a:latin typeface="+mn-lt"/>
+                <a:ea typeface="+mn-ea"/>
+                <a:cs typeface="+mn-cs"/>
+              </a:defRPr>
+            </a:lvl5pPr>
+            <a:lvl6pPr marL="2514600" indent="-228600" algn="l" defTabSz="914400" rtl="0" eaLnBrk="1" latinLnBrk="0" hangingPunct="1">
+              <a:lnSpc>
+                <a:spcPct val="90000"/>
+              </a:lnSpc>
+              <a:spcBef>
+                <a:spcPts val="500"/>
+              </a:spcBef>
+              <a:buFont typeface="Arial" panose="020B0604020202020204" pitchFamily="34" charset="0"/>
+              <a:buChar char="•"/>
+              <a:defRPr sz="1600" kern="1200">
+                <a:solidFill>
+                  <a:schemeClr val="tx1"/>
+                </a:solidFill>
+                <a:latin typeface="+mn-lt"/>
+                <a:ea typeface="+mn-ea"/>
+                <a:cs typeface="+mn-cs"/>
+              </a:defRPr>
+            </a:lvl6pPr>
+            <a:lvl7pPr marL="2971800" indent="-228600" algn="l" defTabSz="914400" rtl="0" eaLnBrk="1" latinLnBrk="0" hangingPunct="1">
+              <a:lnSpc>
+                <a:spcPct val="90000"/>
+              </a:lnSpc>
+              <a:spcBef>
+                <a:spcPts val="500"/>
+              </a:spcBef>
+              <a:buFont typeface="Arial" panose="020B0604020202020204" pitchFamily="34" charset="0"/>
+              <a:buChar char="•"/>
+              <a:defRPr sz="1600" kern="1200">
+                <a:solidFill>
+                  <a:schemeClr val="tx1"/>
+                </a:solidFill>
+                <a:latin typeface="+mn-lt"/>
+                <a:ea typeface="+mn-ea"/>
+                <a:cs typeface="+mn-cs"/>
+              </a:defRPr>
+            </a:lvl7pPr>
+            <a:lvl8pPr marL="3429000" indent="-228600" algn="l" defTabSz="914400" rtl="0" eaLnBrk="1" latinLnBrk="0" hangingPunct="1">
+              <a:lnSpc>
+                <a:spcPct val="90000"/>
+              </a:lnSpc>
+              <a:spcBef>
+                <a:spcPts val="500"/>
+              </a:spcBef>
+              <a:buFont typeface="Arial" panose="020B0604020202020204" pitchFamily="34" charset="0"/>
+              <a:buChar char="•"/>
+              <a:defRPr sz="1600" kern="1200">
+                <a:solidFill>
+                  <a:schemeClr val="tx1"/>
+                </a:solidFill>
+                <a:latin typeface="+mn-lt"/>
+                <a:ea typeface="+mn-ea"/>
+                <a:cs typeface="+mn-cs"/>
+              </a:defRPr>
+            </a:lvl8pPr>
+            <a:lvl9pPr marL="3886200" indent="-228600" algn="l" defTabSz="914400" rtl="0" eaLnBrk="1" latinLnBrk="0" hangingPunct="1">
+              <a:lnSpc>
+                <a:spcPct val="90000"/>
+              </a:lnSpc>
+              <a:spcBef>
+                <a:spcPts val="500"/>
+              </a:spcBef>
+              <a:buFont typeface="Arial" panose="020B0604020202020204" pitchFamily="34" charset="0"/>
+              <a:buChar char="•"/>
+              <a:defRPr sz="1600" kern="1200">
+                <a:solidFill>
+                  <a:schemeClr val="tx1"/>
+                </a:solidFill>
+                <a:latin typeface="+mn-lt"/>
+                <a:ea typeface="+mn-ea"/>
+                <a:cs typeface="+mn-cs"/>
+              </a:defRPr>
+            </a:lvl9pPr>
+          </a:lstStyle>
+          <a:p>
+            <a:r>
+              <a:rPr lang="nl-NL" dirty="0"/>
+              <a:t>Planeten minder dan 1 AU onnauwkeurig </a:t>
+            </a:r>
+          </a:p>
+          <a:p>
+            <a:r>
+              <a:rPr lang="nl-NL" dirty="0"/>
+              <a:t>Omlooptijd te kort voor </a:t>
+            </a:r>
+            <a:r>
+              <a:rPr lang="el-GR" dirty="0"/>
+              <a:t>Δ</a:t>
+            </a:r>
+            <a:r>
+              <a:rPr lang="nl-NL" dirty="0"/>
+              <a:t>t = 1 maand</a:t>
+            </a:r>
+          </a:p>
+          <a:p>
+            <a:r>
+              <a:rPr lang="nl-NL" dirty="0"/>
+              <a:t>Energie niet behouden</a:t>
+            </a:r>
+          </a:p>
+        </p:txBody>
+      </p:sp>
+    </p:spTree>
+    <p:extLst>
+      <p:ext uri="{BB962C8B-B14F-4D97-AF65-F5344CB8AC3E}">
+        <p14:creationId xmlns:p14="http://schemas.microsoft.com/office/powerpoint/2010/main" val="2513868334"/>
+      </p:ext>
+    </p:extLst>
+  </p:cSld>
+  <p:clrMapOvr>
+    <a:masterClrMapping/>
+  </p:clrMapOvr>
+</p:sld>
+</file>
+
+<file path=ppt/slides/slide11.xml><?xml version="1.0" encoding="utf-8"?>
+<p:sld xmlns:a="http://schemas.openxmlformats.org/drawingml/2006/main" xmlns:r="http://schemas.openxmlformats.org/officeDocument/2006/relationships" xmlns:p="http://schemas.openxmlformats.org/presentationml/2006/main">
+  <p:cSld>
+    <p:spTree>
+      <p:nvGrpSpPr>
+        <p:cNvPr id="1" name=""/>
+        <p:cNvGrpSpPr/>
+        <p:nvPr/>
+      </p:nvGrpSpPr>
+      <p:grpSpPr>
+        <a:xfrm>
+          <a:off x="0" y="0"/>
+          <a:ext cx="0" cy="0"/>
+          <a:chOff x="0" y="0"/>
+          <a:chExt cx="0" cy="0"/>
+        </a:xfrm>
+      </p:grpSpPr>
+      <p:sp>
+        <p:nvSpPr>
+          <p:cNvPr id="2" name="Titel 1"/>
+          <p:cNvSpPr>
+            <a:spLocks noGrp="1"/>
+          </p:cNvSpPr>
+          <p:nvPr>
+            <p:ph type="title"/>
+          </p:nvPr>
+        </p:nvSpPr>
+        <p:spPr/>
+        <p:txBody>
+          <a:bodyPr/>
+          <a:lstStyle/>
+          <a:p>
+            <a:r>
               <a:rPr lang="nl-NL" dirty="0"/>
               <a:t>Conclusie</a:t>
             </a:r>
@@ -5972,7 +6842,7 @@
 </p:sld>
 </file>
 
-<file path=ppt/slides/slide11.xml><?xml version="1.0" encoding="utf-8"?>
+<file path=ppt/slides/slide12.xml><?xml version="1.0" encoding="utf-8"?>
 <p:sld xmlns:a="http://schemas.openxmlformats.org/drawingml/2006/main" xmlns:r="http://schemas.openxmlformats.org/officeDocument/2006/relationships" xmlns:p="http://schemas.openxmlformats.org/presentationml/2006/main">
   <p:cSld>
     <p:spTree>
@@ -6316,7 +7186,7 @@
               <a:p>
                 <a:r>
                   <a:rPr lang="nl-NL" dirty="0"/>
-                  <a:t>Integratie m.b.v. versnelling:</a:t>
+                  <a:t>Integratie m.b.v. versnelling met N-deeltjes simulatie:</a:t>
                 </a:r>
               </a:p>
               <a:p>
@@ -6652,7 +7522,7 @@
                                     <m:endChr m:val="|"/>
                                     <m:ctrlPr>
                                       <a:rPr lang="nl-NL" sz="3200" b="0" i="1" smtClean="0">
-                                        <a:latin typeface="Cambria Math"/>
+                                        <a:latin typeface="Cambria Math" panose="02040503050406030204" pitchFamily="18" charset="0"/>
                                       </a:rPr>
                                     </m:ctrlPr>
                                   </m:dPr>
@@ -6896,7 +7766,6 @@
                   <a:rPr lang="nl-NL" dirty="0"/>
                   <a:t>Massa</a:t>
                 </a:r>
-                <a:endParaRPr lang="nl-NL" dirty="0"/>
               </a:p>
               <a:p>
                 <a:pPr lvl="1"/>
@@ -7532,28 +8401,118 @@
             <p:ph idx="1"/>
           </p:nvPr>
         </p:nvSpPr>
-        <p:spPr/>
-        <p:txBody>
-          <a:bodyPr/>
+        <p:spPr>
+          <a:xfrm>
+            <a:off x="838200" y="1825624"/>
+            <a:ext cx="4998156" cy="4676776"/>
+          </a:xfrm>
+        </p:spPr>
+        <p:txBody>
+          <a:bodyPr>
+            <a:normAutofit/>
+          </a:bodyPr>
           <a:lstStyle/>
           <a:p>
             <a:r>
-              <a:rPr lang="nl-NL"/>
-              <a:t>Langzaam model</a:t>
-            </a:r>
-          </a:p>
-          <a:p>
-            <a:r>
-              <a:rPr lang="nl-NL"/>
-              <a:t>Afschatting </a:t>
-            </a:r>
-          </a:p>
-        </p:txBody>
-      </p:sp>
+              <a:rPr lang="nl-NL" dirty="0"/>
+              <a:t>Langzaam model; orde N²</a:t>
+            </a:r>
+          </a:p>
+          <a:p>
+            <a:r>
+              <a:rPr lang="nl-NL" dirty="0"/>
+              <a:t>Afschatting: deeltjes dicht bij elkaar groeperen</a:t>
+            </a:r>
+          </a:p>
+          <a:p>
+            <a:r>
+              <a:rPr lang="nl-NL" dirty="0"/>
+              <a:t>Implementatie: ruimte recursief opdelen in kwadranten tot elk deeltje eigen kwadrant heeft</a:t>
+            </a:r>
+          </a:p>
+          <a:p>
+            <a:r>
+              <a:rPr lang="nl-NL" dirty="0"/>
+              <a:t>Programmeren: Barnes-Hut boom</a:t>
+            </a:r>
+          </a:p>
+          <a:p>
+            <a:r>
+              <a:rPr lang="nl-NL" dirty="0"/>
+              <a:t>Algoritme niet exact</a:t>
+            </a:r>
+          </a:p>
+          <a:p>
+            <a:r>
+              <a:rPr lang="nl-NL" dirty="0"/>
+              <a:t>orde N· log(N)</a:t>
+            </a:r>
+          </a:p>
+        </p:txBody>
+      </p:sp>
+      <p:pic>
+        <p:nvPicPr>
+          <p:cNvPr id="4" name="Afbeelding 3"/>
+          <p:cNvPicPr>
+            <a:picLocks noChangeAspect="1"/>
+          </p:cNvPicPr>
+          <p:nvPr/>
+        </p:nvPicPr>
+        <p:blipFill>
+          <a:blip r:embed="rId2">
+            <a:extLst>
+              <a:ext uri="{28A0092B-C50C-407E-A947-70E740481C1C}">
+                <a14:useLocalDpi xmlns:a14="http://schemas.microsoft.com/office/drawing/2010/main" val="0"/>
+              </a:ext>
+            </a:extLst>
+          </a:blip>
+          <a:stretch>
+            <a:fillRect/>
+          </a:stretch>
+        </p:blipFill>
+        <p:spPr>
+          <a:xfrm>
+            <a:off x="7572867" y="2057401"/>
+            <a:ext cx="3933333" cy="3933333"/>
+          </a:xfrm>
+          <a:prstGeom prst="rect">
+            <a:avLst/>
+          </a:prstGeom>
+        </p:spPr>
+      </p:pic>
+      <p:pic>
+        <p:nvPicPr>
+          <p:cNvPr id="5" name="Afbeelding 4"/>
+          <p:cNvPicPr>
+            <a:picLocks noChangeAspect="1"/>
+          </p:cNvPicPr>
+          <p:nvPr/>
+        </p:nvPicPr>
+        <p:blipFill rotWithShape="1">
+          <a:blip r:embed="rId3">
+            <a:extLst>
+              <a:ext uri="{28A0092B-C50C-407E-A947-70E740481C1C}">
+                <a14:useLocalDpi xmlns:a14="http://schemas.microsoft.com/office/drawing/2010/main" val="0"/>
+              </a:ext>
+            </a:extLst>
+          </a:blip>
+          <a:srcRect t="20254"/>
+          <a:stretch/>
+        </p:blipFill>
+        <p:spPr>
+          <a:xfrm>
+            <a:off x="3999282" y="4876800"/>
+            <a:ext cx="2575990" cy="1981200"/>
+          </a:xfrm>
+          <a:prstGeom prst="rect">
+            <a:avLst/>
+          </a:prstGeom>
+        </p:spPr>
+      </p:pic>
     </p:spTree>
     <p:extLst>
       <p:ext uri="{BB962C8B-B14F-4D97-AF65-F5344CB8AC3E}">
-        <p14:creationId xmlns:p14="http://schemas.microsoft.com/office/powerpoint/2010/main" val="3895736958"/>
+        <p14:creationId xmlns:p14="http://schemas.microsoft.com/office/powerpoint/2010/main" val="3770291243"/>
       </p:ext>
     </p:extLst>
   </p:cSld>
@@ -7564,6 +8523,117 @@
 </file>
 
 <file path=ppt/slides/slide7.xml><?xml version="1.0" encoding="utf-8"?>
+<p:sld xmlns:a="http://schemas.openxmlformats.org/drawingml/2006/main" xmlns:r="http://schemas.openxmlformats.org/officeDocument/2006/relationships" xmlns:p="http://schemas.openxmlformats.org/presentationml/2006/main">
+  <p:cSld>
+    <p:spTree>
+      <p:nvGrpSpPr>
+        <p:cNvPr id="1" name=""/>
+        <p:cNvGrpSpPr/>
+        <p:nvPr/>
+      </p:nvGrpSpPr>
+      <p:grpSpPr>
+        <a:xfrm>
+          <a:off x="0" y="0"/>
+          <a:ext cx="0" cy="0"/>
+          <a:chOff x="0" y="0"/>
+          <a:chExt cx="0" cy="0"/>
+        </a:xfrm>
+      </p:grpSpPr>
+      <p:sp>
+        <p:nvSpPr>
+          <p:cNvPr id="2" name="Titel 1"/>
+          <p:cNvSpPr>
+            <a:spLocks noGrp="1"/>
+          </p:cNvSpPr>
+          <p:nvPr>
+            <p:ph type="title"/>
+          </p:nvPr>
+        </p:nvSpPr>
+        <p:spPr/>
+        <p:txBody>
+          <a:bodyPr/>
+          <a:lstStyle/>
+          <a:p>
+            <a:r>
+              <a:rPr lang="nl-NL" dirty="0"/>
+              <a:t>Barnes-Hut voor botsingen</a:t>
+            </a:r>
+          </a:p>
+        </p:txBody>
+      </p:sp>
+      <p:sp>
+        <p:nvSpPr>
+          <p:cNvPr id="3" name="Tijdelijke aanduiding voor inhoud 2"/>
+          <p:cNvSpPr>
+            <a:spLocks noGrp="1"/>
+          </p:cNvSpPr>
+          <p:nvPr>
+            <p:ph idx="1"/>
+          </p:nvPr>
+        </p:nvSpPr>
+        <p:spPr>
+          <a:xfrm>
+            <a:off x="838200" y="1791758"/>
+            <a:ext cx="4998156" cy="4654198"/>
+          </a:xfrm>
+        </p:spPr>
+        <p:txBody>
+          <a:bodyPr>
+            <a:normAutofit/>
+          </a:bodyPr>
+          <a:lstStyle/>
+          <a:p>
+            <a:r>
+              <a:rPr lang="nl-NL" dirty="0"/>
+              <a:t>Langzaam model; orde N²</a:t>
+            </a:r>
+          </a:p>
+          <a:p>
+            <a:r>
+              <a:rPr lang="nl-NL" dirty="0"/>
+              <a:t>Rond elk deeltje rechthoek met grenzen</a:t>
+            </a:r>
+          </a:p>
+          <a:p>
+            <a:r>
+              <a:rPr lang="nl-NL" dirty="0"/>
+              <a:t>Botsing mogelijk als en slechts als rechthoeken overlappen</a:t>
+            </a:r>
+          </a:p>
+          <a:p>
+            <a:r>
+              <a:rPr lang="nl-NL" dirty="0"/>
+              <a:t>Barnes-Hut boom: interne takken hebben ruimste rechthoek</a:t>
+            </a:r>
+          </a:p>
+          <a:p>
+            <a:r>
+              <a:rPr lang="nl-NL" dirty="0"/>
+              <a:t>Algoritme wel exact</a:t>
+            </a:r>
+          </a:p>
+          <a:p>
+            <a:r>
+              <a:rPr lang="nl-NL" dirty="0"/>
+              <a:t>orde N· log(N)</a:t>
+            </a:r>
+          </a:p>
+        </p:txBody>
+      </p:sp>
+    </p:spTree>
+    <p:extLst>
+      <p:ext uri="{BB962C8B-B14F-4D97-AF65-F5344CB8AC3E}">
+        <p14:creationId xmlns:p14="http://schemas.microsoft.com/office/powerpoint/2010/main" val="3051500588"/>
+      </p:ext>
+    </p:extLst>
+  </p:cSld>
+  <p:clrMapOvr>
+    <a:masterClrMapping/>
+  </p:clrMapOvr>
+</p:sld>
+</file>
+
+<file path=ppt/slides/slide8.xml><?xml version="1.0" encoding="utf-8"?>
 <p:sld xmlns:a="http://schemas.openxmlformats.org/drawingml/2006/main" xmlns:r="http://schemas.openxmlformats.org/officeDocument/2006/relationships" xmlns:p="http://schemas.openxmlformats.org/presentationml/2006/main">
   <p:cSld>
     <p:spTree>
@@ -7654,96 +8724,6 @@
 </p:sld>
 </file>
 
-<file path=ppt/slides/slide8.xml><?xml version="1.0" encoding="utf-8"?>
-<p:sld xmlns:a="http://schemas.openxmlformats.org/drawingml/2006/main" xmlns:r="http://schemas.openxmlformats.org/officeDocument/2006/relationships" xmlns:p="http://schemas.openxmlformats.org/presentationml/2006/main">
-  <p:cSld>
-    <p:spTree>
-      <p:nvGrpSpPr>
-        <p:cNvPr id="1" name=""/>
-        <p:cNvGrpSpPr/>
-        <p:nvPr/>
-      </p:nvGrpSpPr>
-      <p:grpSpPr>
-        <a:xfrm>
-          <a:off x="0" y="0"/>
-          <a:ext cx="0" cy="0"/>
-          <a:chOff x="0" y="0"/>
-          <a:chExt cx="0" cy="0"/>
-        </a:xfrm>
-      </p:grpSpPr>
-      <p:sp>
-        <p:nvSpPr>
-          <p:cNvPr id="2" name="Titel 1"/>
-          <p:cNvSpPr>
-            <a:spLocks noGrp="1"/>
-          </p:cNvSpPr>
-          <p:nvPr>
-            <p:ph type="title"/>
-          </p:nvPr>
-        </p:nvSpPr>
-        <p:spPr/>
-        <p:txBody>
-          <a:bodyPr/>
-          <a:lstStyle/>
-          <a:p>
-            <a:r>
-              <a:rPr lang="nl-NL"/>
-              <a:t>Nauwkeurigheid model</a:t>
-            </a:r>
-          </a:p>
-        </p:txBody>
-      </p:sp>
-      <p:sp>
-        <p:nvSpPr>
-          <p:cNvPr id="3" name="Tijdelijke aanduiding voor inhoud 2"/>
-          <p:cNvSpPr>
-            <a:spLocks noGrp="1"/>
-          </p:cNvSpPr>
-          <p:nvPr>
-            <p:ph idx="1"/>
-          </p:nvPr>
-        </p:nvSpPr>
-        <p:spPr/>
-        <p:txBody>
-          <a:bodyPr/>
-          <a:lstStyle/>
-          <a:p>
-            <a:r>
-              <a:rPr lang="nl-NL" dirty="0"/>
-              <a:t>Analyse voor N=2</a:t>
-            </a:r>
-          </a:p>
-          <a:p>
-            <a:r>
-              <a:rPr lang="nl-NL" dirty="0"/>
-              <a:t>Behoud van energie</a:t>
-            </a:r>
-          </a:p>
-          <a:p>
-            <a:r>
-              <a:rPr lang="nl-NL" dirty="0" err="1"/>
-              <a:t>Richardson</a:t>
-            </a:r>
-            <a:r>
-              <a:rPr lang="nl-NL" dirty="0"/>
-              <a:t> Extrapolatie</a:t>
-            </a:r>
-          </a:p>
-        </p:txBody>
-      </p:sp>
-    </p:spTree>
-    <p:extLst>
-      <p:ext uri="{BB962C8B-B14F-4D97-AF65-F5344CB8AC3E}">
-        <p14:creationId xmlns:p14="http://schemas.microsoft.com/office/powerpoint/2010/main" val="120385941"/>
-      </p:ext>
-    </p:extLst>
-  </p:cSld>
-  <p:clrMapOvr>
-    <a:masterClrMapping/>
-  </p:clrMapOvr>
-</p:sld>
-</file>
-
 <file path=ppt/slides/slide9.xml><?xml version="1.0" encoding="utf-8"?>
 <p:sld xmlns:a="http://schemas.openxmlformats.org/drawingml/2006/main" xmlns:r="http://schemas.openxmlformats.org/officeDocument/2006/relationships" xmlns:p="http://schemas.openxmlformats.org/presentationml/2006/main">
   <p:cSld>
@@ -7783,819 +8763,40 @@
           </a:p>
         </p:txBody>
       </p:sp>
-      <p:pic>
-        <p:nvPicPr>
-          <p:cNvPr id="4" name="Tijdelijke aanduiding voor inhoud 3"/>
-          <p:cNvPicPr>
-            <a:picLocks noGrp="1" noChangeAspect="1"/>
-          </p:cNvPicPr>
+      <p:sp>
+        <p:nvSpPr>
+          <p:cNvPr id="3" name="Tijdelijke aanduiding voor inhoud 2"/>
+          <p:cNvSpPr>
+            <a:spLocks noGrp="1"/>
+          </p:cNvSpPr>
           <p:nvPr>
             <p:ph idx="1"/>
           </p:nvPr>
-        </p:nvPicPr>
-        <p:blipFill>
-          <a:blip r:embed="rId2">
-            <a:extLst>
-              <a:ext uri="{28A0092B-C50C-407E-A947-70E740481C1C}">
-                <a14:useLocalDpi xmlns:a14="http://schemas.microsoft.com/office/drawing/2010/main" val="0"/>
-              </a:ext>
-            </a:extLst>
-          </a:blip>
-          <a:stretch>
-            <a:fillRect/>
-          </a:stretch>
-        </p:blipFill>
-        <p:spPr>
-          <a:xfrm>
-            <a:off x="6031596" y="1825625"/>
-            <a:ext cx="5512312" cy="4644377"/>
-          </a:xfrm>
-        </p:spPr>
-      </p:pic>
-      <p:sp>
-        <p:nvSpPr>
-          <p:cNvPr id="5" name="Tijdelijke aanduiding voor inhoud 2"/>
-          <p:cNvSpPr txBox="1">
-            <a:spLocks/>
-          </p:cNvSpPr>
-          <p:nvPr/>
-        </p:nvSpPr>
-        <p:spPr>
-          <a:xfrm>
-            <a:off x="470554" y="1835052"/>
-            <a:ext cx="5408054" cy="4351338"/>
-          </a:xfrm>
-          <a:prstGeom prst="rect">
-            <a:avLst/>
-          </a:prstGeom>
-        </p:spPr>
-        <p:txBody>
-          <a:bodyPr vert="horz" lIns="91440" tIns="45720" rIns="91440" bIns="45720" rtlCol="0">
-            <a:normAutofit/>
-          </a:bodyPr>
-          <a:lstStyle>
-            <a:lvl1pPr marL="228600" indent="-228600" algn="l" defTabSz="914400" rtl="0" eaLnBrk="1" latinLnBrk="0" hangingPunct="1">
-              <a:lnSpc>
-                <a:spcPct val="90000"/>
-              </a:lnSpc>
-              <a:spcBef>
-                <a:spcPts val="1000"/>
-              </a:spcBef>
-              <a:buFont typeface="Arial" panose="020B0604020202020204" pitchFamily="34" charset="0"/>
-              <a:buChar char="•"/>
-              <a:defRPr sz="2800" kern="1200">
-                <a:solidFill>
-                  <a:schemeClr val="tx1"/>
-                </a:solidFill>
-                <a:latin typeface="+mn-lt"/>
-                <a:ea typeface="+mn-ea"/>
-                <a:cs typeface="+mn-cs"/>
-              </a:defRPr>
-            </a:lvl1pPr>
-            <a:lvl2pPr marL="685800" indent="-228600" algn="l" defTabSz="914400" rtl="0" eaLnBrk="1" latinLnBrk="0" hangingPunct="1">
-              <a:lnSpc>
-                <a:spcPct val="90000"/>
-              </a:lnSpc>
-              <a:spcBef>
-                <a:spcPts val="500"/>
-              </a:spcBef>
-              <a:buFont typeface="Arial" panose="020B0604020202020204" pitchFamily="34" charset="0"/>
-              <a:buChar char="•"/>
-              <a:defRPr sz="2400" kern="1200">
-                <a:solidFill>
-                  <a:schemeClr val="tx1"/>
-                </a:solidFill>
-                <a:latin typeface="+mn-lt"/>
-                <a:ea typeface="+mn-ea"/>
-                <a:cs typeface="+mn-cs"/>
-              </a:defRPr>
-            </a:lvl2pPr>
-            <a:lvl3pPr marL="1143000" indent="-228600" algn="l" defTabSz="914400" rtl="0" eaLnBrk="1" latinLnBrk="0" hangingPunct="1">
-              <a:lnSpc>
-                <a:spcPct val="90000"/>
-              </a:lnSpc>
-              <a:spcBef>
-                <a:spcPts val="500"/>
-              </a:spcBef>
-              <a:buFont typeface="Arial" panose="020B0604020202020204" pitchFamily="34" charset="0"/>
-              <a:buChar char="•"/>
-              <a:defRPr sz="2000" kern="1200">
-                <a:solidFill>
-                  <a:schemeClr val="tx1"/>
-                </a:solidFill>
-                <a:latin typeface="+mn-lt"/>
-                <a:ea typeface="+mn-ea"/>
-                <a:cs typeface="+mn-cs"/>
-              </a:defRPr>
-            </a:lvl3pPr>
-            <a:lvl4pPr marL="1600200" indent="-228600" algn="l" defTabSz="914400" rtl="0" eaLnBrk="1" latinLnBrk="0" hangingPunct="1">
-              <a:lnSpc>
-                <a:spcPct val="90000"/>
-              </a:lnSpc>
-              <a:spcBef>
-                <a:spcPts val="500"/>
-              </a:spcBef>
-              <a:buFont typeface="Arial" panose="020B0604020202020204" pitchFamily="34" charset="0"/>
-              <a:buChar char="•"/>
-              <a:defRPr sz="1800" kern="1200">
-                <a:solidFill>
-                  <a:schemeClr val="tx1"/>
-                </a:solidFill>
-                <a:latin typeface="+mn-lt"/>
-                <a:ea typeface="+mn-ea"/>
-                <a:cs typeface="+mn-cs"/>
-              </a:defRPr>
-            </a:lvl4pPr>
-            <a:lvl5pPr marL="2057400" indent="-228600" algn="l" defTabSz="914400" rtl="0" eaLnBrk="1" latinLnBrk="0" hangingPunct="1">
-              <a:lnSpc>
-                <a:spcPct val="90000"/>
-              </a:lnSpc>
-              <a:spcBef>
-                <a:spcPts val="500"/>
-              </a:spcBef>
-              <a:buFont typeface="Arial" panose="020B0604020202020204" pitchFamily="34" charset="0"/>
-              <a:buChar char="•"/>
-              <a:defRPr sz="1800" kern="1200">
-                <a:solidFill>
-                  <a:schemeClr val="tx1"/>
-                </a:solidFill>
-                <a:latin typeface="+mn-lt"/>
-                <a:ea typeface="+mn-ea"/>
-                <a:cs typeface="+mn-cs"/>
-              </a:defRPr>
-            </a:lvl5pPr>
-            <a:lvl6pPr marL="2514600" indent="-228600" algn="l" defTabSz="914400" rtl="0" eaLnBrk="1" latinLnBrk="0" hangingPunct="1">
-              <a:lnSpc>
-                <a:spcPct val="90000"/>
-              </a:lnSpc>
-              <a:spcBef>
-                <a:spcPts val="500"/>
-              </a:spcBef>
-              <a:buFont typeface="Arial" panose="020B0604020202020204" pitchFamily="34" charset="0"/>
-              <a:buChar char="•"/>
-              <a:defRPr sz="1800" kern="1200">
-                <a:solidFill>
-                  <a:schemeClr val="tx1"/>
-                </a:solidFill>
-                <a:latin typeface="+mn-lt"/>
-                <a:ea typeface="+mn-ea"/>
-                <a:cs typeface="+mn-cs"/>
-              </a:defRPr>
-            </a:lvl6pPr>
-            <a:lvl7pPr marL="2971800" indent="-228600" algn="l" defTabSz="914400" rtl="0" eaLnBrk="1" latinLnBrk="0" hangingPunct="1">
-              <a:lnSpc>
-                <a:spcPct val="90000"/>
-              </a:lnSpc>
-              <a:spcBef>
-                <a:spcPts val="500"/>
-              </a:spcBef>
-              <a:buFont typeface="Arial" panose="020B0604020202020204" pitchFamily="34" charset="0"/>
-              <a:buChar char="•"/>
-              <a:defRPr sz="1800" kern="1200">
-                <a:solidFill>
-                  <a:schemeClr val="tx1"/>
-                </a:solidFill>
-                <a:latin typeface="+mn-lt"/>
-                <a:ea typeface="+mn-ea"/>
-                <a:cs typeface="+mn-cs"/>
-              </a:defRPr>
-            </a:lvl7pPr>
-            <a:lvl8pPr marL="3429000" indent="-228600" algn="l" defTabSz="914400" rtl="0" eaLnBrk="1" latinLnBrk="0" hangingPunct="1">
-              <a:lnSpc>
-                <a:spcPct val="90000"/>
-              </a:lnSpc>
-              <a:spcBef>
-                <a:spcPts val="500"/>
-              </a:spcBef>
-              <a:buFont typeface="Arial" panose="020B0604020202020204" pitchFamily="34" charset="0"/>
-              <a:buChar char="•"/>
-              <a:defRPr sz="1800" kern="1200">
-                <a:solidFill>
-                  <a:schemeClr val="tx1"/>
-                </a:solidFill>
-                <a:latin typeface="+mn-lt"/>
-                <a:ea typeface="+mn-ea"/>
-                <a:cs typeface="+mn-cs"/>
-              </a:defRPr>
-            </a:lvl8pPr>
-            <a:lvl9pPr marL="3886200" indent="-228600" algn="l" defTabSz="914400" rtl="0" eaLnBrk="1" latinLnBrk="0" hangingPunct="1">
-              <a:lnSpc>
-                <a:spcPct val="90000"/>
-              </a:lnSpc>
-              <a:spcBef>
-                <a:spcPts val="500"/>
-              </a:spcBef>
-              <a:buFont typeface="Arial" panose="020B0604020202020204" pitchFamily="34" charset="0"/>
-              <a:buChar char="•"/>
-              <a:defRPr sz="1800" kern="1200">
-                <a:solidFill>
-                  <a:schemeClr val="tx1"/>
-                </a:solidFill>
-                <a:latin typeface="+mn-lt"/>
-                <a:ea typeface="+mn-ea"/>
-                <a:cs typeface="+mn-cs"/>
-              </a:defRPr>
-            </a:lvl9pPr>
-          </a:lstStyle>
-          <a:p>
-            <a:endParaRPr lang="nl-NL" sz="2200" dirty="0"/>
-          </a:p>
-        </p:txBody>
-      </p:sp>
-      <p:graphicFrame>
-        <p:nvGraphicFramePr>
-          <p:cNvPr id="6" name="Tabel 5"/>
-          <p:cNvGraphicFramePr>
-            <a:graphicFrameLocks noGrp="1"/>
-          </p:cNvGraphicFramePr>
-          <p:nvPr>
-            <p:extLst>
-              <p:ext uri="{D42A27DB-BD31-4B8C-83A1-F6EECF244321}">
-                <p14:modId xmlns:p14="http://schemas.microsoft.com/office/powerpoint/2010/main" val="230060398"/>
-              </p:ext>
-            </p:extLst>
-          </p:nvPr>
-        </p:nvGraphicFramePr>
-        <p:xfrm>
-          <a:off x="447901" y="5640947"/>
-          <a:ext cx="11190312" cy="1010920"/>
-        </p:xfrm>
-        <a:graphic>
-          <a:graphicData uri="http://schemas.openxmlformats.org/drawingml/2006/table">
-            <a:tbl>
-              <a:tblPr firstRow="1" bandRow="1">
-                <a:tableStyleId>{5C22544A-7EE6-4342-B048-85BDC9FD1C3A}</a:tableStyleId>
-              </a:tblPr>
-              <a:tblGrid>
-                <a:gridCol w="1398789">
-                  <a:extLst>
-                    <a:ext uri="{9D8B030D-6E8A-4147-A177-3AD203B41FA5}">
-                      <a16:colId xmlns:a16="http://schemas.microsoft.com/office/drawing/2014/main" val="20000"/>
-                    </a:ext>
-                  </a:extLst>
-                </a:gridCol>
-                <a:gridCol w="1398789">
-                  <a:extLst>
-                    <a:ext uri="{9D8B030D-6E8A-4147-A177-3AD203B41FA5}">
-                      <a16:colId xmlns:a16="http://schemas.microsoft.com/office/drawing/2014/main" val="20001"/>
-                    </a:ext>
-                  </a:extLst>
-                </a:gridCol>
-                <a:gridCol w="1398789">
-                  <a:extLst>
-                    <a:ext uri="{9D8B030D-6E8A-4147-A177-3AD203B41FA5}">
-                      <a16:colId xmlns:a16="http://schemas.microsoft.com/office/drawing/2014/main" val="20002"/>
-                    </a:ext>
-                  </a:extLst>
-                </a:gridCol>
-                <a:gridCol w="1398789">
-                  <a:extLst>
-                    <a:ext uri="{9D8B030D-6E8A-4147-A177-3AD203B41FA5}">
-                      <a16:colId xmlns:a16="http://schemas.microsoft.com/office/drawing/2014/main" val="20003"/>
-                    </a:ext>
-                  </a:extLst>
-                </a:gridCol>
-                <a:gridCol w="1398789">
-                  <a:extLst>
-                    <a:ext uri="{9D8B030D-6E8A-4147-A177-3AD203B41FA5}">
-                      <a16:colId xmlns:a16="http://schemas.microsoft.com/office/drawing/2014/main" val="20004"/>
-                    </a:ext>
-                  </a:extLst>
-                </a:gridCol>
-                <a:gridCol w="1398789">
-                  <a:extLst>
-                    <a:ext uri="{9D8B030D-6E8A-4147-A177-3AD203B41FA5}">
-                      <a16:colId xmlns:a16="http://schemas.microsoft.com/office/drawing/2014/main" val="20005"/>
-                    </a:ext>
-                  </a:extLst>
-                </a:gridCol>
-                <a:gridCol w="1398789">
-                  <a:extLst>
-                    <a:ext uri="{9D8B030D-6E8A-4147-A177-3AD203B41FA5}">
-                      <a16:colId xmlns:a16="http://schemas.microsoft.com/office/drawing/2014/main" val="20006"/>
-                    </a:ext>
-                  </a:extLst>
-                </a:gridCol>
-                <a:gridCol w="1398789">
-                  <a:extLst>
-                    <a:ext uri="{9D8B030D-6E8A-4147-A177-3AD203B41FA5}">
-                      <a16:colId xmlns:a16="http://schemas.microsoft.com/office/drawing/2014/main" val="20007"/>
-                    </a:ext>
-                  </a:extLst>
-                </a:gridCol>
-              </a:tblGrid>
-              <a:tr h="404396">
-                <a:tc>
-                  <a:txBody>
-                    <a:bodyPr/>
-                    <a:lstStyle/>
-                    <a:p>
-                      <a:pPr algn="ctr"/>
-                      <a:r>
-                        <a:rPr lang="nl-NL"/>
-                        <a:t>k-de</a:t>
-                      </a:r>
-                      <a:r>
-                        <a:rPr lang="nl-NL" baseline="0"/>
-                        <a:t> tijdstip</a:t>
-                      </a:r>
-                      <a:endParaRPr lang="nl-NL"/>
-                    </a:p>
-                  </a:txBody>
-                  <a:tcPr/>
-                </a:tc>
-                <a:tc>
-                  <a:txBody>
-                    <a:bodyPr/>
-                    <a:lstStyle/>
-                    <a:p>
-                      <a:pPr algn="ctr"/>
-                      <a:r>
-                        <a:rPr lang="nl-NL" dirty="0"/>
-                        <a:t>0</a:t>
-                      </a:r>
-                    </a:p>
-                  </a:txBody>
-                  <a:tcPr anchor="ctr"/>
-                </a:tc>
-                <a:tc>
-                  <a:txBody>
-                    <a:bodyPr/>
-                    <a:lstStyle/>
-                    <a:p>
-                      <a:pPr algn="ctr"/>
-                      <a:r>
-                        <a:rPr lang="nl-NL" dirty="0"/>
-                        <a:t>20</a:t>
-                      </a:r>
-                    </a:p>
-                  </a:txBody>
-                  <a:tcPr anchor="ctr"/>
-                </a:tc>
-                <a:tc>
-                  <a:txBody>
-                    <a:bodyPr/>
-                    <a:lstStyle/>
-                    <a:p>
-                      <a:pPr algn="ctr"/>
-                      <a:r>
-                        <a:rPr lang="nl-NL" dirty="0"/>
-                        <a:t>40</a:t>
-                      </a:r>
-                    </a:p>
-                  </a:txBody>
-                  <a:tcPr anchor="ctr"/>
-                </a:tc>
-                <a:tc>
-                  <a:txBody>
-                    <a:bodyPr/>
-                    <a:lstStyle/>
-                    <a:p>
-                      <a:pPr algn="ctr"/>
-                      <a:r>
-                        <a:rPr lang="nl-NL" dirty="0"/>
-                        <a:t>60</a:t>
-                      </a:r>
-                    </a:p>
-                  </a:txBody>
-                  <a:tcPr anchor="ctr"/>
-                </a:tc>
-                <a:tc>
-                  <a:txBody>
-                    <a:bodyPr/>
-                    <a:lstStyle/>
-                    <a:p>
-                      <a:pPr algn="ctr"/>
-                      <a:r>
-                        <a:rPr lang="nl-NL" dirty="0"/>
-                        <a:t>80</a:t>
-                      </a:r>
-                    </a:p>
-                  </a:txBody>
-                  <a:tcPr anchor="ctr"/>
-                </a:tc>
-                <a:tc>
-                  <a:txBody>
-                    <a:bodyPr/>
-                    <a:lstStyle/>
-                    <a:p>
-                      <a:pPr algn="ctr"/>
-                      <a:r>
-                        <a:rPr lang="nl-NL" dirty="0"/>
-                        <a:t>100</a:t>
-                      </a:r>
-                    </a:p>
-                  </a:txBody>
-                  <a:tcPr anchor="ctr"/>
-                </a:tc>
-                <a:tc>
-                  <a:txBody>
-                    <a:bodyPr/>
-                    <a:lstStyle/>
-                    <a:p>
-                      <a:pPr algn="ctr"/>
-                      <a:r>
-                        <a:rPr lang="nl-NL" dirty="0"/>
-                        <a:t>120</a:t>
-                      </a:r>
-                    </a:p>
-                  </a:txBody>
-                  <a:tcPr anchor="ctr"/>
-                </a:tc>
-                <a:extLst>
-                  <a:ext uri="{0D108BD9-81ED-4DB2-BD59-A6C34878D82A}">
-                    <a16:rowId xmlns:a16="http://schemas.microsoft.com/office/drawing/2014/main" val="10000"/>
-                  </a:ext>
-                </a:extLst>
-              </a:tr>
-              <a:tr h="370840">
-                <a:tc>
-                  <a:txBody>
-                    <a:bodyPr/>
-                    <a:lstStyle/>
-                    <a:p>
-                      <a:pPr algn="ctr"/>
-                      <a:r>
-                        <a:rPr lang="nl-NL"/>
-                        <a:t>Energie</a:t>
-                      </a:r>
-                    </a:p>
-                  </a:txBody>
-                  <a:tcPr/>
-                </a:tc>
-                <a:tc>
-                  <a:txBody>
-                    <a:bodyPr/>
-                    <a:lstStyle/>
-                    <a:p>
-                      <a:pPr algn="ctr"/>
-                      <a:r>
-                        <a:rPr lang="nl-NL" sz="1800" b="0" i="0" u="none" strike="noStrike" kern="1200" baseline="0">
-                          <a:solidFill>
-                            <a:schemeClr val="dk1"/>
-                          </a:solidFill>
-                          <a:latin typeface="+mn-lt"/>
-                          <a:ea typeface="+mn-ea"/>
-                          <a:cs typeface="+mn-cs"/>
-                        </a:rPr>
-                        <a:t>-0.4080</a:t>
-                      </a:r>
-                      <a:endParaRPr lang="nl-NL"/>
-                    </a:p>
-                  </a:txBody>
-                  <a:tcPr/>
-                </a:tc>
-                <a:tc>
-                  <a:txBody>
-                    <a:bodyPr/>
-                    <a:lstStyle/>
-                    <a:p>
-                      <a:pPr algn="ctr"/>
-                      <a:r>
-                        <a:rPr lang="nl-NL" sz="1800" b="0" i="0" u="none" strike="noStrike" kern="1200" baseline="0">
-                          <a:solidFill>
-                            <a:schemeClr val="dk1"/>
-                          </a:solidFill>
-                          <a:latin typeface="+mn-lt"/>
-                          <a:ea typeface="+mn-ea"/>
-                          <a:cs typeface="+mn-cs"/>
-                        </a:rPr>
-                        <a:t>-0.3539</a:t>
-                      </a:r>
-                      <a:endParaRPr lang="nl-NL"/>
-                    </a:p>
-                  </a:txBody>
-                  <a:tcPr/>
-                </a:tc>
-                <a:tc>
-                  <a:txBody>
-                    <a:bodyPr/>
-                    <a:lstStyle/>
-                    <a:p>
-                      <a:pPr algn="ctr"/>
-                      <a:r>
-                        <a:rPr lang="nl-NL" sz="1800" b="0" i="0" u="none" strike="noStrike" kern="1200" baseline="0">
-                          <a:solidFill>
-                            <a:schemeClr val="dk1"/>
-                          </a:solidFill>
-                          <a:latin typeface="+mn-lt"/>
-                          <a:ea typeface="+mn-ea"/>
-                          <a:cs typeface="+mn-cs"/>
-                        </a:rPr>
-                        <a:t>-0.3630</a:t>
-                      </a:r>
-                      <a:endParaRPr lang="nl-NL"/>
-                    </a:p>
-                  </a:txBody>
-                  <a:tcPr/>
-                </a:tc>
-                <a:tc>
-                  <a:txBody>
-                    <a:bodyPr/>
-                    <a:lstStyle/>
-                    <a:p>
-                      <a:pPr algn="ctr"/>
-                      <a:r>
-                        <a:rPr lang="nl-NL" sz="1800" b="0" i="0" u="none" strike="noStrike" kern="1200" baseline="0">
-                          <a:solidFill>
-                            <a:schemeClr val="dk1"/>
-                          </a:solidFill>
-                          <a:latin typeface="+mn-lt"/>
-                          <a:ea typeface="+mn-ea"/>
-                          <a:cs typeface="+mn-cs"/>
-                        </a:rPr>
-                        <a:t>-0.3643</a:t>
-                      </a:r>
-                      <a:endParaRPr lang="nl-NL"/>
-                    </a:p>
-                  </a:txBody>
-                  <a:tcPr/>
-                </a:tc>
-                <a:tc>
-                  <a:txBody>
-                    <a:bodyPr/>
-                    <a:lstStyle/>
-                    <a:p>
-                      <a:pPr algn="ctr"/>
-                      <a:r>
-                        <a:rPr lang="nl-NL" sz="1800" b="0" i="0" u="none" strike="noStrike" kern="1200" baseline="0">
-                          <a:solidFill>
-                            <a:schemeClr val="dk1"/>
-                          </a:solidFill>
-                          <a:latin typeface="+mn-lt"/>
-                          <a:ea typeface="+mn-ea"/>
-                          <a:cs typeface="+mn-cs"/>
-                        </a:rPr>
-                        <a:t>-0.3543</a:t>
-                      </a:r>
-                      <a:endParaRPr lang="nl-NL"/>
-                    </a:p>
-                  </a:txBody>
-                  <a:tcPr/>
-                </a:tc>
-                <a:tc>
-                  <a:txBody>
-                    <a:bodyPr/>
-                    <a:lstStyle/>
-                    <a:p>
-                      <a:pPr algn="ctr"/>
-                      <a:r>
-                        <a:rPr lang="nl-NL" sz="1800" b="0" i="0" u="none" strike="noStrike" kern="1200" baseline="0">
-                          <a:solidFill>
-                            <a:schemeClr val="dk1"/>
-                          </a:solidFill>
-                          <a:latin typeface="+mn-lt"/>
-                          <a:ea typeface="+mn-ea"/>
-                          <a:cs typeface="+mn-cs"/>
-                        </a:rPr>
-                        <a:t>-0.3700</a:t>
-                      </a:r>
-                      <a:endParaRPr lang="nl-NL"/>
-                    </a:p>
-                  </a:txBody>
-                  <a:tcPr/>
-                </a:tc>
-                <a:tc>
-                  <a:txBody>
-                    <a:bodyPr/>
-                    <a:lstStyle/>
-                    <a:p>
-                      <a:pPr algn="ctr"/>
-                      <a:r>
-                        <a:rPr lang="nl-NL" sz="1800" b="0" i="0" u="none" strike="noStrike" kern="1200" baseline="0" dirty="0">
-                          <a:solidFill>
-                            <a:schemeClr val="dk1"/>
-                          </a:solidFill>
-                          <a:latin typeface="+mn-lt"/>
-                          <a:ea typeface="+mn-ea"/>
-                          <a:cs typeface="+mn-cs"/>
-                        </a:rPr>
-                        <a:t>-0.4080</a:t>
-                      </a:r>
-                      <a:endParaRPr lang="nl-NL" dirty="0"/>
-                    </a:p>
-                  </a:txBody>
-                  <a:tcPr/>
-                </a:tc>
-                <a:extLst>
-                  <a:ext uri="{0D108BD9-81ED-4DB2-BD59-A6C34878D82A}">
-                    <a16:rowId xmlns:a16="http://schemas.microsoft.com/office/drawing/2014/main" val="10001"/>
-                  </a:ext>
-                </a:extLst>
-              </a:tr>
-            </a:tbl>
-          </a:graphicData>
-        </a:graphic>
-      </p:graphicFrame>
-      <p:sp>
-        <p:nvSpPr>
-          <p:cNvPr id="7" name="Tijdelijke aanduiding voor inhoud 2"/>
-          <p:cNvSpPr txBox="1">
-            <a:spLocks/>
-          </p:cNvSpPr>
-          <p:nvPr/>
-        </p:nvSpPr>
-        <p:spPr>
-          <a:xfrm>
-            <a:off x="685800" y="2194560"/>
-            <a:ext cx="10820400" cy="4024125"/>
-          </a:xfrm>
-          <a:prstGeom prst="rect">
-            <a:avLst/>
-          </a:prstGeom>
-        </p:spPr>
-        <p:txBody>
-          <a:bodyPr vert="horz" lIns="91440" tIns="45720" rIns="91440" bIns="45720" rtlCol="0">
-            <a:normAutofit/>
-          </a:bodyPr>
-          <a:lstStyle>
-            <a:lvl1pPr marL="228600" indent="-228600" algn="l" defTabSz="914400" rtl="0" eaLnBrk="1" latinLnBrk="0" hangingPunct="1">
-              <a:lnSpc>
-                <a:spcPct val="90000"/>
-              </a:lnSpc>
-              <a:spcBef>
-                <a:spcPts val="1000"/>
-              </a:spcBef>
-              <a:buFont typeface="Arial" panose="020B0604020202020204" pitchFamily="34" charset="0"/>
-              <a:buChar char="•"/>
-              <a:defRPr sz="2200" kern="1200">
-                <a:solidFill>
-                  <a:schemeClr val="tx1"/>
-                </a:solidFill>
-                <a:latin typeface="+mn-lt"/>
-                <a:ea typeface="+mn-ea"/>
-                <a:cs typeface="+mn-cs"/>
-              </a:defRPr>
-            </a:lvl1pPr>
-            <a:lvl2pPr marL="685800" indent="-228600" algn="l" defTabSz="914400" rtl="0" eaLnBrk="1" latinLnBrk="0" hangingPunct="1">
-              <a:lnSpc>
-                <a:spcPct val="90000"/>
-              </a:lnSpc>
-              <a:spcBef>
-                <a:spcPts val="500"/>
-              </a:spcBef>
-              <a:buFont typeface="Arial" panose="020B0604020202020204" pitchFamily="34" charset="0"/>
-              <a:buChar char="•"/>
-              <a:defRPr sz="2000" kern="1200">
-                <a:solidFill>
-                  <a:schemeClr val="tx1"/>
-                </a:solidFill>
-                <a:latin typeface="+mn-lt"/>
-                <a:ea typeface="+mn-ea"/>
-                <a:cs typeface="+mn-cs"/>
-              </a:defRPr>
-            </a:lvl2pPr>
-            <a:lvl3pPr marL="1143000" indent="-228600" algn="l" defTabSz="914400" rtl="0" eaLnBrk="1" latinLnBrk="0" hangingPunct="1">
-              <a:lnSpc>
-                <a:spcPct val="90000"/>
-              </a:lnSpc>
-              <a:spcBef>
-                <a:spcPts val="500"/>
-              </a:spcBef>
-              <a:buFont typeface="Arial" panose="020B0604020202020204" pitchFamily="34" charset="0"/>
-              <a:buChar char="•"/>
-              <a:defRPr sz="1800" kern="1200">
-                <a:solidFill>
-                  <a:schemeClr val="tx1"/>
-                </a:solidFill>
-                <a:latin typeface="+mn-lt"/>
-                <a:ea typeface="+mn-ea"/>
-                <a:cs typeface="+mn-cs"/>
-              </a:defRPr>
-            </a:lvl3pPr>
-            <a:lvl4pPr marL="1600200" indent="-228600" algn="l" defTabSz="914400" rtl="0" eaLnBrk="1" latinLnBrk="0" hangingPunct="1">
-              <a:lnSpc>
-                <a:spcPct val="90000"/>
-              </a:lnSpc>
-              <a:spcBef>
-                <a:spcPts val="500"/>
-              </a:spcBef>
-              <a:buFont typeface="Arial" panose="020B0604020202020204" pitchFamily="34" charset="0"/>
-              <a:buChar char="•"/>
-              <a:defRPr sz="1600" kern="1200">
-                <a:solidFill>
-                  <a:schemeClr val="tx1"/>
-                </a:solidFill>
-                <a:latin typeface="+mn-lt"/>
-                <a:ea typeface="+mn-ea"/>
-                <a:cs typeface="+mn-cs"/>
-              </a:defRPr>
-            </a:lvl4pPr>
-            <a:lvl5pPr marL="2057400" indent="-228600" algn="l" defTabSz="914400" rtl="0" eaLnBrk="1" latinLnBrk="0" hangingPunct="1">
-              <a:lnSpc>
-                <a:spcPct val="90000"/>
-              </a:lnSpc>
-              <a:spcBef>
-                <a:spcPts val="500"/>
-              </a:spcBef>
-              <a:buFont typeface="Arial" panose="020B0604020202020204" pitchFamily="34" charset="0"/>
-              <a:buChar char="•"/>
-              <a:defRPr sz="1600" kern="1200">
-                <a:solidFill>
-                  <a:schemeClr val="tx1"/>
-                </a:solidFill>
-                <a:latin typeface="+mn-lt"/>
-                <a:ea typeface="+mn-ea"/>
-                <a:cs typeface="+mn-cs"/>
-              </a:defRPr>
-            </a:lvl5pPr>
-            <a:lvl6pPr marL="2514600" indent="-228600" algn="l" defTabSz="914400" rtl="0" eaLnBrk="1" latinLnBrk="0" hangingPunct="1">
-              <a:lnSpc>
-                <a:spcPct val="90000"/>
-              </a:lnSpc>
-              <a:spcBef>
-                <a:spcPts val="500"/>
-              </a:spcBef>
-              <a:buFont typeface="Arial" panose="020B0604020202020204" pitchFamily="34" charset="0"/>
-              <a:buChar char="•"/>
-              <a:defRPr sz="1600" kern="1200">
-                <a:solidFill>
-                  <a:schemeClr val="tx1"/>
-                </a:solidFill>
-                <a:latin typeface="+mn-lt"/>
-                <a:ea typeface="+mn-ea"/>
-                <a:cs typeface="+mn-cs"/>
-              </a:defRPr>
-            </a:lvl6pPr>
-            <a:lvl7pPr marL="2971800" indent="-228600" algn="l" defTabSz="914400" rtl="0" eaLnBrk="1" latinLnBrk="0" hangingPunct="1">
-              <a:lnSpc>
-                <a:spcPct val="90000"/>
-              </a:lnSpc>
-              <a:spcBef>
-                <a:spcPts val="500"/>
-              </a:spcBef>
-              <a:buFont typeface="Arial" panose="020B0604020202020204" pitchFamily="34" charset="0"/>
-              <a:buChar char="•"/>
-              <a:defRPr sz="1600" kern="1200">
-                <a:solidFill>
-                  <a:schemeClr val="tx1"/>
-                </a:solidFill>
-                <a:latin typeface="+mn-lt"/>
-                <a:ea typeface="+mn-ea"/>
-                <a:cs typeface="+mn-cs"/>
-              </a:defRPr>
-            </a:lvl7pPr>
-            <a:lvl8pPr marL="3429000" indent="-228600" algn="l" defTabSz="914400" rtl="0" eaLnBrk="1" latinLnBrk="0" hangingPunct="1">
-              <a:lnSpc>
-                <a:spcPct val="90000"/>
-              </a:lnSpc>
-              <a:spcBef>
-                <a:spcPts val="500"/>
-              </a:spcBef>
-              <a:buFont typeface="Arial" panose="020B0604020202020204" pitchFamily="34" charset="0"/>
-              <a:buChar char="•"/>
-              <a:defRPr sz="1600" kern="1200">
-                <a:solidFill>
-                  <a:schemeClr val="tx1"/>
-                </a:solidFill>
-                <a:latin typeface="+mn-lt"/>
-                <a:ea typeface="+mn-ea"/>
-                <a:cs typeface="+mn-cs"/>
-              </a:defRPr>
-            </a:lvl8pPr>
-            <a:lvl9pPr marL="3886200" indent="-228600" algn="l" defTabSz="914400" rtl="0" eaLnBrk="1" latinLnBrk="0" hangingPunct="1">
-              <a:lnSpc>
-                <a:spcPct val="90000"/>
-              </a:lnSpc>
-              <a:spcBef>
-                <a:spcPts val="500"/>
-              </a:spcBef>
-              <a:buFont typeface="Arial" panose="020B0604020202020204" pitchFamily="34" charset="0"/>
-              <a:buChar char="•"/>
-              <a:defRPr sz="1600" kern="1200">
-                <a:solidFill>
-                  <a:schemeClr val="tx1"/>
-                </a:solidFill>
-                <a:latin typeface="+mn-lt"/>
-                <a:ea typeface="+mn-ea"/>
-                <a:cs typeface="+mn-cs"/>
-              </a:defRPr>
-            </a:lvl9pPr>
-          </a:lstStyle>
+        </p:nvSpPr>
+        <p:spPr/>
+        <p:txBody>
+          <a:bodyPr/>
+          <a:lstStyle/>
           <a:p>
             <a:r>
               <a:rPr lang="nl-NL" dirty="0"/>
-              <a:t>Planeten minder dan 1 AU onnauwkeurig </a:t>
+              <a:t>Analyse voor N = 2 deeltjes</a:t>
             </a:r>
           </a:p>
           <a:p>
             <a:r>
               <a:rPr lang="nl-NL" dirty="0"/>
-              <a:t>Omlooptijd te kort voor </a:t>
-            </a:r>
-            <a:r>
-              <a:rPr lang="el-GR" dirty="0"/>
-              <a:t>Δ</a:t>
+              <a:t>Behoud van energie</a:t>
+            </a:r>
+          </a:p>
+          <a:p>
+            <a:r>
+              <a:rPr lang="nl-NL" dirty="0" err="1"/>
+              <a:t>Richardson</a:t>
             </a:r>
             <a:r>
               <a:rPr lang="nl-NL" dirty="0"/>
-              <a:t>t = 1 maand</a:t>
-            </a:r>
-          </a:p>
-          <a:p>
-            <a:r>
-              <a:rPr lang="nl-NL" dirty="0"/>
-              <a:t>Energie niet behouden</a:t>
+              <a:t> Extrapolatie</a:t>
             </a:r>
           </a:p>
         </p:txBody>
@@ -8603,7 +8804,7 @@
     </p:spTree>
     <p:extLst>
       <p:ext uri="{BB962C8B-B14F-4D97-AF65-F5344CB8AC3E}">
-        <p14:creationId xmlns:p14="http://schemas.microsoft.com/office/powerpoint/2010/main" val="2513868334"/>
+        <p14:creationId xmlns:p14="http://schemas.microsoft.com/office/powerpoint/2010/main" val="120385941"/>
       </p:ext>
     </p:extLst>
   </p:cSld>

--- a/Presentatie/Presentatie.pptx
+++ b/Presentatie/Presentatie.pptx
@@ -5787,7 +5787,7 @@
           <a:p>
             <a:r>
               <a:rPr lang="nl-NL" dirty="0"/>
-              <a:t>Vorming van Sterrenstelsels</a:t>
+              <a:t>Vorming van Planetenstelsels</a:t>
             </a:r>
             <a:br>
               <a:rPr lang="nl-NL" dirty="0"/>

--- a/Presentatie/Presentatie.pptx
+++ b/Presentatie/Presentatie.pptx
@@ -5787,7 +5787,11 @@
           <a:p>
             <a:r>
               <a:rPr lang="nl-NL" dirty="0"/>
-              <a:t>Vorming van Planetenstelsels</a:t>
+              <a:t>Vorming van </a:t>
+            </a:r>
+            <a:r>
+              <a:rPr lang="nl-NL" dirty="0" err="1"/>
+              <a:t>PLANETENstelsels</a:t>
             </a:r>
             <a:br>
               <a:rPr lang="nl-NL" dirty="0"/>
@@ -7269,8 +7273,8 @@
           </a:p>
         </p:txBody>
       </p:sp>
-      <mc:AlternateContent xmlns:mc="http://schemas.openxmlformats.org/markup-compatibility/2006">
-        <mc:Choice xmlns:a14="http://schemas.microsoft.com/office/drawing/2010/main" Requires="a14">
+      <mc:AlternateContent xmlns:mc="http://schemas.openxmlformats.org/markup-compatibility/2006" xmlns:a14="http://schemas.microsoft.com/office/drawing/2010/main">
+        <mc:Choice Requires="a14">
           <p:sp>
             <p:nvSpPr>
               <p:cNvPr id="3" name="Tijdelijke aanduiding voor inhoud 2"/>
@@ -7886,7 +7890,7 @@
             </p:txBody>
           </p:sp>
         </mc:Choice>
-        <mc:Fallback>
+        <mc:Fallback xmlns="">
           <p:sp>
             <p:nvSpPr>
               <p:cNvPr id="3" name="Tijdelijke aanduiding voor inhoud 2"/>
@@ -7994,33 +7998,33 @@
               <a:lstStyle/>
               <a:p>
                 <a:r>
-                  <a:rPr lang="nl-NL"/>
+                  <a:rPr lang="nl-NL" dirty="0"/>
                   <a:t>Handig voor mechanische systemen</a:t>
                 </a:r>
               </a:p>
               <a:p>
                 <a:pPr lvl="1"/>
                 <a:r>
-                  <a:rPr lang="nl-NL"/>
+                  <a:rPr lang="nl-NL" dirty="0"/>
                   <a:t>Maakt gebruik van versnelling</a:t>
                 </a:r>
               </a:p>
               <a:p>
                 <a:r>
-                  <a:rPr lang="nl-NL"/>
+                  <a:rPr lang="nl-NL" dirty="0"/>
                   <a:t>Stabiel voor oscillaties</a:t>
                 </a:r>
               </a:p>
               <a:p>
                 <a:pPr lvl="1"/>
                 <a:r>
-                  <a:rPr lang="nl-NL"/>
+                  <a:rPr lang="nl-NL" dirty="0"/>
                   <a:t>Dus ook voor cirkelbewegingen</a:t>
                 </a:r>
               </a:p>
               <a:p>
                 <a:r>
-                  <a:rPr lang="nl-NL"/>
+                  <a:rPr lang="nl-NL" dirty="0"/>
                   <a:t>Formule:</a:t>
                 </a:r>
               </a:p>
@@ -8104,7 +8108,7 @@
                     </m:r>
                   </m:oMath>
                 </a14:m>
-                <a:endParaRPr lang="nl-NL" b="0" i="1">
+                <a:endParaRPr lang="nl-NL" b="0" i="1" dirty="0">
                   <a:latin typeface="Cambria Math"/>
                 </a:endParaRPr>
               </a:p>
@@ -8235,7 +8239,7 @@
                     </m:sSub>
                   </m:oMath>
                 </a14:m>
-                <a:endParaRPr lang="nl-NL"/>
+                <a:endParaRPr lang="nl-NL" dirty="0"/>
               </a:p>
               <a:p>
                 <a:pPr lvl="1"/>
@@ -8363,23 +8367,23 @@
                     </m:sSub>
                   </m:oMath>
                 </a14:m>
-                <a:endParaRPr lang="nl-NL"/>
+                <a:endParaRPr lang="nl-NL" dirty="0"/>
               </a:p>
               <a:p>
                 <a:r>
-                  <a:rPr lang="nl-NL"/>
+                  <a:rPr lang="nl-NL" dirty="0"/>
                   <a:t>Orde 2</a:t>
                 </a:r>
               </a:p>
               <a:p>
                 <a:pPr lvl="1"/>
-                <a:endParaRPr lang="nl-NL"/>
+                <a:endParaRPr lang="nl-NL" dirty="0"/>
               </a:p>
               <a:p>
                 <a:pPr marL="457200" lvl="1" indent="0">
                   <a:buNone/>
                 </a:pPr>
-                <a:endParaRPr lang="nl-NL"/>
+                <a:endParaRPr lang="nl-NL" dirty="0"/>
               </a:p>
             </p:txBody>
           </p:sp>
@@ -8500,95 +8504,6 @@
           </a:p>
         </p:txBody>
       </p:sp>
-      <p:sp>
-        <p:nvSpPr>
-          <p:cNvPr id="3" name="Tijdelijke aanduiding voor inhoud 2"/>
-          <p:cNvSpPr>
-            <a:spLocks noGrp="1"/>
-          </p:cNvSpPr>
-          <p:nvPr>
-            <p:ph idx="1"/>
-          </p:nvPr>
-        </p:nvSpPr>
-        <p:spPr>
-          <a:xfrm>
-            <a:off x="838200" y="1825624"/>
-            <a:ext cx="4998156" cy="4676776"/>
-          </a:xfrm>
-        </p:spPr>
-        <p:txBody>
-          <a:bodyPr>
-            <a:normAutofit/>
-          </a:bodyPr>
-          <a:lstStyle/>
-          <a:p>
-            <a:r>
-              <a:rPr lang="nl-NL" dirty="0"/>
-              <a:t>Langzaam model; orde N²</a:t>
-            </a:r>
-          </a:p>
-          <a:p>
-            <a:r>
-              <a:rPr lang="nl-NL" dirty="0"/>
-              <a:t>Afschatting: deeltjes dicht bij elkaar groeperen</a:t>
-            </a:r>
-          </a:p>
-          <a:p>
-            <a:r>
-              <a:rPr lang="nl-NL" dirty="0"/>
-              <a:t>Implementatie: ruimte recursief opdelen in kwadranten tot elk deeltje eigen kwadrant heeft</a:t>
-            </a:r>
-          </a:p>
-          <a:p>
-            <a:r>
-              <a:rPr lang="nl-NL" dirty="0"/>
-              <a:t>Programmeren: Barnes-Hut boom</a:t>
-            </a:r>
-          </a:p>
-          <a:p>
-            <a:r>
-              <a:rPr lang="nl-NL" dirty="0"/>
-              <a:t>Algoritme niet exact</a:t>
-            </a:r>
-          </a:p>
-          <a:p>
-            <a:r>
-              <a:rPr lang="nl-NL" dirty="0"/>
-              <a:t>orde N· log(N)</a:t>
-            </a:r>
-          </a:p>
-        </p:txBody>
-      </p:sp>
-      <p:pic>
-        <p:nvPicPr>
-          <p:cNvPr id="4" name="Afbeelding 3"/>
-          <p:cNvPicPr>
-            <a:picLocks noChangeAspect="1"/>
-          </p:cNvPicPr>
-          <p:nvPr/>
-        </p:nvPicPr>
-        <p:blipFill>
-          <a:blip r:embed="rId2">
-            <a:extLst>
-              <a:ext uri="{28A0092B-C50C-407E-A947-70E740481C1C}">
-                <a14:useLocalDpi xmlns:a14="http://schemas.microsoft.com/office/drawing/2010/main" val="0"/>
-              </a:ext>
-            </a:extLst>
-          </a:blip>
-          <a:stretch>
-            <a:fillRect/>
-          </a:stretch>
-        </p:blipFill>
-        <p:spPr>
-          <a:xfrm>
-            <a:off x="7572867" y="2057401"/>
-            <a:ext cx="3933333" cy="3933333"/>
-          </a:xfrm>
-          <a:prstGeom prst="rect">
-            <a:avLst/>
-          </a:prstGeom>
-        </p:spPr>
-      </p:pic>
       <p:pic>
         <p:nvPicPr>
           <p:cNvPr id="5" name="Afbeelding 4"/>
@@ -8598,7 +8513,7 @@
           <p:nvPr/>
         </p:nvPicPr>
         <p:blipFill rotWithShape="1">
-          <a:blip r:embed="rId3">
+          <a:blip r:embed="rId2">
             <a:extLst>
               <a:ext uri="{28A0092B-C50C-407E-A947-70E740481C1C}">
                 <a14:useLocalDpi xmlns:a14="http://schemas.microsoft.com/office/drawing/2010/main" val="0"/>
@@ -8618,6 +8533,297 @@
           </a:prstGeom>
         </p:spPr>
       </p:pic>
+      <p:pic>
+        <p:nvPicPr>
+          <p:cNvPr id="7" name="Afbeelding 6"/>
+          <p:cNvPicPr>
+            <a:picLocks noChangeAspect="1"/>
+          </p:cNvPicPr>
+          <p:nvPr/>
+        </p:nvPicPr>
+        <p:blipFill>
+          <a:blip r:embed="rId3">
+            <a:extLst>
+              <a:ext uri="{28A0092B-C50C-407E-A947-70E740481C1C}">
+                <a14:useLocalDpi xmlns:a14="http://schemas.microsoft.com/office/drawing/2010/main" val="0"/>
+              </a:ext>
+            </a:extLst>
+          </a:blip>
+          <a:stretch>
+            <a:fillRect/>
+          </a:stretch>
+        </p:blipFill>
+        <p:spPr>
+          <a:xfrm>
+            <a:off x="7575060" y="2067880"/>
+            <a:ext cx="3933333" cy="3933333"/>
+          </a:xfrm>
+          <a:prstGeom prst="rect">
+            <a:avLst/>
+          </a:prstGeom>
+        </p:spPr>
+      </p:pic>
+      <p:pic>
+        <p:nvPicPr>
+          <p:cNvPr id="8" name="Afbeelding 7"/>
+          <p:cNvPicPr>
+            <a:picLocks noChangeAspect="1"/>
+          </p:cNvPicPr>
+          <p:nvPr/>
+        </p:nvPicPr>
+        <p:blipFill>
+          <a:blip r:embed="rId4">
+            <a:extLst>
+              <a:ext uri="{28A0092B-C50C-407E-A947-70E740481C1C}">
+                <a14:useLocalDpi xmlns:a14="http://schemas.microsoft.com/office/drawing/2010/main" val="0"/>
+              </a:ext>
+            </a:extLst>
+          </a:blip>
+          <a:stretch>
+            <a:fillRect/>
+          </a:stretch>
+        </p:blipFill>
+        <p:spPr>
+          <a:xfrm>
+            <a:off x="7575057" y="2067880"/>
+            <a:ext cx="3933333" cy="3933333"/>
+          </a:xfrm>
+          <a:prstGeom prst="rect">
+            <a:avLst/>
+          </a:prstGeom>
+        </p:spPr>
+      </p:pic>
+      <p:sp>
+        <p:nvSpPr>
+          <p:cNvPr id="9" name="Tijdelijke aanduiding voor inhoud 2"/>
+          <p:cNvSpPr txBox="1">
+            <a:spLocks/>
+          </p:cNvSpPr>
+          <p:nvPr/>
+        </p:nvSpPr>
+        <p:spPr>
+          <a:xfrm>
+            <a:off x="685800" y="2194560"/>
+            <a:ext cx="6562725" cy="4024125"/>
+          </a:xfrm>
+          <a:prstGeom prst="rect">
+            <a:avLst/>
+          </a:prstGeom>
+        </p:spPr>
+        <p:txBody>
+          <a:bodyPr vert="horz" lIns="91440" tIns="45720" rIns="91440" bIns="45720" rtlCol="0">
+            <a:normAutofit/>
+          </a:bodyPr>
+          <a:lstStyle>
+            <a:lvl1pPr marL="228600" indent="-228600" algn="l" defTabSz="914400" rtl="0" eaLnBrk="1" latinLnBrk="0" hangingPunct="1">
+              <a:lnSpc>
+                <a:spcPct val="90000"/>
+              </a:lnSpc>
+              <a:spcBef>
+                <a:spcPts val="1000"/>
+              </a:spcBef>
+              <a:buFont typeface="Arial" panose="020B0604020202020204" pitchFamily="34" charset="0"/>
+              <a:buChar char="•"/>
+              <a:defRPr sz="2200" kern="1200">
+                <a:solidFill>
+                  <a:schemeClr val="tx1"/>
+                </a:solidFill>
+                <a:latin typeface="+mn-lt"/>
+                <a:ea typeface="+mn-ea"/>
+                <a:cs typeface="+mn-cs"/>
+              </a:defRPr>
+            </a:lvl1pPr>
+            <a:lvl2pPr marL="685800" indent="-228600" algn="l" defTabSz="914400" rtl="0" eaLnBrk="1" latinLnBrk="0" hangingPunct="1">
+              <a:lnSpc>
+                <a:spcPct val="90000"/>
+              </a:lnSpc>
+              <a:spcBef>
+                <a:spcPts val="500"/>
+              </a:spcBef>
+              <a:buFont typeface="Arial" panose="020B0604020202020204" pitchFamily="34" charset="0"/>
+              <a:buChar char="•"/>
+              <a:defRPr sz="2000" kern="1200">
+                <a:solidFill>
+                  <a:schemeClr val="tx1"/>
+                </a:solidFill>
+                <a:latin typeface="+mn-lt"/>
+                <a:ea typeface="+mn-ea"/>
+                <a:cs typeface="+mn-cs"/>
+              </a:defRPr>
+            </a:lvl2pPr>
+            <a:lvl3pPr marL="1143000" indent="-228600" algn="l" defTabSz="914400" rtl="0" eaLnBrk="1" latinLnBrk="0" hangingPunct="1">
+              <a:lnSpc>
+                <a:spcPct val="90000"/>
+              </a:lnSpc>
+              <a:spcBef>
+                <a:spcPts val="500"/>
+              </a:spcBef>
+              <a:buFont typeface="Arial" panose="020B0604020202020204" pitchFamily="34" charset="0"/>
+              <a:buChar char="•"/>
+              <a:defRPr sz="1800" kern="1200">
+                <a:solidFill>
+                  <a:schemeClr val="tx1"/>
+                </a:solidFill>
+                <a:latin typeface="+mn-lt"/>
+                <a:ea typeface="+mn-ea"/>
+                <a:cs typeface="+mn-cs"/>
+              </a:defRPr>
+            </a:lvl3pPr>
+            <a:lvl4pPr marL="1600200" indent="-228600" algn="l" defTabSz="914400" rtl="0" eaLnBrk="1" latinLnBrk="0" hangingPunct="1">
+              <a:lnSpc>
+                <a:spcPct val="90000"/>
+              </a:lnSpc>
+              <a:spcBef>
+                <a:spcPts val="500"/>
+              </a:spcBef>
+              <a:buFont typeface="Arial" panose="020B0604020202020204" pitchFamily="34" charset="0"/>
+              <a:buChar char="•"/>
+              <a:defRPr sz="1600" kern="1200">
+                <a:solidFill>
+                  <a:schemeClr val="tx1"/>
+                </a:solidFill>
+                <a:latin typeface="+mn-lt"/>
+                <a:ea typeface="+mn-ea"/>
+                <a:cs typeface="+mn-cs"/>
+              </a:defRPr>
+            </a:lvl4pPr>
+            <a:lvl5pPr marL="2057400" indent="-228600" algn="l" defTabSz="914400" rtl="0" eaLnBrk="1" latinLnBrk="0" hangingPunct="1">
+              <a:lnSpc>
+                <a:spcPct val="90000"/>
+              </a:lnSpc>
+              <a:spcBef>
+                <a:spcPts val="500"/>
+              </a:spcBef>
+              <a:buFont typeface="Arial" panose="020B0604020202020204" pitchFamily="34" charset="0"/>
+              <a:buChar char="•"/>
+              <a:defRPr sz="1600" kern="1200">
+                <a:solidFill>
+                  <a:schemeClr val="tx1"/>
+                </a:solidFill>
+                <a:latin typeface="+mn-lt"/>
+                <a:ea typeface="+mn-ea"/>
+                <a:cs typeface="+mn-cs"/>
+              </a:defRPr>
+            </a:lvl5pPr>
+            <a:lvl6pPr marL="2514600" indent="-228600" algn="l" defTabSz="914400" rtl="0" eaLnBrk="1" latinLnBrk="0" hangingPunct="1">
+              <a:lnSpc>
+                <a:spcPct val="90000"/>
+              </a:lnSpc>
+              <a:spcBef>
+                <a:spcPts val="500"/>
+              </a:spcBef>
+              <a:buFont typeface="Arial" panose="020B0604020202020204" pitchFamily="34" charset="0"/>
+              <a:buChar char="•"/>
+              <a:defRPr sz="1600" kern="1200">
+                <a:solidFill>
+                  <a:schemeClr val="tx1"/>
+                </a:solidFill>
+                <a:latin typeface="+mn-lt"/>
+                <a:ea typeface="+mn-ea"/>
+                <a:cs typeface="+mn-cs"/>
+              </a:defRPr>
+            </a:lvl6pPr>
+            <a:lvl7pPr marL="2971800" indent="-228600" algn="l" defTabSz="914400" rtl="0" eaLnBrk="1" latinLnBrk="0" hangingPunct="1">
+              <a:lnSpc>
+                <a:spcPct val="90000"/>
+              </a:lnSpc>
+              <a:spcBef>
+                <a:spcPts val="500"/>
+              </a:spcBef>
+              <a:buFont typeface="Arial" panose="020B0604020202020204" pitchFamily="34" charset="0"/>
+              <a:buChar char="•"/>
+              <a:defRPr sz="1600" kern="1200">
+                <a:solidFill>
+                  <a:schemeClr val="tx1"/>
+                </a:solidFill>
+                <a:latin typeface="+mn-lt"/>
+                <a:ea typeface="+mn-ea"/>
+                <a:cs typeface="+mn-cs"/>
+              </a:defRPr>
+            </a:lvl7pPr>
+            <a:lvl8pPr marL="3429000" indent="-228600" algn="l" defTabSz="914400" rtl="0" eaLnBrk="1" latinLnBrk="0" hangingPunct="1">
+              <a:lnSpc>
+                <a:spcPct val="90000"/>
+              </a:lnSpc>
+              <a:spcBef>
+                <a:spcPts val="500"/>
+              </a:spcBef>
+              <a:buFont typeface="Arial" panose="020B0604020202020204" pitchFamily="34" charset="0"/>
+              <a:buChar char="•"/>
+              <a:defRPr sz="1600" kern="1200">
+                <a:solidFill>
+                  <a:schemeClr val="tx1"/>
+                </a:solidFill>
+                <a:latin typeface="+mn-lt"/>
+                <a:ea typeface="+mn-ea"/>
+                <a:cs typeface="+mn-cs"/>
+              </a:defRPr>
+            </a:lvl8pPr>
+            <a:lvl9pPr marL="3886200" indent="-228600" algn="l" defTabSz="914400" rtl="0" eaLnBrk="1" latinLnBrk="0" hangingPunct="1">
+              <a:lnSpc>
+                <a:spcPct val="90000"/>
+              </a:lnSpc>
+              <a:spcBef>
+                <a:spcPts val="500"/>
+              </a:spcBef>
+              <a:buFont typeface="Arial" panose="020B0604020202020204" pitchFamily="34" charset="0"/>
+              <a:buChar char="•"/>
+              <a:defRPr sz="1600" kern="1200">
+                <a:solidFill>
+                  <a:schemeClr val="tx1"/>
+                </a:solidFill>
+                <a:latin typeface="+mn-lt"/>
+                <a:ea typeface="+mn-ea"/>
+                <a:cs typeface="+mn-cs"/>
+              </a:defRPr>
+            </a:lvl9pPr>
+          </a:lstStyle>
+          <a:p>
+            <a:r>
+              <a:rPr lang="nl-NL" dirty="0"/>
+              <a:t>Langzaam model; orde N²</a:t>
+            </a:r>
+          </a:p>
+          <a:p>
+            <a:r>
+              <a:rPr lang="nl-NL" dirty="0"/>
+              <a:t>Afschatting: deeltjes dicht bij elkaar groeperen</a:t>
+            </a:r>
+          </a:p>
+          <a:p>
+            <a:r>
+              <a:rPr lang="nl-NL" dirty="0"/>
+              <a:t>Implementatie: ruimte recursief opdelen in kwadranten tot elk deeltje eigen kwadrant heeft</a:t>
+            </a:r>
+          </a:p>
+          <a:p>
+            <a:r>
+              <a:rPr lang="nl-NL" dirty="0"/>
+              <a:t>Programmeren: Barnes-Hut boom</a:t>
+            </a:r>
+          </a:p>
+          <a:p>
+            <a:r>
+              <a:rPr lang="nl-NL" dirty="0"/>
+              <a:t>Algoritme niet exact</a:t>
+            </a:r>
+          </a:p>
+          <a:p>
+            <a:r>
+              <a:rPr lang="nl-NL" dirty="0"/>
+              <a:t>orde N· log(N)</a:t>
+            </a:r>
+            <a:endParaRPr lang="nl-NL" dirty="0"/>
+          </a:p>
+          <a:p>
+            <a:pPr marL="457200" lvl="1" indent="0">
+              <a:buFont typeface="Arial" panose="020B0604020202020204" pitchFamily="34" charset="0"/>
+              <a:buNone/>
+            </a:pPr>
+            <a:endParaRPr lang="nl-NL" dirty="0"/>
+          </a:p>
+        </p:txBody>
+      </p:sp>
     </p:spTree>
     <p:extLst>
       <p:ext uri="{BB962C8B-B14F-4D97-AF65-F5344CB8AC3E}">
@@ -8670,27 +8876,251 @@
           </a:p>
         </p:txBody>
       </p:sp>
-      <p:sp>
-        <p:nvSpPr>
-          <p:cNvPr id="3" name="Tijdelijke aanduiding voor inhoud 2"/>
-          <p:cNvSpPr>
-            <a:spLocks noGrp="1"/>
-          </p:cNvSpPr>
-          <p:nvPr>
-            <p:ph idx="1"/>
-          </p:nvPr>
-        </p:nvSpPr>
+      <p:pic>
+        <p:nvPicPr>
+          <p:cNvPr id="4" name="Afbeelding 3"/>
+          <p:cNvPicPr>
+            <a:picLocks noChangeAspect="1"/>
+          </p:cNvPicPr>
+          <p:nvPr/>
+        </p:nvPicPr>
+        <p:blipFill>
+          <a:blip r:embed="rId2" cstate="print">
+            <a:extLst>
+              <a:ext uri="{28A0092B-C50C-407E-A947-70E740481C1C}">
+                <a14:useLocalDpi xmlns:a14="http://schemas.microsoft.com/office/drawing/2010/main" val="0"/>
+              </a:ext>
+            </a:extLst>
+          </a:blip>
+          <a:stretch>
+            <a:fillRect/>
+          </a:stretch>
+        </p:blipFill>
         <p:spPr>
           <a:xfrm>
-            <a:off x="838200" y="1791758"/>
-            <a:ext cx="4998156" cy="4654198"/>
+            <a:off x="4307441" y="5140372"/>
+            <a:ext cx="2809476" cy="1717628"/>
           </a:xfrm>
+          <a:prstGeom prst="rect">
+            <a:avLst/>
+          </a:prstGeom>
         </p:spPr>
-        <p:txBody>
-          <a:bodyPr>
+      </p:pic>
+      <p:pic>
+        <p:nvPicPr>
+          <p:cNvPr id="6" name="Afbeelding 5"/>
+          <p:cNvPicPr>
+            <a:picLocks noChangeAspect="1"/>
+          </p:cNvPicPr>
+          <p:nvPr/>
+        </p:nvPicPr>
+        <p:blipFill>
+          <a:blip r:embed="rId3">
+            <a:extLst>
+              <a:ext uri="{28A0092B-C50C-407E-A947-70E740481C1C}">
+                <a14:useLocalDpi xmlns:a14="http://schemas.microsoft.com/office/drawing/2010/main" val="0"/>
+              </a:ext>
+            </a:extLst>
+          </a:blip>
+          <a:stretch>
+            <a:fillRect/>
+          </a:stretch>
+        </p:blipFill>
+        <p:spPr>
+          <a:xfrm>
+            <a:off x="7575053" y="2064494"/>
+            <a:ext cx="3933333" cy="3933333"/>
+          </a:xfrm>
+          <a:prstGeom prst="rect">
+            <a:avLst/>
+          </a:prstGeom>
+        </p:spPr>
+      </p:pic>
+      <p:sp>
+        <p:nvSpPr>
+          <p:cNvPr id="7" name="Tijdelijke aanduiding voor inhoud 2"/>
+          <p:cNvSpPr txBox="1">
+            <a:spLocks/>
+          </p:cNvSpPr>
+          <p:nvPr/>
+        </p:nvSpPr>
+        <p:spPr>
+          <a:xfrm>
+            <a:off x="685800" y="2194560"/>
+            <a:ext cx="6553200" cy="4024125"/>
+          </a:xfrm>
+          <a:prstGeom prst="rect">
+            <a:avLst/>
+          </a:prstGeom>
+        </p:spPr>
+        <p:txBody>
+          <a:bodyPr vert="horz" lIns="91440" tIns="45720" rIns="91440" bIns="45720" rtlCol="0">
             <a:normAutofit/>
           </a:bodyPr>
-          <a:lstStyle/>
+          <a:lstStyle>
+            <a:lvl1pPr marL="228600" indent="-228600" algn="l" defTabSz="914400" rtl="0" eaLnBrk="1" latinLnBrk="0" hangingPunct="1">
+              <a:lnSpc>
+                <a:spcPct val="90000"/>
+              </a:lnSpc>
+              <a:spcBef>
+                <a:spcPts val="1000"/>
+              </a:spcBef>
+              <a:buFont typeface="Arial" panose="020B0604020202020204" pitchFamily="34" charset="0"/>
+              <a:buChar char="•"/>
+              <a:defRPr sz="2200" kern="1200">
+                <a:solidFill>
+                  <a:schemeClr val="tx1"/>
+                </a:solidFill>
+                <a:latin typeface="+mn-lt"/>
+                <a:ea typeface="+mn-ea"/>
+                <a:cs typeface="+mn-cs"/>
+              </a:defRPr>
+            </a:lvl1pPr>
+            <a:lvl2pPr marL="685800" indent="-228600" algn="l" defTabSz="914400" rtl="0" eaLnBrk="1" latinLnBrk="0" hangingPunct="1">
+              <a:lnSpc>
+                <a:spcPct val="90000"/>
+              </a:lnSpc>
+              <a:spcBef>
+                <a:spcPts val="500"/>
+              </a:spcBef>
+              <a:buFont typeface="Arial" panose="020B0604020202020204" pitchFamily="34" charset="0"/>
+              <a:buChar char="•"/>
+              <a:defRPr sz="2000" kern="1200">
+                <a:solidFill>
+                  <a:schemeClr val="tx1"/>
+                </a:solidFill>
+                <a:latin typeface="+mn-lt"/>
+                <a:ea typeface="+mn-ea"/>
+                <a:cs typeface="+mn-cs"/>
+              </a:defRPr>
+            </a:lvl2pPr>
+            <a:lvl3pPr marL="1143000" indent="-228600" algn="l" defTabSz="914400" rtl="0" eaLnBrk="1" latinLnBrk="0" hangingPunct="1">
+              <a:lnSpc>
+                <a:spcPct val="90000"/>
+              </a:lnSpc>
+              <a:spcBef>
+                <a:spcPts val="500"/>
+              </a:spcBef>
+              <a:buFont typeface="Arial" panose="020B0604020202020204" pitchFamily="34" charset="0"/>
+              <a:buChar char="•"/>
+              <a:defRPr sz="1800" kern="1200">
+                <a:solidFill>
+                  <a:schemeClr val="tx1"/>
+                </a:solidFill>
+                <a:latin typeface="+mn-lt"/>
+                <a:ea typeface="+mn-ea"/>
+                <a:cs typeface="+mn-cs"/>
+              </a:defRPr>
+            </a:lvl3pPr>
+            <a:lvl4pPr marL="1600200" indent="-228600" algn="l" defTabSz="914400" rtl="0" eaLnBrk="1" latinLnBrk="0" hangingPunct="1">
+              <a:lnSpc>
+                <a:spcPct val="90000"/>
+              </a:lnSpc>
+              <a:spcBef>
+                <a:spcPts val="500"/>
+              </a:spcBef>
+              <a:buFont typeface="Arial" panose="020B0604020202020204" pitchFamily="34" charset="0"/>
+              <a:buChar char="•"/>
+              <a:defRPr sz="1600" kern="1200">
+                <a:solidFill>
+                  <a:schemeClr val="tx1"/>
+                </a:solidFill>
+                <a:latin typeface="+mn-lt"/>
+                <a:ea typeface="+mn-ea"/>
+                <a:cs typeface="+mn-cs"/>
+              </a:defRPr>
+            </a:lvl4pPr>
+            <a:lvl5pPr marL="2057400" indent="-228600" algn="l" defTabSz="914400" rtl="0" eaLnBrk="1" latinLnBrk="0" hangingPunct="1">
+              <a:lnSpc>
+                <a:spcPct val="90000"/>
+              </a:lnSpc>
+              <a:spcBef>
+                <a:spcPts val="500"/>
+              </a:spcBef>
+              <a:buFont typeface="Arial" panose="020B0604020202020204" pitchFamily="34" charset="0"/>
+              <a:buChar char="•"/>
+              <a:defRPr sz="1600" kern="1200">
+                <a:solidFill>
+                  <a:schemeClr val="tx1"/>
+                </a:solidFill>
+                <a:latin typeface="+mn-lt"/>
+                <a:ea typeface="+mn-ea"/>
+                <a:cs typeface="+mn-cs"/>
+              </a:defRPr>
+            </a:lvl5pPr>
+            <a:lvl6pPr marL="2514600" indent="-228600" algn="l" defTabSz="914400" rtl="0" eaLnBrk="1" latinLnBrk="0" hangingPunct="1">
+              <a:lnSpc>
+                <a:spcPct val="90000"/>
+              </a:lnSpc>
+              <a:spcBef>
+                <a:spcPts val="500"/>
+              </a:spcBef>
+              <a:buFont typeface="Arial" panose="020B0604020202020204" pitchFamily="34" charset="0"/>
+              <a:buChar char="•"/>
+              <a:defRPr sz="1600" kern="1200">
+                <a:solidFill>
+                  <a:schemeClr val="tx1"/>
+                </a:solidFill>
+                <a:latin typeface="+mn-lt"/>
+                <a:ea typeface="+mn-ea"/>
+                <a:cs typeface="+mn-cs"/>
+              </a:defRPr>
+            </a:lvl6pPr>
+            <a:lvl7pPr marL="2971800" indent="-228600" algn="l" defTabSz="914400" rtl="0" eaLnBrk="1" latinLnBrk="0" hangingPunct="1">
+              <a:lnSpc>
+                <a:spcPct val="90000"/>
+              </a:lnSpc>
+              <a:spcBef>
+                <a:spcPts val="500"/>
+              </a:spcBef>
+              <a:buFont typeface="Arial" panose="020B0604020202020204" pitchFamily="34" charset="0"/>
+              <a:buChar char="•"/>
+              <a:defRPr sz="1600" kern="1200">
+                <a:solidFill>
+                  <a:schemeClr val="tx1"/>
+                </a:solidFill>
+                <a:latin typeface="+mn-lt"/>
+                <a:ea typeface="+mn-ea"/>
+                <a:cs typeface="+mn-cs"/>
+              </a:defRPr>
+            </a:lvl7pPr>
+            <a:lvl8pPr marL="3429000" indent="-228600" algn="l" defTabSz="914400" rtl="0" eaLnBrk="1" latinLnBrk="0" hangingPunct="1">
+              <a:lnSpc>
+                <a:spcPct val="90000"/>
+              </a:lnSpc>
+              <a:spcBef>
+                <a:spcPts val="500"/>
+              </a:spcBef>
+              <a:buFont typeface="Arial" panose="020B0604020202020204" pitchFamily="34" charset="0"/>
+              <a:buChar char="•"/>
+              <a:defRPr sz="1600" kern="1200">
+                <a:solidFill>
+                  <a:schemeClr val="tx1"/>
+                </a:solidFill>
+                <a:latin typeface="+mn-lt"/>
+                <a:ea typeface="+mn-ea"/>
+                <a:cs typeface="+mn-cs"/>
+              </a:defRPr>
+            </a:lvl8pPr>
+            <a:lvl9pPr marL="3886200" indent="-228600" algn="l" defTabSz="914400" rtl="0" eaLnBrk="1" latinLnBrk="0" hangingPunct="1">
+              <a:lnSpc>
+                <a:spcPct val="90000"/>
+              </a:lnSpc>
+              <a:spcBef>
+                <a:spcPts val="500"/>
+              </a:spcBef>
+              <a:buFont typeface="Arial" panose="020B0604020202020204" pitchFamily="34" charset="0"/>
+              <a:buChar char="•"/>
+              <a:defRPr sz="1600" kern="1200">
+                <a:solidFill>
+                  <a:schemeClr val="tx1"/>
+                </a:solidFill>
+                <a:latin typeface="+mn-lt"/>
+                <a:ea typeface="+mn-ea"/>
+                <a:cs typeface="+mn-cs"/>
+              </a:defRPr>
+            </a:lvl9pPr>
+          </a:lstStyle>
           <a:p>
             <a:r>
               <a:rPr lang="nl-NL" dirty="0"/>
@@ -8700,7 +9130,7 @@
           <a:p>
             <a:r>
               <a:rPr lang="nl-NL" dirty="0"/>
-              <a:t>Rond elk deeltje rechthoek met grenzen</a:t>
+              <a:t>Rond elk deeltje rechthoek met grenzen gebaseerd op straal en snelheid</a:t>
             </a:r>
           </a:p>
           <a:p>
@@ -8712,7 +9142,7 @@
           <a:p>
             <a:r>
               <a:rPr lang="nl-NL" dirty="0"/>
-              <a:t>Barnes-Hut boom: interne takken hebben ruimste rechthoek</a:t>
+              <a:t>Barnes-Hut boom: minimum van de minima, maximum van de maxima</a:t>
             </a:r>
           </a:p>
           <a:p>
@@ -8726,6 +9156,7 @@
               <a:rPr lang="nl-NL" dirty="0"/>
               <a:t>orde N· log(N)</a:t>
             </a:r>
+            <a:endParaRPr lang="nl-NL" dirty="0"/>
           </a:p>
         </p:txBody>
       </p:sp>

--- a/Presentatie/Presentatie.pptx
+++ b/Presentatie/Presentatie.pptx
@@ -118,7 +118,7 @@
   </p:defaultTextStyle>
   <p:extLst>
     <p:ext uri="{EFAFB233-063F-42B5-8137-9DF3F51BA10A}">
-      <p15:sldGuideLst xmlns:p15="http://schemas.microsoft.com/office/powerpoint/2012/main">
+      <p15:sldGuideLst xmlns:p15="http://schemas.microsoft.com/office/powerpoint/2012/main" xmlns="">
         <p15:guide id="1" orient="horz" pos="2160">
           <p15:clr>
             <a:srgbClr val="A4A3A4"/>
@@ -6359,56 +6359,56 @@
                 <a:gridCol w="1484290">
                   <a:extLst>
                     <a:ext uri="{9D8B030D-6E8A-4147-A177-3AD203B41FA5}">
-                      <a16:colId xmlns:a16="http://schemas.microsoft.com/office/drawing/2014/main" val="20000"/>
+                      <a16:colId xmlns:a16="http://schemas.microsoft.com/office/drawing/2014/main" xmlns="" val="20000"/>
                     </a:ext>
                   </a:extLst>
                 </a:gridCol>
                 <a:gridCol w="1484290">
                   <a:extLst>
                     <a:ext uri="{9D8B030D-6E8A-4147-A177-3AD203B41FA5}">
-                      <a16:colId xmlns:a16="http://schemas.microsoft.com/office/drawing/2014/main" val="20001"/>
+                      <a16:colId xmlns:a16="http://schemas.microsoft.com/office/drawing/2014/main" xmlns="" val="20001"/>
                     </a:ext>
                   </a:extLst>
                 </a:gridCol>
                 <a:gridCol w="1484290">
                   <a:extLst>
                     <a:ext uri="{9D8B030D-6E8A-4147-A177-3AD203B41FA5}">
-                      <a16:colId xmlns:a16="http://schemas.microsoft.com/office/drawing/2014/main" val="20002"/>
+                      <a16:colId xmlns:a16="http://schemas.microsoft.com/office/drawing/2014/main" xmlns="" val="20002"/>
                     </a:ext>
                   </a:extLst>
                 </a:gridCol>
                 <a:gridCol w="1484290">
                   <a:extLst>
                     <a:ext uri="{9D8B030D-6E8A-4147-A177-3AD203B41FA5}">
-                      <a16:colId xmlns:a16="http://schemas.microsoft.com/office/drawing/2014/main" val="20003"/>
+                      <a16:colId xmlns:a16="http://schemas.microsoft.com/office/drawing/2014/main" xmlns="" val="20003"/>
                     </a:ext>
                   </a:extLst>
                 </a:gridCol>
                 <a:gridCol w="1484290">
                   <a:extLst>
                     <a:ext uri="{9D8B030D-6E8A-4147-A177-3AD203B41FA5}">
-                      <a16:colId xmlns:a16="http://schemas.microsoft.com/office/drawing/2014/main" val="20004"/>
+                      <a16:colId xmlns:a16="http://schemas.microsoft.com/office/drawing/2014/main" xmlns="" val="20004"/>
                     </a:ext>
                   </a:extLst>
                 </a:gridCol>
                 <a:gridCol w="1484290">
                   <a:extLst>
                     <a:ext uri="{9D8B030D-6E8A-4147-A177-3AD203B41FA5}">
-                      <a16:colId xmlns:a16="http://schemas.microsoft.com/office/drawing/2014/main" val="20005"/>
+                      <a16:colId xmlns:a16="http://schemas.microsoft.com/office/drawing/2014/main" xmlns="" val="20005"/>
                     </a:ext>
                   </a:extLst>
                 </a:gridCol>
                 <a:gridCol w="1484290">
                   <a:extLst>
                     <a:ext uri="{9D8B030D-6E8A-4147-A177-3AD203B41FA5}">
-                      <a16:colId xmlns:a16="http://schemas.microsoft.com/office/drawing/2014/main" val="20006"/>
+                      <a16:colId xmlns:a16="http://schemas.microsoft.com/office/drawing/2014/main" xmlns="" val="20006"/>
                     </a:ext>
                   </a:extLst>
                 </a:gridCol>
                 <a:gridCol w="1484290">
                   <a:extLst>
                     <a:ext uri="{9D8B030D-6E8A-4147-A177-3AD203B41FA5}">
-                      <a16:colId xmlns:a16="http://schemas.microsoft.com/office/drawing/2014/main" val="20007"/>
+                      <a16:colId xmlns:a16="http://schemas.microsoft.com/office/drawing/2014/main" xmlns="" val="20007"/>
                     </a:ext>
                   </a:extLst>
                 </a:gridCol>
@@ -6533,7 +6533,7 @@
                 </a:tc>
                 <a:extLst>
                   <a:ext uri="{0D108BD9-81ED-4DB2-BD59-A6C34878D82A}">
-                    <a16:rowId xmlns:a16="http://schemas.microsoft.com/office/drawing/2014/main" val="10000"/>
+                    <a16:rowId xmlns:a16="http://schemas.microsoft.com/office/drawing/2014/main" xmlns="" val="10000"/>
                   </a:ext>
                 </a:extLst>
               </a:tr>
@@ -6708,7 +6708,7 @@
                 </a:tc>
                 <a:extLst>
                   <a:ext uri="{0D108BD9-81ED-4DB2-BD59-A6C34878D82A}">
-                    <a16:rowId xmlns:a16="http://schemas.microsoft.com/office/drawing/2014/main" val="10001"/>
+                    <a16:rowId xmlns:a16="http://schemas.microsoft.com/office/drawing/2014/main" xmlns="" val="10001"/>
                   </a:ext>
                 </a:extLst>
               </a:tr>
@@ -7269,8 +7269,8 @@
           </a:p>
         </p:txBody>
       </p:sp>
-      <mc:AlternateContent xmlns:mc="http://schemas.openxmlformats.org/markup-compatibility/2006">
-        <mc:Choice xmlns:a14="http://schemas.microsoft.com/office/drawing/2010/main" Requires="a14">
+      <mc:AlternateContent xmlns:mc="http://schemas.openxmlformats.org/markup-compatibility/2006" xmlns:a14="http://schemas.microsoft.com/office/drawing/2010/main">
+        <mc:Choice Requires="a14">
           <p:sp>
             <p:nvSpPr>
               <p:cNvPr id="3" name="Tijdelijke aanduiding voor inhoud 2"/>
@@ -7307,7 +7307,7 @@
                         <m:chr m:val="⃗"/>
                         <m:ctrlPr>
                           <a:rPr lang="nl-NL" sz="3200" b="0" i="1" smtClean="0">
-                            <a:latin typeface="Cambria Math" panose="02040503050406030204" pitchFamily="18" charset="0"/>
+                            <a:latin typeface="Cambria Math"/>
                           </a:rPr>
                         </m:ctrlPr>
                       </m:accPr>
@@ -7316,7 +7316,7 @@
                           <m:sSubPr>
                             <m:ctrlPr>
                               <a:rPr lang="nl-NL" sz="3200" b="0" i="1" smtClean="0">
-                                <a:latin typeface="Cambria Math" panose="02040503050406030204" pitchFamily="18" charset="0"/>
+                                <a:latin typeface="Cambria Math"/>
                               </a:rPr>
                             </m:ctrlPr>
                           </m:sSubPr>
@@ -7349,7 +7349,7 @@
                       <m:fPr>
                         <m:ctrlPr>
                           <a:rPr lang="nl-NL" sz="3200" i="1" smtClean="0">
-                            <a:latin typeface="Cambria Math" panose="02040503050406030204" pitchFamily="18" charset="0"/>
+                            <a:latin typeface="Cambria Math"/>
                           </a:rPr>
                         </m:ctrlPr>
                       </m:fPr>
@@ -7358,7 +7358,7 @@
                           <m:sSupPr>
                             <m:ctrlPr>
                               <a:rPr lang="nl-NL" sz="3200" i="1" smtClean="0">
-                                <a:latin typeface="Cambria Math" panose="02040503050406030204" pitchFamily="18" charset="0"/>
+                                <a:latin typeface="Cambria Math"/>
                               </a:rPr>
                             </m:ctrlPr>
                           </m:sSupPr>
@@ -7384,7 +7384,7 @@
                             <m:chr m:val="⃗"/>
                             <m:ctrlPr>
                               <a:rPr lang="nl-NL" sz="3200" i="1" smtClean="0">
-                                <a:latin typeface="Cambria Math" panose="02040503050406030204" pitchFamily="18" charset="0"/>
+                                <a:latin typeface="Cambria Math"/>
                               </a:rPr>
                             </m:ctrlPr>
                           </m:accPr>
@@ -7393,7 +7393,7 @@
                               <m:sSubPr>
                                 <m:ctrlPr>
                                   <a:rPr lang="nl-NL" sz="3200" i="1" smtClean="0">
-                                    <a:latin typeface="Cambria Math" panose="02040503050406030204" pitchFamily="18" charset="0"/>
+                                    <a:latin typeface="Cambria Math"/>
                                   </a:rPr>
                                 </m:ctrlPr>
                               </m:sSubPr>
@@ -7428,7 +7428,7 @@
                           <m:sSupPr>
                             <m:ctrlPr>
                               <a:rPr lang="nl-NL" sz="3200" b="0" i="1" smtClean="0">
-                                <a:latin typeface="Cambria Math" panose="02040503050406030204" pitchFamily="18" charset="0"/>
+                                <a:latin typeface="Cambria Math"/>
                               </a:rPr>
                             </m:ctrlPr>
                           </m:sSupPr>
@@ -7469,7 +7469,7 @@
                         <m:supHide m:val="on"/>
                         <m:ctrlPr>
                           <a:rPr lang="nl-NL" sz="3200" b="0" i="1" smtClean="0">
-                            <a:latin typeface="Cambria Math" panose="02040503050406030204" pitchFamily="18" charset="0"/>
+                            <a:latin typeface="Cambria Math"/>
                           </a:rPr>
                         </m:ctrlPr>
                       </m:naryPr>
@@ -7504,7 +7504,7 @@
                           <m:sSubPr>
                             <m:ctrlPr>
                               <a:rPr lang="nl-NL" sz="3200" b="0" i="1" smtClean="0">
-                                <a:latin typeface="Cambria Math" panose="02040503050406030204" pitchFamily="18" charset="0"/>
+                                <a:latin typeface="Cambria Math"/>
                               </a:rPr>
                             </m:ctrlPr>
                           </m:sSubPr>
@@ -7529,7 +7529,7 @@
                           <m:fPr>
                             <m:ctrlPr>
                               <a:rPr lang="nl-NL" sz="3200" b="0" i="1" smtClean="0">
-                                <a:latin typeface="Cambria Math" panose="02040503050406030204" pitchFamily="18" charset="0"/>
+                                <a:latin typeface="Cambria Math"/>
                               </a:rPr>
                             </m:ctrlPr>
                           </m:fPr>
@@ -7539,7 +7539,7 @@
                                 <m:chr m:val="⃗"/>
                                 <m:ctrlPr>
                                   <a:rPr lang="nl-NL" sz="3200" b="0" i="1" smtClean="0">
-                                    <a:latin typeface="Cambria Math" panose="02040503050406030204" pitchFamily="18" charset="0"/>
+                                    <a:latin typeface="Cambria Math"/>
                                   </a:rPr>
                                 </m:ctrlPr>
                               </m:accPr>
@@ -7548,7 +7548,7 @@
                                   <m:sSubPr>
                                     <m:ctrlPr>
                                       <a:rPr lang="nl-NL" sz="3200" b="0" i="1" smtClean="0">
-                                        <a:latin typeface="Cambria Math" panose="02040503050406030204" pitchFamily="18" charset="0"/>
+                                        <a:latin typeface="Cambria Math"/>
                                       </a:rPr>
                                     </m:ctrlPr>
                                   </m:sSubPr>
@@ -7582,7 +7582,7 @@
                                 <m:chr m:val="⃗"/>
                                 <m:ctrlPr>
                                   <a:rPr lang="nl-NL" sz="3200" i="1">
-                                    <a:latin typeface="Cambria Math" panose="02040503050406030204" pitchFamily="18" charset="0"/>
+                                    <a:latin typeface="Cambria Math"/>
                                   </a:rPr>
                                 </m:ctrlPr>
                               </m:accPr>
@@ -7591,7 +7591,7 @@
                                   <m:sSubPr>
                                     <m:ctrlPr>
                                       <a:rPr lang="nl-NL" sz="3200" i="1">
-                                        <a:latin typeface="Cambria Math" panose="02040503050406030204" pitchFamily="18" charset="0"/>
+                                        <a:latin typeface="Cambria Math"/>
                                       </a:rPr>
                                     </m:ctrlPr>
                                   </m:sSubPr>
@@ -7620,7 +7620,7 @@
                               <m:sSupPr>
                                 <m:ctrlPr>
                                   <a:rPr lang="nl-NL" sz="3200" b="0" i="1" smtClean="0">
-                                    <a:latin typeface="Cambria Math" panose="02040503050406030204" pitchFamily="18" charset="0"/>
+                                    <a:latin typeface="Cambria Math"/>
                                   </a:rPr>
                                 </m:ctrlPr>
                               </m:sSupPr>
@@ -7631,7 +7631,7 @@
                                     <m:endChr m:val="|"/>
                                     <m:ctrlPr>
                                       <a:rPr lang="nl-NL" sz="3200" b="0" i="1" smtClean="0">
-                                        <a:latin typeface="Cambria Math" panose="02040503050406030204" pitchFamily="18" charset="0"/>
+                                        <a:latin typeface="Cambria Math"/>
                                       </a:rPr>
                                     </m:ctrlPr>
                                   </m:dPr>
@@ -7641,7 +7641,7 @@
                                         <m:chr m:val="⃗"/>
                                         <m:ctrlPr>
                                           <a:rPr lang="nl-NL" sz="3200" i="1">
-                                            <a:latin typeface="Cambria Math" panose="02040503050406030204" pitchFamily="18" charset="0"/>
+                                            <a:latin typeface="Cambria Math"/>
                                           </a:rPr>
                                         </m:ctrlPr>
                                       </m:accPr>
@@ -7650,7 +7650,7 @@
                                           <m:sSubPr>
                                             <m:ctrlPr>
                                               <a:rPr lang="nl-NL" sz="3200" i="1" smtClean="0">
-                                                <a:latin typeface="Cambria Math" panose="02040503050406030204" pitchFamily="18" charset="0"/>
+                                                <a:latin typeface="Cambria Math"/>
                                               </a:rPr>
                                             </m:ctrlPr>
                                           </m:sSubPr>
@@ -7684,7 +7684,7 @@
                                         <m:chr m:val="⃗"/>
                                         <m:ctrlPr>
                                           <a:rPr lang="nl-NL" sz="3200" i="1">
-                                            <a:latin typeface="Cambria Math" panose="02040503050406030204" pitchFamily="18" charset="0"/>
+                                            <a:latin typeface="Cambria Math"/>
                                           </a:rPr>
                                         </m:ctrlPr>
                                       </m:accPr>
@@ -7693,7 +7693,7 @@
                                           <m:sSubPr>
                                             <m:ctrlPr>
                                               <a:rPr lang="nl-NL" sz="3200" i="1">
-                                                <a:latin typeface="Cambria Math" panose="02040503050406030204" pitchFamily="18" charset="0"/>
+                                                <a:latin typeface="Cambria Math"/>
                                               </a:rPr>
                                             </m:ctrlPr>
                                           </m:sSubPr>
@@ -7734,7 +7734,7 @@
                           <m:boxPr>
                             <m:ctrlPr>
                               <a:rPr lang="nl-NL" sz="3200" b="0" i="1" smtClean="0">
-                                <a:latin typeface="Cambria Math" panose="02040503050406030204" pitchFamily="18" charset="0"/>
+                                <a:latin typeface="Cambria Math"/>
                               </a:rPr>
                             </m:ctrlPr>
                           </m:boxPr>
@@ -7752,7 +7752,7 @@
                             <m:chr m:val="⃗"/>
                             <m:ctrlPr>
                               <a:rPr lang="nl-NL" sz="3200" b="0" i="1" smtClean="0">
-                                <a:latin typeface="Cambria Math" panose="02040503050406030204" pitchFamily="18" charset="0"/>
+                                <a:latin typeface="Cambria Math"/>
                               </a:rPr>
                             </m:ctrlPr>
                           </m:accPr>
@@ -7776,7 +7776,7 @@
                             <m:chr m:val="⃗"/>
                             <m:ctrlPr>
                               <a:rPr lang="nl-NL" sz="3200" b="0" i="1" smtClean="0">
-                                <a:latin typeface="Cambria Math" panose="02040503050406030204" pitchFamily="18" charset="0"/>
+                                <a:latin typeface="Cambria Math"/>
                               </a:rPr>
                             </m:ctrlPr>
                           </m:accPr>
@@ -7785,7 +7785,7 @@
                               <m:sSubPr>
                                 <m:ctrlPr>
                                   <a:rPr lang="nl-NL" sz="3200" b="0" i="1" smtClean="0">
-                                    <a:latin typeface="Cambria Math" panose="02040503050406030204" pitchFamily="18" charset="0"/>
+                                    <a:latin typeface="Cambria Math"/>
                                   </a:rPr>
                                 </m:ctrlPr>
                               </m:sSubPr>
@@ -7886,7 +7886,7 @@
             </p:txBody>
           </p:sp>
         </mc:Choice>
-        <mc:Fallback>
+        <mc:Fallback xmlns="">
           <p:sp>
             <p:nvSpPr>
               <p:cNvPr id="3" name="Tijdelijke aanduiding voor inhoud 2"/>
@@ -7976,8 +7976,8 @@
           </a:p>
         </p:txBody>
       </p:sp>
-      <mc:AlternateContent xmlns:mc="http://schemas.openxmlformats.org/markup-compatibility/2006" xmlns:a14="http://schemas.microsoft.com/office/drawing/2010/main">
-        <mc:Choice Requires="a14">
+      <mc:AlternateContent xmlns:mc="http://schemas.openxmlformats.org/markup-compatibility/2006">
+        <mc:Choice xmlns:a14="http://schemas.microsoft.com/office/drawing/2010/main" Requires="a14">
           <p:sp>
             <p:nvSpPr>
               <p:cNvPr id="3" name="Tijdelijke aanduiding voor inhoud 2"/>
@@ -7994,7 +7994,7 @@
               <a:lstStyle/>
               <a:p>
                 <a:r>
-                  <a:rPr lang="nl-NL"/>
+                  <a:rPr lang="nl-NL" smtClean="0"/>
                   <a:t>Handig voor mechanische systemen</a:t>
                 </a:r>
               </a:p>
@@ -8021,7 +8021,11 @@
               <a:p>
                 <a:r>
                   <a:rPr lang="nl-NL"/>
-                  <a:t>Formule:</a:t>
+                  <a:t>Formule</a:t>
+                </a:r>
+                <a:r>
+                  <a:rPr lang="nl-NL" smtClean="0"/>
+                  <a:t>:</a:t>
                 </a:r>
               </a:p>
               <a:p>
@@ -8031,8 +8035,142 @@
                     <m:sSub>
                       <m:sSubPr>
                         <m:ctrlPr>
+                          <a:rPr lang="nl-NL" i="1">
+                            <a:latin typeface="Cambria Math"/>
+                          </a:rPr>
+                        </m:ctrlPr>
+                      </m:sSubPr>
+                      <m:e>
+                        <m:r>
+                          <a:rPr lang="nl-NL" i="1">
+                            <a:latin typeface="Cambria Math"/>
+                          </a:rPr>
+                          <m:t>𝑥</m:t>
+                        </m:r>
+                      </m:e>
+                      <m:sub>
+                        <m:r>
+                          <a:rPr lang="nl-NL" i="1">
+                            <a:latin typeface="Cambria Math"/>
+                          </a:rPr>
+                          <m:t>𝑖</m:t>
+                        </m:r>
+                      </m:sub>
+                    </m:sSub>
+                    <m:r>
+                      <a:rPr lang="nl-NL" i="1">
+                        <a:latin typeface="Cambria Math"/>
+                      </a:rPr>
+                      <m:t>=</m:t>
+                    </m:r>
+                    <m:sSub>
+                      <m:sSubPr>
+                        <m:ctrlPr>
+                          <a:rPr lang="nl-NL" i="1">
+                            <a:latin typeface="Cambria Math"/>
+                          </a:rPr>
+                        </m:ctrlPr>
+                      </m:sSubPr>
+                      <m:e>
+                        <m:r>
+                          <a:rPr lang="nl-NL" i="1">
+                            <a:latin typeface="Cambria Math"/>
+                          </a:rPr>
+                          <m:t>𝑥</m:t>
+                        </m:r>
+                      </m:e>
+                      <m:sub>
+                        <m:r>
+                          <a:rPr lang="nl-NL" i="1">
+                            <a:latin typeface="Cambria Math"/>
+                          </a:rPr>
+                          <m:t>𝑖</m:t>
+                        </m:r>
+                        <m:r>
+                          <a:rPr lang="nl-NL" b="0" i="1" smtClean="0">
+                            <a:latin typeface="Cambria Math"/>
+                          </a:rPr>
+                          <m:t>−1</m:t>
+                        </m:r>
+                      </m:sub>
+                    </m:sSub>
+                    <m:r>
+                      <a:rPr lang="nl-NL" i="1">
+                        <a:latin typeface="Cambria Math"/>
+                      </a:rPr>
+                      <m:t>+</m:t>
+                    </m:r>
+                    <m:sSub>
+                      <m:sSubPr>
+                        <m:ctrlPr>
+                          <a:rPr lang="nl-NL" i="1">
+                            <a:latin typeface="Cambria Math"/>
+                          </a:rPr>
+                        </m:ctrlPr>
+                      </m:sSubPr>
+                      <m:e>
+                        <m:r>
+                          <a:rPr lang="nl-NL" i="1">
+                            <a:latin typeface="Cambria Math"/>
+                            <a:ea typeface="Cambria Math"/>
+                          </a:rPr>
+                          <m:t>∆</m:t>
+                        </m:r>
+                        <m:r>
+                          <a:rPr lang="nl-NL" i="1">
+                            <a:latin typeface="Cambria Math"/>
+                            <a:ea typeface="Cambria Math"/>
+                          </a:rPr>
+                          <m:t>𝑡</m:t>
+                        </m:r>
+                        <m:r>
+                          <a:rPr lang="nl-NL" i="1">
+                            <a:latin typeface="Cambria Math"/>
+                            <a:ea typeface="Cambria Math"/>
+                          </a:rPr>
+                          <m:t> ∙</m:t>
+                        </m:r>
+                        <m:r>
+                          <a:rPr lang="nl-NL" i="1">
+                            <a:latin typeface="Cambria Math"/>
+                          </a:rPr>
+                          <m:t>𝑣</m:t>
+                        </m:r>
+                      </m:e>
+                      <m:sub>
+                        <m:r>
+                          <a:rPr lang="nl-NL" i="1">
+                            <a:latin typeface="Cambria Math"/>
+                          </a:rPr>
+                          <m:t>𝑖</m:t>
+                        </m:r>
+                        <m:r>
+                          <a:rPr lang="nl-NL" b="0" i="1" smtClean="0">
+                            <a:latin typeface="Cambria Math"/>
+                          </a:rPr>
+                          <m:t>−</m:t>
+                        </m:r>
+                        <m:r>
+                          <a:rPr lang="nl-NL" i="1">
+                            <a:latin typeface="Cambria Math"/>
+                          </a:rPr>
+                          <m:t>1/2</m:t>
+                        </m:r>
+                      </m:sub>
+                    </m:sSub>
+                  </m:oMath>
+                </a14:m>
+                <a:endParaRPr lang="nl-NL" smtClean="0"/>
+              </a:p>
+              <a:p>
+                <a:pPr lvl="1"/>
+                <a14:m>
+                  <m:oMath xmlns:m="http://schemas.openxmlformats.org/officeDocument/2006/math">
+                    <m:sSub>
+                      <m:sSubPr>
+                        <m:ctrlPr>
                           <a:rPr lang="nl-NL" i="1" smtClean="0">
-                            <a:latin typeface="Cambria Math" panose="02040503050406030204" pitchFamily="18" charset="0"/>
+                            <a:latin typeface="Cambria Math"/>
                           </a:rPr>
                         </m:ctrlPr>
                       </m:sSubPr>
@@ -8063,7 +8201,7 @@
                       <m:sSubPr>
                         <m:ctrlPr>
                           <a:rPr lang="nl-NL" i="1">
-                            <a:latin typeface="Cambria Math" panose="02040503050406030204" pitchFamily="18" charset="0"/>
+                            <a:latin typeface="Cambria Math"/>
                           </a:rPr>
                         </m:ctrlPr>
                       </m:sSubPr>
@@ -8116,7 +8254,7 @@
                       <m:sSubPr>
                         <m:ctrlPr>
                           <a:rPr lang="nl-NL" i="1">
-                            <a:latin typeface="Cambria Math" panose="02040503050406030204" pitchFamily="18" charset="0"/>
+                            <a:latin typeface="Cambria Math"/>
                           </a:rPr>
                         </m:ctrlPr>
                       </m:sSubPr>
@@ -8153,7 +8291,7 @@
                       <m:sSubPr>
                         <m:ctrlPr>
                           <a:rPr lang="nl-NL" i="1">
-                            <a:latin typeface="Cambria Math" panose="02040503050406030204" pitchFamily="18" charset="0"/>
+                            <a:latin typeface="Cambria Math"/>
                           </a:rPr>
                         </m:ctrlPr>
                       </m:sSubPr>
@@ -8190,7 +8328,7 @@
                       <m:sSubPr>
                         <m:ctrlPr>
                           <a:rPr lang="nl-NL" i="1">
-                            <a:latin typeface="Cambria Math" panose="02040503050406030204" pitchFamily="18" charset="0"/>
+                            <a:latin typeface="Cambria Math"/>
                           </a:rPr>
                         </m:ctrlPr>
                       </m:sSubPr>
@@ -8238,137 +8376,13 @@
                 <a:endParaRPr lang="nl-NL"/>
               </a:p>
               <a:p>
-                <a:pPr lvl="1"/>
-                <a14:m>
-                  <m:oMath xmlns:m="http://schemas.openxmlformats.org/officeDocument/2006/math">
-                    <m:sSub>
-                      <m:sSubPr>
-                        <m:ctrlPr>
-                          <a:rPr lang="nl-NL" i="1">
-                            <a:latin typeface="Cambria Math" panose="02040503050406030204" pitchFamily="18" charset="0"/>
-                          </a:rPr>
-                        </m:ctrlPr>
-                      </m:sSubPr>
-                      <m:e>
-                        <m:r>
-                          <a:rPr lang="nl-NL" i="1">
-                            <a:latin typeface="Cambria Math"/>
-                          </a:rPr>
-                          <m:t>𝑥</m:t>
-                        </m:r>
-                      </m:e>
-                      <m:sub>
-                        <m:r>
-                          <a:rPr lang="nl-NL" i="1">
-                            <a:latin typeface="Cambria Math"/>
-                          </a:rPr>
-                          <m:t>𝑖</m:t>
-                        </m:r>
-                        <m:r>
-                          <a:rPr lang="nl-NL" i="1">
-                            <a:latin typeface="Cambria Math"/>
-                          </a:rPr>
-                          <m:t>+1</m:t>
-                        </m:r>
-                      </m:sub>
-                    </m:sSub>
-                    <m:r>
-                      <a:rPr lang="nl-NL" i="1">
-                        <a:latin typeface="Cambria Math"/>
-                      </a:rPr>
-                      <m:t>=</m:t>
-                    </m:r>
-                    <m:sSub>
-                      <m:sSubPr>
-                        <m:ctrlPr>
-                          <a:rPr lang="nl-NL" i="1">
-                            <a:latin typeface="Cambria Math" panose="02040503050406030204" pitchFamily="18" charset="0"/>
-                          </a:rPr>
-                        </m:ctrlPr>
-                      </m:sSubPr>
-                      <m:e>
-                        <m:r>
-                          <a:rPr lang="nl-NL" i="1">
-                            <a:latin typeface="Cambria Math"/>
-                          </a:rPr>
-                          <m:t>𝑥</m:t>
-                        </m:r>
-                      </m:e>
-                      <m:sub>
-                        <m:r>
-                          <a:rPr lang="nl-NL" i="1">
-                            <a:latin typeface="Cambria Math"/>
-                          </a:rPr>
-                          <m:t>𝑖</m:t>
-                        </m:r>
-                      </m:sub>
-                    </m:sSub>
-                    <m:r>
-                      <a:rPr lang="nl-NL" i="1">
-                        <a:latin typeface="Cambria Math"/>
-                      </a:rPr>
-                      <m:t>+</m:t>
-                    </m:r>
-                    <m:sSub>
-                      <m:sSubPr>
-                        <m:ctrlPr>
-                          <a:rPr lang="nl-NL" i="1">
-                            <a:latin typeface="Cambria Math" panose="02040503050406030204" pitchFamily="18" charset="0"/>
-                          </a:rPr>
-                        </m:ctrlPr>
-                      </m:sSubPr>
-                      <m:e>
-                        <m:r>
-                          <a:rPr lang="nl-NL" i="1">
-                            <a:latin typeface="Cambria Math"/>
-                            <a:ea typeface="Cambria Math"/>
-                          </a:rPr>
-                          <m:t>∆</m:t>
-                        </m:r>
-                        <m:r>
-                          <a:rPr lang="nl-NL" i="1">
-                            <a:latin typeface="Cambria Math"/>
-                            <a:ea typeface="Cambria Math"/>
-                          </a:rPr>
-                          <m:t>𝑡</m:t>
-                        </m:r>
-                        <m:r>
-                          <a:rPr lang="nl-NL" i="1">
-                            <a:latin typeface="Cambria Math"/>
-                            <a:ea typeface="Cambria Math"/>
-                          </a:rPr>
-                          <m:t> ∙</m:t>
-                        </m:r>
-                        <m:r>
-                          <a:rPr lang="nl-NL" i="1">
-                            <a:latin typeface="Cambria Math"/>
-                          </a:rPr>
-                          <m:t>𝑣</m:t>
-                        </m:r>
-                      </m:e>
-                      <m:sub>
-                        <m:r>
-                          <a:rPr lang="nl-NL" i="1">
-                            <a:latin typeface="Cambria Math"/>
-                          </a:rPr>
-                          <m:t>𝑖</m:t>
-                        </m:r>
-                        <m:r>
-                          <a:rPr lang="nl-NL" i="1">
-                            <a:latin typeface="Cambria Math"/>
-                          </a:rPr>
-                          <m:t>+1/2</m:t>
-                        </m:r>
-                      </m:sub>
-                    </m:sSub>
-                  </m:oMath>
-                </a14:m>
-                <a:endParaRPr lang="nl-NL"/>
-              </a:p>
-              <a:p>
+                <a:r>
+                  <a:rPr lang="nl-NL" smtClean="0"/>
+                  <a:t>Orde </a:t>
+                </a:r>
                 <a:r>
                   <a:rPr lang="nl-NL"/>
-                  <a:t>Orde 2</a:t>
+                  <a:t>2</a:t>
                 </a:r>
               </a:p>
               <a:p>
@@ -8384,7 +8398,7 @@
             </p:txBody>
           </p:sp>
         </mc:Choice>
-        <mc:Fallback xmlns="">
+        <mc:Fallback>
           <p:sp>
             <p:nvSpPr>
               <p:cNvPr id="3" name="Tijdelijke aanduiding voor inhoud 2"/>
@@ -8399,7 +8413,7 @@
               <a:blipFill rotWithShape="1">
                 <a:blip r:embed="rId2"/>
                 <a:stretch>
-                  <a:fillRect l="-1043" t="-2241"/>
+                  <a:fillRect l="-676" t="-1818"/>
                 </a:stretch>
               </a:blipFill>
             </p:spPr>
@@ -9187,7 +9201,7 @@
   <a:extraClrSchemeLst/>
   <a:extLst>
     <a:ext uri="{05A4C25C-085E-4340-85A3-A5531E510DB2}">
-      <thm15:themeFamily xmlns:thm15="http://schemas.microsoft.com/office/thememl/2012/main" name="Vapor Trail" id="{4FDF2955-7D9C-493C-B9F9-C205151B46CD}" vid="{FE1EB5C7-81A8-4CBA-AE6E-B3BF73DC3895}"/>
+      <thm15:themeFamily xmlns:thm15="http://schemas.microsoft.com/office/thememl/2012/main" xmlns="" name="Vapor Trail" id="{4FDF2955-7D9C-493C-B9F9-C205151B46CD}" vid="{FE1EB5C7-81A8-4CBA-AE6E-B3BF73DC3895}"/>
     </a:ext>
   </a:extLst>
 </a:theme>

--- a/Presentatie/Presentatie.pptx
+++ b/Presentatie/Presentatie.pptx
@@ -4,6 +4,9 @@
   <p:sldMasterIdLst>
     <p:sldMasterId id="2147483678" r:id="rId1"/>
   </p:sldMasterIdLst>
+  <p:notesMasterIdLst>
+    <p:notesMasterId r:id="rId17"/>
+  </p:notesMasterIdLst>
   <p:sldIdLst>
     <p:sldId id="256" r:id="rId2"/>
     <p:sldId id="257" r:id="rId3"/>
@@ -11,13 +14,15 @@
     <p:sldId id="259" r:id="rId5"/>
     <p:sldId id="260" r:id="rId6"/>
     <p:sldId id="267" r:id="rId7"/>
-    <p:sldId id="268" r:id="rId8"/>
-    <p:sldId id="262" r:id="rId9"/>
-    <p:sldId id="263" r:id="rId10"/>
-    <p:sldId id="266" r:id="rId11"/>
-    <p:sldId id="270" r:id="rId12"/>
-    <p:sldId id="264" r:id="rId13"/>
-    <p:sldId id="265" r:id="rId14"/>
+    <p:sldId id="273" r:id="rId8"/>
+    <p:sldId id="268" r:id="rId9"/>
+    <p:sldId id="262" r:id="rId10"/>
+    <p:sldId id="263" r:id="rId11"/>
+    <p:sldId id="266" r:id="rId12"/>
+    <p:sldId id="271" r:id="rId13"/>
+    <p:sldId id="270" r:id="rId14"/>
+    <p:sldId id="264" r:id="rId15"/>
+    <p:sldId id="265" r:id="rId16"/>
   </p:sldIdLst>
   <p:sldSz cx="12192000" cy="6858000"/>
   <p:notesSz cx="6858000" cy="9144000"/>
@@ -118,7 +123,7 @@
   </p:defaultTextStyle>
   <p:extLst>
     <p:ext uri="{EFAFB233-063F-42B5-8137-9DF3F51BA10A}">
-      <p15:sldGuideLst xmlns:p15="http://schemas.microsoft.com/office/powerpoint/2012/main" xmlns="">
+      <p15:sldGuideLst xmlns="" xmlns:p15="http://schemas.microsoft.com/office/powerpoint/2012/main">
         <p15:guide id="1" orient="horz" pos="2160">
           <p15:clr>
             <a:srgbClr val="A4A3A4"/>
@@ -133,6 +138,461 @@
     </p:ext>
   </p:extLst>
 </p:presentation>
+</file>
+
+<file path=ppt/notesMasters/notesMaster1.xml><?xml version="1.0" encoding="utf-8"?>
+<p:notesMaster xmlns:a="http://schemas.openxmlformats.org/drawingml/2006/main" xmlns:r="http://schemas.openxmlformats.org/officeDocument/2006/relationships" xmlns:p="http://schemas.openxmlformats.org/presentationml/2006/main">
+  <p:cSld>
+    <p:bg>
+      <p:bgRef idx="1001">
+        <a:schemeClr val="bg1"/>
+      </p:bgRef>
+    </p:bg>
+    <p:spTree>
+      <p:nvGrpSpPr>
+        <p:cNvPr id="1" name=""/>
+        <p:cNvGrpSpPr/>
+        <p:nvPr/>
+      </p:nvGrpSpPr>
+      <p:grpSpPr>
+        <a:xfrm>
+          <a:off x="0" y="0"/>
+          <a:ext cx="0" cy="0"/>
+          <a:chOff x="0" y="0"/>
+          <a:chExt cx="0" cy="0"/>
+        </a:xfrm>
+      </p:grpSpPr>
+      <p:sp>
+        <p:nvSpPr>
+          <p:cNvPr id="2" name="Tijdelijke aanduiding voor koptekst 1"/>
+          <p:cNvSpPr>
+            <a:spLocks noGrp="1"/>
+          </p:cNvSpPr>
+          <p:nvPr>
+            <p:ph type="hdr" sz="quarter"/>
+          </p:nvPr>
+        </p:nvSpPr>
+        <p:spPr>
+          <a:xfrm>
+            <a:off x="0" y="0"/>
+            <a:ext cx="2971800" cy="457200"/>
+          </a:xfrm>
+          <a:prstGeom prst="rect">
+            <a:avLst/>
+          </a:prstGeom>
+        </p:spPr>
+        <p:txBody>
+          <a:bodyPr vert="horz" lIns="91440" tIns="45720" rIns="91440" bIns="45720" rtlCol="0"/>
+          <a:lstStyle>
+            <a:lvl1pPr algn="l">
+              <a:defRPr sz="1200"/>
+            </a:lvl1pPr>
+          </a:lstStyle>
+          <a:p>
+            <a:endParaRPr lang="nl-NL"/>
+          </a:p>
+        </p:txBody>
+      </p:sp>
+      <p:sp>
+        <p:nvSpPr>
+          <p:cNvPr id="3" name="Tijdelijke aanduiding voor datum 2"/>
+          <p:cNvSpPr>
+            <a:spLocks noGrp="1"/>
+          </p:cNvSpPr>
+          <p:nvPr>
+            <p:ph type="dt" idx="1"/>
+          </p:nvPr>
+        </p:nvSpPr>
+        <p:spPr>
+          <a:xfrm>
+            <a:off x="3884613" y="0"/>
+            <a:ext cx="2971800" cy="457200"/>
+          </a:xfrm>
+          <a:prstGeom prst="rect">
+            <a:avLst/>
+          </a:prstGeom>
+        </p:spPr>
+        <p:txBody>
+          <a:bodyPr vert="horz" lIns="91440" tIns="45720" rIns="91440" bIns="45720" rtlCol="0"/>
+          <a:lstStyle>
+            <a:lvl1pPr algn="r">
+              <a:defRPr sz="1200"/>
+            </a:lvl1pPr>
+          </a:lstStyle>
+          <a:p>
+            <a:fld id="{5F2BFC91-6838-42FB-B20E-402D536CBC41}" type="datetimeFigureOut">
+              <a:rPr lang="nl-NL" smtClean="0"/>
+              <a:t>8-6-2017</a:t>
+            </a:fld>
+            <a:endParaRPr lang="nl-NL"/>
+          </a:p>
+        </p:txBody>
+      </p:sp>
+      <p:sp>
+        <p:nvSpPr>
+          <p:cNvPr id="4" name="Tijdelijke aanduiding voor dia-afbeelding 3"/>
+          <p:cNvSpPr>
+            <a:spLocks noGrp="1" noRot="1" noChangeAspect="1"/>
+          </p:cNvSpPr>
+          <p:nvPr>
+            <p:ph type="sldImg" idx="2"/>
+          </p:nvPr>
+        </p:nvSpPr>
+        <p:spPr>
+          <a:xfrm>
+            <a:off x="381000" y="685800"/>
+            <a:ext cx="6096000" cy="3429000"/>
+          </a:xfrm>
+          <a:prstGeom prst="rect">
+            <a:avLst/>
+          </a:prstGeom>
+          <a:noFill/>
+          <a:ln w="12700">
+            <a:solidFill>
+              <a:prstClr val="black"/>
+            </a:solidFill>
+          </a:ln>
+        </p:spPr>
+        <p:txBody>
+          <a:bodyPr vert="horz" lIns="91440" tIns="45720" rIns="91440" bIns="45720" rtlCol="0" anchor="ctr"/>
+          <a:lstStyle/>
+          <a:p>
+            <a:endParaRPr lang="nl-NL"/>
+          </a:p>
+        </p:txBody>
+      </p:sp>
+      <p:sp>
+        <p:nvSpPr>
+          <p:cNvPr id="5" name="Tijdelijke aanduiding voor notities 4"/>
+          <p:cNvSpPr>
+            <a:spLocks noGrp="1"/>
+          </p:cNvSpPr>
+          <p:nvPr>
+            <p:ph type="body" sz="quarter" idx="3"/>
+          </p:nvPr>
+        </p:nvSpPr>
+        <p:spPr>
+          <a:xfrm>
+            <a:off x="685800" y="4343400"/>
+            <a:ext cx="5486400" cy="4114800"/>
+          </a:xfrm>
+          <a:prstGeom prst="rect">
+            <a:avLst/>
+          </a:prstGeom>
+        </p:spPr>
+        <p:txBody>
+          <a:bodyPr vert="horz" lIns="91440" tIns="45720" rIns="91440" bIns="45720" rtlCol="0"/>
+          <a:lstStyle/>
+          <a:p>
+            <a:pPr lvl="0"/>
+            <a:r>
+              <a:rPr lang="nl-NL" smtClean="0"/>
+              <a:t>Klik om de modelstijlen te bewerken</a:t>
+            </a:r>
+          </a:p>
+          <a:p>
+            <a:pPr lvl="1"/>
+            <a:r>
+              <a:rPr lang="nl-NL" smtClean="0"/>
+              <a:t>Tweede niveau</a:t>
+            </a:r>
+          </a:p>
+          <a:p>
+            <a:pPr lvl="2"/>
+            <a:r>
+              <a:rPr lang="nl-NL" smtClean="0"/>
+              <a:t>Derde niveau</a:t>
+            </a:r>
+          </a:p>
+          <a:p>
+            <a:pPr lvl="3"/>
+            <a:r>
+              <a:rPr lang="nl-NL" smtClean="0"/>
+              <a:t>Vierde niveau</a:t>
+            </a:r>
+          </a:p>
+          <a:p>
+            <a:pPr lvl="4"/>
+            <a:r>
+              <a:rPr lang="nl-NL" smtClean="0"/>
+              <a:t>Vijfde niveau</a:t>
+            </a:r>
+            <a:endParaRPr lang="nl-NL"/>
+          </a:p>
+        </p:txBody>
+      </p:sp>
+      <p:sp>
+        <p:nvSpPr>
+          <p:cNvPr id="6" name="Tijdelijke aanduiding voor voettekst 5"/>
+          <p:cNvSpPr>
+            <a:spLocks noGrp="1"/>
+          </p:cNvSpPr>
+          <p:nvPr>
+            <p:ph type="ftr" sz="quarter" idx="4"/>
+          </p:nvPr>
+        </p:nvSpPr>
+        <p:spPr>
+          <a:xfrm>
+            <a:off x="0" y="8685213"/>
+            <a:ext cx="2971800" cy="457200"/>
+          </a:xfrm>
+          <a:prstGeom prst="rect">
+            <a:avLst/>
+          </a:prstGeom>
+        </p:spPr>
+        <p:txBody>
+          <a:bodyPr vert="horz" lIns="91440" tIns="45720" rIns="91440" bIns="45720" rtlCol="0" anchor="b"/>
+          <a:lstStyle>
+            <a:lvl1pPr algn="l">
+              <a:defRPr sz="1200"/>
+            </a:lvl1pPr>
+          </a:lstStyle>
+          <a:p>
+            <a:endParaRPr lang="nl-NL"/>
+          </a:p>
+        </p:txBody>
+      </p:sp>
+      <p:sp>
+        <p:nvSpPr>
+          <p:cNvPr id="7" name="Tijdelijke aanduiding voor dianummer 6"/>
+          <p:cNvSpPr>
+            <a:spLocks noGrp="1"/>
+          </p:cNvSpPr>
+          <p:nvPr>
+            <p:ph type="sldNum" sz="quarter" idx="5"/>
+          </p:nvPr>
+        </p:nvSpPr>
+        <p:spPr>
+          <a:xfrm>
+            <a:off x="3884613" y="8685213"/>
+            <a:ext cx="2971800" cy="457200"/>
+          </a:xfrm>
+          <a:prstGeom prst="rect">
+            <a:avLst/>
+          </a:prstGeom>
+        </p:spPr>
+        <p:txBody>
+          <a:bodyPr vert="horz" lIns="91440" tIns="45720" rIns="91440" bIns="45720" rtlCol="0" anchor="b"/>
+          <a:lstStyle>
+            <a:lvl1pPr algn="r">
+              <a:defRPr sz="1200"/>
+            </a:lvl1pPr>
+          </a:lstStyle>
+          <a:p>
+            <a:fld id="{CD34D72B-C857-42C1-AA87-D98CCE9F1DFD}" type="slidenum">
+              <a:rPr lang="nl-NL" smtClean="0"/>
+              <a:t>‹nr.›</a:t>
+            </a:fld>
+            <a:endParaRPr lang="nl-NL"/>
+          </a:p>
+        </p:txBody>
+      </p:sp>
+    </p:spTree>
+    <p:extLst>
+      <p:ext uri="{BB962C8B-B14F-4D97-AF65-F5344CB8AC3E}">
+        <p14:creationId xmlns:p14="http://schemas.microsoft.com/office/powerpoint/2010/main" val="1384134624"/>
+      </p:ext>
+    </p:extLst>
+  </p:cSld>
+  <p:clrMap bg1="lt1" tx1="dk1" bg2="lt2" tx2="dk2" accent1="accent1" accent2="accent2" accent3="accent3" accent4="accent4" accent5="accent5" accent6="accent6" hlink="hlink" folHlink="folHlink"/>
+  <p:notesStyle>
+    <a:lvl1pPr marL="0" algn="l" defTabSz="914400" rtl="0" eaLnBrk="1" latinLnBrk="0" hangingPunct="1">
+      <a:defRPr sz="1200" kern="1200">
+        <a:solidFill>
+          <a:schemeClr val="tx1"/>
+        </a:solidFill>
+        <a:latin typeface="+mn-lt"/>
+        <a:ea typeface="+mn-ea"/>
+        <a:cs typeface="+mn-cs"/>
+      </a:defRPr>
+    </a:lvl1pPr>
+    <a:lvl2pPr marL="457200" algn="l" defTabSz="914400" rtl="0" eaLnBrk="1" latinLnBrk="0" hangingPunct="1">
+      <a:defRPr sz="1200" kern="1200">
+        <a:solidFill>
+          <a:schemeClr val="tx1"/>
+        </a:solidFill>
+        <a:latin typeface="+mn-lt"/>
+        <a:ea typeface="+mn-ea"/>
+        <a:cs typeface="+mn-cs"/>
+      </a:defRPr>
+    </a:lvl2pPr>
+    <a:lvl3pPr marL="914400" algn="l" defTabSz="914400" rtl="0" eaLnBrk="1" latinLnBrk="0" hangingPunct="1">
+      <a:defRPr sz="1200" kern="1200">
+        <a:solidFill>
+          <a:schemeClr val="tx1"/>
+        </a:solidFill>
+        <a:latin typeface="+mn-lt"/>
+        <a:ea typeface="+mn-ea"/>
+        <a:cs typeface="+mn-cs"/>
+      </a:defRPr>
+    </a:lvl3pPr>
+    <a:lvl4pPr marL="1371600" algn="l" defTabSz="914400" rtl="0" eaLnBrk="1" latinLnBrk="0" hangingPunct="1">
+      <a:defRPr sz="1200" kern="1200">
+        <a:solidFill>
+          <a:schemeClr val="tx1"/>
+        </a:solidFill>
+        <a:latin typeface="+mn-lt"/>
+        <a:ea typeface="+mn-ea"/>
+        <a:cs typeface="+mn-cs"/>
+      </a:defRPr>
+    </a:lvl4pPr>
+    <a:lvl5pPr marL="1828800" algn="l" defTabSz="914400" rtl="0" eaLnBrk="1" latinLnBrk="0" hangingPunct="1">
+      <a:defRPr sz="1200" kern="1200">
+        <a:solidFill>
+          <a:schemeClr val="tx1"/>
+        </a:solidFill>
+        <a:latin typeface="+mn-lt"/>
+        <a:ea typeface="+mn-ea"/>
+        <a:cs typeface="+mn-cs"/>
+      </a:defRPr>
+    </a:lvl5pPr>
+    <a:lvl6pPr marL="2286000" algn="l" defTabSz="914400" rtl="0" eaLnBrk="1" latinLnBrk="0" hangingPunct="1">
+      <a:defRPr sz="1200" kern="1200">
+        <a:solidFill>
+          <a:schemeClr val="tx1"/>
+        </a:solidFill>
+        <a:latin typeface="+mn-lt"/>
+        <a:ea typeface="+mn-ea"/>
+        <a:cs typeface="+mn-cs"/>
+      </a:defRPr>
+    </a:lvl6pPr>
+    <a:lvl7pPr marL="2743200" algn="l" defTabSz="914400" rtl="0" eaLnBrk="1" latinLnBrk="0" hangingPunct="1">
+      <a:defRPr sz="1200" kern="1200">
+        <a:solidFill>
+          <a:schemeClr val="tx1"/>
+        </a:solidFill>
+        <a:latin typeface="+mn-lt"/>
+        <a:ea typeface="+mn-ea"/>
+        <a:cs typeface="+mn-cs"/>
+      </a:defRPr>
+    </a:lvl7pPr>
+    <a:lvl8pPr marL="3200400" algn="l" defTabSz="914400" rtl="0" eaLnBrk="1" latinLnBrk="0" hangingPunct="1">
+      <a:defRPr sz="1200" kern="1200">
+        <a:solidFill>
+          <a:schemeClr val="tx1"/>
+        </a:solidFill>
+        <a:latin typeface="+mn-lt"/>
+        <a:ea typeface="+mn-ea"/>
+        <a:cs typeface="+mn-cs"/>
+      </a:defRPr>
+    </a:lvl8pPr>
+    <a:lvl9pPr marL="3657600" algn="l" defTabSz="914400" rtl="0" eaLnBrk="1" latinLnBrk="0" hangingPunct="1">
+      <a:defRPr sz="1200" kern="1200">
+        <a:solidFill>
+          <a:schemeClr val="tx1"/>
+        </a:solidFill>
+        <a:latin typeface="+mn-lt"/>
+        <a:ea typeface="+mn-ea"/>
+        <a:cs typeface="+mn-cs"/>
+      </a:defRPr>
+    </a:lvl9pPr>
+  </p:notesStyle>
+</p:notesMaster>
+</file>
+
+<file path=ppt/notesSlides/notesSlide1.xml><?xml version="1.0" encoding="utf-8"?>
+<p:notes xmlns:a="http://schemas.openxmlformats.org/drawingml/2006/main" xmlns:r="http://schemas.openxmlformats.org/officeDocument/2006/relationships" xmlns:p="http://schemas.openxmlformats.org/presentationml/2006/main" showMasterSp="0" showMasterPhAnim="0">
+  <p:cSld>
+    <p:spTree>
+      <p:nvGrpSpPr>
+        <p:cNvPr id="1" name="Shape 180"/>
+        <p:cNvGrpSpPr/>
+        <p:nvPr/>
+      </p:nvGrpSpPr>
+      <p:grpSpPr>
+        <a:xfrm>
+          <a:off x="0" y="0"/>
+          <a:ext cx="0" cy="0"/>
+          <a:chOff x="0" y="0"/>
+          <a:chExt cx="0" cy="0"/>
+        </a:xfrm>
+      </p:grpSpPr>
+      <p:sp>
+        <p:nvSpPr>
+          <p:cNvPr id="181" name="Shape 181"/>
+          <p:cNvSpPr txBox="1">
+            <a:spLocks noGrp="1"/>
+          </p:cNvSpPr>
+          <p:nvPr>
+            <p:ph type="body" idx="1"/>
+          </p:nvPr>
+        </p:nvSpPr>
+        <p:spPr>
+          <a:xfrm>
+            <a:off x="685800" y="4343400"/>
+            <a:ext cx="5486399" cy="4114800"/>
+          </a:xfrm>
+          <a:prstGeom prst="rect">
+            <a:avLst/>
+          </a:prstGeom>
+          <a:noFill/>
+          <a:ln>
+            <a:noFill/>
+          </a:ln>
+        </p:spPr>
+        <p:txBody>
+          <a:bodyPr lIns="91425" tIns="91425" rIns="91425" bIns="91425" anchor="ctr" anchorCtr="0">
+            <a:noAutofit/>
+          </a:bodyPr>
+          <a:lstStyle/>
+          <a:p>
+            <a:pPr lvl="0">
+              <a:spcBef>
+                <a:spcPts val="0"/>
+              </a:spcBef>
+              <a:buNone/>
+            </a:pPr>
+            <a:endParaRPr/>
+          </a:p>
+        </p:txBody>
+      </p:sp>
+      <p:sp>
+        <p:nvSpPr>
+          <p:cNvPr id="182" name="Shape 182"/>
+          <p:cNvSpPr>
+            <a:spLocks noGrp="1" noRot="1" noChangeAspect="1"/>
+          </p:cNvSpPr>
+          <p:nvPr>
+            <p:ph type="sldImg" idx="2"/>
+          </p:nvPr>
+        </p:nvSpPr>
+        <p:spPr>
+          <a:xfrm>
+            <a:off x="1143225" y="685800"/>
+            <a:ext cx="4572225" cy="3429000"/>
+          </a:xfrm>
+          <a:custGeom>
+            <a:avLst/>
+            <a:gdLst/>
+            <a:ahLst/>
+            <a:cxnLst/>
+            <a:rect l="0" t="0" r="0" b="0"/>
+            <a:pathLst>
+              <a:path w="120000" h="120000" extrusionOk="0">
+                <a:moveTo>
+                  <a:pt x="0" y="0"/>
+                </a:moveTo>
+                <a:lnTo>
+                  <a:pt x="120000" y="0"/>
+                </a:lnTo>
+                <a:lnTo>
+                  <a:pt x="120000" y="120000"/>
+                </a:lnTo>
+                <a:lnTo>
+                  <a:pt x="0" y="120000"/>
+                </a:lnTo>
+                <a:close/>
+              </a:path>
+            </a:pathLst>
+          </a:custGeom>
+        </p:spPr>
+      </p:sp>
+    </p:spTree>
+  </p:cSld>
+  <p:clrMapOvr>
+    <a:masterClrMapping/>
+  </p:clrMapOvr>
+</p:notes>
 </file>
 
 <file path=ppt/slideLayouts/slideLayout1.xml><?xml version="1.0" encoding="utf-8"?>
@@ -305,7 +765,7 @@
           <a:p>
             <a:fld id="{D0BEBCF1-C867-4FA3-929D-70E3E2EA05CD}" type="datetimeFigureOut">
               <a:rPr lang="nl-NL" smtClean="0"/>
-              <a:t>7-6-2017</a:t>
+              <a:t>8-6-2017</a:t>
             </a:fld>
             <a:endParaRPr lang="nl-NL"/>
           </a:p>
@@ -572,7 +1032,7 @@
           <a:p>
             <a:fld id="{D0BEBCF1-C867-4FA3-929D-70E3E2EA05CD}" type="datetimeFigureOut">
               <a:rPr lang="nl-NL" smtClean="0"/>
-              <a:t>7-6-2017</a:t>
+              <a:t>8-6-2017</a:t>
             </a:fld>
             <a:endParaRPr lang="nl-NL"/>
           </a:p>
@@ -803,7 +1263,7 @@
           <a:p>
             <a:fld id="{D0BEBCF1-C867-4FA3-929D-70E3E2EA05CD}" type="datetimeFigureOut">
               <a:rPr lang="nl-NL" smtClean="0"/>
-              <a:t>7-6-2017</a:t>
+              <a:t>8-6-2017</a:t>
             </a:fld>
             <a:endParaRPr lang="nl-NL"/>
           </a:p>
@@ -1113,7 +1573,7 @@
           <a:p>
             <a:fld id="{D0BEBCF1-C867-4FA3-929D-70E3E2EA05CD}" type="datetimeFigureOut">
               <a:rPr lang="nl-NL" smtClean="0"/>
-              <a:t>7-6-2017</a:t>
+              <a:t>8-6-2017</a:t>
             </a:fld>
             <a:endParaRPr lang="nl-NL"/>
           </a:p>
@@ -1586,7 +2046,7 @@
           <a:p>
             <a:fld id="{D0BEBCF1-C867-4FA3-929D-70E3E2EA05CD}" type="datetimeFigureOut">
               <a:rPr lang="nl-NL" smtClean="0"/>
-              <a:t>7-6-2017</a:t>
+              <a:t>8-6-2017</a:t>
             </a:fld>
             <a:endParaRPr lang="nl-NL"/>
           </a:p>
@@ -2133,7 +2593,7 @@
           <a:p>
             <a:fld id="{D0BEBCF1-C867-4FA3-929D-70E3E2EA05CD}" type="datetimeFigureOut">
               <a:rPr lang="nl-NL" smtClean="0"/>
-              <a:t>7-6-2017</a:t>
+              <a:t>8-6-2017</a:t>
             </a:fld>
             <a:endParaRPr lang="nl-NL"/>
           </a:p>
@@ -2907,7 +3367,7 @@
           <a:p>
             <a:fld id="{D0BEBCF1-C867-4FA3-929D-70E3E2EA05CD}" type="datetimeFigureOut">
               <a:rPr lang="nl-NL" smtClean="0"/>
-              <a:t>7-6-2017</a:t>
+              <a:t>8-6-2017</a:t>
             </a:fld>
             <a:endParaRPr lang="nl-NL"/>
           </a:p>
@@ -3082,7 +3542,7 @@
           <a:p>
             <a:fld id="{D0BEBCF1-C867-4FA3-929D-70E3E2EA05CD}" type="datetimeFigureOut">
               <a:rPr lang="nl-NL" smtClean="0"/>
-              <a:t>7-6-2017</a:t>
+              <a:t>8-6-2017</a:t>
             </a:fld>
             <a:endParaRPr lang="nl-NL"/>
           </a:p>
@@ -3305,7 +3765,7 @@
           <a:p>
             <a:fld id="{D0BEBCF1-C867-4FA3-929D-70E3E2EA05CD}" type="datetimeFigureOut">
               <a:rPr lang="nl-NL" smtClean="0"/>
-              <a:t>7-6-2017</a:t>
+              <a:t>8-6-2017</a:t>
             </a:fld>
             <a:endParaRPr lang="nl-NL"/>
           </a:p>
@@ -3485,7 +3945,7 @@
           <a:p>
             <a:fld id="{D0BEBCF1-C867-4FA3-929D-70E3E2EA05CD}" type="datetimeFigureOut">
               <a:rPr lang="nl-NL" smtClean="0"/>
-              <a:t>7-6-2017</a:t>
+              <a:t>8-6-2017</a:t>
             </a:fld>
             <a:endParaRPr lang="nl-NL"/>
           </a:p>
@@ -3774,7 +4234,7 @@
           <a:p>
             <a:fld id="{D0BEBCF1-C867-4FA3-929D-70E3E2EA05CD}" type="datetimeFigureOut">
               <a:rPr lang="nl-NL" smtClean="0"/>
-              <a:t>7-6-2017</a:t>
+              <a:t>8-6-2017</a:t>
             </a:fld>
             <a:endParaRPr lang="nl-NL"/>
           </a:p>
@@ -4016,7 +4476,7 @@
           <a:p>
             <a:fld id="{D0BEBCF1-C867-4FA3-929D-70E3E2EA05CD}" type="datetimeFigureOut">
               <a:rPr lang="nl-NL" smtClean="0"/>
-              <a:t>7-6-2017</a:t>
+              <a:t>8-6-2017</a:t>
             </a:fld>
             <a:endParaRPr lang="nl-NL"/>
           </a:p>
@@ -4395,7 +4855,7 @@
           <a:p>
             <a:fld id="{D0BEBCF1-C867-4FA3-929D-70E3E2EA05CD}" type="datetimeFigureOut">
               <a:rPr lang="nl-NL" smtClean="0"/>
-              <a:t>7-6-2017</a:t>
+              <a:t>8-6-2017</a:t>
             </a:fld>
             <a:endParaRPr lang="nl-NL"/>
           </a:p>
@@ -4513,7 +4973,7 @@
           <a:p>
             <a:fld id="{D0BEBCF1-C867-4FA3-929D-70E3E2EA05CD}" type="datetimeFigureOut">
               <a:rPr lang="nl-NL" smtClean="0"/>
-              <a:t>7-6-2017</a:t>
+              <a:t>8-6-2017</a:t>
             </a:fld>
             <a:endParaRPr lang="nl-NL"/>
           </a:p>
@@ -4608,7 +5068,7 @@
           <a:p>
             <a:fld id="{D0BEBCF1-C867-4FA3-929D-70E3E2EA05CD}" type="datetimeFigureOut">
               <a:rPr lang="nl-NL" smtClean="0"/>
-              <a:t>7-6-2017</a:t>
+              <a:t>8-6-2017</a:t>
             </a:fld>
             <a:endParaRPr lang="nl-NL"/>
           </a:p>
@@ -4857,7 +5317,7 @@
           <a:p>
             <a:fld id="{D0BEBCF1-C867-4FA3-929D-70E3E2EA05CD}" type="datetimeFigureOut">
               <a:rPr lang="nl-NL" smtClean="0"/>
-              <a:t>7-6-2017</a:t>
+              <a:t>8-6-2017</a:t>
             </a:fld>
             <a:endParaRPr lang="nl-NL"/>
           </a:p>
@@ -5114,7 +5574,7 @@
           <a:p>
             <a:fld id="{D0BEBCF1-C867-4FA3-929D-70E3E2EA05CD}" type="datetimeFigureOut">
               <a:rPr lang="nl-NL" smtClean="0"/>
-              <a:t>7-6-2017</a:t>
+              <a:t>8-6-2017</a:t>
             </a:fld>
             <a:endParaRPr lang="nl-NL"/>
           </a:p>
@@ -5357,7 +5817,7 @@
           <a:p>
             <a:fld id="{D0BEBCF1-C867-4FA3-929D-70E3E2EA05CD}" type="datetimeFigureOut">
               <a:rPr lang="nl-NL" smtClean="0"/>
-              <a:t>7-6-2017</a:t>
+              <a:t>8-6-2017</a:t>
             </a:fld>
             <a:endParaRPr lang="nl-NL"/>
           </a:p>
@@ -5857,6 +6317,13 @@
   <p:clrMapOvr>
     <a:masterClrMapping/>
   </p:clrMapOvr>
+  <p:timing>
+    <p:tnLst>
+      <p:par>
+        <p:cTn id="1" dur="indefinite" restart="never" nodeType="tmRoot"/>
+      </p:par>
+    </p:tnLst>
+  </p:timing>
 </p:sld>
 </file>
 
@@ -5899,35 +6366,496 @@
           </a:p>
         </p:txBody>
       </p:sp>
-      <p:pic>
-        <p:nvPicPr>
-          <p:cNvPr id="4" name="Tijdelijke aanduiding voor inhoud 3"/>
-          <p:cNvPicPr>
-            <a:picLocks noGrp="1" noChangeAspect="1"/>
-          </p:cNvPicPr>
-          <p:nvPr>
-            <p:ph idx="1"/>
-          </p:nvPr>
-        </p:nvPicPr>
-        <p:blipFill>
-          <a:blip r:embed="rId2">
-            <a:extLst>
-              <a:ext uri="{28A0092B-C50C-407E-A947-70E740481C1C}">
-                <a14:useLocalDpi xmlns:a14="http://schemas.microsoft.com/office/drawing/2010/main" val="0"/>
-              </a:ext>
-            </a:extLst>
-          </a:blip>
-          <a:stretch>
-            <a:fillRect/>
-          </a:stretch>
-        </p:blipFill>
-        <p:spPr>
-          <a:xfrm>
-            <a:off x="6031596" y="1825625"/>
-            <a:ext cx="5512312" cy="4644377"/>
-          </a:xfrm>
-        </p:spPr>
-      </p:pic>
+      <mc:AlternateContent xmlns:mc="http://schemas.openxmlformats.org/markup-compatibility/2006">
+        <mc:Choice xmlns:a14="http://schemas.microsoft.com/office/drawing/2010/main" Requires="a14">
+          <p:sp>
+            <p:nvSpPr>
+              <p:cNvPr id="3" name="Tijdelijke aanduiding voor inhoud 2"/>
+              <p:cNvSpPr>
+                <a:spLocks noGrp="1"/>
+              </p:cNvSpPr>
+              <p:nvPr>
+                <p:ph idx="1"/>
+              </p:nvPr>
+            </p:nvSpPr>
+            <p:spPr/>
+            <p:txBody>
+              <a:bodyPr/>
+              <a:lstStyle/>
+              <a:p>
+                <a:r>
+                  <a:rPr lang="nl-NL" dirty="0" smtClean="0"/>
+                  <a:t>Analyse voor N = 2 deeltjes</a:t>
+                </a:r>
+              </a:p>
+              <a:p>
+                <a:r>
+                  <a:rPr lang="nl-NL" dirty="0"/>
+                  <a:t>Behoud </a:t>
+                </a:r>
+                <a:r>
+                  <a:rPr lang="nl-NL"/>
+                  <a:t>van </a:t>
+                </a:r>
+                <a:r>
+                  <a:rPr lang="nl-NL" smtClean="0"/>
+                  <a:t>energie</a:t>
+                </a:r>
+              </a:p>
+              <a:p>
+                <a:pPr marL="0" indent="0">
+                  <a:buNone/>
+                </a:pPr>
+                <a:r>
+                  <a:rPr lang="nl-NL"/>
+                  <a:t>	</a:t>
+                </a:r>
+                <a:r>
+                  <a:rPr lang="nl-NL" smtClean="0"/>
+                  <a:t>		</a:t>
+                </a:r>
+                <a14:m>
+                  <m:oMath xmlns:m="http://schemas.openxmlformats.org/officeDocument/2006/math">
+                    <m:f>
+                      <m:fPr>
+                        <m:ctrlPr>
+                          <a:rPr lang="nl-NL" sz="3600" i="1" smtClean="0">
+                            <a:latin typeface="Cambria Math"/>
+                          </a:rPr>
+                        </m:ctrlPr>
+                      </m:fPr>
+                      <m:num>
+                        <m:r>
+                          <a:rPr lang="nl-NL" sz="3600" b="0" i="1" smtClean="0">
+                            <a:latin typeface="Cambria Math"/>
+                          </a:rPr>
+                          <m:t>1</m:t>
+                        </m:r>
+                      </m:num>
+                      <m:den>
+                        <m:r>
+                          <a:rPr lang="nl-NL" sz="3600" b="0" i="1" smtClean="0">
+                            <a:latin typeface="Cambria Math"/>
+                          </a:rPr>
+                          <m:t>2</m:t>
+                        </m:r>
+                      </m:den>
+                    </m:f>
+                    <m:r>
+                      <a:rPr lang="nl-NL" sz="3600" b="0" i="1" smtClean="0">
+                        <a:latin typeface="Cambria Math"/>
+                      </a:rPr>
+                      <m:t>𝑚</m:t>
+                    </m:r>
+                    <m:sSup>
+                      <m:sSupPr>
+                        <m:ctrlPr>
+                          <a:rPr lang="nl-NL" sz="3600" b="0" i="1" smtClean="0">
+                            <a:latin typeface="Cambria Math"/>
+                          </a:rPr>
+                        </m:ctrlPr>
+                      </m:sSupPr>
+                      <m:e>
+                        <m:r>
+                          <a:rPr lang="nl-NL" sz="3600" b="0" i="1" smtClean="0">
+                            <a:latin typeface="Cambria Math"/>
+                          </a:rPr>
+                          <m:t>𝑣</m:t>
+                        </m:r>
+                      </m:e>
+                      <m:sup>
+                        <m:r>
+                          <a:rPr lang="nl-NL" sz="3600" b="0" i="1" smtClean="0">
+                            <a:latin typeface="Cambria Math"/>
+                          </a:rPr>
+                          <m:t>2</m:t>
+                        </m:r>
+                      </m:sup>
+                    </m:sSup>
+                    <m:r>
+                      <a:rPr lang="nl-NL" sz="3600" b="0" i="1" smtClean="0">
+                        <a:latin typeface="Cambria Math"/>
+                      </a:rPr>
+                      <m:t>+</m:t>
+                    </m:r>
+                    <m:f>
+                      <m:fPr>
+                        <m:ctrlPr>
+                          <a:rPr lang="nl-NL" sz="3600" b="0" i="1" smtClean="0">
+                            <a:latin typeface="Cambria Math"/>
+                          </a:rPr>
+                        </m:ctrlPr>
+                      </m:fPr>
+                      <m:num>
+                        <m:r>
+                          <a:rPr lang="nl-NL" sz="3600" b="0" i="1" smtClean="0">
+                            <a:latin typeface="Cambria Math"/>
+                          </a:rPr>
+                          <m:t>1</m:t>
+                        </m:r>
+                      </m:num>
+                      <m:den>
+                        <m:r>
+                          <a:rPr lang="nl-NL" sz="3600" b="0" i="1" smtClean="0">
+                            <a:latin typeface="Cambria Math"/>
+                          </a:rPr>
+                          <m:t>2</m:t>
+                        </m:r>
+                      </m:den>
+                    </m:f>
+                    <m:r>
+                      <a:rPr lang="nl-NL" sz="3600" b="0" i="1" smtClean="0">
+                        <a:latin typeface="Cambria Math"/>
+                      </a:rPr>
+                      <m:t>𝑀</m:t>
+                    </m:r>
+                    <m:sSup>
+                      <m:sSupPr>
+                        <m:ctrlPr>
+                          <a:rPr lang="nl-NL" sz="3600" b="0" i="1" smtClean="0">
+                            <a:latin typeface="Cambria Math"/>
+                          </a:rPr>
+                        </m:ctrlPr>
+                      </m:sSupPr>
+                      <m:e>
+                        <m:r>
+                          <a:rPr lang="nl-NL" sz="3600" b="0" i="1" smtClean="0">
+                            <a:latin typeface="Cambria Math"/>
+                          </a:rPr>
+                          <m:t>𝑉</m:t>
+                        </m:r>
+                      </m:e>
+                      <m:sup>
+                        <m:r>
+                          <a:rPr lang="nl-NL" sz="3600" b="0" i="1" smtClean="0">
+                            <a:latin typeface="Cambria Math"/>
+                          </a:rPr>
+                          <m:t>2</m:t>
+                        </m:r>
+                      </m:sup>
+                    </m:sSup>
+                    <m:r>
+                      <a:rPr lang="nl-NL" sz="3600" b="0" i="1" smtClean="0">
+                        <a:latin typeface="Cambria Math"/>
+                      </a:rPr>
+                      <m:t>−</m:t>
+                    </m:r>
+                    <m:r>
+                      <a:rPr lang="nl-NL" sz="3600" b="0" i="1" smtClean="0">
+                        <a:latin typeface="Cambria Math"/>
+                      </a:rPr>
+                      <m:t>𝐺</m:t>
+                    </m:r>
+                    <m:f>
+                      <m:fPr>
+                        <m:ctrlPr>
+                          <a:rPr lang="nl-NL" sz="3600" b="0" i="1" smtClean="0">
+                            <a:latin typeface="Cambria Math"/>
+                          </a:rPr>
+                        </m:ctrlPr>
+                      </m:fPr>
+                      <m:num>
+                        <m:r>
+                          <a:rPr lang="nl-NL" sz="3600" b="0" i="1" smtClean="0">
+                            <a:latin typeface="Cambria Math"/>
+                          </a:rPr>
+                          <m:t>𝑚𝑀</m:t>
+                        </m:r>
+                      </m:num>
+                      <m:den>
+                        <m:r>
+                          <a:rPr lang="nl-NL" sz="3600" b="0" i="1" smtClean="0">
+                            <a:latin typeface="Cambria Math"/>
+                          </a:rPr>
+                          <m:t>𝑟</m:t>
+                        </m:r>
+                      </m:den>
+                    </m:f>
+                  </m:oMath>
+                </a14:m>
+                <a:endParaRPr lang="nl-NL" dirty="0"/>
+              </a:p>
+              <a:p>
+                <a:r>
+                  <a:rPr lang="nl-NL" err="1"/>
+                  <a:t>Richardson</a:t>
+                </a:r>
+                <a:r>
+                  <a:rPr lang="nl-NL"/>
+                  <a:t> </a:t>
+                </a:r>
+                <a:r>
+                  <a:rPr lang="nl-NL" smtClean="0"/>
+                  <a:t>Extrapolatie</a:t>
+                </a:r>
+              </a:p>
+              <a:p>
+                <a:pPr marL="457200" lvl="1" indent="0">
+                  <a:buNone/>
+                </a:pPr>
+                <a14:m>
+                  <m:oMathPara xmlns:m="http://schemas.openxmlformats.org/officeDocument/2006/math">
+                    <m:oMathParaPr>
+                      <m:jc m:val="centerGroup"/>
+                    </m:oMathParaPr>
+                    <m:oMath xmlns:m="http://schemas.openxmlformats.org/officeDocument/2006/math">
+                      <m:f>
+                        <m:fPr>
+                          <m:ctrlPr>
+                            <a:rPr lang="nl-NL" sz="3200" i="1" smtClean="0">
+                              <a:latin typeface="Cambria Math"/>
+                            </a:rPr>
+                          </m:ctrlPr>
+                        </m:fPr>
+                        <m:num>
+                          <m:r>
+                            <a:rPr lang="nl-NL" sz="3200" b="0" i="1" smtClean="0">
+                              <a:latin typeface="Cambria Math"/>
+                            </a:rPr>
+                            <m:t>𝑄</m:t>
+                          </m:r>
+                          <m:d>
+                            <m:dPr>
+                              <m:ctrlPr>
+                                <a:rPr lang="nl-NL" sz="3200" b="0" i="1" smtClean="0">
+                                  <a:latin typeface="Cambria Math"/>
+                                </a:rPr>
+                              </m:ctrlPr>
+                            </m:dPr>
+                            <m:e>
+                              <m:r>
+                                <a:rPr lang="nl-NL" sz="3200" b="0" i="1" smtClean="0">
+                                  <a:latin typeface="Cambria Math"/>
+                                </a:rPr>
+                                <m:t>2</m:t>
+                              </m:r>
+                              <m:r>
+                                <a:rPr lang="nl-NL" sz="3200" b="0" i="1" smtClean="0">
+                                  <a:latin typeface="Cambria Math"/>
+                                </a:rPr>
+                                <m:t>h</m:t>
+                              </m:r>
+                            </m:e>
+                          </m:d>
+                          <m:r>
+                            <a:rPr lang="nl-NL" sz="3200" b="0" i="1" smtClean="0">
+                              <a:latin typeface="Cambria Math"/>
+                            </a:rPr>
+                            <m:t>−</m:t>
+                          </m:r>
+                          <m:r>
+                            <a:rPr lang="nl-NL" sz="3200" b="0" i="1" smtClean="0">
+                              <a:latin typeface="Cambria Math"/>
+                            </a:rPr>
+                            <m:t>𝑄</m:t>
+                          </m:r>
+                          <m:r>
+                            <a:rPr lang="nl-NL" sz="3200" b="0" i="1" smtClean="0">
+                              <a:latin typeface="Cambria Math"/>
+                            </a:rPr>
+                            <m:t>(4</m:t>
+                          </m:r>
+                          <m:r>
+                            <a:rPr lang="nl-NL" sz="3200" b="0" i="1" smtClean="0">
+                              <a:latin typeface="Cambria Math"/>
+                            </a:rPr>
+                            <m:t>h</m:t>
+                          </m:r>
+                          <m:r>
+                            <a:rPr lang="nl-NL" sz="3200" b="0" i="1" smtClean="0">
+                              <a:latin typeface="Cambria Math"/>
+                            </a:rPr>
+                            <m:t>)</m:t>
+                          </m:r>
+                        </m:num>
+                        <m:den>
+                          <m:r>
+                            <a:rPr lang="nl-NL" sz="3200" b="0" i="1" smtClean="0">
+                              <a:latin typeface="Cambria Math"/>
+                            </a:rPr>
+                            <m:t>𝑄</m:t>
+                          </m:r>
+                          <m:d>
+                            <m:dPr>
+                              <m:ctrlPr>
+                                <a:rPr lang="nl-NL" sz="3200" b="0" i="1" smtClean="0">
+                                  <a:latin typeface="Cambria Math"/>
+                                </a:rPr>
+                              </m:ctrlPr>
+                            </m:dPr>
+                            <m:e>
+                              <m:r>
+                                <a:rPr lang="nl-NL" sz="3200" b="0" i="1" smtClean="0">
+                                  <a:latin typeface="Cambria Math"/>
+                                </a:rPr>
+                                <m:t>h</m:t>
+                              </m:r>
+                            </m:e>
+                          </m:d>
+                          <m:r>
+                            <a:rPr lang="nl-NL" sz="3200" b="0" i="1" smtClean="0">
+                              <a:latin typeface="Cambria Math"/>
+                            </a:rPr>
+                            <m:t>−</m:t>
+                          </m:r>
+                          <m:r>
+                            <a:rPr lang="nl-NL" sz="3200" b="0" i="1" smtClean="0">
+                              <a:latin typeface="Cambria Math"/>
+                            </a:rPr>
+                            <m:t>𝑄</m:t>
+                          </m:r>
+                          <m:r>
+                            <a:rPr lang="nl-NL" sz="3200" b="0" i="1" smtClean="0">
+                              <a:latin typeface="Cambria Math"/>
+                            </a:rPr>
+                            <m:t>(2</m:t>
+                          </m:r>
+                          <m:r>
+                            <a:rPr lang="nl-NL" sz="3200" b="0" i="1" smtClean="0">
+                              <a:latin typeface="Cambria Math"/>
+                            </a:rPr>
+                            <m:t>h</m:t>
+                          </m:r>
+                          <m:r>
+                            <a:rPr lang="nl-NL" sz="3200" b="0" i="1" smtClean="0">
+                              <a:latin typeface="Cambria Math"/>
+                            </a:rPr>
+                            <m:t>)</m:t>
+                          </m:r>
+                        </m:den>
+                      </m:f>
+                      <m:r>
+                        <a:rPr lang="nl-NL" sz="3200" b="0" i="1" smtClean="0">
+                          <a:latin typeface="Cambria Math"/>
+                        </a:rPr>
+                        <m:t>=</m:t>
+                      </m:r>
+                      <m:sSup>
+                        <m:sSupPr>
+                          <m:ctrlPr>
+                            <a:rPr lang="nl-NL" sz="3200" b="0" i="1" smtClean="0">
+                              <a:latin typeface="Cambria Math"/>
+                            </a:rPr>
+                          </m:ctrlPr>
+                        </m:sSupPr>
+                        <m:e>
+                          <m:r>
+                            <a:rPr lang="nl-NL" sz="3200" b="0" i="1" smtClean="0">
+                              <a:latin typeface="Cambria Math"/>
+                            </a:rPr>
+                            <m:t>2</m:t>
+                          </m:r>
+                        </m:e>
+                        <m:sup>
+                          <m:r>
+                            <a:rPr lang="nl-NL" sz="3200" b="0" i="1" smtClean="0">
+                              <a:latin typeface="Cambria Math"/>
+                            </a:rPr>
+                            <m:t>𝑝</m:t>
+                          </m:r>
+                        </m:sup>
+                      </m:sSup>
+                    </m:oMath>
+                  </m:oMathPara>
+                </a14:m>
+                <a:endParaRPr lang="nl-NL" sz="3200" dirty="0"/>
+              </a:p>
+            </p:txBody>
+          </p:sp>
+        </mc:Choice>
+        <mc:Fallback>
+          <p:sp>
+            <p:nvSpPr>
+              <p:cNvPr id="3" name="Tijdelijke aanduiding voor inhoud 2"/>
+              <p:cNvSpPr>
+                <a:spLocks noGrp="1" noRot="1" noChangeAspect="1" noMove="1" noResize="1" noEditPoints="1" noAdjustHandles="1" noChangeArrowheads="1" noChangeShapeType="1" noTextEdit="1"/>
+              </p:cNvSpPr>
+              <p:nvPr>
+                <p:ph idx="1"/>
+              </p:nvPr>
+            </p:nvSpPr>
+            <p:spPr>
+              <a:blipFill rotWithShape="1">
+                <a:blip r:embed="rId2"/>
+                <a:stretch>
+                  <a:fillRect l="-676" t="-1818"/>
+                </a:stretch>
+              </a:blipFill>
+            </p:spPr>
+            <p:txBody>
+              <a:bodyPr/>
+              <a:lstStyle/>
+              <a:p>
+                <a:r>
+                  <a:rPr lang="nl-NL">
+                    <a:noFill/>
+                  </a:rPr>
+                  <a:t> </a:t>
+                </a:r>
+              </a:p>
+            </p:txBody>
+          </p:sp>
+        </mc:Fallback>
+      </mc:AlternateContent>
+    </p:spTree>
+    <p:extLst>
+      <p:ext uri="{BB962C8B-B14F-4D97-AF65-F5344CB8AC3E}">
+        <p14:creationId xmlns:p14="http://schemas.microsoft.com/office/powerpoint/2010/main" val="120385941"/>
+      </p:ext>
+    </p:extLst>
+  </p:cSld>
+  <p:clrMapOvr>
+    <a:masterClrMapping/>
+  </p:clrMapOvr>
+  <p:timing>
+    <p:tnLst>
+      <p:par>
+        <p:cTn id="1" dur="indefinite" restart="never" nodeType="tmRoot"/>
+      </p:par>
+    </p:tnLst>
+  </p:timing>
+</p:sld>
+</file>
+
+<file path=ppt/slides/slide11.xml><?xml version="1.0" encoding="utf-8"?>
+<p:sld xmlns:a="http://schemas.openxmlformats.org/drawingml/2006/main" xmlns:r="http://schemas.openxmlformats.org/officeDocument/2006/relationships" xmlns:p="http://schemas.openxmlformats.org/presentationml/2006/main">
+  <p:cSld>
+    <p:spTree>
+      <p:nvGrpSpPr>
+        <p:cNvPr id="1" name=""/>
+        <p:cNvGrpSpPr/>
+        <p:nvPr/>
+      </p:nvGrpSpPr>
+      <p:grpSpPr>
+        <a:xfrm>
+          <a:off x="0" y="0"/>
+          <a:ext cx="0" cy="0"/>
+          <a:chOff x="0" y="0"/>
+          <a:chExt cx="0" cy="0"/>
+        </a:xfrm>
+      </p:grpSpPr>
+      <p:sp>
+        <p:nvSpPr>
+          <p:cNvPr id="2" name="Titel 1"/>
+          <p:cNvSpPr>
+            <a:spLocks noGrp="1"/>
+          </p:cNvSpPr>
+          <p:nvPr>
+            <p:ph type="title"/>
+          </p:nvPr>
+        </p:nvSpPr>
+        <p:spPr/>
+        <p:txBody>
+          <a:bodyPr/>
+          <a:lstStyle/>
+          <a:p>
+            <a:r>
+              <a:rPr lang="nl-NL"/>
+              <a:t>Nauwkeurigheid model</a:t>
+            </a:r>
+          </a:p>
+        </p:txBody>
+      </p:sp>
       <p:sp>
         <p:nvSpPr>
           <p:cNvPr id="5" name="Tijdelijke aanduiding voor inhoud 2"/>
@@ -6325,8 +7253,20 @@
           </a:p>
           <a:p>
             <a:r>
+              <a:rPr lang="nl-NL"/>
+              <a:t>Energie </a:t>
+            </a:r>
+            <a:r>
+              <a:rPr lang="nl-NL" smtClean="0"/>
+              <a:t>ongeveer</a:t>
+            </a:r>
+            <a:r>
+              <a:rPr lang="nl-NL" smtClean="0"/>
+              <a:t> </a:t>
+            </a:r>
+            <a:r>
               <a:rPr lang="nl-NL" dirty="0"/>
-              <a:t>Energie niet behouden</a:t>
+              <a:t>behouden</a:t>
             </a:r>
           </a:p>
         </p:txBody>
@@ -6340,13 +7280,13 @@
           <p:nvPr>
             <p:extLst>
               <p:ext uri="{D42A27DB-BD31-4B8C-83A1-F6EECF244321}">
-                <p14:modId xmlns:p14="http://schemas.microsoft.com/office/powerpoint/2010/main" val="2148159441"/>
+                <p14:modId xmlns:p14="http://schemas.microsoft.com/office/powerpoint/2010/main" val="2679953857"/>
               </p:ext>
             </p:extLst>
           </p:nvPr>
         </p:nvGraphicFramePr>
         <p:xfrm>
-          <a:off x="94436" y="5785034"/>
+          <a:off x="158840" y="4010721"/>
           <a:ext cx="11874320" cy="1044476"/>
         </p:xfrm>
         <a:graphic>
@@ -6359,56 +7299,56 @@
                 <a:gridCol w="1484290">
                   <a:extLst>
                     <a:ext uri="{9D8B030D-6E8A-4147-A177-3AD203B41FA5}">
-                      <a16:colId xmlns:a16="http://schemas.microsoft.com/office/drawing/2014/main" xmlns="" val="20000"/>
+                      <a16:colId xmlns="" xmlns:a16="http://schemas.microsoft.com/office/drawing/2014/main" val="20000"/>
                     </a:ext>
                   </a:extLst>
                 </a:gridCol>
                 <a:gridCol w="1484290">
                   <a:extLst>
                     <a:ext uri="{9D8B030D-6E8A-4147-A177-3AD203B41FA5}">
-                      <a16:colId xmlns:a16="http://schemas.microsoft.com/office/drawing/2014/main" xmlns="" val="20001"/>
+                      <a16:colId xmlns="" xmlns:a16="http://schemas.microsoft.com/office/drawing/2014/main" val="20001"/>
                     </a:ext>
                   </a:extLst>
                 </a:gridCol>
                 <a:gridCol w="1484290">
                   <a:extLst>
                     <a:ext uri="{9D8B030D-6E8A-4147-A177-3AD203B41FA5}">
-                      <a16:colId xmlns:a16="http://schemas.microsoft.com/office/drawing/2014/main" xmlns="" val="20002"/>
+                      <a16:colId xmlns="" xmlns:a16="http://schemas.microsoft.com/office/drawing/2014/main" val="20002"/>
                     </a:ext>
                   </a:extLst>
                 </a:gridCol>
                 <a:gridCol w="1484290">
                   <a:extLst>
                     <a:ext uri="{9D8B030D-6E8A-4147-A177-3AD203B41FA5}">
-                      <a16:colId xmlns:a16="http://schemas.microsoft.com/office/drawing/2014/main" xmlns="" val="20003"/>
+                      <a16:colId xmlns="" xmlns:a16="http://schemas.microsoft.com/office/drawing/2014/main" val="20003"/>
                     </a:ext>
                   </a:extLst>
                 </a:gridCol>
                 <a:gridCol w="1484290">
                   <a:extLst>
                     <a:ext uri="{9D8B030D-6E8A-4147-A177-3AD203B41FA5}">
-                      <a16:colId xmlns:a16="http://schemas.microsoft.com/office/drawing/2014/main" xmlns="" val="20004"/>
+                      <a16:colId xmlns="" xmlns:a16="http://schemas.microsoft.com/office/drawing/2014/main" val="20004"/>
                     </a:ext>
                   </a:extLst>
                 </a:gridCol>
                 <a:gridCol w="1484290">
                   <a:extLst>
                     <a:ext uri="{9D8B030D-6E8A-4147-A177-3AD203B41FA5}">
-                      <a16:colId xmlns:a16="http://schemas.microsoft.com/office/drawing/2014/main" xmlns="" val="20005"/>
+                      <a16:colId xmlns="" xmlns:a16="http://schemas.microsoft.com/office/drawing/2014/main" val="20005"/>
                     </a:ext>
                   </a:extLst>
                 </a:gridCol>
                 <a:gridCol w="1484290">
                   <a:extLst>
                     <a:ext uri="{9D8B030D-6E8A-4147-A177-3AD203B41FA5}">
-                      <a16:colId xmlns:a16="http://schemas.microsoft.com/office/drawing/2014/main" xmlns="" val="20006"/>
+                      <a16:colId xmlns="" xmlns:a16="http://schemas.microsoft.com/office/drawing/2014/main" val="20006"/>
                     </a:ext>
                   </a:extLst>
                 </a:gridCol>
                 <a:gridCol w="1484290">
                   <a:extLst>
                     <a:ext uri="{9D8B030D-6E8A-4147-A177-3AD203B41FA5}">
-                      <a16:colId xmlns:a16="http://schemas.microsoft.com/office/drawing/2014/main" xmlns="" val="20007"/>
+                      <a16:colId xmlns="" xmlns:a16="http://schemas.microsoft.com/office/drawing/2014/main" val="20007"/>
                     </a:ext>
                   </a:extLst>
                 </a:gridCol>
@@ -6533,7 +7473,7 @@
                 </a:tc>
                 <a:extLst>
                   <a:ext uri="{0D108BD9-81ED-4DB2-BD59-A6C34878D82A}">
-                    <a16:rowId xmlns:a16="http://schemas.microsoft.com/office/drawing/2014/main" xmlns="" val="10000"/>
+                    <a16:rowId xmlns="" xmlns:a16="http://schemas.microsoft.com/office/drawing/2014/main" val="10000"/>
                   </a:ext>
                 </a:extLst>
               </a:tr>
@@ -6708,7 +7648,7 @@
                 </a:tc>
                 <a:extLst>
                   <a:ext uri="{0D108BD9-81ED-4DB2-BD59-A6C34878D82A}">
-                    <a16:rowId xmlns:a16="http://schemas.microsoft.com/office/drawing/2014/main" xmlns="" val="10001"/>
+                    <a16:rowId xmlns="" xmlns:a16="http://schemas.microsoft.com/office/drawing/2014/main" val="10001"/>
                   </a:ext>
                 </a:extLst>
               </a:tr>
@@ -6726,10 +7666,17 @@
   <p:clrMapOvr>
     <a:masterClrMapping/>
   </p:clrMapOvr>
+  <p:timing>
+    <p:tnLst>
+      <p:par>
+        <p:cTn id="1" dur="indefinite" restart="never" nodeType="tmRoot"/>
+      </p:par>
+    </p:tnLst>
+  </p:timing>
 </p:sld>
 </file>
 
-<file path=ppt/slides/slide11.xml><?xml version="1.0" encoding="utf-8"?>
+<file path=ppt/slides/slide12.xml><?xml version="1.0" encoding="utf-8"?>
 <p:sld xmlns:a="http://schemas.openxmlformats.org/drawingml/2006/main" xmlns:r="http://schemas.openxmlformats.org/officeDocument/2006/relationships" xmlns:p="http://schemas.openxmlformats.org/presentationml/2006/main">
   <p:cSld>
     <p:spTree>
@@ -6746,25 +7693,6 @@
           <a:chExt cx="0" cy="0"/>
         </a:xfrm>
       </p:grpSpPr>
-      <p:sp>
-        <p:nvSpPr>
-          <p:cNvPr id="2" name="Titel 1"/>
-          <p:cNvSpPr>
-            <a:spLocks noGrp="1"/>
-          </p:cNvSpPr>
-          <p:nvPr>
-            <p:ph type="title"/>
-          </p:nvPr>
-        </p:nvSpPr>
-        <p:spPr/>
-        <p:txBody>
-          <a:bodyPr/>
-          <a:lstStyle/>
-          <a:p>
-            <a:endParaRPr lang="nl-NL"/>
-          </a:p>
-        </p:txBody>
-      </p:sp>
       <p:pic>
         <p:nvPicPr>
           <p:cNvPr id="4" name="Tijdelijke aanduiding voor inhoud 3"/>
@@ -6789,8 +7717,8 @@
         </p:blipFill>
         <p:spPr>
           <a:xfrm>
-            <a:off x="610313" y="1938746"/>
-            <a:ext cx="5304668" cy="4351338"/>
+            <a:off x="287618" y="1529411"/>
+            <a:ext cx="5512312" cy="4644377"/>
           </a:xfrm>
         </p:spPr>
       </p:pic>
@@ -6816,8 +7744,8 @@
         </p:blipFill>
         <p:spPr>
           <a:xfrm>
-            <a:off x="6123354" y="1893722"/>
-            <a:ext cx="5403238" cy="4463132"/>
+            <a:off x="5798712" y="1682324"/>
+            <a:ext cx="5753638" cy="4252689"/>
           </a:xfrm>
           <a:prstGeom prst="rect">
             <a:avLst/>
@@ -6827,127 +7755,20 @@
     </p:spTree>
     <p:extLst>
       <p:ext uri="{BB962C8B-B14F-4D97-AF65-F5344CB8AC3E}">
-        <p14:creationId xmlns:p14="http://schemas.microsoft.com/office/powerpoint/2010/main" val="1028094166"/>
+        <p14:creationId xmlns:p14="http://schemas.microsoft.com/office/powerpoint/2010/main" val="1639046794"/>
       </p:ext>
     </p:extLst>
   </p:cSld>
   <p:clrMapOvr>
     <a:masterClrMapping/>
   </p:clrMapOvr>
-</p:sld>
-</file>
-
-<file path=ppt/slides/slide12.xml><?xml version="1.0" encoding="utf-8"?>
-<p:sld xmlns:a="http://schemas.openxmlformats.org/drawingml/2006/main" xmlns:r="http://schemas.openxmlformats.org/officeDocument/2006/relationships" xmlns:p="http://schemas.openxmlformats.org/presentationml/2006/main">
-  <p:cSld>
-    <p:spTree>
-      <p:nvGrpSpPr>
-        <p:cNvPr id="1" name=""/>
-        <p:cNvGrpSpPr/>
-        <p:nvPr/>
-      </p:nvGrpSpPr>
-      <p:grpSpPr>
-        <a:xfrm>
-          <a:off x="0" y="0"/>
-          <a:ext cx="0" cy="0"/>
-          <a:chOff x="0" y="0"/>
-          <a:chExt cx="0" cy="0"/>
-        </a:xfrm>
-      </p:grpSpPr>
-      <p:sp>
-        <p:nvSpPr>
-          <p:cNvPr id="2" name="Titel 1"/>
-          <p:cNvSpPr>
-            <a:spLocks noGrp="1"/>
-          </p:cNvSpPr>
-          <p:nvPr>
-            <p:ph type="title"/>
-          </p:nvPr>
-        </p:nvSpPr>
-        <p:spPr/>
-        <p:txBody>
-          <a:bodyPr/>
-          <a:lstStyle/>
-          <a:p>
-            <a:r>
-              <a:rPr lang="nl-NL" dirty="0"/>
-              <a:t>Conclusie</a:t>
-            </a:r>
-          </a:p>
-        </p:txBody>
-      </p:sp>
-      <p:sp>
-        <p:nvSpPr>
-          <p:cNvPr id="3" name="Tijdelijke aanduiding voor inhoud 2"/>
-          <p:cNvSpPr>
-            <a:spLocks noGrp="1"/>
-          </p:cNvSpPr>
-          <p:nvPr>
-            <p:ph idx="1"/>
-          </p:nvPr>
-        </p:nvSpPr>
-        <p:spPr/>
-        <p:txBody>
-          <a:bodyPr/>
-          <a:lstStyle/>
-          <a:p>
-            <a:r>
-              <a:rPr lang="nl-NL" dirty="0"/>
-              <a:t>Barnes-Hut voor sneller programma</a:t>
-            </a:r>
-          </a:p>
-          <a:p>
-            <a:r>
-              <a:rPr lang="nl-NL" dirty="0" err="1"/>
-              <a:t>Leapfrog</a:t>
-            </a:r>
-            <a:r>
-              <a:rPr lang="nl-NL" dirty="0"/>
-              <a:t> voor goede integratie</a:t>
-            </a:r>
-          </a:p>
-          <a:p>
-            <a:endParaRPr lang="nl-NL" dirty="0"/>
-          </a:p>
-          <a:p>
-            <a:r>
-              <a:rPr lang="nl-NL" dirty="0"/>
-              <a:t>Aantal planeten bereikt equilibrium</a:t>
-            </a:r>
-          </a:p>
-          <a:p>
-            <a:r>
-              <a:rPr lang="nl-NL" dirty="0"/>
-              <a:t>Voor groot aantal beginlichamen geen invloed</a:t>
-            </a:r>
-          </a:p>
-          <a:p>
-            <a:endParaRPr lang="nl-NL" dirty="0"/>
-          </a:p>
-          <a:p>
-            <a:r>
-              <a:rPr lang="nl-NL" dirty="0"/>
-              <a:t>Model nauwkeurig genoeg</a:t>
-            </a:r>
-          </a:p>
-          <a:p>
-            <a:endParaRPr lang="nl-NL" dirty="0"/>
-          </a:p>
-          <a:p>
-            <a:endParaRPr lang="nl-NL" dirty="0"/>
-          </a:p>
-        </p:txBody>
-      </p:sp>
-    </p:spTree>
-    <p:extLst>
-      <p:ext uri="{BB962C8B-B14F-4D97-AF65-F5344CB8AC3E}">
-        <p14:creationId xmlns:p14="http://schemas.microsoft.com/office/powerpoint/2010/main" val="2551201508"/>
-      </p:ext>
-    </p:extLst>
-  </p:cSld>
-  <p:clrMapOvr>
-    <a:masterClrMapping/>
-  </p:clrMapOvr>
+  <p:timing>
+    <p:tnLst>
+      <p:par>
+        <p:cTn id="1" dur="indefinite" restart="never" nodeType="tmRoot"/>
+      </p:par>
+    </p:tnLst>
+  </p:timing>
 </p:sld>
 </file>
 
@@ -6968,6 +7789,223 @@
           <a:chExt cx="0" cy="0"/>
         </a:xfrm>
       </p:grpSpPr>
+      <p:pic>
+        <p:nvPicPr>
+          <p:cNvPr id="4" name="Tijdelijke aanduiding voor inhoud 3"/>
+          <p:cNvPicPr>
+            <a:picLocks noGrp="1" noChangeAspect="1"/>
+          </p:cNvPicPr>
+          <p:nvPr>
+            <p:ph idx="1"/>
+          </p:nvPr>
+        </p:nvPicPr>
+        <p:blipFill>
+          <a:blip r:embed="rId2">
+            <a:extLst>
+              <a:ext uri="{28A0092B-C50C-407E-A947-70E740481C1C}">
+                <a14:useLocalDpi xmlns:a14="http://schemas.microsoft.com/office/drawing/2010/main" val="0"/>
+              </a:ext>
+            </a:extLst>
+          </a:blip>
+          <a:stretch>
+            <a:fillRect/>
+          </a:stretch>
+        </p:blipFill>
+        <p:spPr>
+          <a:xfrm>
+            <a:off x="610313" y="1938746"/>
+            <a:ext cx="5304668" cy="4351338"/>
+          </a:xfrm>
+        </p:spPr>
+      </p:pic>
+      <p:pic>
+        <p:nvPicPr>
+          <p:cNvPr id="5" name="Afbeelding 4"/>
+          <p:cNvPicPr>
+            <a:picLocks noChangeAspect="1"/>
+          </p:cNvPicPr>
+          <p:nvPr/>
+        </p:nvPicPr>
+        <p:blipFill>
+          <a:blip r:embed="rId3">
+            <a:extLst>
+              <a:ext uri="{28A0092B-C50C-407E-A947-70E740481C1C}">
+                <a14:useLocalDpi xmlns:a14="http://schemas.microsoft.com/office/drawing/2010/main" val="0"/>
+              </a:ext>
+            </a:extLst>
+          </a:blip>
+          <a:stretch>
+            <a:fillRect/>
+          </a:stretch>
+        </p:blipFill>
+        <p:spPr>
+          <a:xfrm>
+            <a:off x="6123354" y="1893722"/>
+            <a:ext cx="5403238" cy="4463132"/>
+          </a:xfrm>
+          <a:prstGeom prst="rect">
+            <a:avLst/>
+          </a:prstGeom>
+        </p:spPr>
+      </p:pic>
+    </p:spTree>
+    <p:extLst>
+      <p:ext uri="{BB962C8B-B14F-4D97-AF65-F5344CB8AC3E}">
+        <p14:creationId xmlns:p14="http://schemas.microsoft.com/office/powerpoint/2010/main" val="1028094166"/>
+      </p:ext>
+    </p:extLst>
+  </p:cSld>
+  <p:clrMapOvr>
+    <a:masterClrMapping/>
+  </p:clrMapOvr>
+  <p:timing>
+    <p:tnLst>
+      <p:par>
+        <p:cTn id="1" dur="indefinite" restart="never" nodeType="tmRoot"/>
+      </p:par>
+    </p:tnLst>
+  </p:timing>
+</p:sld>
+</file>
+
+<file path=ppt/slides/slide14.xml><?xml version="1.0" encoding="utf-8"?>
+<p:sld xmlns:a="http://schemas.openxmlformats.org/drawingml/2006/main" xmlns:r="http://schemas.openxmlformats.org/officeDocument/2006/relationships" xmlns:p="http://schemas.openxmlformats.org/presentationml/2006/main">
+  <p:cSld>
+    <p:spTree>
+      <p:nvGrpSpPr>
+        <p:cNvPr id="1" name=""/>
+        <p:cNvGrpSpPr/>
+        <p:nvPr/>
+      </p:nvGrpSpPr>
+      <p:grpSpPr>
+        <a:xfrm>
+          <a:off x="0" y="0"/>
+          <a:ext cx="0" cy="0"/>
+          <a:chOff x="0" y="0"/>
+          <a:chExt cx="0" cy="0"/>
+        </a:xfrm>
+      </p:grpSpPr>
+      <p:sp>
+        <p:nvSpPr>
+          <p:cNvPr id="2" name="Titel 1"/>
+          <p:cNvSpPr>
+            <a:spLocks noGrp="1"/>
+          </p:cNvSpPr>
+          <p:nvPr>
+            <p:ph type="title"/>
+          </p:nvPr>
+        </p:nvSpPr>
+        <p:spPr/>
+        <p:txBody>
+          <a:bodyPr/>
+          <a:lstStyle/>
+          <a:p>
+            <a:r>
+              <a:rPr lang="nl-NL" dirty="0"/>
+              <a:t>Conclusie</a:t>
+            </a:r>
+          </a:p>
+        </p:txBody>
+      </p:sp>
+      <p:sp>
+        <p:nvSpPr>
+          <p:cNvPr id="3" name="Tijdelijke aanduiding voor inhoud 2"/>
+          <p:cNvSpPr>
+            <a:spLocks noGrp="1"/>
+          </p:cNvSpPr>
+          <p:nvPr>
+            <p:ph idx="1"/>
+          </p:nvPr>
+        </p:nvSpPr>
+        <p:spPr/>
+        <p:txBody>
+          <a:bodyPr/>
+          <a:lstStyle/>
+          <a:p>
+            <a:r>
+              <a:rPr lang="nl-NL" dirty="0"/>
+              <a:t>Barnes-Hut voor sneller programma</a:t>
+            </a:r>
+          </a:p>
+          <a:p>
+            <a:r>
+              <a:rPr lang="nl-NL" dirty="0" err="1"/>
+              <a:t>Leapfrog</a:t>
+            </a:r>
+            <a:r>
+              <a:rPr lang="nl-NL" dirty="0"/>
+              <a:t> voor goede integratie</a:t>
+            </a:r>
+          </a:p>
+          <a:p>
+            <a:endParaRPr lang="nl-NL" dirty="0"/>
+          </a:p>
+          <a:p>
+            <a:r>
+              <a:rPr lang="nl-NL" dirty="0"/>
+              <a:t>Aantal planeten bereikt equilibrium</a:t>
+            </a:r>
+          </a:p>
+          <a:p>
+            <a:r>
+              <a:rPr lang="nl-NL" dirty="0"/>
+              <a:t>Voor groot aantal beginlichamen geen invloed</a:t>
+            </a:r>
+          </a:p>
+          <a:p>
+            <a:endParaRPr lang="nl-NL" dirty="0"/>
+          </a:p>
+          <a:p>
+            <a:r>
+              <a:rPr lang="nl-NL" dirty="0"/>
+              <a:t>Model nauwkeurig genoeg</a:t>
+            </a:r>
+          </a:p>
+          <a:p>
+            <a:endParaRPr lang="nl-NL" dirty="0"/>
+          </a:p>
+          <a:p>
+            <a:endParaRPr lang="nl-NL" dirty="0"/>
+          </a:p>
+        </p:txBody>
+      </p:sp>
+    </p:spTree>
+    <p:extLst>
+      <p:ext uri="{BB962C8B-B14F-4D97-AF65-F5344CB8AC3E}">
+        <p14:creationId xmlns:p14="http://schemas.microsoft.com/office/powerpoint/2010/main" val="2551201508"/>
+      </p:ext>
+    </p:extLst>
+  </p:cSld>
+  <p:clrMapOvr>
+    <a:masterClrMapping/>
+  </p:clrMapOvr>
+  <p:timing>
+    <p:tnLst>
+      <p:par>
+        <p:cTn id="1" dur="indefinite" restart="never" nodeType="tmRoot"/>
+      </p:par>
+    </p:tnLst>
+  </p:timing>
+</p:sld>
+</file>
+
+<file path=ppt/slides/slide15.xml><?xml version="1.0" encoding="utf-8"?>
+<p:sld xmlns:a="http://schemas.openxmlformats.org/drawingml/2006/main" xmlns:r="http://schemas.openxmlformats.org/officeDocument/2006/relationships" xmlns:p="http://schemas.openxmlformats.org/presentationml/2006/main">
+  <p:cSld>
+    <p:spTree>
+      <p:nvGrpSpPr>
+        <p:cNvPr id="1" name=""/>
+        <p:cNvGrpSpPr/>
+        <p:nvPr/>
+      </p:nvGrpSpPr>
+      <p:grpSpPr>
+        <a:xfrm>
+          <a:off x="0" y="0"/>
+          <a:ext cx="0" cy="0"/>
+          <a:chOff x="0" y="0"/>
+          <a:chExt cx="0" cy="0"/>
+        </a:xfrm>
+      </p:grpSpPr>
       <p:sp>
         <p:nvSpPr>
           <p:cNvPr id="2" name="Titel 1"/>
@@ -7019,6 +8057,13 @@
   <p:clrMapOvr>
     <a:masterClrMapping/>
   </p:clrMapOvr>
+  <p:timing>
+    <p:tnLst>
+      <p:par>
+        <p:cTn id="1" dur="indefinite" restart="never" nodeType="tmRoot"/>
+      </p:par>
+    </p:tnLst>
+  </p:timing>
 </p:sld>
 </file>
 
@@ -7120,6 +8165,13 @@
   <p:clrMapOvr>
     <a:masterClrMapping/>
   </p:clrMapOvr>
+  <p:timing>
+    <p:tnLst>
+      <p:par>
+        <p:cTn id="1" dur="indefinite" restart="never" nodeType="tmRoot"/>
+      </p:par>
+    </p:tnLst>
+  </p:timing>
 </p:sld>
 </file>
 
@@ -7227,6 +8279,13 @@
   <p:clrMapOvr>
     <a:masterClrMapping/>
   </p:clrMapOvr>
+  <p:timing>
+    <p:tnLst>
+      <p:par>
+        <p:cTn id="1" dur="indefinite" restart="never" nodeType="tmRoot"/>
+      </p:par>
+    </p:tnLst>
+  </p:timing>
 </p:sld>
 </file>
 
@@ -7934,6 +8993,13 @@
   <p:clrMapOvr>
     <a:masterClrMapping/>
   </p:clrMapOvr>
+  <p:timing>
+    <p:tnLst>
+      <p:par>
+        <p:cTn id="1" dur="indefinite" restart="never" nodeType="tmRoot"/>
+      </p:par>
+    </p:tnLst>
+  </p:timing>
 </p:sld>
 </file>
 
@@ -8008,19 +9074,99 @@
               <a:p>
                 <a:r>
                   <a:rPr lang="nl-NL"/>
-                  <a:t>Stabiel voor oscillaties</a:t>
+                  <a:t>Stabiel voor </a:t>
+                </a:r>
+                <a:r>
+                  <a:rPr lang="nl-NL" smtClean="0"/>
+                  <a:t>oscillaties</a:t>
                 </a:r>
               </a:p>
               <a:p>
                 <a:pPr lvl="1"/>
+                <a14:m>
+                  <m:oMath xmlns:m="http://schemas.openxmlformats.org/officeDocument/2006/math">
+                    <m:r>
+                      <a:rPr lang="nl-NL" sz="2400" i="1">
+                        <a:latin typeface="Cambria Math"/>
+                        <a:ea typeface="Cambria Math"/>
+                      </a:rPr>
+                      <m:t>∆</m:t>
+                    </m:r>
+                    <m:r>
+                      <a:rPr lang="nl-NL" sz="2400" i="1">
+                        <a:latin typeface="Cambria Math"/>
+                        <a:ea typeface="Cambria Math"/>
+                      </a:rPr>
+                      <m:t>𝑡</m:t>
+                    </m:r>
+                    <m:r>
+                      <a:rPr lang="nl-NL" sz="2400" i="1">
+                        <a:latin typeface="Cambria Math"/>
+                        <a:ea typeface="Cambria Math"/>
+                      </a:rPr>
+                      <m:t>≤</m:t>
+                    </m:r>
+                    <m:f>
+                      <m:fPr>
+                        <m:ctrlPr>
+                          <a:rPr lang="nl-NL" sz="2400" i="1">
+                            <a:latin typeface="Cambria Math"/>
+                            <a:ea typeface="Cambria Math"/>
+                          </a:rPr>
+                        </m:ctrlPr>
+                      </m:fPr>
+                      <m:num>
+                        <m:r>
+                          <a:rPr lang="nl-NL" sz="2400" i="1">
+                            <a:latin typeface="Cambria Math"/>
+                            <a:ea typeface="Cambria Math"/>
+                          </a:rPr>
+                          <m:t>2</m:t>
+                        </m:r>
+                      </m:num>
+                      <m:den>
+                        <m:r>
+                          <a:rPr lang="nl-NL" sz="2400" i="1">
+                            <a:latin typeface="Cambria Math"/>
+                            <a:ea typeface="Cambria Math"/>
+                          </a:rPr>
+                          <m:t>𝜔</m:t>
+                        </m:r>
+                      </m:den>
+                    </m:f>
+                    <m:r>
+                      <a:rPr lang="nl-NL" sz="2400" b="0" i="0" smtClean="0">
+                        <a:latin typeface="Cambria Math"/>
+                        <a:ea typeface="Cambria Math"/>
+                      </a:rPr>
+                      <m:t> ,</m:t>
+                    </m:r>
+                  </m:oMath>
+                </a14:m>
                 <a:r>
-                  <a:rPr lang="nl-NL"/>
-                  <a:t>Dus ook voor cirkelbewegingen</a:t>
+                  <a:rPr lang="nl-NL" smtClean="0"/>
+                  <a:t> </a:t>
                 </a:r>
+                <a14:m>
+                  <m:oMath xmlns:m="http://schemas.openxmlformats.org/officeDocument/2006/math">
+                    <m:r>
+                      <a:rPr lang="nl-NL" sz="2400" i="1">
+                        <a:latin typeface="Cambria Math"/>
+                        <a:ea typeface="Cambria Math"/>
+                      </a:rPr>
+                      <m:t>𝜔</m:t>
+                    </m:r>
+                  </m:oMath>
+                </a14:m>
+                <a:r>
+                  <a:rPr lang="nl-NL" smtClean="0"/>
+                  <a:t>: hoekfrequentie</a:t>
+                </a:r>
+                <a:endParaRPr lang="nl-NL"/>
               </a:p>
               <a:p>
                 <a:r>
-                  <a:rPr lang="nl-NL"/>
+                  <a:rPr lang="nl-NL" smtClean="0"/>
                   <a:t>Formule</a:t>
                 </a:r>
                 <a:r>
@@ -8472,6 +9618,13 @@
   <p:clrMapOvr>
     <a:masterClrMapping/>
   </p:clrMapOvr>
+  <p:timing>
+    <p:tnLst>
+      <p:par>
+        <p:cTn id="1" dur="indefinite" restart="never" nodeType="tmRoot"/>
+      </p:par>
+    </p:tnLst>
+  </p:timing>
 </p:sld>
 </file>
 
@@ -8642,10 +9795,1197 @@
   <p:clrMapOvr>
     <a:masterClrMapping/>
   </p:clrMapOvr>
+  <p:timing>
+    <p:tnLst>
+      <p:par>
+        <p:cTn id="1" dur="indefinite" restart="never" nodeType="tmRoot"/>
+      </p:par>
+    </p:tnLst>
+  </p:timing>
 </p:sld>
 </file>
 
 <file path=ppt/slides/slide7.xml><?xml version="1.0" encoding="utf-8"?>
+<p:sld xmlns:a="http://schemas.openxmlformats.org/drawingml/2006/main" xmlns:r="http://schemas.openxmlformats.org/officeDocument/2006/relationships" xmlns:p="http://schemas.openxmlformats.org/presentationml/2006/main">
+  <p:cSld>
+    <p:spTree>
+      <p:nvGrpSpPr>
+        <p:cNvPr id="1" name="Shape 183"/>
+        <p:cNvGrpSpPr/>
+        <p:nvPr/>
+      </p:nvGrpSpPr>
+      <p:grpSpPr>
+        <a:xfrm>
+          <a:off x="0" y="0"/>
+          <a:ext cx="0" cy="0"/>
+          <a:chOff x="0" y="0"/>
+          <a:chExt cx="0" cy="0"/>
+        </a:xfrm>
+      </p:grpSpPr>
+      <p:pic>
+        <p:nvPicPr>
+          <p:cNvPr id="184" name="Shape 184" descr="barneshut_map_snelheid.png"/>
+          <p:cNvPicPr preferRelativeResize="0"/>
+          <p:nvPr/>
+        </p:nvPicPr>
+        <p:blipFill>
+          <a:blip r:embed="rId3">
+            <a:alphaModFix/>
+          </a:blip>
+          <a:stretch>
+            <a:fillRect/>
+          </a:stretch>
+        </p:blipFill>
+        <p:spPr>
+          <a:xfrm>
+            <a:off x="7572375" y="2064237"/>
+            <a:ext cx="3933825" cy="3933825"/>
+          </a:xfrm>
+          <a:prstGeom prst="rect">
+            <a:avLst/>
+          </a:prstGeom>
+          <a:noFill/>
+          <a:ln>
+            <a:noFill/>
+          </a:ln>
+        </p:spPr>
+      </p:pic>
+      <p:sp>
+        <p:nvSpPr>
+          <p:cNvPr id="185" name="Shape 185"/>
+          <p:cNvSpPr txBox="1">
+            <a:spLocks noGrp="1"/>
+          </p:cNvSpPr>
+          <p:nvPr>
+            <p:ph type="title"/>
+          </p:nvPr>
+        </p:nvSpPr>
+        <p:spPr>
+          <a:xfrm>
+            <a:off x="2895600" y="764372"/>
+            <a:ext cx="8610599" cy="1293027"/>
+          </a:xfrm>
+          <a:prstGeom prst="rect">
+            <a:avLst/>
+          </a:prstGeom>
+          <a:noFill/>
+          <a:ln>
+            <a:noFill/>
+          </a:ln>
+        </p:spPr>
+        <p:txBody>
+          <a:bodyPr lIns="91425" tIns="45700" rIns="91425" bIns="45700" anchor="ctr" anchorCtr="0">
+            <a:noAutofit/>
+          </a:bodyPr>
+          <a:lstStyle/>
+          <a:p>
+            <a:pPr marL="0" marR="0" lvl="0" indent="0" algn="r" rtl="0">
+              <a:lnSpc>
+                <a:spcPct val="90000"/>
+              </a:lnSpc>
+              <a:spcBef>
+                <a:spcPts val="0"/>
+              </a:spcBef>
+              <a:buClr>
+                <a:schemeClr val="dk1"/>
+              </a:buClr>
+              <a:buSzPct val="25000"/>
+              <a:buFont typeface="Century Gothic"/>
+              <a:buNone/>
+            </a:pPr>
+            <a:r>
+              <a:rPr lang="nl-NL" sz="4000" b="0" i="0" u="none" strike="noStrike" cap="none">
+                <a:solidFill>
+                  <a:schemeClr val="dk1"/>
+                </a:solidFill>
+                <a:latin typeface="Century Gothic"/>
+                <a:ea typeface="Century Gothic"/>
+                <a:cs typeface="Century Gothic"/>
+                <a:sym typeface="Century Gothic"/>
+              </a:rPr>
+              <a:t>BARNES-HUT VOOR BOTSINGEN</a:t>
+            </a:r>
+          </a:p>
+        </p:txBody>
+      </p:sp>
+      <p:sp>
+        <p:nvSpPr>
+          <p:cNvPr id="186" name="Shape 186"/>
+          <p:cNvSpPr txBox="1">
+            <a:spLocks noGrp="1"/>
+          </p:cNvSpPr>
+          <p:nvPr>
+            <p:ph type="body" idx="1"/>
+          </p:nvPr>
+        </p:nvSpPr>
+        <p:spPr>
+          <a:xfrm>
+            <a:off x="838200" y="1825210"/>
+            <a:ext cx="4998155" cy="4654198"/>
+          </a:xfrm>
+          <a:prstGeom prst="rect">
+            <a:avLst/>
+          </a:prstGeom>
+          <a:noFill/>
+          <a:ln>
+            <a:noFill/>
+          </a:ln>
+        </p:spPr>
+        <p:txBody>
+          <a:bodyPr lIns="91425" tIns="45700" rIns="91425" bIns="45700" anchor="t" anchorCtr="0">
+            <a:noAutofit/>
+          </a:bodyPr>
+          <a:lstStyle/>
+          <a:p>
+            <a:pPr marL="228600" marR="0" lvl="0" indent="-228600" algn="l" rtl="0">
+              <a:lnSpc>
+                <a:spcPct val="90000"/>
+              </a:lnSpc>
+              <a:spcBef>
+                <a:spcPts val="0"/>
+              </a:spcBef>
+              <a:spcAft>
+                <a:spcPts val="0"/>
+              </a:spcAft>
+              <a:buClr>
+                <a:schemeClr val="dk1"/>
+              </a:buClr>
+              <a:buSzPct val="100000"/>
+              <a:buFont typeface="Arial"/>
+              <a:buChar char="•"/>
+            </a:pPr>
+            <a:r>
+              <a:rPr lang="nl-NL" sz="2200" b="0" i="0" u="none" strike="noStrike" cap="none">
+                <a:solidFill>
+                  <a:schemeClr val="dk1"/>
+                </a:solidFill>
+                <a:latin typeface="Century Gothic"/>
+                <a:ea typeface="Century Gothic"/>
+                <a:cs typeface="Century Gothic"/>
+                <a:sym typeface="Century Gothic"/>
+              </a:rPr>
+              <a:t>Langzaam model; orde N²</a:t>
+            </a:r>
+          </a:p>
+          <a:p>
+            <a:pPr marL="228600" marR="0" lvl="0" indent="-228600" algn="l" rtl="0">
+              <a:lnSpc>
+                <a:spcPct val="90000"/>
+              </a:lnSpc>
+              <a:spcBef>
+                <a:spcPts val="1000"/>
+              </a:spcBef>
+              <a:spcAft>
+                <a:spcPts val="0"/>
+              </a:spcAft>
+              <a:buClr>
+                <a:schemeClr val="dk1"/>
+              </a:buClr>
+              <a:buSzPct val="100000"/>
+              <a:buFont typeface="Arial"/>
+              <a:buChar char="•"/>
+            </a:pPr>
+            <a:r>
+              <a:rPr lang="nl-NL" sz="2200" b="0" i="0" u="none" strike="noStrike" cap="none">
+                <a:solidFill>
+                  <a:schemeClr val="dk1"/>
+                </a:solidFill>
+                <a:latin typeface="Century Gothic"/>
+                <a:ea typeface="Century Gothic"/>
+                <a:cs typeface="Century Gothic"/>
+                <a:sym typeface="Century Gothic"/>
+              </a:rPr>
+              <a:t>Rond elk deeltje rechthoek met grenzen gebaseerd op straal en snelheid</a:t>
+            </a:r>
+          </a:p>
+          <a:p>
+            <a:pPr marL="228600" marR="0" lvl="0" indent="-228600" algn="l" rtl="0">
+              <a:lnSpc>
+                <a:spcPct val="90000"/>
+              </a:lnSpc>
+              <a:spcBef>
+                <a:spcPts val="1000"/>
+              </a:spcBef>
+              <a:spcAft>
+                <a:spcPts val="0"/>
+              </a:spcAft>
+              <a:buClr>
+                <a:schemeClr val="dk1"/>
+              </a:buClr>
+              <a:buSzPct val="100000"/>
+              <a:buFont typeface="Arial"/>
+              <a:buChar char="•"/>
+            </a:pPr>
+            <a:r>
+              <a:rPr lang="nl-NL" sz="2200" b="0" i="0" u="none" strike="noStrike" cap="none">
+                <a:solidFill>
+                  <a:schemeClr val="dk1"/>
+                </a:solidFill>
+                <a:latin typeface="Century Gothic"/>
+                <a:ea typeface="Century Gothic"/>
+                <a:cs typeface="Century Gothic"/>
+                <a:sym typeface="Century Gothic"/>
+              </a:rPr>
+              <a:t>Botsing mogelijk als en slechts als rechthoeken overlappen</a:t>
+            </a:r>
+          </a:p>
+          <a:p>
+            <a:pPr marL="228600" marR="0" lvl="0" indent="-228600" algn="l" rtl="0">
+              <a:lnSpc>
+                <a:spcPct val="90000"/>
+              </a:lnSpc>
+              <a:spcBef>
+                <a:spcPts val="1000"/>
+              </a:spcBef>
+              <a:spcAft>
+                <a:spcPts val="0"/>
+              </a:spcAft>
+              <a:buClr>
+                <a:schemeClr val="dk1"/>
+              </a:buClr>
+              <a:buSzPct val="100000"/>
+              <a:buFont typeface="Arial"/>
+              <a:buChar char="•"/>
+            </a:pPr>
+            <a:r>
+              <a:rPr lang="nl-NL" sz="2200" b="0" i="0" u="none" strike="noStrike" cap="none">
+                <a:solidFill>
+                  <a:schemeClr val="dk1"/>
+                </a:solidFill>
+                <a:latin typeface="Century Gothic"/>
+                <a:ea typeface="Century Gothic"/>
+                <a:cs typeface="Century Gothic"/>
+                <a:sym typeface="Century Gothic"/>
+              </a:rPr>
+              <a:t>Barnes-Hut boom: minimum van de minima, maximum van de maxima</a:t>
+            </a:r>
+          </a:p>
+          <a:p>
+            <a:pPr marL="228600" marR="0" lvl="0" indent="-228600" algn="l" rtl="0">
+              <a:lnSpc>
+                <a:spcPct val="90000"/>
+              </a:lnSpc>
+              <a:spcBef>
+                <a:spcPts val="1000"/>
+              </a:spcBef>
+              <a:spcAft>
+                <a:spcPts val="0"/>
+              </a:spcAft>
+              <a:buClr>
+                <a:schemeClr val="dk1"/>
+              </a:buClr>
+              <a:buSzPct val="100000"/>
+              <a:buFont typeface="Arial"/>
+              <a:buChar char="•"/>
+            </a:pPr>
+            <a:r>
+              <a:rPr lang="nl-NL" sz="2200" b="0" i="0" u="none" strike="noStrike" cap="none">
+                <a:solidFill>
+                  <a:schemeClr val="dk1"/>
+                </a:solidFill>
+                <a:latin typeface="Century Gothic"/>
+                <a:ea typeface="Century Gothic"/>
+                <a:cs typeface="Century Gothic"/>
+                <a:sym typeface="Century Gothic"/>
+              </a:rPr>
+              <a:t>Algoritme wel exact</a:t>
+            </a:r>
+          </a:p>
+          <a:p>
+            <a:pPr marL="228600" marR="0" lvl="0" indent="-228600" algn="l" rtl="0">
+              <a:lnSpc>
+                <a:spcPct val="90000"/>
+              </a:lnSpc>
+              <a:spcBef>
+                <a:spcPts val="1000"/>
+              </a:spcBef>
+              <a:buClr>
+                <a:schemeClr val="dk1"/>
+              </a:buClr>
+              <a:buSzPct val="100000"/>
+              <a:buFont typeface="Arial"/>
+              <a:buChar char="•"/>
+            </a:pPr>
+            <a:r>
+              <a:rPr lang="nl-NL" sz="2200" b="0" i="0" u="none" strike="noStrike" cap="none">
+                <a:solidFill>
+                  <a:schemeClr val="dk1"/>
+                </a:solidFill>
+                <a:latin typeface="Century Gothic"/>
+                <a:ea typeface="Century Gothic"/>
+                <a:cs typeface="Century Gothic"/>
+                <a:sym typeface="Century Gothic"/>
+              </a:rPr>
+              <a:t>orde N· log(N)</a:t>
+            </a:r>
+          </a:p>
+        </p:txBody>
+      </p:sp>
+      <p:pic>
+        <p:nvPicPr>
+          <p:cNvPr id="187" name="Shape 187"/>
+          <p:cNvPicPr preferRelativeResize="0"/>
+          <p:nvPr/>
+        </p:nvPicPr>
+        <p:blipFill rotWithShape="1">
+          <a:blip r:embed="rId4">
+            <a:alphaModFix/>
+          </a:blip>
+          <a:srcRect/>
+          <a:stretch/>
+        </p:blipFill>
+        <p:spPr>
+          <a:xfrm>
+            <a:off x="4307441" y="5140371"/>
+            <a:ext cx="2809476" cy="1717628"/>
+          </a:xfrm>
+          <a:prstGeom prst="rect">
+            <a:avLst/>
+          </a:prstGeom>
+          <a:noFill/>
+          <a:ln>
+            <a:noFill/>
+          </a:ln>
+        </p:spPr>
+      </p:pic>
+      <p:sp>
+        <p:nvSpPr>
+          <p:cNvPr id="188" name="Shape 188"/>
+          <p:cNvSpPr/>
+          <p:nvPr/>
+        </p:nvSpPr>
+        <p:spPr>
+          <a:xfrm>
+            <a:off x="9985750" y="4148175"/>
+            <a:ext cx="411900" cy="153600"/>
+          </a:xfrm>
+          <a:prstGeom prst="rect">
+            <a:avLst/>
+          </a:prstGeom>
+          <a:noFill/>
+          <a:ln w="19050" cap="flat" cmpd="sng">
+            <a:solidFill>
+              <a:srgbClr val="FF0000"/>
+            </a:solidFill>
+            <a:prstDash val="solid"/>
+            <a:round/>
+            <a:headEnd type="none" w="med" len="med"/>
+            <a:tailEnd type="none" w="med" len="med"/>
+          </a:ln>
+        </p:spPr>
+        <p:txBody>
+          <a:bodyPr lIns="91425" tIns="91425" rIns="91425" bIns="91425" anchor="ctr" anchorCtr="0">
+            <a:noAutofit/>
+          </a:bodyPr>
+          <a:lstStyle/>
+          <a:p>
+            <a:pPr lvl="0">
+              <a:spcBef>
+                <a:spcPts val="0"/>
+              </a:spcBef>
+              <a:buNone/>
+            </a:pPr>
+            <a:endParaRPr/>
+          </a:p>
+        </p:txBody>
+      </p:sp>
+      <p:sp>
+        <p:nvSpPr>
+          <p:cNvPr id="189" name="Shape 189"/>
+          <p:cNvSpPr/>
+          <p:nvPr/>
+        </p:nvSpPr>
+        <p:spPr>
+          <a:xfrm>
+            <a:off x="9838125" y="4012400"/>
+            <a:ext cx="265500" cy="426300"/>
+          </a:xfrm>
+          <a:prstGeom prst="rect">
+            <a:avLst/>
+          </a:prstGeom>
+          <a:noFill/>
+          <a:ln w="19050" cap="flat" cmpd="sng">
+            <a:solidFill>
+              <a:srgbClr val="FF0000"/>
+            </a:solidFill>
+            <a:prstDash val="solid"/>
+            <a:round/>
+            <a:headEnd type="none" w="med" len="med"/>
+            <a:tailEnd type="none" w="med" len="med"/>
+          </a:ln>
+        </p:spPr>
+        <p:txBody>
+          <a:bodyPr lIns="91425" tIns="91425" rIns="91425" bIns="91425" anchor="ctr" anchorCtr="0">
+            <a:noAutofit/>
+          </a:bodyPr>
+          <a:lstStyle/>
+          <a:p>
+            <a:pPr lvl="0" rtl="0">
+              <a:spcBef>
+                <a:spcPts val="0"/>
+              </a:spcBef>
+              <a:buNone/>
+            </a:pPr>
+            <a:endParaRPr/>
+          </a:p>
+        </p:txBody>
+      </p:sp>
+      <p:sp>
+        <p:nvSpPr>
+          <p:cNvPr id="190" name="Shape 190"/>
+          <p:cNvSpPr/>
+          <p:nvPr/>
+        </p:nvSpPr>
+        <p:spPr>
+          <a:xfrm>
+            <a:off x="11091875" y="3752850"/>
+            <a:ext cx="195300" cy="359400"/>
+          </a:xfrm>
+          <a:prstGeom prst="rect">
+            <a:avLst/>
+          </a:prstGeom>
+          <a:noFill/>
+          <a:ln w="19050" cap="flat" cmpd="sng">
+            <a:solidFill>
+              <a:srgbClr val="FF0000"/>
+            </a:solidFill>
+            <a:prstDash val="solid"/>
+            <a:round/>
+            <a:headEnd type="none" w="med" len="med"/>
+            <a:tailEnd type="none" w="med" len="med"/>
+          </a:ln>
+        </p:spPr>
+        <p:txBody>
+          <a:bodyPr lIns="91425" tIns="91425" rIns="91425" bIns="91425" anchor="ctr" anchorCtr="0">
+            <a:noAutofit/>
+          </a:bodyPr>
+          <a:lstStyle/>
+          <a:p>
+            <a:pPr lvl="0" rtl="0">
+              <a:spcBef>
+                <a:spcPts val="0"/>
+              </a:spcBef>
+              <a:buNone/>
+            </a:pPr>
+            <a:endParaRPr/>
+          </a:p>
+        </p:txBody>
+      </p:sp>
+      <p:sp>
+        <p:nvSpPr>
+          <p:cNvPr id="191" name="Shape 191"/>
+          <p:cNvSpPr/>
+          <p:nvPr/>
+        </p:nvSpPr>
+        <p:spPr>
+          <a:xfrm>
+            <a:off x="9335750" y="4438650"/>
+            <a:ext cx="75000" cy="210900"/>
+          </a:xfrm>
+          <a:prstGeom prst="rect">
+            <a:avLst/>
+          </a:prstGeom>
+          <a:noFill/>
+          <a:ln w="19050" cap="flat" cmpd="sng">
+            <a:solidFill>
+              <a:srgbClr val="FF0000"/>
+            </a:solidFill>
+            <a:prstDash val="solid"/>
+            <a:round/>
+            <a:headEnd type="none" w="med" len="med"/>
+            <a:tailEnd type="none" w="med" len="med"/>
+          </a:ln>
+        </p:spPr>
+        <p:txBody>
+          <a:bodyPr lIns="91425" tIns="91425" rIns="91425" bIns="91425" anchor="ctr" anchorCtr="0">
+            <a:noAutofit/>
+          </a:bodyPr>
+          <a:lstStyle/>
+          <a:p>
+            <a:pPr lvl="0" rtl="0">
+              <a:spcBef>
+                <a:spcPts val="0"/>
+              </a:spcBef>
+              <a:buNone/>
+            </a:pPr>
+            <a:endParaRPr/>
+          </a:p>
+        </p:txBody>
+      </p:sp>
+      <p:sp>
+        <p:nvSpPr>
+          <p:cNvPr id="192" name="Shape 192"/>
+          <p:cNvSpPr/>
+          <p:nvPr/>
+        </p:nvSpPr>
+        <p:spPr>
+          <a:xfrm>
+            <a:off x="10252450" y="5222100"/>
+            <a:ext cx="145200" cy="278700"/>
+          </a:xfrm>
+          <a:prstGeom prst="rect">
+            <a:avLst/>
+          </a:prstGeom>
+          <a:noFill/>
+          <a:ln w="19050" cap="flat" cmpd="sng">
+            <a:solidFill>
+              <a:srgbClr val="FF0000"/>
+            </a:solidFill>
+            <a:prstDash val="solid"/>
+            <a:round/>
+            <a:headEnd type="none" w="med" len="med"/>
+            <a:tailEnd type="none" w="med" len="med"/>
+          </a:ln>
+        </p:spPr>
+        <p:txBody>
+          <a:bodyPr lIns="91425" tIns="91425" rIns="91425" bIns="91425" anchor="ctr" anchorCtr="0">
+            <a:noAutofit/>
+          </a:bodyPr>
+          <a:lstStyle/>
+          <a:p>
+            <a:pPr lvl="0" rtl="0">
+              <a:spcBef>
+                <a:spcPts val="0"/>
+              </a:spcBef>
+              <a:buNone/>
+            </a:pPr>
+            <a:endParaRPr/>
+          </a:p>
+        </p:txBody>
+      </p:sp>
+      <p:sp>
+        <p:nvSpPr>
+          <p:cNvPr id="193" name="Shape 193"/>
+          <p:cNvSpPr/>
+          <p:nvPr/>
+        </p:nvSpPr>
+        <p:spPr>
+          <a:xfrm>
+            <a:off x="10452475" y="5242425"/>
+            <a:ext cx="163200" cy="109500"/>
+          </a:xfrm>
+          <a:prstGeom prst="rect">
+            <a:avLst/>
+          </a:prstGeom>
+          <a:noFill/>
+          <a:ln w="19050" cap="flat" cmpd="sng">
+            <a:solidFill>
+              <a:srgbClr val="FF0000"/>
+            </a:solidFill>
+            <a:prstDash val="solid"/>
+            <a:round/>
+            <a:headEnd type="none" w="med" len="med"/>
+            <a:tailEnd type="none" w="med" len="med"/>
+          </a:ln>
+        </p:spPr>
+        <p:txBody>
+          <a:bodyPr lIns="91425" tIns="91425" rIns="91425" bIns="91425" anchor="ctr" anchorCtr="0">
+            <a:noAutofit/>
+          </a:bodyPr>
+          <a:lstStyle/>
+          <a:p>
+            <a:pPr lvl="0" rtl="0">
+              <a:spcBef>
+                <a:spcPts val="0"/>
+              </a:spcBef>
+              <a:buNone/>
+            </a:pPr>
+            <a:endParaRPr/>
+          </a:p>
+        </p:txBody>
+      </p:sp>
+      <p:sp>
+        <p:nvSpPr>
+          <p:cNvPr id="194" name="Shape 194"/>
+          <p:cNvSpPr/>
+          <p:nvPr/>
+        </p:nvSpPr>
+        <p:spPr>
+          <a:xfrm>
+            <a:off x="9436900" y="5710250"/>
+            <a:ext cx="237000" cy="79800"/>
+          </a:xfrm>
+          <a:prstGeom prst="rect">
+            <a:avLst/>
+          </a:prstGeom>
+          <a:noFill/>
+          <a:ln w="19050" cap="flat" cmpd="sng">
+            <a:solidFill>
+              <a:srgbClr val="FF0000"/>
+            </a:solidFill>
+            <a:prstDash val="solid"/>
+            <a:round/>
+            <a:headEnd type="none" w="med" len="med"/>
+            <a:tailEnd type="none" w="med" len="med"/>
+          </a:ln>
+        </p:spPr>
+        <p:txBody>
+          <a:bodyPr lIns="91425" tIns="91425" rIns="91425" bIns="91425" anchor="ctr" anchorCtr="0">
+            <a:noAutofit/>
+          </a:bodyPr>
+          <a:lstStyle/>
+          <a:p>
+            <a:pPr lvl="0" rtl="0">
+              <a:spcBef>
+                <a:spcPts val="0"/>
+              </a:spcBef>
+              <a:buNone/>
+            </a:pPr>
+            <a:endParaRPr/>
+          </a:p>
+        </p:txBody>
+      </p:sp>
+      <p:sp>
+        <p:nvSpPr>
+          <p:cNvPr id="195" name="Shape 195"/>
+          <p:cNvSpPr/>
+          <p:nvPr/>
+        </p:nvSpPr>
+        <p:spPr>
+          <a:xfrm>
+            <a:off x="7871225" y="5057825"/>
+            <a:ext cx="163200" cy="359400"/>
+          </a:xfrm>
+          <a:prstGeom prst="rect">
+            <a:avLst/>
+          </a:prstGeom>
+          <a:noFill/>
+          <a:ln w="19050" cap="flat" cmpd="sng">
+            <a:solidFill>
+              <a:srgbClr val="FF0000"/>
+            </a:solidFill>
+            <a:prstDash val="solid"/>
+            <a:round/>
+            <a:headEnd type="none" w="med" len="med"/>
+            <a:tailEnd type="none" w="med" len="med"/>
+          </a:ln>
+        </p:spPr>
+        <p:txBody>
+          <a:bodyPr lIns="91425" tIns="91425" rIns="91425" bIns="91425" anchor="ctr" anchorCtr="0">
+            <a:noAutofit/>
+          </a:bodyPr>
+          <a:lstStyle/>
+          <a:p>
+            <a:pPr lvl="0" rtl="0">
+              <a:spcBef>
+                <a:spcPts val="0"/>
+              </a:spcBef>
+              <a:buNone/>
+            </a:pPr>
+            <a:endParaRPr/>
+          </a:p>
+        </p:txBody>
+      </p:sp>
+      <p:sp>
+        <p:nvSpPr>
+          <p:cNvPr id="196" name="Shape 196"/>
+          <p:cNvSpPr/>
+          <p:nvPr/>
+        </p:nvSpPr>
+        <p:spPr>
+          <a:xfrm>
+            <a:off x="7871225" y="5057825"/>
+            <a:ext cx="183300" cy="359400"/>
+          </a:xfrm>
+          <a:prstGeom prst="rect">
+            <a:avLst/>
+          </a:prstGeom>
+          <a:noFill/>
+          <a:ln w="19050" cap="flat" cmpd="sng">
+            <a:solidFill>
+              <a:srgbClr val="FF0000"/>
+            </a:solidFill>
+            <a:prstDash val="solid"/>
+            <a:round/>
+            <a:headEnd type="none" w="med" len="med"/>
+            <a:tailEnd type="none" w="med" len="med"/>
+          </a:ln>
+        </p:spPr>
+        <p:txBody>
+          <a:bodyPr lIns="91425" tIns="91425" rIns="91425" bIns="91425" anchor="ctr" anchorCtr="0">
+            <a:noAutofit/>
+          </a:bodyPr>
+          <a:lstStyle/>
+          <a:p>
+            <a:pPr lvl="0" rtl="0">
+              <a:spcBef>
+                <a:spcPts val="0"/>
+              </a:spcBef>
+              <a:buNone/>
+            </a:pPr>
+            <a:endParaRPr/>
+          </a:p>
+        </p:txBody>
+      </p:sp>
+      <p:sp>
+        <p:nvSpPr>
+          <p:cNvPr id="197" name="Shape 197"/>
+          <p:cNvSpPr/>
+          <p:nvPr/>
+        </p:nvSpPr>
+        <p:spPr>
+          <a:xfrm>
+            <a:off x="8846200" y="3052775"/>
+            <a:ext cx="131100" cy="128700"/>
+          </a:xfrm>
+          <a:prstGeom prst="rect">
+            <a:avLst/>
+          </a:prstGeom>
+          <a:noFill/>
+          <a:ln w="19050" cap="flat" cmpd="sng">
+            <a:solidFill>
+              <a:srgbClr val="FF0000"/>
+            </a:solidFill>
+            <a:prstDash val="solid"/>
+            <a:round/>
+            <a:headEnd type="none" w="med" len="med"/>
+            <a:tailEnd type="none" w="med" len="med"/>
+          </a:ln>
+        </p:spPr>
+        <p:txBody>
+          <a:bodyPr lIns="91425" tIns="91425" rIns="91425" bIns="91425" anchor="ctr" anchorCtr="0">
+            <a:noAutofit/>
+          </a:bodyPr>
+          <a:lstStyle/>
+          <a:p>
+            <a:pPr lvl="0" rtl="0">
+              <a:spcBef>
+                <a:spcPts val="0"/>
+              </a:spcBef>
+              <a:buNone/>
+            </a:pPr>
+            <a:endParaRPr/>
+          </a:p>
+        </p:txBody>
+      </p:sp>
+      <p:sp>
+        <p:nvSpPr>
+          <p:cNvPr id="198" name="Shape 198"/>
+          <p:cNvSpPr/>
+          <p:nvPr/>
+        </p:nvSpPr>
+        <p:spPr>
+          <a:xfrm>
+            <a:off x="9479600" y="3114675"/>
+            <a:ext cx="145200" cy="178500"/>
+          </a:xfrm>
+          <a:prstGeom prst="rect">
+            <a:avLst/>
+          </a:prstGeom>
+          <a:noFill/>
+          <a:ln w="19050" cap="flat" cmpd="sng">
+            <a:solidFill>
+              <a:srgbClr val="FF0000"/>
+            </a:solidFill>
+            <a:prstDash val="solid"/>
+            <a:round/>
+            <a:headEnd type="none" w="med" len="med"/>
+            <a:tailEnd type="none" w="med" len="med"/>
+          </a:ln>
+        </p:spPr>
+        <p:txBody>
+          <a:bodyPr lIns="91425" tIns="91425" rIns="91425" bIns="91425" anchor="ctr" anchorCtr="0">
+            <a:noAutofit/>
+          </a:bodyPr>
+          <a:lstStyle/>
+          <a:p>
+            <a:pPr lvl="0" rtl="0">
+              <a:spcBef>
+                <a:spcPts val="0"/>
+              </a:spcBef>
+              <a:buNone/>
+            </a:pPr>
+            <a:endParaRPr/>
+          </a:p>
+        </p:txBody>
+      </p:sp>
+      <p:sp>
+        <p:nvSpPr>
+          <p:cNvPr id="199" name="Shape 199"/>
+          <p:cNvSpPr/>
+          <p:nvPr/>
+        </p:nvSpPr>
+        <p:spPr>
+          <a:xfrm>
+            <a:off x="9985750" y="2800350"/>
+            <a:ext cx="584400" cy="252300"/>
+          </a:xfrm>
+          <a:prstGeom prst="rect">
+            <a:avLst/>
+          </a:prstGeom>
+          <a:noFill/>
+          <a:ln w="19050" cap="flat" cmpd="sng">
+            <a:solidFill>
+              <a:srgbClr val="FF0000"/>
+            </a:solidFill>
+            <a:prstDash val="solid"/>
+            <a:round/>
+            <a:headEnd type="none" w="med" len="med"/>
+            <a:tailEnd type="none" w="med" len="med"/>
+          </a:ln>
+        </p:spPr>
+        <p:txBody>
+          <a:bodyPr lIns="91425" tIns="91425" rIns="91425" bIns="91425" anchor="ctr" anchorCtr="0">
+            <a:noAutofit/>
+          </a:bodyPr>
+          <a:lstStyle/>
+          <a:p>
+            <a:pPr lvl="0" rtl="0">
+              <a:spcBef>
+                <a:spcPts val="0"/>
+              </a:spcBef>
+              <a:buNone/>
+            </a:pPr>
+            <a:endParaRPr/>
+          </a:p>
+        </p:txBody>
+      </p:sp>
+      <p:sp>
+        <p:nvSpPr>
+          <p:cNvPr id="200" name="Shape 200"/>
+          <p:cNvSpPr/>
+          <p:nvPr/>
+        </p:nvSpPr>
+        <p:spPr>
+          <a:xfrm>
+            <a:off x="8834300" y="2531300"/>
+            <a:ext cx="183300" cy="66600"/>
+          </a:xfrm>
+          <a:prstGeom prst="rect">
+            <a:avLst/>
+          </a:prstGeom>
+          <a:noFill/>
+          <a:ln w="19050" cap="flat" cmpd="sng">
+            <a:solidFill>
+              <a:srgbClr val="FF0000"/>
+            </a:solidFill>
+            <a:prstDash val="solid"/>
+            <a:round/>
+            <a:headEnd type="none" w="med" len="med"/>
+            <a:tailEnd type="none" w="med" len="med"/>
+          </a:ln>
+        </p:spPr>
+        <p:txBody>
+          <a:bodyPr lIns="91425" tIns="91425" rIns="91425" bIns="91425" anchor="ctr" anchorCtr="0">
+            <a:noAutofit/>
+          </a:bodyPr>
+          <a:lstStyle/>
+          <a:p>
+            <a:pPr lvl="0" rtl="0">
+              <a:spcBef>
+                <a:spcPts val="0"/>
+              </a:spcBef>
+              <a:buNone/>
+            </a:pPr>
+            <a:endParaRPr/>
+          </a:p>
+        </p:txBody>
+      </p:sp>
+      <p:sp>
+        <p:nvSpPr>
+          <p:cNvPr id="201" name="Shape 201"/>
+          <p:cNvSpPr/>
+          <p:nvPr/>
+        </p:nvSpPr>
+        <p:spPr>
+          <a:xfrm>
+            <a:off x="9223500" y="2405100"/>
+            <a:ext cx="237000" cy="109500"/>
+          </a:xfrm>
+          <a:prstGeom prst="rect">
+            <a:avLst/>
+          </a:prstGeom>
+          <a:noFill/>
+          <a:ln w="19050" cap="flat" cmpd="sng">
+            <a:solidFill>
+              <a:srgbClr val="FF0000"/>
+            </a:solidFill>
+            <a:prstDash val="solid"/>
+            <a:round/>
+            <a:headEnd type="none" w="med" len="med"/>
+            <a:tailEnd type="none" w="med" len="med"/>
+          </a:ln>
+        </p:spPr>
+        <p:txBody>
+          <a:bodyPr lIns="91425" tIns="91425" rIns="91425" bIns="91425" anchor="ctr" anchorCtr="0">
+            <a:noAutofit/>
+          </a:bodyPr>
+          <a:lstStyle/>
+          <a:p>
+            <a:pPr lvl="0" rtl="0">
+              <a:spcBef>
+                <a:spcPts val="0"/>
+              </a:spcBef>
+              <a:buNone/>
+            </a:pPr>
+            <a:endParaRPr/>
+          </a:p>
+        </p:txBody>
+      </p:sp>
+      <p:sp>
+        <p:nvSpPr>
+          <p:cNvPr id="202" name="Shape 202"/>
+          <p:cNvSpPr/>
+          <p:nvPr/>
+        </p:nvSpPr>
+        <p:spPr>
+          <a:xfrm>
+            <a:off x="8034425" y="3082775"/>
+            <a:ext cx="395100" cy="252300"/>
+          </a:xfrm>
+          <a:prstGeom prst="rect">
+            <a:avLst/>
+          </a:prstGeom>
+          <a:noFill/>
+          <a:ln w="19050" cap="flat" cmpd="sng">
+            <a:solidFill>
+              <a:srgbClr val="FF0000"/>
+            </a:solidFill>
+            <a:prstDash val="solid"/>
+            <a:round/>
+            <a:headEnd type="none" w="med" len="med"/>
+            <a:tailEnd type="none" w="med" len="med"/>
+          </a:ln>
+        </p:spPr>
+        <p:txBody>
+          <a:bodyPr lIns="91425" tIns="91425" rIns="91425" bIns="91425" anchor="ctr" anchorCtr="0">
+            <a:noAutofit/>
+          </a:bodyPr>
+          <a:lstStyle/>
+          <a:p>
+            <a:pPr lvl="0" rtl="0">
+              <a:spcBef>
+                <a:spcPts val="0"/>
+              </a:spcBef>
+              <a:buNone/>
+            </a:pPr>
+            <a:endParaRPr/>
+          </a:p>
+        </p:txBody>
+      </p:sp>
+      <p:cxnSp>
+        <p:nvCxnSpPr>
+          <p:cNvPr id="203" name="Shape 203"/>
+          <p:cNvCxnSpPr/>
+          <p:nvPr/>
+        </p:nvCxnSpPr>
+        <p:spPr>
+          <a:xfrm flipH="1">
+            <a:off x="10149400" y="3826675"/>
+            <a:ext cx="201900" cy="304500"/>
+          </a:xfrm>
+          <a:prstGeom prst="straightConnector1">
+            <a:avLst/>
+          </a:prstGeom>
+          <a:noFill/>
+          <a:ln w="9525" cap="flat" cmpd="sng">
+            <a:solidFill>
+              <a:srgbClr val="38761D"/>
+            </a:solidFill>
+            <a:prstDash val="solid"/>
+            <a:round/>
+            <a:headEnd type="none" w="lg" len="lg"/>
+            <a:tailEnd type="triangle" w="lg" len="lg"/>
+          </a:ln>
+        </p:spPr>
+      </p:cxnSp>
+      <p:sp>
+        <p:nvSpPr>
+          <p:cNvPr id="204" name="Shape 204"/>
+          <p:cNvSpPr txBox="1"/>
+          <p:nvPr/>
+        </p:nvSpPr>
+        <p:spPr>
+          <a:xfrm>
+            <a:off x="9838125" y="3374950"/>
+            <a:ext cx="1200300" cy="549900"/>
+          </a:xfrm>
+          <a:prstGeom prst="rect">
+            <a:avLst/>
+          </a:prstGeom>
+          <a:noFill/>
+          <a:ln>
+            <a:noFill/>
+          </a:ln>
+        </p:spPr>
+        <p:txBody>
+          <a:bodyPr lIns="91425" tIns="91425" rIns="91425" bIns="91425" anchor="t" anchorCtr="0">
+            <a:noAutofit/>
+          </a:bodyPr>
+          <a:lstStyle/>
+          <a:p>
+            <a:pPr lvl="0">
+              <a:spcBef>
+                <a:spcPts val="0"/>
+              </a:spcBef>
+              <a:buNone/>
+            </a:pPr>
+            <a:r>
+              <a:rPr lang="nl-NL"/>
+              <a:t>overlap, geen botsing</a:t>
+            </a:r>
+          </a:p>
+        </p:txBody>
+      </p:sp>
+      <p:cxnSp>
+        <p:nvCxnSpPr>
+          <p:cNvPr id="205" name="Shape 205"/>
+          <p:cNvCxnSpPr/>
+          <p:nvPr/>
+        </p:nvCxnSpPr>
+        <p:spPr>
+          <a:xfrm flipH="1">
+            <a:off x="8034425" y="4693450"/>
+            <a:ext cx="201900" cy="304500"/>
+          </a:xfrm>
+          <a:prstGeom prst="straightConnector1">
+            <a:avLst/>
+          </a:prstGeom>
+          <a:noFill/>
+          <a:ln w="9525" cap="flat" cmpd="sng">
+            <a:solidFill>
+              <a:srgbClr val="FF0000"/>
+            </a:solidFill>
+            <a:prstDash val="solid"/>
+            <a:round/>
+            <a:headEnd type="none" w="lg" len="lg"/>
+            <a:tailEnd type="triangle" w="lg" len="lg"/>
+          </a:ln>
+        </p:spPr>
+      </p:cxnSp>
+      <p:sp>
+        <p:nvSpPr>
+          <p:cNvPr id="206" name="Shape 206"/>
+          <p:cNvSpPr txBox="1"/>
+          <p:nvPr/>
+        </p:nvSpPr>
+        <p:spPr>
+          <a:xfrm>
+            <a:off x="7715250" y="4360450"/>
+            <a:ext cx="924000" cy="495300"/>
+          </a:xfrm>
+          <a:prstGeom prst="rect">
+            <a:avLst/>
+          </a:prstGeom>
+          <a:noFill/>
+          <a:ln>
+            <a:noFill/>
+          </a:ln>
+        </p:spPr>
+        <p:txBody>
+          <a:bodyPr lIns="91425" tIns="91425" rIns="91425" bIns="91425" anchor="t" anchorCtr="0">
+            <a:noAutofit/>
+          </a:bodyPr>
+          <a:lstStyle/>
+          <a:p>
+            <a:pPr lvl="0">
+              <a:spcBef>
+                <a:spcPts val="0"/>
+              </a:spcBef>
+              <a:buNone/>
+            </a:pPr>
+            <a:r>
+              <a:rPr lang="nl-NL"/>
+              <a:t>overlap, botsing</a:t>
+            </a:r>
+          </a:p>
+        </p:txBody>
+      </p:sp>
+      <p:sp>
+        <p:nvSpPr>
+          <p:cNvPr id="207" name="Shape 207"/>
+          <p:cNvSpPr/>
+          <p:nvPr/>
+        </p:nvSpPr>
+        <p:spPr>
+          <a:xfrm>
+            <a:off x="8034425" y="2405100"/>
+            <a:ext cx="1590300" cy="930000"/>
+          </a:xfrm>
+          <a:prstGeom prst="rect">
+            <a:avLst/>
+          </a:prstGeom>
+          <a:noFill/>
+          <a:ln w="19050" cap="flat" cmpd="sng">
+            <a:solidFill>
+              <a:srgbClr val="FFFF00"/>
+            </a:solidFill>
+            <a:prstDash val="solid"/>
+            <a:round/>
+            <a:headEnd type="none" w="med" len="med"/>
+            <a:tailEnd type="none" w="med" len="med"/>
+          </a:ln>
+        </p:spPr>
+        <p:txBody>
+          <a:bodyPr lIns="91425" tIns="91425" rIns="91425" bIns="91425" anchor="ctr" anchorCtr="0">
+            <a:noAutofit/>
+          </a:bodyPr>
+          <a:lstStyle/>
+          <a:p>
+            <a:pPr lvl="0" rtl="0">
+              <a:spcBef>
+                <a:spcPts val="0"/>
+              </a:spcBef>
+              <a:buNone/>
+            </a:pPr>
+            <a:endParaRPr/>
+          </a:p>
+        </p:txBody>
+      </p:sp>
+      <p:sp>
+        <p:nvSpPr>
+          <p:cNvPr id="208" name="Shape 208"/>
+          <p:cNvSpPr txBox="1"/>
+          <p:nvPr/>
+        </p:nvSpPr>
+        <p:spPr>
+          <a:xfrm>
+            <a:off x="5956625" y="1932450"/>
+            <a:ext cx="1914600" cy="1054800"/>
+          </a:xfrm>
+          <a:prstGeom prst="rect">
+            <a:avLst/>
+          </a:prstGeom>
+          <a:noFill/>
+          <a:ln>
+            <a:noFill/>
+          </a:ln>
+        </p:spPr>
+        <p:txBody>
+          <a:bodyPr lIns="91425" tIns="91425" rIns="91425" bIns="91425" anchor="t" anchorCtr="0">
+            <a:noAutofit/>
+          </a:bodyPr>
+          <a:lstStyle/>
+          <a:p>
+            <a:pPr lvl="0">
+              <a:spcBef>
+                <a:spcPts val="0"/>
+              </a:spcBef>
+              <a:buNone/>
+            </a:pPr>
+            <a:r>
+              <a:rPr lang="nl-NL"/>
+              <a:t>geel: grens van noordwest kwadrant</a:t>
+            </a:r>
+          </a:p>
+        </p:txBody>
+      </p:sp>
+    </p:spTree>
+  </p:cSld>
+  <p:clrMapOvr>
+    <a:masterClrMapping/>
+  </p:clrMapOvr>
+  <p:timing>
+    <p:tnLst>
+      <p:par>
+        <p:cTn id="1" dur="indefinite" restart="never" nodeType="tmRoot"/>
+      </p:par>
+    </p:tnLst>
+  </p:timing>
+</p:sld>
+</file>
+
+<file path=ppt/slides/slide8.xml><?xml version="1.0" encoding="utf-8"?>
 <p:sld xmlns:a="http://schemas.openxmlformats.org/drawingml/2006/main" xmlns:r="http://schemas.openxmlformats.org/officeDocument/2006/relationships" xmlns:p="http://schemas.openxmlformats.org/presentationml/2006/main">
   <p:cSld>
     <p:spTree>
@@ -8753,10 +11093,17 @@
   <p:clrMapOvr>
     <a:masterClrMapping/>
   </p:clrMapOvr>
+  <p:timing>
+    <p:tnLst>
+      <p:par>
+        <p:cTn id="1" dur="indefinite" restart="never" nodeType="tmRoot"/>
+      </p:par>
+    </p:tnLst>
+  </p:timing>
 </p:sld>
 </file>
 
-<file path=ppt/slides/slide8.xml><?xml version="1.0" encoding="utf-8"?>
+<file path=ppt/slides/slide9.xml><?xml version="1.0" encoding="utf-8"?>
 <p:sld xmlns:a="http://schemas.openxmlformats.org/drawingml/2006/main" xmlns:r="http://schemas.openxmlformats.org/officeDocument/2006/relationships" xmlns:p="http://schemas.openxmlformats.org/presentationml/2006/main">
   <p:cSld>
     <p:spTree>
@@ -8844,96 +11191,13 @@
   <p:clrMapOvr>
     <a:masterClrMapping/>
   </p:clrMapOvr>
-</p:sld>
-</file>
-
-<file path=ppt/slides/slide9.xml><?xml version="1.0" encoding="utf-8"?>
-<p:sld xmlns:a="http://schemas.openxmlformats.org/drawingml/2006/main" xmlns:r="http://schemas.openxmlformats.org/officeDocument/2006/relationships" xmlns:p="http://schemas.openxmlformats.org/presentationml/2006/main">
-  <p:cSld>
-    <p:spTree>
-      <p:nvGrpSpPr>
-        <p:cNvPr id="1" name=""/>
-        <p:cNvGrpSpPr/>
-        <p:nvPr/>
-      </p:nvGrpSpPr>
-      <p:grpSpPr>
-        <a:xfrm>
-          <a:off x="0" y="0"/>
-          <a:ext cx="0" cy="0"/>
-          <a:chOff x="0" y="0"/>
-          <a:chExt cx="0" cy="0"/>
-        </a:xfrm>
-      </p:grpSpPr>
-      <p:sp>
-        <p:nvSpPr>
-          <p:cNvPr id="2" name="Titel 1"/>
-          <p:cNvSpPr>
-            <a:spLocks noGrp="1"/>
-          </p:cNvSpPr>
-          <p:nvPr>
-            <p:ph type="title"/>
-          </p:nvPr>
-        </p:nvSpPr>
-        <p:spPr/>
-        <p:txBody>
-          <a:bodyPr/>
-          <a:lstStyle/>
-          <a:p>
-            <a:r>
-              <a:rPr lang="nl-NL"/>
-              <a:t>Nauwkeurigheid model</a:t>
-            </a:r>
-          </a:p>
-        </p:txBody>
-      </p:sp>
-      <p:sp>
-        <p:nvSpPr>
-          <p:cNvPr id="3" name="Tijdelijke aanduiding voor inhoud 2"/>
-          <p:cNvSpPr>
-            <a:spLocks noGrp="1"/>
-          </p:cNvSpPr>
-          <p:nvPr>
-            <p:ph idx="1"/>
-          </p:nvPr>
-        </p:nvSpPr>
-        <p:spPr/>
-        <p:txBody>
-          <a:bodyPr/>
-          <a:lstStyle/>
-          <a:p>
-            <a:r>
-              <a:rPr lang="nl-NL" dirty="0"/>
-              <a:t>Analyse voor N = 2 deeltjes</a:t>
-            </a:r>
-          </a:p>
-          <a:p>
-            <a:r>
-              <a:rPr lang="nl-NL" dirty="0"/>
-              <a:t>Behoud van energie</a:t>
-            </a:r>
-          </a:p>
-          <a:p>
-            <a:r>
-              <a:rPr lang="nl-NL" dirty="0" err="1"/>
-              <a:t>Richardson</a:t>
-            </a:r>
-            <a:r>
-              <a:rPr lang="nl-NL" dirty="0"/>
-              <a:t> Extrapolatie</a:t>
-            </a:r>
-          </a:p>
-        </p:txBody>
-      </p:sp>
-    </p:spTree>
-    <p:extLst>
-      <p:ext uri="{BB962C8B-B14F-4D97-AF65-F5344CB8AC3E}">
-        <p14:creationId xmlns:p14="http://schemas.microsoft.com/office/powerpoint/2010/main" val="120385941"/>
-      </p:ext>
-    </p:extLst>
-  </p:cSld>
-  <p:clrMapOvr>
-    <a:masterClrMapping/>
-  </p:clrMapOvr>
+  <p:timing>
+    <p:tnLst>
+      <p:par>
+        <p:cTn id="1" dur="indefinite" restart="never" nodeType="tmRoot"/>
+      </p:par>
+    </p:tnLst>
+  </p:timing>
 </p:sld>
 </file>
 
@@ -9201,8 +11465,293 @@
   <a:extraClrSchemeLst/>
   <a:extLst>
     <a:ext uri="{05A4C25C-085E-4340-85A3-A5531E510DB2}">
-      <thm15:themeFamily xmlns:thm15="http://schemas.microsoft.com/office/thememl/2012/main" xmlns="" name="Vapor Trail" id="{4FDF2955-7D9C-493C-B9F9-C205151B46CD}" vid="{FE1EB5C7-81A8-4CBA-AE6E-B3BF73DC3895}"/>
+      <thm15:themeFamily xmlns="" xmlns:thm15="http://schemas.microsoft.com/office/thememl/2012/main" name="Vapor Trail" id="{4FDF2955-7D9C-493C-B9F9-C205151B46CD}" vid="{FE1EB5C7-81A8-4CBA-AE6E-B3BF73DC3895}"/>
     </a:ext>
   </a:extLst>
 </a:theme>
+</file>
+
+<file path=ppt/theme/theme2.xml><?xml version="1.0" encoding="utf-8"?>
+<a:theme xmlns:a="http://schemas.openxmlformats.org/drawingml/2006/main" name="Kantoorthema">
+  <a:themeElements>
+    <a:clrScheme name="Kantoor">
+      <a:dk1>
+        <a:sysClr val="windowText" lastClr="000000"/>
+      </a:dk1>
+      <a:lt1>
+        <a:sysClr val="window" lastClr="FFFFFF"/>
+      </a:lt1>
+      <a:dk2>
+        <a:srgbClr val="1F497D"/>
+      </a:dk2>
+      <a:lt2>
+        <a:srgbClr val="EEECE1"/>
+      </a:lt2>
+      <a:accent1>
+        <a:srgbClr val="4F81BD"/>
+      </a:accent1>
+      <a:accent2>
+        <a:srgbClr val="C0504D"/>
+      </a:accent2>
+      <a:accent3>
+        <a:srgbClr val="9BBB59"/>
+      </a:accent3>
+      <a:accent4>
+        <a:srgbClr val="8064A2"/>
+      </a:accent4>
+      <a:accent5>
+        <a:srgbClr val="4BACC6"/>
+      </a:accent5>
+      <a:accent6>
+        <a:srgbClr val="F79646"/>
+      </a:accent6>
+      <a:hlink>
+        <a:srgbClr val="0000FF"/>
+      </a:hlink>
+      <a:folHlink>
+        <a:srgbClr val="800080"/>
+      </a:folHlink>
+    </a:clrScheme>
+    <a:fontScheme name="Kantoor">
+      <a:majorFont>
+        <a:latin typeface="Calibri"/>
+        <a:ea typeface=""/>
+        <a:cs typeface=""/>
+        <a:font script="Jpan" typeface="ＭＳ Ｐゴシック"/>
+        <a:font script="Hang" typeface="맑은 고딕"/>
+        <a:font script="Hans" typeface="宋体"/>
+        <a:font script="Hant" typeface="新細明體"/>
+        <a:font script="Arab" typeface="Times New Roman"/>
+        <a:font script="Hebr" typeface="Times New Roman"/>
+        <a:font script="Thai" typeface="Angsana New"/>
+        <a:font script="Ethi" typeface="Nyala"/>
+        <a:font script="Beng" typeface="Vrinda"/>
+        <a:font script="Gujr" typeface="Shruti"/>
+        <a:font script="Khmr" typeface="MoolBoran"/>
+        <a:font script="Knda" typeface="Tunga"/>
+        <a:font script="Guru" typeface="Raavi"/>
+        <a:font script="Cans" typeface="Euphemia"/>
+        <a:font script="Cher" typeface="Plantagenet Cherokee"/>
+        <a:font script="Yiii" typeface="Microsoft Yi Baiti"/>
+        <a:font script="Tibt" typeface="Microsoft Himalaya"/>
+        <a:font script="Thaa" typeface="MV Boli"/>
+        <a:font script="Deva" typeface="Mangal"/>
+        <a:font script="Telu" typeface="Gautami"/>
+        <a:font script="Taml" typeface="Latha"/>
+        <a:font script="Syrc" typeface="Estrangelo Edessa"/>
+        <a:font script="Orya" typeface="Kalinga"/>
+        <a:font script="Mlym" typeface="Kartika"/>
+        <a:font script="Laoo" typeface="DokChampa"/>
+        <a:font script="Sinh" typeface="Iskoola Pota"/>
+        <a:font script="Mong" typeface="Mongolian Baiti"/>
+        <a:font script="Viet" typeface="Times New Roman"/>
+        <a:font script="Uigh" typeface="Microsoft Uighur"/>
+        <a:font script="Geor" typeface="Sylfaen"/>
+      </a:majorFont>
+      <a:minorFont>
+        <a:latin typeface="Calibri"/>
+        <a:ea typeface=""/>
+        <a:cs typeface=""/>
+        <a:font script="Jpan" typeface="ＭＳ Ｐゴシック"/>
+        <a:font script="Hang" typeface="맑은 고딕"/>
+        <a:font script="Hans" typeface="宋体"/>
+        <a:font script="Hant" typeface="新細明體"/>
+        <a:font script="Arab" typeface="Arial"/>
+        <a:font script="Hebr" typeface="Arial"/>
+        <a:font script="Thai" typeface="Cordia New"/>
+        <a:font script="Ethi" typeface="Nyala"/>
+        <a:font script="Beng" typeface="Vrinda"/>
+        <a:font script="Gujr" typeface="Shruti"/>
+        <a:font script="Khmr" typeface="DaunPenh"/>
+        <a:font script="Knda" typeface="Tunga"/>
+        <a:font script="Guru" typeface="Raavi"/>
+        <a:font script="Cans" typeface="Euphemia"/>
+        <a:font script="Cher" typeface="Plantagenet Cherokee"/>
+        <a:font script="Yiii" typeface="Microsoft Yi Baiti"/>
+        <a:font script="Tibt" typeface="Microsoft Himalaya"/>
+        <a:font script="Thaa" typeface="MV Boli"/>
+        <a:font script="Deva" typeface="Mangal"/>
+        <a:font script="Telu" typeface="Gautami"/>
+        <a:font script="Taml" typeface="Latha"/>
+        <a:font script="Syrc" typeface="Estrangelo Edessa"/>
+        <a:font script="Orya" typeface="Kalinga"/>
+        <a:font script="Mlym" typeface="Kartika"/>
+        <a:font script="Laoo" typeface="DokChampa"/>
+        <a:font script="Sinh" typeface="Iskoola Pota"/>
+        <a:font script="Mong" typeface="Mongolian Baiti"/>
+        <a:font script="Viet" typeface="Arial"/>
+        <a:font script="Uigh" typeface="Microsoft Uighur"/>
+        <a:font script="Geor" typeface="Sylfaen"/>
+      </a:minorFont>
+    </a:fontScheme>
+    <a:fmtScheme name="Kantoor">
+      <a:fillStyleLst>
+        <a:solidFill>
+          <a:schemeClr val="phClr"/>
+        </a:solidFill>
+        <a:gradFill rotWithShape="1">
+          <a:gsLst>
+            <a:gs pos="0">
+              <a:schemeClr val="phClr">
+                <a:tint val="50000"/>
+                <a:satMod val="300000"/>
+              </a:schemeClr>
+            </a:gs>
+            <a:gs pos="35000">
+              <a:schemeClr val="phClr">
+                <a:tint val="37000"/>
+                <a:satMod val="300000"/>
+              </a:schemeClr>
+            </a:gs>
+            <a:gs pos="100000">
+              <a:schemeClr val="phClr">
+                <a:tint val="15000"/>
+                <a:satMod val="350000"/>
+              </a:schemeClr>
+            </a:gs>
+          </a:gsLst>
+          <a:lin ang="16200000" scaled="1"/>
+        </a:gradFill>
+        <a:gradFill rotWithShape="1">
+          <a:gsLst>
+            <a:gs pos="0">
+              <a:schemeClr val="phClr">
+                <a:shade val="51000"/>
+                <a:satMod val="130000"/>
+              </a:schemeClr>
+            </a:gs>
+            <a:gs pos="80000">
+              <a:schemeClr val="phClr">
+                <a:shade val="93000"/>
+                <a:satMod val="130000"/>
+              </a:schemeClr>
+            </a:gs>
+            <a:gs pos="100000">
+              <a:schemeClr val="phClr">
+                <a:shade val="94000"/>
+                <a:satMod val="135000"/>
+              </a:schemeClr>
+            </a:gs>
+          </a:gsLst>
+          <a:lin ang="16200000" scaled="0"/>
+        </a:gradFill>
+      </a:fillStyleLst>
+      <a:lnStyleLst>
+        <a:ln w="9525" cap="flat" cmpd="sng" algn="ctr">
+          <a:solidFill>
+            <a:schemeClr val="phClr">
+              <a:shade val="95000"/>
+              <a:satMod val="105000"/>
+            </a:schemeClr>
+          </a:solidFill>
+          <a:prstDash val="solid"/>
+        </a:ln>
+        <a:ln w="25400" cap="flat" cmpd="sng" algn="ctr">
+          <a:solidFill>
+            <a:schemeClr val="phClr"/>
+          </a:solidFill>
+          <a:prstDash val="solid"/>
+        </a:ln>
+        <a:ln w="38100" cap="flat" cmpd="sng" algn="ctr">
+          <a:solidFill>
+            <a:schemeClr val="phClr"/>
+          </a:solidFill>
+          <a:prstDash val="solid"/>
+        </a:ln>
+      </a:lnStyleLst>
+      <a:effectStyleLst>
+        <a:effectStyle>
+          <a:effectLst>
+            <a:outerShdw blurRad="40000" dist="20000" dir="5400000" rotWithShape="0">
+              <a:srgbClr val="000000">
+                <a:alpha val="38000"/>
+              </a:srgbClr>
+            </a:outerShdw>
+          </a:effectLst>
+        </a:effectStyle>
+        <a:effectStyle>
+          <a:effectLst>
+            <a:outerShdw blurRad="40000" dist="23000" dir="5400000" rotWithShape="0">
+              <a:srgbClr val="000000">
+                <a:alpha val="35000"/>
+              </a:srgbClr>
+            </a:outerShdw>
+          </a:effectLst>
+        </a:effectStyle>
+        <a:effectStyle>
+          <a:effectLst>
+            <a:outerShdw blurRad="40000" dist="23000" dir="5400000" rotWithShape="0">
+              <a:srgbClr val="000000">
+                <a:alpha val="35000"/>
+              </a:srgbClr>
+            </a:outerShdw>
+          </a:effectLst>
+          <a:scene3d>
+            <a:camera prst="orthographicFront">
+              <a:rot lat="0" lon="0" rev="0"/>
+            </a:camera>
+            <a:lightRig rig="threePt" dir="t">
+              <a:rot lat="0" lon="0" rev="1200000"/>
+            </a:lightRig>
+          </a:scene3d>
+          <a:sp3d>
+            <a:bevelT w="63500" h="25400"/>
+          </a:sp3d>
+        </a:effectStyle>
+      </a:effectStyleLst>
+      <a:bgFillStyleLst>
+        <a:solidFill>
+          <a:schemeClr val="phClr"/>
+        </a:solidFill>
+        <a:gradFill rotWithShape="1">
+          <a:gsLst>
+            <a:gs pos="0">
+              <a:schemeClr val="phClr">
+                <a:tint val="40000"/>
+                <a:satMod val="350000"/>
+              </a:schemeClr>
+            </a:gs>
+            <a:gs pos="40000">
+              <a:schemeClr val="phClr">
+                <a:tint val="45000"/>
+                <a:shade val="99000"/>
+                <a:satMod val="350000"/>
+              </a:schemeClr>
+            </a:gs>
+            <a:gs pos="100000">
+              <a:schemeClr val="phClr">
+                <a:shade val="20000"/>
+                <a:satMod val="255000"/>
+              </a:schemeClr>
+            </a:gs>
+          </a:gsLst>
+          <a:path path="circle">
+            <a:fillToRect l="50000" t="-80000" r="50000" b="180000"/>
+          </a:path>
+        </a:gradFill>
+        <a:gradFill rotWithShape="1">
+          <a:gsLst>
+            <a:gs pos="0">
+              <a:schemeClr val="phClr">
+                <a:tint val="80000"/>
+                <a:satMod val="300000"/>
+              </a:schemeClr>
+            </a:gs>
+            <a:gs pos="100000">
+              <a:schemeClr val="phClr">
+                <a:shade val="30000"/>
+                <a:satMod val="200000"/>
+              </a:schemeClr>
+            </a:gs>
+          </a:gsLst>
+          <a:path path="circle">
+            <a:fillToRect l="50000" t="50000" r="50000" b="50000"/>
+          </a:path>
+        </a:gradFill>
+      </a:bgFillStyleLst>
+    </a:fmtScheme>
+  </a:themeElements>
+  <a:objectDefaults/>
+  <a:extraClrSchemeLst/>
+</a:theme>
 </file>
--- a/Presentatie/Presentatie.pptx
+++ b/Presentatie/Presentatie.pptx
@@ -12,11 +12,11 @@
     <p:sldId id="257" r:id="rId3"/>
     <p:sldId id="258" r:id="rId4"/>
     <p:sldId id="259" r:id="rId5"/>
-    <p:sldId id="260" r:id="rId6"/>
-    <p:sldId id="267" r:id="rId7"/>
-    <p:sldId id="273" r:id="rId8"/>
-    <p:sldId id="268" r:id="rId9"/>
-    <p:sldId id="262" r:id="rId10"/>
+    <p:sldId id="267" r:id="rId6"/>
+    <p:sldId id="273" r:id="rId7"/>
+    <p:sldId id="268" r:id="rId8"/>
+    <p:sldId id="262" r:id="rId9"/>
+    <p:sldId id="260" r:id="rId10"/>
     <p:sldId id="263" r:id="rId11"/>
     <p:sldId id="266" r:id="rId12"/>
     <p:sldId id="271" r:id="rId13"/>
@@ -123,7 +123,7 @@
   </p:defaultTextStyle>
   <p:extLst>
     <p:ext uri="{EFAFB233-063F-42B5-8137-9DF3F51BA10A}">
-      <p15:sldGuideLst xmlns="" xmlns:p15="http://schemas.microsoft.com/office/powerpoint/2012/main">
+      <p15:sldGuideLst xmlns:p15="http://schemas.microsoft.com/office/powerpoint/2012/main" xmlns="">
         <p15:guide id="1" orient="horz" pos="2160">
           <p15:clr>
             <a:srgbClr val="A4A3A4"/>
@@ -6366,8 +6366,8 @@
           </a:p>
         </p:txBody>
       </p:sp>
-      <mc:AlternateContent xmlns:mc="http://schemas.openxmlformats.org/markup-compatibility/2006">
-        <mc:Choice xmlns:a14="http://schemas.microsoft.com/office/drawing/2010/main" Requires="a14">
+      <mc:AlternateContent xmlns:mc="http://schemas.openxmlformats.org/markup-compatibility/2006" xmlns:a14="http://schemas.microsoft.com/office/drawing/2010/main">
+        <mc:Choice Requires="a14">
           <p:sp>
             <p:nvSpPr>
               <p:cNvPr id="3" name="Tijdelijke aanduiding voor inhoud 2"/>
@@ -6763,7 +6763,7 @@
             </p:txBody>
           </p:sp>
         </mc:Choice>
-        <mc:Fallback>
+        <mc:Fallback xmlns="">
           <p:sp>
             <p:nvSpPr>
               <p:cNvPr id="3" name="Tijdelijke aanduiding voor inhoud 2"/>
@@ -7258,11 +7258,7 @@
             </a:r>
             <a:r>
               <a:rPr lang="nl-NL" smtClean="0"/>
-              <a:t>ongeveer</a:t>
-            </a:r>
-            <a:r>
-              <a:rPr lang="nl-NL" smtClean="0"/>
-              <a:t> </a:t>
+              <a:t>ongeveer </a:t>
             </a:r>
             <a:r>
               <a:rPr lang="nl-NL" dirty="0"/>
@@ -7299,56 +7295,56 @@
                 <a:gridCol w="1484290">
                   <a:extLst>
                     <a:ext uri="{9D8B030D-6E8A-4147-A177-3AD203B41FA5}">
-                      <a16:colId xmlns="" xmlns:a16="http://schemas.microsoft.com/office/drawing/2014/main" val="20000"/>
+                      <a16:colId xmlns:a16="http://schemas.microsoft.com/office/drawing/2014/main" xmlns="" val="20000"/>
                     </a:ext>
                   </a:extLst>
                 </a:gridCol>
                 <a:gridCol w="1484290">
                   <a:extLst>
                     <a:ext uri="{9D8B030D-6E8A-4147-A177-3AD203B41FA5}">
-                      <a16:colId xmlns="" xmlns:a16="http://schemas.microsoft.com/office/drawing/2014/main" val="20001"/>
+                      <a16:colId xmlns:a16="http://schemas.microsoft.com/office/drawing/2014/main" xmlns="" val="20001"/>
                     </a:ext>
                   </a:extLst>
                 </a:gridCol>
                 <a:gridCol w="1484290">
                   <a:extLst>
                     <a:ext uri="{9D8B030D-6E8A-4147-A177-3AD203B41FA5}">
-                      <a16:colId xmlns="" xmlns:a16="http://schemas.microsoft.com/office/drawing/2014/main" val="20002"/>
+                      <a16:colId xmlns:a16="http://schemas.microsoft.com/office/drawing/2014/main" xmlns="" val="20002"/>
                     </a:ext>
                   </a:extLst>
                 </a:gridCol>
                 <a:gridCol w="1484290">
                   <a:extLst>
                     <a:ext uri="{9D8B030D-6E8A-4147-A177-3AD203B41FA5}">
-                      <a16:colId xmlns="" xmlns:a16="http://schemas.microsoft.com/office/drawing/2014/main" val="20003"/>
+                      <a16:colId xmlns:a16="http://schemas.microsoft.com/office/drawing/2014/main" xmlns="" val="20003"/>
                     </a:ext>
                   </a:extLst>
                 </a:gridCol>
                 <a:gridCol w="1484290">
                   <a:extLst>
                     <a:ext uri="{9D8B030D-6E8A-4147-A177-3AD203B41FA5}">
-                      <a16:colId xmlns="" xmlns:a16="http://schemas.microsoft.com/office/drawing/2014/main" val="20004"/>
+                      <a16:colId xmlns:a16="http://schemas.microsoft.com/office/drawing/2014/main" xmlns="" val="20004"/>
                     </a:ext>
                   </a:extLst>
                 </a:gridCol>
                 <a:gridCol w="1484290">
                   <a:extLst>
                     <a:ext uri="{9D8B030D-6E8A-4147-A177-3AD203B41FA5}">
-                      <a16:colId xmlns="" xmlns:a16="http://schemas.microsoft.com/office/drawing/2014/main" val="20005"/>
+                      <a16:colId xmlns:a16="http://schemas.microsoft.com/office/drawing/2014/main" xmlns="" val="20005"/>
                     </a:ext>
                   </a:extLst>
                 </a:gridCol>
                 <a:gridCol w="1484290">
                   <a:extLst>
                     <a:ext uri="{9D8B030D-6E8A-4147-A177-3AD203B41FA5}">
-                      <a16:colId xmlns="" xmlns:a16="http://schemas.microsoft.com/office/drawing/2014/main" val="20006"/>
+                      <a16:colId xmlns:a16="http://schemas.microsoft.com/office/drawing/2014/main" xmlns="" val="20006"/>
                     </a:ext>
                   </a:extLst>
                 </a:gridCol>
                 <a:gridCol w="1484290">
                   <a:extLst>
                     <a:ext uri="{9D8B030D-6E8A-4147-A177-3AD203B41FA5}">
-                      <a16:colId xmlns="" xmlns:a16="http://schemas.microsoft.com/office/drawing/2014/main" val="20007"/>
+                      <a16:colId xmlns:a16="http://schemas.microsoft.com/office/drawing/2014/main" xmlns="" val="20007"/>
                     </a:ext>
                   </a:extLst>
                 </a:gridCol>
@@ -7473,7 +7469,7 @@
                 </a:tc>
                 <a:extLst>
                   <a:ext uri="{0D108BD9-81ED-4DB2-BD59-A6C34878D82A}">
-                    <a16:rowId xmlns="" xmlns:a16="http://schemas.microsoft.com/office/drawing/2014/main" val="10000"/>
+                    <a16:rowId xmlns:a16="http://schemas.microsoft.com/office/drawing/2014/main" xmlns="" val="10000"/>
                   </a:ext>
                 </a:extLst>
               </a:tr>
@@ -7648,7 +7644,7 @@
                 </a:tc>
                 <a:extLst>
                   <a:ext uri="{0D108BD9-81ED-4DB2-BD59-A6C34878D82A}">
-                    <a16:rowId xmlns="" xmlns:a16="http://schemas.microsoft.com/office/drawing/2014/main" val="10001"/>
+                    <a16:rowId xmlns:a16="http://schemas.microsoft.com/office/drawing/2014/main" xmlns="" val="10001"/>
                   </a:ext>
                 </a:extLst>
               </a:tr>
@@ -8116,7 +8112,12 @@
             <p:ph idx="1"/>
           </p:nvPr>
         </p:nvSpPr>
-        <p:spPr/>
+        <p:spPr>
+          <a:xfrm>
+            <a:off x="685800" y="2194560"/>
+            <a:ext cx="5740758" cy="4024125"/>
+          </a:xfrm>
+        </p:spPr>
         <p:txBody>
           <a:bodyPr/>
           <a:lstStyle/>
@@ -8155,6 +8156,36 @@
           </a:p>
         </p:txBody>
       </p:sp>
+      <p:pic>
+        <p:nvPicPr>
+          <p:cNvPr id="4" name="Afbeelding 3"/>
+          <p:cNvPicPr>
+            <a:picLocks noChangeAspect="1"/>
+          </p:cNvPicPr>
+          <p:nvPr/>
+        </p:nvPicPr>
+        <p:blipFill>
+          <a:blip r:embed="rId2">
+            <a:extLst>
+              <a:ext uri="{28A0092B-C50C-407E-A947-70E740481C1C}">
+                <a14:useLocalDpi xmlns:a14="http://schemas.microsoft.com/office/drawing/2010/main" val="0"/>
+              </a:ext>
+            </a:extLst>
+          </a:blip>
+          <a:stretch>
+            <a:fillRect/>
+          </a:stretch>
+        </p:blipFill>
+        <p:spPr>
+          <a:xfrm>
+            <a:off x="4764647" y="1837028"/>
+            <a:ext cx="7289979" cy="4859986"/>
+          </a:xfrm>
+          <a:prstGeom prst="rect">
+            <a:avLst/>
+          </a:prstGeom>
+        </p:spPr>
+      </p:pic>
     </p:spTree>
     <p:extLst>
       <p:ext uri="{BB962C8B-B14F-4D97-AF65-F5344CB8AC3E}">
@@ -9037,13 +9068,1586 @@
           <a:p>
             <a:r>
               <a:rPr lang="nl-NL"/>
+              <a:t>Barnes-Hut Algoritme</a:t>
+            </a:r>
+          </a:p>
+        </p:txBody>
+      </p:sp>
+      <p:sp>
+        <p:nvSpPr>
+          <p:cNvPr id="3" name="Tijdelijke aanduiding voor inhoud 2"/>
+          <p:cNvSpPr>
+            <a:spLocks noGrp="1"/>
+          </p:cNvSpPr>
+          <p:nvPr>
+            <p:ph idx="1"/>
+          </p:nvPr>
+        </p:nvSpPr>
+        <p:spPr>
+          <a:xfrm>
+            <a:off x="838200" y="1825624"/>
+            <a:ext cx="4998156" cy="4676776"/>
+          </a:xfrm>
+        </p:spPr>
+        <p:txBody>
+          <a:bodyPr>
+            <a:normAutofit/>
+          </a:bodyPr>
+          <a:lstStyle/>
+          <a:p>
+            <a:r>
+              <a:rPr lang="nl-NL" dirty="0"/>
+              <a:t>Langzaam model; orde N²</a:t>
+            </a:r>
+          </a:p>
+          <a:p>
+            <a:r>
+              <a:rPr lang="nl-NL" dirty="0"/>
+              <a:t>Afschatting: deeltjes dicht bij elkaar groeperen</a:t>
+            </a:r>
+          </a:p>
+          <a:p>
+            <a:r>
+              <a:rPr lang="nl-NL" dirty="0"/>
+              <a:t>Implementatie: ruimte recursief opdelen in kwadranten tot elk deeltje eigen kwadrant heeft</a:t>
+            </a:r>
+          </a:p>
+          <a:p>
+            <a:r>
+              <a:rPr lang="nl-NL" dirty="0"/>
+              <a:t>Programmeren: Barnes-Hut boom</a:t>
+            </a:r>
+          </a:p>
+          <a:p>
+            <a:r>
+              <a:rPr lang="nl-NL" dirty="0"/>
+              <a:t>Algoritme niet exact</a:t>
+            </a:r>
+          </a:p>
+          <a:p>
+            <a:r>
+              <a:rPr lang="nl-NL" dirty="0"/>
+              <a:t>orde N· log(N)</a:t>
+            </a:r>
+          </a:p>
+        </p:txBody>
+      </p:sp>
+      <p:pic>
+        <p:nvPicPr>
+          <p:cNvPr id="4" name="Afbeelding 3"/>
+          <p:cNvPicPr>
+            <a:picLocks noChangeAspect="1"/>
+          </p:cNvPicPr>
+          <p:nvPr/>
+        </p:nvPicPr>
+        <p:blipFill>
+          <a:blip r:embed="rId2">
+            <a:extLst>
+              <a:ext uri="{28A0092B-C50C-407E-A947-70E740481C1C}">
+                <a14:useLocalDpi xmlns:a14="http://schemas.microsoft.com/office/drawing/2010/main" val="0"/>
+              </a:ext>
+            </a:extLst>
+          </a:blip>
+          <a:stretch>
+            <a:fillRect/>
+          </a:stretch>
+        </p:blipFill>
+        <p:spPr>
+          <a:xfrm>
+            <a:off x="7572867" y="2057401"/>
+            <a:ext cx="3933333" cy="3933333"/>
+          </a:xfrm>
+          <a:prstGeom prst="rect">
+            <a:avLst/>
+          </a:prstGeom>
+        </p:spPr>
+      </p:pic>
+      <p:pic>
+        <p:nvPicPr>
+          <p:cNvPr id="5" name="Afbeelding 4"/>
+          <p:cNvPicPr>
+            <a:picLocks noChangeAspect="1"/>
+          </p:cNvPicPr>
+          <p:nvPr/>
+        </p:nvPicPr>
+        <p:blipFill rotWithShape="1">
+          <a:blip r:embed="rId3">
+            <a:extLst>
+              <a:ext uri="{28A0092B-C50C-407E-A947-70E740481C1C}">
+                <a14:useLocalDpi xmlns:a14="http://schemas.microsoft.com/office/drawing/2010/main" val="0"/>
+              </a:ext>
+            </a:extLst>
+          </a:blip>
+          <a:srcRect t="20254"/>
+          <a:stretch/>
+        </p:blipFill>
+        <p:spPr>
+          <a:xfrm>
+            <a:off x="3999282" y="4876800"/>
+            <a:ext cx="2575990" cy="1981200"/>
+          </a:xfrm>
+          <a:prstGeom prst="rect">
+            <a:avLst/>
+          </a:prstGeom>
+        </p:spPr>
+      </p:pic>
+    </p:spTree>
+    <p:extLst>
+      <p:ext uri="{BB962C8B-B14F-4D97-AF65-F5344CB8AC3E}">
+        <p14:creationId xmlns:p14="http://schemas.microsoft.com/office/powerpoint/2010/main" val="3770291243"/>
+      </p:ext>
+    </p:extLst>
+  </p:cSld>
+  <p:clrMapOvr>
+    <a:masterClrMapping/>
+  </p:clrMapOvr>
+  <p:timing>
+    <p:tnLst>
+      <p:par>
+        <p:cTn id="1" dur="indefinite" restart="never" nodeType="tmRoot"/>
+      </p:par>
+    </p:tnLst>
+  </p:timing>
+</p:sld>
+</file>
+
+<file path=ppt/slides/slide6.xml><?xml version="1.0" encoding="utf-8"?>
+<p:sld xmlns:a="http://schemas.openxmlformats.org/drawingml/2006/main" xmlns:r="http://schemas.openxmlformats.org/officeDocument/2006/relationships" xmlns:p="http://schemas.openxmlformats.org/presentationml/2006/main">
+  <p:cSld>
+    <p:spTree>
+      <p:nvGrpSpPr>
+        <p:cNvPr id="1" name="Shape 183"/>
+        <p:cNvGrpSpPr/>
+        <p:nvPr/>
+      </p:nvGrpSpPr>
+      <p:grpSpPr>
+        <a:xfrm>
+          <a:off x="0" y="0"/>
+          <a:ext cx="0" cy="0"/>
+          <a:chOff x="0" y="0"/>
+          <a:chExt cx="0" cy="0"/>
+        </a:xfrm>
+      </p:grpSpPr>
+      <p:pic>
+        <p:nvPicPr>
+          <p:cNvPr id="184" name="Shape 184" descr="barneshut_map_snelheid.png"/>
+          <p:cNvPicPr preferRelativeResize="0"/>
+          <p:nvPr/>
+        </p:nvPicPr>
+        <p:blipFill>
+          <a:blip r:embed="rId3">
+            <a:alphaModFix/>
+          </a:blip>
+          <a:stretch>
+            <a:fillRect/>
+          </a:stretch>
+        </p:blipFill>
+        <p:spPr>
+          <a:xfrm>
+            <a:off x="7572375" y="2064237"/>
+            <a:ext cx="3933825" cy="3933825"/>
+          </a:xfrm>
+          <a:prstGeom prst="rect">
+            <a:avLst/>
+          </a:prstGeom>
+          <a:noFill/>
+          <a:ln>
+            <a:noFill/>
+          </a:ln>
+        </p:spPr>
+      </p:pic>
+      <p:sp>
+        <p:nvSpPr>
+          <p:cNvPr id="185" name="Shape 185"/>
+          <p:cNvSpPr txBox="1">
+            <a:spLocks noGrp="1"/>
+          </p:cNvSpPr>
+          <p:nvPr>
+            <p:ph type="title"/>
+          </p:nvPr>
+        </p:nvSpPr>
+        <p:spPr>
+          <a:xfrm>
+            <a:off x="2895600" y="764372"/>
+            <a:ext cx="8610599" cy="1293027"/>
+          </a:xfrm>
+          <a:prstGeom prst="rect">
+            <a:avLst/>
+          </a:prstGeom>
+          <a:noFill/>
+          <a:ln>
+            <a:noFill/>
+          </a:ln>
+        </p:spPr>
+        <p:txBody>
+          <a:bodyPr lIns="91425" tIns="45700" rIns="91425" bIns="45700" anchor="ctr" anchorCtr="0">
+            <a:noAutofit/>
+          </a:bodyPr>
+          <a:lstStyle/>
+          <a:p>
+            <a:pPr marL="0" marR="0" lvl="0" indent="0" algn="r" rtl="0">
+              <a:lnSpc>
+                <a:spcPct val="90000"/>
+              </a:lnSpc>
+              <a:spcBef>
+                <a:spcPts val="0"/>
+              </a:spcBef>
+              <a:buClr>
+                <a:schemeClr val="dk1"/>
+              </a:buClr>
+              <a:buSzPct val="25000"/>
+              <a:buFont typeface="Century Gothic"/>
+              <a:buNone/>
+            </a:pPr>
+            <a:r>
+              <a:rPr lang="nl-NL" sz="4000" b="0" i="0" u="none" strike="noStrike" cap="none">
+                <a:solidFill>
+                  <a:schemeClr val="dk1"/>
+                </a:solidFill>
+                <a:latin typeface="Century Gothic"/>
+                <a:ea typeface="Century Gothic"/>
+                <a:cs typeface="Century Gothic"/>
+                <a:sym typeface="Century Gothic"/>
+              </a:rPr>
+              <a:t>BARNES-HUT VOOR BOTSINGEN</a:t>
+            </a:r>
+          </a:p>
+        </p:txBody>
+      </p:sp>
+      <p:sp>
+        <p:nvSpPr>
+          <p:cNvPr id="186" name="Shape 186"/>
+          <p:cNvSpPr txBox="1">
+            <a:spLocks noGrp="1"/>
+          </p:cNvSpPr>
+          <p:nvPr>
+            <p:ph type="body" idx="1"/>
+          </p:nvPr>
+        </p:nvSpPr>
+        <p:spPr>
+          <a:xfrm>
+            <a:off x="838200" y="1825210"/>
+            <a:ext cx="4998155" cy="4654198"/>
+          </a:xfrm>
+          <a:prstGeom prst="rect">
+            <a:avLst/>
+          </a:prstGeom>
+          <a:noFill/>
+          <a:ln>
+            <a:noFill/>
+          </a:ln>
+        </p:spPr>
+        <p:txBody>
+          <a:bodyPr lIns="91425" tIns="45700" rIns="91425" bIns="45700" anchor="t" anchorCtr="0">
+            <a:noAutofit/>
+          </a:bodyPr>
+          <a:lstStyle/>
+          <a:p>
+            <a:pPr marL="228600" marR="0" lvl="0" indent="-228600" algn="l" rtl="0">
+              <a:lnSpc>
+                <a:spcPct val="90000"/>
+              </a:lnSpc>
+              <a:spcBef>
+                <a:spcPts val="0"/>
+              </a:spcBef>
+              <a:spcAft>
+                <a:spcPts val="0"/>
+              </a:spcAft>
+              <a:buClr>
+                <a:schemeClr val="dk1"/>
+              </a:buClr>
+              <a:buSzPct val="100000"/>
+              <a:buFont typeface="Arial"/>
+              <a:buChar char="•"/>
+            </a:pPr>
+            <a:r>
+              <a:rPr lang="nl-NL" sz="2200" b="0" i="0" u="none" strike="noStrike" cap="none">
+                <a:solidFill>
+                  <a:schemeClr val="dk1"/>
+                </a:solidFill>
+                <a:latin typeface="Century Gothic"/>
+                <a:ea typeface="Century Gothic"/>
+                <a:cs typeface="Century Gothic"/>
+                <a:sym typeface="Century Gothic"/>
+              </a:rPr>
+              <a:t>Langzaam model; orde N²</a:t>
+            </a:r>
+          </a:p>
+          <a:p>
+            <a:pPr marL="228600" marR="0" lvl="0" indent="-228600" algn="l" rtl="0">
+              <a:lnSpc>
+                <a:spcPct val="90000"/>
+              </a:lnSpc>
+              <a:spcBef>
+                <a:spcPts val="1000"/>
+              </a:spcBef>
+              <a:spcAft>
+                <a:spcPts val="0"/>
+              </a:spcAft>
+              <a:buClr>
+                <a:schemeClr val="dk1"/>
+              </a:buClr>
+              <a:buSzPct val="100000"/>
+              <a:buFont typeface="Arial"/>
+              <a:buChar char="•"/>
+            </a:pPr>
+            <a:r>
+              <a:rPr lang="nl-NL" sz="2200" b="0" i="0" u="none" strike="noStrike" cap="none">
+                <a:solidFill>
+                  <a:schemeClr val="dk1"/>
+                </a:solidFill>
+                <a:latin typeface="Century Gothic"/>
+                <a:ea typeface="Century Gothic"/>
+                <a:cs typeface="Century Gothic"/>
+                <a:sym typeface="Century Gothic"/>
+              </a:rPr>
+              <a:t>Rond elk deeltje rechthoek met grenzen gebaseerd op straal en snelheid</a:t>
+            </a:r>
+          </a:p>
+          <a:p>
+            <a:pPr marL="228600" marR="0" lvl="0" indent="-228600" algn="l" rtl="0">
+              <a:lnSpc>
+                <a:spcPct val="90000"/>
+              </a:lnSpc>
+              <a:spcBef>
+                <a:spcPts val="1000"/>
+              </a:spcBef>
+              <a:spcAft>
+                <a:spcPts val="0"/>
+              </a:spcAft>
+              <a:buClr>
+                <a:schemeClr val="dk1"/>
+              </a:buClr>
+              <a:buSzPct val="100000"/>
+              <a:buFont typeface="Arial"/>
+              <a:buChar char="•"/>
+            </a:pPr>
+            <a:r>
+              <a:rPr lang="nl-NL" sz="2200" b="0" i="0" u="none" strike="noStrike" cap="none">
+                <a:solidFill>
+                  <a:schemeClr val="dk1"/>
+                </a:solidFill>
+                <a:latin typeface="Century Gothic"/>
+                <a:ea typeface="Century Gothic"/>
+                <a:cs typeface="Century Gothic"/>
+                <a:sym typeface="Century Gothic"/>
+              </a:rPr>
+              <a:t>Botsing mogelijk als en slechts als rechthoeken overlappen</a:t>
+            </a:r>
+          </a:p>
+          <a:p>
+            <a:pPr marL="228600" marR="0" lvl="0" indent="-228600" algn="l" rtl="0">
+              <a:lnSpc>
+                <a:spcPct val="90000"/>
+              </a:lnSpc>
+              <a:spcBef>
+                <a:spcPts val="1000"/>
+              </a:spcBef>
+              <a:spcAft>
+                <a:spcPts val="0"/>
+              </a:spcAft>
+              <a:buClr>
+                <a:schemeClr val="dk1"/>
+              </a:buClr>
+              <a:buSzPct val="100000"/>
+              <a:buFont typeface="Arial"/>
+              <a:buChar char="•"/>
+            </a:pPr>
+            <a:r>
+              <a:rPr lang="nl-NL" sz="2200" b="0" i="0" u="none" strike="noStrike" cap="none">
+                <a:solidFill>
+                  <a:schemeClr val="dk1"/>
+                </a:solidFill>
+                <a:latin typeface="Century Gothic"/>
+                <a:ea typeface="Century Gothic"/>
+                <a:cs typeface="Century Gothic"/>
+                <a:sym typeface="Century Gothic"/>
+              </a:rPr>
+              <a:t>Barnes-Hut boom: minimum van de minima, maximum van de maxima</a:t>
+            </a:r>
+          </a:p>
+          <a:p>
+            <a:pPr marL="228600" marR="0" lvl="0" indent="-228600" algn="l" rtl="0">
+              <a:lnSpc>
+                <a:spcPct val="90000"/>
+              </a:lnSpc>
+              <a:spcBef>
+                <a:spcPts val="1000"/>
+              </a:spcBef>
+              <a:spcAft>
+                <a:spcPts val="0"/>
+              </a:spcAft>
+              <a:buClr>
+                <a:schemeClr val="dk1"/>
+              </a:buClr>
+              <a:buSzPct val="100000"/>
+              <a:buFont typeface="Arial"/>
+              <a:buChar char="•"/>
+            </a:pPr>
+            <a:r>
+              <a:rPr lang="nl-NL" sz="2200" b="0" i="0" u="none" strike="noStrike" cap="none">
+                <a:solidFill>
+                  <a:schemeClr val="dk1"/>
+                </a:solidFill>
+                <a:latin typeface="Century Gothic"/>
+                <a:ea typeface="Century Gothic"/>
+                <a:cs typeface="Century Gothic"/>
+                <a:sym typeface="Century Gothic"/>
+              </a:rPr>
+              <a:t>Algoritme wel exact</a:t>
+            </a:r>
+          </a:p>
+          <a:p>
+            <a:pPr marL="228600" marR="0" lvl="0" indent="-228600" algn="l" rtl="0">
+              <a:lnSpc>
+                <a:spcPct val="90000"/>
+              </a:lnSpc>
+              <a:spcBef>
+                <a:spcPts val="1000"/>
+              </a:spcBef>
+              <a:buClr>
+                <a:schemeClr val="dk1"/>
+              </a:buClr>
+              <a:buSzPct val="100000"/>
+              <a:buFont typeface="Arial"/>
+              <a:buChar char="•"/>
+            </a:pPr>
+            <a:r>
+              <a:rPr lang="nl-NL" sz="2200" b="0" i="0" u="none" strike="noStrike" cap="none">
+                <a:solidFill>
+                  <a:schemeClr val="dk1"/>
+                </a:solidFill>
+                <a:latin typeface="Century Gothic"/>
+                <a:ea typeface="Century Gothic"/>
+                <a:cs typeface="Century Gothic"/>
+                <a:sym typeface="Century Gothic"/>
+              </a:rPr>
+              <a:t>orde N· log(N)</a:t>
+            </a:r>
+          </a:p>
+        </p:txBody>
+      </p:sp>
+      <p:pic>
+        <p:nvPicPr>
+          <p:cNvPr id="187" name="Shape 187"/>
+          <p:cNvPicPr preferRelativeResize="0"/>
+          <p:nvPr/>
+        </p:nvPicPr>
+        <p:blipFill rotWithShape="1">
+          <a:blip r:embed="rId4">
+            <a:alphaModFix/>
+          </a:blip>
+          <a:srcRect/>
+          <a:stretch/>
+        </p:blipFill>
+        <p:spPr>
+          <a:xfrm>
+            <a:off x="4307441" y="5140371"/>
+            <a:ext cx="2809476" cy="1717628"/>
+          </a:xfrm>
+          <a:prstGeom prst="rect">
+            <a:avLst/>
+          </a:prstGeom>
+          <a:noFill/>
+          <a:ln>
+            <a:noFill/>
+          </a:ln>
+        </p:spPr>
+      </p:pic>
+      <p:sp>
+        <p:nvSpPr>
+          <p:cNvPr id="188" name="Shape 188"/>
+          <p:cNvSpPr/>
+          <p:nvPr/>
+        </p:nvSpPr>
+        <p:spPr>
+          <a:xfrm>
+            <a:off x="9985750" y="4148175"/>
+            <a:ext cx="411900" cy="153600"/>
+          </a:xfrm>
+          <a:prstGeom prst="rect">
+            <a:avLst/>
+          </a:prstGeom>
+          <a:noFill/>
+          <a:ln w="19050" cap="flat" cmpd="sng">
+            <a:solidFill>
+              <a:srgbClr val="FF0000"/>
+            </a:solidFill>
+            <a:prstDash val="solid"/>
+            <a:round/>
+            <a:headEnd type="none" w="med" len="med"/>
+            <a:tailEnd type="none" w="med" len="med"/>
+          </a:ln>
+        </p:spPr>
+        <p:txBody>
+          <a:bodyPr lIns="91425" tIns="91425" rIns="91425" bIns="91425" anchor="ctr" anchorCtr="0">
+            <a:noAutofit/>
+          </a:bodyPr>
+          <a:lstStyle/>
+          <a:p>
+            <a:pPr lvl="0">
+              <a:spcBef>
+                <a:spcPts val="0"/>
+              </a:spcBef>
+              <a:buNone/>
+            </a:pPr>
+            <a:endParaRPr/>
+          </a:p>
+        </p:txBody>
+      </p:sp>
+      <p:sp>
+        <p:nvSpPr>
+          <p:cNvPr id="189" name="Shape 189"/>
+          <p:cNvSpPr/>
+          <p:nvPr/>
+        </p:nvSpPr>
+        <p:spPr>
+          <a:xfrm>
+            <a:off x="9838125" y="4012400"/>
+            <a:ext cx="265500" cy="426300"/>
+          </a:xfrm>
+          <a:prstGeom prst="rect">
+            <a:avLst/>
+          </a:prstGeom>
+          <a:noFill/>
+          <a:ln w="19050" cap="flat" cmpd="sng">
+            <a:solidFill>
+              <a:srgbClr val="FF0000"/>
+            </a:solidFill>
+            <a:prstDash val="solid"/>
+            <a:round/>
+            <a:headEnd type="none" w="med" len="med"/>
+            <a:tailEnd type="none" w="med" len="med"/>
+          </a:ln>
+        </p:spPr>
+        <p:txBody>
+          <a:bodyPr lIns="91425" tIns="91425" rIns="91425" bIns="91425" anchor="ctr" anchorCtr="0">
+            <a:noAutofit/>
+          </a:bodyPr>
+          <a:lstStyle/>
+          <a:p>
+            <a:pPr lvl="0" rtl="0">
+              <a:spcBef>
+                <a:spcPts val="0"/>
+              </a:spcBef>
+              <a:buNone/>
+            </a:pPr>
+            <a:endParaRPr/>
+          </a:p>
+        </p:txBody>
+      </p:sp>
+      <p:sp>
+        <p:nvSpPr>
+          <p:cNvPr id="190" name="Shape 190"/>
+          <p:cNvSpPr/>
+          <p:nvPr/>
+        </p:nvSpPr>
+        <p:spPr>
+          <a:xfrm>
+            <a:off x="11091875" y="3752850"/>
+            <a:ext cx="195300" cy="359400"/>
+          </a:xfrm>
+          <a:prstGeom prst="rect">
+            <a:avLst/>
+          </a:prstGeom>
+          <a:noFill/>
+          <a:ln w="19050" cap="flat" cmpd="sng">
+            <a:solidFill>
+              <a:srgbClr val="FF0000"/>
+            </a:solidFill>
+            <a:prstDash val="solid"/>
+            <a:round/>
+            <a:headEnd type="none" w="med" len="med"/>
+            <a:tailEnd type="none" w="med" len="med"/>
+          </a:ln>
+        </p:spPr>
+        <p:txBody>
+          <a:bodyPr lIns="91425" tIns="91425" rIns="91425" bIns="91425" anchor="ctr" anchorCtr="0">
+            <a:noAutofit/>
+          </a:bodyPr>
+          <a:lstStyle/>
+          <a:p>
+            <a:pPr lvl="0" rtl="0">
+              <a:spcBef>
+                <a:spcPts val="0"/>
+              </a:spcBef>
+              <a:buNone/>
+            </a:pPr>
+            <a:endParaRPr/>
+          </a:p>
+        </p:txBody>
+      </p:sp>
+      <p:sp>
+        <p:nvSpPr>
+          <p:cNvPr id="191" name="Shape 191"/>
+          <p:cNvSpPr/>
+          <p:nvPr/>
+        </p:nvSpPr>
+        <p:spPr>
+          <a:xfrm>
+            <a:off x="9335750" y="4438650"/>
+            <a:ext cx="75000" cy="210900"/>
+          </a:xfrm>
+          <a:prstGeom prst="rect">
+            <a:avLst/>
+          </a:prstGeom>
+          <a:noFill/>
+          <a:ln w="19050" cap="flat" cmpd="sng">
+            <a:solidFill>
+              <a:srgbClr val="FF0000"/>
+            </a:solidFill>
+            <a:prstDash val="solid"/>
+            <a:round/>
+            <a:headEnd type="none" w="med" len="med"/>
+            <a:tailEnd type="none" w="med" len="med"/>
+          </a:ln>
+        </p:spPr>
+        <p:txBody>
+          <a:bodyPr lIns="91425" tIns="91425" rIns="91425" bIns="91425" anchor="ctr" anchorCtr="0">
+            <a:noAutofit/>
+          </a:bodyPr>
+          <a:lstStyle/>
+          <a:p>
+            <a:pPr lvl="0" rtl="0">
+              <a:spcBef>
+                <a:spcPts val="0"/>
+              </a:spcBef>
+              <a:buNone/>
+            </a:pPr>
+            <a:endParaRPr/>
+          </a:p>
+        </p:txBody>
+      </p:sp>
+      <p:sp>
+        <p:nvSpPr>
+          <p:cNvPr id="192" name="Shape 192"/>
+          <p:cNvSpPr/>
+          <p:nvPr/>
+        </p:nvSpPr>
+        <p:spPr>
+          <a:xfrm>
+            <a:off x="10252450" y="5222100"/>
+            <a:ext cx="145200" cy="278700"/>
+          </a:xfrm>
+          <a:prstGeom prst="rect">
+            <a:avLst/>
+          </a:prstGeom>
+          <a:noFill/>
+          <a:ln w="19050" cap="flat" cmpd="sng">
+            <a:solidFill>
+              <a:srgbClr val="FF0000"/>
+            </a:solidFill>
+            <a:prstDash val="solid"/>
+            <a:round/>
+            <a:headEnd type="none" w="med" len="med"/>
+            <a:tailEnd type="none" w="med" len="med"/>
+          </a:ln>
+        </p:spPr>
+        <p:txBody>
+          <a:bodyPr lIns="91425" tIns="91425" rIns="91425" bIns="91425" anchor="ctr" anchorCtr="0">
+            <a:noAutofit/>
+          </a:bodyPr>
+          <a:lstStyle/>
+          <a:p>
+            <a:pPr lvl="0" rtl="0">
+              <a:spcBef>
+                <a:spcPts val="0"/>
+              </a:spcBef>
+              <a:buNone/>
+            </a:pPr>
+            <a:endParaRPr/>
+          </a:p>
+        </p:txBody>
+      </p:sp>
+      <p:sp>
+        <p:nvSpPr>
+          <p:cNvPr id="193" name="Shape 193"/>
+          <p:cNvSpPr/>
+          <p:nvPr/>
+        </p:nvSpPr>
+        <p:spPr>
+          <a:xfrm>
+            <a:off x="10452475" y="5242425"/>
+            <a:ext cx="163200" cy="109500"/>
+          </a:xfrm>
+          <a:prstGeom prst="rect">
+            <a:avLst/>
+          </a:prstGeom>
+          <a:noFill/>
+          <a:ln w="19050" cap="flat" cmpd="sng">
+            <a:solidFill>
+              <a:srgbClr val="FF0000"/>
+            </a:solidFill>
+            <a:prstDash val="solid"/>
+            <a:round/>
+            <a:headEnd type="none" w="med" len="med"/>
+            <a:tailEnd type="none" w="med" len="med"/>
+          </a:ln>
+        </p:spPr>
+        <p:txBody>
+          <a:bodyPr lIns="91425" tIns="91425" rIns="91425" bIns="91425" anchor="ctr" anchorCtr="0">
+            <a:noAutofit/>
+          </a:bodyPr>
+          <a:lstStyle/>
+          <a:p>
+            <a:pPr lvl="0" rtl="0">
+              <a:spcBef>
+                <a:spcPts val="0"/>
+              </a:spcBef>
+              <a:buNone/>
+            </a:pPr>
+            <a:endParaRPr/>
+          </a:p>
+        </p:txBody>
+      </p:sp>
+      <p:sp>
+        <p:nvSpPr>
+          <p:cNvPr id="194" name="Shape 194"/>
+          <p:cNvSpPr/>
+          <p:nvPr/>
+        </p:nvSpPr>
+        <p:spPr>
+          <a:xfrm>
+            <a:off x="9436900" y="5710250"/>
+            <a:ext cx="237000" cy="79800"/>
+          </a:xfrm>
+          <a:prstGeom prst="rect">
+            <a:avLst/>
+          </a:prstGeom>
+          <a:noFill/>
+          <a:ln w="19050" cap="flat" cmpd="sng">
+            <a:solidFill>
+              <a:srgbClr val="FF0000"/>
+            </a:solidFill>
+            <a:prstDash val="solid"/>
+            <a:round/>
+            <a:headEnd type="none" w="med" len="med"/>
+            <a:tailEnd type="none" w="med" len="med"/>
+          </a:ln>
+        </p:spPr>
+        <p:txBody>
+          <a:bodyPr lIns="91425" tIns="91425" rIns="91425" bIns="91425" anchor="ctr" anchorCtr="0">
+            <a:noAutofit/>
+          </a:bodyPr>
+          <a:lstStyle/>
+          <a:p>
+            <a:pPr lvl="0" rtl="0">
+              <a:spcBef>
+                <a:spcPts val="0"/>
+              </a:spcBef>
+              <a:buNone/>
+            </a:pPr>
+            <a:endParaRPr/>
+          </a:p>
+        </p:txBody>
+      </p:sp>
+      <p:sp>
+        <p:nvSpPr>
+          <p:cNvPr id="195" name="Shape 195"/>
+          <p:cNvSpPr/>
+          <p:nvPr/>
+        </p:nvSpPr>
+        <p:spPr>
+          <a:xfrm>
+            <a:off x="7871225" y="5057825"/>
+            <a:ext cx="163200" cy="359400"/>
+          </a:xfrm>
+          <a:prstGeom prst="rect">
+            <a:avLst/>
+          </a:prstGeom>
+          <a:noFill/>
+          <a:ln w="19050" cap="flat" cmpd="sng">
+            <a:solidFill>
+              <a:srgbClr val="FF0000"/>
+            </a:solidFill>
+            <a:prstDash val="solid"/>
+            <a:round/>
+            <a:headEnd type="none" w="med" len="med"/>
+            <a:tailEnd type="none" w="med" len="med"/>
+          </a:ln>
+        </p:spPr>
+        <p:txBody>
+          <a:bodyPr lIns="91425" tIns="91425" rIns="91425" bIns="91425" anchor="ctr" anchorCtr="0">
+            <a:noAutofit/>
+          </a:bodyPr>
+          <a:lstStyle/>
+          <a:p>
+            <a:pPr lvl="0" rtl="0">
+              <a:spcBef>
+                <a:spcPts val="0"/>
+              </a:spcBef>
+              <a:buNone/>
+            </a:pPr>
+            <a:endParaRPr/>
+          </a:p>
+        </p:txBody>
+      </p:sp>
+      <p:sp>
+        <p:nvSpPr>
+          <p:cNvPr id="196" name="Shape 196"/>
+          <p:cNvSpPr/>
+          <p:nvPr/>
+        </p:nvSpPr>
+        <p:spPr>
+          <a:xfrm>
+            <a:off x="7871225" y="5057825"/>
+            <a:ext cx="183300" cy="359400"/>
+          </a:xfrm>
+          <a:prstGeom prst="rect">
+            <a:avLst/>
+          </a:prstGeom>
+          <a:noFill/>
+          <a:ln w="19050" cap="flat" cmpd="sng">
+            <a:solidFill>
+              <a:srgbClr val="FF0000"/>
+            </a:solidFill>
+            <a:prstDash val="solid"/>
+            <a:round/>
+            <a:headEnd type="none" w="med" len="med"/>
+            <a:tailEnd type="none" w="med" len="med"/>
+          </a:ln>
+        </p:spPr>
+        <p:txBody>
+          <a:bodyPr lIns="91425" tIns="91425" rIns="91425" bIns="91425" anchor="ctr" anchorCtr="0">
+            <a:noAutofit/>
+          </a:bodyPr>
+          <a:lstStyle/>
+          <a:p>
+            <a:pPr lvl="0" rtl="0">
+              <a:spcBef>
+                <a:spcPts val="0"/>
+              </a:spcBef>
+              <a:buNone/>
+            </a:pPr>
+            <a:endParaRPr/>
+          </a:p>
+        </p:txBody>
+      </p:sp>
+      <p:sp>
+        <p:nvSpPr>
+          <p:cNvPr id="197" name="Shape 197"/>
+          <p:cNvSpPr/>
+          <p:nvPr/>
+        </p:nvSpPr>
+        <p:spPr>
+          <a:xfrm>
+            <a:off x="8846200" y="3052775"/>
+            <a:ext cx="131100" cy="128700"/>
+          </a:xfrm>
+          <a:prstGeom prst="rect">
+            <a:avLst/>
+          </a:prstGeom>
+          <a:noFill/>
+          <a:ln w="19050" cap="flat" cmpd="sng">
+            <a:solidFill>
+              <a:srgbClr val="FF0000"/>
+            </a:solidFill>
+            <a:prstDash val="solid"/>
+            <a:round/>
+            <a:headEnd type="none" w="med" len="med"/>
+            <a:tailEnd type="none" w="med" len="med"/>
+          </a:ln>
+        </p:spPr>
+        <p:txBody>
+          <a:bodyPr lIns="91425" tIns="91425" rIns="91425" bIns="91425" anchor="ctr" anchorCtr="0">
+            <a:noAutofit/>
+          </a:bodyPr>
+          <a:lstStyle/>
+          <a:p>
+            <a:pPr lvl="0" rtl="0">
+              <a:spcBef>
+                <a:spcPts val="0"/>
+              </a:spcBef>
+              <a:buNone/>
+            </a:pPr>
+            <a:endParaRPr/>
+          </a:p>
+        </p:txBody>
+      </p:sp>
+      <p:sp>
+        <p:nvSpPr>
+          <p:cNvPr id="198" name="Shape 198"/>
+          <p:cNvSpPr/>
+          <p:nvPr/>
+        </p:nvSpPr>
+        <p:spPr>
+          <a:xfrm>
+            <a:off x="9479600" y="3114675"/>
+            <a:ext cx="145200" cy="178500"/>
+          </a:xfrm>
+          <a:prstGeom prst="rect">
+            <a:avLst/>
+          </a:prstGeom>
+          <a:noFill/>
+          <a:ln w="19050" cap="flat" cmpd="sng">
+            <a:solidFill>
+              <a:srgbClr val="FF0000"/>
+            </a:solidFill>
+            <a:prstDash val="solid"/>
+            <a:round/>
+            <a:headEnd type="none" w="med" len="med"/>
+            <a:tailEnd type="none" w="med" len="med"/>
+          </a:ln>
+        </p:spPr>
+        <p:txBody>
+          <a:bodyPr lIns="91425" tIns="91425" rIns="91425" bIns="91425" anchor="ctr" anchorCtr="0">
+            <a:noAutofit/>
+          </a:bodyPr>
+          <a:lstStyle/>
+          <a:p>
+            <a:pPr lvl="0" rtl="0">
+              <a:spcBef>
+                <a:spcPts val="0"/>
+              </a:spcBef>
+              <a:buNone/>
+            </a:pPr>
+            <a:endParaRPr/>
+          </a:p>
+        </p:txBody>
+      </p:sp>
+      <p:sp>
+        <p:nvSpPr>
+          <p:cNvPr id="199" name="Shape 199"/>
+          <p:cNvSpPr/>
+          <p:nvPr/>
+        </p:nvSpPr>
+        <p:spPr>
+          <a:xfrm>
+            <a:off x="9985750" y="2800350"/>
+            <a:ext cx="584400" cy="252300"/>
+          </a:xfrm>
+          <a:prstGeom prst="rect">
+            <a:avLst/>
+          </a:prstGeom>
+          <a:noFill/>
+          <a:ln w="19050" cap="flat" cmpd="sng">
+            <a:solidFill>
+              <a:srgbClr val="FF0000"/>
+            </a:solidFill>
+            <a:prstDash val="solid"/>
+            <a:round/>
+            <a:headEnd type="none" w="med" len="med"/>
+            <a:tailEnd type="none" w="med" len="med"/>
+          </a:ln>
+        </p:spPr>
+        <p:txBody>
+          <a:bodyPr lIns="91425" tIns="91425" rIns="91425" bIns="91425" anchor="ctr" anchorCtr="0">
+            <a:noAutofit/>
+          </a:bodyPr>
+          <a:lstStyle/>
+          <a:p>
+            <a:pPr lvl="0" rtl="0">
+              <a:spcBef>
+                <a:spcPts val="0"/>
+              </a:spcBef>
+              <a:buNone/>
+            </a:pPr>
+            <a:endParaRPr/>
+          </a:p>
+        </p:txBody>
+      </p:sp>
+      <p:sp>
+        <p:nvSpPr>
+          <p:cNvPr id="200" name="Shape 200"/>
+          <p:cNvSpPr/>
+          <p:nvPr/>
+        </p:nvSpPr>
+        <p:spPr>
+          <a:xfrm>
+            <a:off x="8834300" y="2531300"/>
+            <a:ext cx="183300" cy="66600"/>
+          </a:xfrm>
+          <a:prstGeom prst="rect">
+            <a:avLst/>
+          </a:prstGeom>
+          <a:noFill/>
+          <a:ln w="19050" cap="flat" cmpd="sng">
+            <a:solidFill>
+              <a:srgbClr val="FF0000"/>
+            </a:solidFill>
+            <a:prstDash val="solid"/>
+            <a:round/>
+            <a:headEnd type="none" w="med" len="med"/>
+            <a:tailEnd type="none" w="med" len="med"/>
+          </a:ln>
+        </p:spPr>
+        <p:txBody>
+          <a:bodyPr lIns="91425" tIns="91425" rIns="91425" bIns="91425" anchor="ctr" anchorCtr="0">
+            <a:noAutofit/>
+          </a:bodyPr>
+          <a:lstStyle/>
+          <a:p>
+            <a:pPr lvl="0" rtl="0">
+              <a:spcBef>
+                <a:spcPts val="0"/>
+              </a:spcBef>
+              <a:buNone/>
+            </a:pPr>
+            <a:endParaRPr/>
+          </a:p>
+        </p:txBody>
+      </p:sp>
+      <p:sp>
+        <p:nvSpPr>
+          <p:cNvPr id="201" name="Shape 201"/>
+          <p:cNvSpPr/>
+          <p:nvPr/>
+        </p:nvSpPr>
+        <p:spPr>
+          <a:xfrm>
+            <a:off x="9223500" y="2405100"/>
+            <a:ext cx="237000" cy="109500"/>
+          </a:xfrm>
+          <a:prstGeom prst="rect">
+            <a:avLst/>
+          </a:prstGeom>
+          <a:noFill/>
+          <a:ln w="19050" cap="flat" cmpd="sng">
+            <a:solidFill>
+              <a:srgbClr val="FF0000"/>
+            </a:solidFill>
+            <a:prstDash val="solid"/>
+            <a:round/>
+            <a:headEnd type="none" w="med" len="med"/>
+            <a:tailEnd type="none" w="med" len="med"/>
+          </a:ln>
+        </p:spPr>
+        <p:txBody>
+          <a:bodyPr lIns="91425" tIns="91425" rIns="91425" bIns="91425" anchor="ctr" anchorCtr="0">
+            <a:noAutofit/>
+          </a:bodyPr>
+          <a:lstStyle/>
+          <a:p>
+            <a:pPr lvl="0" rtl="0">
+              <a:spcBef>
+                <a:spcPts val="0"/>
+              </a:spcBef>
+              <a:buNone/>
+            </a:pPr>
+            <a:endParaRPr/>
+          </a:p>
+        </p:txBody>
+      </p:sp>
+      <p:sp>
+        <p:nvSpPr>
+          <p:cNvPr id="202" name="Shape 202"/>
+          <p:cNvSpPr/>
+          <p:nvPr/>
+        </p:nvSpPr>
+        <p:spPr>
+          <a:xfrm>
+            <a:off x="8034425" y="3082775"/>
+            <a:ext cx="395100" cy="252300"/>
+          </a:xfrm>
+          <a:prstGeom prst="rect">
+            <a:avLst/>
+          </a:prstGeom>
+          <a:noFill/>
+          <a:ln w="19050" cap="flat" cmpd="sng">
+            <a:solidFill>
+              <a:srgbClr val="FF0000"/>
+            </a:solidFill>
+            <a:prstDash val="solid"/>
+            <a:round/>
+            <a:headEnd type="none" w="med" len="med"/>
+            <a:tailEnd type="none" w="med" len="med"/>
+          </a:ln>
+        </p:spPr>
+        <p:txBody>
+          <a:bodyPr lIns="91425" tIns="91425" rIns="91425" bIns="91425" anchor="ctr" anchorCtr="0">
+            <a:noAutofit/>
+          </a:bodyPr>
+          <a:lstStyle/>
+          <a:p>
+            <a:pPr lvl="0" rtl="0">
+              <a:spcBef>
+                <a:spcPts val="0"/>
+              </a:spcBef>
+              <a:buNone/>
+            </a:pPr>
+            <a:endParaRPr/>
+          </a:p>
+        </p:txBody>
+      </p:sp>
+      <p:cxnSp>
+        <p:nvCxnSpPr>
+          <p:cNvPr id="203" name="Shape 203"/>
+          <p:cNvCxnSpPr/>
+          <p:nvPr/>
+        </p:nvCxnSpPr>
+        <p:spPr>
+          <a:xfrm flipH="1">
+            <a:off x="10149400" y="3826675"/>
+            <a:ext cx="201900" cy="304500"/>
+          </a:xfrm>
+          <a:prstGeom prst="straightConnector1">
+            <a:avLst/>
+          </a:prstGeom>
+          <a:noFill/>
+          <a:ln w="9525" cap="flat" cmpd="sng">
+            <a:solidFill>
+              <a:srgbClr val="38761D"/>
+            </a:solidFill>
+            <a:prstDash val="solid"/>
+            <a:round/>
+            <a:headEnd type="none" w="lg" len="lg"/>
+            <a:tailEnd type="triangle" w="lg" len="lg"/>
+          </a:ln>
+        </p:spPr>
+      </p:cxnSp>
+      <p:sp>
+        <p:nvSpPr>
+          <p:cNvPr id="204" name="Shape 204"/>
+          <p:cNvSpPr txBox="1"/>
+          <p:nvPr/>
+        </p:nvSpPr>
+        <p:spPr>
+          <a:xfrm>
+            <a:off x="9838125" y="3374950"/>
+            <a:ext cx="1200300" cy="549900"/>
+          </a:xfrm>
+          <a:prstGeom prst="rect">
+            <a:avLst/>
+          </a:prstGeom>
+          <a:noFill/>
+          <a:ln>
+            <a:noFill/>
+          </a:ln>
+        </p:spPr>
+        <p:txBody>
+          <a:bodyPr lIns="91425" tIns="91425" rIns="91425" bIns="91425" anchor="t" anchorCtr="0">
+            <a:noAutofit/>
+          </a:bodyPr>
+          <a:lstStyle/>
+          <a:p>
+            <a:pPr lvl="0">
+              <a:spcBef>
+                <a:spcPts val="0"/>
+              </a:spcBef>
+              <a:buNone/>
+            </a:pPr>
+            <a:r>
+              <a:rPr lang="nl-NL"/>
+              <a:t>overlap, geen botsing</a:t>
+            </a:r>
+          </a:p>
+        </p:txBody>
+      </p:sp>
+      <p:cxnSp>
+        <p:nvCxnSpPr>
+          <p:cNvPr id="205" name="Shape 205"/>
+          <p:cNvCxnSpPr/>
+          <p:nvPr/>
+        </p:nvCxnSpPr>
+        <p:spPr>
+          <a:xfrm flipH="1">
+            <a:off x="8034425" y="4693450"/>
+            <a:ext cx="201900" cy="304500"/>
+          </a:xfrm>
+          <a:prstGeom prst="straightConnector1">
+            <a:avLst/>
+          </a:prstGeom>
+          <a:noFill/>
+          <a:ln w="9525" cap="flat" cmpd="sng">
+            <a:solidFill>
+              <a:srgbClr val="FF0000"/>
+            </a:solidFill>
+            <a:prstDash val="solid"/>
+            <a:round/>
+            <a:headEnd type="none" w="lg" len="lg"/>
+            <a:tailEnd type="triangle" w="lg" len="lg"/>
+          </a:ln>
+        </p:spPr>
+      </p:cxnSp>
+      <p:sp>
+        <p:nvSpPr>
+          <p:cNvPr id="206" name="Shape 206"/>
+          <p:cNvSpPr txBox="1"/>
+          <p:nvPr/>
+        </p:nvSpPr>
+        <p:spPr>
+          <a:xfrm>
+            <a:off x="7715250" y="4360450"/>
+            <a:ext cx="924000" cy="495300"/>
+          </a:xfrm>
+          <a:prstGeom prst="rect">
+            <a:avLst/>
+          </a:prstGeom>
+          <a:noFill/>
+          <a:ln>
+            <a:noFill/>
+          </a:ln>
+        </p:spPr>
+        <p:txBody>
+          <a:bodyPr lIns="91425" tIns="91425" rIns="91425" bIns="91425" anchor="t" anchorCtr="0">
+            <a:noAutofit/>
+          </a:bodyPr>
+          <a:lstStyle/>
+          <a:p>
+            <a:pPr lvl="0">
+              <a:spcBef>
+                <a:spcPts val="0"/>
+              </a:spcBef>
+              <a:buNone/>
+            </a:pPr>
+            <a:r>
+              <a:rPr lang="nl-NL"/>
+              <a:t>overlap, botsing</a:t>
+            </a:r>
+          </a:p>
+        </p:txBody>
+      </p:sp>
+      <p:sp>
+        <p:nvSpPr>
+          <p:cNvPr id="207" name="Shape 207"/>
+          <p:cNvSpPr/>
+          <p:nvPr/>
+        </p:nvSpPr>
+        <p:spPr>
+          <a:xfrm>
+            <a:off x="8034425" y="2405100"/>
+            <a:ext cx="1590300" cy="930000"/>
+          </a:xfrm>
+          <a:prstGeom prst="rect">
+            <a:avLst/>
+          </a:prstGeom>
+          <a:noFill/>
+          <a:ln w="19050" cap="flat" cmpd="sng">
+            <a:solidFill>
+              <a:srgbClr val="FFFF00"/>
+            </a:solidFill>
+            <a:prstDash val="solid"/>
+            <a:round/>
+            <a:headEnd type="none" w="med" len="med"/>
+            <a:tailEnd type="none" w="med" len="med"/>
+          </a:ln>
+        </p:spPr>
+        <p:txBody>
+          <a:bodyPr lIns="91425" tIns="91425" rIns="91425" bIns="91425" anchor="ctr" anchorCtr="0">
+            <a:noAutofit/>
+          </a:bodyPr>
+          <a:lstStyle/>
+          <a:p>
+            <a:pPr lvl="0" rtl="0">
+              <a:spcBef>
+                <a:spcPts val="0"/>
+              </a:spcBef>
+              <a:buNone/>
+            </a:pPr>
+            <a:endParaRPr/>
+          </a:p>
+        </p:txBody>
+      </p:sp>
+      <p:sp>
+        <p:nvSpPr>
+          <p:cNvPr id="208" name="Shape 208"/>
+          <p:cNvSpPr txBox="1"/>
+          <p:nvPr/>
+        </p:nvSpPr>
+        <p:spPr>
+          <a:xfrm>
+            <a:off x="5956625" y="1932450"/>
+            <a:ext cx="1914600" cy="1054800"/>
+          </a:xfrm>
+          <a:prstGeom prst="rect">
+            <a:avLst/>
+          </a:prstGeom>
+          <a:noFill/>
+          <a:ln>
+            <a:noFill/>
+          </a:ln>
+        </p:spPr>
+        <p:txBody>
+          <a:bodyPr lIns="91425" tIns="91425" rIns="91425" bIns="91425" anchor="t" anchorCtr="0">
+            <a:noAutofit/>
+          </a:bodyPr>
+          <a:lstStyle/>
+          <a:p>
+            <a:pPr lvl="0">
+              <a:spcBef>
+                <a:spcPts val="0"/>
+              </a:spcBef>
+              <a:buNone/>
+            </a:pPr>
+            <a:r>
+              <a:rPr lang="nl-NL"/>
+              <a:t>geel: grens van noordwest kwadrant</a:t>
+            </a:r>
+          </a:p>
+        </p:txBody>
+      </p:sp>
+    </p:spTree>
+  </p:cSld>
+  <p:clrMapOvr>
+    <a:masterClrMapping/>
+  </p:clrMapOvr>
+  <p:timing>
+    <p:tnLst>
+      <p:par>
+        <p:cTn id="1" dur="indefinite" restart="never" nodeType="tmRoot"/>
+      </p:par>
+    </p:tnLst>
+  </p:timing>
+</p:sld>
+</file>
+
+<file path=ppt/slides/slide7.xml><?xml version="1.0" encoding="utf-8"?>
+<p:sld xmlns:a="http://schemas.openxmlformats.org/drawingml/2006/main" xmlns:r="http://schemas.openxmlformats.org/officeDocument/2006/relationships" xmlns:p="http://schemas.openxmlformats.org/presentationml/2006/main">
+  <p:cSld>
+    <p:spTree>
+      <p:nvGrpSpPr>
+        <p:cNvPr id="1" name=""/>
+        <p:cNvGrpSpPr/>
+        <p:nvPr/>
+      </p:nvGrpSpPr>
+      <p:grpSpPr>
+        <a:xfrm>
+          <a:off x="0" y="0"/>
+          <a:ext cx="0" cy="0"/>
+          <a:chOff x="0" y="0"/>
+          <a:chExt cx="0" cy="0"/>
+        </a:xfrm>
+      </p:grpSpPr>
+      <p:sp>
+        <p:nvSpPr>
+          <p:cNvPr id="2" name="Titel 1"/>
+          <p:cNvSpPr>
+            <a:spLocks noGrp="1"/>
+          </p:cNvSpPr>
+          <p:nvPr>
+            <p:ph type="title"/>
+          </p:nvPr>
+        </p:nvSpPr>
+        <p:spPr/>
+        <p:txBody>
+          <a:bodyPr/>
+          <a:lstStyle/>
+          <a:p>
+            <a:r>
+              <a:rPr lang="nl-NL" dirty="0"/>
+              <a:t>Barnes-Hut voor botsingen</a:t>
+            </a:r>
+          </a:p>
+        </p:txBody>
+      </p:sp>
+      <p:sp>
+        <p:nvSpPr>
+          <p:cNvPr id="3" name="Tijdelijke aanduiding voor inhoud 2"/>
+          <p:cNvSpPr>
+            <a:spLocks noGrp="1"/>
+          </p:cNvSpPr>
+          <p:nvPr>
+            <p:ph idx="1"/>
+          </p:nvPr>
+        </p:nvSpPr>
+        <p:spPr>
+          <a:xfrm>
+            <a:off x="838200" y="1791758"/>
+            <a:ext cx="4998156" cy="4654198"/>
+          </a:xfrm>
+        </p:spPr>
+        <p:txBody>
+          <a:bodyPr>
+            <a:normAutofit/>
+          </a:bodyPr>
+          <a:lstStyle/>
+          <a:p>
+            <a:r>
+              <a:rPr lang="nl-NL" dirty="0"/>
+              <a:t>Langzaam model; orde N²</a:t>
+            </a:r>
+          </a:p>
+          <a:p>
+            <a:r>
+              <a:rPr lang="nl-NL" dirty="0"/>
+              <a:t>Rond elk deeltje rechthoek met grenzen</a:t>
+            </a:r>
+          </a:p>
+          <a:p>
+            <a:r>
+              <a:rPr lang="nl-NL" dirty="0"/>
+              <a:t>Botsing mogelijk als en slechts als rechthoeken overlappen</a:t>
+            </a:r>
+          </a:p>
+          <a:p>
+            <a:r>
+              <a:rPr lang="nl-NL" dirty="0"/>
+              <a:t>Barnes-Hut boom: interne takken hebben ruimste rechthoek</a:t>
+            </a:r>
+          </a:p>
+          <a:p>
+            <a:r>
+              <a:rPr lang="nl-NL" dirty="0"/>
+              <a:t>Algoritme wel exact</a:t>
+            </a:r>
+          </a:p>
+          <a:p>
+            <a:r>
+              <a:rPr lang="nl-NL" dirty="0"/>
+              <a:t>orde N· log(N)</a:t>
+            </a:r>
+          </a:p>
+        </p:txBody>
+      </p:sp>
+    </p:spTree>
+    <p:extLst>
+      <p:ext uri="{BB962C8B-B14F-4D97-AF65-F5344CB8AC3E}">
+        <p14:creationId xmlns:p14="http://schemas.microsoft.com/office/powerpoint/2010/main" val="3051500588"/>
+      </p:ext>
+    </p:extLst>
+  </p:cSld>
+  <p:clrMapOvr>
+    <a:masterClrMapping/>
+  </p:clrMapOvr>
+  <p:timing>
+    <p:tnLst>
+      <p:par>
+        <p:cTn id="1" dur="indefinite" restart="never" nodeType="tmRoot"/>
+      </p:par>
+    </p:tnLst>
+  </p:timing>
+</p:sld>
+</file>
+
+<file path=ppt/slides/slide8.xml><?xml version="1.0" encoding="utf-8"?>
+<p:sld xmlns:a="http://schemas.openxmlformats.org/drawingml/2006/main" xmlns:r="http://schemas.openxmlformats.org/officeDocument/2006/relationships" xmlns:p="http://schemas.openxmlformats.org/presentationml/2006/main">
+  <p:cSld>
+    <p:spTree>
+      <p:nvGrpSpPr>
+        <p:cNvPr id="1" name=""/>
+        <p:cNvGrpSpPr/>
+        <p:nvPr/>
+      </p:nvGrpSpPr>
+      <p:grpSpPr>
+        <a:xfrm>
+          <a:off x="0" y="0"/>
+          <a:ext cx="0" cy="0"/>
+          <a:chOff x="0" y="0"/>
+          <a:chExt cx="0" cy="0"/>
+        </a:xfrm>
+      </p:grpSpPr>
+      <p:pic>
+        <p:nvPicPr>
+          <p:cNvPr id="1026" name="Picture 2" descr="C:\Users\guanyu\Documents\mod2b\Presentatie\AantPlaneten2.jpg"/>
+          <p:cNvPicPr>
+            <a:picLocks noChangeAspect="1" noChangeArrowheads="1"/>
+          </p:cNvPicPr>
+          <p:nvPr/>
+        </p:nvPicPr>
+        <p:blipFill rotWithShape="1">
+          <a:blip r:embed="rId2">
+            <a:extLst>
+              <a:ext uri="{28A0092B-C50C-407E-A947-70E740481C1C}">
+                <a14:useLocalDpi xmlns:a14="http://schemas.microsoft.com/office/drawing/2010/main" val="0"/>
+              </a:ext>
+            </a:extLst>
+          </a:blip>
+          <a:srcRect l="7715"/>
+          <a:stretch/>
+        </p:blipFill>
+        <p:spPr bwMode="auto">
+          <a:xfrm>
+            <a:off x="2290715" y="1136307"/>
+            <a:ext cx="8290513" cy="5937317"/>
+          </a:xfrm>
+          <a:prstGeom prst="rect">
+            <a:avLst/>
+          </a:prstGeom>
+          <a:noFill/>
+          <a:extLst>
+            <a:ext uri="{909E8E84-426E-40DD-AFC4-6F175D3DCCD1}">
+              <a14:hiddenFill xmlns:a14="http://schemas.microsoft.com/office/drawing/2010/main">
+                <a:solidFill>
+                  <a:srgbClr val="FFFFFF"/>
+                </a:solidFill>
+              </a14:hiddenFill>
+            </a:ext>
+          </a:extLst>
+        </p:spPr>
+      </p:pic>
+      <p:sp>
+        <p:nvSpPr>
+          <p:cNvPr id="2" name="Titel 1"/>
+          <p:cNvSpPr>
+            <a:spLocks noGrp="1"/>
+          </p:cNvSpPr>
+          <p:nvPr>
+            <p:ph type="title"/>
+          </p:nvPr>
+        </p:nvSpPr>
+        <p:spPr/>
+        <p:txBody>
+          <a:bodyPr/>
+          <a:lstStyle/>
+          <a:p>
+            <a:r>
+              <a:rPr lang="nl-NL"/>
+              <a:t>Resultaten</a:t>
+            </a:r>
+          </a:p>
+        </p:txBody>
+      </p:sp>
+    </p:spTree>
+    <p:extLst>
+      <p:ext uri="{BB962C8B-B14F-4D97-AF65-F5344CB8AC3E}">
+        <p14:creationId xmlns:p14="http://schemas.microsoft.com/office/powerpoint/2010/main" val="2321559582"/>
+      </p:ext>
+    </p:extLst>
+  </p:cSld>
+  <p:clrMapOvr>
+    <a:masterClrMapping/>
+  </p:clrMapOvr>
+  <p:timing>
+    <p:tnLst>
+      <p:par>
+        <p:cTn id="1" dur="indefinite" restart="never" nodeType="tmRoot"/>
+      </p:par>
+    </p:tnLst>
+  </p:timing>
+</p:sld>
+</file>
+
+<file path=ppt/slides/slide9.xml><?xml version="1.0" encoding="utf-8"?>
+<p:sld xmlns:a="http://schemas.openxmlformats.org/drawingml/2006/main" xmlns:r="http://schemas.openxmlformats.org/officeDocument/2006/relationships" xmlns:p="http://schemas.openxmlformats.org/presentationml/2006/main">
+  <p:cSld>
+    <p:spTree>
+      <p:nvGrpSpPr>
+        <p:cNvPr id="1" name=""/>
+        <p:cNvGrpSpPr/>
+        <p:nvPr/>
+      </p:nvGrpSpPr>
+      <p:grpSpPr>
+        <a:xfrm>
+          <a:off x="0" y="0"/>
+          <a:ext cx="0" cy="0"/>
+          <a:chOff x="0" y="0"/>
+          <a:chExt cx="0" cy="0"/>
+        </a:xfrm>
+      </p:grpSpPr>
+      <p:sp>
+        <p:nvSpPr>
+          <p:cNvPr id="2" name="Titel 1"/>
+          <p:cNvSpPr>
+            <a:spLocks noGrp="1"/>
+          </p:cNvSpPr>
+          <p:nvPr>
+            <p:ph type="title"/>
+          </p:nvPr>
+        </p:nvSpPr>
+        <p:spPr/>
+        <p:txBody>
+          <a:bodyPr/>
+          <a:lstStyle/>
+          <a:p>
+            <a:r>
+              <a:rPr lang="nl-NL"/>
               <a:t>Leapfrog</a:t>
             </a:r>
           </a:p>
         </p:txBody>
       </p:sp>
-      <mc:AlternateContent xmlns:mc="http://schemas.openxmlformats.org/markup-compatibility/2006">
-        <mc:Choice xmlns:a14="http://schemas.microsoft.com/office/drawing/2010/main" Requires="a14">
+      <mc:AlternateContent xmlns:mc="http://schemas.openxmlformats.org/markup-compatibility/2006" xmlns:a14="http://schemas.microsoft.com/office/drawing/2010/main">
+        <mc:Choice Requires="a14">
           <p:sp>
             <p:nvSpPr>
               <p:cNvPr id="3" name="Tijdelijke aanduiding voor inhoud 2"/>
@@ -9167,11 +10771,7 @@
               <a:p>
                 <a:r>
                   <a:rPr lang="nl-NL" smtClean="0"/>
-                  <a:t>Formule</a:t>
-                </a:r>
-                <a:r>
-                  <a:rPr lang="nl-NL" smtClean="0"/>
-                  <a:t>:</a:t>
+                  <a:t>Formule:</a:t>
                 </a:r>
               </a:p>
               <a:p>
@@ -9544,7 +11144,7 @@
             </p:txBody>
           </p:sp>
         </mc:Choice>
-        <mc:Fallback>
+        <mc:Fallback xmlns="">
           <p:sp>
             <p:nvSpPr>
               <p:cNvPr id="3" name="Tijdelijke aanduiding voor inhoud 2"/>
@@ -9612,1579 +11212,6 @@
     <p:extLst>
       <p:ext uri="{BB962C8B-B14F-4D97-AF65-F5344CB8AC3E}">
         <p14:creationId xmlns:p14="http://schemas.microsoft.com/office/powerpoint/2010/main" val="4106520603"/>
-      </p:ext>
-    </p:extLst>
-  </p:cSld>
-  <p:clrMapOvr>
-    <a:masterClrMapping/>
-  </p:clrMapOvr>
-  <p:timing>
-    <p:tnLst>
-      <p:par>
-        <p:cTn id="1" dur="indefinite" restart="never" nodeType="tmRoot"/>
-      </p:par>
-    </p:tnLst>
-  </p:timing>
-</p:sld>
-</file>
-
-<file path=ppt/slides/slide6.xml><?xml version="1.0" encoding="utf-8"?>
-<p:sld xmlns:a="http://schemas.openxmlformats.org/drawingml/2006/main" xmlns:r="http://schemas.openxmlformats.org/officeDocument/2006/relationships" xmlns:p="http://schemas.openxmlformats.org/presentationml/2006/main">
-  <p:cSld>
-    <p:spTree>
-      <p:nvGrpSpPr>
-        <p:cNvPr id="1" name=""/>
-        <p:cNvGrpSpPr/>
-        <p:nvPr/>
-      </p:nvGrpSpPr>
-      <p:grpSpPr>
-        <a:xfrm>
-          <a:off x="0" y="0"/>
-          <a:ext cx="0" cy="0"/>
-          <a:chOff x="0" y="0"/>
-          <a:chExt cx="0" cy="0"/>
-        </a:xfrm>
-      </p:grpSpPr>
-      <p:sp>
-        <p:nvSpPr>
-          <p:cNvPr id="2" name="Titel 1"/>
-          <p:cNvSpPr>
-            <a:spLocks noGrp="1"/>
-          </p:cNvSpPr>
-          <p:nvPr>
-            <p:ph type="title"/>
-          </p:nvPr>
-        </p:nvSpPr>
-        <p:spPr/>
-        <p:txBody>
-          <a:bodyPr/>
-          <a:lstStyle/>
-          <a:p>
-            <a:r>
-              <a:rPr lang="nl-NL"/>
-              <a:t>Barnes-Hut Algoritme</a:t>
-            </a:r>
-          </a:p>
-        </p:txBody>
-      </p:sp>
-      <p:sp>
-        <p:nvSpPr>
-          <p:cNvPr id="3" name="Tijdelijke aanduiding voor inhoud 2"/>
-          <p:cNvSpPr>
-            <a:spLocks noGrp="1"/>
-          </p:cNvSpPr>
-          <p:nvPr>
-            <p:ph idx="1"/>
-          </p:nvPr>
-        </p:nvSpPr>
-        <p:spPr>
-          <a:xfrm>
-            <a:off x="838200" y="1825624"/>
-            <a:ext cx="4998156" cy="4676776"/>
-          </a:xfrm>
-        </p:spPr>
-        <p:txBody>
-          <a:bodyPr>
-            <a:normAutofit/>
-          </a:bodyPr>
-          <a:lstStyle/>
-          <a:p>
-            <a:r>
-              <a:rPr lang="nl-NL" dirty="0"/>
-              <a:t>Langzaam model; orde N²</a:t>
-            </a:r>
-          </a:p>
-          <a:p>
-            <a:r>
-              <a:rPr lang="nl-NL" dirty="0"/>
-              <a:t>Afschatting: deeltjes dicht bij elkaar groeperen</a:t>
-            </a:r>
-          </a:p>
-          <a:p>
-            <a:r>
-              <a:rPr lang="nl-NL" dirty="0"/>
-              <a:t>Implementatie: ruimte recursief opdelen in kwadranten tot elk deeltje eigen kwadrant heeft</a:t>
-            </a:r>
-          </a:p>
-          <a:p>
-            <a:r>
-              <a:rPr lang="nl-NL" dirty="0"/>
-              <a:t>Programmeren: Barnes-Hut boom</a:t>
-            </a:r>
-          </a:p>
-          <a:p>
-            <a:r>
-              <a:rPr lang="nl-NL" dirty="0"/>
-              <a:t>Algoritme niet exact</a:t>
-            </a:r>
-          </a:p>
-          <a:p>
-            <a:r>
-              <a:rPr lang="nl-NL" dirty="0"/>
-              <a:t>orde N· log(N)</a:t>
-            </a:r>
-          </a:p>
-        </p:txBody>
-      </p:sp>
-      <p:pic>
-        <p:nvPicPr>
-          <p:cNvPr id="4" name="Afbeelding 3"/>
-          <p:cNvPicPr>
-            <a:picLocks noChangeAspect="1"/>
-          </p:cNvPicPr>
-          <p:nvPr/>
-        </p:nvPicPr>
-        <p:blipFill>
-          <a:blip r:embed="rId2">
-            <a:extLst>
-              <a:ext uri="{28A0092B-C50C-407E-A947-70E740481C1C}">
-                <a14:useLocalDpi xmlns:a14="http://schemas.microsoft.com/office/drawing/2010/main" val="0"/>
-              </a:ext>
-            </a:extLst>
-          </a:blip>
-          <a:stretch>
-            <a:fillRect/>
-          </a:stretch>
-        </p:blipFill>
-        <p:spPr>
-          <a:xfrm>
-            <a:off x="7572867" y="2057401"/>
-            <a:ext cx="3933333" cy="3933333"/>
-          </a:xfrm>
-          <a:prstGeom prst="rect">
-            <a:avLst/>
-          </a:prstGeom>
-        </p:spPr>
-      </p:pic>
-      <p:pic>
-        <p:nvPicPr>
-          <p:cNvPr id="5" name="Afbeelding 4"/>
-          <p:cNvPicPr>
-            <a:picLocks noChangeAspect="1"/>
-          </p:cNvPicPr>
-          <p:nvPr/>
-        </p:nvPicPr>
-        <p:blipFill rotWithShape="1">
-          <a:blip r:embed="rId3">
-            <a:extLst>
-              <a:ext uri="{28A0092B-C50C-407E-A947-70E740481C1C}">
-                <a14:useLocalDpi xmlns:a14="http://schemas.microsoft.com/office/drawing/2010/main" val="0"/>
-              </a:ext>
-            </a:extLst>
-          </a:blip>
-          <a:srcRect t="20254"/>
-          <a:stretch/>
-        </p:blipFill>
-        <p:spPr>
-          <a:xfrm>
-            <a:off x="3999282" y="4876800"/>
-            <a:ext cx="2575990" cy="1981200"/>
-          </a:xfrm>
-          <a:prstGeom prst="rect">
-            <a:avLst/>
-          </a:prstGeom>
-        </p:spPr>
-      </p:pic>
-    </p:spTree>
-    <p:extLst>
-      <p:ext uri="{BB962C8B-B14F-4D97-AF65-F5344CB8AC3E}">
-        <p14:creationId xmlns:p14="http://schemas.microsoft.com/office/powerpoint/2010/main" val="3770291243"/>
-      </p:ext>
-    </p:extLst>
-  </p:cSld>
-  <p:clrMapOvr>
-    <a:masterClrMapping/>
-  </p:clrMapOvr>
-  <p:timing>
-    <p:tnLst>
-      <p:par>
-        <p:cTn id="1" dur="indefinite" restart="never" nodeType="tmRoot"/>
-      </p:par>
-    </p:tnLst>
-  </p:timing>
-</p:sld>
-</file>
-
-<file path=ppt/slides/slide7.xml><?xml version="1.0" encoding="utf-8"?>
-<p:sld xmlns:a="http://schemas.openxmlformats.org/drawingml/2006/main" xmlns:r="http://schemas.openxmlformats.org/officeDocument/2006/relationships" xmlns:p="http://schemas.openxmlformats.org/presentationml/2006/main">
-  <p:cSld>
-    <p:spTree>
-      <p:nvGrpSpPr>
-        <p:cNvPr id="1" name="Shape 183"/>
-        <p:cNvGrpSpPr/>
-        <p:nvPr/>
-      </p:nvGrpSpPr>
-      <p:grpSpPr>
-        <a:xfrm>
-          <a:off x="0" y="0"/>
-          <a:ext cx="0" cy="0"/>
-          <a:chOff x="0" y="0"/>
-          <a:chExt cx="0" cy="0"/>
-        </a:xfrm>
-      </p:grpSpPr>
-      <p:pic>
-        <p:nvPicPr>
-          <p:cNvPr id="184" name="Shape 184" descr="barneshut_map_snelheid.png"/>
-          <p:cNvPicPr preferRelativeResize="0"/>
-          <p:nvPr/>
-        </p:nvPicPr>
-        <p:blipFill>
-          <a:blip r:embed="rId3">
-            <a:alphaModFix/>
-          </a:blip>
-          <a:stretch>
-            <a:fillRect/>
-          </a:stretch>
-        </p:blipFill>
-        <p:spPr>
-          <a:xfrm>
-            <a:off x="7572375" y="2064237"/>
-            <a:ext cx="3933825" cy="3933825"/>
-          </a:xfrm>
-          <a:prstGeom prst="rect">
-            <a:avLst/>
-          </a:prstGeom>
-          <a:noFill/>
-          <a:ln>
-            <a:noFill/>
-          </a:ln>
-        </p:spPr>
-      </p:pic>
-      <p:sp>
-        <p:nvSpPr>
-          <p:cNvPr id="185" name="Shape 185"/>
-          <p:cNvSpPr txBox="1">
-            <a:spLocks noGrp="1"/>
-          </p:cNvSpPr>
-          <p:nvPr>
-            <p:ph type="title"/>
-          </p:nvPr>
-        </p:nvSpPr>
-        <p:spPr>
-          <a:xfrm>
-            <a:off x="2895600" y="764372"/>
-            <a:ext cx="8610599" cy="1293027"/>
-          </a:xfrm>
-          <a:prstGeom prst="rect">
-            <a:avLst/>
-          </a:prstGeom>
-          <a:noFill/>
-          <a:ln>
-            <a:noFill/>
-          </a:ln>
-        </p:spPr>
-        <p:txBody>
-          <a:bodyPr lIns="91425" tIns="45700" rIns="91425" bIns="45700" anchor="ctr" anchorCtr="0">
-            <a:noAutofit/>
-          </a:bodyPr>
-          <a:lstStyle/>
-          <a:p>
-            <a:pPr marL="0" marR="0" lvl="0" indent="0" algn="r" rtl="0">
-              <a:lnSpc>
-                <a:spcPct val="90000"/>
-              </a:lnSpc>
-              <a:spcBef>
-                <a:spcPts val="0"/>
-              </a:spcBef>
-              <a:buClr>
-                <a:schemeClr val="dk1"/>
-              </a:buClr>
-              <a:buSzPct val="25000"/>
-              <a:buFont typeface="Century Gothic"/>
-              <a:buNone/>
-            </a:pPr>
-            <a:r>
-              <a:rPr lang="nl-NL" sz="4000" b="0" i="0" u="none" strike="noStrike" cap="none">
-                <a:solidFill>
-                  <a:schemeClr val="dk1"/>
-                </a:solidFill>
-                <a:latin typeface="Century Gothic"/>
-                <a:ea typeface="Century Gothic"/>
-                <a:cs typeface="Century Gothic"/>
-                <a:sym typeface="Century Gothic"/>
-              </a:rPr>
-              <a:t>BARNES-HUT VOOR BOTSINGEN</a:t>
-            </a:r>
-          </a:p>
-        </p:txBody>
-      </p:sp>
-      <p:sp>
-        <p:nvSpPr>
-          <p:cNvPr id="186" name="Shape 186"/>
-          <p:cNvSpPr txBox="1">
-            <a:spLocks noGrp="1"/>
-          </p:cNvSpPr>
-          <p:nvPr>
-            <p:ph type="body" idx="1"/>
-          </p:nvPr>
-        </p:nvSpPr>
-        <p:spPr>
-          <a:xfrm>
-            <a:off x="838200" y="1825210"/>
-            <a:ext cx="4998155" cy="4654198"/>
-          </a:xfrm>
-          <a:prstGeom prst="rect">
-            <a:avLst/>
-          </a:prstGeom>
-          <a:noFill/>
-          <a:ln>
-            <a:noFill/>
-          </a:ln>
-        </p:spPr>
-        <p:txBody>
-          <a:bodyPr lIns="91425" tIns="45700" rIns="91425" bIns="45700" anchor="t" anchorCtr="0">
-            <a:noAutofit/>
-          </a:bodyPr>
-          <a:lstStyle/>
-          <a:p>
-            <a:pPr marL="228600" marR="0" lvl="0" indent="-228600" algn="l" rtl="0">
-              <a:lnSpc>
-                <a:spcPct val="90000"/>
-              </a:lnSpc>
-              <a:spcBef>
-                <a:spcPts val="0"/>
-              </a:spcBef>
-              <a:spcAft>
-                <a:spcPts val="0"/>
-              </a:spcAft>
-              <a:buClr>
-                <a:schemeClr val="dk1"/>
-              </a:buClr>
-              <a:buSzPct val="100000"/>
-              <a:buFont typeface="Arial"/>
-              <a:buChar char="•"/>
-            </a:pPr>
-            <a:r>
-              <a:rPr lang="nl-NL" sz="2200" b="0" i="0" u="none" strike="noStrike" cap="none">
-                <a:solidFill>
-                  <a:schemeClr val="dk1"/>
-                </a:solidFill>
-                <a:latin typeface="Century Gothic"/>
-                <a:ea typeface="Century Gothic"/>
-                <a:cs typeface="Century Gothic"/>
-                <a:sym typeface="Century Gothic"/>
-              </a:rPr>
-              <a:t>Langzaam model; orde N²</a:t>
-            </a:r>
-          </a:p>
-          <a:p>
-            <a:pPr marL="228600" marR="0" lvl="0" indent="-228600" algn="l" rtl="0">
-              <a:lnSpc>
-                <a:spcPct val="90000"/>
-              </a:lnSpc>
-              <a:spcBef>
-                <a:spcPts val="1000"/>
-              </a:spcBef>
-              <a:spcAft>
-                <a:spcPts val="0"/>
-              </a:spcAft>
-              <a:buClr>
-                <a:schemeClr val="dk1"/>
-              </a:buClr>
-              <a:buSzPct val="100000"/>
-              <a:buFont typeface="Arial"/>
-              <a:buChar char="•"/>
-            </a:pPr>
-            <a:r>
-              <a:rPr lang="nl-NL" sz="2200" b="0" i="0" u="none" strike="noStrike" cap="none">
-                <a:solidFill>
-                  <a:schemeClr val="dk1"/>
-                </a:solidFill>
-                <a:latin typeface="Century Gothic"/>
-                <a:ea typeface="Century Gothic"/>
-                <a:cs typeface="Century Gothic"/>
-                <a:sym typeface="Century Gothic"/>
-              </a:rPr>
-              <a:t>Rond elk deeltje rechthoek met grenzen gebaseerd op straal en snelheid</a:t>
-            </a:r>
-          </a:p>
-          <a:p>
-            <a:pPr marL="228600" marR="0" lvl="0" indent="-228600" algn="l" rtl="0">
-              <a:lnSpc>
-                <a:spcPct val="90000"/>
-              </a:lnSpc>
-              <a:spcBef>
-                <a:spcPts val="1000"/>
-              </a:spcBef>
-              <a:spcAft>
-                <a:spcPts val="0"/>
-              </a:spcAft>
-              <a:buClr>
-                <a:schemeClr val="dk1"/>
-              </a:buClr>
-              <a:buSzPct val="100000"/>
-              <a:buFont typeface="Arial"/>
-              <a:buChar char="•"/>
-            </a:pPr>
-            <a:r>
-              <a:rPr lang="nl-NL" sz="2200" b="0" i="0" u="none" strike="noStrike" cap="none">
-                <a:solidFill>
-                  <a:schemeClr val="dk1"/>
-                </a:solidFill>
-                <a:latin typeface="Century Gothic"/>
-                <a:ea typeface="Century Gothic"/>
-                <a:cs typeface="Century Gothic"/>
-                <a:sym typeface="Century Gothic"/>
-              </a:rPr>
-              <a:t>Botsing mogelijk als en slechts als rechthoeken overlappen</a:t>
-            </a:r>
-          </a:p>
-          <a:p>
-            <a:pPr marL="228600" marR="0" lvl="0" indent="-228600" algn="l" rtl="0">
-              <a:lnSpc>
-                <a:spcPct val="90000"/>
-              </a:lnSpc>
-              <a:spcBef>
-                <a:spcPts val="1000"/>
-              </a:spcBef>
-              <a:spcAft>
-                <a:spcPts val="0"/>
-              </a:spcAft>
-              <a:buClr>
-                <a:schemeClr val="dk1"/>
-              </a:buClr>
-              <a:buSzPct val="100000"/>
-              <a:buFont typeface="Arial"/>
-              <a:buChar char="•"/>
-            </a:pPr>
-            <a:r>
-              <a:rPr lang="nl-NL" sz="2200" b="0" i="0" u="none" strike="noStrike" cap="none">
-                <a:solidFill>
-                  <a:schemeClr val="dk1"/>
-                </a:solidFill>
-                <a:latin typeface="Century Gothic"/>
-                <a:ea typeface="Century Gothic"/>
-                <a:cs typeface="Century Gothic"/>
-                <a:sym typeface="Century Gothic"/>
-              </a:rPr>
-              <a:t>Barnes-Hut boom: minimum van de minima, maximum van de maxima</a:t>
-            </a:r>
-          </a:p>
-          <a:p>
-            <a:pPr marL="228600" marR="0" lvl="0" indent="-228600" algn="l" rtl="0">
-              <a:lnSpc>
-                <a:spcPct val="90000"/>
-              </a:lnSpc>
-              <a:spcBef>
-                <a:spcPts val="1000"/>
-              </a:spcBef>
-              <a:spcAft>
-                <a:spcPts val="0"/>
-              </a:spcAft>
-              <a:buClr>
-                <a:schemeClr val="dk1"/>
-              </a:buClr>
-              <a:buSzPct val="100000"/>
-              <a:buFont typeface="Arial"/>
-              <a:buChar char="•"/>
-            </a:pPr>
-            <a:r>
-              <a:rPr lang="nl-NL" sz="2200" b="0" i="0" u="none" strike="noStrike" cap="none">
-                <a:solidFill>
-                  <a:schemeClr val="dk1"/>
-                </a:solidFill>
-                <a:latin typeface="Century Gothic"/>
-                <a:ea typeface="Century Gothic"/>
-                <a:cs typeface="Century Gothic"/>
-                <a:sym typeface="Century Gothic"/>
-              </a:rPr>
-              <a:t>Algoritme wel exact</a:t>
-            </a:r>
-          </a:p>
-          <a:p>
-            <a:pPr marL="228600" marR="0" lvl="0" indent="-228600" algn="l" rtl="0">
-              <a:lnSpc>
-                <a:spcPct val="90000"/>
-              </a:lnSpc>
-              <a:spcBef>
-                <a:spcPts val="1000"/>
-              </a:spcBef>
-              <a:buClr>
-                <a:schemeClr val="dk1"/>
-              </a:buClr>
-              <a:buSzPct val="100000"/>
-              <a:buFont typeface="Arial"/>
-              <a:buChar char="•"/>
-            </a:pPr>
-            <a:r>
-              <a:rPr lang="nl-NL" sz="2200" b="0" i="0" u="none" strike="noStrike" cap="none">
-                <a:solidFill>
-                  <a:schemeClr val="dk1"/>
-                </a:solidFill>
-                <a:latin typeface="Century Gothic"/>
-                <a:ea typeface="Century Gothic"/>
-                <a:cs typeface="Century Gothic"/>
-                <a:sym typeface="Century Gothic"/>
-              </a:rPr>
-              <a:t>orde N· log(N)</a:t>
-            </a:r>
-          </a:p>
-        </p:txBody>
-      </p:sp>
-      <p:pic>
-        <p:nvPicPr>
-          <p:cNvPr id="187" name="Shape 187"/>
-          <p:cNvPicPr preferRelativeResize="0"/>
-          <p:nvPr/>
-        </p:nvPicPr>
-        <p:blipFill rotWithShape="1">
-          <a:blip r:embed="rId4">
-            <a:alphaModFix/>
-          </a:blip>
-          <a:srcRect/>
-          <a:stretch/>
-        </p:blipFill>
-        <p:spPr>
-          <a:xfrm>
-            <a:off x="4307441" y="5140371"/>
-            <a:ext cx="2809476" cy="1717628"/>
-          </a:xfrm>
-          <a:prstGeom prst="rect">
-            <a:avLst/>
-          </a:prstGeom>
-          <a:noFill/>
-          <a:ln>
-            <a:noFill/>
-          </a:ln>
-        </p:spPr>
-      </p:pic>
-      <p:sp>
-        <p:nvSpPr>
-          <p:cNvPr id="188" name="Shape 188"/>
-          <p:cNvSpPr/>
-          <p:nvPr/>
-        </p:nvSpPr>
-        <p:spPr>
-          <a:xfrm>
-            <a:off x="9985750" y="4148175"/>
-            <a:ext cx="411900" cy="153600"/>
-          </a:xfrm>
-          <a:prstGeom prst="rect">
-            <a:avLst/>
-          </a:prstGeom>
-          <a:noFill/>
-          <a:ln w="19050" cap="flat" cmpd="sng">
-            <a:solidFill>
-              <a:srgbClr val="FF0000"/>
-            </a:solidFill>
-            <a:prstDash val="solid"/>
-            <a:round/>
-            <a:headEnd type="none" w="med" len="med"/>
-            <a:tailEnd type="none" w="med" len="med"/>
-          </a:ln>
-        </p:spPr>
-        <p:txBody>
-          <a:bodyPr lIns="91425" tIns="91425" rIns="91425" bIns="91425" anchor="ctr" anchorCtr="0">
-            <a:noAutofit/>
-          </a:bodyPr>
-          <a:lstStyle/>
-          <a:p>
-            <a:pPr lvl="0">
-              <a:spcBef>
-                <a:spcPts val="0"/>
-              </a:spcBef>
-              <a:buNone/>
-            </a:pPr>
-            <a:endParaRPr/>
-          </a:p>
-        </p:txBody>
-      </p:sp>
-      <p:sp>
-        <p:nvSpPr>
-          <p:cNvPr id="189" name="Shape 189"/>
-          <p:cNvSpPr/>
-          <p:nvPr/>
-        </p:nvSpPr>
-        <p:spPr>
-          <a:xfrm>
-            <a:off x="9838125" y="4012400"/>
-            <a:ext cx="265500" cy="426300"/>
-          </a:xfrm>
-          <a:prstGeom prst="rect">
-            <a:avLst/>
-          </a:prstGeom>
-          <a:noFill/>
-          <a:ln w="19050" cap="flat" cmpd="sng">
-            <a:solidFill>
-              <a:srgbClr val="FF0000"/>
-            </a:solidFill>
-            <a:prstDash val="solid"/>
-            <a:round/>
-            <a:headEnd type="none" w="med" len="med"/>
-            <a:tailEnd type="none" w="med" len="med"/>
-          </a:ln>
-        </p:spPr>
-        <p:txBody>
-          <a:bodyPr lIns="91425" tIns="91425" rIns="91425" bIns="91425" anchor="ctr" anchorCtr="0">
-            <a:noAutofit/>
-          </a:bodyPr>
-          <a:lstStyle/>
-          <a:p>
-            <a:pPr lvl="0" rtl="0">
-              <a:spcBef>
-                <a:spcPts val="0"/>
-              </a:spcBef>
-              <a:buNone/>
-            </a:pPr>
-            <a:endParaRPr/>
-          </a:p>
-        </p:txBody>
-      </p:sp>
-      <p:sp>
-        <p:nvSpPr>
-          <p:cNvPr id="190" name="Shape 190"/>
-          <p:cNvSpPr/>
-          <p:nvPr/>
-        </p:nvSpPr>
-        <p:spPr>
-          <a:xfrm>
-            <a:off x="11091875" y="3752850"/>
-            <a:ext cx="195300" cy="359400"/>
-          </a:xfrm>
-          <a:prstGeom prst="rect">
-            <a:avLst/>
-          </a:prstGeom>
-          <a:noFill/>
-          <a:ln w="19050" cap="flat" cmpd="sng">
-            <a:solidFill>
-              <a:srgbClr val="FF0000"/>
-            </a:solidFill>
-            <a:prstDash val="solid"/>
-            <a:round/>
-            <a:headEnd type="none" w="med" len="med"/>
-            <a:tailEnd type="none" w="med" len="med"/>
-          </a:ln>
-        </p:spPr>
-        <p:txBody>
-          <a:bodyPr lIns="91425" tIns="91425" rIns="91425" bIns="91425" anchor="ctr" anchorCtr="0">
-            <a:noAutofit/>
-          </a:bodyPr>
-          <a:lstStyle/>
-          <a:p>
-            <a:pPr lvl="0" rtl="0">
-              <a:spcBef>
-                <a:spcPts val="0"/>
-              </a:spcBef>
-              <a:buNone/>
-            </a:pPr>
-            <a:endParaRPr/>
-          </a:p>
-        </p:txBody>
-      </p:sp>
-      <p:sp>
-        <p:nvSpPr>
-          <p:cNvPr id="191" name="Shape 191"/>
-          <p:cNvSpPr/>
-          <p:nvPr/>
-        </p:nvSpPr>
-        <p:spPr>
-          <a:xfrm>
-            <a:off x="9335750" y="4438650"/>
-            <a:ext cx="75000" cy="210900"/>
-          </a:xfrm>
-          <a:prstGeom prst="rect">
-            <a:avLst/>
-          </a:prstGeom>
-          <a:noFill/>
-          <a:ln w="19050" cap="flat" cmpd="sng">
-            <a:solidFill>
-              <a:srgbClr val="FF0000"/>
-            </a:solidFill>
-            <a:prstDash val="solid"/>
-            <a:round/>
-            <a:headEnd type="none" w="med" len="med"/>
-            <a:tailEnd type="none" w="med" len="med"/>
-          </a:ln>
-        </p:spPr>
-        <p:txBody>
-          <a:bodyPr lIns="91425" tIns="91425" rIns="91425" bIns="91425" anchor="ctr" anchorCtr="0">
-            <a:noAutofit/>
-          </a:bodyPr>
-          <a:lstStyle/>
-          <a:p>
-            <a:pPr lvl="0" rtl="0">
-              <a:spcBef>
-                <a:spcPts val="0"/>
-              </a:spcBef>
-              <a:buNone/>
-            </a:pPr>
-            <a:endParaRPr/>
-          </a:p>
-        </p:txBody>
-      </p:sp>
-      <p:sp>
-        <p:nvSpPr>
-          <p:cNvPr id="192" name="Shape 192"/>
-          <p:cNvSpPr/>
-          <p:nvPr/>
-        </p:nvSpPr>
-        <p:spPr>
-          <a:xfrm>
-            <a:off x="10252450" y="5222100"/>
-            <a:ext cx="145200" cy="278700"/>
-          </a:xfrm>
-          <a:prstGeom prst="rect">
-            <a:avLst/>
-          </a:prstGeom>
-          <a:noFill/>
-          <a:ln w="19050" cap="flat" cmpd="sng">
-            <a:solidFill>
-              <a:srgbClr val="FF0000"/>
-            </a:solidFill>
-            <a:prstDash val="solid"/>
-            <a:round/>
-            <a:headEnd type="none" w="med" len="med"/>
-            <a:tailEnd type="none" w="med" len="med"/>
-          </a:ln>
-        </p:spPr>
-        <p:txBody>
-          <a:bodyPr lIns="91425" tIns="91425" rIns="91425" bIns="91425" anchor="ctr" anchorCtr="0">
-            <a:noAutofit/>
-          </a:bodyPr>
-          <a:lstStyle/>
-          <a:p>
-            <a:pPr lvl="0" rtl="0">
-              <a:spcBef>
-                <a:spcPts val="0"/>
-              </a:spcBef>
-              <a:buNone/>
-            </a:pPr>
-            <a:endParaRPr/>
-          </a:p>
-        </p:txBody>
-      </p:sp>
-      <p:sp>
-        <p:nvSpPr>
-          <p:cNvPr id="193" name="Shape 193"/>
-          <p:cNvSpPr/>
-          <p:nvPr/>
-        </p:nvSpPr>
-        <p:spPr>
-          <a:xfrm>
-            <a:off x="10452475" y="5242425"/>
-            <a:ext cx="163200" cy="109500"/>
-          </a:xfrm>
-          <a:prstGeom prst="rect">
-            <a:avLst/>
-          </a:prstGeom>
-          <a:noFill/>
-          <a:ln w="19050" cap="flat" cmpd="sng">
-            <a:solidFill>
-              <a:srgbClr val="FF0000"/>
-            </a:solidFill>
-            <a:prstDash val="solid"/>
-            <a:round/>
-            <a:headEnd type="none" w="med" len="med"/>
-            <a:tailEnd type="none" w="med" len="med"/>
-          </a:ln>
-        </p:spPr>
-        <p:txBody>
-          <a:bodyPr lIns="91425" tIns="91425" rIns="91425" bIns="91425" anchor="ctr" anchorCtr="0">
-            <a:noAutofit/>
-          </a:bodyPr>
-          <a:lstStyle/>
-          <a:p>
-            <a:pPr lvl="0" rtl="0">
-              <a:spcBef>
-                <a:spcPts val="0"/>
-              </a:spcBef>
-              <a:buNone/>
-            </a:pPr>
-            <a:endParaRPr/>
-          </a:p>
-        </p:txBody>
-      </p:sp>
-      <p:sp>
-        <p:nvSpPr>
-          <p:cNvPr id="194" name="Shape 194"/>
-          <p:cNvSpPr/>
-          <p:nvPr/>
-        </p:nvSpPr>
-        <p:spPr>
-          <a:xfrm>
-            <a:off x="9436900" y="5710250"/>
-            <a:ext cx="237000" cy="79800"/>
-          </a:xfrm>
-          <a:prstGeom prst="rect">
-            <a:avLst/>
-          </a:prstGeom>
-          <a:noFill/>
-          <a:ln w="19050" cap="flat" cmpd="sng">
-            <a:solidFill>
-              <a:srgbClr val="FF0000"/>
-            </a:solidFill>
-            <a:prstDash val="solid"/>
-            <a:round/>
-            <a:headEnd type="none" w="med" len="med"/>
-            <a:tailEnd type="none" w="med" len="med"/>
-          </a:ln>
-        </p:spPr>
-        <p:txBody>
-          <a:bodyPr lIns="91425" tIns="91425" rIns="91425" bIns="91425" anchor="ctr" anchorCtr="0">
-            <a:noAutofit/>
-          </a:bodyPr>
-          <a:lstStyle/>
-          <a:p>
-            <a:pPr lvl="0" rtl="0">
-              <a:spcBef>
-                <a:spcPts val="0"/>
-              </a:spcBef>
-              <a:buNone/>
-            </a:pPr>
-            <a:endParaRPr/>
-          </a:p>
-        </p:txBody>
-      </p:sp>
-      <p:sp>
-        <p:nvSpPr>
-          <p:cNvPr id="195" name="Shape 195"/>
-          <p:cNvSpPr/>
-          <p:nvPr/>
-        </p:nvSpPr>
-        <p:spPr>
-          <a:xfrm>
-            <a:off x="7871225" y="5057825"/>
-            <a:ext cx="163200" cy="359400"/>
-          </a:xfrm>
-          <a:prstGeom prst="rect">
-            <a:avLst/>
-          </a:prstGeom>
-          <a:noFill/>
-          <a:ln w="19050" cap="flat" cmpd="sng">
-            <a:solidFill>
-              <a:srgbClr val="FF0000"/>
-            </a:solidFill>
-            <a:prstDash val="solid"/>
-            <a:round/>
-            <a:headEnd type="none" w="med" len="med"/>
-            <a:tailEnd type="none" w="med" len="med"/>
-          </a:ln>
-        </p:spPr>
-        <p:txBody>
-          <a:bodyPr lIns="91425" tIns="91425" rIns="91425" bIns="91425" anchor="ctr" anchorCtr="0">
-            <a:noAutofit/>
-          </a:bodyPr>
-          <a:lstStyle/>
-          <a:p>
-            <a:pPr lvl="0" rtl="0">
-              <a:spcBef>
-                <a:spcPts val="0"/>
-              </a:spcBef>
-              <a:buNone/>
-            </a:pPr>
-            <a:endParaRPr/>
-          </a:p>
-        </p:txBody>
-      </p:sp>
-      <p:sp>
-        <p:nvSpPr>
-          <p:cNvPr id="196" name="Shape 196"/>
-          <p:cNvSpPr/>
-          <p:nvPr/>
-        </p:nvSpPr>
-        <p:spPr>
-          <a:xfrm>
-            <a:off x="7871225" y="5057825"/>
-            <a:ext cx="183300" cy="359400"/>
-          </a:xfrm>
-          <a:prstGeom prst="rect">
-            <a:avLst/>
-          </a:prstGeom>
-          <a:noFill/>
-          <a:ln w="19050" cap="flat" cmpd="sng">
-            <a:solidFill>
-              <a:srgbClr val="FF0000"/>
-            </a:solidFill>
-            <a:prstDash val="solid"/>
-            <a:round/>
-            <a:headEnd type="none" w="med" len="med"/>
-            <a:tailEnd type="none" w="med" len="med"/>
-          </a:ln>
-        </p:spPr>
-        <p:txBody>
-          <a:bodyPr lIns="91425" tIns="91425" rIns="91425" bIns="91425" anchor="ctr" anchorCtr="0">
-            <a:noAutofit/>
-          </a:bodyPr>
-          <a:lstStyle/>
-          <a:p>
-            <a:pPr lvl="0" rtl="0">
-              <a:spcBef>
-                <a:spcPts val="0"/>
-              </a:spcBef>
-              <a:buNone/>
-            </a:pPr>
-            <a:endParaRPr/>
-          </a:p>
-        </p:txBody>
-      </p:sp>
-      <p:sp>
-        <p:nvSpPr>
-          <p:cNvPr id="197" name="Shape 197"/>
-          <p:cNvSpPr/>
-          <p:nvPr/>
-        </p:nvSpPr>
-        <p:spPr>
-          <a:xfrm>
-            <a:off x="8846200" y="3052775"/>
-            <a:ext cx="131100" cy="128700"/>
-          </a:xfrm>
-          <a:prstGeom prst="rect">
-            <a:avLst/>
-          </a:prstGeom>
-          <a:noFill/>
-          <a:ln w="19050" cap="flat" cmpd="sng">
-            <a:solidFill>
-              <a:srgbClr val="FF0000"/>
-            </a:solidFill>
-            <a:prstDash val="solid"/>
-            <a:round/>
-            <a:headEnd type="none" w="med" len="med"/>
-            <a:tailEnd type="none" w="med" len="med"/>
-          </a:ln>
-        </p:spPr>
-        <p:txBody>
-          <a:bodyPr lIns="91425" tIns="91425" rIns="91425" bIns="91425" anchor="ctr" anchorCtr="0">
-            <a:noAutofit/>
-          </a:bodyPr>
-          <a:lstStyle/>
-          <a:p>
-            <a:pPr lvl="0" rtl="0">
-              <a:spcBef>
-                <a:spcPts val="0"/>
-              </a:spcBef>
-              <a:buNone/>
-            </a:pPr>
-            <a:endParaRPr/>
-          </a:p>
-        </p:txBody>
-      </p:sp>
-      <p:sp>
-        <p:nvSpPr>
-          <p:cNvPr id="198" name="Shape 198"/>
-          <p:cNvSpPr/>
-          <p:nvPr/>
-        </p:nvSpPr>
-        <p:spPr>
-          <a:xfrm>
-            <a:off x="9479600" y="3114675"/>
-            <a:ext cx="145200" cy="178500"/>
-          </a:xfrm>
-          <a:prstGeom prst="rect">
-            <a:avLst/>
-          </a:prstGeom>
-          <a:noFill/>
-          <a:ln w="19050" cap="flat" cmpd="sng">
-            <a:solidFill>
-              <a:srgbClr val="FF0000"/>
-            </a:solidFill>
-            <a:prstDash val="solid"/>
-            <a:round/>
-            <a:headEnd type="none" w="med" len="med"/>
-            <a:tailEnd type="none" w="med" len="med"/>
-          </a:ln>
-        </p:spPr>
-        <p:txBody>
-          <a:bodyPr lIns="91425" tIns="91425" rIns="91425" bIns="91425" anchor="ctr" anchorCtr="0">
-            <a:noAutofit/>
-          </a:bodyPr>
-          <a:lstStyle/>
-          <a:p>
-            <a:pPr lvl="0" rtl="0">
-              <a:spcBef>
-                <a:spcPts val="0"/>
-              </a:spcBef>
-              <a:buNone/>
-            </a:pPr>
-            <a:endParaRPr/>
-          </a:p>
-        </p:txBody>
-      </p:sp>
-      <p:sp>
-        <p:nvSpPr>
-          <p:cNvPr id="199" name="Shape 199"/>
-          <p:cNvSpPr/>
-          <p:nvPr/>
-        </p:nvSpPr>
-        <p:spPr>
-          <a:xfrm>
-            <a:off x="9985750" y="2800350"/>
-            <a:ext cx="584400" cy="252300"/>
-          </a:xfrm>
-          <a:prstGeom prst="rect">
-            <a:avLst/>
-          </a:prstGeom>
-          <a:noFill/>
-          <a:ln w="19050" cap="flat" cmpd="sng">
-            <a:solidFill>
-              <a:srgbClr val="FF0000"/>
-            </a:solidFill>
-            <a:prstDash val="solid"/>
-            <a:round/>
-            <a:headEnd type="none" w="med" len="med"/>
-            <a:tailEnd type="none" w="med" len="med"/>
-          </a:ln>
-        </p:spPr>
-        <p:txBody>
-          <a:bodyPr lIns="91425" tIns="91425" rIns="91425" bIns="91425" anchor="ctr" anchorCtr="0">
-            <a:noAutofit/>
-          </a:bodyPr>
-          <a:lstStyle/>
-          <a:p>
-            <a:pPr lvl="0" rtl="0">
-              <a:spcBef>
-                <a:spcPts val="0"/>
-              </a:spcBef>
-              <a:buNone/>
-            </a:pPr>
-            <a:endParaRPr/>
-          </a:p>
-        </p:txBody>
-      </p:sp>
-      <p:sp>
-        <p:nvSpPr>
-          <p:cNvPr id="200" name="Shape 200"/>
-          <p:cNvSpPr/>
-          <p:nvPr/>
-        </p:nvSpPr>
-        <p:spPr>
-          <a:xfrm>
-            <a:off x="8834300" y="2531300"/>
-            <a:ext cx="183300" cy="66600"/>
-          </a:xfrm>
-          <a:prstGeom prst="rect">
-            <a:avLst/>
-          </a:prstGeom>
-          <a:noFill/>
-          <a:ln w="19050" cap="flat" cmpd="sng">
-            <a:solidFill>
-              <a:srgbClr val="FF0000"/>
-            </a:solidFill>
-            <a:prstDash val="solid"/>
-            <a:round/>
-            <a:headEnd type="none" w="med" len="med"/>
-            <a:tailEnd type="none" w="med" len="med"/>
-          </a:ln>
-        </p:spPr>
-        <p:txBody>
-          <a:bodyPr lIns="91425" tIns="91425" rIns="91425" bIns="91425" anchor="ctr" anchorCtr="0">
-            <a:noAutofit/>
-          </a:bodyPr>
-          <a:lstStyle/>
-          <a:p>
-            <a:pPr lvl="0" rtl="0">
-              <a:spcBef>
-                <a:spcPts val="0"/>
-              </a:spcBef>
-              <a:buNone/>
-            </a:pPr>
-            <a:endParaRPr/>
-          </a:p>
-        </p:txBody>
-      </p:sp>
-      <p:sp>
-        <p:nvSpPr>
-          <p:cNvPr id="201" name="Shape 201"/>
-          <p:cNvSpPr/>
-          <p:nvPr/>
-        </p:nvSpPr>
-        <p:spPr>
-          <a:xfrm>
-            <a:off x="9223500" y="2405100"/>
-            <a:ext cx="237000" cy="109500"/>
-          </a:xfrm>
-          <a:prstGeom prst="rect">
-            <a:avLst/>
-          </a:prstGeom>
-          <a:noFill/>
-          <a:ln w="19050" cap="flat" cmpd="sng">
-            <a:solidFill>
-              <a:srgbClr val="FF0000"/>
-            </a:solidFill>
-            <a:prstDash val="solid"/>
-            <a:round/>
-            <a:headEnd type="none" w="med" len="med"/>
-            <a:tailEnd type="none" w="med" len="med"/>
-          </a:ln>
-        </p:spPr>
-        <p:txBody>
-          <a:bodyPr lIns="91425" tIns="91425" rIns="91425" bIns="91425" anchor="ctr" anchorCtr="0">
-            <a:noAutofit/>
-          </a:bodyPr>
-          <a:lstStyle/>
-          <a:p>
-            <a:pPr lvl="0" rtl="0">
-              <a:spcBef>
-                <a:spcPts val="0"/>
-              </a:spcBef>
-              <a:buNone/>
-            </a:pPr>
-            <a:endParaRPr/>
-          </a:p>
-        </p:txBody>
-      </p:sp>
-      <p:sp>
-        <p:nvSpPr>
-          <p:cNvPr id="202" name="Shape 202"/>
-          <p:cNvSpPr/>
-          <p:nvPr/>
-        </p:nvSpPr>
-        <p:spPr>
-          <a:xfrm>
-            <a:off x="8034425" y="3082775"/>
-            <a:ext cx="395100" cy="252300"/>
-          </a:xfrm>
-          <a:prstGeom prst="rect">
-            <a:avLst/>
-          </a:prstGeom>
-          <a:noFill/>
-          <a:ln w="19050" cap="flat" cmpd="sng">
-            <a:solidFill>
-              <a:srgbClr val="FF0000"/>
-            </a:solidFill>
-            <a:prstDash val="solid"/>
-            <a:round/>
-            <a:headEnd type="none" w="med" len="med"/>
-            <a:tailEnd type="none" w="med" len="med"/>
-          </a:ln>
-        </p:spPr>
-        <p:txBody>
-          <a:bodyPr lIns="91425" tIns="91425" rIns="91425" bIns="91425" anchor="ctr" anchorCtr="0">
-            <a:noAutofit/>
-          </a:bodyPr>
-          <a:lstStyle/>
-          <a:p>
-            <a:pPr lvl="0" rtl="0">
-              <a:spcBef>
-                <a:spcPts val="0"/>
-              </a:spcBef>
-              <a:buNone/>
-            </a:pPr>
-            <a:endParaRPr/>
-          </a:p>
-        </p:txBody>
-      </p:sp>
-      <p:cxnSp>
-        <p:nvCxnSpPr>
-          <p:cNvPr id="203" name="Shape 203"/>
-          <p:cNvCxnSpPr/>
-          <p:nvPr/>
-        </p:nvCxnSpPr>
-        <p:spPr>
-          <a:xfrm flipH="1">
-            <a:off x="10149400" y="3826675"/>
-            <a:ext cx="201900" cy="304500"/>
-          </a:xfrm>
-          <a:prstGeom prst="straightConnector1">
-            <a:avLst/>
-          </a:prstGeom>
-          <a:noFill/>
-          <a:ln w="9525" cap="flat" cmpd="sng">
-            <a:solidFill>
-              <a:srgbClr val="38761D"/>
-            </a:solidFill>
-            <a:prstDash val="solid"/>
-            <a:round/>
-            <a:headEnd type="none" w="lg" len="lg"/>
-            <a:tailEnd type="triangle" w="lg" len="lg"/>
-          </a:ln>
-        </p:spPr>
-      </p:cxnSp>
-      <p:sp>
-        <p:nvSpPr>
-          <p:cNvPr id="204" name="Shape 204"/>
-          <p:cNvSpPr txBox="1"/>
-          <p:nvPr/>
-        </p:nvSpPr>
-        <p:spPr>
-          <a:xfrm>
-            <a:off x="9838125" y="3374950"/>
-            <a:ext cx="1200300" cy="549900"/>
-          </a:xfrm>
-          <a:prstGeom prst="rect">
-            <a:avLst/>
-          </a:prstGeom>
-          <a:noFill/>
-          <a:ln>
-            <a:noFill/>
-          </a:ln>
-        </p:spPr>
-        <p:txBody>
-          <a:bodyPr lIns="91425" tIns="91425" rIns="91425" bIns="91425" anchor="t" anchorCtr="0">
-            <a:noAutofit/>
-          </a:bodyPr>
-          <a:lstStyle/>
-          <a:p>
-            <a:pPr lvl="0">
-              <a:spcBef>
-                <a:spcPts val="0"/>
-              </a:spcBef>
-              <a:buNone/>
-            </a:pPr>
-            <a:r>
-              <a:rPr lang="nl-NL"/>
-              <a:t>overlap, geen botsing</a:t>
-            </a:r>
-          </a:p>
-        </p:txBody>
-      </p:sp>
-      <p:cxnSp>
-        <p:nvCxnSpPr>
-          <p:cNvPr id="205" name="Shape 205"/>
-          <p:cNvCxnSpPr/>
-          <p:nvPr/>
-        </p:nvCxnSpPr>
-        <p:spPr>
-          <a:xfrm flipH="1">
-            <a:off x="8034425" y="4693450"/>
-            <a:ext cx="201900" cy="304500"/>
-          </a:xfrm>
-          <a:prstGeom prst="straightConnector1">
-            <a:avLst/>
-          </a:prstGeom>
-          <a:noFill/>
-          <a:ln w="9525" cap="flat" cmpd="sng">
-            <a:solidFill>
-              <a:srgbClr val="FF0000"/>
-            </a:solidFill>
-            <a:prstDash val="solid"/>
-            <a:round/>
-            <a:headEnd type="none" w="lg" len="lg"/>
-            <a:tailEnd type="triangle" w="lg" len="lg"/>
-          </a:ln>
-        </p:spPr>
-      </p:cxnSp>
-      <p:sp>
-        <p:nvSpPr>
-          <p:cNvPr id="206" name="Shape 206"/>
-          <p:cNvSpPr txBox="1"/>
-          <p:nvPr/>
-        </p:nvSpPr>
-        <p:spPr>
-          <a:xfrm>
-            <a:off x="7715250" y="4360450"/>
-            <a:ext cx="924000" cy="495300"/>
-          </a:xfrm>
-          <a:prstGeom prst="rect">
-            <a:avLst/>
-          </a:prstGeom>
-          <a:noFill/>
-          <a:ln>
-            <a:noFill/>
-          </a:ln>
-        </p:spPr>
-        <p:txBody>
-          <a:bodyPr lIns="91425" tIns="91425" rIns="91425" bIns="91425" anchor="t" anchorCtr="0">
-            <a:noAutofit/>
-          </a:bodyPr>
-          <a:lstStyle/>
-          <a:p>
-            <a:pPr lvl="0">
-              <a:spcBef>
-                <a:spcPts val="0"/>
-              </a:spcBef>
-              <a:buNone/>
-            </a:pPr>
-            <a:r>
-              <a:rPr lang="nl-NL"/>
-              <a:t>overlap, botsing</a:t>
-            </a:r>
-          </a:p>
-        </p:txBody>
-      </p:sp>
-      <p:sp>
-        <p:nvSpPr>
-          <p:cNvPr id="207" name="Shape 207"/>
-          <p:cNvSpPr/>
-          <p:nvPr/>
-        </p:nvSpPr>
-        <p:spPr>
-          <a:xfrm>
-            <a:off x="8034425" y="2405100"/>
-            <a:ext cx="1590300" cy="930000"/>
-          </a:xfrm>
-          <a:prstGeom prst="rect">
-            <a:avLst/>
-          </a:prstGeom>
-          <a:noFill/>
-          <a:ln w="19050" cap="flat" cmpd="sng">
-            <a:solidFill>
-              <a:srgbClr val="FFFF00"/>
-            </a:solidFill>
-            <a:prstDash val="solid"/>
-            <a:round/>
-            <a:headEnd type="none" w="med" len="med"/>
-            <a:tailEnd type="none" w="med" len="med"/>
-          </a:ln>
-        </p:spPr>
-        <p:txBody>
-          <a:bodyPr lIns="91425" tIns="91425" rIns="91425" bIns="91425" anchor="ctr" anchorCtr="0">
-            <a:noAutofit/>
-          </a:bodyPr>
-          <a:lstStyle/>
-          <a:p>
-            <a:pPr lvl="0" rtl="0">
-              <a:spcBef>
-                <a:spcPts val="0"/>
-              </a:spcBef>
-              <a:buNone/>
-            </a:pPr>
-            <a:endParaRPr/>
-          </a:p>
-        </p:txBody>
-      </p:sp>
-      <p:sp>
-        <p:nvSpPr>
-          <p:cNvPr id="208" name="Shape 208"/>
-          <p:cNvSpPr txBox="1"/>
-          <p:nvPr/>
-        </p:nvSpPr>
-        <p:spPr>
-          <a:xfrm>
-            <a:off x="5956625" y="1932450"/>
-            <a:ext cx="1914600" cy="1054800"/>
-          </a:xfrm>
-          <a:prstGeom prst="rect">
-            <a:avLst/>
-          </a:prstGeom>
-          <a:noFill/>
-          <a:ln>
-            <a:noFill/>
-          </a:ln>
-        </p:spPr>
-        <p:txBody>
-          <a:bodyPr lIns="91425" tIns="91425" rIns="91425" bIns="91425" anchor="t" anchorCtr="0">
-            <a:noAutofit/>
-          </a:bodyPr>
-          <a:lstStyle/>
-          <a:p>
-            <a:pPr lvl="0">
-              <a:spcBef>
-                <a:spcPts val="0"/>
-              </a:spcBef>
-              <a:buNone/>
-            </a:pPr>
-            <a:r>
-              <a:rPr lang="nl-NL"/>
-              <a:t>geel: grens van noordwest kwadrant</a:t>
-            </a:r>
-          </a:p>
-        </p:txBody>
-      </p:sp>
-    </p:spTree>
-  </p:cSld>
-  <p:clrMapOvr>
-    <a:masterClrMapping/>
-  </p:clrMapOvr>
-  <p:timing>
-    <p:tnLst>
-      <p:par>
-        <p:cTn id="1" dur="indefinite" restart="never" nodeType="tmRoot"/>
-      </p:par>
-    </p:tnLst>
-  </p:timing>
-</p:sld>
-</file>
-
-<file path=ppt/slides/slide8.xml><?xml version="1.0" encoding="utf-8"?>
-<p:sld xmlns:a="http://schemas.openxmlformats.org/drawingml/2006/main" xmlns:r="http://schemas.openxmlformats.org/officeDocument/2006/relationships" xmlns:p="http://schemas.openxmlformats.org/presentationml/2006/main">
-  <p:cSld>
-    <p:spTree>
-      <p:nvGrpSpPr>
-        <p:cNvPr id="1" name=""/>
-        <p:cNvGrpSpPr/>
-        <p:nvPr/>
-      </p:nvGrpSpPr>
-      <p:grpSpPr>
-        <a:xfrm>
-          <a:off x="0" y="0"/>
-          <a:ext cx="0" cy="0"/>
-          <a:chOff x="0" y="0"/>
-          <a:chExt cx="0" cy="0"/>
-        </a:xfrm>
-      </p:grpSpPr>
-      <p:sp>
-        <p:nvSpPr>
-          <p:cNvPr id="2" name="Titel 1"/>
-          <p:cNvSpPr>
-            <a:spLocks noGrp="1"/>
-          </p:cNvSpPr>
-          <p:nvPr>
-            <p:ph type="title"/>
-          </p:nvPr>
-        </p:nvSpPr>
-        <p:spPr/>
-        <p:txBody>
-          <a:bodyPr/>
-          <a:lstStyle/>
-          <a:p>
-            <a:r>
-              <a:rPr lang="nl-NL" dirty="0"/>
-              <a:t>Barnes-Hut voor botsingen</a:t>
-            </a:r>
-          </a:p>
-        </p:txBody>
-      </p:sp>
-      <p:sp>
-        <p:nvSpPr>
-          <p:cNvPr id="3" name="Tijdelijke aanduiding voor inhoud 2"/>
-          <p:cNvSpPr>
-            <a:spLocks noGrp="1"/>
-          </p:cNvSpPr>
-          <p:nvPr>
-            <p:ph idx="1"/>
-          </p:nvPr>
-        </p:nvSpPr>
-        <p:spPr>
-          <a:xfrm>
-            <a:off x="838200" y="1791758"/>
-            <a:ext cx="4998156" cy="4654198"/>
-          </a:xfrm>
-        </p:spPr>
-        <p:txBody>
-          <a:bodyPr>
-            <a:normAutofit/>
-          </a:bodyPr>
-          <a:lstStyle/>
-          <a:p>
-            <a:r>
-              <a:rPr lang="nl-NL" dirty="0"/>
-              <a:t>Langzaam model; orde N²</a:t>
-            </a:r>
-          </a:p>
-          <a:p>
-            <a:r>
-              <a:rPr lang="nl-NL" dirty="0"/>
-              <a:t>Rond elk deeltje rechthoek met grenzen</a:t>
-            </a:r>
-          </a:p>
-          <a:p>
-            <a:r>
-              <a:rPr lang="nl-NL" dirty="0"/>
-              <a:t>Botsing mogelijk als en slechts als rechthoeken overlappen</a:t>
-            </a:r>
-          </a:p>
-          <a:p>
-            <a:r>
-              <a:rPr lang="nl-NL" dirty="0"/>
-              <a:t>Barnes-Hut boom: interne takken hebben ruimste rechthoek</a:t>
-            </a:r>
-          </a:p>
-          <a:p>
-            <a:r>
-              <a:rPr lang="nl-NL" dirty="0"/>
-              <a:t>Algoritme wel exact</a:t>
-            </a:r>
-          </a:p>
-          <a:p>
-            <a:r>
-              <a:rPr lang="nl-NL" dirty="0"/>
-              <a:t>orde N· log(N)</a:t>
-            </a:r>
-          </a:p>
-        </p:txBody>
-      </p:sp>
-    </p:spTree>
-    <p:extLst>
-      <p:ext uri="{BB962C8B-B14F-4D97-AF65-F5344CB8AC3E}">
-        <p14:creationId xmlns:p14="http://schemas.microsoft.com/office/powerpoint/2010/main" val="3051500588"/>
-      </p:ext>
-    </p:extLst>
-  </p:cSld>
-  <p:clrMapOvr>
-    <a:masterClrMapping/>
-  </p:clrMapOvr>
-  <p:timing>
-    <p:tnLst>
-      <p:par>
-        <p:cTn id="1" dur="indefinite" restart="never" nodeType="tmRoot"/>
-      </p:par>
-    </p:tnLst>
-  </p:timing>
-</p:sld>
-</file>
-
-<file path=ppt/slides/slide9.xml><?xml version="1.0" encoding="utf-8"?>
-<p:sld xmlns:a="http://schemas.openxmlformats.org/drawingml/2006/main" xmlns:r="http://schemas.openxmlformats.org/officeDocument/2006/relationships" xmlns:p="http://schemas.openxmlformats.org/presentationml/2006/main">
-  <p:cSld>
-    <p:spTree>
-      <p:nvGrpSpPr>
-        <p:cNvPr id="1" name=""/>
-        <p:cNvGrpSpPr/>
-        <p:nvPr/>
-      </p:nvGrpSpPr>
-      <p:grpSpPr>
-        <a:xfrm>
-          <a:off x="0" y="0"/>
-          <a:ext cx="0" cy="0"/>
-          <a:chOff x="0" y="0"/>
-          <a:chExt cx="0" cy="0"/>
-        </a:xfrm>
-      </p:grpSpPr>
-      <p:pic>
-        <p:nvPicPr>
-          <p:cNvPr id="1026" name="Picture 2" descr="C:\Users\guanyu\Documents\mod2b\Presentatie\AantPlaneten2.jpg"/>
-          <p:cNvPicPr>
-            <a:picLocks noChangeAspect="1" noChangeArrowheads="1"/>
-          </p:cNvPicPr>
-          <p:nvPr/>
-        </p:nvPicPr>
-        <p:blipFill rotWithShape="1">
-          <a:blip r:embed="rId2">
-            <a:extLst>
-              <a:ext uri="{28A0092B-C50C-407E-A947-70E740481C1C}">
-                <a14:useLocalDpi xmlns:a14="http://schemas.microsoft.com/office/drawing/2010/main" val="0"/>
-              </a:ext>
-            </a:extLst>
-          </a:blip>
-          <a:srcRect l="7715"/>
-          <a:stretch/>
-        </p:blipFill>
-        <p:spPr bwMode="auto">
-          <a:xfrm>
-            <a:off x="2290715" y="1136307"/>
-            <a:ext cx="8290513" cy="5937317"/>
-          </a:xfrm>
-          <a:prstGeom prst="rect">
-            <a:avLst/>
-          </a:prstGeom>
-          <a:noFill/>
-          <a:extLst>
-            <a:ext uri="{909E8E84-426E-40DD-AFC4-6F175D3DCCD1}">
-              <a14:hiddenFill xmlns:a14="http://schemas.microsoft.com/office/drawing/2010/main">
-                <a:solidFill>
-                  <a:srgbClr val="FFFFFF"/>
-                </a:solidFill>
-              </a14:hiddenFill>
-            </a:ext>
-          </a:extLst>
-        </p:spPr>
-      </p:pic>
-      <p:sp>
-        <p:nvSpPr>
-          <p:cNvPr id="2" name="Titel 1"/>
-          <p:cNvSpPr>
-            <a:spLocks noGrp="1"/>
-          </p:cNvSpPr>
-          <p:nvPr>
-            <p:ph type="title"/>
-          </p:nvPr>
-        </p:nvSpPr>
-        <p:spPr/>
-        <p:txBody>
-          <a:bodyPr/>
-          <a:lstStyle/>
-          <a:p>
-            <a:r>
-              <a:rPr lang="nl-NL"/>
-              <a:t>Resultaten</a:t>
-            </a:r>
-          </a:p>
-        </p:txBody>
-      </p:sp>
-    </p:spTree>
-    <p:extLst>
-      <p:ext uri="{BB962C8B-B14F-4D97-AF65-F5344CB8AC3E}">
-        <p14:creationId xmlns:p14="http://schemas.microsoft.com/office/powerpoint/2010/main" val="2321559582"/>
       </p:ext>
     </p:extLst>
   </p:cSld>
@@ -11465,7 +11492,7 @@
   <a:extraClrSchemeLst/>
   <a:extLst>
     <a:ext uri="{05A4C25C-085E-4340-85A3-A5531E510DB2}">
-      <thm15:themeFamily xmlns="" xmlns:thm15="http://schemas.microsoft.com/office/thememl/2012/main" name="Vapor Trail" id="{4FDF2955-7D9C-493C-B9F9-C205151B46CD}" vid="{FE1EB5C7-81A8-4CBA-AE6E-B3BF73DC3895}"/>
+      <thm15:themeFamily xmlns:thm15="http://schemas.microsoft.com/office/thememl/2012/main" xmlns="" name="Vapor Trail" id="{4FDF2955-7D9C-493C-B9F9-C205151B46CD}" vid="{FE1EB5C7-81A8-4CBA-AE6E-B3BF73DC3895}"/>
     </a:ext>
   </a:extLst>
 </a:theme>

--- a/Presentatie/Presentatie.pptx
+++ b/Presentatie/Presentatie.pptx
@@ -123,7 +123,7 @@
   </p:defaultTextStyle>
   <p:extLst>
     <p:ext uri="{EFAFB233-063F-42B5-8137-9DF3F51BA10A}">
-      <p15:sldGuideLst xmlns="" xmlns:p15="http://schemas.microsoft.com/office/powerpoint/2012/main">
+      <p15:sldGuideLst xmlns:p15="http://schemas.microsoft.com/office/powerpoint/2012/main">
         <p15:guide id="1" orient="horz" pos="2160">
           <p15:clr>
             <a:srgbClr val="A4A3A4"/>
@@ -286,38 +286,37 @@
           <a:p>
             <a:pPr lvl="0"/>
             <a:r>
-              <a:rPr lang="nl-NL" smtClean="0"/>
+              <a:rPr lang="nl-NL"/>
               <a:t>Klik om de modelstijlen te bewerken</a:t>
             </a:r>
           </a:p>
           <a:p>
             <a:pPr lvl="1"/>
             <a:r>
-              <a:rPr lang="nl-NL" smtClean="0"/>
+              <a:rPr lang="nl-NL"/>
               <a:t>Tweede niveau</a:t>
             </a:r>
           </a:p>
           <a:p>
             <a:pPr lvl="2"/>
             <a:r>
-              <a:rPr lang="nl-NL" smtClean="0"/>
+              <a:rPr lang="nl-NL"/>
               <a:t>Derde niveau</a:t>
             </a:r>
           </a:p>
           <a:p>
             <a:pPr lvl="3"/>
             <a:r>
-              <a:rPr lang="nl-NL" smtClean="0"/>
+              <a:rPr lang="nl-NL"/>
               <a:t>Vierde niveau</a:t>
             </a:r>
           </a:p>
           <a:p>
             <a:pPr lvl="4"/>
             <a:r>
-              <a:rPr lang="nl-NL" smtClean="0"/>
+              <a:rPr lang="nl-NL"/>
               <a:t>Vijfde niveau</a:t>
             </a:r>
-            <a:endParaRPr lang="nl-NL"/>
           </a:p>
         </p:txBody>
       </p:sp>
@@ -542,7 +541,7 @@
               </a:spcBef>
               <a:buNone/>
             </a:pPr>
-            <a:endParaRPr/>
+            <a:endParaRPr dirty="0"/>
           </a:p>
         </p:txBody>
       </p:sp>
@@ -558,8 +557,8 @@
         </p:nvSpPr>
         <p:spPr>
           <a:xfrm>
-            <a:off x="1143225" y="685800"/>
-            <a:ext cx="4572225" cy="3429000"/>
+            <a:off x="381000" y="685800"/>
+            <a:ext cx="6096000" cy="3429000"/>
           </a:xfrm>
           <a:custGeom>
             <a:avLst/>
@@ -6212,8 +6211,16 @@
 </file>
 
 <file path=ppt/slides/slide1.xml><?xml version="1.0" encoding="utf-8"?>
-<p:sld xmlns:a="http://schemas.openxmlformats.org/drawingml/2006/main" xmlns:r="http://schemas.openxmlformats.org/officeDocument/2006/relationships" xmlns:p="http://schemas.openxmlformats.org/presentationml/2006/main">
+<p:sld xmlns:a="http://schemas.openxmlformats.org/drawingml/2006/main" xmlns:r="http://schemas.openxmlformats.org/officeDocument/2006/relationships" xmlns:p="http://schemas.openxmlformats.org/presentationml/2006/main" showMasterSp="0">
   <p:cSld>
+    <p:bg>
+      <p:bgPr>
+        <a:solidFill>
+          <a:schemeClr val="tx1"/>
+        </a:solidFill>
+        <a:effectLst/>
+      </p:bgPr>
+    </p:bg>
     <p:spTree>
       <p:nvGrpSpPr>
         <p:cNvPr id="1" name=""/>
@@ -6228,6 +6235,36 @@
           <a:chExt cx="0" cy="0"/>
         </a:xfrm>
       </p:grpSpPr>
+      <p:pic>
+        <p:nvPicPr>
+          <p:cNvPr id="4" name="Afbeelding 3"/>
+          <p:cNvPicPr>
+            <a:picLocks noChangeAspect="1"/>
+          </p:cNvPicPr>
+          <p:nvPr/>
+        </p:nvPicPr>
+        <p:blipFill>
+          <a:blip r:embed="rId2">
+            <a:extLst>
+              <a:ext uri="{28A0092B-C50C-407E-A947-70E740481C1C}">
+                <a14:useLocalDpi xmlns:a14="http://schemas.microsoft.com/office/drawing/2010/main" val="0"/>
+              </a:ext>
+            </a:extLst>
+          </a:blip>
+          <a:stretch>
+            <a:fillRect/>
+          </a:stretch>
+        </p:blipFill>
+        <p:spPr>
+          <a:xfrm>
+            <a:off x="0" y="-2356"/>
+            <a:ext cx="9147142" cy="6860356"/>
+          </a:xfrm>
+          <a:prstGeom prst="rect">
+            <a:avLst/>
+          </a:prstGeom>
+        </p:spPr>
+      </p:pic>
       <p:sp>
         <p:nvSpPr>
           <p:cNvPr id="2" name="Titel 1"/>
@@ -6238,21 +6275,39 @@
             <p:ph type="ctrTitle"/>
           </p:nvPr>
         </p:nvSpPr>
-        <p:spPr/>
+        <p:spPr>
+          <a:xfrm>
+            <a:off x="1852367" y="1544331"/>
+            <a:ext cx="9448800" cy="1825096"/>
+          </a:xfrm>
+        </p:spPr>
         <p:txBody>
           <a:bodyPr>
             <a:normAutofit fontScale="90000"/>
           </a:bodyPr>
           <a:lstStyle/>
           <a:p>
-            <a:r>
-              <a:rPr lang="nl-NL" dirty="0"/>
+            <a:pPr algn="r"/>
+            <a:r>
+              <a:rPr lang="nl-NL" dirty="0">
+                <a:solidFill>
+                  <a:schemeClr val="accent4"/>
+                </a:solidFill>
+              </a:rPr>
               <a:t>Vorming van Planetenstelsels</a:t>
             </a:r>
             <a:br>
-              <a:rPr lang="nl-NL" dirty="0"/>
+              <a:rPr lang="nl-NL" dirty="0">
+                <a:solidFill>
+                  <a:schemeClr val="accent4"/>
+                </a:solidFill>
+              </a:rPr>
             </a:br>
-            <a:endParaRPr lang="nl-NL" dirty="0"/>
+            <a:endParaRPr lang="nl-NL" dirty="0">
+              <a:solidFill>
+                <a:schemeClr val="accent4"/>
+              </a:solidFill>
+            </a:endParaRPr>
           </a:p>
         </p:txBody>
       </p:sp>
@@ -6268,7 +6323,7 @@
         </p:nvSpPr>
         <p:spPr>
           <a:xfrm>
-            <a:off x="1371600" y="3632200"/>
+            <a:off x="1852367" y="5017941"/>
             <a:ext cx="9448800" cy="1335725"/>
           </a:xfrm>
         </p:spPr>
@@ -6278,30 +6333,54 @@
           </a:bodyPr>
           <a:lstStyle/>
           <a:p>
-            <a:r>
-              <a:rPr lang="nl-NL" dirty="0"/>
+            <a:pPr algn="r"/>
+            <a:r>
+              <a:rPr lang="nl-NL" dirty="0">
+                <a:solidFill>
+                  <a:schemeClr val="accent2"/>
+                </a:solidFill>
+              </a:rPr>
               <a:t>Casper Barendrecht</a:t>
             </a:r>
           </a:p>
           <a:p>
-            <a:r>
-              <a:rPr lang="nl-NL" dirty="0"/>
+            <a:pPr algn="r"/>
+            <a:r>
+              <a:rPr lang="nl-NL" dirty="0">
+                <a:solidFill>
+                  <a:schemeClr val="accent2"/>
+                </a:solidFill>
+              </a:rPr>
               <a:t>Guanyu Jin</a:t>
             </a:r>
           </a:p>
           <a:p>
-            <a:r>
-              <a:rPr lang="nl-NL" dirty="0"/>
+            <a:pPr algn="r"/>
+            <a:r>
+              <a:rPr lang="nl-NL" dirty="0">
+                <a:solidFill>
+                  <a:schemeClr val="accent2"/>
+                </a:solidFill>
+              </a:rPr>
               <a:t>Stijn Moerman</a:t>
             </a:r>
           </a:p>
           <a:p>
-            <a:r>
-              <a:rPr lang="nl-NL" dirty="0" err="1"/>
+            <a:pPr algn="r"/>
+            <a:r>
+              <a:rPr lang="nl-NL" dirty="0" err="1">
+                <a:solidFill>
+                  <a:schemeClr val="accent2"/>
+                </a:solidFill>
+              </a:rPr>
               <a:t>Nand</a:t>
             </a:r>
             <a:r>
-              <a:rPr lang="nl-NL" dirty="0"/>
+              <a:rPr lang="nl-NL" dirty="0">
+                <a:solidFill>
+                  <a:schemeClr val="accent2"/>
+                </a:solidFill>
+              </a:rPr>
               <a:t> Snijder</a:t>
             </a:r>
           </a:p>
@@ -6317,13 +6396,6 @@
   <p:clrMapOvr>
     <a:masterClrMapping/>
   </p:clrMapOvr>
-  <p:timing>
-    <p:tnLst>
-      <p:par>
-        <p:cTn id="1" dur="indefinite" restart="never" nodeType="tmRoot"/>
-      </p:par>
-    </p:tnLst>
-  </p:timing>
 </p:sld>
 </file>
 
@@ -6360,14 +6432,14 @@
           <a:lstStyle/>
           <a:p>
             <a:r>
-              <a:rPr lang="nl-NL"/>
+              <a:rPr lang="nl-NL" dirty="0"/>
               <a:t>Nauwkeurigheid model</a:t>
             </a:r>
           </a:p>
         </p:txBody>
       </p:sp>
-      <mc:AlternateContent xmlns:mc="http://schemas.openxmlformats.org/markup-compatibility/2006">
-        <mc:Choice xmlns:a14="http://schemas.microsoft.com/office/drawing/2010/main" Requires="a14">
+      <mc:AlternateContent xmlns:mc="http://schemas.openxmlformats.org/markup-compatibility/2006" xmlns:a14="http://schemas.microsoft.com/office/drawing/2010/main">
+        <mc:Choice Requires="a14">
           <p:sp>
             <p:nvSpPr>
               <p:cNvPr id="3" name="Tijdelijke aanduiding voor inhoud 2"/>
@@ -6384,22 +6456,14 @@
               <a:lstStyle/>
               <a:p>
                 <a:r>
-                  <a:rPr lang="nl-NL" dirty="0" smtClean="0"/>
+                  <a:rPr lang="nl-NL" dirty="0"/>
                   <a:t>Analyse voor N = 2 deeltjes</a:t>
                 </a:r>
               </a:p>
               <a:p>
                 <a:r>
                   <a:rPr lang="nl-NL" dirty="0"/>
-                  <a:t>Behoud </a:t>
-                </a:r>
-                <a:r>
-                  <a:rPr lang="nl-NL"/>
-                  <a:t>van </a:t>
-                </a:r>
-                <a:r>
-                  <a:rPr lang="nl-NL" smtClean="0"/>
-                  <a:t>energie</a:t>
+                  <a:t>Behoud van energie</a:t>
                 </a:r>
               </a:p>
               <a:p>
@@ -6407,12 +6471,8 @@
                   <a:buNone/>
                 </a:pPr>
                 <a:r>
-                  <a:rPr lang="nl-NL"/>
-                  <a:t>	</a:t>
-                </a:r>
-                <a:r>
-                  <a:rPr lang="nl-NL" smtClean="0"/>
-                  <a:t>		</a:t>
+                  <a:rPr lang="nl-NL" dirty="0"/>
+                  <a:t>			</a:t>
                 </a:r>
                 <a14:m>
                   <m:oMath xmlns:m="http://schemas.openxmlformats.org/officeDocument/2006/math">
@@ -6420,7 +6480,7 @@
                       <m:fPr>
                         <m:ctrlPr>
                           <a:rPr lang="nl-NL" sz="3600" i="1" smtClean="0">
-                            <a:latin typeface="Cambria Math"/>
+                            <a:latin typeface="Cambria Math" panose="02040503050406030204" pitchFamily="18" charset="0"/>
                           </a:rPr>
                         </m:ctrlPr>
                       </m:fPr>
@@ -6451,7 +6511,7 @@
                       <m:sSupPr>
                         <m:ctrlPr>
                           <a:rPr lang="nl-NL" sz="3600" b="0" i="1" smtClean="0">
-                            <a:latin typeface="Cambria Math"/>
+                            <a:latin typeface="Cambria Math" panose="02040503050406030204" pitchFamily="18" charset="0"/>
                           </a:rPr>
                         </m:ctrlPr>
                       </m:sSupPr>
@@ -6482,7 +6542,7 @@
                       <m:fPr>
                         <m:ctrlPr>
                           <a:rPr lang="nl-NL" sz="3600" b="0" i="1" smtClean="0">
-                            <a:latin typeface="Cambria Math"/>
+                            <a:latin typeface="Cambria Math" panose="02040503050406030204" pitchFamily="18" charset="0"/>
                           </a:rPr>
                         </m:ctrlPr>
                       </m:fPr>
@@ -6513,7 +6573,7 @@
                       <m:sSupPr>
                         <m:ctrlPr>
                           <a:rPr lang="nl-NL" sz="3600" b="0" i="1" smtClean="0">
-                            <a:latin typeface="Cambria Math"/>
+                            <a:latin typeface="Cambria Math" panose="02040503050406030204" pitchFamily="18" charset="0"/>
                           </a:rPr>
                         </m:ctrlPr>
                       </m:sSupPr>
@@ -6550,7 +6610,7 @@
                       <m:fPr>
                         <m:ctrlPr>
                           <a:rPr lang="nl-NL" sz="3600" b="0" i="1" smtClean="0">
-                            <a:latin typeface="Cambria Math"/>
+                            <a:latin typeface="Cambria Math" panose="02040503050406030204" pitchFamily="18" charset="0"/>
                           </a:rPr>
                         </m:ctrlPr>
                       </m:fPr>
@@ -6577,16 +6637,12 @@
               </a:p>
               <a:p>
                 <a:r>
-                  <a:rPr lang="nl-NL" err="1"/>
+                  <a:rPr lang="nl-NL" dirty="0" err="1"/>
                   <a:t>Richardson</a:t>
                 </a:r>
                 <a:r>
-                  <a:rPr lang="nl-NL"/>
-                  <a:t> </a:t>
-                </a:r>
-                <a:r>
-                  <a:rPr lang="nl-NL" smtClean="0"/>
-                  <a:t>Extrapolatie</a:t>
+                  <a:rPr lang="nl-NL" dirty="0"/>
+                  <a:t> Extrapolatie</a:t>
                 </a:r>
               </a:p>
               <a:p>
@@ -6603,7 +6659,7 @@
                         <m:fPr>
                           <m:ctrlPr>
                             <a:rPr lang="nl-NL" sz="3200" i="1" smtClean="0">
-                              <a:latin typeface="Cambria Math"/>
+                              <a:latin typeface="Cambria Math" panose="02040503050406030204" pitchFamily="18" charset="0"/>
                             </a:rPr>
                           </m:ctrlPr>
                         </m:fPr>
@@ -6618,7 +6674,7 @@
                             <m:dPr>
                               <m:ctrlPr>
                                 <a:rPr lang="nl-NL" sz="3200" b="0" i="1" smtClean="0">
-                                  <a:latin typeface="Cambria Math"/>
+                                  <a:latin typeface="Cambria Math" panose="02040503050406030204" pitchFamily="18" charset="0"/>
                                 </a:rPr>
                               </m:ctrlPr>
                             </m:dPr>
@@ -6679,7 +6735,7 @@
                             <m:dPr>
                               <m:ctrlPr>
                                 <a:rPr lang="nl-NL" sz="3200" b="0" i="1" smtClean="0">
-                                  <a:latin typeface="Cambria Math"/>
+                                  <a:latin typeface="Cambria Math" panose="02040503050406030204" pitchFamily="18" charset="0"/>
                                 </a:rPr>
                               </m:ctrlPr>
                             </m:dPr>
@@ -6734,7 +6790,7 @@
                         <m:sSupPr>
                           <m:ctrlPr>
                             <a:rPr lang="nl-NL" sz="3200" b="0" i="1" smtClean="0">
-                              <a:latin typeface="Cambria Math"/>
+                              <a:latin typeface="Cambria Math" panose="02040503050406030204" pitchFamily="18" charset="0"/>
                             </a:rPr>
                           </m:ctrlPr>
                         </m:sSupPr>
@@ -6763,7 +6819,7 @@
             </p:txBody>
           </p:sp>
         </mc:Choice>
-        <mc:Fallback>
+        <mc:Fallback xmlns="">
           <p:sp>
             <p:nvSpPr>
               <p:cNvPr id="3" name="Tijdelijke aanduiding voor inhoud 2"/>
@@ -6807,13 +6863,6 @@
   <p:clrMapOvr>
     <a:masterClrMapping/>
   </p:clrMapOvr>
-  <p:timing>
-    <p:tnLst>
-      <p:par>
-        <p:cTn id="1" dur="indefinite" restart="never" nodeType="tmRoot"/>
-      </p:par>
-    </p:tnLst>
-  </p:timing>
 </p:sld>
 </file>
 
@@ -7254,15 +7303,7 @@
           <a:p>
             <a:r>
               <a:rPr lang="nl-NL"/>
-              <a:t>Energie </a:t>
-            </a:r>
-            <a:r>
-              <a:rPr lang="nl-NL" smtClean="0"/>
-              <a:t>ongeveer</a:t>
-            </a:r>
-            <a:r>
-              <a:rPr lang="nl-NL" smtClean="0"/>
-              <a:t> </a:t>
+              <a:t>Energie ongeveer </a:t>
             </a:r>
             <a:r>
               <a:rPr lang="nl-NL" dirty="0"/>
@@ -7280,13 +7321,13 @@
           <p:nvPr>
             <p:extLst>
               <p:ext uri="{D42A27DB-BD31-4B8C-83A1-F6EECF244321}">
-                <p14:modId xmlns:p14="http://schemas.microsoft.com/office/powerpoint/2010/main" val="2679953857"/>
+                <p14:modId xmlns:p14="http://schemas.microsoft.com/office/powerpoint/2010/main" val="782030648"/>
               </p:ext>
             </p:extLst>
           </p:nvPr>
         </p:nvGraphicFramePr>
         <p:xfrm>
-          <a:off x="158840" y="4010721"/>
+          <a:off x="158840" y="4925121"/>
           <a:ext cx="11874320" cy="1044476"/>
         </p:xfrm>
         <a:graphic>
@@ -7299,56 +7340,56 @@
                 <a:gridCol w="1484290">
                   <a:extLst>
                     <a:ext uri="{9D8B030D-6E8A-4147-A177-3AD203B41FA5}">
-                      <a16:colId xmlns="" xmlns:a16="http://schemas.microsoft.com/office/drawing/2014/main" val="20000"/>
+                      <a16:colId xmlns:a16="http://schemas.microsoft.com/office/drawing/2014/main" val="20000"/>
                     </a:ext>
                   </a:extLst>
                 </a:gridCol>
                 <a:gridCol w="1484290">
                   <a:extLst>
                     <a:ext uri="{9D8B030D-6E8A-4147-A177-3AD203B41FA5}">
-                      <a16:colId xmlns="" xmlns:a16="http://schemas.microsoft.com/office/drawing/2014/main" val="20001"/>
+                      <a16:colId xmlns:a16="http://schemas.microsoft.com/office/drawing/2014/main" val="20001"/>
                     </a:ext>
                   </a:extLst>
                 </a:gridCol>
                 <a:gridCol w="1484290">
                   <a:extLst>
                     <a:ext uri="{9D8B030D-6E8A-4147-A177-3AD203B41FA5}">
-                      <a16:colId xmlns="" xmlns:a16="http://schemas.microsoft.com/office/drawing/2014/main" val="20002"/>
+                      <a16:colId xmlns:a16="http://schemas.microsoft.com/office/drawing/2014/main" val="20002"/>
                     </a:ext>
                   </a:extLst>
                 </a:gridCol>
                 <a:gridCol w="1484290">
                   <a:extLst>
                     <a:ext uri="{9D8B030D-6E8A-4147-A177-3AD203B41FA5}">
-                      <a16:colId xmlns="" xmlns:a16="http://schemas.microsoft.com/office/drawing/2014/main" val="20003"/>
+                      <a16:colId xmlns:a16="http://schemas.microsoft.com/office/drawing/2014/main" val="20003"/>
                     </a:ext>
                   </a:extLst>
                 </a:gridCol>
                 <a:gridCol w="1484290">
                   <a:extLst>
                     <a:ext uri="{9D8B030D-6E8A-4147-A177-3AD203B41FA5}">
-                      <a16:colId xmlns="" xmlns:a16="http://schemas.microsoft.com/office/drawing/2014/main" val="20004"/>
+                      <a16:colId xmlns:a16="http://schemas.microsoft.com/office/drawing/2014/main" val="20004"/>
                     </a:ext>
                   </a:extLst>
                 </a:gridCol>
                 <a:gridCol w="1484290">
                   <a:extLst>
                     <a:ext uri="{9D8B030D-6E8A-4147-A177-3AD203B41FA5}">
-                      <a16:colId xmlns="" xmlns:a16="http://schemas.microsoft.com/office/drawing/2014/main" val="20005"/>
+                      <a16:colId xmlns:a16="http://schemas.microsoft.com/office/drawing/2014/main" val="20005"/>
                     </a:ext>
                   </a:extLst>
                 </a:gridCol>
                 <a:gridCol w="1484290">
                   <a:extLst>
                     <a:ext uri="{9D8B030D-6E8A-4147-A177-3AD203B41FA5}">
-                      <a16:colId xmlns="" xmlns:a16="http://schemas.microsoft.com/office/drawing/2014/main" val="20006"/>
+                      <a16:colId xmlns:a16="http://schemas.microsoft.com/office/drawing/2014/main" val="20006"/>
                     </a:ext>
                   </a:extLst>
                 </a:gridCol>
                 <a:gridCol w="1484290">
                   <a:extLst>
                     <a:ext uri="{9D8B030D-6E8A-4147-A177-3AD203B41FA5}">
-                      <a16:colId xmlns="" xmlns:a16="http://schemas.microsoft.com/office/drawing/2014/main" val="20007"/>
+                      <a16:colId xmlns:a16="http://schemas.microsoft.com/office/drawing/2014/main" val="20007"/>
                     </a:ext>
                   </a:extLst>
                 </a:gridCol>
@@ -7473,7 +7514,7 @@
                 </a:tc>
                 <a:extLst>
                   <a:ext uri="{0D108BD9-81ED-4DB2-BD59-A6C34878D82A}">
-                    <a16:rowId xmlns="" xmlns:a16="http://schemas.microsoft.com/office/drawing/2014/main" val="10000"/>
+                    <a16:rowId xmlns:a16="http://schemas.microsoft.com/office/drawing/2014/main" val="10000"/>
                   </a:ext>
                 </a:extLst>
               </a:tr>
@@ -7648,7 +7689,7 @@
                 </a:tc>
                 <a:extLst>
                   <a:ext uri="{0D108BD9-81ED-4DB2-BD59-A6C34878D82A}">
-                    <a16:rowId xmlns="" xmlns:a16="http://schemas.microsoft.com/office/drawing/2014/main" val="10001"/>
+                    <a16:rowId xmlns:a16="http://schemas.microsoft.com/office/drawing/2014/main" val="10001"/>
                   </a:ext>
                 </a:extLst>
               </a:tr>
@@ -7666,13 +7707,6 @@
   <p:clrMapOvr>
     <a:masterClrMapping/>
   </p:clrMapOvr>
-  <p:timing>
-    <p:tnLst>
-      <p:par>
-        <p:cTn id="1" dur="indefinite" restart="never" nodeType="tmRoot"/>
-      </p:par>
-    </p:tnLst>
-  </p:timing>
 </p:sld>
 </file>
 
@@ -7762,13 +7796,6 @@
   <p:clrMapOvr>
     <a:masterClrMapping/>
   </p:clrMapOvr>
-  <p:timing>
-    <p:tnLst>
-      <p:par>
-        <p:cTn id="1" dur="indefinite" restart="never" nodeType="tmRoot"/>
-      </p:par>
-    </p:tnLst>
-  </p:timing>
 </p:sld>
 </file>
 
@@ -7813,7 +7840,7 @@
         </p:blipFill>
         <p:spPr>
           <a:xfrm>
-            <a:off x="610313" y="1938746"/>
+            <a:off x="525472" y="1571098"/>
             <a:ext cx="5304668" cy="4351338"/>
           </a:xfrm>
         </p:spPr>
@@ -7840,7 +7867,7 @@
         </p:blipFill>
         <p:spPr>
           <a:xfrm>
-            <a:off x="6123354" y="1893722"/>
+            <a:off x="6038513" y="1526074"/>
             <a:ext cx="5403238" cy="4463132"/>
           </a:xfrm>
           <a:prstGeom prst="rect">
@@ -7858,13 +7885,6 @@
   <p:clrMapOvr>
     <a:masterClrMapping/>
   </p:clrMapOvr>
-  <p:timing>
-    <p:tnLst>
-      <p:par>
-        <p:cTn id="1" dur="indefinite" restart="never" nodeType="tmRoot"/>
-      </p:par>
-    </p:tnLst>
-  </p:timing>
 </p:sld>
 </file>
 
@@ -7979,13 +7999,6 @@
   <p:clrMapOvr>
     <a:masterClrMapping/>
   </p:clrMapOvr>
-  <p:timing>
-    <p:tnLst>
-      <p:par>
-        <p:cTn id="1" dur="indefinite" restart="never" nodeType="tmRoot"/>
-      </p:par>
-    </p:tnLst>
-  </p:timing>
 </p:sld>
 </file>
 
@@ -8006,6 +8019,36 @@
           <a:chExt cx="0" cy="0"/>
         </a:xfrm>
       </p:grpSpPr>
+      <p:pic>
+        <p:nvPicPr>
+          <p:cNvPr id="4" name="Afbeelding 3"/>
+          <p:cNvPicPr>
+            <a:picLocks noChangeAspect="1"/>
+          </p:cNvPicPr>
+          <p:nvPr/>
+        </p:nvPicPr>
+        <p:blipFill>
+          <a:blip r:embed="rId2">
+            <a:extLst>
+              <a:ext uri="{28A0092B-C50C-407E-A947-70E740481C1C}">
+                <a14:useLocalDpi xmlns:a14="http://schemas.microsoft.com/office/drawing/2010/main" val="0"/>
+              </a:ext>
+            </a:extLst>
+          </a:blip>
+          <a:stretch>
+            <a:fillRect/>
+          </a:stretch>
+        </p:blipFill>
+        <p:spPr>
+          <a:xfrm>
+            <a:off x="0" y="-285"/>
+            <a:ext cx="12191492" cy="6858285"/>
+          </a:xfrm>
+          <a:prstGeom prst="rect">
+            <a:avLst/>
+          </a:prstGeom>
+        </p:spPr>
+      </p:pic>
       <p:sp>
         <p:nvSpPr>
           <p:cNvPr id="2" name="Titel 1"/>
@@ -8022,28 +8065,13 @@
           <a:lstStyle/>
           <a:p>
             <a:r>
-              <a:rPr lang="nl-NL"/>
+              <a:rPr lang="nl-NL" dirty="0">
+                <a:solidFill>
+                  <a:schemeClr val="accent2"/>
+                </a:solidFill>
+              </a:rPr>
               <a:t>Bedankt voor jullie aandacht</a:t>
             </a:r>
-          </a:p>
-        </p:txBody>
-      </p:sp>
-      <p:sp>
-        <p:nvSpPr>
-          <p:cNvPr id="3" name="Tijdelijke aanduiding voor inhoud 2"/>
-          <p:cNvSpPr>
-            <a:spLocks noGrp="1"/>
-          </p:cNvSpPr>
-          <p:nvPr>
-            <p:ph idx="1"/>
-          </p:nvPr>
-        </p:nvSpPr>
-        <p:spPr/>
-        <p:txBody>
-          <a:bodyPr/>
-          <a:lstStyle/>
-          <a:p>
-            <a:endParaRPr lang="nl-NL"/>
           </a:p>
         </p:txBody>
       </p:sp>
@@ -8057,13 +8085,6 @@
   <p:clrMapOvr>
     <a:masterClrMapping/>
   </p:clrMapOvr>
-  <p:timing>
-    <p:tnLst>
-      <p:par>
-        <p:cTn id="1" dur="indefinite" restart="never" nodeType="tmRoot"/>
-      </p:par>
-    </p:tnLst>
-  </p:timing>
 </p:sld>
 </file>
 
@@ -8116,7 +8137,12 @@
             <p:ph idx="1"/>
           </p:nvPr>
         </p:nvSpPr>
-        <p:spPr/>
+        <p:spPr>
+          <a:xfrm>
+            <a:off x="685800" y="2194560"/>
+            <a:ext cx="3923907" cy="4024125"/>
+          </a:xfrm>
+        </p:spPr>
         <p:txBody>
           <a:bodyPr/>
           <a:lstStyle/>
@@ -8155,6 +8181,36 @@
           </a:p>
         </p:txBody>
       </p:sp>
+      <p:pic>
+        <p:nvPicPr>
+          <p:cNvPr id="5" name="Afbeelding 4"/>
+          <p:cNvPicPr>
+            <a:picLocks noChangeAspect="1"/>
+          </p:cNvPicPr>
+          <p:nvPr/>
+        </p:nvPicPr>
+        <p:blipFill>
+          <a:blip r:embed="rId2">
+            <a:extLst>
+              <a:ext uri="{28A0092B-C50C-407E-A947-70E740481C1C}">
+                <a14:useLocalDpi xmlns:a14="http://schemas.microsoft.com/office/drawing/2010/main" val="0"/>
+              </a:ext>
+            </a:extLst>
+          </a:blip>
+          <a:stretch>
+            <a:fillRect/>
+          </a:stretch>
+        </p:blipFill>
+        <p:spPr>
+          <a:xfrm>
+            <a:off x="4609707" y="1803138"/>
+            <a:ext cx="7582293" cy="5054862"/>
+          </a:xfrm>
+          <a:prstGeom prst="rect">
+            <a:avLst/>
+          </a:prstGeom>
+        </p:spPr>
+      </p:pic>
     </p:spTree>
     <p:extLst>
       <p:ext uri="{BB962C8B-B14F-4D97-AF65-F5344CB8AC3E}">
@@ -8165,13 +8221,6 @@
   <p:clrMapOvr>
     <a:masterClrMapping/>
   </p:clrMapOvr>
-  <p:timing>
-    <p:tnLst>
-      <p:par>
-        <p:cTn id="1" dur="indefinite" restart="never" nodeType="tmRoot"/>
-      </p:par>
-    </p:tnLst>
-  </p:timing>
 </p:sld>
 </file>
 
@@ -8279,13 +8328,6 @@
   <p:clrMapOvr>
     <a:masterClrMapping/>
   </p:clrMapOvr>
-  <p:timing>
-    <p:tnLst>
-      <p:par>
-        <p:cTn id="1" dur="indefinite" restart="never" nodeType="tmRoot"/>
-      </p:par>
-    </p:tnLst>
-  </p:timing>
 </p:sld>
 </file>
 
@@ -8366,7 +8408,7 @@
                         <m:chr m:val="⃗"/>
                         <m:ctrlPr>
                           <a:rPr lang="nl-NL" sz="3200" b="0" i="1" smtClean="0">
-                            <a:latin typeface="Cambria Math"/>
+                            <a:latin typeface="Cambria Math" panose="02040503050406030204" pitchFamily="18" charset="0"/>
                           </a:rPr>
                         </m:ctrlPr>
                       </m:accPr>
@@ -8375,7 +8417,7 @@
                           <m:sSubPr>
                             <m:ctrlPr>
                               <a:rPr lang="nl-NL" sz="3200" b="0" i="1" smtClean="0">
-                                <a:latin typeface="Cambria Math"/>
+                                <a:latin typeface="Cambria Math" panose="02040503050406030204" pitchFamily="18" charset="0"/>
                               </a:rPr>
                             </m:ctrlPr>
                           </m:sSubPr>
@@ -8408,7 +8450,7 @@
                       <m:fPr>
                         <m:ctrlPr>
                           <a:rPr lang="nl-NL" sz="3200" i="1" smtClean="0">
-                            <a:latin typeface="Cambria Math"/>
+                            <a:latin typeface="Cambria Math" panose="02040503050406030204" pitchFamily="18" charset="0"/>
                           </a:rPr>
                         </m:ctrlPr>
                       </m:fPr>
@@ -8417,7 +8459,7 @@
                           <m:sSupPr>
                             <m:ctrlPr>
                               <a:rPr lang="nl-NL" sz="3200" i="1" smtClean="0">
-                                <a:latin typeface="Cambria Math"/>
+                                <a:latin typeface="Cambria Math" panose="02040503050406030204" pitchFamily="18" charset="0"/>
                               </a:rPr>
                             </m:ctrlPr>
                           </m:sSupPr>
@@ -8443,7 +8485,7 @@
                             <m:chr m:val="⃗"/>
                             <m:ctrlPr>
                               <a:rPr lang="nl-NL" sz="3200" i="1" smtClean="0">
-                                <a:latin typeface="Cambria Math"/>
+                                <a:latin typeface="Cambria Math" panose="02040503050406030204" pitchFamily="18" charset="0"/>
                               </a:rPr>
                             </m:ctrlPr>
                           </m:accPr>
@@ -8452,7 +8494,7 @@
                               <m:sSubPr>
                                 <m:ctrlPr>
                                   <a:rPr lang="nl-NL" sz="3200" i="1" smtClean="0">
-                                    <a:latin typeface="Cambria Math"/>
+                                    <a:latin typeface="Cambria Math" panose="02040503050406030204" pitchFamily="18" charset="0"/>
                                   </a:rPr>
                                 </m:ctrlPr>
                               </m:sSubPr>
@@ -8487,7 +8529,7 @@
                           <m:sSupPr>
                             <m:ctrlPr>
                               <a:rPr lang="nl-NL" sz="3200" b="0" i="1" smtClean="0">
-                                <a:latin typeface="Cambria Math"/>
+                                <a:latin typeface="Cambria Math" panose="02040503050406030204" pitchFamily="18" charset="0"/>
                               </a:rPr>
                             </m:ctrlPr>
                           </m:sSupPr>
@@ -8528,7 +8570,7 @@
                         <m:supHide m:val="on"/>
                         <m:ctrlPr>
                           <a:rPr lang="nl-NL" sz="3200" b="0" i="1" smtClean="0">
-                            <a:latin typeface="Cambria Math"/>
+                            <a:latin typeface="Cambria Math" panose="02040503050406030204" pitchFamily="18" charset="0"/>
                           </a:rPr>
                         </m:ctrlPr>
                       </m:naryPr>
@@ -8563,7 +8605,7 @@
                           <m:sSubPr>
                             <m:ctrlPr>
                               <a:rPr lang="nl-NL" sz="3200" b="0" i="1" smtClean="0">
-                                <a:latin typeface="Cambria Math"/>
+                                <a:latin typeface="Cambria Math" panose="02040503050406030204" pitchFamily="18" charset="0"/>
                               </a:rPr>
                             </m:ctrlPr>
                           </m:sSubPr>
@@ -8588,7 +8630,7 @@
                           <m:fPr>
                             <m:ctrlPr>
                               <a:rPr lang="nl-NL" sz="3200" b="0" i="1" smtClean="0">
-                                <a:latin typeface="Cambria Math"/>
+                                <a:latin typeface="Cambria Math" panose="02040503050406030204" pitchFamily="18" charset="0"/>
                               </a:rPr>
                             </m:ctrlPr>
                           </m:fPr>
@@ -8598,7 +8640,7 @@
                                 <m:chr m:val="⃗"/>
                                 <m:ctrlPr>
                                   <a:rPr lang="nl-NL" sz="3200" b="0" i="1" smtClean="0">
-                                    <a:latin typeface="Cambria Math"/>
+                                    <a:latin typeface="Cambria Math" panose="02040503050406030204" pitchFamily="18" charset="0"/>
                                   </a:rPr>
                                 </m:ctrlPr>
                               </m:accPr>
@@ -8607,7 +8649,7 @@
                                   <m:sSubPr>
                                     <m:ctrlPr>
                                       <a:rPr lang="nl-NL" sz="3200" b="0" i="1" smtClean="0">
-                                        <a:latin typeface="Cambria Math"/>
+                                        <a:latin typeface="Cambria Math" panose="02040503050406030204" pitchFamily="18" charset="0"/>
                                       </a:rPr>
                                     </m:ctrlPr>
                                   </m:sSubPr>
@@ -8641,7 +8683,7 @@
                                 <m:chr m:val="⃗"/>
                                 <m:ctrlPr>
                                   <a:rPr lang="nl-NL" sz="3200" i="1">
-                                    <a:latin typeface="Cambria Math"/>
+                                    <a:latin typeface="Cambria Math" panose="02040503050406030204" pitchFamily="18" charset="0"/>
                                   </a:rPr>
                                 </m:ctrlPr>
                               </m:accPr>
@@ -8650,7 +8692,7 @@
                                   <m:sSubPr>
                                     <m:ctrlPr>
                                       <a:rPr lang="nl-NL" sz="3200" i="1">
-                                        <a:latin typeface="Cambria Math"/>
+                                        <a:latin typeface="Cambria Math" panose="02040503050406030204" pitchFamily="18" charset="0"/>
                                       </a:rPr>
                                     </m:ctrlPr>
                                   </m:sSubPr>
@@ -8679,7 +8721,7 @@
                               <m:sSupPr>
                                 <m:ctrlPr>
                                   <a:rPr lang="nl-NL" sz="3200" b="0" i="1" smtClean="0">
-                                    <a:latin typeface="Cambria Math"/>
+                                    <a:latin typeface="Cambria Math" panose="02040503050406030204" pitchFamily="18" charset="0"/>
                                   </a:rPr>
                                 </m:ctrlPr>
                               </m:sSupPr>
@@ -8690,7 +8732,7 @@
                                     <m:endChr m:val="|"/>
                                     <m:ctrlPr>
                                       <a:rPr lang="nl-NL" sz="3200" b="0" i="1" smtClean="0">
-                                        <a:latin typeface="Cambria Math"/>
+                                        <a:latin typeface="Cambria Math" panose="02040503050406030204" pitchFamily="18" charset="0"/>
                                       </a:rPr>
                                     </m:ctrlPr>
                                   </m:dPr>
@@ -8700,7 +8742,7 @@
                                         <m:chr m:val="⃗"/>
                                         <m:ctrlPr>
                                           <a:rPr lang="nl-NL" sz="3200" i="1">
-                                            <a:latin typeface="Cambria Math"/>
+                                            <a:latin typeface="Cambria Math" panose="02040503050406030204" pitchFamily="18" charset="0"/>
                                           </a:rPr>
                                         </m:ctrlPr>
                                       </m:accPr>
@@ -8709,7 +8751,7 @@
                                           <m:sSubPr>
                                             <m:ctrlPr>
                                               <a:rPr lang="nl-NL" sz="3200" i="1" smtClean="0">
-                                                <a:latin typeface="Cambria Math"/>
+                                                <a:latin typeface="Cambria Math" panose="02040503050406030204" pitchFamily="18" charset="0"/>
                                               </a:rPr>
                                             </m:ctrlPr>
                                           </m:sSubPr>
@@ -8743,7 +8785,7 @@
                                         <m:chr m:val="⃗"/>
                                         <m:ctrlPr>
                                           <a:rPr lang="nl-NL" sz="3200" i="1">
-                                            <a:latin typeface="Cambria Math"/>
+                                            <a:latin typeface="Cambria Math" panose="02040503050406030204" pitchFamily="18" charset="0"/>
                                           </a:rPr>
                                         </m:ctrlPr>
                                       </m:accPr>
@@ -8752,7 +8794,7 @@
                                           <m:sSubPr>
                                             <m:ctrlPr>
                                               <a:rPr lang="nl-NL" sz="3200" i="1">
-                                                <a:latin typeface="Cambria Math"/>
+                                                <a:latin typeface="Cambria Math" panose="02040503050406030204" pitchFamily="18" charset="0"/>
                                               </a:rPr>
                                             </m:ctrlPr>
                                           </m:sSubPr>
@@ -8793,7 +8835,7 @@
                           <m:boxPr>
                             <m:ctrlPr>
                               <a:rPr lang="nl-NL" sz="3200" b="0" i="1" smtClean="0">
-                                <a:latin typeface="Cambria Math"/>
+                                <a:latin typeface="Cambria Math" panose="02040503050406030204" pitchFamily="18" charset="0"/>
                               </a:rPr>
                             </m:ctrlPr>
                           </m:boxPr>
@@ -8811,7 +8853,7 @@
                             <m:chr m:val="⃗"/>
                             <m:ctrlPr>
                               <a:rPr lang="nl-NL" sz="3200" b="0" i="1" smtClean="0">
-                                <a:latin typeface="Cambria Math"/>
+                                <a:latin typeface="Cambria Math" panose="02040503050406030204" pitchFamily="18" charset="0"/>
                               </a:rPr>
                             </m:ctrlPr>
                           </m:accPr>
@@ -8835,7 +8877,7 @@
                             <m:chr m:val="⃗"/>
                             <m:ctrlPr>
                               <a:rPr lang="nl-NL" sz="3200" b="0" i="1" smtClean="0">
-                                <a:latin typeface="Cambria Math"/>
+                                <a:latin typeface="Cambria Math" panose="02040503050406030204" pitchFamily="18" charset="0"/>
                               </a:rPr>
                             </m:ctrlPr>
                           </m:accPr>
@@ -8844,7 +8886,7 @@
                               <m:sSubPr>
                                 <m:ctrlPr>
                                   <a:rPr lang="nl-NL" sz="3200" b="0" i="1" smtClean="0">
-                                    <a:latin typeface="Cambria Math"/>
+                                    <a:latin typeface="Cambria Math" panose="02040503050406030204" pitchFamily="18" charset="0"/>
                                   </a:rPr>
                                 </m:ctrlPr>
                               </m:sSubPr>
@@ -8983,6 +9025,36 @@
           </p:sp>
         </mc:Fallback>
       </mc:AlternateContent>
+      <p:pic>
+        <p:nvPicPr>
+          <p:cNvPr id="4" name="Afbeelding 3"/>
+          <p:cNvPicPr>
+            <a:picLocks noChangeAspect="1"/>
+          </p:cNvPicPr>
+          <p:nvPr/>
+        </p:nvPicPr>
+        <p:blipFill>
+          <a:blip r:embed="rId3">
+            <a:extLst>
+              <a:ext uri="{28A0092B-C50C-407E-A947-70E740481C1C}">
+                <a14:useLocalDpi xmlns:a14="http://schemas.microsoft.com/office/drawing/2010/main" val="0"/>
+              </a:ext>
+            </a:extLst>
+          </a:blip>
+          <a:stretch>
+            <a:fillRect/>
+          </a:stretch>
+        </p:blipFill>
+        <p:spPr>
+          <a:xfrm>
+            <a:off x="7183224" y="3473163"/>
+            <a:ext cx="5008776" cy="3384837"/>
+          </a:xfrm>
+          <a:prstGeom prst="rect">
+            <a:avLst/>
+          </a:prstGeom>
+        </p:spPr>
+      </p:pic>
     </p:spTree>
     <p:extLst>
       <p:ext uri="{BB962C8B-B14F-4D97-AF65-F5344CB8AC3E}">
@@ -8993,13 +9065,6 @@
   <p:clrMapOvr>
     <a:masterClrMapping/>
   </p:clrMapOvr>
-  <p:timing>
-    <p:tnLst>
-      <p:par>
-        <p:cTn id="1" dur="indefinite" restart="never" nodeType="tmRoot"/>
-      </p:par>
-    </p:tnLst>
-  </p:timing>
 </p:sld>
 </file>
 
@@ -9042,8 +9107,8 @@
           </a:p>
         </p:txBody>
       </p:sp>
-      <mc:AlternateContent xmlns:mc="http://schemas.openxmlformats.org/markup-compatibility/2006">
-        <mc:Choice xmlns:a14="http://schemas.microsoft.com/office/drawing/2010/main" Requires="a14">
+      <mc:AlternateContent xmlns:mc="http://schemas.openxmlformats.org/markup-compatibility/2006" xmlns:a14="http://schemas.microsoft.com/office/drawing/2010/main">
+        <mc:Choice Requires="a14">
           <p:sp>
             <p:nvSpPr>
               <p:cNvPr id="3" name="Tijdelijke aanduiding voor inhoud 2"/>
@@ -9060,25 +9125,21 @@
               <a:lstStyle/>
               <a:p>
                 <a:r>
-                  <a:rPr lang="nl-NL" smtClean="0"/>
+                  <a:rPr lang="nl-NL" dirty="0"/>
                   <a:t>Handig voor mechanische systemen</a:t>
                 </a:r>
               </a:p>
               <a:p>
                 <a:pPr lvl="1"/>
                 <a:r>
-                  <a:rPr lang="nl-NL"/>
+                  <a:rPr lang="nl-NL" dirty="0"/>
                   <a:t>Maakt gebruik van versnelling</a:t>
                 </a:r>
               </a:p>
               <a:p>
                 <a:r>
-                  <a:rPr lang="nl-NL"/>
-                  <a:t>Stabiel voor </a:t>
-                </a:r>
-                <a:r>
-                  <a:rPr lang="nl-NL" smtClean="0"/>
-                  <a:t>oscillaties</a:t>
+                  <a:rPr lang="nl-NL" dirty="0"/>
+                  <a:t>Stabiel voor oscillaties</a:t>
                 </a:r>
               </a:p>
               <a:p>
@@ -9110,7 +9171,7 @@
                       <m:fPr>
                         <m:ctrlPr>
                           <a:rPr lang="nl-NL" sz="2400" i="1">
-                            <a:latin typeface="Cambria Math"/>
+                            <a:latin typeface="Cambria Math" panose="02040503050406030204" pitchFamily="18" charset="0"/>
                             <a:ea typeface="Cambria Math"/>
                           </a:rPr>
                         </m:ctrlPr>
@@ -9144,7 +9205,7 @@
                   </m:oMath>
                 </a14:m>
                 <a:r>
-                  <a:rPr lang="nl-NL" smtClean="0"/>
+                  <a:rPr lang="nl-NL" dirty="0"/>
                   <a:t> </a:t>
                 </a:r>
                 <a14:m>
@@ -9159,19 +9220,14 @@
                   </m:oMath>
                 </a14:m>
                 <a:r>
-                  <a:rPr lang="nl-NL" smtClean="0"/>
+                  <a:rPr lang="nl-NL" dirty="0"/>
                   <a:t>: hoekfrequentie</a:t>
                 </a:r>
-                <a:endParaRPr lang="nl-NL"/>
               </a:p>
               <a:p>
                 <a:r>
-                  <a:rPr lang="nl-NL" smtClean="0"/>
-                  <a:t>Formule</a:t>
-                </a:r>
-                <a:r>
-                  <a:rPr lang="nl-NL" smtClean="0"/>
-                  <a:t>:</a:t>
+                  <a:rPr lang="nl-NL" dirty="0"/>
+                  <a:t>Formule:</a:t>
                 </a:r>
               </a:p>
               <a:p>
@@ -9182,7 +9238,7 @@
                       <m:sSubPr>
                         <m:ctrlPr>
                           <a:rPr lang="nl-NL" i="1">
-                            <a:latin typeface="Cambria Math"/>
+                            <a:latin typeface="Cambria Math" panose="02040503050406030204" pitchFamily="18" charset="0"/>
                           </a:rPr>
                         </m:ctrlPr>
                       </m:sSubPr>
@@ -9213,7 +9269,7 @@
                       <m:sSubPr>
                         <m:ctrlPr>
                           <a:rPr lang="nl-NL" i="1">
-                            <a:latin typeface="Cambria Math"/>
+                            <a:latin typeface="Cambria Math" panose="02040503050406030204" pitchFamily="18" charset="0"/>
                           </a:rPr>
                         </m:ctrlPr>
                       </m:sSubPr>
@@ -9250,7 +9306,7 @@
                       <m:sSubPr>
                         <m:ctrlPr>
                           <a:rPr lang="nl-NL" i="1">
-                            <a:latin typeface="Cambria Math"/>
+                            <a:latin typeface="Cambria Math" panose="02040503050406030204" pitchFamily="18" charset="0"/>
                           </a:rPr>
                         </m:ctrlPr>
                       </m:sSubPr>
@@ -9306,7 +9362,7 @@
                     </m:sSub>
                   </m:oMath>
                 </a14:m>
-                <a:endParaRPr lang="nl-NL" smtClean="0"/>
+                <a:endParaRPr lang="nl-NL" dirty="0"/>
               </a:p>
               <a:p>
                 <a:pPr lvl="1"/>
@@ -9316,7 +9372,7 @@
                       <m:sSubPr>
                         <m:ctrlPr>
                           <a:rPr lang="nl-NL" i="1" smtClean="0">
-                            <a:latin typeface="Cambria Math"/>
+                            <a:latin typeface="Cambria Math" panose="02040503050406030204" pitchFamily="18" charset="0"/>
                           </a:rPr>
                         </m:ctrlPr>
                       </m:sSubPr>
@@ -9347,7 +9403,7 @@
                       <m:sSubPr>
                         <m:ctrlPr>
                           <a:rPr lang="nl-NL" i="1">
-                            <a:latin typeface="Cambria Math"/>
+                            <a:latin typeface="Cambria Math" panose="02040503050406030204" pitchFamily="18" charset="0"/>
                           </a:rPr>
                         </m:ctrlPr>
                       </m:sSubPr>
@@ -9388,7 +9444,7 @@
                     </m:r>
                   </m:oMath>
                 </a14:m>
-                <a:endParaRPr lang="nl-NL" b="0" i="1">
+                <a:endParaRPr lang="nl-NL" b="0" i="1" dirty="0">
                   <a:latin typeface="Cambria Math"/>
                 </a:endParaRPr>
               </a:p>
@@ -9400,7 +9456,7 @@
                       <m:sSubPr>
                         <m:ctrlPr>
                           <a:rPr lang="nl-NL" i="1">
-                            <a:latin typeface="Cambria Math"/>
+                            <a:latin typeface="Cambria Math" panose="02040503050406030204" pitchFamily="18" charset="0"/>
                           </a:rPr>
                         </m:ctrlPr>
                       </m:sSubPr>
@@ -9437,7 +9493,7 @@
                       <m:sSubPr>
                         <m:ctrlPr>
                           <a:rPr lang="nl-NL" i="1">
-                            <a:latin typeface="Cambria Math"/>
+                            <a:latin typeface="Cambria Math" panose="02040503050406030204" pitchFamily="18" charset="0"/>
                           </a:rPr>
                         </m:ctrlPr>
                       </m:sSubPr>
@@ -9474,7 +9530,7 @@
                       <m:sSubPr>
                         <m:ctrlPr>
                           <a:rPr lang="nl-NL" i="1">
-                            <a:latin typeface="Cambria Math"/>
+                            <a:latin typeface="Cambria Math" panose="02040503050406030204" pitchFamily="18" charset="0"/>
                           </a:rPr>
                         </m:ctrlPr>
                       </m:sSubPr>
@@ -9519,32 +9575,28 @@
                     </m:sSub>
                   </m:oMath>
                 </a14:m>
-                <a:endParaRPr lang="nl-NL"/>
+                <a:endParaRPr lang="nl-NL" dirty="0"/>
               </a:p>
               <a:p>
                 <a:r>
-                  <a:rPr lang="nl-NL" smtClean="0"/>
-                  <a:t>Orde </a:t>
-                </a:r>
-                <a:r>
-                  <a:rPr lang="nl-NL"/>
-                  <a:t>2</a:t>
+                  <a:rPr lang="nl-NL" dirty="0"/>
+                  <a:t>Orde 2</a:t>
                 </a:r>
               </a:p>
               <a:p>
                 <a:pPr lvl="1"/>
-                <a:endParaRPr lang="nl-NL"/>
+                <a:endParaRPr lang="nl-NL" dirty="0"/>
               </a:p>
               <a:p>
                 <a:pPr marL="457200" lvl="1" indent="0">
                   <a:buNone/>
                 </a:pPr>
-                <a:endParaRPr lang="nl-NL"/>
+                <a:endParaRPr lang="nl-NL" dirty="0"/>
               </a:p>
             </p:txBody>
           </p:sp>
         </mc:Choice>
-        <mc:Fallback>
+        <mc:Fallback xmlns="">
           <p:sp>
             <p:nvSpPr>
               <p:cNvPr id="3" name="Tijdelijke aanduiding voor inhoud 2"/>
@@ -9618,13 +9670,6 @@
   <p:clrMapOvr>
     <a:masterClrMapping/>
   </p:clrMapOvr>
-  <p:timing>
-    <p:tnLst>
-      <p:par>
-        <p:cTn id="1" dur="indefinite" restart="never" nodeType="tmRoot"/>
-      </p:par>
-    </p:tnLst>
-  </p:timing>
 </p:sld>
 </file>
 
@@ -9667,65 +9712,6 @@
           </a:p>
         </p:txBody>
       </p:sp>
-      <p:sp>
-        <p:nvSpPr>
-          <p:cNvPr id="3" name="Tijdelijke aanduiding voor inhoud 2"/>
-          <p:cNvSpPr>
-            <a:spLocks noGrp="1"/>
-          </p:cNvSpPr>
-          <p:nvPr>
-            <p:ph idx="1"/>
-          </p:nvPr>
-        </p:nvSpPr>
-        <p:spPr>
-          <a:xfrm>
-            <a:off x="838200" y="1825624"/>
-            <a:ext cx="4998156" cy="4676776"/>
-          </a:xfrm>
-        </p:spPr>
-        <p:txBody>
-          <a:bodyPr>
-            <a:normAutofit/>
-          </a:bodyPr>
-          <a:lstStyle/>
-          <a:p>
-            <a:r>
-              <a:rPr lang="nl-NL" dirty="0"/>
-              <a:t>Langzaam model; orde N²</a:t>
-            </a:r>
-          </a:p>
-          <a:p>
-            <a:r>
-              <a:rPr lang="nl-NL" dirty="0"/>
-              <a:t>Afschatting: deeltjes dicht bij elkaar groeperen</a:t>
-            </a:r>
-          </a:p>
-          <a:p>
-            <a:r>
-              <a:rPr lang="nl-NL" dirty="0"/>
-              <a:t>Implementatie: ruimte recursief opdelen in kwadranten tot elk deeltje eigen kwadrant heeft</a:t>
-            </a:r>
-          </a:p>
-          <a:p>
-            <a:r>
-              <a:rPr lang="nl-NL" dirty="0"/>
-              <a:t>Programmeren: Barnes-Hut boom</a:t>
-            </a:r>
-          </a:p>
-          <a:p>
-            <a:r>
-              <a:rPr lang="nl-NL" dirty="0"/>
-              <a:t>Algoritme niet exact</a:t>
-            </a:r>
-          </a:p>
-          <a:p>
-            <a:r>
-              <a:rPr lang="nl-NL" dirty="0"/>
-              <a:t>orde N· log(N)</a:t>
-            </a:r>
-          </a:p>
-        </p:txBody>
-      </p:sp>
       <p:pic>
         <p:nvPicPr>
           <p:cNvPr id="4" name="Afbeelding 3"/>
@@ -9785,6 +9771,237 @@
           </a:prstGeom>
         </p:spPr>
       </p:pic>
+      <p:sp>
+        <p:nvSpPr>
+          <p:cNvPr id="6" name="Tijdelijke aanduiding voor inhoud 2"/>
+          <p:cNvSpPr txBox="1">
+            <a:spLocks/>
+          </p:cNvSpPr>
+          <p:nvPr/>
+        </p:nvSpPr>
+        <p:spPr>
+          <a:xfrm>
+            <a:off x="685800" y="2194560"/>
+            <a:ext cx="6450291" cy="4024125"/>
+          </a:xfrm>
+          <a:prstGeom prst="rect">
+            <a:avLst/>
+          </a:prstGeom>
+        </p:spPr>
+        <p:txBody>
+          <a:bodyPr vert="horz" lIns="91440" tIns="45720" rIns="91440" bIns="45720" rtlCol="0">
+            <a:normAutofit/>
+          </a:bodyPr>
+          <a:lstStyle>
+            <a:lvl1pPr marL="228600" indent="-228600" algn="l" defTabSz="914400" rtl="0" eaLnBrk="1" latinLnBrk="0" hangingPunct="1">
+              <a:lnSpc>
+                <a:spcPct val="90000"/>
+              </a:lnSpc>
+              <a:spcBef>
+                <a:spcPts val="1000"/>
+              </a:spcBef>
+              <a:buFont typeface="Arial" panose="020B0604020202020204" pitchFamily="34" charset="0"/>
+              <a:buChar char="•"/>
+              <a:defRPr sz="2200" kern="1200">
+                <a:solidFill>
+                  <a:schemeClr val="tx1"/>
+                </a:solidFill>
+                <a:latin typeface="+mn-lt"/>
+                <a:ea typeface="+mn-ea"/>
+                <a:cs typeface="+mn-cs"/>
+              </a:defRPr>
+            </a:lvl1pPr>
+            <a:lvl2pPr marL="685800" indent="-228600" algn="l" defTabSz="914400" rtl="0" eaLnBrk="1" latinLnBrk="0" hangingPunct="1">
+              <a:lnSpc>
+                <a:spcPct val="90000"/>
+              </a:lnSpc>
+              <a:spcBef>
+                <a:spcPts val="500"/>
+              </a:spcBef>
+              <a:buFont typeface="Arial" panose="020B0604020202020204" pitchFamily="34" charset="0"/>
+              <a:buChar char="•"/>
+              <a:defRPr sz="2000" kern="1200">
+                <a:solidFill>
+                  <a:schemeClr val="tx1"/>
+                </a:solidFill>
+                <a:latin typeface="+mn-lt"/>
+                <a:ea typeface="+mn-ea"/>
+                <a:cs typeface="+mn-cs"/>
+              </a:defRPr>
+            </a:lvl2pPr>
+            <a:lvl3pPr marL="1143000" indent="-228600" algn="l" defTabSz="914400" rtl="0" eaLnBrk="1" latinLnBrk="0" hangingPunct="1">
+              <a:lnSpc>
+                <a:spcPct val="90000"/>
+              </a:lnSpc>
+              <a:spcBef>
+                <a:spcPts val="500"/>
+              </a:spcBef>
+              <a:buFont typeface="Arial" panose="020B0604020202020204" pitchFamily="34" charset="0"/>
+              <a:buChar char="•"/>
+              <a:defRPr sz="1800" kern="1200">
+                <a:solidFill>
+                  <a:schemeClr val="tx1"/>
+                </a:solidFill>
+                <a:latin typeface="+mn-lt"/>
+                <a:ea typeface="+mn-ea"/>
+                <a:cs typeface="+mn-cs"/>
+              </a:defRPr>
+            </a:lvl3pPr>
+            <a:lvl4pPr marL="1600200" indent="-228600" algn="l" defTabSz="914400" rtl="0" eaLnBrk="1" latinLnBrk="0" hangingPunct="1">
+              <a:lnSpc>
+                <a:spcPct val="90000"/>
+              </a:lnSpc>
+              <a:spcBef>
+                <a:spcPts val="500"/>
+              </a:spcBef>
+              <a:buFont typeface="Arial" panose="020B0604020202020204" pitchFamily="34" charset="0"/>
+              <a:buChar char="•"/>
+              <a:defRPr sz="1600" kern="1200">
+                <a:solidFill>
+                  <a:schemeClr val="tx1"/>
+                </a:solidFill>
+                <a:latin typeface="+mn-lt"/>
+                <a:ea typeface="+mn-ea"/>
+                <a:cs typeface="+mn-cs"/>
+              </a:defRPr>
+            </a:lvl4pPr>
+            <a:lvl5pPr marL="2057400" indent="-228600" algn="l" defTabSz="914400" rtl="0" eaLnBrk="1" latinLnBrk="0" hangingPunct="1">
+              <a:lnSpc>
+                <a:spcPct val="90000"/>
+              </a:lnSpc>
+              <a:spcBef>
+                <a:spcPts val="500"/>
+              </a:spcBef>
+              <a:buFont typeface="Arial" panose="020B0604020202020204" pitchFamily="34" charset="0"/>
+              <a:buChar char="•"/>
+              <a:defRPr sz="1600" kern="1200">
+                <a:solidFill>
+                  <a:schemeClr val="tx1"/>
+                </a:solidFill>
+                <a:latin typeface="+mn-lt"/>
+                <a:ea typeface="+mn-ea"/>
+                <a:cs typeface="+mn-cs"/>
+              </a:defRPr>
+            </a:lvl5pPr>
+            <a:lvl6pPr marL="2514600" indent="-228600" algn="l" defTabSz="914400" rtl="0" eaLnBrk="1" latinLnBrk="0" hangingPunct="1">
+              <a:lnSpc>
+                <a:spcPct val="90000"/>
+              </a:lnSpc>
+              <a:spcBef>
+                <a:spcPts val="500"/>
+              </a:spcBef>
+              <a:buFont typeface="Arial" panose="020B0604020202020204" pitchFamily="34" charset="0"/>
+              <a:buChar char="•"/>
+              <a:defRPr sz="1600" kern="1200">
+                <a:solidFill>
+                  <a:schemeClr val="tx1"/>
+                </a:solidFill>
+                <a:latin typeface="+mn-lt"/>
+                <a:ea typeface="+mn-ea"/>
+                <a:cs typeface="+mn-cs"/>
+              </a:defRPr>
+            </a:lvl6pPr>
+            <a:lvl7pPr marL="2971800" indent="-228600" algn="l" defTabSz="914400" rtl="0" eaLnBrk="1" latinLnBrk="0" hangingPunct="1">
+              <a:lnSpc>
+                <a:spcPct val="90000"/>
+              </a:lnSpc>
+              <a:spcBef>
+                <a:spcPts val="500"/>
+              </a:spcBef>
+              <a:buFont typeface="Arial" panose="020B0604020202020204" pitchFamily="34" charset="0"/>
+              <a:buChar char="•"/>
+              <a:defRPr sz="1600" kern="1200">
+                <a:solidFill>
+                  <a:schemeClr val="tx1"/>
+                </a:solidFill>
+                <a:latin typeface="+mn-lt"/>
+                <a:ea typeface="+mn-ea"/>
+                <a:cs typeface="+mn-cs"/>
+              </a:defRPr>
+            </a:lvl7pPr>
+            <a:lvl8pPr marL="3429000" indent="-228600" algn="l" defTabSz="914400" rtl="0" eaLnBrk="1" latinLnBrk="0" hangingPunct="1">
+              <a:lnSpc>
+                <a:spcPct val="90000"/>
+              </a:lnSpc>
+              <a:spcBef>
+                <a:spcPts val="500"/>
+              </a:spcBef>
+              <a:buFont typeface="Arial" panose="020B0604020202020204" pitchFamily="34" charset="0"/>
+              <a:buChar char="•"/>
+              <a:defRPr sz="1600" kern="1200">
+                <a:solidFill>
+                  <a:schemeClr val="tx1"/>
+                </a:solidFill>
+                <a:latin typeface="+mn-lt"/>
+                <a:ea typeface="+mn-ea"/>
+                <a:cs typeface="+mn-cs"/>
+              </a:defRPr>
+            </a:lvl8pPr>
+            <a:lvl9pPr marL="3886200" indent="-228600" algn="l" defTabSz="914400" rtl="0" eaLnBrk="1" latinLnBrk="0" hangingPunct="1">
+              <a:lnSpc>
+                <a:spcPct val="90000"/>
+              </a:lnSpc>
+              <a:spcBef>
+                <a:spcPts val="500"/>
+              </a:spcBef>
+              <a:buFont typeface="Arial" panose="020B0604020202020204" pitchFamily="34" charset="0"/>
+              <a:buChar char="•"/>
+              <a:defRPr sz="1600" kern="1200">
+                <a:solidFill>
+                  <a:schemeClr val="tx1"/>
+                </a:solidFill>
+                <a:latin typeface="+mn-lt"/>
+                <a:ea typeface="+mn-ea"/>
+                <a:cs typeface="+mn-cs"/>
+              </a:defRPr>
+            </a:lvl9pPr>
+          </a:lstStyle>
+          <a:p>
+            <a:r>
+              <a:rPr lang="nl-NL" dirty="0"/>
+              <a:t>Langzaam model; orde N²</a:t>
+            </a:r>
+          </a:p>
+          <a:p>
+            <a:r>
+              <a:rPr lang="nl-NL" dirty="0"/>
+              <a:t>Afschatting: deeltjes dicht bij elkaar groeperen</a:t>
+            </a:r>
+          </a:p>
+          <a:p>
+            <a:r>
+              <a:rPr lang="nl-NL" dirty="0"/>
+              <a:t>Implementatie: ruimte recursief opdelen in kwadranten tot elk deeltje eigen kwadrant heeft</a:t>
+            </a:r>
+          </a:p>
+          <a:p>
+            <a:r>
+              <a:rPr lang="nl-NL" dirty="0"/>
+              <a:t>Programmeren: Barnes-Hut boom</a:t>
+            </a:r>
+          </a:p>
+          <a:p>
+            <a:r>
+              <a:rPr lang="nl-NL" dirty="0"/>
+              <a:t>Algoritme niet exact</a:t>
+            </a:r>
+          </a:p>
+          <a:p>
+            <a:r>
+              <a:rPr lang="nl-NL" dirty="0"/>
+              <a:t>orde N· log(N)</a:t>
+            </a:r>
+            <a:endParaRPr lang="nl-NL" dirty="0"/>
+          </a:p>
+          <a:p>
+            <a:pPr marL="457200" lvl="1" indent="0">
+              <a:buFont typeface="Arial" panose="020B0604020202020204" pitchFamily="34" charset="0"/>
+              <a:buNone/>
+            </a:pPr>
+            <a:endParaRPr lang="nl-NL" dirty="0"/>
+          </a:p>
+        </p:txBody>
+      </p:sp>
     </p:spTree>
     <p:extLst>
       <p:ext uri="{BB962C8B-B14F-4D97-AF65-F5344CB8AC3E}">
@@ -9795,13 +10012,6 @@
   <p:clrMapOvr>
     <a:masterClrMapping/>
   </p:clrMapOvr>
-  <p:timing>
-    <p:tnLst>
-      <p:par>
-        <p:cTn id="1" dur="indefinite" restart="never" nodeType="tmRoot"/>
-      </p:par>
-    </p:tnLst>
-  </p:timing>
 </p:sld>
 </file>
 
@@ -9894,7 +10104,7 @@
               <a:buNone/>
             </a:pPr>
             <a:r>
-              <a:rPr lang="nl-NL" sz="4000" b="0" i="0" u="none" strike="noStrike" cap="none">
+              <a:rPr lang="nl-NL" sz="4000" b="0" i="0" u="none" strike="noStrike" cap="none" dirty="0">
                 <a:solidFill>
                   <a:schemeClr val="dk1"/>
                 </a:solidFill>
@@ -9904,219 +10114,6 @@
                 <a:sym typeface="Century Gothic"/>
               </a:rPr>
               <a:t>BARNES-HUT VOOR BOTSINGEN</a:t>
-            </a:r>
-          </a:p>
-        </p:txBody>
-      </p:sp>
-      <p:sp>
-        <p:nvSpPr>
-          <p:cNvPr id="186" name="Shape 186"/>
-          <p:cNvSpPr txBox="1">
-            <a:spLocks noGrp="1"/>
-          </p:cNvSpPr>
-          <p:nvPr>
-            <p:ph type="body" idx="1"/>
-          </p:nvPr>
-        </p:nvSpPr>
-        <p:spPr>
-          <a:xfrm>
-            <a:off x="838200" y="1825210"/>
-            <a:ext cx="4998155" cy="4654198"/>
-          </a:xfrm>
-          <a:prstGeom prst="rect">
-            <a:avLst/>
-          </a:prstGeom>
-          <a:noFill/>
-          <a:ln>
-            <a:noFill/>
-          </a:ln>
-        </p:spPr>
-        <p:txBody>
-          <a:bodyPr lIns="91425" tIns="45700" rIns="91425" bIns="45700" anchor="t" anchorCtr="0">
-            <a:noAutofit/>
-          </a:bodyPr>
-          <a:lstStyle/>
-          <a:p>
-            <a:pPr marL="228600" marR="0" lvl="0" indent="-228600" algn="l" rtl="0">
-              <a:lnSpc>
-                <a:spcPct val="90000"/>
-              </a:lnSpc>
-              <a:spcBef>
-                <a:spcPts val="0"/>
-              </a:spcBef>
-              <a:spcAft>
-                <a:spcPts val="0"/>
-              </a:spcAft>
-              <a:buClr>
-                <a:schemeClr val="dk1"/>
-              </a:buClr>
-              <a:buSzPct val="100000"/>
-              <a:buFont typeface="Arial"/>
-              <a:buChar char="•"/>
-            </a:pPr>
-            <a:r>
-              <a:rPr lang="nl-NL" sz="2200" b="0" i="0" u="none" strike="noStrike" cap="none">
-                <a:solidFill>
-                  <a:schemeClr val="dk1"/>
-                </a:solidFill>
-                <a:latin typeface="Century Gothic"/>
-                <a:ea typeface="Century Gothic"/>
-                <a:cs typeface="Century Gothic"/>
-                <a:sym typeface="Century Gothic"/>
-              </a:rPr>
-              <a:t>Langzaam model; orde N²</a:t>
-            </a:r>
-          </a:p>
-          <a:p>
-            <a:pPr marL="228600" marR="0" lvl="0" indent="-228600" algn="l" rtl="0">
-              <a:lnSpc>
-                <a:spcPct val="90000"/>
-              </a:lnSpc>
-              <a:spcBef>
-                <a:spcPts val="1000"/>
-              </a:spcBef>
-              <a:spcAft>
-                <a:spcPts val="0"/>
-              </a:spcAft>
-              <a:buClr>
-                <a:schemeClr val="dk1"/>
-              </a:buClr>
-              <a:buSzPct val="100000"/>
-              <a:buFont typeface="Arial"/>
-              <a:buChar char="•"/>
-            </a:pPr>
-            <a:r>
-              <a:rPr lang="nl-NL" sz="2200" b="0" i="0" u="none" strike="noStrike" cap="none">
-                <a:solidFill>
-                  <a:schemeClr val="dk1"/>
-                </a:solidFill>
-                <a:latin typeface="Century Gothic"/>
-                <a:ea typeface="Century Gothic"/>
-                <a:cs typeface="Century Gothic"/>
-                <a:sym typeface="Century Gothic"/>
-              </a:rPr>
-              <a:t>Rond elk deeltje rechthoek met grenzen gebaseerd op straal en snelheid</a:t>
-            </a:r>
-          </a:p>
-          <a:p>
-            <a:pPr marL="228600" marR="0" lvl="0" indent="-228600" algn="l" rtl="0">
-              <a:lnSpc>
-                <a:spcPct val="90000"/>
-              </a:lnSpc>
-              <a:spcBef>
-                <a:spcPts val="1000"/>
-              </a:spcBef>
-              <a:spcAft>
-                <a:spcPts val="0"/>
-              </a:spcAft>
-              <a:buClr>
-                <a:schemeClr val="dk1"/>
-              </a:buClr>
-              <a:buSzPct val="100000"/>
-              <a:buFont typeface="Arial"/>
-              <a:buChar char="•"/>
-            </a:pPr>
-            <a:r>
-              <a:rPr lang="nl-NL" sz="2200" b="0" i="0" u="none" strike="noStrike" cap="none">
-                <a:solidFill>
-                  <a:schemeClr val="dk1"/>
-                </a:solidFill>
-                <a:latin typeface="Century Gothic"/>
-                <a:ea typeface="Century Gothic"/>
-                <a:cs typeface="Century Gothic"/>
-                <a:sym typeface="Century Gothic"/>
-              </a:rPr>
-              <a:t>Botsing mogelijk als en slechts als rechthoeken overlappen</a:t>
-            </a:r>
-          </a:p>
-          <a:p>
-            <a:pPr marL="228600" marR="0" lvl="0" indent="-228600" algn="l" rtl="0">
-              <a:lnSpc>
-                <a:spcPct val="90000"/>
-              </a:lnSpc>
-              <a:spcBef>
-                <a:spcPts val="1000"/>
-              </a:spcBef>
-              <a:spcAft>
-                <a:spcPts val="0"/>
-              </a:spcAft>
-              <a:buClr>
-                <a:schemeClr val="dk1"/>
-              </a:buClr>
-              <a:buSzPct val="100000"/>
-              <a:buFont typeface="Arial"/>
-              <a:buChar char="•"/>
-            </a:pPr>
-            <a:r>
-              <a:rPr lang="nl-NL" sz="2200" b="0" i="0" u="none" strike="noStrike" cap="none">
-                <a:solidFill>
-                  <a:schemeClr val="dk1"/>
-                </a:solidFill>
-                <a:latin typeface="Century Gothic"/>
-                <a:ea typeface="Century Gothic"/>
-                <a:cs typeface="Century Gothic"/>
-                <a:sym typeface="Century Gothic"/>
-              </a:rPr>
-              <a:t>Barnes-Hut boom: minimum van de minima, maximum van de maxima</a:t>
-            </a:r>
-          </a:p>
-          <a:p>
-            <a:pPr marL="228600" marR="0" lvl="0" indent="-228600" algn="l" rtl="0">
-              <a:lnSpc>
-                <a:spcPct val="90000"/>
-              </a:lnSpc>
-              <a:spcBef>
-                <a:spcPts val="1000"/>
-              </a:spcBef>
-              <a:spcAft>
-                <a:spcPts val="0"/>
-              </a:spcAft>
-              <a:buClr>
-                <a:schemeClr val="dk1"/>
-              </a:buClr>
-              <a:buSzPct val="100000"/>
-              <a:buFont typeface="Arial"/>
-              <a:buChar char="•"/>
-            </a:pPr>
-            <a:r>
-              <a:rPr lang="nl-NL" sz="2200" b="0" i="0" u="none" strike="noStrike" cap="none">
-                <a:solidFill>
-                  <a:schemeClr val="dk1"/>
-                </a:solidFill>
-                <a:latin typeface="Century Gothic"/>
-                <a:ea typeface="Century Gothic"/>
-                <a:cs typeface="Century Gothic"/>
-                <a:sym typeface="Century Gothic"/>
-              </a:rPr>
-              <a:t>Algoritme wel exact</a:t>
-            </a:r>
-          </a:p>
-          <a:p>
-            <a:pPr marL="228600" marR="0" lvl="0" indent="-228600" algn="l" rtl="0">
-              <a:lnSpc>
-                <a:spcPct val="90000"/>
-              </a:lnSpc>
-              <a:spcBef>
-                <a:spcPts val="1000"/>
-              </a:spcBef>
-              <a:buClr>
-                <a:schemeClr val="dk1"/>
-              </a:buClr>
-              <a:buSzPct val="100000"/>
-              <a:buFont typeface="Arial"/>
-              <a:buChar char="•"/>
-            </a:pPr>
-            <a:r>
-              <a:rPr lang="nl-NL" sz="2200" b="0" i="0" u="none" strike="noStrike" cap="none">
-                <a:solidFill>
-                  <a:schemeClr val="dk1"/>
-                </a:solidFill>
-                <a:latin typeface="Century Gothic"/>
-                <a:ea typeface="Century Gothic"/>
-                <a:cs typeface="Century Gothic"/>
-                <a:sym typeface="Century Gothic"/>
-              </a:rPr>
-              <a:t>orde N· log(N)</a:t>
             </a:r>
           </a:p>
         </p:txBody>
@@ -10185,7 +10182,7 @@
               </a:spcBef>
               <a:buNone/>
             </a:pPr>
-            <a:endParaRPr/>
+            <a:endParaRPr dirty="0"/>
           </a:p>
         </p:txBody>
       </p:sp>
@@ -10226,7 +10223,7 @@
               </a:spcBef>
               <a:buNone/>
             </a:pPr>
-            <a:endParaRPr/>
+            <a:endParaRPr dirty="0"/>
           </a:p>
         </p:txBody>
       </p:sp>
@@ -10267,7 +10264,7 @@
               </a:spcBef>
               <a:buNone/>
             </a:pPr>
-            <a:endParaRPr/>
+            <a:endParaRPr dirty="0"/>
           </a:p>
         </p:txBody>
       </p:sp>
@@ -10308,7 +10305,7 @@
               </a:spcBef>
               <a:buNone/>
             </a:pPr>
-            <a:endParaRPr/>
+            <a:endParaRPr dirty="0"/>
           </a:p>
         </p:txBody>
       </p:sp>
@@ -10349,7 +10346,7 @@
               </a:spcBef>
               <a:buNone/>
             </a:pPr>
-            <a:endParaRPr/>
+            <a:endParaRPr dirty="0"/>
           </a:p>
         </p:txBody>
       </p:sp>
@@ -10390,7 +10387,7 @@
               </a:spcBef>
               <a:buNone/>
             </a:pPr>
-            <a:endParaRPr/>
+            <a:endParaRPr dirty="0"/>
           </a:p>
         </p:txBody>
       </p:sp>
@@ -10431,7 +10428,7 @@
               </a:spcBef>
               <a:buNone/>
             </a:pPr>
-            <a:endParaRPr/>
+            <a:endParaRPr dirty="0"/>
           </a:p>
         </p:txBody>
       </p:sp>
@@ -10472,7 +10469,7 @@
               </a:spcBef>
               <a:buNone/>
             </a:pPr>
-            <a:endParaRPr/>
+            <a:endParaRPr dirty="0"/>
           </a:p>
         </p:txBody>
       </p:sp>
@@ -10513,7 +10510,7 @@
               </a:spcBef>
               <a:buNone/>
             </a:pPr>
-            <a:endParaRPr/>
+            <a:endParaRPr dirty="0"/>
           </a:p>
         </p:txBody>
       </p:sp>
@@ -10554,7 +10551,7 @@
               </a:spcBef>
               <a:buNone/>
             </a:pPr>
-            <a:endParaRPr/>
+            <a:endParaRPr dirty="0"/>
           </a:p>
         </p:txBody>
       </p:sp>
@@ -10595,7 +10592,7 @@
               </a:spcBef>
               <a:buNone/>
             </a:pPr>
-            <a:endParaRPr/>
+            <a:endParaRPr dirty="0"/>
           </a:p>
         </p:txBody>
       </p:sp>
@@ -10636,7 +10633,7 @@
               </a:spcBef>
               <a:buNone/>
             </a:pPr>
-            <a:endParaRPr/>
+            <a:endParaRPr dirty="0"/>
           </a:p>
         </p:txBody>
       </p:sp>
@@ -10677,7 +10674,7 @@
               </a:spcBef>
               <a:buNone/>
             </a:pPr>
-            <a:endParaRPr/>
+            <a:endParaRPr dirty="0"/>
           </a:p>
         </p:txBody>
       </p:sp>
@@ -10718,7 +10715,7 @@
               </a:spcBef>
               <a:buNone/>
             </a:pPr>
-            <a:endParaRPr/>
+            <a:endParaRPr dirty="0"/>
           </a:p>
         </p:txBody>
       </p:sp>
@@ -10759,7 +10756,7 @@
               </a:spcBef>
               <a:buNone/>
             </a:pPr>
-            <a:endParaRPr/>
+            <a:endParaRPr dirty="0"/>
           </a:p>
         </p:txBody>
       </p:sp>
@@ -10797,8 +10794,8 @@
         </p:nvSpPr>
         <p:spPr>
           <a:xfrm>
-            <a:off x="9838125" y="3374950"/>
-            <a:ext cx="1200300" cy="549900"/>
+            <a:off x="10058964" y="2962912"/>
+            <a:ext cx="1342065" cy="549900"/>
           </a:xfrm>
           <a:prstGeom prst="rect">
             <a:avLst/>
@@ -10821,7 +10818,7 @@
               <a:buNone/>
             </a:pPr>
             <a:r>
-              <a:rPr lang="nl-NL"/>
+              <a:rPr lang="nl-NL" dirty="0"/>
               <a:t>overlap, geen botsing</a:t>
             </a:r>
           </a:p>
@@ -10861,8 +10858,8 @@
         </p:nvSpPr>
         <p:spPr>
           <a:xfrm>
-            <a:off x="7715250" y="4360450"/>
-            <a:ext cx="924000" cy="495300"/>
+            <a:off x="7804064" y="4097950"/>
+            <a:ext cx="1130950" cy="495300"/>
           </a:xfrm>
           <a:prstGeom prst="rect">
             <a:avLst/>
@@ -10885,7 +10882,7 @@
               <a:buNone/>
             </a:pPr>
             <a:r>
-              <a:rPr lang="nl-NL"/>
+              <a:rPr lang="nl-NL" dirty="0"/>
               <a:t>overlap, botsing</a:t>
             </a:r>
           </a:p>
@@ -10928,7 +10925,7 @@
               </a:spcBef>
               <a:buNone/>
             </a:pPr>
-            <a:endParaRPr/>
+            <a:endParaRPr dirty="0"/>
           </a:p>
         </p:txBody>
       </p:sp>
@@ -10964,9 +10961,333 @@
               <a:buNone/>
             </a:pPr>
             <a:r>
-              <a:rPr lang="nl-NL"/>
+              <a:rPr lang="nl-NL" dirty="0"/>
               <a:t>geel: grens van noordwest kwadrant</a:t>
             </a:r>
+          </a:p>
+        </p:txBody>
+      </p:sp>
+      <p:sp>
+        <p:nvSpPr>
+          <p:cNvPr id="27" name="Tijdelijke aanduiding voor inhoud 2"/>
+          <p:cNvSpPr txBox="1">
+            <a:spLocks/>
+          </p:cNvSpPr>
+          <p:nvPr/>
+        </p:nvSpPr>
+        <p:spPr>
+          <a:xfrm>
+            <a:off x="685800" y="2194560"/>
+            <a:ext cx="5731675" cy="4024125"/>
+          </a:xfrm>
+          <a:prstGeom prst="rect">
+            <a:avLst/>
+          </a:prstGeom>
+        </p:spPr>
+        <p:txBody>
+          <a:bodyPr vert="horz" lIns="91440" tIns="45720" rIns="91440" bIns="45720" rtlCol="0">
+            <a:normAutofit/>
+          </a:bodyPr>
+          <a:lstStyle>
+            <a:lvl1pPr marL="228600" indent="-228600" algn="l" defTabSz="914400" rtl="0" eaLnBrk="1" latinLnBrk="0" hangingPunct="1">
+              <a:lnSpc>
+                <a:spcPct val="90000"/>
+              </a:lnSpc>
+              <a:spcBef>
+                <a:spcPts val="1000"/>
+              </a:spcBef>
+              <a:buFont typeface="Arial" panose="020B0604020202020204" pitchFamily="34" charset="0"/>
+              <a:buChar char="•"/>
+              <a:defRPr sz="2200" kern="1200">
+                <a:solidFill>
+                  <a:schemeClr val="tx1"/>
+                </a:solidFill>
+                <a:latin typeface="+mn-lt"/>
+                <a:ea typeface="+mn-ea"/>
+                <a:cs typeface="+mn-cs"/>
+              </a:defRPr>
+            </a:lvl1pPr>
+            <a:lvl2pPr marL="685800" indent="-228600" algn="l" defTabSz="914400" rtl="0" eaLnBrk="1" latinLnBrk="0" hangingPunct="1">
+              <a:lnSpc>
+                <a:spcPct val="90000"/>
+              </a:lnSpc>
+              <a:spcBef>
+                <a:spcPts val="500"/>
+              </a:spcBef>
+              <a:buFont typeface="Arial" panose="020B0604020202020204" pitchFamily="34" charset="0"/>
+              <a:buChar char="•"/>
+              <a:defRPr sz="2000" kern="1200">
+                <a:solidFill>
+                  <a:schemeClr val="tx1"/>
+                </a:solidFill>
+                <a:latin typeface="+mn-lt"/>
+                <a:ea typeface="+mn-ea"/>
+                <a:cs typeface="+mn-cs"/>
+              </a:defRPr>
+            </a:lvl2pPr>
+            <a:lvl3pPr marL="1143000" indent="-228600" algn="l" defTabSz="914400" rtl="0" eaLnBrk="1" latinLnBrk="0" hangingPunct="1">
+              <a:lnSpc>
+                <a:spcPct val="90000"/>
+              </a:lnSpc>
+              <a:spcBef>
+                <a:spcPts val="500"/>
+              </a:spcBef>
+              <a:buFont typeface="Arial" panose="020B0604020202020204" pitchFamily="34" charset="0"/>
+              <a:buChar char="•"/>
+              <a:defRPr sz="1800" kern="1200">
+                <a:solidFill>
+                  <a:schemeClr val="tx1"/>
+                </a:solidFill>
+                <a:latin typeface="+mn-lt"/>
+                <a:ea typeface="+mn-ea"/>
+                <a:cs typeface="+mn-cs"/>
+              </a:defRPr>
+            </a:lvl3pPr>
+            <a:lvl4pPr marL="1600200" indent="-228600" algn="l" defTabSz="914400" rtl="0" eaLnBrk="1" latinLnBrk="0" hangingPunct="1">
+              <a:lnSpc>
+                <a:spcPct val="90000"/>
+              </a:lnSpc>
+              <a:spcBef>
+                <a:spcPts val="500"/>
+              </a:spcBef>
+              <a:buFont typeface="Arial" panose="020B0604020202020204" pitchFamily="34" charset="0"/>
+              <a:buChar char="•"/>
+              <a:defRPr sz="1600" kern="1200">
+                <a:solidFill>
+                  <a:schemeClr val="tx1"/>
+                </a:solidFill>
+                <a:latin typeface="+mn-lt"/>
+                <a:ea typeface="+mn-ea"/>
+                <a:cs typeface="+mn-cs"/>
+              </a:defRPr>
+            </a:lvl4pPr>
+            <a:lvl5pPr marL="2057400" indent="-228600" algn="l" defTabSz="914400" rtl="0" eaLnBrk="1" latinLnBrk="0" hangingPunct="1">
+              <a:lnSpc>
+                <a:spcPct val="90000"/>
+              </a:lnSpc>
+              <a:spcBef>
+                <a:spcPts val="500"/>
+              </a:spcBef>
+              <a:buFont typeface="Arial" panose="020B0604020202020204" pitchFamily="34" charset="0"/>
+              <a:buChar char="•"/>
+              <a:defRPr sz="1600" kern="1200">
+                <a:solidFill>
+                  <a:schemeClr val="tx1"/>
+                </a:solidFill>
+                <a:latin typeface="+mn-lt"/>
+                <a:ea typeface="+mn-ea"/>
+                <a:cs typeface="+mn-cs"/>
+              </a:defRPr>
+            </a:lvl5pPr>
+            <a:lvl6pPr marL="2514600" indent="-228600" algn="l" defTabSz="914400" rtl="0" eaLnBrk="1" latinLnBrk="0" hangingPunct="1">
+              <a:lnSpc>
+                <a:spcPct val="90000"/>
+              </a:lnSpc>
+              <a:spcBef>
+                <a:spcPts val="500"/>
+              </a:spcBef>
+              <a:buFont typeface="Arial" panose="020B0604020202020204" pitchFamily="34" charset="0"/>
+              <a:buChar char="•"/>
+              <a:defRPr sz="1600" kern="1200">
+                <a:solidFill>
+                  <a:schemeClr val="tx1"/>
+                </a:solidFill>
+                <a:latin typeface="+mn-lt"/>
+                <a:ea typeface="+mn-ea"/>
+                <a:cs typeface="+mn-cs"/>
+              </a:defRPr>
+            </a:lvl6pPr>
+            <a:lvl7pPr marL="2971800" indent="-228600" algn="l" defTabSz="914400" rtl="0" eaLnBrk="1" latinLnBrk="0" hangingPunct="1">
+              <a:lnSpc>
+                <a:spcPct val="90000"/>
+              </a:lnSpc>
+              <a:spcBef>
+                <a:spcPts val="500"/>
+              </a:spcBef>
+              <a:buFont typeface="Arial" panose="020B0604020202020204" pitchFamily="34" charset="0"/>
+              <a:buChar char="•"/>
+              <a:defRPr sz="1600" kern="1200">
+                <a:solidFill>
+                  <a:schemeClr val="tx1"/>
+                </a:solidFill>
+                <a:latin typeface="+mn-lt"/>
+                <a:ea typeface="+mn-ea"/>
+                <a:cs typeface="+mn-cs"/>
+              </a:defRPr>
+            </a:lvl7pPr>
+            <a:lvl8pPr marL="3429000" indent="-228600" algn="l" defTabSz="914400" rtl="0" eaLnBrk="1" latinLnBrk="0" hangingPunct="1">
+              <a:lnSpc>
+                <a:spcPct val="90000"/>
+              </a:lnSpc>
+              <a:spcBef>
+                <a:spcPts val="500"/>
+              </a:spcBef>
+              <a:buFont typeface="Arial" panose="020B0604020202020204" pitchFamily="34" charset="0"/>
+              <a:buChar char="•"/>
+              <a:defRPr sz="1600" kern="1200">
+                <a:solidFill>
+                  <a:schemeClr val="tx1"/>
+                </a:solidFill>
+                <a:latin typeface="+mn-lt"/>
+                <a:ea typeface="+mn-ea"/>
+                <a:cs typeface="+mn-cs"/>
+              </a:defRPr>
+            </a:lvl8pPr>
+            <a:lvl9pPr marL="3886200" indent="-228600" algn="l" defTabSz="914400" rtl="0" eaLnBrk="1" latinLnBrk="0" hangingPunct="1">
+              <a:lnSpc>
+                <a:spcPct val="90000"/>
+              </a:lnSpc>
+              <a:spcBef>
+                <a:spcPts val="500"/>
+              </a:spcBef>
+              <a:buFont typeface="Arial" panose="020B0604020202020204" pitchFamily="34" charset="0"/>
+              <a:buChar char="•"/>
+              <a:defRPr sz="1600" kern="1200">
+                <a:solidFill>
+                  <a:schemeClr val="tx1"/>
+                </a:solidFill>
+                <a:latin typeface="+mn-lt"/>
+                <a:ea typeface="+mn-ea"/>
+                <a:cs typeface="+mn-cs"/>
+              </a:defRPr>
+            </a:lvl9pPr>
+          </a:lstStyle>
+          <a:p>
+            <a:pPr lvl="0">
+              <a:spcBef>
+                <a:spcPts val="0"/>
+              </a:spcBef>
+              <a:buClr>
+                <a:schemeClr val="dk1"/>
+              </a:buClr>
+              <a:buSzPct val="100000"/>
+              <a:buFont typeface="Arial"/>
+              <a:buChar char="•"/>
+            </a:pPr>
+            <a:r>
+              <a:rPr lang="nl-NL" dirty="0">
+                <a:solidFill>
+                  <a:schemeClr val="dk1"/>
+                </a:solidFill>
+                <a:ea typeface="Century Gothic"/>
+                <a:cs typeface="Century Gothic"/>
+                <a:sym typeface="Century Gothic"/>
+              </a:rPr>
+              <a:t>Langzaam model; orde N²</a:t>
+            </a:r>
+          </a:p>
+          <a:p>
+            <a:pPr lvl="0">
+              <a:buClr>
+                <a:schemeClr val="dk1"/>
+              </a:buClr>
+              <a:buSzPct val="100000"/>
+              <a:buFont typeface="Arial"/>
+              <a:buChar char="•"/>
+            </a:pPr>
+            <a:r>
+              <a:rPr lang="nl-NL" dirty="0">
+                <a:solidFill>
+                  <a:schemeClr val="dk1"/>
+                </a:solidFill>
+                <a:ea typeface="Century Gothic"/>
+                <a:cs typeface="Century Gothic"/>
+                <a:sym typeface="Century Gothic"/>
+              </a:rPr>
+              <a:t>Rond elk deeltje rechthoek met grenzen gebaseerd op straal en snelheid</a:t>
+            </a:r>
+          </a:p>
+          <a:p>
+            <a:pPr lvl="0">
+              <a:buClr>
+                <a:schemeClr val="dk1"/>
+              </a:buClr>
+              <a:buSzPct val="100000"/>
+              <a:buFont typeface="Arial"/>
+              <a:buChar char="•"/>
+            </a:pPr>
+            <a:r>
+              <a:rPr lang="nl-NL" dirty="0">
+                <a:solidFill>
+                  <a:schemeClr val="dk1"/>
+                </a:solidFill>
+                <a:ea typeface="Century Gothic"/>
+                <a:cs typeface="Century Gothic"/>
+                <a:sym typeface="Century Gothic"/>
+              </a:rPr>
+              <a:t>Botsing mogelijk als en slechts als rechthoeken overlappen</a:t>
+            </a:r>
+          </a:p>
+          <a:p>
+            <a:pPr lvl="0">
+              <a:buClr>
+                <a:schemeClr val="dk1"/>
+              </a:buClr>
+              <a:buSzPct val="100000"/>
+              <a:buFont typeface="Arial"/>
+              <a:buChar char="•"/>
+            </a:pPr>
+            <a:r>
+              <a:rPr lang="nl-NL" dirty="0">
+                <a:solidFill>
+                  <a:schemeClr val="dk1"/>
+                </a:solidFill>
+                <a:ea typeface="Century Gothic"/>
+                <a:cs typeface="Century Gothic"/>
+                <a:sym typeface="Century Gothic"/>
+              </a:rPr>
+              <a:t>Barnes-Hut boom: minimum van de minima, maximum van de maxima</a:t>
+            </a:r>
+          </a:p>
+          <a:p>
+            <a:pPr lvl="0">
+              <a:buClr>
+                <a:schemeClr val="dk1"/>
+              </a:buClr>
+              <a:buSzPct val="100000"/>
+              <a:buFont typeface="Arial"/>
+              <a:buChar char="•"/>
+            </a:pPr>
+            <a:r>
+              <a:rPr lang="nl-NL" dirty="0">
+                <a:solidFill>
+                  <a:schemeClr val="dk1"/>
+                </a:solidFill>
+                <a:ea typeface="Century Gothic"/>
+                <a:cs typeface="Century Gothic"/>
+                <a:sym typeface="Century Gothic"/>
+              </a:rPr>
+              <a:t>Algoritme wel exact</a:t>
+            </a:r>
+          </a:p>
+          <a:p>
+            <a:pPr lvl="0">
+              <a:buClr>
+                <a:schemeClr val="dk1"/>
+              </a:buClr>
+              <a:buSzPct val="100000"/>
+              <a:buFont typeface="Arial"/>
+              <a:buChar char="•"/>
+            </a:pPr>
+            <a:r>
+              <a:rPr lang="nl-NL" dirty="0">
+                <a:solidFill>
+                  <a:schemeClr val="dk1"/>
+                </a:solidFill>
+                <a:ea typeface="Century Gothic"/>
+                <a:cs typeface="Century Gothic"/>
+                <a:sym typeface="Century Gothic"/>
+              </a:rPr>
+              <a:t>orde N· log(N)</a:t>
+            </a:r>
+            <a:endParaRPr lang="nl-NL" dirty="0"/>
+          </a:p>
+          <a:p>
+            <a:pPr marL="457200" lvl="1" indent="0">
+              <a:buFont typeface="Arial" panose="020B0604020202020204" pitchFamily="34" charset="0"/>
+              <a:buNone/>
+            </a:pPr>
+            <a:endParaRPr lang="nl-NL" dirty="0"/>
           </a:p>
         </p:txBody>
       </p:sp>
@@ -10975,13 +11296,6 @@
   <p:clrMapOvr>
     <a:masterClrMapping/>
   </p:clrMapOvr>
-  <p:timing>
-    <p:tnLst>
-      <p:par>
-        <p:cTn id="1" dur="indefinite" restart="never" nodeType="tmRoot"/>
-      </p:par>
-    </p:tnLst>
-  </p:timing>
 </p:sld>
 </file>
 
@@ -11026,25 +11340,189 @@
       </p:sp>
       <p:sp>
         <p:nvSpPr>
-          <p:cNvPr id="3" name="Tijdelijke aanduiding voor inhoud 2"/>
-          <p:cNvSpPr>
-            <a:spLocks noGrp="1"/>
-          </p:cNvSpPr>
-          <p:nvPr>
-            <p:ph idx="1"/>
-          </p:nvPr>
-        </p:nvSpPr>
-        <p:spPr>
-          <a:xfrm>
-            <a:off x="838200" y="1791758"/>
-            <a:ext cx="4998156" cy="4654198"/>
-          </a:xfrm>
-        </p:spPr>
-        <p:txBody>
-          <a:bodyPr>
+          <p:cNvPr id="4" name="Tijdelijke aanduiding voor inhoud 2"/>
+          <p:cNvSpPr txBox="1">
+            <a:spLocks/>
+          </p:cNvSpPr>
+          <p:nvPr/>
+        </p:nvSpPr>
+        <p:spPr>
+          <a:xfrm>
+            <a:off x="685800" y="2194560"/>
+            <a:ext cx="6092072" cy="4024125"/>
+          </a:xfrm>
+          <a:prstGeom prst="rect">
+            <a:avLst/>
+          </a:prstGeom>
+        </p:spPr>
+        <p:txBody>
+          <a:bodyPr vert="horz" lIns="91440" tIns="45720" rIns="91440" bIns="45720" rtlCol="0">
             <a:normAutofit/>
           </a:bodyPr>
-          <a:lstStyle/>
+          <a:lstStyle>
+            <a:lvl1pPr marL="228600" indent="-228600" algn="l" defTabSz="914400" rtl="0" eaLnBrk="1" latinLnBrk="0" hangingPunct="1">
+              <a:lnSpc>
+                <a:spcPct val="90000"/>
+              </a:lnSpc>
+              <a:spcBef>
+                <a:spcPts val="1000"/>
+              </a:spcBef>
+              <a:buFont typeface="Arial" panose="020B0604020202020204" pitchFamily="34" charset="0"/>
+              <a:buChar char="•"/>
+              <a:defRPr sz="2200" kern="1200">
+                <a:solidFill>
+                  <a:schemeClr val="tx1"/>
+                </a:solidFill>
+                <a:latin typeface="+mn-lt"/>
+                <a:ea typeface="+mn-ea"/>
+                <a:cs typeface="+mn-cs"/>
+              </a:defRPr>
+            </a:lvl1pPr>
+            <a:lvl2pPr marL="685800" indent="-228600" algn="l" defTabSz="914400" rtl="0" eaLnBrk="1" latinLnBrk="0" hangingPunct="1">
+              <a:lnSpc>
+                <a:spcPct val="90000"/>
+              </a:lnSpc>
+              <a:spcBef>
+                <a:spcPts val="500"/>
+              </a:spcBef>
+              <a:buFont typeface="Arial" panose="020B0604020202020204" pitchFamily="34" charset="0"/>
+              <a:buChar char="•"/>
+              <a:defRPr sz="2000" kern="1200">
+                <a:solidFill>
+                  <a:schemeClr val="tx1"/>
+                </a:solidFill>
+                <a:latin typeface="+mn-lt"/>
+                <a:ea typeface="+mn-ea"/>
+                <a:cs typeface="+mn-cs"/>
+              </a:defRPr>
+            </a:lvl2pPr>
+            <a:lvl3pPr marL="1143000" indent="-228600" algn="l" defTabSz="914400" rtl="0" eaLnBrk="1" latinLnBrk="0" hangingPunct="1">
+              <a:lnSpc>
+                <a:spcPct val="90000"/>
+              </a:lnSpc>
+              <a:spcBef>
+                <a:spcPts val="500"/>
+              </a:spcBef>
+              <a:buFont typeface="Arial" panose="020B0604020202020204" pitchFamily="34" charset="0"/>
+              <a:buChar char="•"/>
+              <a:defRPr sz="1800" kern="1200">
+                <a:solidFill>
+                  <a:schemeClr val="tx1"/>
+                </a:solidFill>
+                <a:latin typeface="+mn-lt"/>
+                <a:ea typeface="+mn-ea"/>
+                <a:cs typeface="+mn-cs"/>
+              </a:defRPr>
+            </a:lvl3pPr>
+            <a:lvl4pPr marL="1600200" indent="-228600" algn="l" defTabSz="914400" rtl="0" eaLnBrk="1" latinLnBrk="0" hangingPunct="1">
+              <a:lnSpc>
+                <a:spcPct val="90000"/>
+              </a:lnSpc>
+              <a:spcBef>
+                <a:spcPts val="500"/>
+              </a:spcBef>
+              <a:buFont typeface="Arial" panose="020B0604020202020204" pitchFamily="34" charset="0"/>
+              <a:buChar char="•"/>
+              <a:defRPr sz="1600" kern="1200">
+                <a:solidFill>
+                  <a:schemeClr val="tx1"/>
+                </a:solidFill>
+                <a:latin typeface="+mn-lt"/>
+                <a:ea typeface="+mn-ea"/>
+                <a:cs typeface="+mn-cs"/>
+              </a:defRPr>
+            </a:lvl4pPr>
+            <a:lvl5pPr marL="2057400" indent="-228600" algn="l" defTabSz="914400" rtl="0" eaLnBrk="1" latinLnBrk="0" hangingPunct="1">
+              <a:lnSpc>
+                <a:spcPct val="90000"/>
+              </a:lnSpc>
+              <a:spcBef>
+                <a:spcPts val="500"/>
+              </a:spcBef>
+              <a:buFont typeface="Arial" panose="020B0604020202020204" pitchFamily="34" charset="0"/>
+              <a:buChar char="•"/>
+              <a:defRPr sz="1600" kern="1200">
+                <a:solidFill>
+                  <a:schemeClr val="tx1"/>
+                </a:solidFill>
+                <a:latin typeface="+mn-lt"/>
+                <a:ea typeface="+mn-ea"/>
+                <a:cs typeface="+mn-cs"/>
+              </a:defRPr>
+            </a:lvl5pPr>
+            <a:lvl6pPr marL="2514600" indent="-228600" algn="l" defTabSz="914400" rtl="0" eaLnBrk="1" latinLnBrk="0" hangingPunct="1">
+              <a:lnSpc>
+                <a:spcPct val="90000"/>
+              </a:lnSpc>
+              <a:spcBef>
+                <a:spcPts val="500"/>
+              </a:spcBef>
+              <a:buFont typeface="Arial" panose="020B0604020202020204" pitchFamily="34" charset="0"/>
+              <a:buChar char="•"/>
+              <a:defRPr sz="1600" kern="1200">
+                <a:solidFill>
+                  <a:schemeClr val="tx1"/>
+                </a:solidFill>
+                <a:latin typeface="+mn-lt"/>
+                <a:ea typeface="+mn-ea"/>
+                <a:cs typeface="+mn-cs"/>
+              </a:defRPr>
+            </a:lvl6pPr>
+            <a:lvl7pPr marL="2971800" indent="-228600" algn="l" defTabSz="914400" rtl="0" eaLnBrk="1" latinLnBrk="0" hangingPunct="1">
+              <a:lnSpc>
+                <a:spcPct val="90000"/>
+              </a:lnSpc>
+              <a:spcBef>
+                <a:spcPts val="500"/>
+              </a:spcBef>
+              <a:buFont typeface="Arial" panose="020B0604020202020204" pitchFamily="34" charset="0"/>
+              <a:buChar char="•"/>
+              <a:defRPr sz="1600" kern="1200">
+                <a:solidFill>
+                  <a:schemeClr val="tx1"/>
+                </a:solidFill>
+                <a:latin typeface="+mn-lt"/>
+                <a:ea typeface="+mn-ea"/>
+                <a:cs typeface="+mn-cs"/>
+              </a:defRPr>
+            </a:lvl7pPr>
+            <a:lvl8pPr marL="3429000" indent="-228600" algn="l" defTabSz="914400" rtl="0" eaLnBrk="1" latinLnBrk="0" hangingPunct="1">
+              <a:lnSpc>
+                <a:spcPct val="90000"/>
+              </a:lnSpc>
+              <a:spcBef>
+                <a:spcPts val="500"/>
+              </a:spcBef>
+              <a:buFont typeface="Arial" panose="020B0604020202020204" pitchFamily="34" charset="0"/>
+              <a:buChar char="•"/>
+              <a:defRPr sz="1600" kern="1200">
+                <a:solidFill>
+                  <a:schemeClr val="tx1"/>
+                </a:solidFill>
+                <a:latin typeface="+mn-lt"/>
+                <a:ea typeface="+mn-ea"/>
+                <a:cs typeface="+mn-cs"/>
+              </a:defRPr>
+            </a:lvl8pPr>
+            <a:lvl9pPr marL="3886200" indent="-228600" algn="l" defTabSz="914400" rtl="0" eaLnBrk="1" latinLnBrk="0" hangingPunct="1">
+              <a:lnSpc>
+                <a:spcPct val="90000"/>
+              </a:lnSpc>
+              <a:spcBef>
+                <a:spcPts val="500"/>
+              </a:spcBef>
+              <a:buFont typeface="Arial" panose="020B0604020202020204" pitchFamily="34" charset="0"/>
+              <a:buChar char="•"/>
+              <a:defRPr sz="1600" kern="1200">
+                <a:solidFill>
+                  <a:schemeClr val="tx1"/>
+                </a:solidFill>
+                <a:latin typeface="+mn-lt"/>
+                <a:ea typeface="+mn-ea"/>
+                <a:cs typeface="+mn-cs"/>
+              </a:defRPr>
+            </a:lvl9pPr>
+          </a:lstStyle>
           <a:p>
             <a:r>
               <a:rPr lang="nl-NL" dirty="0"/>
@@ -11080,6 +11558,7 @@
               <a:rPr lang="nl-NL" dirty="0"/>
               <a:t>orde N· log(N)</a:t>
             </a:r>
+            <a:endParaRPr lang="nl-NL" dirty="0"/>
           </a:p>
         </p:txBody>
       </p:sp>
@@ -11093,13 +11572,6 @@
   <p:clrMapOvr>
     <a:masterClrMapping/>
   </p:clrMapOvr>
-  <p:timing>
-    <p:tnLst>
-      <p:par>
-        <p:cTn id="1" dur="indefinite" restart="never" nodeType="tmRoot"/>
-      </p:par>
-    </p:tnLst>
-  </p:timing>
 </p:sld>
 </file>
 
@@ -11175,7 +11647,7 @@
           <a:lstStyle/>
           <a:p>
             <a:r>
-              <a:rPr lang="nl-NL"/>
+              <a:rPr lang="nl-NL" dirty="0"/>
               <a:t>Resultaten</a:t>
             </a:r>
           </a:p>
@@ -11191,13 +11663,6 @@
   <p:clrMapOvr>
     <a:masterClrMapping/>
   </p:clrMapOvr>
-  <p:timing>
-    <p:tnLst>
-      <p:par>
-        <p:cTn id="1" dur="indefinite" restart="never" nodeType="tmRoot"/>
-      </p:par>
-    </p:tnLst>
-  </p:timing>
 </p:sld>
 </file>
 
@@ -11465,7 +11930,7 @@
   <a:extraClrSchemeLst/>
   <a:extLst>
     <a:ext uri="{05A4C25C-085E-4340-85A3-A5531E510DB2}">
-      <thm15:themeFamily xmlns="" xmlns:thm15="http://schemas.microsoft.com/office/thememl/2012/main" name="Vapor Trail" id="{4FDF2955-7D9C-493C-B9F9-C205151B46CD}" vid="{FE1EB5C7-81A8-4CBA-AE6E-B3BF73DC3895}"/>
+      <thm15:themeFamily xmlns:thm15="http://schemas.microsoft.com/office/thememl/2012/main" name="Vapor Trail" id="{4FDF2955-7D9C-493C-B9F9-C205151B46CD}" vid="{FE1EB5C7-81A8-4CBA-AE6E-B3BF73DC3895}"/>
     </a:ext>
   </a:extLst>
 </a:theme>

--- a/Presentatie/Presentatie.pptx
+++ b/Presentatie/Presentatie.pptx
@@ -12,11 +12,11 @@
     <p:sldId id="257" r:id="rId3"/>
     <p:sldId id="258" r:id="rId4"/>
     <p:sldId id="259" r:id="rId5"/>
-    <p:sldId id="260" r:id="rId6"/>
-    <p:sldId id="267" r:id="rId7"/>
-    <p:sldId id="273" r:id="rId8"/>
-    <p:sldId id="268" r:id="rId9"/>
-    <p:sldId id="262" r:id="rId10"/>
+    <p:sldId id="267" r:id="rId6"/>
+    <p:sldId id="273" r:id="rId7"/>
+    <p:sldId id="268" r:id="rId8"/>
+    <p:sldId id="262" r:id="rId9"/>
+    <p:sldId id="260" r:id="rId10"/>
     <p:sldId id="263" r:id="rId11"/>
     <p:sldId id="266" r:id="rId12"/>
     <p:sldId id="271" r:id="rId13"/>
@@ -9102,6 +9102,1999 @@
           <a:p>
             <a:r>
               <a:rPr lang="nl-NL"/>
+              <a:t>Barnes-Hut Algoritme</a:t>
+            </a:r>
+          </a:p>
+        </p:txBody>
+      </p:sp>
+      <p:pic>
+        <p:nvPicPr>
+          <p:cNvPr id="4" name="Afbeelding 3"/>
+          <p:cNvPicPr>
+            <a:picLocks noChangeAspect="1"/>
+          </p:cNvPicPr>
+          <p:nvPr/>
+        </p:nvPicPr>
+        <p:blipFill>
+          <a:blip r:embed="rId2">
+            <a:extLst>
+              <a:ext uri="{28A0092B-C50C-407E-A947-70E740481C1C}">
+                <a14:useLocalDpi xmlns:a14="http://schemas.microsoft.com/office/drawing/2010/main" val="0"/>
+              </a:ext>
+            </a:extLst>
+          </a:blip>
+          <a:stretch>
+            <a:fillRect/>
+          </a:stretch>
+        </p:blipFill>
+        <p:spPr>
+          <a:xfrm>
+            <a:off x="7572867" y="2057401"/>
+            <a:ext cx="3933333" cy="3933333"/>
+          </a:xfrm>
+          <a:prstGeom prst="rect">
+            <a:avLst/>
+          </a:prstGeom>
+        </p:spPr>
+      </p:pic>
+      <p:pic>
+        <p:nvPicPr>
+          <p:cNvPr id="5" name="Afbeelding 4"/>
+          <p:cNvPicPr>
+            <a:picLocks noChangeAspect="1"/>
+          </p:cNvPicPr>
+          <p:nvPr/>
+        </p:nvPicPr>
+        <p:blipFill rotWithShape="1">
+          <a:blip r:embed="rId3">
+            <a:extLst>
+              <a:ext uri="{28A0092B-C50C-407E-A947-70E740481C1C}">
+                <a14:useLocalDpi xmlns:a14="http://schemas.microsoft.com/office/drawing/2010/main" val="0"/>
+              </a:ext>
+            </a:extLst>
+          </a:blip>
+          <a:srcRect t="20254"/>
+          <a:stretch/>
+        </p:blipFill>
+        <p:spPr>
+          <a:xfrm>
+            <a:off x="3999282" y="4876800"/>
+            <a:ext cx="2575990" cy="1981200"/>
+          </a:xfrm>
+          <a:prstGeom prst="rect">
+            <a:avLst/>
+          </a:prstGeom>
+        </p:spPr>
+      </p:pic>
+      <p:sp>
+        <p:nvSpPr>
+          <p:cNvPr id="6" name="Tijdelijke aanduiding voor inhoud 2"/>
+          <p:cNvSpPr txBox="1">
+            <a:spLocks/>
+          </p:cNvSpPr>
+          <p:nvPr/>
+        </p:nvSpPr>
+        <p:spPr>
+          <a:xfrm>
+            <a:off x="685800" y="2194560"/>
+            <a:ext cx="6450291" cy="4024125"/>
+          </a:xfrm>
+          <a:prstGeom prst="rect">
+            <a:avLst/>
+          </a:prstGeom>
+        </p:spPr>
+        <p:txBody>
+          <a:bodyPr vert="horz" lIns="91440" tIns="45720" rIns="91440" bIns="45720" rtlCol="0">
+            <a:normAutofit/>
+          </a:bodyPr>
+          <a:lstStyle>
+            <a:lvl1pPr marL="228600" indent="-228600" algn="l" defTabSz="914400" rtl="0" eaLnBrk="1" latinLnBrk="0" hangingPunct="1">
+              <a:lnSpc>
+                <a:spcPct val="90000"/>
+              </a:lnSpc>
+              <a:spcBef>
+                <a:spcPts val="1000"/>
+              </a:spcBef>
+              <a:buFont typeface="Arial" panose="020B0604020202020204" pitchFamily="34" charset="0"/>
+              <a:buChar char="•"/>
+              <a:defRPr sz="2200" kern="1200">
+                <a:solidFill>
+                  <a:schemeClr val="tx1"/>
+                </a:solidFill>
+                <a:latin typeface="+mn-lt"/>
+                <a:ea typeface="+mn-ea"/>
+                <a:cs typeface="+mn-cs"/>
+              </a:defRPr>
+            </a:lvl1pPr>
+            <a:lvl2pPr marL="685800" indent="-228600" algn="l" defTabSz="914400" rtl="0" eaLnBrk="1" latinLnBrk="0" hangingPunct="1">
+              <a:lnSpc>
+                <a:spcPct val="90000"/>
+              </a:lnSpc>
+              <a:spcBef>
+                <a:spcPts val="500"/>
+              </a:spcBef>
+              <a:buFont typeface="Arial" panose="020B0604020202020204" pitchFamily="34" charset="0"/>
+              <a:buChar char="•"/>
+              <a:defRPr sz="2000" kern="1200">
+                <a:solidFill>
+                  <a:schemeClr val="tx1"/>
+                </a:solidFill>
+                <a:latin typeface="+mn-lt"/>
+                <a:ea typeface="+mn-ea"/>
+                <a:cs typeface="+mn-cs"/>
+              </a:defRPr>
+            </a:lvl2pPr>
+            <a:lvl3pPr marL="1143000" indent="-228600" algn="l" defTabSz="914400" rtl="0" eaLnBrk="1" latinLnBrk="0" hangingPunct="1">
+              <a:lnSpc>
+                <a:spcPct val="90000"/>
+              </a:lnSpc>
+              <a:spcBef>
+                <a:spcPts val="500"/>
+              </a:spcBef>
+              <a:buFont typeface="Arial" panose="020B0604020202020204" pitchFamily="34" charset="0"/>
+              <a:buChar char="•"/>
+              <a:defRPr sz="1800" kern="1200">
+                <a:solidFill>
+                  <a:schemeClr val="tx1"/>
+                </a:solidFill>
+                <a:latin typeface="+mn-lt"/>
+                <a:ea typeface="+mn-ea"/>
+                <a:cs typeface="+mn-cs"/>
+              </a:defRPr>
+            </a:lvl3pPr>
+            <a:lvl4pPr marL="1600200" indent="-228600" algn="l" defTabSz="914400" rtl="0" eaLnBrk="1" latinLnBrk="0" hangingPunct="1">
+              <a:lnSpc>
+                <a:spcPct val="90000"/>
+              </a:lnSpc>
+              <a:spcBef>
+                <a:spcPts val="500"/>
+              </a:spcBef>
+              <a:buFont typeface="Arial" panose="020B0604020202020204" pitchFamily="34" charset="0"/>
+              <a:buChar char="•"/>
+              <a:defRPr sz="1600" kern="1200">
+                <a:solidFill>
+                  <a:schemeClr val="tx1"/>
+                </a:solidFill>
+                <a:latin typeface="+mn-lt"/>
+                <a:ea typeface="+mn-ea"/>
+                <a:cs typeface="+mn-cs"/>
+              </a:defRPr>
+            </a:lvl4pPr>
+            <a:lvl5pPr marL="2057400" indent="-228600" algn="l" defTabSz="914400" rtl="0" eaLnBrk="1" latinLnBrk="0" hangingPunct="1">
+              <a:lnSpc>
+                <a:spcPct val="90000"/>
+              </a:lnSpc>
+              <a:spcBef>
+                <a:spcPts val="500"/>
+              </a:spcBef>
+              <a:buFont typeface="Arial" panose="020B0604020202020204" pitchFamily="34" charset="0"/>
+              <a:buChar char="•"/>
+              <a:defRPr sz="1600" kern="1200">
+                <a:solidFill>
+                  <a:schemeClr val="tx1"/>
+                </a:solidFill>
+                <a:latin typeface="+mn-lt"/>
+                <a:ea typeface="+mn-ea"/>
+                <a:cs typeface="+mn-cs"/>
+              </a:defRPr>
+            </a:lvl5pPr>
+            <a:lvl6pPr marL="2514600" indent="-228600" algn="l" defTabSz="914400" rtl="0" eaLnBrk="1" latinLnBrk="0" hangingPunct="1">
+              <a:lnSpc>
+                <a:spcPct val="90000"/>
+              </a:lnSpc>
+              <a:spcBef>
+                <a:spcPts val="500"/>
+              </a:spcBef>
+              <a:buFont typeface="Arial" panose="020B0604020202020204" pitchFamily="34" charset="0"/>
+              <a:buChar char="•"/>
+              <a:defRPr sz="1600" kern="1200">
+                <a:solidFill>
+                  <a:schemeClr val="tx1"/>
+                </a:solidFill>
+                <a:latin typeface="+mn-lt"/>
+                <a:ea typeface="+mn-ea"/>
+                <a:cs typeface="+mn-cs"/>
+              </a:defRPr>
+            </a:lvl6pPr>
+            <a:lvl7pPr marL="2971800" indent="-228600" algn="l" defTabSz="914400" rtl="0" eaLnBrk="1" latinLnBrk="0" hangingPunct="1">
+              <a:lnSpc>
+                <a:spcPct val="90000"/>
+              </a:lnSpc>
+              <a:spcBef>
+                <a:spcPts val="500"/>
+              </a:spcBef>
+              <a:buFont typeface="Arial" panose="020B0604020202020204" pitchFamily="34" charset="0"/>
+              <a:buChar char="•"/>
+              <a:defRPr sz="1600" kern="1200">
+                <a:solidFill>
+                  <a:schemeClr val="tx1"/>
+                </a:solidFill>
+                <a:latin typeface="+mn-lt"/>
+                <a:ea typeface="+mn-ea"/>
+                <a:cs typeface="+mn-cs"/>
+              </a:defRPr>
+            </a:lvl7pPr>
+            <a:lvl8pPr marL="3429000" indent="-228600" algn="l" defTabSz="914400" rtl="0" eaLnBrk="1" latinLnBrk="0" hangingPunct="1">
+              <a:lnSpc>
+                <a:spcPct val="90000"/>
+              </a:lnSpc>
+              <a:spcBef>
+                <a:spcPts val="500"/>
+              </a:spcBef>
+              <a:buFont typeface="Arial" panose="020B0604020202020204" pitchFamily="34" charset="0"/>
+              <a:buChar char="•"/>
+              <a:defRPr sz="1600" kern="1200">
+                <a:solidFill>
+                  <a:schemeClr val="tx1"/>
+                </a:solidFill>
+                <a:latin typeface="+mn-lt"/>
+                <a:ea typeface="+mn-ea"/>
+                <a:cs typeface="+mn-cs"/>
+              </a:defRPr>
+            </a:lvl8pPr>
+            <a:lvl9pPr marL="3886200" indent="-228600" algn="l" defTabSz="914400" rtl="0" eaLnBrk="1" latinLnBrk="0" hangingPunct="1">
+              <a:lnSpc>
+                <a:spcPct val="90000"/>
+              </a:lnSpc>
+              <a:spcBef>
+                <a:spcPts val="500"/>
+              </a:spcBef>
+              <a:buFont typeface="Arial" panose="020B0604020202020204" pitchFamily="34" charset="0"/>
+              <a:buChar char="•"/>
+              <a:defRPr sz="1600" kern="1200">
+                <a:solidFill>
+                  <a:schemeClr val="tx1"/>
+                </a:solidFill>
+                <a:latin typeface="+mn-lt"/>
+                <a:ea typeface="+mn-ea"/>
+                <a:cs typeface="+mn-cs"/>
+              </a:defRPr>
+            </a:lvl9pPr>
+          </a:lstStyle>
+          <a:p>
+            <a:r>
+              <a:rPr lang="nl-NL" dirty="0"/>
+              <a:t>Langzaam model; orde N²</a:t>
+            </a:r>
+          </a:p>
+          <a:p>
+            <a:r>
+              <a:rPr lang="nl-NL" dirty="0"/>
+              <a:t>Afschatting: deeltjes dicht bij elkaar groeperen</a:t>
+            </a:r>
+          </a:p>
+          <a:p>
+            <a:r>
+              <a:rPr lang="nl-NL" dirty="0"/>
+              <a:t>Implementatie: ruimte recursief opdelen in kwadranten tot elk deeltje eigen kwadrant heeft</a:t>
+            </a:r>
+          </a:p>
+          <a:p>
+            <a:r>
+              <a:rPr lang="nl-NL" dirty="0"/>
+              <a:t>Programmeren: Barnes-Hut boom</a:t>
+            </a:r>
+          </a:p>
+          <a:p>
+            <a:r>
+              <a:rPr lang="nl-NL" dirty="0"/>
+              <a:t>Algoritme niet exact</a:t>
+            </a:r>
+          </a:p>
+          <a:p>
+            <a:r>
+              <a:rPr lang="nl-NL" dirty="0"/>
+              <a:t>orde N· log(N)</a:t>
+            </a:r>
+            <a:endParaRPr lang="nl-NL" dirty="0"/>
+          </a:p>
+          <a:p>
+            <a:pPr marL="457200" lvl="1" indent="0">
+              <a:buFont typeface="Arial" panose="020B0604020202020204" pitchFamily="34" charset="0"/>
+              <a:buNone/>
+            </a:pPr>
+            <a:endParaRPr lang="nl-NL" dirty="0"/>
+          </a:p>
+        </p:txBody>
+      </p:sp>
+    </p:spTree>
+    <p:extLst>
+      <p:ext uri="{BB962C8B-B14F-4D97-AF65-F5344CB8AC3E}">
+        <p14:creationId xmlns:p14="http://schemas.microsoft.com/office/powerpoint/2010/main" val="3770291243"/>
+      </p:ext>
+    </p:extLst>
+  </p:cSld>
+  <p:clrMapOvr>
+    <a:masterClrMapping/>
+  </p:clrMapOvr>
+</p:sld>
+</file>
+
+<file path=ppt/slides/slide6.xml><?xml version="1.0" encoding="utf-8"?>
+<p:sld xmlns:a="http://schemas.openxmlformats.org/drawingml/2006/main" xmlns:r="http://schemas.openxmlformats.org/officeDocument/2006/relationships" xmlns:p="http://schemas.openxmlformats.org/presentationml/2006/main">
+  <p:cSld>
+    <p:spTree>
+      <p:nvGrpSpPr>
+        <p:cNvPr id="1" name="Shape 183"/>
+        <p:cNvGrpSpPr/>
+        <p:nvPr/>
+      </p:nvGrpSpPr>
+      <p:grpSpPr>
+        <a:xfrm>
+          <a:off x="0" y="0"/>
+          <a:ext cx="0" cy="0"/>
+          <a:chOff x="0" y="0"/>
+          <a:chExt cx="0" cy="0"/>
+        </a:xfrm>
+      </p:grpSpPr>
+      <p:pic>
+        <p:nvPicPr>
+          <p:cNvPr id="184" name="Shape 184" descr="barneshut_map_snelheid.png"/>
+          <p:cNvPicPr preferRelativeResize="0"/>
+          <p:nvPr/>
+        </p:nvPicPr>
+        <p:blipFill>
+          <a:blip r:embed="rId3">
+            <a:alphaModFix/>
+          </a:blip>
+          <a:stretch>
+            <a:fillRect/>
+          </a:stretch>
+        </p:blipFill>
+        <p:spPr>
+          <a:xfrm>
+            <a:off x="7572375" y="2064237"/>
+            <a:ext cx="3933825" cy="3933825"/>
+          </a:xfrm>
+          <a:prstGeom prst="rect">
+            <a:avLst/>
+          </a:prstGeom>
+          <a:noFill/>
+          <a:ln>
+            <a:noFill/>
+          </a:ln>
+        </p:spPr>
+      </p:pic>
+      <p:sp>
+        <p:nvSpPr>
+          <p:cNvPr id="185" name="Shape 185"/>
+          <p:cNvSpPr txBox="1">
+            <a:spLocks noGrp="1"/>
+          </p:cNvSpPr>
+          <p:nvPr>
+            <p:ph type="title"/>
+          </p:nvPr>
+        </p:nvSpPr>
+        <p:spPr>
+          <a:xfrm>
+            <a:off x="2895600" y="764372"/>
+            <a:ext cx="8610599" cy="1293027"/>
+          </a:xfrm>
+          <a:prstGeom prst="rect">
+            <a:avLst/>
+          </a:prstGeom>
+          <a:noFill/>
+          <a:ln>
+            <a:noFill/>
+          </a:ln>
+        </p:spPr>
+        <p:txBody>
+          <a:bodyPr lIns="91425" tIns="45700" rIns="91425" bIns="45700" anchor="ctr" anchorCtr="0">
+            <a:noAutofit/>
+          </a:bodyPr>
+          <a:lstStyle/>
+          <a:p>
+            <a:pPr marL="0" marR="0" lvl="0" indent="0" algn="r" rtl="0">
+              <a:lnSpc>
+                <a:spcPct val="90000"/>
+              </a:lnSpc>
+              <a:spcBef>
+                <a:spcPts val="0"/>
+              </a:spcBef>
+              <a:buClr>
+                <a:schemeClr val="dk1"/>
+              </a:buClr>
+              <a:buSzPct val="25000"/>
+              <a:buFont typeface="Century Gothic"/>
+              <a:buNone/>
+            </a:pPr>
+            <a:r>
+              <a:rPr lang="nl-NL" sz="4000" b="0" i="0" u="none" strike="noStrike" cap="none" dirty="0">
+                <a:solidFill>
+                  <a:schemeClr val="dk1"/>
+                </a:solidFill>
+                <a:latin typeface="Century Gothic"/>
+                <a:ea typeface="Century Gothic"/>
+                <a:cs typeface="Century Gothic"/>
+                <a:sym typeface="Century Gothic"/>
+              </a:rPr>
+              <a:t>BARNES-HUT VOOR BOTSINGEN</a:t>
+            </a:r>
+          </a:p>
+        </p:txBody>
+      </p:sp>
+      <p:pic>
+        <p:nvPicPr>
+          <p:cNvPr id="187" name="Shape 187"/>
+          <p:cNvPicPr preferRelativeResize="0"/>
+          <p:nvPr/>
+        </p:nvPicPr>
+        <p:blipFill rotWithShape="1">
+          <a:blip r:embed="rId4">
+            <a:alphaModFix/>
+          </a:blip>
+          <a:srcRect/>
+          <a:stretch/>
+        </p:blipFill>
+        <p:spPr>
+          <a:xfrm>
+            <a:off x="4307441" y="5140371"/>
+            <a:ext cx="2809476" cy="1717628"/>
+          </a:xfrm>
+          <a:prstGeom prst="rect">
+            <a:avLst/>
+          </a:prstGeom>
+          <a:noFill/>
+          <a:ln>
+            <a:noFill/>
+          </a:ln>
+        </p:spPr>
+      </p:pic>
+      <p:sp>
+        <p:nvSpPr>
+          <p:cNvPr id="188" name="Shape 188"/>
+          <p:cNvSpPr/>
+          <p:nvPr/>
+        </p:nvSpPr>
+        <p:spPr>
+          <a:xfrm>
+            <a:off x="9985750" y="4148175"/>
+            <a:ext cx="411900" cy="153600"/>
+          </a:xfrm>
+          <a:prstGeom prst="rect">
+            <a:avLst/>
+          </a:prstGeom>
+          <a:noFill/>
+          <a:ln w="19050" cap="flat" cmpd="sng">
+            <a:solidFill>
+              <a:srgbClr val="FF0000"/>
+            </a:solidFill>
+            <a:prstDash val="solid"/>
+            <a:round/>
+            <a:headEnd type="none" w="med" len="med"/>
+            <a:tailEnd type="none" w="med" len="med"/>
+          </a:ln>
+        </p:spPr>
+        <p:txBody>
+          <a:bodyPr lIns="91425" tIns="91425" rIns="91425" bIns="91425" anchor="ctr" anchorCtr="0">
+            <a:noAutofit/>
+          </a:bodyPr>
+          <a:lstStyle/>
+          <a:p>
+            <a:pPr lvl="0">
+              <a:spcBef>
+                <a:spcPts val="0"/>
+              </a:spcBef>
+              <a:buNone/>
+            </a:pPr>
+            <a:endParaRPr dirty="0"/>
+          </a:p>
+        </p:txBody>
+      </p:sp>
+      <p:sp>
+        <p:nvSpPr>
+          <p:cNvPr id="189" name="Shape 189"/>
+          <p:cNvSpPr/>
+          <p:nvPr/>
+        </p:nvSpPr>
+        <p:spPr>
+          <a:xfrm>
+            <a:off x="9838125" y="4012400"/>
+            <a:ext cx="265500" cy="426300"/>
+          </a:xfrm>
+          <a:prstGeom prst="rect">
+            <a:avLst/>
+          </a:prstGeom>
+          <a:noFill/>
+          <a:ln w="19050" cap="flat" cmpd="sng">
+            <a:solidFill>
+              <a:srgbClr val="FF0000"/>
+            </a:solidFill>
+            <a:prstDash val="solid"/>
+            <a:round/>
+            <a:headEnd type="none" w="med" len="med"/>
+            <a:tailEnd type="none" w="med" len="med"/>
+          </a:ln>
+        </p:spPr>
+        <p:txBody>
+          <a:bodyPr lIns="91425" tIns="91425" rIns="91425" bIns="91425" anchor="ctr" anchorCtr="0">
+            <a:noAutofit/>
+          </a:bodyPr>
+          <a:lstStyle/>
+          <a:p>
+            <a:pPr lvl="0" rtl="0">
+              <a:spcBef>
+                <a:spcPts val="0"/>
+              </a:spcBef>
+              <a:buNone/>
+            </a:pPr>
+            <a:endParaRPr dirty="0"/>
+          </a:p>
+        </p:txBody>
+      </p:sp>
+      <p:sp>
+        <p:nvSpPr>
+          <p:cNvPr id="190" name="Shape 190"/>
+          <p:cNvSpPr/>
+          <p:nvPr/>
+        </p:nvSpPr>
+        <p:spPr>
+          <a:xfrm>
+            <a:off x="11091875" y="3752850"/>
+            <a:ext cx="195300" cy="359400"/>
+          </a:xfrm>
+          <a:prstGeom prst="rect">
+            <a:avLst/>
+          </a:prstGeom>
+          <a:noFill/>
+          <a:ln w="19050" cap="flat" cmpd="sng">
+            <a:solidFill>
+              <a:srgbClr val="FF0000"/>
+            </a:solidFill>
+            <a:prstDash val="solid"/>
+            <a:round/>
+            <a:headEnd type="none" w="med" len="med"/>
+            <a:tailEnd type="none" w="med" len="med"/>
+          </a:ln>
+        </p:spPr>
+        <p:txBody>
+          <a:bodyPr lIns="91425" tIns="91425" rIns="91425" bIns="91425" anchor="ctr" anchorCtr="0">
+            <a:noAutofit/>
+          </a:bodyPr>
+          <a:lstStyle/>
+          <a:p>
+            <a:pPr lvl="0" rtl="0">
+              <a:spcBef>
+                <a:spcPts val="0"/>
+              </a:spcBef>
+              <a:buNone/>
+            </a:pPr>
+            <a:endParaRPr dirty="0"/>
+          </a:p>
+        </p:txBody>
+      </p:sp>
+      <p:sp>
+        <p:nvSpPr>
+          <p:cNvPr id="191" name="Shape 191"/>
+          <p:cNvSpPr/>
+          <p:nvPr/>
+        </p:nvSpPr>
+        <p:spPr>
+          <a:xfrm>
+            <a:off x="9335750" y="4438650"/>
+            <a:ext cx="75000" cy="210900"/>
+          </a:xfrm>
+          <a:prstGeom prst="rect">
+            <a:avLst/>
+          </a:prstGeom>
+          <a:noFill/>
+          <a:ln w="19050" cap="flat" cmpd="sng">
+            <a:solidFill>
+              <a:srgbClr val="FF0000"/>
+            </a:solidFill>
+            <a:prstDash val="solid"/>
+            <a:round/>
+            <a:headEnd type="none" w="med" len="med"/>
+            <a:tailEnd type="none" w="med" len="med"/>
+          </a:ln>
+        </p:spPr>
+        <p:txBody>
+          <a:bodyPr lIns="91425" tIns="91425" rIns="91425" bIns="91425" anchor="ctr" anchorCtr="0">
+            <a:noAutofit/>
+          </a:bodyPr>
+          <a:lstStyle/>
+          <a:p>
+            <a:pPr lvl="0" rtl="0">
+              <a:spcBef>
+                <a:spcPts val="0"/>
+              </a:spcBef>
+              <a:buNone/>
+            </a:pPr>
+            <a:endParaRPr dirty="0"/>
+          </a:p>
+        </p:txBody>
+      </p:sp>
+      <p:sp>
+        <p:nvSpPr>
+          <p:cNvPr id="192" name="Shape 192"/>
+          <p:cNvSpPr/>
+          <p:nvPr/>
+        </p:nvSpPr>
+        <p:spPr>
+          <a:xfrm>
+            <a:off x="10252450" y="5222100"/>
+            <a:ext cx="145200" cy="278700"/>
+          </a:xfrm>
+          <a:prstGeom prst="rect">
+            <a:avLst/>
+          </a:prstGeom>
+          <a:noFill/>
+          <a:ln w="19050" cap="flat" cmpd="sng">
+            <a:solidFill>
+              <a:srgbClr val="FF0000"/>
+            </a:solidFill>
+            <a:prstDash val="solid"/>
+            <a:round/>
+            <a:headEnd type="none" w="med" len="med"/>
+            <a:tailEnd type="none" w="med" len="med"/>
+          </a:ln>
+        </p:spPr>
+        <p:txBody>
+          <a:bodyPr lIns="91425" tIns="91425" rIns="91425" bIns="91425" anchor="ctr" anchorCtr="0">
+            <a:noAutofit/>
+          </a:bodyPr>
+          <a:lstStyle/>
+          <a:p>
+            <a:pPr lvl="0" rtl="0">
+              <a:spcBef>
+                <a:spcPts val="0"/>
+              </a:spcBef>
+              <a:buNone/>
+            </a:pPr>
+            <a:endParaRPr dirty="0"/>
+          </a:p>
+        </p:txBody>
+      </p:sp>
+      <p:sp>
+        <p:nvSpPr>
+          <p:cNvPr id="193" name="Shape 193"/>
+          <p:cNvSpPr/>
+          <p:nvPr/>
+        </p:nvSpPr>
+        <p:spPr>
+          <a:xfrm>
+            <a:off x="10452475" y="5242425"/>
+            <a:ext cx="163200" cy="109500"/>
+          </a:xfrm>
+          <a:prstGeom prst="rect">
+            <a:avLst/>
+          </a:prstGeom>
+          <a:noFill/>
+          <a:ln w="19050" cap="flat" cmpd="sng">
+            <a:solidFill>
+              <a:srgbClr val="FF0000"/>
+            </a:solidFill>
+            <a:prstDash val="solid"/>
+            <a:round/>
+            <a:headEnd type="none" w="med" len="med"/>
+            <a:tailEnd type="none" w="med" len="med"/>
+          </a:ln>
+        </p:spPr>
+        <p:txBody>
+          <a:bodyPr lIns="91425" tIns="91425" rIns="91425" bIns="91425" anchor="ctr" anchorCtr="0">
+            <a:noAutofit/>
+          </a:bodyPr>
+          <a:lstStyle/>
+          <a:p>
+            <a:pPr lvl="0" rtl="0">
+              <a:spcBef>
+                <a:spcPts val="0"/>
+              </a:spcBef>
+              <a:buNone/>
+            </a:pPr>
+            <a:endParaRPr dirty="0"/>
+          </a:p>
+        </p:txBody>
+      </p:sp>
+      <p:sp>
+        <p:nvSpPr>
+          <p:cNvPr id="194" name="Shape 194"/>
+          <p:cNvSpPr/>
+          <p:nvPr/>
+        </p:nvSpPr>
+        <p:spPr>
+          <a:xfrm>
+            <a:off x="9436900" y="5710250"/>
+            <a:ext cx="237000" cy="79800"/>
+          </a:xfrm>
+          <a:prstGeom prst="rect">
+            <a:avLst/>
+          </a:prstGeom>
+          <a:noFill/>
+          <a:ln w="19050" cap="flat" cmpd="sng">
+            <a:solidFill>
+              <a:srgbClr val="FF0000"/>
+            </a:solidFill>
+            <a:prstDash val="solid"/>
+            <a:round/>
+            <a:headEnd type="none" w="med" len="med"/>
+            <a:tailEnd type="none" w="med" len="med"/>
+          </a:ln>
+        </p:spPr>
+        <p:txBody>
+          <a:bodyPr lIns="91425" tIns="91425" rIns="91425" bIns="91425" anchor="ctr" anchorCtr="0">
+            <a:noAutofit/>
+          </a:bodyPr>
+          <a:lstStyle/>
+          <a:p>
+            <a:pPr lvl="0" rtl="0">
+              <a:spcBef>
+                <a:spcPts val="0"/>
+              </a:spcBef>
+              <a:buNone/>
+            </a:pPr>
+            <a:endParaRPr dirty="0"/>
+          </a:p>
+        </p:txBody>
+      </p:sp>
+      <p:sp>
+        <p:nvSpPr>
+          <p:cNvPr id="195" name="Shape 195"/>
+          <p:cNvSpPr/>
+          <p:nvPr/>
+        </p:nvSpPr>
+        <p:spPr>
+          <a:xfrm>
+            <a:off x="7871225" y="5057825"/>
+            <a:ext cx="163200" cy="359400"/>
+          </a:xfrm>
+          <a:prstGeom prst="rect">
+            <a:avLst/>
+          </a:prstGeom>
+          <a:noFill/>
+          <a:ln w="19050" cap="flat" cmpd="sng">
+            <a:solidFill>
+              <a:srgbClr val="FF0000"/>
+            </a:solidFill>
+            <a:prstDash val="solid"/>
+            <a:round/>
+            <a:headEnd type="none" w="med" len="med"/>
+            <a:tailEnd type="none" w="med" len="med"/>
+          </a:ln>
+        </p:spPr>
+        <p:txBody>
+          <a:bodyPr lIns="91425" tIns="91425" rIns="91425" bIns="91425" anchor="ctr" anchorCtr="0">
+            <a:noAutofit/>
+          </a:bodyPr>
+          <a:lstStyle/>
+          <a:p>
+            <a:pPr lvl="0" rtl="0">
+              <a:spcBef>
+                <a:spcPts val="0"/>
+              </a:spcBef>
+              <a:buNone/>
+            </a:pPr>
+            <a:endParaRPr dirty="0"/>
+          </a:p>
+        </p:txBody>
+      </p:sp>
+      <p:sp>
+        <p:nvSpPr>
+          <p:cNvPr id="196" name="Shape 196"/>
+          <p:cNvSpPr/>
+          <p:nvPr/>
+        </p:nvSpPr>
+        <p:spPr>
+          <a:xfrm>
+            <a:off x="7871225" y="5057825"/>
+            <a:ext cx="183300" cy="359400"/>
+          </a:xfrm>
+          <a:prstGeom prst="rect">
+            <a:avLst/>
+          </a:prstGeom>
+          <a:noFill/>
+          <a:ln w="19050" cap="flat" cmpd="sng">
+            <a:solidFill>
+              <a:srgbClr val="FF0000"/>
+            </a:solidFill>
+            <a:prstDash val="solid"/>
+            <a:round/>
+            <a:headEnd type="none" w="med" len="med"/>
+            <a:tailEnd type="none" w="med" len="med"/>
+          </a:ln>
+        </p:spPr>
+        <p:txBody>
+          <a:bodyPr lIns="91425" tIns="91425" rIns="91425" bIns="91425" anchor="ctr" anchorCtr="0">
+            <a:noAutofit/>
+          </a:bodyPr>
+          <a:lstStyle/>
+          <a:p>
+            <a:pPr lvl="0" rtl="0">
+              <a:spcBef>
+                <a:spcPts val="0"/>
+              </a:spcBef>
+              <a:buNone/>
+            </a:pPr>
+            <a:endParaRPr dirty="0"/>
+          </a:p>
+        </p:txBody>
+      </p:sp>
+      <p:sp>
+        <p:nvSpPr>
+          <p:cNvPr id="197" name="Shape 197"/>
+          <p:cNvSpPr/>
+          <p:nvPr/>
+        </p:nvSpPr>
+        <p:spPr>
+          <a:xfrm>
+            <a:off x="8846200" y="3052775"/>
+            <a:ext cx="131100" cy="128700"/>
+          </a:xfrm>
+          <a:prstGeom prst="rect">
+            <a:avLst/>
+          </a:prstGeom>
+          <a:noFill/>
+          <a:ln w="19050" cap="flat" cmpd="sng">
+            <a:solidFill>
+              <a:srgbClr val="FF0000"/>
+            </a:solidFill>
+            <a:prstDash val="solid"/>
+            <a:round/>
+            <a:headEnd type="none" w="med" len="med"/>
+            <a:tailEnd type="none" w="med" len="med"/>
+          </a:ln>
+        </p:spPr>
+        <p:txBody>
+          <a:bodyPr lIns="91425" tIns="91425" rIns="91425" bIns="91425" anchor="ctr" anchorCtr="0">
+            <a:noAutofit/>
+          </a:bodyPr>
+          <a:lstStyle/>
+          <a:p>
+            <a:pPr lvl="0" rtl="0">
+              <a:spcBef>
+                <a:spcPts val="0"/>
+              </a:spcBef>
+              <a:buNone/>
+            </a:pPr>
+            <a:endParaRPr dirty="0"/>
+          </a:p>
+        </p:txBody>
+      </p:sp>
+      <p:sp>
+        <p:nvSpPr>
+          <p:cNvPr id="198" name="Shape 198"/>
+          <p:cNvSpPr/>
+          <p:nvPr/>
+        </p:nvSpPr>
+        <p:spPr>
+          <a:xfrm>
+            <a:off x="9479600" y="3114675"/>
+            <a:ext cx="145200" cy="178500"/>
+          </a:xfrm>
+          <a:prstGeom prst="rect">
+            <a:avLst/>
+          </a:prstGeom>
+          <a:noFill/>
+          <a:ln w="19050" cap="flat" cmpd="sng">
+            <a:solidFill>
+              <a:srgbClr val="FF0000"/>
+            </a:solidFill>
+            <a:prstDash val="solid"/>
+            <a:round/>
+            <a:headEnd type="none" w="med" len="med"/>
+            <a:tailEnd type="none" w="med" len="med"/>
+          </a:ln>
+        </p:spPr>
+        <p:txBody>
+          <a:bodyPr lIns="91425" tIns="91425" rIns="91425" bIns="91425" anchor="ctr" anchorCtr="0">
+            <a:noAutofit/>
+          </a:bodyPr>
+          <a:lstStyle/>
+          <a:p>
+            <a:pPr lvl="0" rtl="0">
+              <a:spcBef>
+                <a:spcPts val="0"/>
+              </a:spcBef>
+              <a:buNone/>
+            </a:pPr>
+            <a:endParaRPr dirty="0"/>
+          </a:p>
+        </p:txBody>
+      </p:sp>
+      <p:sp>
+        <p:nvSpPr>
+          <p:cNvPr id="199" name="Shape 199"/>
+          <p:cNvSpPr/>
+          <p:nvPr/>
+        </p:nvSpPr>
+        <p:spPr>
+          <a:xfrm>
+            <a:off x="9985750" y="2800350"/>
+            <a:ext cx="584400" cy="252300"/>
+          </a:xfrm>
+          <a:prstGeom prst="rect">
+            <a:avLst/>
+          </a:prstGeom>
+          <a:noFill/>
+          <a:ln w="19050" cap="flat" cmpd="sng">
+            <a:solidFill>
+              <a:srgbClr val="FF0000"/>
+            </a:solidFill>
+            <a:prstDash val="solid"/>
+            <a:round/>
+            <a:headEnd type="none" w="med" len="med"/>
+            <a:tailEnd type="none" w="med" len="med"/>
+          </a:ln>
+        </p:spPr>
+        <p:txBody>
+          <a:bodyPr lIns="91425" tIns="91425" rIns="91425" bIns="91425" anchor="ctr" anchorCtr="0">
+            <a:noAutofit/>
+          </a:bodyPr>
+          <a:lstStyle/>
+          <a:p>
+            <a:pPr lvl="0" rtl="0">
+              <a:spcBef>
+                <a:spcPts val="0"/>
+              </a:spcBef>
+              <a:buNone/>
+            </a:pPr>
+            <a:endParaRPr dirty="0"/>
+          </a:p>
+        </p:txBody>
+      </p:sp>
+      <p:sp>
+        <p:nvSpPr>
+          <p:cNvPr id="200" name="Shape 200"/>
+          <p:cNvSpPr/>
+          <p:nvPr/>
+        </p:nvSpPr>
+        <p:spPr>
+          <a:xfrm>
+            <a:off x="8834300" y="2531300"/>
+            <a:ext cx="183300" cy="66600"/>
+          </a:xfrm>
+          <a:prstGeom prst="rect">
+            <a:avLst/>
+          </a:prstGeom>
+          <a:noFill/>
+          <a:ln w="19050" cap="flat" cmpd="sng">
+            <a:solidFill>
+              <a:srgbClr val="FF0000"/>
+            </a:solidFill>
+            <a:prstDash val="solid"/>
+            <a:round/>
+            <a:headEnd type="none" w="med" len="med"/>
+            <a:tailEnd type="none" w="med" len="med"/>
+          </a:ln>
+        </p:spPr>
+        <p:txBody>
+          <a:bodyPr lIns="91425" tIns="91425" rIns="91425" bIns="91425" anchor="ctr" anchorCtr="0">
+            <a:noAutofit/>
+          </a:bodyPr>
+          <a:lstStyle/>
+          <a:p>
+            <a:pPr lvl="0" rtl="0">
+              <a:spcBef>
+                <a:spcPts val="0"/>
+              </a:spcBef>
+              <a:buNone/>
+            </a:pPr>
+            <a:endParaRPr dirty="0"/>
+          </a:p>
+        </p:txBody>
+      </p:sp>
+      <p:sp>
+        <p:nvSpPr>
+          <p:cNvPr id="201" name="Shape 201"/>
+          <p:cNvSpPr/>
+          <p:nvPr/>
+        </p:nvSpPr>
+        <p:spPr>
+          <a:xfrm>
+            <a:off x="9223500" y="2405100"/>
+            <a:ext cx="237000" cy="109500"/>
+          </a:xfrm>
+          <a:prstGeom prst="rect">
+            <a:avLst/>
+          </a:prstGeom>
+          <a:noFill/>
+          <a:ln w="19050" cap="flat" cmpd="sng">
+            <a:solidFill>
+              <a:srgbClr val="FF0000"/>
+            </a:solidFill>
+            <a:prstDash val="solid"/>
+            <a:round/>
+            <a:headEnd type="none" w="med" len="med"/>
+            <a:tailEnd type="none" w="med" len="med"/>
+          </a:ln>
+        </p:spPr>
+        <p:txBody>
+          <a:bodyPr lIns="91425" tIns="91425" rIns="91425" bIns="91425" anchor="ctr" anchorCtr="0">
+            <a:noAutofit/>
+          </a:bodyPr>
+          <a:lstStyle/>
+          <a:p>
+            <a:pPr lvl="0" rtl="0">
+              <a:spcBef>
+                <a:spcPts val="0"/>
+              </a:spcBef>
+              <a:buNone/>
+            </a:pPr>
+            <a:endParaRPr dirty="0"/>
+          </a:p>
+        </p:txBody>
+      </p:sp>
+      <p:sp>
+        <p:nvSpPr>
+          <p:cNvPr id="202" name="Shape 202"/>
+          <p:cNvSpPr/>
+          <p:nvPr/>
+        </p:nvSpPr>
+        <p:spPr>
+          <a:xfrm>
+            <a:off x="8034425" y="3082775"/>
+            <a:ext cx="395100" cy="252300"/>
+          </a:xfrm>
+          <a:prstGeom prst="rect">
+            <a:avLst/>
+          </a:prstGeom>
+          <a:noFill/>
+          <a:ln w="19050" cap="flat" cmpd="sng">
+            <a:solidFill>
+              <a:srgbClr val="FF0000"/>
+            </a:solidFill>
+            <a:prstDash val="solid"/>
+            <a:round/>
+            <a:headEnd type="none" w="med" len="med"/>
+            <a:tailEnd type="none" w="med" len="med"/>
+          </a:ln>
+        </p:spPr>
+        <p:txBody>
+          <a:bodyPr lIns="91425" tIns="91425" rIns="91425" bIns="91425" anchor="ctr" anchorCtr="0">
+            <a:noAutofit/>
+          </a:bodyPr>
+          <a:lstStyle/>
+          <a:p>
+            <a:pPr lvl="0" rtl="0">
+              <a:spcBef>
+                <a:spcPts val="0"/>
+              </a:spcBef>
+              <a:buNone/>
+            </a:pPr>
+            <a:endParaRPr dirty="0"/>
+          </a:p>
+        </p:txBody>
+      </p:sp>
+      <p:cxnSp>
+        <p:nvCxnSpPr>
+          <p:cNvPr id="203" name="Shape 203"/>
+          <p:cNvCxnSpPr/>
+          <p:nvPr/>
+        </p:nvCxnSpPr>
+        <p:spPr>
+          <a:xfrm flipH="1">
+            <a:off x="10149400" y="3826675"/>
+            <a:ext cx="201900" cy="304500"/>
+          </a:xfrm>
+          <a:prstGeom prst="straightConnector1">
+            <a:avLst/>
+          </a:prstGeom>
+          <a:noFill/>
+          <a:ln w="9525" cap="flat" cmpd="sng">
+            <a:solidFill>
+              <a:srgbClr val="38761D"/>
+            </a:solidFill>
+            <a:prstDash val="solid"/>
+            <a:round/>
+            <a:headEnd type="none" w="lg" len="lg"/>
+            <a:tailEnd type="triangle" w="lg" len="lg"/>
+          </a:ln>
+        </p:spPr>
+      </p:cxnSp>
+      <p:sp>
+        <p:nvSpPr>
+          <p:cNvPr id="204" name="Shape 204"/>
+          <p:cNvSpPr txBox="1"/>
+          <p:nvPr/>
+        </p:nvSpPr>
+        <p:spPr>
+          <a:xfrm>
+            <a:off x="10058964" y="2962912"/>
+            <a:ext cx="1342065" cy="549900"/>
+          </a:xfrm>
+          <a:prstGeom prst="rect">
+            <a:avLst/>
+          </a:prstGeom>
+          <a:noFill/>
+          <a:ln>
+            <a:noFill/>
+          </a:ln>
+        </p:spPr>
+        <p:txBody>
+          <a:bodyPr lIns="91425" tIns="91425" rIns="91425" bIns="91425" anchor="t" anchorCtr="0">
+            <a:noAutofit/>
+          </a:bodyPr>
+          <a:lstStyle/>
+          <a:p>
+            <a:pPr lvl="0">
+              <a:spcBef>
+                <a:spcPts val="0"/>
+              </a:spcBef>
+              <a:buNone/>
+            </a:pPr>
+            <a:r>
+              <a:rPr lang="nl-NL" dirty="0"/>
+              <a:t>overlap, geen botsing</a:t>
+            </a:r>
+          </a:p>
+        </p:txBody>
+      </p:sp>
+      <p:cxnSp>
+        <p:nvCxnSpPr>
+          <p:cNvPr id="205" name="Shape 205"/>
+          <p:cNvCxnSpPr/>
+          <p:nvPr/>
+        </p:nvCxnSpPr>
+        <p:spPr>
+          <a:xfrm flipH="1">
+            <a:off x="8034425" y="4693450"/>
+            <a:ext cx="201900" cy="304500"/>
+          </a:xfrm>
+          <a:prstGeom prst="straightConnector1">
+            <a:avLst/>
+          </a:prstGeom>
+          <a:noFill/>
+          <a:ln w="9525" cap="flat" cmpd="sng">
+            <a:solidFill>
+              <a:srgbClr val="FF0000"/>
+            </a:solidFill>
+            <a:prstDash val="solid"/>
+            <a:round/>
+            <a:headEnd type="none" w="lg" len="lg"/>
+            <a:tailEnd type="triangle" w="lg" len="lg"/>
+          </a:ln>
+        </p:spPr>
+      </p:cxnSp>
+      <p:sp>
+        <p:nvSpPr>
+          <p:cNvPr id="206" name="Shape 206"/>
+          <p:cNvSpPr txBox="1"/>
+          <p:nvPr/>
+        </p:nvSpPr>
+        <p:spPr>
+          <a:xfrm>
+            <a:off x="7804064" y="4097950"/>
+            <a:ext cx="1130950" cy="495300"/>
+          </a:xfrm>
+          <a:prstGeom prst="rect">
+            <a:avLst/>
+          </a:prstGeom>
+          <a:noFill/>
+          <a:ln>
+            <a:noFill/>
+          </a:ln>
+        </p:spPr>
+        <p:txBody>
+          <a:bodyPr lIns="91425" tIns="91425" rIns="91425" bIns="91425" anchor="t" anchorCtr="0">
+            <a:noAutofit/>
+          </a:bodyPr>
+          <a:lstStyle/>
+          <a:p>
+            <a:pPr lvl="0">
+              <a:spcBef>
+                <a:spcPts val="0"/>
+              </a:spcBef>
+              <a:buNone/>
+            </a:pPr>
+            <a:r>
+              <a:rPr lang="nl-NL" dirty="0"/>
+              <a:t>overlap, botsing</a:t>
+            </a:r>
+          </a:p>
+        </p:txBody>
+      </p:sp>
+      <p:sp>
+        <p:nvSpPr>
+          <p:cNvPr id="207" name="Shape 207"/>
+          <p:cNvSpPr/>
+          <p:nvPr/>
+        </p:nvSpPr>
+        <p:spPr>
+          <a:xfrm>
+            <a:off x="8034425" y="2405100"/>
+            <a:ext cx="1590300" cy="930000"/>
+          </a:xfrm>
+          <a:prstGeom prst="rect">
+            <a:avLst/>
+          </a:prstGeom>
+          <a:noFill/>
+          <a:ln w="19050" cap="flat" cmpd="sng">
+            <a:solidFill>
+              <a:srgbClr val="FFFF00"/>
+            </a:solidFill>
+            <a:prstDash val="solid"/>
+            <a:round/>
+            <a:headEnd type="none" w="med" len="med"/>
+            <a:tailEnd type="none" w="med" len="med"/>
+          </a:ln>
+        </p:spPr>
+        <p:txBody>
+          <a:bodyPr lIns="91425" tIns="91425" rIns="91425" bIns="91425" anchor="ctr" anchorCtr="0">
+            <a:noAutofit/>
+          </a:bodyPr>
+          <a:lstStyle/>
+          <a:p>
+            <a:pPr lvl="0" rtl="0">
+              <a:spcBef>
+                <a:spcPts val="0"/>
+              </a:spcBef>
+              <a:buNone/>
+            </a:pPr>
+            <a:endParaRPr dirty="0"/>
+          </a:p>
+        </p:txBody>
+      </p:sp>
+      <p:sp>
+        <p:nvSpPr>
+          <p:cNvPr id="208" name="Shape 208"/>
+          <p:cNvSpPr txBox="1"/>
+          <p:nvPr/>
+        </p:nvSpPr>
+        <p:spPr>
+          <a:xfrm>
+            <a:off x="5956625" y="1932450"/>
+            <a:ext cx="1914600" cy="1054800"/>
+          </a:xfrm>
+          <a:prstGeom prst="rect">
+            <a:avLst/>
+          </a:prstGeom>
+          <a:noFill/>
+          <a:ln>
+            <a:noFill/>
+          </a:ln>
+        </p:spPr>
+        <p:txBody>
+          <a:bodyPr lIns="91425" tIns="91425" rIns="91425" bIns="91425" anchor="t" anchorCtr="0">
+            <a:noAutofit/>
+          </a:bodyPr>
+          <a:lstStyle/>
+          <a:p>
+            <a:pPr lvl="0">
+              <a:spcBef>
+                <a:spcPts val="0"/>
+              </a:spcBef>
+              <a:buNone/>
+            </a:pPr>
+            <a:r>
+              <a:rPr lang="nl-NL" dirty="0"/>
+              <a:t>geel: grens van noordwest kwadrant</a:t>
+            </a:r>
+          </a:p>
+        </p:txBody>
+      </p:sp>
+      <p:sp>
+        <p:nvSpPr>
+          <p:cNvPr id="27" name="Tijdelijke aanduiding voor inhoud 2"/>
+          <p:cNvSpPr txBox="1">
+            <a:spLocks/>
+          </p:cNvSpPr>
+          <p:nvPr/>
+        </p:nvSpPr>
+        <p:spPr>
+          <a:xfrm>
+            <a:off x="685800" y="2194560"/>
+            <a:ext cx="5731675" cy="4024125"/>
+          </a:xfrm>
+          <a:prstGeom prst="rect">
+            <a:avLst/>
+          </a:prstGeom>
+        </p:spPr>
+        <p:txBody>
+          <a:bodyPr vert="horz" lIns="91440" tIns="45720" rIns="91440" bIns="45720" rtlCol="0">
+            <a:normAutofit/>
+          </a:bodyPr>
+          <a:lstStyle>
+            <a:lvl1pPr marL="228600" indent="-228600" algn="l" defTabSz="914400" rtl="0" eaLnBrk="1" latinLnBrk="0" hangingPunct="1">
+              <a:lnSpc>
+                <a:spcPct val="90000"/>
+              </a:lnSpc>
+              <a:spcBef>
+                <a:spcPts val="1000"/>
+              </a:spcBef>
+              <a:buFont typeface="Arial" panose="020B0604020202020204" pitchFamily="34" charset="0"/>
+              <a:buChar char="•"/>
+              <a:defRPr sz="2200" kern="1200">
+                <a:solidFill>
+                  <a:schemeClr val="tx1"/>
+                </a:solidFill>
+                <a:latin typeface="+mn-lt"/>
+                <a:ea typeface="+mn-ea"/>
+                <a:cs typeface="+mn-cs"/>
+              </a:defRPr>
+            </a:lvl1pPr>
+            <a:lvl2pPr marL="685800" indent="-228600" algn="l" defTabSz="914400" rtl="0" eaLnBrk="1" latinLnBrk="0" hangingPunct="1">
+              <a:lnSpc>
+                <a:spcPct val="90000"/>
+              </a:lnSpc>
+              <a:spcBef>
+                <a:spcPts val="500"/>
+              </a:spcBef>
+              <a:buFont typeface="Arial" panose="020B0604020202020204" pitchFamily="34" charset="0"/>
+              <a:buChar char="•"/>
+              <a:defRPr sz="2000" kern="1200">
+                <a:solidFill>
+                  <a:schemeClr val="tx1"/>
+                </a:solidFill>
+                <a:latin typeface="+mn-lt"/>
+                <a:ea typeface="+mn-ea"/>
+                <a:cs typeface="+mn-cs"/>
+              </a:defRPr>
+            </a:lvl2pPr>
+            <a:lvl3pPr marL="1143000" indent="-228600" algn="l" defTabSz="914400" rtl="0" eaLnBrk="1" latinLnBrk="0" hangingPunct="1">
+              <a:lnSpc>
+                <a:spcPct val="90000"/>
+              </a:lnSpc>
+              <a:spcBef>
+                <a:spcPts val="500"/>
+              </a:spcBef>
+              <a:buFont typeface="Arial" panose="020B0604020202020204" pitchFamily="34" charset="0"/>
+              <a:buChar char="•"/>
+              <a:defRPr sz="1800" kern="1200">
+                <a:solidFill>
+                  <a:schemeClr val="tx1"/>
+                </a:solidFill>
+                <a:latin typeface="+mn-lt"/>
+                <a:ea typeface="+mn-ea"/>
+                <a:cs typeface="+mn-cs"/>
+              </a:defRPr>
+            </a:lvl3pPr>
+            <a:lvl4pPr marL="1600200" indent="-228600" algn="l" defTabSz="914400" rtl="0" eaLnBrk="1" latinLnBrk="0" hangingPunct="1">
+              <a:lnSpc>
+                <a:spcPct val="90000"/>
+              </a:lnSpc>
+              <a:spcBef>
+                <a:spcPts val="500"/>
+              </a:spcBef>
+              <a:buFont typeface="Arial" panose="020B0604020202020204" pitchFamily="34" charset="0"/>
+              <a:buChar char="•"/>
+              <a:defRPr sz="1600" kern="1200">
+                <a:solidFill>
+                  <a:schemeClr val="tx1"/>
+                </a:solidFill>
+                <a:latin typeface="+mn-lt"/>
+                <a:ea typeface="+mn-ea"/>
+                <a:cs typeface="+mn-cs"/>
+              </a:defRPr>
+            </a:lvl4pPr>
+            <a:lvl5pPr marL="2057400" indent="-228600" algn="l" defTabSz="914400" rtl="0" eaLnBrk="1" latinLnBrk="0" hangingPunct="1">
+              <a:lnSpc>
+                <a:spcPct val="90000"/>
+              </a:lnSpc>
+              <a:spcBef>
+                <a:spcPts val="500"/>
+              </a:spcBef>
+              <a:buFont typeface="Arial" panose="020B0604020202020204" pitchFamily="34" charset="0"/>
+              <a:buChar char="•"/>
+              <a:defRPr sz="1600" kern="1200">
+                <a:solidFill>
+                  <a:schemeClr val="tx1"/>
+                </a:solidFill>
+                <a:latin typeface="+mn-lt"/>
+                <a:ea typeface="+mn-ea"/>
+                <a:cs typeface="+mn-cs"/>
+              </a:defRPr>
+            </a:lvl5pPr>
+            <a:lvl6pPr marL="2514600" indent="-228600" algn="l" defTabSz="914400" rtl="0" eaLnBrk="1" latinLnBrk="0" hangingPunct="1">
+              <a:lnSpc>
+                <a:spcPct val="90000"/>
+              </a:lnSpc>
+              <a:spcBef>
+                <a:spcPts val="500"/>
+              </a:spcBef>
+              <a:buFont typeface="Arial" panose="020B0604020202020204" pitchFamily="34" charset="0"/>
+              <a:buChar char="•"/>
+              <a:defRPr sz="1600" kern="1200">
+                <a:solidFill>
+                  <a:schemeClr val="tx1"/>
+                </a:solidFill>
+                <a:latin typeface="+mn-lt"/>
+                <a:ea typeface="+mn-ea"/>
+                <a:cs typeface="+mn-cs"/>
+              </a:defRPr>
+            </a:lvl6pPr>
+            <a:lvl7pPr marL="2971800" indent="-228600" algn="l" defTabSz="914400" rtl="0" eaLnBrk="1" latinLnBrk="0" hangingPunct="1">
+              <a:lnSpc>
+                <a:spcPct val="90000"/>
+              </a:lnSpc>
+              <a:spcBef>
+                <a:spcPts val="500"/>
+              </a:spcBef>
+              <a:buFont typeface="Arial" panose="020B0604020202020204" pitchFamily="34" charset="0"/>
+              <a:buChar char="•"/>
+              <a:defRPr sz="1600" kern="1200">
+                <a:solidFill>
+                  <a:schemeClr val="tx1"/>
+                </a:solidFill>
+                <a:latin typeface="+mn-lt"/>
+                <a:ea typeface="+mn-ea"/>
+                <a:cs typeface="+mn-cs"/>
+              </a:defRPr>
+            </a:lvl7pPr>
+            <a:lvl8pPr marL="3429000" indent="-228600" algn="l" defTabSz="914400" rtl="0" eaLnBrk="1" latinLnBrk="0" hangingPunct="1">
+              <a:lnSpc>
+                <a:spcPct val="90000"/>
+              </a:lnSpc>
+              <a:spcBef>
+                <a:spcPts val="500"/>
+              </a:spcBef>
+              <a:buFont typeface="Arial" panose="020B0604020202020204" pitchFamily="34" charset="0"/>
+              <a:buChar char="•"/>
+              <a:defRPr sz="1600" kern="1200">
+                <a:solidFill>
+                  <a:schemeClr val="tx1"/>
+                </a:solidFill>
+                <a:latin typeface="+mn-lt"/>
+                <a:ea typeface="+mn-ea"/>
+                <a:cs typeface="+mn-cs"/>
+              </a:defRPr>
+            </a:lvl8pPr>
+            <a:lvl9pPr marL="3886200" indent="-228600" algn="l" defTabSz="914400" rtl="0" eaLnBrk="1" latinLnBrk="0" hangingPunct="1">
+              <a:lnSpc>
+                <a:spcPct val="90000"/>
+              </a:lnSpc>
+              <a:spcBef>
+                <a:spcPts val="500"/>
+              </a:spcBef>
+              <a:buFont typeface="Arial" panose="020B0604020202020204" pitchFamily="34" charset="0"/>
+              <a:buChar char="•"/>
+              <a:defRPr sz="1600" kern="1200">
+                <a:solidFill>
+                  <a:schemeClr val="tx1"/>
+                </a:solidFill>
+                <a:latin typeface="+mn-lt"/>
+                <a:ea typeface="+mn-ea"/>
+                <a:cs typeface="+mn-cs"/>
+              </a:defRPr>
+            </a:lvl9pPr>
+          </a:lstStyle>
+          <a:p>
+            <a:pPr lvl="0">
+              <a:spcBef>
+                <a:spcPts val="0"/>
+              </a:spcBef>
+              <a:buClr>
+                <a:schemeClr val="dk1"/>
+              </a:buClr>
+              <a:buSzPct val="100000"/>
+              <a:buFont typeface="Arial"/>
+              <a:buChar char="•"/>
+            </a:pPr>
+            <a:r>
+              <a:rPr lang="nl-NL" dirty="0">
+                <a:solidFill>
+                  <a:schemeClr val="dk1"/>
+                </a:solidFill>
+                <a:ea typeface="Century Gothic"/>
+                <a:cs typeface="Century Gothic"/>
+                <a:sym typeface="Century Gothic"/>
+              </a:rPr>
+              <a:t>Langzaam model; orde N²</a:t>
+            </a:r>
+          </a:p>
+          <a:p>
+            <a:pPr lvl="0">
+              <a:buClr>
+                <a:schemeClr val="dk1"/>
+              </a:buClr>
+              <a:buSzPct val="100000"/>
+              <a:buFont typeface="Arial"/>
+              <a:buChar char="•"/>
+            </a:pPr>
+            <a:r>
+              <a:rPr lang="nl-NL" dirty="0">
+                <a:solidFill>
+                  <a:schemeClr val="dk1"/>
+                </a:solidFill>
+                <a:ea typeface="Century Gothic"/>
+                <a:cs typeface="Century Gothic"/>
+                <a:sym typeface="Century Gothic"/>
+              </a:rPr>
+              <a:t>Rond elk deeltje rechthoek met grenzen gebaseerd op straal en snelheid</a:t>
+            </a:r>
+          </a:p>
+          <a:p>
+            <a:pPr lvl="0">
+              <a:buClr>
+                <a:schemeClr val="dk1"/>
+              </a:buClr>
+              <a:buSzPct val="100000"/>
+              <a:buFont typeface="Arial"/>
+              <a:buChar char="•"/>
+            </a:pPr>
+            <a:r>
+              <a:rPr lang="nl-NL" dirty="0">
+                <a:solidFill>
+                  <a:schemeClr val="dk1"/>
+                </a:solidFill>
+                <a:ea typeface="Century Gothic"/>
+                <a:cs typeface="Century Gothic"/>
+                <a:sym typeface="Century Gothic"/>
+              </a:rPr>
+              <a:t>Botsing mogelijk als en slechts als rechthoeken overlappen</a:t>
+            </a:r>
+          </a:p>
+          <a:p>
+            <a:pPr lvl="0">
+              <a:buClr>
+                <a:schemeClr val="dk1"/>
+              </a:buClr>
+              <a:buSzPct val="100000"/>
+              <a:buFont typeface="Arial"/>
+              <a:buChar char="•"/>
+            </a:pPr>
+            <a:r>
+              <a:rPr lang="nl-NL" dirty="0">
+                <a:solidFill>
+                  <a:schemeClr val="dk1"/>
+                </a:solidFill>
+                <a:ea typeface="Century Gothic"/>
+                <a:cs typeface="Century Gothic"/>
+                <a:sym typeface="Century Gothic"/>
+              </a:rPr>
+              <a:t>Barnes-Hut boom: minimum van de minima, maximum van de maxima</a:t>
+            </a:r>
+          </a:p>
+          <a:p>
+            <a:pPr lvl="0">
+              <a:buClr>
+                <a:schemeClr val="dk1"/>
+              </a:buClr>
+              <a:buSzPct val="100000"/>
+              <a:buFont typeface="Arial"/>
+              <a:buChar char="•"/>
+            </a:pPr>
+            <a:r>
+              <a:rPr lang="nl-NL" dirty="0">
+                <a:solidFill>
+                  <a:schemeClr val="dk1"/>
+                </a:solidFill>
+                <a:ea typeface="Century Gothic"/>
+                <a:cs typeface="Century Gothic"/>
+                <a:sym typeface="Century Gothic"/>
+              </a:rPr>
+              <a:t>Algoritme wel exact</a:t>
+            </a:r>
+          </a:p>
+          <a:p>
+            <a:pPr lvl="0">
+              <a:buClr>
+                <a:schemeClr val="dk1"/>
+              </a:buClr>
+              <a:buSzPct val="100000"/>
+              <a:buFont typeface="Arial"/>
+              <a:buChar char="•"/>
+            </a:pPr>
+            <a:r>
+              <a:rPr lang="nl-NL" dirty="0">
+                <a:solidFill>
+                  <a:schemeClr val="dk1"/>
+                </a:solidFill>
+                <a:ea typeface="Century Gothic"/>
+                <a:cs typeface="Century Gothic"/>
+                <a:sym typeface="Century Gothic"/>
+              </a:rPr>
+              <a:t>orde N· log(N)</a:t>
+            </a:r>
+            <a:endParaRPr lang="nl-NL" dirty="0"/>
+          </a:p>
+          <a:p>
+            <a:pPr marL="457200" lvl="1" indent="0">
+              <a:buFont typeface="Arial" panose="020B0604020202020204" pitchFamily="34" charset="0"/>
+              <a:buNone/>
+            </a:pPr>
+            <a:endParaRPr lang="nl-NL" dirty="0"/>
+          </a:p>
+        </p:txBody>
+      </p:sp>
+    </p:spTree>
+  </p:cSld>
+  <p:clrMapOvr>
+    <a:masterClrMapping/>
+  </p:clrMapOvr>
+</p:sld>
+</file>
+
+<file path=ppt/slides/slide7.xml><?xml version="1.0" encoding="utf-8"?>
+<p:sld xmlns:a="http://schemas.openxmlformats.org/drawingml/2006/main" xmlns:r="http://schemas.openxmlformats.org/officeDocument/2006/relationships" xmlns:p="http://schemas.openxmlformats.org/presentationml/2006/main">
+  <p:cSld>
+    <p:spTree>
+      <p:nvGrpSpPr>
+        <p:cNvPr id="1" name=""/>
+        <p:cNvGrpSpPr/>
+        <p:nvPr/>
+      </p:nvGrpSpPr>
+      <p:grpSpPr>
+        <a:xfrm>
+          <a:off x="0" y="0"/>
+          <a:ext cx="0" cy="0"/>
+          <a:chOff x="0" y="0"/>
+          <a:chExt cx="0" cy="0"/>
+        </a:xfrm>
+      </p:grpSpPr>
+      <p:sp>
+        <p:nvSpPr>
+          <p:cNvPr id="2" name="Titel 1"/>
+          <p:cNvSpPr>
+            <a:spLocks noGrp="1"/>
+          </p:cNvSpPr>
+          <p:nvPr>
+            <p:ph type="title"/>
+          </p:nvPr>
+        </p:nvSpPr>
+        <p:spPr/>
+        <p:txBody>
+          <a:bodyPr/>
+          <a:lstStyle/>
+          <a:p>
+            <a:r>
+              <a:rPr lang="nl-NL" dirty="0"/>
+              <a:t>Barnes-Hut voor botsingen</a:t>
+            </a:r>
+          </a:p>
+        </p:txBody>
+      </p:sp>
+      <p:sp>
+        <p:nvSpPr>
+          <p:cNvPr id="4" name="Tijdelijke aanduiding voor inhoud 2"/>
+          <p:cNvSpPr txBox="1">
+            <a:spLocks/>
+          </p:cNvSpPr>
+          <p:nvPr/>
+        </p:nvSpPr>
+        <p:spPr>
+          <a:xfrm>
+            <a:off x="685800" y="2194560"/>
+            <a:ext cx="6092072" cy="4024125"/>
+          </a:xfrm>
+          <a:prstGeom prst="rect">
+            <a:avLst/>
+          </a:prstGeom>
+        </p:spPr>
+        <p:txBody>
+          <a:bodyPr vert="horz" lIns="91440" tIns="45720" rIns="91440" bIns="45720" rtlCol="0">
+            <a:normAutofit/>
+          </a:bodyPr>
+          <a:lstStyle>
+            <a:lvl1pPr marL="228600" indent="-228600" algn="l" defTabSz="914400" rtl="0" eaLnBrk="1" latinLnBrk="0" hangingPunct="1">
+              <a:lnSpc>
+                <a:spcPct val="90000"/>
+              </a:lnSpc>
+              <a:spcBef>
+                <a:spcPts val="1000"/>
+              </a:spcBef>
+              <a:buFont typeface="Arial" panose="020B0604020202020204" pitchFamily="34" charset="0"/>
+              <a:buChar char="•"/>
+              <a:defRPr sz="2200" kern="1200">
+                <a:solidFill>
+                  <a:schemeClr val="tx1"/>
+                </a:solidFill>
+                <a:latin typeface="+mn-lt"/>
+                <a:ea typeface="+mn-ea"/>
+                <a:cs typeface="+mn-cs"/>
+              </a:defRPr>
+            </a:lvl1pPr>
+            <a:lvl2pPr marL="685800" indent="-228600" algn="l" defTabSz="914400" rtl="0" eaLnBrk="1" latinLnBrk="0" hangingPunct="1">
+              <a:lnSpc>
+                <a:spcPct val="90000"/>
+              </a:lnSpc>
+              <a:spcBef>
+                <a:spcPts val="500"/>
+              </a:spcBef>
+              <a:buFont typeface="Arial" panose="020B0604020202020204" pitchFamily="34" charset="0"/>
+              <a:buChar char="•"/>
+              <a:defRPr sz="2000" kern="1200">
+                <a:solidFill>
+                  <a:schemeClr val="tx1"/>
+                </a:solidFill>
+                <a:latin typeface="+mn-lt"/>
+                <a:ea typeface="+mn-ea"/>
+                <a:cs typeface="+mn-cs"/>
+              </a:defRPr>
+            </a:lvl2pPr>
+            <a:lvl3pPr marL="1143000" indent="-228600" algn="l" defTabSz="914400" rtl="0" eaLnBrk="1" latinLnBrk="0" hangingPunct="1">
+              <a:lnSpc>
+                <a:spcPct val="90000"/>
+              </a:lnSpc>
+              <a:spcBef>
+                <a:spcPts val="500"/>
+              </a:spcBef>
+              <a:buFont typeface="Arial" panose="020B0604020202020204" pitchFamily="34" charset="0"/>
+              <a:buChar char="•"/>
+              <a:defRPr sz="1800" kern="1200">
+                <a:solidFill>
+                  <a:schemeClr val="tx1"/>
+                </a:solidFill>
+                <a:latin typeface="+mn-lt"/>
+                <a:ea typeface="+mn-ea"/>
+                <a:cs typeface="+mn-cs"/>
+              </a:defRPr>
+            </a:lvl3pPr>
+            <a:lvl4pPr marL="1600200" indent="-228600" algn="l" defTabSz="914400" rtl="0" eaLnBrk="1" latinLnBrk="0" hangingPunct="1">
+              <a:lnSpc>
+                <a:spcPct val="90000"/>
+              </a:lnSpc>
+              <a:spcBef>
+                <a:spcPts val="500"/>
+              </a:spcBef>
+              <a:buFont typeface="Arial" panose="020B0604020202020204" pitchFamily="34" charset="0"/>
+              <a:buChar char="•"/>
+              <a:defRPr sz="1600" kern="1200">
+                <a:solidFill>
+                  <a:schemeClr val="tx1"/>
+                </a:solidFill>
+                <a:latin typeface="+mn-lt"/>
+                <a:ea typeface="+mn-ea"/>
+                <a:cs typeface="+mn-cs"/>
+              </a:defRPr>
+            </a:lvl4pPr>
+            <a:lvl5pPr marL="2057400" indent="-228600" algn="l" defTabSz="914400" rtl="0" eaLnBrk="1" latinLnBrk="0" hangingPunct="1">
+              <a:lnSpc>
+                <a:spcPct val="90000"/>
+              </a:lnSpc>
+              <a:spcBef>
+                <a:spcPts val="500"/>
+              </a:spcBef>
+              <a:buFont typeface="Arial" panose="020B0604020202020204" pitchFamily="34" charset="0"/>
+              <a:buChar char="•"/>
+              <a:defRPr sz="1600" kern="1200">
+                <a:solidFill>
+                  <a:schemeClr val="tx1"/>
+                </a:solidFill>
+                <a:latin typeface="+mn-lt"/>
+                <a:ea typeface="+mn-ea"/>
+                <a:cs typeface="+mn-cs"/>
+              </a:defRPr>
+            </a:lvl5pPr>
+            <a:lvl6pPr marL="2514600" indent="-228600" algn="l" defTabSz="914400" rtl="0" eaLnBrk="1" latinLnBrk="0" hangingPunct="1">
+              <a:lnSpc>
+                <a:spcPct val="90000"/>
+              </a:lnSpc>
+              <a:spcBef>
+                <a:spcPts val="500"/>
+              </a:spcBef>
+              <a:buFont typeface="Arial" panose="020B0604020202020204" pitchFamily="34" charset="0"/>
+              <a:buChar char="•"/>
+              <a:defRPr sz="1600" kern="1200">
+                <a:solidFill>
+                  <a:schemeClr val="tx1"/>
+                </a:solidFill>
+                <a:latin typeface="+mn-lt"/>
+                <a:ea typeface="+mn-ea"/>
+                <a:cs typeface="+mn-cs"/>
+              </a:defRPr>
+            </a:lvl6pPr>
+            <a:lvl7pPr marL="2971800" indent="-228600" algn="l" defTabSz="914400" rtl="0" eaLnBrk="1" latinLnBrk="0" hangingPunct="1">
+              <a:lnSpc>
+                <a:spcPct val="90000"/>
+              </a:lnSpc>
+              <a:spcBef>
+                <a:spcPts val="500"/>
+              </a:spcBef>
+              <a:buFont typeface="Arial" panose="020B0604020202020204" pitchFamily="34" charset="0"/>
+              <a:buChar char="•"/>
+              <a:defRPr sz="1600" kern="1200">
+                <a:solidFill>
+                  <a:schemeClr val="tx1"/>
+                </a:solidFill>
+                <a:latin typeface="+mn-lt"/>
+                <a:ea typeface="+mn-ea"/>
+                <a:cs typeface="+mn-cs"/>
+              </a:defRPr>
+            </a:lvl7pPr>
+            <a:lvl8pPr marL="3429000" indent="-228600" algn="l" defTabSz="914400" rtl="0" eaLnBrk="1" latinLnBrk="0" hangingPunct="1">
+              <a:lnSpc>
+                <a:spcPct val="90000"/>
+              </a:lnSpc>
+              <a:spcBef>
+                <a:spcPts val="500"/>
+              </a:spcBef>
+              <a:buFont typeface="Arial" panose="020B0604020202020204" pitchFamily="34" charset="0"/>
+              <a:buChar char="•"/>
+              <a:defRPr sz="1600" kern="1200">
+                <a:solidFill>
+                  <a:schemeClr val="tx1"/>
+                </a:solidFill>
+                <a:latin typeface="+mn-lt"/>
+                <a:ea typeface="+mn-ea"/>
+                <a:cs typeface="+mn-cs"/>
+              </a:defRPr>
+            </a:lvl8pPr>
+            <a:lvl9pPr marL="3886200" indent="-228600" algn="l" defTabSz="914400" rtl="0" eaLnBrk="1" latinLnBrk="0" hangingPunct="1">
+              <a:lnSpc>
+                <a:spcPct val="90000"/>
+              </a:lnSpc>
+              <a:spcBef>
+                <a:spcPts val="500"/>
+              </a:spcBef>
+              <a:buFont typeface="Arial" panose="020B0604020202020204" pitchFamily="34" charset="0"/>
+              <a:buChar char="•"/>
+              <a:defRPr sz="1600" kern="1200">
+                <a:solidFill>
+                  <a:schemeClr val="tx1"/>
+                </a:solidFill>
+                <a:latin typeface="+mn-lt"/>
+                <a:ea typeface="+mn-ea"/>
+                <a:cs typeface="+mn-cs"/>
+              </a:defRPr>
+            </a:lvl9pPr>
+          </a:lstStyle>
+          <a:p>
+            <a:r>
+              <a:rPr lang="nl-NL" dirty="0"/>
+              <a:t>Langzaam model; orde N²</a:t>
+            </a:r>
+          </a:p>
+          <a:p>
+            <a:r>
+              <a:rPr lang="nl-NL" dirty="0"/>
+              <a:t>Rond elk deeltje rechthoek met grenzen</a:t>
+            </a:r>
+          </a:p>
+          <a:p>
+            <a:r>
+              <a:rPr lang="nl-NL" dirty="0"/>
+              <a:t>Botsing mogelijk als en slechts als rechthoeken overlappen</a:t>
+            </a:r>
+          </a:p>
+          <a:p>
+            <a:r>
+              <a:rPr lang="nl-NL" dirty="0"/>
+              <a:t>Barnes-Hut boom: interne takken hebben ruimste rechthoek</a:t>
+            </a:r>
+          </a:p>
+          <a:p>
+            <a:r>
+              <a:rPr lang="nl-NL" dirty="0"/>
+              <a:t>Algoritme wel exact</a:t>
+            </a:r>
+          </a:p>
+          <a:p>
+            <a:r>
+              <a:rPr lang="nl-NL" dirty="0"/>
+              <a:t>orde N· log(N)</a:t>
+            </a:r>
+            <a:endParaRPr lang="nl-NL" dirty="0"/>
+          </a:p>
+        </p:txBody>
+      </p:sp>
+    </p:spTree>
+    <p:extLst>
+      <p:ext uri="{BB962C8B-B14F-4D97-AF65-F5344CB8AC3E}">
+        <p14:creationId xmlns:p14="http://schemas.microsoft.com/office/powerpoint/2010/main" val="3051500588"/>
+      </p:ext>
+    </p:extLst>
+  </p:cSld>
+  <p:clrMapOvr>
+    <a:masterClrMapping/>
+  </p:clrMapOvr>
+</p:sld>
+</file>
+
+<file path=ppt/slides/slide8.xml><?xml version="1.0" encoding="utf-8"?>
+<p:sld xmlns:a="http://schemas.openxmlformats.org/drawingml/2006/main" xmlns:r="http://schemas.openxmlformats.org/officeDocument/2006/relationships" xmlns:p="http://schemas.openxmlformats.org/presentationml/2006/main">
+  <p:cSld>
+    <p:spTree>
+      <p:nvGrpSpPr>
+        <p:cNvPr id="1" name=""/>
+        <p:cNvGrpSpPr/>
+        <p:nvPr/>
+      </p:nvGrpSpPr>
+      <p:grpSpPr>
+        <a:xfrm>
+          <a:off x="0" y="0"/>
+          <a:ext cx="0" cy="0"/>
+          <a:chOff x="0" y="0"/>
+          <a:chExt cx="0" cy="0"/>
+        </a:xfrm>
+      </p:grpSpPr>
+      <p:pic>
+        <p:nvPicPr>
+          <p:cNvPr id="1026" name="Picture 2" descr="C:\Users\guanyu\Documents\mod2b\Presentatie\AantPlaneten2.jpg"/>
+          <p:cNvPicPr>
+            <a:picLocks noChangeAspect="1" noChangeArrowheads="1"/>
+          </p:cNvPicPr>
+          <p:nvPr/>
+        </p:nvPicPr>
+        <p:blipFill rotWithShape="1">
+          <a:blip r:embed="rId2">
+            <a:extLst>
+              <a:ext uri="{28A0092B-C50C-407E-A947-70E740481C1C}">
+                <a14:useLocalDpi xmlns:a14="http://schemas.microsoft.com/office/drawing/2010/main" val="0"/>
+              </a:ext>
+            </a:extLst>
+          </a:blip>
+          <a:srcRect l="7715"/>
+          <a:stretch/>
+        </p:blipFill>
+        <p:spPr bwMode="auto">
+          <a:xfrm>
+            <a:off x="2290715" y="1136307"/>
+            <a:ext cx="8290513" cy="5937317"/>
+          </a:xfrm>
+          <a:prstGeom prst="rect">
+            <a:avLst/>
+          </a:prstGeom>
+          <a:noFill/>
+          <a:extLst>
+            <a:ext uri="{909E8E84-426E-40DD-AFC4-6F175D3DCCD1}">
+              <a14:hiddenFill xmlns:a14="http://schemas.microsoft.com/office/drawing/2010/main">
+                <a:solidFill>
+                  <a:srgbClr val="FFFFFF"/>
+                </a:solidFill>
+              </a14:hiddenFill>
+            </a:ext>
+          </a:extLst>
+        </p:spPr>
+      </p:pic>
+      <p:sp>
+        <p:nvSpPr>
+          <p:cNvPr id="2" name="Titel 1"/>
+          <p:cNvSpPr>
+            <a:spLocks noGrp="1"/>
+          </p:cNvSpPr>
+          <p:nvPr>
+            <p:ph type="title"/>
+          </p:nvPr>
+        </p:nvSpPr>
+        <p:spPr/>
+        <p:txBody>
+          <a:bodyPr/>
+          <a:lstStyle/>
+          <a:p>
+            <a:r>
+              <a:rPr lang="nl-NL" dirty="0"/>
+              <a:t>Resultaten</a:t>
+            </a:r>
+          </a:p>
+        </p:txBody>
+      </p:sp>
+    </p:spTree>
+    <p:extLst>
+      <p:ext uri="{BB962C8B-B14F-4D97-AF65-F5344CB8AC3E}">
+        <p14:creationId xmlns:p14="http://schemas.microsoft.com/office/powerpoint/2010/main" val="2321559582"/>
+      </p:ext>
+    </p:extLst>
+  </p:cSld>
+  <p:clrMapOvr>
+    <a:masterClrMapping/>
+  </p:clrMapOvr>
+</p:sld>
+</file>
+
+<file path=ppt/slides/slide9.xml><?xml version="1.0" encoding="utf-8"?>
+<p:sld xmlns:a="http://schemas.openxmlformats.org/drawingml/2006/main" xmlns:r="http://schemas.openxmlformats.org/officeDocument/2006/relationships" xmlns:p="http://schemas.openxmlformats.org/presentationml/2006/main">
+  <p:cSld>
+    <p:spTree>
+      <p:nvGrpSpPr>
+        <p:cNvPr id="1" name=""/>
+        <p:cNvGrpSpPr/>
+        <p:nvPr/>
+      </p:nvGrpSpPr>
+      <p:grpSpPr>
+        <a:xfrm>
+          <a:off x="0" y="0"/>
+          <a:ext cx="0" cy="0"/>
+          <a:chOff x="0" y="0"/>
+          <a:chExt cx="0" cy="0"/>
+        </a:xfrm>
+      </p:grpSpPr>
+      <p:sp>
+        <p:nvSpPr>
+          <p:cNvPr id="2" name="Titel 1"/>
+          <p:cNvSpPr>
+            <a:spLocks noGrp="1"/>
+          </p:cNvSpPr>
+          <p:nvPr>
+            <p:ph type="title"/>
+          </p:nvPr>
+        </p:nvSpPr>
+        <p:spPr/>
+        <p:txBody>
+          <a:bodyPr/>
+          <a:lstStyle/>
+          <a:p>
+            <a:r>
+              <a:rPr lang="nl-NL"/>
               <a:t>Leapfrog</a:t>
             </a:r>
           </a:p>
@@ -9664,1999 +11657,6 @@
     <p:extLst>
       <p:ext uri="{BB962C8B-B14F-4D97-AF65-F5344CB8AC3E}">
         <p14:creationId xmlns:p14="http://schemas.microsoft.com/office/powerpoint/2010/main" val="4106520603"/>
-      </p:ext>
-    </p:extLst>
-  </p:cSld>
-  <p:clrMapOvr>
-    <a:masterClrMapping/>
-  </p:clrMapOvr>
-</p:sld>
-</file>
-
-<file path=ppt/slides/slide6.xml><?xml version="1.0" encoding="utf-8"?>
-<p:sld xmlns:a="http://schemas.openxmlformats.org/drawingml/2006/main" xmlns:r="http://schemas.openxmlformats.org/officeDocument/2006/relationships" xmlns:p="http://schemas.openxmlformats.org/presentationml/2006/main">
-  <p:cSld>
-    <p:spTree>
-      <p:nvGrpSpPr>
-        <p:cNvPr id="1" name=""/>
-        <p:cNvGrpSpPr/>
-        <p:nvPr/>
-      </p:nvGrpSpPr>
-      <p:grpSpPr>
-        <a:xfrm>
-          <a:off x="0" y="0"/>
-          <a:ext cx="0" cy="0"/>
-          <a:chOff x="0" y="0"/>
-          <a:chExt cx="0" cy="0"/>
-        </a:xfrm>
-      </p:grpSpPr>
-      <p:sp>
-        <p:nvSpPr>
-          <p:cNvPr id="2" name="Titel 1"/>
-          <p:cNvSpPr>
-            <a:spLocks noGrp="1"/>
-          </p:cNvSpPr>
-          <p:nvPr>
-            <p:ph type="title"/>
-          </p:nvPr>
-        </p:nvSpPr>
-        <p:spPr/>
-        <p:txBody>
-          <a:bodyPr/>
-          <a:lstStyle/>
-          <a:p>
-            <a:r>
-              <a:rPr lang="nl-NL"/>
-              <a:t>Barnes-Hut Algoritme</a:t>
-            </a:r>
-          </a:p>
-        </p:txBody>
-      </p:sp>
-      <p:pic>
-        <p:nvPicPr>
-          <p:cNvPr id="4" name="Afbeelding 3"/>
-          <p:cNvPicPr>
-            <a:picLocks noChangeAspect="1"/>
-          </p:cNvPicPr>
-          <p:nvPr/>
-        </p:nvPicPr>
-        <p:blipFill>
-          <a:blip r:embed="rId2">
-            <a:extLst>
-              <a:ext uri="{28A0092B-C50C-407E-A947-70E740481C1C}">
-                <a14:useLocalDpi xmlns:a14="http://schemas.microsoft.com/office/drawing/2010/main" val="0"/>
-              </a:ext>
-            </a:extLst>
-          </a:blip>
-          <a:stretch>
-            <a:fillRect/>
-          </a:stretch>
-        </p:blipFill>
-        <p:spPr>
-          <a:xfrm>
-            <a:off x="7572867" y="2057401"/>
-            <a:ext cx="3933333" cy="3933333"/>
-          </a:xfrm>
-          <a:prstGeom prst="rect">
-            <a:avLst/>
-          </a:prstGeom>
-        </p:spPr>
-      </p:pic>
-      <p:pic>
-        <p:nvPicPr>
-          <p:cNvPr id="5" name="Afbeelding 4"/>
-          <p:cNvPicPr>
-            <a:picLocks noChangeAspect="1"/>
-          </p:cNvPicPr>
-          <p:nvPr/>
-        </p:nvPicPr>
-        <p:blipFill rotWithShape="1">
-          <a:blip r:embed="rId3">
-            <a:extLst>
-              <a:ext uri="{28A0092B-C50C-407E-A947-70E740481C1C}">
-                <a14:useLocalDpi xmlns:a14="http://schemas.microsoft.com/office/drawing/2010/main" val="0"/>
-              </a:ext>
-            </a:extLst>
-          </a:blip>
-          <a:srcRect t="20254"/>
-          <a:stretch/>
-        </p:blipFill>
-        <p:spPr>
-          <a:xfrm>
-            <a:off x="3999282" y="4876800"/>
-            <a:ext cx="2575990" cy="1981200"/>
-          </a:xfrm>
-          <a:prstGeom prst="rect">
-            <a:avLst/>
-          </a:prstGeom>
-        </p:spPr>
-      </p:pic>
-      <p:sp>
-        <p:nvSpPr>
-          <p:cNvPr id="6" name="Tijdelijke aanduiding voor inhoud 2"/>
-          <p:cNvSpPr txBox="1">
-            <a:spLocks/>
-          </p:cNvSpPr>
-          <p:nvPr/>
-        </p:nvSpPr>
-        <p:spPr>
-          <a:xfrm>
-            <a:off x="685800" y="2194560"/>
-            <a:ext cx="6450291" cy="4024125"/>
-          </a:xfrm>
-          <a:prstGeom prst="rect">
-            <a:avLst/>
-          </a:prstGeom>
-        </p:spPr>
-        <p:txBody>
-          <a:bodyPr vert="horz" lIns="91440" tIns="45720" rIns="91440" bIns="45720" rtlCol="0">
-            <a:normAutofit/>
-          </a:bodyPr>
-          <a:lstStyle>
-            <a:lvl1pPr marL="228600" indent="-228600" algn="l" defTabSz="914400" rtl="0" eaLnBrk="1" latinLnBrk="0" hangingPunct="1">
-              <a:lnSpc>
-                <a:spcPct val="90000"/>
-              </a:lnSpc>
-              <a:spcBef>
-                <a:spcPts val="1000"/>
-              </a:spcBef>
-              <a:buFont typeface="Arial" panose="020B0604020202020204" pitchFamily="34" charset="0"/>
-              <a:buChar char="•"/>
-              <a:defRPr sz="2200" kern="1200">
-                <a:solidFill>
-                  <a:schemeClr val="tx1"/>
-                </a:solidFill>
-                <a:latin typeface="+mn-lt"/>
-                <a:ea typeface="+mn-ea"/>
-                <a:cs typeface="+mn-cs"/>
-              </a:defRPr>
-            </a:lvl1pPr>
-            <a:lvl2pPr marL="685800" indent="-228600" algn="l" defTabSz="914400" rtl="0" eaLnBrk="1" latinLnBrk="0" hangingPunct="1">
-              <a:lnSpc>
-                <a:spcPct val="90000"/>
-              </a:lnSpc>
-              <a:spcBef>
-                <a:spcPts val="500"/>
-              </a:spcBef>
-              <a:buFont typeface="Arial" panose="020B0604020202020204" pitchFamily="34" charset="0"/>
-              <a:buChar char="•"/>
-              <a:defRPr sz="2000" kern="1200">
-                <a:solidFill>
-                  <a:schemeClr val="tx1"/>
-                </a:solidFill>
-                <a:latin typeface="+mn-lt"/>
-                <a:ea typeface="+mn-ea"/>
-                <a:cs typeface="+mn-cs"/>
-              </a:defRPr>
-            </a:lvl2pPr>
-            <a:lvl3pPr marL="1143000" indent="-228600" algn="l" defTabSz="914400" rtl="0" eaLnBrk="1" latinLnBrk="0" hangingPunct="1">
-              <a:lnSpc>
-                <a:spcPct val="90000"/>
-              </a:lnSpc>
-              <a:spcBef>
-                <a:spcPts val="500"/>
-              </a:spcBef>
-              <a:buFont typeface="Arial" panose="020B0604020202020204" pitchFamily="34" charset="0"/>
-              <a:buChar char="•"/>
-              <a:defRPr sz="1800" kern="1200">
-                <a:solidFill>
-                  <a:schemeClr val="tx1"/>
-                </a:solidFill>
-                <a:latin typeface="+mn-lt"/>
-                <a:ea typeface="+mn-ea"/>
-                <a:cs typeface="+mn-cs"/>
-              </a:defRPr>
-            </a:lvl3pPr>
-            <a:lvl4pPr marL="1600200" indent="-228600" algn="l" defTabSz="914400" rtl="0" eaLnBrk="1" latinLnBrk="0" hangingPunct="1">
-              <a:lnSpc>
-                <a:spcPct val="90000"/>
-              </a:lnSpc>
-              <a:spcBef>
-                <a:spcPts val="500"/>
-              </a:spcBef>
-              <a:buFont typeface="Arial" panose="020B0604020202020204" pitchFamily="34" charset="0"/>
-              <a:buChar char="•"/>
-              <a:defRPr sz="1600" kern="1200">
-                <a:solidFill>
-                  <a:schemeClr val="tx1"/>
-                </a:solidFill>
-                <a:latin typeface="+mn-lt"/>
-                <a:ea typeface="+mn-ea"/>
-                <a:cs typeface="+mn-cs"/>
-              </a:defRPr>
-            </a:lvl4pPr>
-            <a:lvl5pPr marL="2057400" indent="-228600" algn="l" defTabSz="914400" rtl="0" eaLnBrk="1" latinLnBrk="0" hangingPunct="1">
-              <a:lnSpc>
-                <a:spcPct val="90000"/>
-              </a:lnSpc>
-              <a:spcBef>
-                <a:spcPts val="500"/>
-              </a:spcBef>
-              <a:buFont typeface="Arial" panose="020B0604020202020204" pitchFamily="34" charset="0"/>
-              <a:buChar char="•"/>
-              <a:defRPr sz="1600" kern="1200">
-                <a:solidFill>
-                  <a:schemeClr val="tx1"/>
-                </a:solidFill>
-                <a:latin typeface="+mn-lt"/>
-                <a:ea typeface="+mn-ea"/>
-                <a:cs typeface="+mn-cs"/>
-              </a:defRPr>
-            </a:lvl5pPr>
-            <a:lvl6pPr marL="2514600" indent="-228600" algn="l" defTabSz="914400" rtl="0" eaLnBrk="1" latinLnBrk="0" hangingPunct="1">
-              <a:lnSpc>
-                <a:spcPct val="90000"/>
-              </a:lnSpc>
-              <a:spcBef>
-                <a:spcPts val="500"/>
-              </a:spcBef>
-              <a:buFont typeface="Arial" panose="020B0604020202020204" pitchFamily="34" charset="0"/>
-              <a:buChar char="•"/>
-              <a:defRPr sz="1600" kern="1200">
-                <a:solidFill>
-                  <a:schemeClr val="tx1"/>
-                </a:solidFill>
-                <a:latin typeface="+mn-lt"/>
-                <a:ea typeface="+mn-ea"/>
-                <a:cs typeface="+mn-cs"/>
-              </a:defRPr>
-            </a:lvl6pPr>
-            <a:lvl7pPr marL="2971800" indent="-228600" algn="l" defTabSz="914400" rtl="0" eaLnBrk="1" latinLnBrk="0" hangingPunct="1">
-              <a:lnSpc>
-                <a:spcPct val="90000"/>
-              </a:lnSpc>
-              <a:spcBef>
-                <a:spcPts val="500"/>
-              </a:spcBef>
-              <a:buFont typeface="Arial" panose="020B0604020202020204" pitchFamily="34" charset="0"/>
-              <a:buChar char="•"/>
-              <a:defRPr sz="1600" kern="1200">
-                <a:solidFill>
-                  <a:schemeClr val="tx1"/>
-                </a:solidFill>
-                <a:latin typeface="+mn-lt"/>
-                <a:ea typeface="+mn-ea"/>
-                <a:cs typeface="+mn-cs"/>
-              </a:defRPr>
-            </a:lvl7pPr>
-            <a:lvl8pPr marL="3429000" indent="-228600" algn="l" defTabSz="914400" rtl="0" eaLnBrk="1" latinLnBrk="0" hangingPunct="1">
-              <a:lnSpc>
-                <a:spcPct val="90000"/>
-              </a:lnSpc>
-              <a:spcBef>
-                <a:spcPts val="500"/>
-              </a:spcBef>
-              <a:buFont typeface="Arial" panose="020B0604020202020204" pitchFamily="34" charset="0"/>
-              <a:buChar char="•"/>
-              <a:defRPr sz="1600" kern="1200">
-                <a:solidFill>
-                  <a:schemeClr val="tx1"/>
-                </a:solidFill>
-                <a:latin typeface="+mn-lt"/>
-                <a:ea typeface="+mn-ea"/>
-                <a:cs typeface="+mn-cs"/>
-              </a:defRPr>
-            </a:lvl8pPr>
-            <a:lvl9pPr marL="3886200" indent="-228600" algn="l" defTabSz="914400" rtl="0" eaLnBrk="1" latinLnBrk="0" hangingPunct="1">
-              <a:lnSpc>
-                <a:spcPct val="90000"/>
-              </a:lnSpc>
-              <a:spcBef>
-                <a:spcPts val="500"/>
-              </a:spcBef>
-              <a:buFont typeface="Arial" panose="020B0604020202020204" pitchFamily="34" charset="0"/>
-              <a:buChar char="•"/>
-              <a:defRPr sz="1600" kern="1200">
-                <a:solidFill>
-                  <a:schemeClr val="tx1"/>
-                </a:solidFill>
-                <a:latin typeface="+mn-lt"/>
-                <a:ea typeface="+mn-ea"/>
-                <a:cs typeface="+mn-cs"/>
-              </a:defRPr>
-            </a:lvl9pPr>
-          </a:lstStyle>
-          <a:p>
-            <a:r>
-              <a:rPr lang="nl-NL" dirty="0"/>
-              <a:t>Langzaam model; orde N²</a:t>
-            </a:r>
-          </a:p>
-          <a:p>
-            <a:r>
-              <a:rPr lang="nl-NL" dirty="0"/>
-              <a:t>Afschatting: deeltjes dicht bij elkaar groeperen</a:t>
-            </a:r>
-          </a:p>
-          <a:p>
-            <a:r>
-              <a:rPr lang="nl-NL" dirty="0"/>
-              <a:t>Implementatie: ruimte recursief opdelen in kwadranten tot elk deeltje eigen kwadrant heeft</a:t>
-            </a:r>
-          </a:p>
-          <a:p>
-            <a:r>
-              <a:rPr lang="nl-NL" dirty="0"/>
-              <a:t>Programmeren: Barnes-Hut boom</a:t>
-            </a:r>
-          </a:p>
-          <a:p>
-            <a:r>
-              <a:rPr lang="nl-NL" dirty="0"/>
-              <a:t>Algoritme niet exact</a:t>
-            </a:r>
-          </a:p>
-          <a:p>
-            <a:r>
-              <a:rPr lang="nl-NL" dirty="0"/>
-              <a:t>orde N· log(N)</a:t>
-            </a:r>
-            <a:endParaRPr lang="nl-NL" dirty="0"/>
-          </a:p>
-          <a:p>
-            <a:pPr marL="457200" lvl="1" indent="0">
-              <a:buFont typeface="Arial" panose="020B0604020202020204" pitchFamily="34" charset="0"/>
-              <a:buNone/>
-            </a:pPr>
-            <a:endParaRPr lang="nl-NL" dirty="0"/>
-          </a:p>
-        </p:txBody>
-      </p:sp>
-    </p:spTree>
-    <p:extLst>
-      <p:ext uri="{BB962C8B-B14F-4D97-AF65-F5344CB8AC3E}">
-        <p14:creationId xmlns:p14="http://schemas.microsoft.com/office/powerpoint/2010/main" val="3770291243"/>
-      </p:ext>
-    </p:extLst>
-  </p:cSld>
-  <p:clrMapOvr>
-    <a:masterClrMapping/>
-  </p:clrMapOvr>
-</p:sld>
-</file>
-
-<file path=ppt/slides/slide7.xml><?xml version="1.0" encoding="utf-8"?>
-<p:sld xmlns:a="http://schemas.openxmlformats.org/drawingml/2006/main" xmlns:r="http://schemas.openxmlformats.org/officeDocument/2006/relationships" xmlns:p="http://schemas.openxmlformats.org/presentationml/2006/main">
-  <p:cSld>
-    <p:spTree>
-      <p:nvGrpSpPr>
-        <p:cNvPr id="1" name="Shape 183"/>
-        <p:cNvGrpSpPr/>
-        <p:nvPr/>
-      </p:nvGrpSpPr>
-      <p:grpSpPr>
-        <a:xfrm>
-          <a:off x="0" y="0"/>
-          <a:ext cx="0" cy="0"/>
-          <a:chOff x="0" y="0"/>
-          <a:chExt cx="0" cy="0"/>
-        </a:xfrm>
-      </p:grpSpPr>
-      <p:pic>
-        <p:nvPicPr>
-          <p:cNvPr id="184" name="Shape 184" descr="barneshut_map_snelheid.png"/>
-          <p:cNvPicPr preferRelativeResize="0"/>
-          <p:nvPr/>
-        </p:nvPicPr>
-        <p:blipFill>
-          <a:blip r:embed="rId3">
-            <a:alphaModFix/>
-          </a:blip>
-          <a:stretch>
-            <a:fillRect/>
-          </a:stretch>
-        </p:blipFill>
-        <p:spPr>
-          <a:xfrm>
-            <a:off x="7572375" y="2064237"/>
-            <a:ext cx="3933825" cy="3933825"/>
-          </a:xfrm>
-          <a:prstGeom prst="rect">
-            <a:avLst/>
-          </a:prstGeom>
-          <a:noFill/>
-          <a:ln>
-            <a:noFill/>
-          </a:ln>
-        </p:spPr>
-      </p:pic>
-      <p:sp>
-        <p:nvSpPr>
-          <p:cNvPr id="185" name="Shape 185"/>
-          <p:cNvSpPr txBox="1">
-            <a:spLocks noGrp="1"/>
-          </p:cNvSpPr>
-          <p:nvPr>
-            <p:ph type="title"/>
-          </p:nvPr>
-        </p:nvSpPr>
-        <p:spPr>
-          <a:xfrm>
-            <a:off x="2895600" y="764372"/>
-            <a:ext cx="8610599" cy="1293027"/>
-          </a:xfrm>
-          <a:prstGeom prst="rect">
-            <a:avLst/>
-          </a:prstGeom>
-          <a:noFill/>
-          <a:ln>
-            <a:noFill/>
-          </a:ln>
-        </p:spPr>
-        <p:txBody>
-          <a:bodyPr lIns="91425" tIns="45700" rIns="91425" bIns="45700" anchor="ctr" anchorCtr="0">
-            <a:noAutofit/>
-          </a:bodyPr>
-          <a:lstStyle/>
-          <a:p>
-            <a:pPr marL="0" marR="0" lvl="0" indent="0" algn="r" rtl="0">
-              <a:lnSpc>
-                <a:spcPct val="90000"/>
-              </a:lnSpc>
-              <a:spcBef>
-                <a:spcPts val="0"/>
-              </a:spcBef>
-              <a:buClr>
-                <a:schemeClr val="dk1"/>
-              </a:buClr>
-              <a:buSzPct val="25000"/>
-              <a:buFont typeface="Century Gothic"/>
-              <a:buNone/>
-            </a:pPr>
-            <a:r>
-              <a:rPr lang="nl-NL" sz="4000" b="0" i="0" u="none" strike="noStrike" cap="none" dirty="0">
-                <a:solidFill>
-                  <a:schemeClr val="dk1"/>
-                </a:solidFill>
-                <a:latin typeface="Century Gothic"/>
-                <a:ea typeface="Century Gothic"/>
-                <a:cs typeface="Century Gothic"/>
-                <a:sym typeface="Century Gothic"/>
-              </a:rPr>
-              <a:t>BARNES-HUT VOOR BOTSINGEN</a:t>
-            </a:r>
-          </a:p>
-        </p:txBody>
-      </p:sp>
-      <p:pic>
-        <p:nvPicPr>
-          <p:cNvPr id="187" name="Shape 187"/>
-          <p:cNvPicPr preferRelativeResize="0"/>
-          <p:nvPr/>
-        </p:nvPicPr>
-        <p:blipFill rotWithShape="1">
-          <a:blip r:embed="rId4">
-            <a:alphaModFix/>
-          </a:blip>
-          <a:srcRect/>
-          <a:stretch/>
-        </p:blipFill>
-        <p:spPr>
-          <a:xfrm>
-            <a:off x="4307441" y="5140371"/>
-            <a:ext cx="2809476" cy="1717628"/>
-          </a:xfrm>
-          <a:prstGeom prst="rect">
-            <a:avLst/>
-          </a:prstGeom>
-          <a:noFill/>
-          <a:ln>
-            <a:noFill/>
-          </a:ln>
-        </p:spPr>
-      </p:pic>
-      <p:sp>
-        <p:nvSpPr>
-          <p:cNvPr id="188" name="Shape 188"/>
-          <p:cNvSpPr/>
-          <p:nvPr/>
-        </p:nvSpPr>
-        <p:spPr>
-          <a:xfrm>
-            <a:off x="9985750" y="4148175"/>
-            <a:ext cx="411900" cy="153600"/>
-          </a:xfrm>
-          <a:prstGeom prst="rect">
-            <a:avLst/>
-          </a:prstGeom>
-          <a:noFill/>
-          <a:ln w="19050" cap="flat" cmpd="sng">
-            <a:solidFill>
-              <a:srgbClr val="FF0000"/>
-            </a:solidFill>
-            <a:prstDash val="solid"/>
-            <a:round/>
-            <a:headEnd type="none" w="med" len="med"/>
-            <a:tailEnd type="none" w="med" len="med"/>
-          </a:ln>
-        </p:spPr>
-        <p:txBody>
-          <a:bodyPr lIns="91425" tIns="91425" rIns="91425" bIns="91425" anchor="ctr" anchorCtr="0">
-            <a:noAutofit/>
-          </a:bodyPr>
-          <a:lstStyle/>
-          <a:p>
-            <a:pPr lvl="0">
-              <a:spcBef>
-                <a:spcPts val="0"/>
-              </a:spcBef>
-              <a:buNone/>
-            </a:pPr>
-            <a:endParaRPr dirty="0"/>
-          </a:p>
-        </p:txBody>
-      </p:sp>
-      <p:sp>
-        <p:nvSpPr>
-          <p:cNvPr id="189" name="Shape 189"/>
-          <p:cNvSpPr/>
-          <p:nvPr/>
-        </p:nvSpPr>
-        <p:spPr>
-          <a:xfrm>
-            <a:off x="9838125" y="4012400"/>
-            <a:ext cx="265500" cy="426300"/>
-          </a:xfrm>
-          <a:prstGeom prst="rect">
-            <a:avLst/>
-          </a:prstGeom>
-          <a:noFill/>
-          <a:ln w="19050" cap="flat" cmpd="sng">
-            <a:solidFill>
-              <a:srgbClr val="FF0000"/>
-            </a:solidFill>
-            <a:prstDash val="solid"/>
-            <a:round/>
-            <a:headEnd type="none" w="med" len="med"/>
-            <a:tailEnd type="none" w="med" len="med"/>
-          </a:ln>
-        </p:spPr>
-        <p:txBody>
-          <a:bodyPr lIns="91425" tIns="91425" rIns="91425" bIns="91425" anchor="ctr" anchorCtr="0">
-            <a:noAutofit/>
-          </a:bodyPr>
-          <a:lstStyle/>
-          <a:p>
-            <a:pPr lvl="0" rtl="0">
-              <a:spcBef>
-                <a:spcPts val="0"/>
-              </a:spcBef>
-              <a:buNone/>
-            </a:pPr>
-            <a:endParaRPr dirty="0"/>
-          </a:p>
-        </p:txBody>
-      </p:sp>
-      <p:sp>
-        <p:nvSpPr>
-          <p:cNvPr id="190" name="Shape 190"/>
-          <p:cNvSpPr/>
-          <p:nvPr/>
-        </p:nvSpPr>
-        <p:spPr>
-          <a:xfrm>
-            <a:off x="11091875" y="3752850"/>
-            <a:ext cx="195300" cy="359400"/>
-          </a:xfrm>
-          <a:prstGeom prst="rect">
-            <a:avLst/>
-          </a:prstGeom>
-          <a:noFill/>
-          <a:ln w="19050" cap="flat" cmpd="sng">
-            <a:solidFill>
-              <a:srgbClr val="FF0000"/>
-            </a:solidFill>
-            <a:prstDash val="solid"/>
-            <a:round/>
-            <a:headEnd type="none" w="med" len="med"/>
-            <a:tailEnd type="none" w="med" len="med"/>
-          </a:ln>
-        </p:spPr>
-        <p:txBody>
-          <a:bodyPr lIns="91425" tIns="91425" rIns="91425" bIns="91425" anchor="ctr" anchorCtr="0">
-            <a:noAutofit/>
-          </a:bodyPr>
-          <a:lstStyle/>
-          <a:p>
-            <a:pPr lvl="0" rtl="0">
-              <a:spcBef>
-                <a:spcPts val="0"/>
-              </a:spcBef>
-              <a:buNone/>
-            </a:pPr>
-            <a:endParaRPr dirty="0"/>
-          </a:p>
-        </p:txBody>
-      </p:sp>
-      <p:sp>
-        <p:nvSpPr>
-          <p:cNvPr id="191" name="Shape 191"/>
-          <p:cNvSpPr/>
-          <p:nvPr/>
-        </p:nvSpPr>
-        <p:spPr>
-          <a:xfrm>
-            <a:off x="9335750" y="4438650"/>
-            <a:ext cx="75000" cy="210900"/>
-          </a:xfrm>
-          <a:prstGeom prst="rect">
-            <a:avLst/>
-          </a:prstGeom>
-          <a:noFill/>
-          <a:ln w="19050" cap="flat" cmpd="sng">
-            <a:solidFill>
-              <a:srgbClr val="FF0000"/>
-            </a:solidFill>
-            <a:prstDash val="solid"/>
-            <a:round/>
-            <a:headEnd type="none" w="med" len="med"/>
-            <a:tailEnd type="none" w="med" len="med"/>
-          </a:ln>
-        </p:spPr>
-        <p:txBody>
-          <a:bodyPr lIns="91425" tIns="91425" rIns="91425" bIns="91425" anchor="ctr" anchorCtr="0">
-            <a:noAutofit/>
-          </a:bodyPr>
-          <a:lstStyle/>
-          <a:p>
-            <a:pPr lvl="0" rtl="0">
-              <a:spcBef>
-                <a:spcPts val="0"/>
-              </a:spcBef>
-              <a:buNone/>
-            </a:pPr>
-            <a:endParaRPr dirty="0"/>
-          </a:p>
-        </p:txBody>
-      </p:sp>
-      <p:sp>
-        <p:nvSpPr>
-          <p:cNvPr id="192" name="Shape 192"/>
-          <p:cNvSpPr/>
-          <p:nvPr/>
-        </p:nvSpPr>
-        <p:spPr>
-          <a:xfrm>
-            <a:off x="10252450" y="5222100"/>
-            <a:ext cx="145200" cy="278700"/>
-          </a:xfrm>
-          <a:prstGeom prst="rect">
-            <a:avLst/>
-          </a:prstGeom>
-          <a:noFill/>
-          <a:ln w="19050" cap="flat" cmpd="sng">
-            <a:solidFill>
-              <a:srgbClr val="FF0000"/>
-            </a:solidFill>
-            <a:prstDash val="solid"/>
-            <a:round/>
-            <a:headEnd type="none" w="med" len="med"/>
-            <a:tailEnd type="none" w="med" len="med"/>
-          </a:ln>
-        </p:spPr>
-        <p:txBody>
-          <a:bodyPr lIns="91425" tIns="91425" rIns="91425" bIns="91425" anchor="ctr" anchorCtr="0">
-            <a:noAutofit/>
-          </a:bodyPr>
-          <a:lstStyle/>
-          <a:p>
-            <a:pPr lvl="0" rtl="0">
-              <a:spcBef>
-                <a:spcPts val="0"/>
-              </a:spcBef>
-              <a:buNone/>
-            </a:pPr>
-            <a:endParaRPr dirty="0"/>
-          </a:p>
-        </p:txBody>
-      </p:sp>
-      <p:sp>
-        <p:nvSpPr>
-          <p:cNvPr id="193" name="Shape 193"/>
-          <p:cNvSpPr/>
-          <p:nvPr/>
-        </p:nvSpPr>
-        <p:spPr>
-          <a:xfrm>
-            <a:off x="10452475" y="5242425"/>
-            <a:ext cx="163200" cy="109500"/>
-          </a:xfrm>
-          <a:prstGeom prst="rect">
-            <a:avLst/>
-          </a:prstGeom>
-          <a:noFill/>
-          <a:ln w="19050" cap="flat" cmpd="sng">
-            <a:solidFill>
-              <a:srgbClr val="FF0000"/>
-            </a:solidFill>
-            <a:prstDash val="solid"/>
-            <a:round/>
-            <a:headEnd type="none" w="med" len="med"/>
-            <a:tailEnd type="none" w="med" len="med"/>
-          </a:ln>
-        </p:spPr>
-        <p:txBody>
-          <a:bodyPr lIns="91425" tIns="91425" rIns="91425" bIns="91425" anchor="ctr" anchorCtr="0">
-            <a:noAutofit/>
-          </a:bodyPr>
-          <a:lstStyle/>
-          <a:p>
-            <a:pPr lvl="0" rtl="0">
-              <a:spcBef>
-                <a:spcPts val="0"/>
-              </a:spcBef>
-              <a:buNone/>
-            </a:pPr>
-            <a:endParaRPr dirty="0"/>
-          </a:p>
-        </p:txBody>
-      </p:sp>
-      <p:sp>
-        <p:nvSpPr>
-          <p:cNvPr id="194" name="Shape 194"/>
-          <p:cNvSpPr/>
-          <p:nvPr/>
-        </p:nvSpPr>
-        <p:spPr>
-          <a:xfrm>
-            <a:off x="9436900" y="5710250"/>
-            <a:ext cx="237000" cy="79800"/>
-          </a:xfrm>
-          <a:prstGeom prst="rect">
-            <a:avLst/>
-          </a:prstGeom>
-          <a:noFill/>
-          <a:ln w="19050" cap="flat" cmpd="sng">
-            <a:solidFill>
-              <a:srgbClr val="FF0000"/>
-            </a:solidFill>
-            <a:prstDash val="solid"/>
-            <a:round/>
-            <a:headEnd type="none" w="med" len="med"/>
-            <a:tailEnd type="none" w="med" len="med"/>
-          </a:ln>
-        </p:spPr>
-        <p:txBody>
-          <a:bodyPr lIns="91425" tIns="91425" rIns="91425" bIns="91425" anchor="ctr" anchorCtr="0">
-            <a:noAutofit/>
-          </a:bodyPr>
-          <a:lstStyle/>
-          <a:p>
-            <a:pPr lvl="0" rtl="0">
-              <a:spcBef>
-                <a:spcPts val="0"/>
-              </a:spcBef>
-              <a:buNone/>
-            </a:pPr>
-            <a:endParaRPr dirty="0"/>
-          </a:p>
-        </p:txBody>
-      </p:sp>
-      <p:sp>
-        <p:nvSpPr>
-          <p:cNvPr id="195" name="Shape 195"/>
-          <p:cNvSpPr/>
-          <p:nvPr/>
-        </p:nvSpPr>
-        <p:spPr>
-          <a:xfrm>
-            <a:off x="7871225" y="5057825"/>
-            <a:ext cx="163200" cy="359400"/>
-          </a:xfrm>
-          <a:prstGeom prst="rect">
-            <a:avLst/>
-          </a:prstGeom>
-          <a:noFill/>
-          <a:ln w="19050" cap="flat" cmpd="sng">
-            <a:solidFill>
-              <a:srgbClr val="FF0000"/>
-            </a:solidFill>
-            <a:prstDash val="solid"/>
-            <a:round/>
-            <a:headEnd type="none" w="med" len="med"/>
-            <a:tailEnd type="none" w="med" len="med"/>
-          </a:ln>
-        </p:spPr>
-        <p:txBody>
-          <a:bodyPr lIns="91425" tIns="91425" rIns="91425" bIns="91425" anchor="ctr" anchorCtr="0">
-            <a:noAutofit/>
-          </a:bodyPr>
-          <a:lstStyle/>
-          <a:p>
-            <a:pPr lvl="0" rtl="0">
-              <a:spcBef>
-                <a:spcPts val="0"/>
-              </a:spcBef>
-              <a:buNone/>
-            </a:pPr>
-            <a:endParaRPr dirty="0"/>
-          </a:p>
-        </p:txBody>
-      </p:sp>
-      <p:sp>
-        <p:nvSpPr>
-          <p:cNvPr id="196" name="Shape 196"/>
-          <p:cNvSpPr/>
-          <p:nvPr/>
-        </p:nvSpPr>
-        <p:spPr>
-          <a:xfrm>
-            <a:off x="7871225" y="5057825"/>
-            <a:ext cx="183300" cy="359400"/>
-          </a:xfrm>
-          <a:prstGeom prst="rect">
-            <a:avLst/>
-          </a:prstGeom>
-          <a:noFill/>
-          <a:ln w="19050" cap="flat" cmpd="sng">
-            <a:solidFill>
-              <a:srgbClr val="FF0000"/>
-            </a:solidFill>
-            <a:prstDash val="solid"/>
-            <a:round/>
-            <a:headEnd type="none" w="med" len="med"/>
-            <a:tailEnd type="none" w="med" len="med"/>
-          </a:ln>
-        </p:spPr>
-        <p:txBody>
-          <a:bodyPr lIns="91425" tIns="91425" rIns="91425" bIns="91425" anchor="ctr" anchorCtr="0">
-            <a:noAutofit/>
-          </a:bodyPr>
-          <a:lstStyle/>
-          <a:p>
-            <a:pPr lvl="0" rtl="0">
-              <a:spcBef>
-                <a:spcPts val="0"/>
-              </a:spcBef>
-              <a:buNone/>
-            </a:pPr>
-            <a:endParaRPr dirty="0"/>
-          </a:p>
-        </p:txBody>
-      </p:sp>
-      <p:sp>
-        <p:nvSpPr>
-          <p:cNvPr id="197" name="Shape 197"/>
-          <p:cNvSpPr/>
-          <p:nvPr/>
-        </p:nvSpPr>
-        <p:spPr>
-          <a:xfrm>
-            <a:off x="8846200" y="3052775"/>
-            <a:ext cx="131100" cy="128700"/>
-          </a:xfrm>
-          <a:prstGeom prst="rect">
-            <a:avLst/>
-          </a:prstGeom>
-          <a:noFill/>
-          <a:ln w="19050" cap="flat" cmpd="sng">
-            <a:solidFill>
-              <a:srgbClr val="FF0000"/>
-            </a:solidFill>
-            <a:prstDash val="solid"/>
-            <a:round/>
-            <a:headEnd type="none" w="med" len="med"/>
-            <a:tailEnd type="none" w="med" len="med"/>
-          </a:ln>
-        </p:spPr>
-        <p:txBody>
-          <a:bodyPr lIns="91425" tIns="91425" rIns="91425" bIns="91425" anchor="ctr" anchorCtr="0">
-            <a:noAutofit/>
-          </a:bodyPr>
-          <a:lstStyle/>
-          <a:p>
-            <a:pPr lvl="0" rtl="0">
-              <a:spcBef>
-                <a:spcPts val="0"/>
-              </a:spcBef>
-              <a:buNone/>
-            </a:pPr>
-            <a:endParaRPr dirty="0"/>
-          </a:p>
-        </p:txBody>
-      </p:sp>
-      <p:sp>
-        <p:nvSpPr>
-          <p:cNvPr id="198" name="Shape 198"/>
-          <p:cNvSpPr/>
-          <p:nvPr/>
-        </p:nvSpPr>
-        <p:spPr>
-          <a:xfrm>
-            <a:off x="9479600" y="3114675"/>
-            <a:ext cx="145200" cy="178500"/>
-          </a:xfrm>
-          <a:prstGeom prst="rect">
-            <a:avLst/>
-          </a:prstGeom>
-          <a:noFill/>
-          <a:ln w="19050" cap="flat" cmpd="sng">
-            <a:solidFill>
-              <a:srgbClr val="FF0000"/>
-            </a:solidFill>
-            <a:prstDash val="solid"/>
-            <a:round/>
-            <a:headEnd type="none" w="med" len="med"/>
-            <a:tailEnd type="none" w="med" len="med"/>
-          </a:ln>
-        </p:spPr>
-        <p:txBody>
-          <a:bodyPr lIns="91425" tIns="91425" rIns="91425" bIns="91425" anchor="ctr" anchorCtr="0">
-            <a:noAutofit/>
-          </a:bodyPr>
-          <a:lstStyle/>
-          <a:p>
-            <a:pPr lvl="0" rtl="0">
-              <a:spcBef>
-                <a:spcPts val="0"/>
-              </a:spcBef>
-              <a:buNone/>
-            </a:pPr>
-            <a:endParaRPr dirty="0"/>
-          </a:p>
-        </p:txBody>
-      </p:sp>
-      <p:sp>
-        <p:nvSpPr>
-          <p:cNvPr id="199" name="Shape 199"/>
-          <p:cNvSpPr/>
-          <p:nvPr/>
-        </p:nvSpPr>
-        <p:spPr>
-          <a:xfrm>
-            <a:off x="9985750" y="2800350"/>
-            <a:ext cx="584400" cy="252300"/>
-          </a:xfrm>
-          <a:prstGeom prst="rect">
-            <a:avLst/>
-          </a:prstGeom>
-          <a:noFill/>
-          <a:ln w="19050" cap="flat" cmpd="sng">
-            <a:solidFill>
-              <a:srgbClr val="FF0000"/>
-            </a:solidFill>
-            <a:prstDash val="solid"/>
-            <a:round/>
-            <a:headEnd type="none" w="med" len="med"/>
-            <a:tailEnd type="none" w="med" len="med"/>
-          </a:ln>
-        </p:spPr>
-        <p:txBody>
-          <a:bodyPr lIns="91425" tIns="91425" rIns="91425" bIns="91425" anchor="ctr" anchorCtr="0">
-            <a:noAutofit/>
-          </a:bodyPr>
-          <a:lstStyle/>
-          <a:p>
-            <a:pPr lvl="0" rtl="0">
-              <a:spcBef>
-                <a:spcPts val="0"/>
-              </a:spcBef>
-              <a:buNone/>
-            </a:pPr>
-            <a:endParaRPr dirty="0"/>
-          </a:p>
-        </p:txBody>
-      </p:sp>
-      <p:sp>
-        <p:nvSpPr>
-          <p:cNvPr id="200" name="Shape 200"/>
-          <p:cNvSpPr/>
-          <p:nvPr/>
-        </p:nvSpPr>
-        <p:spPr>
-          <a:xfrm>
-            <a:off x="8834300" y="2531300"/>
-            <a:ext cx="183300" cy="66600"/>
-          </a:xfrm>
-          <a:prstGeom prst="rect">
-            <a:avLst/>
-          </a:prstGeom>
-          <a:noFill/>
-          <a:ln w="19050" cap="flat" cmpd="sng">
-            <a:solidFill>
-              <a:srgbClr val="FF0000"/>
-            </a:solidFill>
-            <a:prstDash val="solid"/>
-            <a:round/>
-            <a:headEnd type="none" w="med" len="med"/>
-            <a:tailEnd type="none" w="med" len="med"/>
-          </a:ln>
-        </p:spPr>
-        <p:txBody>
-          <a:bodyPr lIns="91425" tIns="91425" rIns="91425" bIns="91425" anchor="ctr" anchorCtr="0">
-            <a:noAutofit/>
-          </a:bodyPr>
-          <a:lstStyle/>
-          <a:p>
-            <a:pPr lvl="0" rtl="0">
-              <a:spcBef>
-                <a:spcPts val="0"/>
-              </a:spcBef>
-              <a:buNone/>
-            </a:pPr>
-            <a:endParaRPr dirty="0"/>
-          </a:p>
-        </p:txBody>
-      </p:sp>
-      <p:sp>
-        <p:nvSpPr>
-          <p:cNvPr id="201" name="Shape 201"/>
-          <p:cNvSpPr/>
-          <p:nvPr/>
-        </p:nvSpPr>
-        <p:spPr>
-          <a:xfrm>
-            <a:off x="9223500" y="2405100"/>
-            <a:ext cx="237000" cy="109500"/>
-          </a:xfrm>
-          <a:prstGeom prst="rect">
-            <a:avLst/>
-          </a:prstGeom>
-          <a:noFill/>
-          <a:ln w="19050" cap="flat" cmpd="sng">
-            <a:solidFill>
-              <a:srgbClr val="FF0000"/>
-            </a:solidFill>
-            <a:prstDash val="solid"/>
-            <a:round/>
-            <a:headEnd type="none" w="med" len="med"/>
-            <a:tailEnd type="none" w="med" len="med"/>
-          </a:ln>
-        </p:spPr>
-        <p:txBody>
-          <a:bodyPr lIns="91425" tIns="91425" rIns="91425" bIns="91425" anchor="ctr" anchorCtr="0">
-            <a:noAutofit/>
-          </a:bodyPr>
-          <a:lstStyle/>
-          <a:p>
-            <a:pPr lvl="0" rtl="0">
-              <a:spcBef>
-                <a:spcPts val="0"/>
-              </a:spcBef>
-              <a:buNone/>
-            </a:pPr>
-            <a:endParaRPr dirty="0"/>
-          </a:p>
-        </p:txBody>
-      </p:sp>
-      <p:sp>
-        <p:nvSpPr>
-          <p:cNvPr id="202" name="Shape 202"/>
-          <p:cNvSpPr/>
-          <p:nvPr/>
-        </p:nvSpPr>
-        <p:spPr>
-          <a:xfrm>
-            <a:off x="8034425" y="3082775"/>
-            <a:ext cx="395100" cy="252300"/>
-          </a:xfrm>
-          <a:prstGeom prst="rect">
-            <a:avLst/>
-          </a:prstGeom>
-          <a:noFill/>
-          <a:ln w="19050" cap="flat" cmpd="sng">
-            <a:solidFill>
-              <a:srgbClr val="FF0000"/>
-            </a:solidFill>
-            <a:prstDash val="solid"/>
-            <a:round/>
-            <a:headEnd type="none" w="med" len="med"/>
-            <a:tailEnd type="none" w="med" len="med"/>
-          </a:ln>
-        </p:spPr>
-        <p:txBody>
-          <a:bodyPr lIns="91425" tIns="91425" rIns="91425" bIns="91425" anchor="ctr" anchorCtr="0">
-            <a:noAutofit/>
-          </a:bodyPr>
-          <a:lstStyle/>
-          <a:p>
-            <a:pPr lvl="0" rtl="0">
-              <a:spcBef>
-                <a:spcPts val="0"/>
-              </a:spcBef>
-              <a:buNone/>
-            </a:pPr>
-            <a:endParaRPr dirty="0"/>
-          </a:p>
-        </p:txBody>
-      </p:sp>
-      <p:cxnSp>
-        <p:nvCxnSpPr>
-          <p:cNvPr id="203" name="Shape 203"/>
-          <p:cNvCxnSpPr/>
-          <p:nvPr/>
-        </p:nvCxnSpPr>
-        <p:spPr>
-          <a:xfrm flipH="1">
-            <a:off x="10149400" y="3826675"/>
-            <a:ext cx="201900" cy="304500"/>
-          </a:xfrm>
-          <a:prstGeom prst="straightConnector1">
-            <a:avLst/>
-          </a:prstGeom>
-          <a:noFill/>
-          <a:ln w="9525" cap="flat" cmpd="sng">
-            <a:solidFill>
-              <a:srgbClr val="38761D"/>
-            </a:solidFill>
-            <a:prstDash val="solid"/>
-            <a:round/>
-            <a:headEnd type="none" w="lg" len="lg"/>
-            <a:tailEnd type="triangle" w="lg" len="lg"/>
-          </a:ln>
-        </p:spPr>
-      </p:cxnSp>
-      <p:sp>
-        <p:nvSpPr>
-          <p:cNvPr id="204" name="Shape 204"/>
-          <p:cNvSpPr txBox="1"/>
-          <p:nvPr/>
-        </p:nvSpPr>
-        <p:spPr>
-          <a:xfrm>
-            <a:off x="10058964" y="2962912"/>
-            <a:ext cx="1342065" cy="549900"/>
-          </a:xfrm>
-          <a:prstGeom prst="rect">
-            <a:avLst/>
-          </a:prstGeom>
-          <a:noFill/>
-          <a:ln>
-            <a:noFill/>
-          </a:ln>
-        </p:spPr>
-        <p:txBody>
-          <a:bodyPr lIns="91425" tIns="91425" rIns="91425" bIns="91425" anchor="t" anchorCtr="0">
-            <a:noAutofit/>
-          </a:bodyPr>
-          <a:lstStyle/>
-          <a:p>
-            <a:pPr lvl="0">
-              <a:spcBef>
-                <a:spcPts val="0"/>
-              </a:spcBef>
-              <a:buNone/>
-            </a:pPr>
-            <a:r>
-              <a:rPr lang="nl-NL" dirty="0"/>
-              <a:t>overlap, geen botsing</a:t>
-            </a:r>
-          </a:p>
-        </p:txBody>
-      </p:sp>
-      <p:cxnSp>
-        <p:nvCxnSpPr>
-          <p:cNvPr id="205" name="Shape 205"/>
-          <p:cNvCxnSpPr/>
-          <p:nvPr/>
-        </p:nvCxnSpPr>
-        <p:spPr>
-          <a:xfrm flipH="1">
-            <a:off x="8034425" y="4693450"/>
-            <a:ext cx="201900" cy="304500"/>
-          </a:xfrm>
-          <a:prstGeom prst="straightConnector1">
-            <a:avLst/>
-          </a:prstGeom>
-          <a:noFill/>
-          <a:ln w="9525" cap="flat" cmpd="sng">
-            <a:solidFill>
-              <a:srgbClr val="FF0000"/>
-            </a:solidFill>
-            <a:prstDash val="solid"/>
-            <a:round/>
-            <a:headEnd type="none" w="lg" len="lg"/>
-            <a:tailEnd type="triangle" w="lg" len="lg"/>
-          </a:ln>
-        </p:spPr>
-      </p:cxnSp>
-      <p:sp>
-        <p:nvSpPr>
-          <p:cNvPr id="206" name="Shape 206"/>
-          <p:cNvSpPr txBox="1"/>
-          <p:nvPr/>
-        </p:nvSpPr>
-        <p:spPr>
-          <a:xfrm>
-            <a:off x="7804064" y="4097950"/>
-            <a:ext cx="1130950" cy="495300"/>
-          </a:xfrm>
-          <a:prstGeom prst="rect">
-            <a:avLst/>
-          </a:prstGeom>
-          <a:noFill/>
-          <a:ln>
-            <a:noFill/>
-          </a:ln>
-        </p:spPr>
-        <p:txBody>
-          <a:bodyPr lIns="91425" tIns="91425" rIns="91425" bIns="91425" anchor="t" anchorCtr="0">
-            <a:noAutofit/>
-          </a:bodyPr>
-          <a:lstStyle/>
-          <a:p>
-            <a:pPr lvl="0">
-              <a:spcBef>
-                <a:spcPts val="0"/>
-              </a:spcBef>
-              <a:buNone/>
-            </a:pPr>
-            <a:r>
-              <a:rPr lang="nl-NL" dirty="0"/>
-              <a:t>overlap, botsing</a:t>
-            </a:r>
-          </a:p>
-        </p:txBody>
-      </p:sp>
-      <p:sp>
-        <p:nvSpPr>
-          <p:cNvPr id="207" name="Shape 207"/>
-          <p:cNvSpPr/>
-          <p:nvPr/>
-        </p:nvSpPr>
-        <p:spPr>
-          <a:xfrm>
-            <a:off x="8034425" y="2405100"/>
-            <a:ext cx="1590300" cy="930000"/>
-          </a:xfrm>
-          <a:prstGeom prst="rect">
-            <a:avLst/>
-          </a:prstGeom>
-          <a:noFill/>
-          <a:ln w="19050" cap="flat" cmpd="sng">
-            <a:solidFill>
-              <a:srgbClr val="FFFF00"/>
-            </a:solidFill>
-            <a:prstDash val="solid"/>
-            <a:round/>
-            <a:headEnd type="none" w="med" len="med"/>
-            <a:tailEnd type="none" w="med" len="med"/>
-          </a:ln>
-        </p:spPr>
-        <p:txBody>
-          <a:bodyPr lIns="91425" tIns="91425" rIns="91425" bIns="91425" anchor="ctr" anchorCtr="0">
-            <a:noAutofit/>
-          </a:bodyPr>
-          <a:lstStyle/>
-          <a:p>
-            <a:pPr lvl="0" rtl="0">
-              <a:spcBef>
-                <a:spcPts val="0"/>
-              </a:spcBef>
-              <a:buNone/>
-            </a:pPr>
-            <a:endParaRPr dirty="0"/>
-          </a:p>
-        </p:txBody>
-      </p:sp>
-      <p:sp>
-        <p:nvSpPr>
-          <p:cNvPr id="208" name="Shape 208"/>
-          <p:cNvSpPr txBox="1"/>
-          <p:nvPr/>
-        </p:nvSpPr>
-        <p:spPr>
-          <a:xfrm>
-            <a:off x="5956625" y="1932450"/>
-            <a:ext cx="1914600" cy="1054800"/>
-          </a:xfrm>
-          <a:prstGeom prst="rect">
-            <a:avLst/>
-          </a:prstGeom>
-          <a:noFill/>
-          <a:ln>
-            <a:noFill/>
-          </a:ln>
-        </p:spPr>
-        <p:txBody>
-          <a:bodyPr lIns="91425" tIns="91425" rIns="91425" bIns="91425" anchor="t" anchorCtr="0">
-            <a:noAutofit/>
-          </a:bodyPr>
-          <a:lstStyle/>
-          <a:p>
-            <a:pPr lvl="0">
-              <a:spcBef>
-                <a:spcPts val="0"/>
-              </a:spcBef>
-              <a:buNone/>
-            </a:pPr>
-            <a:r>
-              <a:rPr lang="nl-NL" dirty="0"/>
-              <a:t>geel: grens van noordwest kwadrant</a:t>
-            </a:r>
-          </a:p>
-        </p:txBody>
-      </p:sp>
-      <p:sp>
-        <p:nvSpPr>
-          <p:cNvPr id="27" name="Tijdelijke aanduiding voor inhoud 2"/>
-          <p:cNvSpPr txBox="1">
-            <a:spLocks/>
-          </p:cNvSpPr>
-          <p:nvPr/>
-        </p:nvSpPr>
-        <p:spPr>
-          <a:xfrm>
-            <a:off x="685800" y="2194560"/>
-            <a:ext cx="5731675" cy="4024125"/>
-          </a:xfrm>
-          <a:prstGeom prst="rect">
-            <a:avLst/>
-          </a:prstGeom>
-        </p:spPr>
-        <p:txBody>
-          <a:bodyPr vert="horz" lIns="91440" tIns="45720" rIns="91440" bIns="45720" rtlCol="0">
-            <a:normAutofit/>
-          </a:bodyPr>
-          <a:lstStyle>
-            <a:lvl1pPr marL="228600" indent="-228600" algn="l" defTabSz="914400" rtl="0" eaLnBrk="1" latinLnBrk="0" hangingPunct="1">
-              <a:lnSpc>
-                <a:spcPct val="90000"/>
-              </a:lnSpc>
-              <a:spcBef>
-                <a:spcPts val="1000"/>
-              </a:spcBef>
-              <a:buFont typeface="Arial" panose="020B0604020202020204" pitchFamily="34" charset="0"/>
-              <a:buChar char="•"/>
-              <a:defRPr sz="2200" kern="1200">
-                <a:solidFill>
-                  <a:schemeClr val="tx1"/>
-                </a:solidFill>
-                <a:latin typeface="+mn-lt"/>
-                <a:ea typeface="+mn-ea"/>
-                <a:cs typeface="+mn-cs"/>
-              </a:defRPr>
-            </a:lvl1pPr>
-            <a:lvl2pPr marL="685800" indent="-228600" algn="l" defTabSz="914400" rtl="0" eaLnBrk="1" latinLnBrk="0" hangingPunct="1">
-              <a:lnSpc>
-                <a:spcPct val="90000"/>
-              </a:lnSpc>
-              <a:spcBef>
-                <a:spcPts val="500"/>
-              </a:spcBef>
-              <a:buFont typeface="Arial" panose="020B0604020202020204" pitchFamily="34" charset="0"/>
-              <a:buChar char="•"/>
-              <a:defRPr sz="2000" kern="1200">
-                <a:solidFill>
-                  <a:schemeClr val="tx1"/>
-                </a:solidFill>
-                <a:latin typeface="+mn-lt"/>
-                <a:ea typeface="+mn-ea"/>
-                <a:cs typeface="+mn-cs"/>
-              </a:defRPr>
-            </a:lvl2pPr>
-            <a:lvl3pPr marL="1143000" indent="-228600" algn="l" defTabSz="914400" rtl="0" eaLnBrk="1" latinLnBrk="0" hangingPunct="1">
-              <a:lnSpc>
-                <a:spcPct val="90000"/>
-              </a:lnSpc>
-              <a:spcBef>
-                <a:spcPts val="500"/>
-              </a:spcBef>
-              <a:buFont typeface="Arial" panose="020B0604020202020204" pitchFamily="34" charset="0"/>
-              <a:buChar char="•"/>
-              <a:defRPr sz="1800" kern="1200">
-                <a:solidFill>
-                  <a:schemeClr val="tx1"/>
-                </a:solidFill>
-                <a:latin typeface="+mn-lt"/>
-                <a:ea typeface="+mn-ea"/>
-                <a:cs typeface="+mn-cs"/>
-              </a:defRPr>
-            </a:lvl3pPr>
-            <a:lvl4pPr marL="1600200" indent="-228600" algn="l" defTabSz="914400" rtl="0" eaLnBrk="1" latinLnBrk="0" hangingPunct="1">
-              <a:lnSpc>
-                <a:spcPct val="90000"/>
-              </a:lnSpc>
-              <a:spcBef>
-                <a:spcPts val="500"/>
-              </a:spcBef>
-              <a:buFont typeface="Arial" panose="020B0604020202020204" pitchFamily="34" charset="0"/>
-              <a:buChar char="•"/>
-              <a:defRPr sz="1600" kern="1200">
-                <a:solidFill>
-                  <a:schemeClr val="tx1"/>
-                </a:solidFill>
-                <a:latin typeface="+mn-lt"/>
-                <a:ea typeface="+mn-ea"/>
-                <a:cs typeface="+mn-cs"/>
-              </a:defRPr>
-            </a:lvl4pPr>
-            <a:lvl5pPr marL="2057400" indent="-228600" algn="l" defTabSz="914400" rtl="0" eaLnBrk="1" latinLnBrk="0" hangingPunct="1">
-              <a:lnSpc>
-                <a:spcPct val="90000"/>
-              </a:lnSpc>
-              <a:spcBef>
-                <a:spcPts val="500"/>
-              </a:spcBef>
-              <a:buFont typeface="Arial" panose="020B0604020202020204" pitchFamily="34" charset="0"/>
-              <a:buChar char="•"/>
-              <a:defRPr sz="1600" kern="1200">
-                <a:solidFill>
-                  <a:schemeClr val="tx1"/>
-                </a:solidFill>
-                <a:latin typeface="+mn-lt"/>
-                <a:ea typeface="+mn-ea"/>
-                <a:cs typeface="+mn-cs"/>
-              </a:defRPr>
-            </a:lvl5pPr>
-            <a:lvl6pPr marL="2514600" indent="-228600" algn="l" defTabSz="914400" rtl="0" eaLnBrk="1" latinLnBrk="0" hangingPunct="1">
-              <a:lnSpc>
-                <a:spcPct val="90000"/>
-              </a:lnSpc>
-              <a:spcBef>
-                <a:spcPts val="500"/>
-              </a:spcBef>
-              <a:buFont typeface="Arial" panose="020B0604020202020204" pitchFamily="34" charset="0"/>
-              <a:buChar char="•"/>
-              <a:defRPr sz="1600" kern="1200">
-                <a:solidFill>
-                  <a:schemeClr val="tx1"/>
-                </a:solidFill>
-                <a:latin typeface="+mn-lt"/>
-                <a:ea typeface="+mn-ea"/>
-                <a:cs typeface="+mn-cs"/>
-              </a:defRPr>
-            </a:lvl6pPr>
-            <a:lvl7pPr marL="2971800" indent="-228600" algn="l" defTabSz="914400" rtl="0" eaLnBrk="1" latinLnBrk="0" hangingPunct="1">
-              <a:lnSpc>
-                <a:spcPct val="90000"/>
-              </a:lnSpc>
-              <a:spcBef>
-                <a:spcPts val="500"/>
-              </a:spcBef>
-              <a:buFont typeface="Arial" panose="020B0604020202020204" pitchFamily="34" charset="0"/>
-              <a:buChar char="•"/>
-              <a:defRPr sz="1600" kern="1200">
-                <a:solidFill>
-                  <a:schemeClr val="tx1"/>
-                </a:solidFill>
-                <a:latin typeface="+mn-lt"/>
-                <a:ea typeface="+mn-ea"/>
-                <a:cs typeface="+mn-cs"/>
-              </a:defRPr>
-            </a:lvl7pPr>
-            <a:lvl8pPr marL="3429000" indent="-228600" algn="l" defTabSz="914400" rtl="0" eaLnBrk="1" latinLnBrk="0" hangingPunct="1">
-              <a:lnSpc>
-                <a:spcPct val="90000"/>
-              </a:lnSpc>
-              <a:spcBef>
-                <a:spcPts val="500"/>
-              </a:spcBef>
-              <a:buFont typeface="Arial" panose="020B0604020202020204" pitchFamily="34" charset="0"/>
-              <a:buChar char="•"/>
-              <a:defRPr sz="1600" kern="1200">
-                <a:solidFill>
-                  <a:schemeClr val="tx1"/>
-                </a:solidFill>
-                <a:latin typeface="+mn-lt"/>
-                <a:ea typeface="+mn-ea"/>
-                <a:cs typeface="+mn-cs"/>
-              </a:defRPr>
-            </a:lvl8pPr>
-            <a:lvl9pPr marL="3886200" indent="-228600" algn="l" defTabSz="914400" rtl="0" eaLnBrk="1" latinLnBrk="0" hangingPunct="1">
-              <a:lnSpc>
-                <a:spcPct val="90000"/>
-              </a:lnSpc>
-              <a:spcBef>
-                <a:spcPts val="500"/>
-              </a:spcBef>
-              <a:buFont typeface="Arial" panose="020B0604020202020204" pitchFamily="34" charset="0"/>
-              <a:buChar char="•"/>
-              <a:defRPr sz="1600" kern="1200">
-                <a:solidFill>
-                  <a:schemeClr val="tx1"/>
-                </a:solidFill>
-                <a:latin typeface="+mn-lt"/>
-                <a:ea typeface="+mn-ea"/>
-                <a:cs typeface="+mn-cs"/>
-              </a:defRPr>
-            </a:lvl9pPr>
-          </a:lstStyle>
-          <a:p>
-            <a:pPr lvl="0">
-              <a:spcBef>
-                <a:spcPts val="0"/>
-              </a:spcBef>
-              <a:buClr>
-                <a:schemeClr val="dk1"/>
-              </a:buClr>
-              <a:buSzPct val="100000"/>
-              <a:buFont typeface="Arial"/>
-              <a:buChar char="•"/>
-            </a:pPr>
-            <a:r>
-              <a:rPr lang="nl-NL" dirty="0">
-                <a:solidFill>
-                  <a:schemeClr val="dk1"/>
-                </a:solidFill>
-                <a:ea typeface="Century Gothic"/>
-                <a:cs typeface="Century Gothic"/>
-                <a:sym typeface="Century Gothic"/>
-              </a:rPr>
-              <a:t>Langzaam model; orde N²</a:t>
-            </a:r>
-          </a:p>
-          <a:p>
-            <a:pPr lvl="0">
-              <a:buClr>
-                <a:schemeClr val="dk1"/>
-              </a:buClr>
-              <a:buSzPct val="100000"/>
-              <a:buFont typeface="Arial"/>
-              <a:buChar char="•"/>
-            </a:pPr>
-            <a:r>
-              <a:rPr lang="nl-NL" dirty="0">
-                <a:solidFill>
-                  <a:schemeClr val="dk1"/>
-                </a:solidFill>
-                <a:ea typeface="Century Gothic"/>
-                <a:cs typeface="Century Gothic"/>
-                <a:sym typeface="Century Gothic"/>
-              </a:rPr>
-              <a:t>Rond elk deeltje rechthoek met grenzen gebaseerd op straal en snelheid</a:t>
-            </a:r>
-          </a:p>
-          <a:p>
-            <a:pPr lvl="0">
-              <a:buClr>
-                <a:schemeClr val="dk1"/>
-              </a:buClr>
-              <a:buSzPct val="100000"/>
-              <a:buFont typeface="Arial"/>
-              <a:buChar char="•"/>
-            </a:pPr>
-            <a:r>
-              <a:rPr lang="nl-NL" dirty="0">
-                <a:solidFill>
-                  <a:schemeClr val="dk1"/>
-                </a:solidFill>
-                <a:ea typeface="Century Gothic"/>
-                <a:cs typeface="Century Gothic"/>
-                <a:sym typeface="Century Gothic"/>
-              </a:rPr>
-              <a:t>Botsing mogelijk als en slechts als rechthoeken overlappen</a:t>
-            </a:r>
-          </a:p>
-          <a:p>
-            <a:pPr lvl="0">
-              <a:buClr>
-                <a:schemeClr val="dk1"/>
-              </a:buClr>
-              <a:buSzPct val="100000"/>
-              <a:buFont typeface="Arial"/>
-              <a:buChar char="•"/>
-            </a:pPr>
-            <a:r>
-              <a:rPr lang="nl-NL" dirty="0">
-                <a:solidFill>
-                  <a:schemeClr val="dk1"/>
-                </a:solidFill>
-                <a:ea typeface="Century Gothic"/>
-                <a:cs typeface="Century Gothic"/>
-                <a:sym typeface="Century Gothic"/>
-              </a:rPr>
-              <a:t>Barnes-Hut boom: minimum van de minima, maximum van de maxima</a:t>
-            </a:r>
-          </a:p>
-          <a:p>
-            <a:pPr lvl="0">
-              <a:buClr>
-                <a:schemeClr val="dk1"/>
-              </a:buClr>
-              <a:buSzPct val="100000"/>
-              <a:buFont typeface="Arial"/>
-              <a:buChar char="•"/>
-            </a:pPr>
-            <a:r>
-              <a:rPr lang="nl-NL" dirty="0">
-                <a:solidFill>
-                  <a:schemeClr val="dk1"/>
-                </a:solidFill>
-                <a:ea typeface="Century Gothic"/>
-                <a:cs typeface="Century Gothic"/>
-                <a:sym typeface="Century Gothic"/>
-              </a:rPr>
-              <a:t>Algoritme wel exact</a:t>
-            </a:r>
-          </a:p>
-          <a:p>
-            <a:pPr lvl="0">
-              <a:buClr>
-                <a:schemeClr val="dk1"/>
-              </a:buClr>
-              <a:buSzPct val="100000"/>
-              <a:buFont typeface="Arial"/>
-              <a:buChar char="•"/>
-            </a:pPr>
-            <a:r>
-              <a:rPr lang="nl-NL" dirty="0">
-                <a:solidFill>
-                  <a:schemeClr val="dk1"/>
-                </a:solidFill>
-                <a:ea typeface="Century Gothic"/>
-                <a:cs typeface="Century Gothic"/>
-                <a:sym typeface="Century Gothic"/>
-              </a:rPr>
-              <a:t>orde N· log(N)</a:t>
-            </a:r>
-            <a:endParaRPr lang="nl-NL" dirty="0"/>
-          </a:p>
-          <a:p>
-            <a:pPr marL="457200" lvl="1" indent="0">
-              <a:buFont typeface="Arial" panose="020B0604020202020204" pitchFamily="34" charset="0"/>
-              <a:buNone/>
-            </a:pPr>
-            <a:endParaRPr lang="nl-NL" dirty="0"/>
-          </a:p>
-        </p:txBody>
-      </p:sp>
-    </p:spTree>
-  </p:cSld>
-  <p:clrMapOvr>
-    <a:masterClrMapping/>
-  </p:clrMapOvr>
-</p:sld>
-</file>
-
-<file path=ppt/slides/slide8.xml><?xml version="1.0" encoding="utf-8"?>
-<p:sld xmlns:a="http://schemas.openxmlformats.org/drawingml/2006/main" xmlns:r="http://schemas.openxmlformats.org/officeDocument/2006/relationships" xmlns:p="http://schemas.openxmlformats.org/presentationml/2006/main">
-  <p:cSld>
-    <p:spTree>
-      <p:nvGrpSpPr>
-        <p:cNvPr id="1" name=""/>
-        <p:cNvGrpSpPr/>
-        <p:nvPr/>
-      </p:nvGrpSpPr>
-      <p:grpSpPr>
-        <a:xfrm>
-          <a:off x="0" y="0"/>
-          <a:ext cx="0" cy="0"/>
-          <a:chOff x="0" y="0"/>
-          <a:chExt cx="0" cy="0"/>
-        </a:xfrm>
-      </p:grpSpPr>
-      <p:sp>
-        <p:nvSpPr>
-          <p:cNvPr id="2" name="Titel 1"/>
-          <p:cNvSpPr>
-            <a:spLocks noGrp="1"/>
-          </p:cNvSpPr>
-          <p:nvPr>
-            <p:ph type="title"/>
-          </p:nvPr>
-        </p:nvSpPr>
-        <p:spPr/>
-        <p:txBody>
-          <a:bodyPr/>
-          <a:lstStyle/>
-          <a:p>
-            <a:r>
-              <a:rPr lang="nl-NL" dirty="0"/>
-              <a:t>Barnes-Hut voor botsingen</a:t>
-            </a:r>
-          </a:p>
-        </p:txBody>
-      </p:sp>
-      <p:sp>
-        <p:nvSpPr>
-          <p:cNvPr id="4" name="Tijdelijke aanduiding voor inhoud 2"/>
-          <p:cNvSpPr txBox="1">
-            <a:spLocks/>
-          </p:cNvSpPr>
-          <p:nvPr/>
-        </p:nvSpPr>
-        <p:spPr>
-          <a:xfrm>
-            <a:off x="685800" y="2194560"/>
-            <a:ext cx="6092072" cy="4024125"/>
-          </a:xfrm>
-          <a:prstGeom prst="rect">
-            <a:avLst/>
-          </a:prstGeom>
-        </p:spPr>
-        <p:txBody>
-          <a:bodyPr vert="horz" lIns="91440" tIns="45720" rIns="91440" bIns="45720" rtlCol="0">
-            <a:normAutofit/>
-          </a:bodyPr>
-          <a:lstStyle>
-            <a:lvl1pPr marL="228600" indent="-228600" algn="l" defTabSz="914400" rtl="0" eaLnBrk="1" latinLnBrk="0" hangingPunct="1">
-              <a:lnSpc>
-                <a:spcPct val="90000"/>
-              </a:lnSpc>
-              <a:spcBef>
-                <a:spcPts val="1000"/>
-              </a:spcBef>
-              <a:buFont typeface="Arial" panose="020B0604020202020204" pitchFamily="34" charset="0"/>
-              <a:buChar char="•"/>
-              <a:defRPr sz="2200" kern="1200">
-                <a:solidFill>
-                  <a:schemeClr val="tx1"/>
-                </a:solidFill>
-                <a:latin typeface="+mn-lt"/>
-                <a:ea typeface="+mn-ea"/>
-                <a:cs typeface="+mn-cs"/>
-              </a:defRPr>
-            </a:lvl1pPr>
-            <a:lvl2pPr marL="685800" indent="-228600" algn="l" defTabSz="914400" rtl="0" eaLnBrk="1" latinLnBrk="0" hangingPunct="1">
-              <a:lnSpc>
-                <a:spcPct val="90000"/>
-              </a:lnSpc>
-              <a:spcBef>
-                <a:spcPts val="500"/>
-              </a:spcBef>
-              <a:buFont typeface="Arial" panose="020B0604020202020204" pitchFamily="34" charset="0"/>
-              <a:buChar char="•"/>
-              <a:defRPr sz="2000" kern="1200">
-                <a:solidFill>
-                  <a:schemeClr val="tx1"/>
-                </a:solidFill>
-                <a:latin typeface="+mn-lt"/>
-                <a:ea typeface="+mn-ea"/>
-                <a:cs typeface="+mn-cs"/>
-              </a:defRPr>
-            </a:lvl2pPr>
-            <a:lvl3pPr marL="1143000" indent="-228600" algn="l" defTabSz="914400" rtl="0" eaLnBrk="1" latinLnBrk="0" hangingPunct="1">
-              <a:lnSpc>
-                <a:spcPct val="90000"/>
-              </a:lnSpc>
-              <a:spcBef>
-                <a:spcPts val="500"/>
-              </a:spcBef>
-              <a:buFont typeface="Arial" panose="020B0604020202020204" pitchFamily="34" charset="0"/>
-              <a:buChar char="•"/>
-              <a:defRPr sz="1800" kern="1200">
-                <a:solidFill>
-                  <a:schemeClr val="tx1"/>
-                </a:solidFill>
-                <a:latin typeface="+mn-lt"/>
-                <a:ea typeface="+mn-ea"/>
-                <a:cs typeface="+mn-cs"/>
-              </a:defRPr>
-            </a:lvl3pPr>
-            <a:lvl4pPr marL="1600200" indent="-228600" algn="l" defTabSz="914400" rtl="0" eaLnBrk="1" latinLnBrk="0" hangingPunct="1">
-              <a:lnSpc>
-                <a:spcPct val="90000"/>
-              </a:lnSpc>
-              <a:spcBef>
-                <a:spcPts val="500"/>
-              </a:spcBef>
-              <a:buFont typeface="Arial" panose="020B0604020202020204" pitchFamily="34" charset="0"/>
-              <a:buChar char="•"/>
-              <a:defRPr sz="1600" kern="1200">
-                <a:solidFill>
-                  <a:schemeClr val="tx1"/>
-                </a:solidFill>
-                <a:latin typeface="+mn-lt"/>
-                <a:ea typeface="+mn-ea"/>
-                <a:cs typeface="+mn-cs"/>
-              </a:defRPr>
-            </a:lvl4pPr>
-            <a:lvl5pPr marL="2057400" indent="-228600" algn="l" defTabSz="914400" rtl="0" eaLnBrk="1" latinLnBrk="0" hangingPunct="1">
-              <a:lnSpc>
-                <a:spcPct val="90000"/>
-              </a:lnSpc>
-              <a:spcBef>
-                <a:spcPts val="500"/>
-              </a:spcBef>
-              <a:buFont typeface="Arial" panose="020B0604020202020204" pitchFamily="34" charset="0"/>
-              <a:buChar char="•"/>
-              <a:defRPr sz="1600" kern="1200">
-                <a:solidFill>
-                  <a:schemeClr val="tx1"/>
-                </a:solidFill>
-                <a:latin typeface="+mn-lt"/>
-                <a:ea typeface="+mn-ea"/>
-                <a:cs typeface="+mn-cs"/>
-              </a:defRPr>
-            </a:lvl5pPr>
-            <a:lvl6pPr marL="2514600" indent="-228600" algn="l" defTabSz="914400" rtl="0" eaLnBrk="1" latinLnBrk="0" hangingPunct="1">
-              <a:lnSpc>
-                <a:spcPct val="90000"/>
-              </a:lnSpc>
-              <a:spcBef>
-                <a:spcPts val="500"/>
-              </a:spcBef>
-              <a:buFont typeface="Arial" panose="020B0604020202020204" pitchFamily="34" charset="0"/>
-              <a:buChar char="•"/>
-              <a:defRPr sz="1600" kern="1200">
-                <a:solidFill>
-                  <a:schemeClr val="tx1"/>
-                </a:solidFill>
-                <a:latin typeface="+mn-lt"/>
-                <a:ea typeface="+mn-ea"/>
-                <a:cs typeface="+mn-cs"/>
-              </a:defRPr>
-            </a:lvl6pPr>
-            <a:lvl7pPr marL="2971800" indent="-228600" algn="l" defTabSz="914400" rtl="0" eaLnBrk="1" latinLnBrk="0" hangingPunct="1">
-              <a:lnSpc>
-                <a:spcPct val="90000"/>
-              </a:lnSpc>
-              <a:spcBef>
-                <a:spcPts val="500"/>
-              </a:spcBef>
-              <a:buFont typeface="Arial" panose="020B0604020202020204" pitchFamily="34" charset="0"/>
-              <a:buChar char="•"/>
-              <a:defRPr sz="1600" kern="1200">
-                <a:solidFill>
-                  <a:schemeClr val="tx1"/>
-                </a:solidFill>
-                <a:latin typeface="+mn-lt"/>
-                <a:ea typeface="+mn-ea"/>
-                <a:cs typeface="+mn-cs"/>
-              </a:defRPr>
-            </a:lvl7pPr>
-            <a:lvl8pPr marL="3429000" indent="-228600" algn="l" defTabSz="914400" rtl="0" eaLnBrk="1" latinLnBrk="0" hangingPunct="1">
-              <a:lnSpc>
-                <a:spcPct val="90000"/>
-              </a:lnSpc>
-              <a:spcBef>
-                <a:spcPts val="500"/>
-              </a:spcBef>
-              <a:buFont typeface="Arial" panose="020B0604020202020204" pitchFamily="34" charset="0"/>
-              <a:buChar char="•"/>
-              <a:defRPr sz="1600" kern="1200">
-                <a:solidFill>
-                  <a:schemeClr val="tx1"/>
-                </a:solidFill>
-                <a:latin typeface="+mn-lt"/>
-                <a:ea typeface="+mn-ea"/>
-                <a:cs typeface="+mn-cs"/>
-              </a:defRPr>
-            </a:lvl8pPr>
-            <a:lvl9pPr marL="3886200" indent="-228600" algn="l" defTabSz="914400" rtl="0" eaLnBrk="1" latinLnBrk="0" hangingPunct="1">
-              <a:lnSpc>
-                <a:spcPct val="90000"/>
-              </a:lnSpc>
-              <a:spcBef>
-                <a:spcPts val="500"/>
-              </a:spcBef>
-              <a:buFont typeface="Arial" panose="020B0604020202020204" pitchFamily="34" charset="0"/>
-              <a:buChar char="•"/>
-              <a:defRPr sz="1600" kern="1200">
-                <a:solidFill>
-                  <a:schemeClr val="tx1"/>
-                </a:solidFill>
-                <a:latin typeface="+mn-lt"/>
-                <a:ea typeface="+mn-ea"/>
-                <a:cs typeface="+mn-cs"/>
-              </a:defRPr>
-            </a:lvl9pPr>
-          </a:lstStyle>
-          <a:p>
-            <a:r>
-              <a:rPr lang="nl-NL" dirty="0"/>
-              <a:t>Langzaam model; orde N²</a:t>
-            </a:r>
-          </a:p>
-          <a:p>
-            <a:r>
-              <a:rPr lang="nl-NL" dirty="0"/>
-              <a:t>Rond elk deeltje rechthoek met grenzen</a:t>
-            </a:r>
-          </a:p>
-          <a:p>
-            <a:r>
-              <a:rPr lang="nl-NL" dirty="0"/>
-              <a:t>Botsing mogelijk als en slechts als rechthoeken overlappen</a:t>
-            </a:r>
-          </a:p>
-          <a:p>
-            <a:r>
-              <a:rPr lang="nl-NL" dirty="0"/>
-              <a:t>Barnes-Hut boom: interne takken hebben ruimste rechthoek</a:t>
-            </a:r>
-          </a:p>
-          <a:p>
-            <a:r>
-              <a:rPr lang="nl-NL" dirty="0"/>
-              <a:t>Algoritme wel exact</a:t>
-            </a:r>
-          </a:p>
-          <a:p>
-            <a:r>
-              <a:rPr lang="nl-NL" dirty="0"/>
-              <a:t>orde N· log(N)</a:t>
-            </a:r>
-            <a:endParaRPr lang="nl-NL" dirty="0"/>
-          </a:p>
-        </p:txBody>
-      </p:sp>
-    </p:spTree>
-    <p:extLst>
-      <p:ext uri="{BB962C8B-B14F-4D97-AF65-F5344CB8AC3E}">
-        <p14:creationId xmlns:p14="http://schemas.microsoft.com/office/powerpoint/2010/main" val="3051500588"/>
-      </p:ext>
-    </p:extLst>
-  </p:cSld>
-  <p:clrMapOvr>
-    <a:masterClrMapping/>
-  </p:clrMapOvr>
-</p:sld>
-</file>
-
-<file path=ppt/slides/slide9.xml><?xml version="1.0" encoding="utf-8"?>
-<p:sld xmlns:a="http://schemas.openxmlformats.org/drawingml/2006/main" xmlns:r="http://schemas.openxmlformats.org/officeDocument/2006/relationships" xmlns:p="http://schemas.openxmlformats.org/presentationml/2006/main">
-  <p:cSld>
-    <p:spTree>
-      <p:nvGrpSpPr>
-        <p:cNvPr id="1" name=""/>
-        <p:cNvGrpSpPr/>
-        <p:nvPr/>
-      </p:nvGrpSpPr>
-      <p:grpSpPr>
-        <a:xfrm>
-          <a:off x="0" y="0"/>
-          <a:ext cx="0" cy="0"/>
-          <a:chOff x="0" y="0"/>
-          <a:chExt cx="0" cy="0"/>
-        </a:xfrm>
-      </p:grpSpPr>
-      <p:pic>
-        <p:nvPicPr>
-          <p:cNvPr id="1026" name="Picture 2" descr="C:\Users\guanyu\Documents\mod2b\Presentatie\AantPlaneten2.jpg"/>
-          <p:cNvPicPr>
-            <a:picLocks noChangeAspect="1" noChangeArrowheads="1"/>
-          </p:cNvPicPr>
-          <p:nvPr/>
-        </p:nvPicPr>
-        <p:blipFill rotWithShape="1">
-          <a:blip r:embed="rId2">
-            <a:extLst>
-              <a:ext uri="{28A0092B-C50C-407E-A947-70E740481C1C}">
-                <a14:useLocalDpi xmlns:a14="http://schemas.microsoft.com/office/drawing/2010/main" val="0"/>
-              </a:ext>
-            </a:extLst>
-          </a:blip>
-          <a:srcRect l="7715"/>
-          <a:stretch/>
-        </p:blipFill>
-        <p:spPr bwMode="auto">
-          <a:xfrm>
-            <a:off x="2290715" y="1136307"/>
-            <a:ext cx="8290513" cy="5937317"/>
-          </a:xfrm>
-          <a:prstGeom prst="rect">
-            <a:avLst/>
-          </a:prstGeom>
-          <a:noFill/>
-          <a:extLst>
-            <a:ext uri="{909E8E84-426E-40DD-AFC4-6F175D3DCCD1}">
-              <a14:hiddenFill xmlns:a14="http://schemas.microsoft.com/office/drawing/2010/main">
-                <a:solidFill>
-                  <a:srgbClr val="FFFFFF"/>
-                </a:solidFill>
-              </a14:hiddenFill>
-            </a:ext>
-          </a:extLst>
-        </p:spPr>
-      </p:pic>
-      <p:sp>
-        <p:nvSpPr>
-          <p:cNvPr id="2" name="Titel 1"/>
-          <p:cNvSpPr>
-            <a:spLocks noGrp="1"/>
-          </p:cNvSpPr>
-          <p:nvPr>
-            <p:ph type="title"/>
-          </p:nvPr>
-        </p:nvSpPr>
-        <p:spPr/>
-        <p:txBody>
-          <a:bodyPr/>
-          <a:lstStyle/>
-          <a:p>
-            <a:r>
-              <a:rPr lang="nl-NL" dirty="0"/>
-              <a:t>Resultaten</a:t>
-            </a:r>
-          </a:p>
-        </p:txBody>
-      </p:sp>
-    </p:spTree>
-    <p:extLst>
-      <p:ext uri="{BB962C8B-B14F-4D97-AF65-F5344CB8AC3E}">
-        <p14:creationId xmlns:p14="http://schemas.microsoft.com/office/powerpoint/2010/main" val="2321559582"/>
       </p:ext>
     </p:extLst>
   </p:cSld>

--- a/Presentatie/Presentatie.pptx
+++ b/Presentatie/Presentatie.pptx
@@ -5,7 +5,7 @@
     <p:sldMasterId id="2147483678" r:id="rId1"/>
   </p:sldMasterIdLst>
   <p:notesMasterIdLst>
-    <p:notesMasterId r:id="rId17"/>
+    <p:notesMasterId r:id="rId16"/>
   </p:notesMasterIdLst>
   <p:sldIdLst>
     <p:sldId id="256" r:id="rId2"/>
@@ -14,15 +14,14 @@
     <p:sldId id="259" r:id="rId5"/>
     <p:sldId id="267" r:id="rId6"/>
     <p:sldId id="273" r:id="rId7"/>
-    <p:sldId id="268" r:id="rId8"/>
-    <p:sldId id="262" r:id="rId9"/>
-    <p:sldId id="260" r:id="rId10"/>
-    <p:sldId id="263" r:id="rId11"/>
-    <p:sldId id="266" r:id="rId12"/>
-    <p:sldId id="271" r:id="rId13"/>
-    <p:sldId id="270" r:id="rId14"/>
-    <p:sldId id="264" r:id="rId15"/>
-    <p:sldId id="265" r:id="rId16"/>
+    <p:sldId id="262" r:id="rId8"/>
+    <p:sldId id="260" r:id="rId9"/>
+    <p:sldId id="263" r:id="rId10"/>
+    <p:sldId id="266" r:id="rId11"/>
+    <p:sldId id="271" r:id="rId12"/>
+    <p:sldId id="270" r:id="rId13"/>
+    <p:sldId id="264" r:id="rId14"/>
+    <p:sldId id="265" r:id="rId15"/>
   </p:sldIdLst>
   <p:sldSz cx="12192000" cy="6858000"/>
   <p:notesSz cx="6858000" cy="9144000"/>
@@ -222,7 +221,7 @@
           <a:p>
             <a:fld id="{5F2BFC91-6838-42FB-B20E-402D536CBC41}" type="datetimeFigureOut">
               <a:rPr lang="nl-NL" smtClean="0"/>
-              <a:t>8-6-2017</a:t>
+              <a:t>9-6-2017</a:t>
             </a:fld>
             <a:endParaRPr lang="nl-NL"/>
           </a:p>
@@ -764,7 +763,7 @@
           <a:p>
             <a:fld id="{D0BEBCF1-C867-4FA3-929D-70E3E2EA05CD}" type="datetimeFigureOut">
               <a:rPr lang="nl-NL" smtClean="0"/>
-              <a:t>8-6-2017</a:t>
+              <a:t>9-6-2017</a:t>
             </a:fld>
             <a:endParaRPr lang="nl-NL"/>
           </a:p>
@@ -1031,7 +1030,7 @@
           <a:p>
             <a:fld id="{D0BEBCF1-C867-4FA3-929D-70E3E2EA05CD}" type="datetimeFigureOut">
               <a:rPr lang="nl-NL" smtClean="0"/>
-              <a:t>8-6-2017</a:t>
+              <a:t>9-6-2017</a:t>
             </a:fld>
             <a:endParaRPr lang="nl-NL"/>
           </a:p>
@@ -1262,7 +1261,7 @@
           <a:p>
             <a:fld id="{D0BEBCF1-C867-4FA3-929D-70E3E2EA05CD}" type="datetimeFigureOut">
               <a:rPr lang="nl-NL" smtClean="0"/>
-              <a:t>8-6-2017</a:t>
+              <a:t>9-6-2017</a:t>
             </a:fld>
             <a:endParaRPr lang="nl-NL"/>
           </a:p>
@@ -1572,7 +1571,7 @@
           <a:p>
             <a:fld id="{D0BEBCF1-C867-4FA3-929D-70E3E2EA05CD}" type="datetimeFigureOut">
               <a:rPr lang="nl-NL" smtClean="0"/>
-              <a:t>8-6-2017</a:t>
+              <a:t>9-6-2017</a:t>
             </a:fld>
             <a:endParaRPr lang="nl-NL"/>
           </a:p>
@@ -2045,7 +2044,7 @@
           <a:p>
             <a:fld id="{D0BEBCF1-C867-4FA3-929D-70E3E2EA05CD}" type="datetimeFigureOut">
               <a:rPr lang="nl-NL" smtClean="0"/>
-              <a:t>8-6-2017</a:t>
+              <a:t>9-6-2017</a:t>
             </a:fld>
             <a:endParaRPr lang="nl-NL"/>
           </a:p>
@@ -2592,7 +2591,7 @@
           <a:p>
             <a:fld id="{D0BEBCF1-C867-4FA3-929D-70E3E2EA05CD}" type="datetimeFigureOut">
               <a:rPr lang="nl-NL" smtClean="0"/>
-              <a:t>8-6-2017</a:t>
+              <a:t>9-6-2017</a:t>
             </a:fld>
             <a:endParaRPr lang="nl-NL"/>
           </a:p>
@@ -3366,7 +3365,7 @@
           <a:p>
             <a:fld id="{D0BEBCF1-C867-4FA3-929D-70E3E2EA05CD}" type="datetimeFigureOut">
               <a:rPr lang="nl-NL" smtClean="0"/>
-              <a:t>8-6-2017</a:t>
+              <a:t>9-6-2017</a:t>
             </a:fld>
             <a:endParaRPr lang="nl-NL"/>
           </a:p>
@@ -3541,7 +3540,7 @@
           <a:p>
             <a:fld id="{D0BEBCF1-C867-4FA3-929D-70E3E2EA05CD}" type="datetimeFigureOut">
               <a:rPr lang="nl-NL" smtClean="0"/>
-              <a:t>8-6-2017</a:t>
+              <a:t>9-6-2017</a:t>
             </a:fld>
             <a:endParaRPr lang="nl-NL"/>
           </a:p>
@@ -3764,7 +3763,7 @@
           <a:p>
             <a:fld id="{D0BEBCF1-C867-4FA3-929D-70E3E2EA05CD}" type="datetimeFigureOut">
               <a:rPr lang="nl-NL" smtClean="0"/>
-              <a:t>8-6-2017</a:t>
+              <a:t>9-6-2017</a:t>
             </a:fld>
             <a:endParaRPr lang="nl-NL"/>
           </a:p>
@@ -3944,7 +3943,7 @@
           <a:p>
             <a:fld id="{D0BEBCF1-C867-4FA3-929D-70E3E2EA05CD}" type="datetimeFigureOut">
               <a:rPr lang="nl-NL" smtClean="0"/>
-              <a:t>8-6-2017</a:t>
+              <a:t>9-6-2017</a:t>
             </a:fld>
             <a:endParaRPr lang="nl-NL"/>
           </a:p>
@@ -4233,7 +4232,7 @@
           <a:p>
             <a:fld id="{D0BEBCF1-C867-4FA3-929D-70E3E2EA05CD}" type="datetimeFigureOut">
               <a:rPr lang="nl-NL" smtClean="0"/>
-              <a:t>8-6-2017</a:t>
+              <a:t>9-6-2017</a:t>
             </a:fld>
             <a:endParaRPr lang="nl-NL"/>
           </a:p>
@@ -4475,7 +4474,7 @@
           <a:p>
             <a:fld id="{D0BEBCF1-C867-4FA3-929D-70E3E2EA05CD}" type="datetimeFigureOut">
               <a:rPr lang="nl-NL" smtClean="0"/>
-              <a:t>8-6-2017</a:t>
+              <a:t>9-6-2017</a:t>
             </a:fld>
             <a:endParaRPr lang="nl-NL"/>
           </a:p>
@@ -4854,7 +4853,7 @@
           <a:p>
             <a:fld id="{D0BEBCF1-C867-4FA3-929D-70E3E2EA05CD}" type="datetimeFigureOut">
               <a:rPr lang="nl-NL" smtClean="0"/>
-              <a:t>8-6-2017</a:t>
+              <a:t>9-6-2017</a:t>
             </a:fld>
             <a:endParaRPr lang="nl-NL"/>
           </a:p>
@@ -4972,7 +4971,7 @@
           <a:p>
             <a:fld id="{D0BEBCF1-C867-4FA3-929D-70E3E2EA05CD}" type="datetimeFigureOut">
               <a:rPr lang="nl-NL" smtClean="0"/>
-              <a:t>8-6-2017</a:t>
+              <a:t>9-6-2017</a:t>
             </a:fld>
             <a:endParaRPr lang="nl-NL"/>
           </a:p>
@@ -5067,7 +5066,7 @@
           <a:p>
             <a:fld id="{D0BEBCF1-C867-4FA3-929D-70E3E2EA05CD}" type="datetimeFigureOut">
               <a:rPr lang="nl-NL" smtClean="0"/>
-              <a:t>8-6-2017</a:t>
+              <a:t>9-6-2017</a:t>
             </a:fld>
             <a:endParaRPr lang="nl-NL"/>
           </a:p>
@@ -5316,7 +5315,7 @@
           <a:p>
             <a:fld id="{D0BEBCF1-C867-4FA3-929D-70E3E2EA05CD}" type="datetimeFigureOut">
               <a:rPr lang="nl-NL" smtClean="0"/>
-              <a:t>8-6-2017</a:t>
+              <a:t>9-6-2017</a:t>
             </a:fld>
             <a:endParaRPr lang="nl-NL"/>
           </a:p>
@@ -5573,7 +5572,7 @@
           <a:p>
             <a:fld id="{D0BEBCF1-C867-4FA3-929D-70E3E2EA05CD}" type="datetimeFigureOut">
               <a:rPr lang="nl-NL" smtClean="0"/>
-              <a:t>8-6-2017</a:t>
+              <a:t>9-6-2017</a:t>
             </a:fld>
             <a:endParaRPr lang="nl-NL"/>
           </a:p>
@@ -5816,7 +5815,7 @@
           <a:p>
             <a:fld id="{D0BEBCF1-C867-4FA3-929D-70E3E2EA05CD}" type="datetimeFigureOut">
               <a:rPr lang="nl-NL" smtClean="0"/>
-              <a:t>8-6-2017</a:t>
+              <a:t>9-6-2017</a:t>
             </a:fld>
             <a:endParaRPr lang="nl-NL"/>
           </a:p>
@@ -6400,473 +6399,6 @@
 </file>
 
 <file path=ppt/slides/slide10.xml><?xml version="1.0" encoding="utf-8"?>
-<p:sld xmlns:a="http://schemas.openxmlformats.org/drawingml/2006/main" xmlns:r="http://schemas.openxmlformats.org/officeDocument/2006/relationships" xmlns:p="http://schemas.openxmlformats.org/presentationml/2006/main">
-  <p:cSld>
-    <p:spTree>
-      <p:nvGrpSpPr>
-        <p:cNvPr id="1" name=""/>
-        <p:cNvGrpSpPr/>
-        <p:nvPr/>
-      </p:nvGrpSpPr>
-      <p:grpSpPr>
-        <a:xfrm>
-          <a:off x="0" y="0"/>
-          <a:ext cx="0" cy="0"/>
-          <a:chOff x="0" y="0"/>
-          <a:chExt cx="0" cy="0"/>
-        </a:xfrm>
-      </p:grpSpPr>
-      <p:sp>
-        <p:nvSpPr>
-          <p:cNvPr id="2" name="Titel 1"/>
-          <p:cNvSpPr>
-            <a:spLocks noGrp="1"/>
-          </p:cNvSpPr>
-          <p:nvPr>
-            <p:ph type="title"/>
-          </p:nvPr>
-        </p:nvSpPr>
-        <p:spPr/>
-        <p:txBody>
-          <a:bodyPr/>
-          <a:lstStyle/>
-          <a:p>
-            <a:r>
-              <a:rPr lang="nl-NL" dirty="0"/>
-              <a:t>Nauwkeurigheid model</a:t>
-            </a:r>
-          </a:p>
-        </p:txBody>
-      </p:sp>
-      <mc:AlternateContent xmlns:mc="http://schemas.openxmlformats.org/markup-compatibility/2006" xmlns:a14="http://schemas.microsoft.com/office/drawing/2010/main">
-        <mc:Choice Requires="a14">
-          <p:sp>
-            <p:nvSpPr>
-              <p:cNvPr id="3" name="Tijdelijke aanduiding voor inhoud 2"/>
-              <p:cNvSpPr>
-                <a:spLocks noGrp="1"/>
-              </p:cNvSpPr>
-              <p:nvPr>
-                <p:ph idx="1"/>
-              </p:nvPr>
-            </p:nvSpPr>
-            <p:spPr/>
-            <p:txBody>
-              <a:bodyPr/>
-              <a:lstStyle/>
-              <a:p>
-                <a:r>
-                  <a:rPr lang="nl-NL" dirty="0"/>
-                  <a:t>Analyse voor N = 2 deeltjes</a:t>
-                </a:r>
-              </a:p>
-              <a:p>
-                <a:r>
-                  <a:rPr lang="nl-NL" dirty="0"/>
-                  <a:t>Behoud van energie</a:t>
-                </a:r>
-              </a:p>
-              <a:p>
-                <a:pPr marL="0" indent="0">
-                  <a:buNone/>
-                </a:pPr>
-                <a:r>
-                  <a:rPr lang="nl-NL" dirty="0"/>
-                  <a:t>			</a:t>
-                </a:r>
-                <a14:m>
-                  <m:oMath xmlns:m="http://schemas.openxmlformats.org/officeDocument/2006/math">
-                    <m:f>
-                      <m:fPr>
-                        <m:ctrlPr>
-                          <a:rPr lang="nl-NL" sz="3600" i="1" smtClean="0">
-                            <a:latin typeface="Cambria Math" panose="02040503050406030204" pitchFamily="18" charset="0"/>
-                          </a:rPr>
-                        </m:ctrlPr>
-                      </m:fPr>
-                      <m:num>
-                        <m:r>
-                          <a:rPr lang="nl-NL" sz="3600" b="0" i="1" smtClean="0">
-                            <a:latin typeface="Cambria Math"/>
-                          </a:rPr>
-                          <m:t>1</m:t>
-                        </m:r>
-                      </m:num>
-                      <m:den>
-                        <m:r>
-                          <a:rPr lang="nl-NL" sz="3600" b="0" i="1" smtClean="0">
-                            <a:latin typeface="Cambria Math"/>
-                          </a:rPr>
-                          <m:t>2</m:t>
-                        </m:r>
-                      </m:den>
-                    </m:f>
-                    <m:r>
-                      <a:rPr lang="nl-NL" sz="3600" b="0" i="1" smtClean="0">
-                        <a:latin typeface="Cambria Math"/>
-                      </a:rPr>
-                      <m:t>𝑚</m:t>
-                    </m:r>
-                    <m:sSup>
-                      <m:sSupPr>
-                        <m:ctrlPr>
-                          <a:rPr lang="nl-NL" sz="3600" b="0" i="1" smtClean="0">
-                            <a:latin typeface="Cambria Math" panose="02040503050406030204" pitchFamily="18" charset="0"/>
-                          </a:rPr>
-                        </m:ctrlPr>
-                      </m:sSupPr>
-                      <m:e>
-                        <m:r>
-                          <a:rPr lang="nl-NL" sz="3600" b="0" i="1" smtClean="0">
-                            <a:latin typeface="Cambria Math"/>
-                          </a:rPr>
-                          <m:t>𝑣</m:t>
-                        </m:r>
-                      </m:e>
-                      <m:sup>
-                        <m:r>
-                          <a:rPr lang="nl-NL" sz="3600" b="0" i="1" smtClean="0">
-                            <a:latin typeface="Cambria Math"/>
-                          </a:rPr>
-                          <m:t>2</m:t>
-                        </m:r>
-                      </m:sup>
-                    </m:sSup>
-                    <m:r>
-                      <a:rPr lang="nl-NL" sz="3600" b="0" i="1" smtClean="0">
-                        <a:latin typeface="Cambria Math"/>
-                      </a:rPr>
-                      <m:t>+</m:t>
-                    </m:r>
-                    <m:f>
-                      <m:fPr>
-                        <m:ctrlPr>
-                          <a:rPr lang="nl-NL" sz="3600" b="0" i="1" smtClean="0">
-                            <a:latin typeface="Cambria Math" panose="02040503050406030204" pitchFamily="18" charset="0"/>
-                          </a:rPr>
-                        </m:ctrlPr>
-                      </m:fPr>
-                      <m:num>
-                        <m:r>
-                          <a:rPr lang="nl-NL" sz="3600" b="0" i="1" smtClean="0">
-                            <a:latin typeface="Cambria Math"/>
-                          </a:rPr>
-                          <m:t>1</m:t>
-                        </m:r>
-                      </m:num>
-                      <m:den>
-                        <m:r>
-                          <a:rPr lang="nl-NL" sz="3600" b="0" i="1" smtClean="0">
-                            <a:latin typeface="Cambria Math"/>
-                          </a:rPr>
-                          <m:t>2</m:t>
-                        </m:r>
-                      </m:den>
-                    </m:f>
-                    <m:r>
-                      <a:rPr lang="nl-NL" sz="3600" b="0" i="1" smtClean="0">
-                        <a:latin typeface="Cambria Math"/>
-                      </a:rPr>
-                      <m:t>𝑀</m:t>
-                    </m:r>
-                    <m:sSup>
-                      <m:sSupPr>
-                        <m:ctrlPr>
-                          <a:rPr lang="nl-NL" sz="3600" b="0" i="1" smtClean="0">
-                            <a:latin typeface="Cambria Math" panose="02040503050406030204" pitchFamily="18" charset="0"/>
-                          </a:rPr>
-                        </m:ctrlPr>
-                      </m:sSupPr>
-                      <m:e>
-                        <m:r>
-                          <a:rPr lang="nl-NL" sz="3600" b="0" i="1" smtClean="0">
-                            <a:latin typeface="Cambria Math"/>
-                          </a:rPr>
-                          <m:t>𝑉</m:t>
-                        </m:r>
-                      </m:e>
-                      <m:sup>
-                        <m:r>
-                          <a:rPr lang="nl-NL" sz="3600" b="0" i="1" smtClean="0">
-                            <a:latin typeface="Cambria Math"/>
-                          </a:rPr>
-                          <m:t>2</m:t>
-                        </m:r>
-                      </m:sup>
-                    </m:sSup>
-                    <m:r>
-                      <a:rPr lang="nl-NL" sz="3600" b="0" i="1" smtClean="0">
-                        <a:latin typeface="Cambria Math"/>
-                      </a:rPr>
-                      <m:t>−</m:t>
-                    </m:r>
-                    <m:r>
-                      <a:rPr lang="nl-NL" sz="3600" b="0" i="1" smtClean="0">
-                        <a:latin typeface="Cambria Math"/>
-                      </a:rPr>
-                      <m:t>𝐺</m:t>
-                    </m:r>
-                    <m:f>
-                      <m:fPr>
-                        <m:ctrlPr>
-                          <a:rPr lang="nl-NL" sz="3600" b="0" i="1" smtClean="0">
-                            <a:latin typeface="Cambria Math" panose="02040503050406030204" pitchFamily="18" charset="0"/>
-                          </a:rPr>
-                        </m:ctrlPr>
-                      </m:fPr>
-                      <m:num>
-                        <m:r>
-                          <a:rPr lang="nl-NL" sz="3600" b="0" i="1" smtClean="0">
-                            <a:latin typeface="Cambria Math"/>
-                          </a:rPr>
-                          <m:t>𝑚𝑀</m:t>
-                        </m:r>
-                      </m:num>
-                      <m:den>
-                        <m:r>
-                          <a:rPr lang="nl-NL" sz="3600" b="0" i="1" smtClean="0">
-                            <a:latin typeface="Cambria Math"/>
-                          </a:rPr>
-                          <m:t>𝑟</m:t>
-                        </m:r>
-                      </m:den>
-                    </m:f>
-                  </m:oMath>
-                </a14:m>
-                <a:endParaRPr lang="nl-NL" dirty="0"/>
-              </a:p>
-              <a:p>
-                <a:r>
-                  <a:rPr lang="nl-NL" dirty="0" err="1"/>
-                  <a:t>Richardson</a:t>
-                </a:r>
-                <a:r>
-                  <a:rPr lang="nl-NL" dirty="0"/>
-                  <a:t> Extrapolatie</a:t>
-                </a:r>
-              </a:p>
-              <a:p>
-                <a:pPr marL="457200" lvl="1" indent="0">
-                  <a:buNone/>
-                </a:pPr>
-                <a14:m>
-                  <m:oMathPara xmlns:m="http://schemas.openxmlformats.org/officeDocument/2006/math">
-                    <m:oMathParaPr>
-                      <m:jc m:val="centerGroup"/>
-                    </m:oMathParaPr>
-                    <m:oMath xmlns:m="http://schemas.openxmlformats.org/officeDocument/2006/math">
-                      <m:f>
-                        <m:fPr>
-                          <m:ctrlPr>
-                            <a:rPr lang="nl-NL" sz="3200" i="1" smtClean="0">
-                              <a:latin typeface="Cambria Math" panose="02040503050406030204" pitchFamily="18" charset="0"/>
-                            </a:rPr>
-                          </m:ctrlPr>
-                        </m:fPr>
-                        <m:num>
-                          <m:r>
-                            <a:rPr lang="nl-NL" sz="3200" b="0" i="1" smtClean="0">
-                              <a:latin typeface="Cambria Math"/>
-                            </a:rPr>
-                            <m:t>𝑄</m:t>
-                          </m:r>
-                          <m:d>
-                            <m:dPr>
-                              <m:ctrlPr>
-                                <a:rPr lang="nl-NL" sz="3200" b="0" i="1" smtClean="0">
-                                  <a:latin typeface="Cambria Math" panose="02040503050406030204" pitchFamily="18" charset="0"/>
-                                </a:rPr>
-                              </m:ctrlPr>
-                            </m:dPr>
-                            <m:e>
-                              <m:r>
-                                <a:rPr lang="nl-NL" sz="3200" b="0" i="1" smtClean="0">
-                                  <a:latin typeface="Cambria Math"/>
-                                </a:rPr>
-                                <m:t>2</m:t>
-                              </m:r>
-                              <m:r>
-                                <a:rPr lang="nl-NL" sz="3200" b="0" i="1" smtClean="0">
-                                  <a:latin typeface="Cambria Math"/>
-                                </a:rPr>
-                                <m:t>h</m:t>
-                              </m:r>
-                            </m:e>
-                          </m:d>
-                          <m:r>
-                            <a:rPr lang="nl-NL" sz="3200" b="0" i="1" smtClean="0">
-                              <a:latin typeface="Cambria Math"/>
-                            </a:rPr>
-                            <m:t>−</m:t>
-                          </m:r>
-                          <m:r>
-                            <a:rPr lang="nl-NL" sz="3200" b="0" i="1" smtClean="0">
-                              <a:latin typeface="Cambria Math"/>
-                            </a:rPr>
-                            <m:t>𝑄</m:t>
-                          </m:r>
-                          <m:r>
-                            <a:rPr lang="nl-NL" sz="3200" b="0" i="1" smtClean="0">
-                              <a:latin typeface="Cambria Math"/>
-                            </a:rPr>
-                            <m:t>(4</m:t>
-                          </m:r>
-                          <m:r>
-                            <a:rPr lang="nl-NL" sz="3200" b="0" i="1" smtClean="0">
-                              <a:latin typeface="Cambria Math"/>
-                            </a:rPr>
-                            <m:t>h</m:t>
-                          </m:r>
-                          <m:r>
-                            <a:rPr lang="nl-NL" sz="3200" b="0" i="1" smtClean="0">
-                              <a:latin typeface="Cambria Math"/>
-                            </a:rPr>
-                            <m:t>)</m:t>
-                          </m:r>
-                        </m:num>
-                        <m:den>
-                          <m:r>
-                            <a:rPr lang="nl-NL" sz="3200" b="0" i="1" smtClean="0">
-                              <a:latin typeface="Cambria Math"/>
-                            </a:rPr>
-                            <m:t>𝑄</m:t>
-                          </m:r>
-                          <m:d>
-                            <m:dPr>
-                              <m:ctrlPr>
-                                <a:rPr lang="nl-NL" sz="3200" b="0" i="1" smtClean="0">
-                                  <a:latin typeface="Cambria Math" panose="02040503050406030204" pitchFamily="18" charset="0"/>
-                                </a:rPr>
-                              </m:ctrlPr>
-                            </m:dPr>
-                            <m:e>
-                              <m:r>
-                                <a:rPr lang="nl-NL" sz="3200" b="0" i="1" smtClean="0">
-                                  <a:latin typeface="Cambria Math"/>
-                                </a:rPr>
-                                <m:t>h</m:t>
-                              </m:r>
-                            </m:e>
-                          </m:d>
-                          <m:r>
-                            <a:rPr lang="nl-NL" sz="3200" b="0" i="1" smtClean="0">
-                              <a:latin typeface="Cambria Math"/>
-                            </a:rPr>
-                            <m:t>−</m:t>
-                          </m:r>
-                          <m:r>
-                            <a:rPr lang="nl-NL" sz="3200" b="0" i="1" smtClean="0">
-                              <a:latin typeface="Cambria Math"/>
-                            </a:rPr>
-                            <m:t>𝑄</m:t>
-                          </m:r>
-                          <m:r>
-                            <a:rPr lang="nl-NL" sz="3200" b="0" i="1" smtClean="0">
-                              <a:latin typeface="Cambria Math"/>
-                            </a:rPr>
-                            <m:t>(2</m:t>
-                          </m:r>
-                          <m:r>
-                            <a:rPr lang="nl-NL" sz="3200" b="0" i="1" smtClean="0">
-                              <a:latin typeface="Cambria Math"/>
-                            </a:rPr>
-                            <m:t>h</m:t>
-                          </m:r>
-                          <m:r>
-                            <a:rPr lang="nl-NL" sz="3200" b="0" i="1" smtClean="0">
-                              <a:latin typeface="Cambria Math"/>
-                            </a:rPr>
-                            <m:t>)</m:t>
-                          </m:r>
-                        </m:den>
-                      </m:f>
-                      <m:r>
-                        <a:rPr lang="nl-NL" sz="3200" b="0" i="1" smtClean="0">
-                          <a:latin typeface="Cambria Math"/>
-                        </a:rPr>
-                        <m:t>=</m:t>
-                      </m:r>
-                      <m:sSup>
-                        <m:sSupPr>
-                          <m:ctrlPr>
-                            <a:rPr lang="nl-NL" sz="3200" b="0" i="1" smtClean="0">
-                              <a:latin typeface="Cambria Math" panose="02040503050406030204" pitchFamily="18" charset="0"/>
-                            </a:rPr>
-                          </m:ctrlPr>
-                        </m:sSupPr>
-                        <m:e>
-                          <m:r>
-                            <a:rPr lang="nl-NL" sz="3200" b="0" i="1" smtClean="0">
-                              <a:latin typeface="Cambria Math"/>
-                            </a:rPr>
-                            <m:t>2</m:t>
-                          </m:r>
-                        </m:e>
-                        <m:sup>
-                          <m:r>
-                            <a:rPr lang="nl-NL" sz="3200" b="0" i="1" smtClean="0">
-                              <a:latin typeface="Cambria Math"/>
-                            </a:rPr>
-                            <m:t>𝑝</m:t>
-                          </m:r>
-                        </m:sup>
-                      </m:sSup>
-                    </m:oMath>
-                  </m:oMathPara>
-                </a14:m>
-                <a:endParaRPr lang="nl-NL" sz="3200" dirty="0"/>
-              </a:p>
-            </p:txBody>
-          </p:sp>
-        </mc:Choice>
-        <mc:Fallback xmlns="">
-          <p:sp>
-            <p:nvSpPr>
-              <p:cNvPr id="3" name="Tijdelijke aanduiding voor inhoud 2"/>
-              <p:cNvSpPr>
-                <a:spLocks noGrp="1" noRot="1" noChangeAspect="1" noMove="1" noResize="1" noEditPoints="1" noAdjustHandles="1" noChangeArrowheads="1" noChangeShapeType="1" noTextEdit="1"/>
-              </p:cNvSpPr>
-              <p:nvPr>
-                <p:ph idx="1"/>
-              </p:nvPr>
-            </p:nvSpPr>
-            <p:spPr>
-              <a:blipFill rotWithShape="1">
-                <a:blip r:embed="rId2"/>
-                <a:stretch>
-                  <a:fillRect l="-676" t="-1818"/>
-                </a:stretch>
-              </a:blipFill>
-            </p:spPr>
-            <p:txBody>
-              <a:bodyPr/>
-              <a:lstStyle/>
-              <a:p>
-                <a:r>
-                  <a:rPr lang="nl-NL">
-                    <a:noFill/>
-                  </a:rPr>
-                  <a:t> </a:t>
-                </a:r>
-              </a:p>
-            </p:txBody>
-          </p:sp>
-        </mc:Fallback>
-      </mc:AlternateContent>
-    </p:spTree>
-    <p:extLst>
-      <p:ext uri="{BB962C8B-B14F-4D97-AF65-F5344CB8AC3E}">
-        <p14:creationId xmlns:p14="http://schemas.microsoft.com/office/powerpoint/2010/main" val="120385941"/>
-      </p:ext>
-    </p:extLst>
-  </p:cSld>
-  <p:clrMapOvr>
-    <a:masterClrMapping/>
-  </p:clrMapOvr>
-</p:sld>
-</file>
-
-<file path=ppt/slides/slide11.xml><?xml version="1.0" encoding="utf-8"?>
 <p:sld xmlns:a="http://schemas.openxmlformats.org/drawingml/2006/main" xmlns:r="http://schemas.openxmlformats.org/officeDocument/2006/relationships" xmlns:p="http://schemas.openxmlformats.org/presentationml/2006/main">
   <p:cSld>
     <p:spTree>
@@ -7710,6 +7242,95 @@
 </p:sld>
 </file>
 
+<file path=ppt/slides/slide11.xml><?xml version="1.0" encoding="utf-8"?>
+<p:sld xmlns:a="http://schemas.openxmlformats.org/drawingml/2006/main" xmlns:r="http://schemas.openxmlformats.org/officeDocument/2006/relationships" xmlns:p="http://schemas.openxmlformats.org/presentationml/2006/main">
+  <p:cSld>
+    <p:spTree>
+      <p:nvGrpSpPr>
+        <p:cNvPr id="1" name=""/>
+        <p:cNvGrpSpPr/>
+        <p:nvPr/>
+      </p:nvGrpSpPr>
+      <p:grpSpPr>
+        <a:xfrm>
+          <a:off x="0" y="0"/>
+          <a:ext cx="0" cy="0"/>
+          <a:chOff x="0" y="0"/>
+          <a:chExt cx="0" cy="0"/>
+        </a:xfrm>
+      </p:grpSpPr>
+      <p:pic>
+        <p:nvPicPr>
+          <p:cNvPr id="4" name="Tijdelijke aanduiding voor inhoud 3"/>
+          <p:cNvPicPr>
+            <a:picLocks noGrp="1" noChangeAspect="1"/>
+          </p:cNvPicPr>
+          <p:nvPr>
+            <p:ph idx="1"/>
+          </p:nvPr>
+        </p:nvPicPr>
+        <p:blipFill>
+          <a:blip r:embed="rId2">
+            <a:extLst>
+              <a:ext uri="{28A0092B-C50C-407E-A947-70E740481C1C}">
+                <a14:useLocalDpi xmlns:a14="http://schemas.microsoft.com/office/drawing/2010/main" val="0"/>
+              </a:ext>
+            </a:extLst>
+          </a:blip>
+          <a:stretch>
+            <a:fillRect/>
+          </a:stretch>
+        </p:blipFill>
+        <p:spPr>
+          <a:xfrm>
+            <a:off x="287618" y="1529411"/>
+            <a:ext cx="5512312" cy="4644377"/>
+          </a:xfrm>
+        </p:spPr>
+      </p:pic>
+      <p:pic>
+        <p:nvPicPr>
+          <p:cNvPr id="5" name="Afbeelding 4"/>
+          <p:cNvPicPr>
+            <a:picLocks noChangeAspect="1"/>
+          </p:cNvPicPr>
+          <p:nvPr/>
+        </p:nvPicPr>
+        <p:blipFill>
+          <a:blip r:embed="rId3">
+            <a:extLst>
+              <a:ext uri="{28A0092B-C50C-407E-A947-70E740481C1C}">
+                <a14:useLocalDpi xmlns:a14="http://schemas.microsoft.com/office/drawing/2010/main" val="0"/>
+              </a:ext>
+            </a:extLst>
+          </a:blip>
+          <a:stretch>
+            <a:fillRect/>
+          </a:stretch>
+        </p:blipFill>
+        <p:spPr>
+          <a:xfrm>
+            <a:off x="5798712" y="1682324"/>
+            <a:ext cx="5753638" cy="4252689"/>
+          </a:xfrm>
+          <a:prstGeom prst="rect">
+            <a:avLst/>
+          </a:prstGeom>
+        </p:spPr>
+      </p:pic>
+    </p:spTree>
+    <p:extLst>
+      <p:ext uri="{BB962C8B-B14F-4D97-AF65-F5344CB8AC3E}">
+        <p14:creationId xmlns:p14="http://schemas.microsoft.com/office/powerpoint/2010/main" val="1639046794"/>
+      </p:ext>
+    </p:extLst>
+  </p:cSld>
+  <p:clrMapOvr>
+    <a:masterClrMapping/>
+  </p:clrMapOvr>
+</p:sld>
+</file>
+
 <file path=ppt/slides/slide12.xml><?xml version="1.0" encoding="utf-8"?>
 <p:sld xmlns:a="http://schemas.openxmlformats.org/drawingml/2006/main" xmlns:r="http://schemas.openxmlformats.org/officeDocument/2006/relationships" xmlns:p="http://schemas.openxmlformats.org/presentationml/2006/main">
   <p:cSld>
@@ -7751,8 +7372,8 @@
         </p:blipFill>
         <p:spPr>
           <a:xfrm>
-            <a:off x="287618" y="1529411"/>
-            <a:ext cx="5512312" cy="4644377"/>
+            <a:off x="525472" y="1571098"/>
+            <a:ext cx="5304668" cy="4351338"/>
           </a:xfrm>
         </p:spPr>
       </p:pic>
@@ -7778,8 +7399,8 @@
         </p:blipFill>
         <p:spPr>
           <a:xfrm>
-            <a:off x="5798712" y="1682324"/>
-            <a:ext cx="5753638" cy="4252689"/>
+            <a:off x="6038513" y="1526074"/>
+            <a:ext cx="5403238" cy="4463132"/>
           </a:xfrm>
           <a:prstGeom prst="rect">
             <a:avLst/>
@@ -7789,7 +7410,7 @@
     </p:spTree>
     <p:extLst>
       <p:ext uri="{BB962C8B-B14F-4D97-AF65-F5344CB8AC3E}">
-        <p14:creationId xmlns:p14="http://schemas.microsoft.com/office/powerpoint/2010/main" val="1639046794"/>
+        <p14:creationId xmlns:p14="http://schemas.microsoft.com/office/powerpoint/2010/main" val="1028094166"/>
       </p:ext>
     </p:extLst>
   </p:cSld>
@@ -7816,95 +7437,6 @@
           <a:chExt cx="0" cy="0"/>
         </a:xfrm>
       </p:grpSpPr>
-      <p:pic>
-        <p:nvPicPr>
-          <p:cNvPr id="4" name="Tijdelijke aanduiding voor inhoud 3"/>
-          <p:cNvPicPr>
-            <a:picLocks noGrp="1" noChangeAspect="1"/>
-          </p:cNvPicPr>
-          <p:nvPr>
-            <p:ph idx="1"/>
-          </p:nvPr>
-        </p:nvPicPr>
-        <p:blipFill>
-          <a:blip r:embed="rId2">
-            <a:extLst>
-              <a:ext uri="{28A0092B-C50C-407E-A947-70E740481C1C}">
-                <a14:useLocalDpi xmlns:a14="http://schemas.microsoft.com/office/drawing/2010/main" val="0"/>
-              </a:ext>
-            </a:extLst>
-          </a:blip>
-          <a:stretch>
-            <a:fillRect/>
-          </a:stretch>
-        </p:blipFill>
-        <p:spPr>
-          <a:xfrm>
-            <a:off x="525472" y="1571098"/>
-            <a:ext cx="5304668" cy="4351338"/>
-          </a:xfrm>
-        </p:spPr>
-      </p:pic>
-      <p:pic>
-        <p:nvPicPr>
-          <p:cNvPr id="5" name="Afbeelding 4"/>
-          <p:cNvPicPr>
-            <a:picLocks noChangeAspect="1"/>
-          </p:cNvPicPr>
-          <p:nvPr/>
-        </p:nvPicPr>
-        <p:blipFill>
-          <a:blip r:embed="rId3">
-            <a:extLst>
-              <a:ext uri="{28A0092B-C50C-407E-A947-70E740481C1C}">
-                <a14:useLocalDpi xmlns:a14="http://schemas.microsoft.com/office/drawing/2010/main" val="0"/>
-              </a:ext>
-            </a:extLst>
-          </a:blip>
-          <a:stretch>
-            <a:fillRect/>
-          </a:stretch>
-        </p:blipFill>
-        <p:spPr>
-          <a:xfrm>
-            <a:off x="6038513" y="1526074"/>
-            <a:ext cx="5403238" cy="4463132"/>
-          </a:xfrm>
-          <a:prstGeom prst="rect">
-            <a:avLst/>
-          </a:prstGeom>
-        </p:spPr>
-      </p:pic>
-    </p:spTree>
-    <p:extLst>
-      <p:ext uri="{BB962C8B-B14F-4D97-AF65-F5344CB8AC3E}">
-        <p14:creationId xmlns:p14="http://schemas.microsoft.com/office/powerpoint/2010/main" val="1028094166"/>
-      </p:ext>
-    </p:extLst>
-  </p:cSld>
-  <p:clrMapOvr>
-    <a:masterClrMapping/>
-  </p:clrMapOvr>
-</p:sld>
-</file>
-
-<file path=ppt/slides/slide14.xml><?xml version="1.0" encoding="utf-8"?>
-<p:sld xmlns:a="http://schemas.openxmlformats.org/drawingml/2006/main" xmlns:r="http://schemas.openxmlformats.org/officeDocument/2006/relationships" xmlns:p="http://schemas.openxmlformats.org/presentationml/2006/main">
-  <p:cSld>
-    <p:spTree>
-      <p:nvGrpSpPr>
-        <p:cNvPr id="1" name=""/>
-        <p:cNvGrpSpPr/>
-        <p:nvPr/>
-      </p:nvGrpSpPr>
-      <p:grpSpPr>
-        <a:xfrm>
-          <a:off x="0" y="0"/>
-          <a:ext cx="0" cy="0"/>
-          <a:chOff x="0" y="0"/>
-          <a:chExt cx="0" cy="0"/>
-        </a:xfrm>
-      </p:grpSpPr>
       <p:sp>
         <p:nvSpPr>
           <p:cNvPr id="2" name="Titel 1"/>
@@ -8002,7 +7534,7 @@
 </p:sld>
 </file>
 
-<file path=ppt/slides/slide15.xml><?xml version="1.0" encoding="utf-8"?>
+<file path=ppt/slides/slide14.xml><?xml version="1.0" encoding="utf-8"?>
 <p:sld xmlns:a="http://schemas.openxmlformats.org/drawingml/2006/main" xmlns:r="http://schemas.openxmlformats.org/officeDocument/2006/relationships" xmlns:p="http://schemas.openxmlformats.org/presentationml/2006/main">
   <p:cSld>
     <p:spTree>
@@ -8370,8 +7902,8 @@
           </a:p>
         </p:txBody>
       </p:sp>
-      <mc:AlternateContent xmlns:mc="http://schemas.openxmlformats.org/markup-compatibility/2006" xmlns:a14="http://schemas.microsoft.com/office/drawing/2010/main">
-        <mc:Choice Requires="a14">
+      <mc:AlternateContent xmlns:mc="http://schemas.openxmlformats.org/markup-compatibility/2006">
+        <mc:Choice xmlns:a14="http://schemas.microsoft.com/office/drawing/2010/main" Requires="a14">
           <p:sp>
             <p:nvSpPr>
               <p:cNvPr id="3" name="Tijdelijke aanduiding voor inhoud 2"/>
@@ -8390,7 +7922,7 @@
             </p:spPr>
             <p:txBody>
               <a:bodyPr>
-                <a:normAutofit/>
+                <a:normAutofit lnSpcReduction="10000"/>
               </a:bodyPr>
               <a:lstStyle/>
               <a:p>
@@ -8947,7 +8479,14 @@
                 </a:r>
                 <a:r>
                   <a:rPr lang="nl-NL" dirty="0"/>
-                  <a:t> botsing (impulsbehoud)</a:t>
+                  <a:t> botsing</a:t>
+                </a:r>
+              </a:p>
+              <a:p>
+                <a:pPr lvl="1"/>
+                <a:r>
+                  <a:rPr lang="nl-NL" dirty="0"/>
+                  <a:t>Impulsbehoud</a:t>
                 </a:r>
               </a:p>
               <a:p>
@@ -8987,7 +8526,7 @@
             </p:txBody>
           </p:sp>
         </mc:Choice>
-        <mc:Fallback xmlns="">
+        <mc:Fallback>
           <p:sp>
             <p:nvSpPr>
               <p:cNvPr id="3" name="Tijdelijke aanduiding voor inhoud 2"/>
@@ -9006,7 +8545,7 @@
               <a:blipFill>
                 <a:blip r:embed="rId2"/>
                 <a:stretch>
-                  <a:fillRect l="-676" t="-1808"/>
+                  <a:fillRect l="-676" t="-2503"/>
                 </a:stretch>
               </a:blipFill>
             </p:spPr>
@@ -9386,7 +8925,6 @@
               <a:rPr lang="nl-NL" dirty="0"/>
               <a:t>orde N· log(N)</a:t>
             </a:r>
-            <a:endParaRPr lang="nl-NL" dirty="0"/>
           </a:p>
           <a:p>
             <a:pPr marL="457200" lvl="1" indent="0">
@@ -10300,7 +9838,7 @@
           <a:noFill/>
           <a:ln w="19050" cap="flat" cmpd="sng">
             <a:solidFill>
-              <a:srgbClr val="FFFF00"/>
+              <a:srgbClr val="FFC000"/>
             </a:solidFill>
             <a:prstDash val="solid"/>
             <a:round/>
@@ -10357,7 +9895,7 @@
             </a:pPr>
             <a:r>
               <a:rPr lang="nl-NL" dirty="0"/>
-              <a:t>geel: grens van noordwest kwadrant</a:t>
+              <a:t>oranje: grens van noordwest kwadrant</a:t>
             </a:r>
           </a:p>
         </p:txBody>
@@ -10711,282 +10249,6 @@
           <a:chExt cx="0" cy="0"/>
         </a:xfrm>
       </p:grpSpPr>
-      <p:sp>
-        <p:nvSpPr>
-          <p:cNvPr id="2" name="Titel 1"/>
-          <p:cNvSpPr>
-            <a:spLocks noGrp="1"/>
-          </p:cNvSpPr>
-          <p:nvPr>
-            <p:ph type="title"/>
-          </p:nvPr>
-        </p:nvSpPr>
-        <p:spPr/>
-        <p:txBody>
-          <a:bodyPr/>
-          <a:lstStyle/>
-          <a:p>
-            <a:r>
-              <a:rPr lang="nl-NL" dirty="0"/>
-              <a:t>Barnes-Hut voor botsingen</a:t>
-            </a:r>
-          </a:p>
-        </p:txBody>
-      </p:sp>
-      <p:sp>
-        <p:nvSpPr>
-          <p:cNvPr id="4" name="Tijdelijke aanduiding voor inhoud 2"/>
-          <p:cNvSpPr txBox="1">
-            <a:spLocks/>
-          </p:cNvSpPr>
-          <p:nvPr/>
-        </p:nvSpPr>
-        <p:spPr>
-          <a:xfrm>
-            <a:off x="685800" y="2194560"/>
-            <a:ext cx="6092072" cy="4024125"/>
-          </a:xfrm>
-          <a:prstGeom prst="rect">
-            <a:avLst/>
-          </a:prstGeom>
-        </p:spPr>
-        <p:txBody>
-          <a:bodyPr vert="horz" lIns="91440" tIns="45720" rIns="91440" bIns="45720" rtlCol="0">
-            <a:normAutofit/>
-          </a:bodyPr>
-          <a:lstStyle>
-            <a:lvl1pPr marL="228600" indent="-228600" algn="l" defTabSz="914400" rtl="0" eaLnBrk="1" latinLnBrk="0" hangingPunct="1">
-              <a:lnSpc>
-                <a:spcPct val="90000"/>
-              </a:lnSpc>
-              <a:spcBef>
-                <a:spcPts val="1000"/>
-              </a:spcBef>
-              <a:buFont typeface="Arial" panose="020B0604020202020204" pitchFamily="34" charset="0"/>
-              <a:buChar char="•"/>
-              <a:defRPr sz="2200" kern="1200">
-                <a:solidFill>
-                  <a:schemeClr val="tx1"/>
-                </a:solidFill>
-                <a:latin typeface="+mn-lt"/>
-                <a:ea typeface="+mn-ea"/>
-                <a:cs typeface="+mn-cs"/>
-              </a:defRPr>
-            </a:lvl1pPr>
-            <a:lvl2pPr marL="685800" indent="-228600" algn="l" defTabSz="914400" rtl="0" eaLnBrk="1" latinLnBrk="0" hangingPunct="1">
-              <a:lnSpc>
-                <a:spcPct val="90000"/>
-              </a:lnSpc>
-              <a:spcBef>
-                <a:spcPts val="500"/>
-              </a:spcBef>
-              <a:buFont typeface="Arial" panose="020B0604020202020204" pitchFamily="34" charset="0"/>
-              <a:buChar char="•"/>
-              <a:defRPr sz="2000" kern="1200">
-                <a:solidFill>
-                  <a:schemeClr val="tx1"/>
-                </a:solidFill>
-                <a:latin typeface="+mn-lt"/>
-                <a:ea typeface="+mn-ea"/>
-                <a:cs typeface="+mn-cs"/>
-              </a:defRPr>
-            </a:lvl2pPr>
-            <a:lvl3pPr marL="1143000" indent="-228600" algn="l" defTabSz="914400" rtl="0" eaLnBrk="1" latinLnBrk="0" hangingPunct="1">
-              <a:lnSpc>
-                <a:spcPct val="90000"/>
-              </a:lnSpc>
-              <a:spcBef>
-                <a:spcPts val="500"/>
-              </a:spcBef>
-              <a:buFont typeface="Arial" panose="020B0604020202020204" pitchFamily="34" charset="0"/>
-              <a:buChar char="•"/>
-              <a:defRPr sz="1800" kern="1200">
-                <a:solidFill>
-                  <a:schemeClr val="tx1"/>
-                </a:solidFill>
-                <a:latin typeface="+mn-lt"/>
-                <a:ea typeface="+mn-ea"/>
-                <a:cs typeface="+mn-cs"/>
-              </a:defRPr>
-            </a:lvl3pPr>
-            <a:lvl4pPr marL="1600200" indent="-228600" algn="l" defTabSz="914400" rtl="0" eaLnBrk="1" latinLnBrk="0" hangingPunct="1">
-              <a:lnSpc>
-                <a:spcPct val="90000"/>
-              </a:lnSpc>
-              <a:spcBef>
-                <a:spcPts val="500"/>
-              </a:spcBef>
-              <a:buFont typeface="Arial" panose="020B0604020202020204" pitchFamily="34" charset="0"/>
-              <a:buChar char="•"/>
-              <a:defRPr sz="1600" kern="1200">
-                <a:solidFill>
-                  <a:schemeClr val="tx1"/>
-                </a:solidFill>
-                <a:latin typeface="+mn-lt"/>
-                <a:ea typeface="+mn-ea"/>
-                <a:cs typeface="+mn-cs"/>
-              </a:defRPr>
-            </a:lvl4pPr>
-            <a:lvl5pPr marL="2057400" indent="-228600" algn="l" defTabSz="914400" rtl="0" eaLnBrk="1" latinLnBrk="0" hangingPunct="1">
-              <a:lnSpc>
-                <a:spcPct val="90000"/>
-              </a:lnSpc>
-              <a:spcBef>
-                <a:spcPts val="500"/>
-              </a:spcBef>
-              <a:buFont typeface="Arial" panose="020B0604020202020204" pitchFamily="34" charset="0"/>
-              <a:buChar char="•"/>
-              <a:defRPr sz="1600" kern="1200">
-                <a:solidFill>
-                  <a:schemeClr val="tx1"/>
-                </a:solidFill>
-                <a:latin typeface="+mn-lt"/>
-                <a:ea typeface="+mn-ea"/>
-                <a:cs typeface="+mn-cs"/>
-              </a:defRPr>
-            </a:lvl5pPr>
-            <a:lvl6pPr marL="2514600" indent="-228600" algn="l" defTabSz="914400" rtl="0" eaLnBrk="1" latinLnBrk="0" hangingPunct="1">
-              <a:lnSpc>
-                <a:spcPct val="90000"/>
-              </a:lnSpc>
-              <a:spcBef>
-                <a:spcPts val="500"/>
-              </a:spcBef>
-              <a:buFont typeface="Arial" panose="020B0604020202020204" pitchFamily="34" charset="0"/>
-              <a:buChar char="•"/>
-              <a:defRPr sz="1600" kern="1200">
-                <a:solidFill>
-                  <a:schemeClr val="tx1"/>
-                </a:solidFill>
-                <a:latin typeface="+mn-lt"/>
-                <a:ea typeface="+mn-ea"/>
-                <a:cs typeface="+mn-cs"/>
-              </a:defRPr>
-            </a:lvl6pPr>
-            <a:lvl7pPr marL="2971800" indent="-228600" algn="l" defTabSz="914400" rtl="0" eaLnBrk="1" latinLnBrk="0" hangingPunct="1">
-              <a:lnSpc>
-                <a:spcPct val="90000"/>
-              </a:lnSpc>
-              <a:spcBef>
-                <a:spcPts val="500"/>
-              </a:spcBef>
-              <a:buFont typeface="Arial" panose="020B0604020202020204" pitchFamily="34" charset="0"/>
-              <a:buChar char="•"/>
-              <a:defRPr sz="1600" kern="1200">
-                <a:solidFill>
-                  <a:schemeClr val="tx1"/>
-                </a:solidFill>
-                <a:latin typeface="+mn-lt"/>
-                <a:ea typeface="+mn-ea"/>
-                <a:cs typeface="+mn-cs"/>
-              </a:defRPr>
-            </a:lvl7pPr>
-            <a:lvl8pPr marL="3429000" indent="-228600" algn="l" defTabSz="914400" rtl="0" eaLnBrk="1" latinLnBrk="0" hangingPunct="1">
-              <a:lnSpc>
-                <a:spcPct val="90000"/>
-              </a:lnSpc>
-              <a:spcBef>
-                <a:spcPts val="500"/>
-              </a:spcBef>
-              <a:buFont typeface="Arial" panose="020B0604020202020204" pitchFamily="34" charset="0"/>
-              <a:buChar char="•"/>
-              <a:defRPr sz="1600" kern="1200">
-                <a:solidFill>
-                  <a:schemeClr val="tx1"/>
-                </a:solidFill>
-                <a:latin typeface="+mn-lt"/>
-                <a:ea typeface="+mn-ea"/>
-                <a:cs typeface="+mn-cs"/>
-              </a:defRPr>
-            </a:lvl8pPr>
-            <a:lvl9pPr marL="3886200" indent="-228600" algn="l" defTabSz="914400" rtl="0" eaLnBrk="1" latinLnBrk="0" hangingPunct="1">
-              <a:lnSpc>
-                <a:spcPct val="90000"/>
-              </a:lnSpc>
-              <a:spcBef>
-                <a:spcPts val="500"/>
-              </a:spcBef>
-              <a:buFont typeface="Arial" panose="020B0604020202020204" pitchFamily="34" charset="0"/>
-              <a:buChar char="•"/>
-              <a:defRPr sz="1600" kern="1200">
-                <a:solidFill>
-                  <a:schemeClr val="tx1"/>
-                </a:solidFill>
-                <a:latin typeface="+mn-lt"/>
-                <a:ea typeface="+mn-ea"/>
-                <a:cs typeface="+mn-cs"/>
-              </a:defRPr>
-            </a:lvl9pPr>
-          </a:lstStyle>
-          <a:p>
-            <a:r>
-              <a:rPr lang="nl-NL" dirty="0"/>
-              <a:t>Langzaam model; orde N²</a:t>
-            </a:r>
-          </a:p>
-          <a:p>
-            <a:r>
-              <a:rPr lang="nl-NL" dirty="0"/>
-              <a:t>Rond elk deeltje rechthoek met grenzen</a:t>
-            </a:r>
-          </a:p>
-          <a:p>
-            <a:r>
-              <a:rPr lang="nl-NL" dirty="0"/>
-              <a:t>Botsing mogelijk als en slechts als rechthoeken overlappen</a:t>
-            </a:r>
-          </a:p>
-          <a:p>
-            <a:r>
-              <a:rPr lang="nl-NL" dirty="0"/>
-              <a:t>Barnes-Hut boom: interne takken hebben ruimste rechthoek</a:t>
-            </a:r>
-          </a:p>
-          <a:p>
-            <a:r>
-              <a:rPr lang="nl-NL" dirty="0"/>
-              <a:t>Algoritme wel exact</a:t>
-            </a:r>
-          </a:p>
-          <a:p>
-            <a:r>
-              <a:rPr lang="nl-NL" dirty="0"/>
-              <a:t>orde N· log(N)</a:t>
-            </a:r>
-            <a:endParaRPr lang="nl-NL" dirty="0"/>
-          </a:p>
-        </p:txBody>
-      </p:sp>
-    </p:spTree>
-    <p:extLst>
-      <p:ext uri="{BB962C8B-B14F-4D97-AF65-F5344CB8AC3E}">
-        <p14:creationId xmlns:p14="http://schemas.microsoft.com/office/powerpoint/2010/main" val="3051500588"/>
-      </p:ext>
-    </p:extLst>
-  </p:cSld>
-  <p:clrMapOvr>
-    <a:masterClrMapping/>
-  </p:clrMapOvr>
-</p:sld>
-</file>
-
-<file path=ppt/slides/slide8.xml><?xml version="1.0" encoding="utf-8"?>
-<p:sld xmlns:a="http://schemas.openxmlformats.org/drawingml/2006/main" xmlns:r="http://schemas.openxmlformats.org/officeDocument/2006/relationships" xmlns:p="http://schemas.openxmlformats.org/presentationml/2006/main">
-  <p:cSld>
-    <p:spTree>
-      <p:nvGrpSpPr>
-        <p:cNvPr id="1" name=""/>
-        <p:cNvGrpSpPr/>
-        <p:nvPr/>
-      </p:nvGrpSpPr>
-      <p:grpSpPr>
-        <a:xfrm>
-          <a:off x="0" y="0"/>
-          <a:ext cx="0" cy="0"/>
-          <a:chOff x="0" y="0"/>
-          <a:chExt cx="0" cy="0"/>
-        </a:xfrm>
-      </p:grpSpPr>
       <p:pic>
         <p:nvPicPr>
           <p:cNvPr id="1026" name="Picture 2" descr="C:\Users\guanyu\Documents\mod2b\Presentatie\AantPlaneten2.jpg"/>
@@ -11061,7 +10323,7 @@
 </p:sld>
 </file>
 
-<file path=ppt/slides/slide9.xml><?xml version="1.0" encoding="utf-8"?>
+<file path=ppt/slides/slide8.xml><?xml version="1.0" encoding="utf-8"?>
 <p:sld xmlns:a="http://schemas.openxmlformats.org/drawingml/2006/main" xmlns:r="http://schemas.openxmlformats.org/officeDocument/2006/relationships" xmlns:p="http://schemas.openxmlformats.org/presentationml/2006/main">
   <p:cSld>
     <p:spTree>
@@ -11657,6 +10919,473 @@
     <p:extLst>
       <p:ext uri="{BB962C8B-B14F-4D97-AF65-F5344CB8AC3E}">
         <p14:creationId xmlns:p14="http://schemas.microsoft.com/office/powerpoint/2010/main" val="4106520603"/>
+      </p:ext>
+    </p:extLst>
+  </p:cSld>
+  <p:clrMapOvr>
+    <a:masterClrMapping/>
+  </p:clrMapOvr>
+</p:sld>
+</file>
+
+<file path=ppt/slides/slide9.xml><?xml version="1.0" encoding="utf-8"?>
+<p:sld xmlns:a="http://schemas.openxmlformats.org/drawingml/2006/main" xmlns:r="http://schemas.openxmlformats.org/officeDocument/2006/relationships" xmlns:p="http://schemas.openxmlformats.org/presentationml/2006/main">
+  <p:cSld>
+    <p:spTree>
+      <p:nvGrpSpPr>
+        <p:cNvPr id="1" name=""/>
+        <p:cNvGrpSpPr/>
+        <p:nvPr/>
+      </p:nvGrpSpPr>
+      <p:grpSpPr>
+        <a:xfrm>
+          <a:off x="0" y="0"/>
+          <a:ext cx="0" cy="0"/>
+          <a:chOff x="0" y="0"/>
+          <a:chExt cx="0" cy="0"/>
+        </a:xfrm>
+      </p:grpSpPr>
+      <p:sp>
+        <p:nvSpPr>
+          <p:cNvPr id="2" name="Titel 1"/>
+          <p:cNvSpPr>
+            <a:spLocks noGrp="1"/>
+          </p:cNvSpPr>
+          <p:nvPr>
+            <p:ph type="title"/>
+          </p:nvPr>
+        </p:nvSpPr>
+        <p:spPr/>
+        <p:txBody>
+          <a:bodyPr/>
+          <a:lstStyle/>
+          <a:p>
+            <a:r>
+              <a:rPr lang="nl-NL" dirty="0"/>
+              <a:t>Nauwkeurigheid model</a:t>
+            </a:r>
+          </a:p>
+        </p:txBody>
+      </p:sp>
+      <mc:AlternateContent xmlns:mc="http://schemas.openxmlformats.org/markup-compatibility/2006" xmlns:a14="http://schemas.microsoft.com/office/drawing/2010/main">
+        <mc:Choice Requires="a14">
+          <p:sp>
+            <p:nvSpPr>
+              <p:cNvPr id="3" name="Tijdelijke aanduiding voor inhoud 2"/>
+              <p:cNvSpPr>
+                <a:spLocks noGrp="1"/>
+              </p:cNvSpPr>
+              <p:nvPr>
+                <p:ph idx="1"/>
+              </p:nvPr>
+            </p:nvSpPr>
+            <p:spPr/>
+            <p:txBody>
+              <a:bodyPr/>
+              <a:lstStyle/>
+              <a:p>
+                <a:r>
+                  <a:rPr lang="nl-NL" dirty="0"/>
+                  <a:t>Analyse voor N = 2 deeltjes</a:t>
+                </a:r>
+              </a:p>
+              <a:p>
+                <a:r>
+                  <a:rPr lang="nl-NL" dirty="0"/>
+                  <a:t>Behoud van energie</a:t>
+                </a:r>
+              </a:p>
+              <a:p>
+                <a:pPr marL="0" indent="0">
+                  <a:buNone/>
+                </a:pPr>
+                <a:r>
+                  <a:rPr lang="nl-NL" dirty="0"/>
+                  <a:t>			</a:t>
+                </a:r>
+                <a14:m>
+                  <m:oMath xmlns:m="http://schemas.openxmlformats.org/officeDocument/2006/math">
+                    <m:f>
+                      <m:fPr>
+                        <m:ctrlPr>
+                          <a:rPr lang="nl-NL" sz="3600" i="1" smtClean="0">
+                            <a:latin typeface="Cambria Math" panose="02040503050406030204" pitchFamily="18" charset="0"/>
+                          </a:rPr>
+                        </m:ctrlPr>
+                      </m:fPr>
+                      <m:num>
+                        <m:r>
+                          <a:rPr lang="nl-NL" sz="3600" b="0" i="1" smtClean="0">
+                            <a:latin typeface="Cambria Math"/>
+                          </a:rPr>
+                          <m:t>1</m:t>
+                        </m:r>
+                      </m:num>
+                      <m:den>
+                        <m:r>
+                          <a:rPr lang="nl-NL" sz="3600" b="0" i="1" smtClean="0">
+                            <a:latin typeface="Cambria Math"/>
+                          </a:rPr>
+                          <m:t>2</m:t>
+                        </m:r>
+                      </m:den>
+                    </m:f>
+                    <m:r>
+                      <a:rPr lang="nl-NL" sz="3600" b="0" i="1" smtClean="0">
+                        <a:latin typeface="Cambria Math"/>
+                      </a:rPr>
+                      <m:t>𝑚</m:t>
+                    </m:r>
+                    <m:sSup>
+                      <m:sSupPr>
+                        <m:ctrlPr>
+                          <a:rPr lang="nl-NL" sz="3600" b="0" i="1" smtClean="0">
+                            <a:latin typeface="Cambria Math" panose="02040503050406030204" pitchFamily="18" charset="0"/>
+                          </a:rPr>
+                        </m:ctrlPr>
+                      </m:sSupPr>
+                      <m:e>
+                        <m:r>
+                          <a:rPr lang="nl-NL" sz="3600" b="0" i="1" smtClean="0">
+                            <a:latin typeface="Cambria Math"/>
+                          </a:rPr>
+                          <m:t>𝑣</m:t>
+                        </m:r>
+                      </m:e>
+                      <m:sup>
+                        <m:r>
+                          <a:rPr lang="nl-NL" sz="3600" b="0" i="1" smtClean="0">
+                            <a:latin typeface="Cambria Math"/>
+                          </a:rPr>
+                          <m:t>2</m:t>
+                        </m:r>
+                      </m:sup>
+                    </m:sSup>
+                    <m:r>
+                      <a:rPr lang="nl-NL" sz="3600" b="0" i="1" smtClean="0">
+                        <a:latin typeface="Cambria Math"/>
+                      </a:rPr>
+                      <m:t>+</m:t>
+                    </m:r>
+                    <m:f>
+                      <m:fPr>
+                        <m:ctrlPr>
+                          <a:rPr lang="nl-NL" sz="3600" b="0" i="1" smtClean="0">
+                            <a:latin typeface="Cambria Math" panose="02040503050406030204" pitchFamily="18" charset="0"/>
+                          </a:rPr>
+                        </m:ctrlPr>
+                      </m:fPr>
+                      <m:num>
+                        <m:r>
+                          <a:rPr lang="nl-NL" sz="3600" b="0" i="1" smtClean="0">
+                            <a:latin typeface="Cambria Math"/>
+                          </a:rPr>
+                          <m:t>1</m:t>
+                        </m:r>
+                      </m:num>
+                      <m:den>
+                        <m:r>
+                          <a:rPr lang="nl-NL" sz="3600" b="0" i="1" smtClean="0">
+                            <a:latin typeface="Cambria Math"/>
+                          </a:rPr>
+                          <m:t>2</m:t>
+                        </m:r>
+                      </m:den>
+                    </m:f>
+                    <m:r>
+                      <a:rPr lang="nl-NL" sz="3600" b="0" i="1" smtClean="0">
+                        <a:latin typeface="Cambria Math"/>
+                      </a:rPr>
+                      <m:t>𝑀</m:t>
+                    </m:r>
+                    <m:sSup>
+                      <m:sSupPr>
+                        <m:ctrlPr>
+                          <a:rPr lang="nl-NL" sz="3600" b="0" i="1" smtClean="0">
+                            <a:latin typeface="Cambria Math" panose="02040503050406030204" pitchFamily="18" charset="0"/>
+                          </a:rPr>
+                        </m:ctrlPr>
+                      </m:sSupPr>
+                      <m:e>
+                        <m:r>
+                          <a:rPr lang="nl-NL" sz="3600" b="0" i="1" smtClean="0">
+                            <a:latin typeface="Cambria Math"/>
+                          </a:rPr>
+                          <m:t>𝑉</m:t>
+                        </m:r>
+                      </m:e>
+                      <m:sup>
+                        <m:r>
+                          <a:rPr lang="nl-NL" sz="3600" b="0" i="1" smtClean="0">
+                            <a:latin typeface="Cambria Math"/>
+                          </a:rPr>
+                          <m:t>2</m:t>
+                        </m:r>
+                      </m:sup>
+                    </m:sSup>
+                    <m:r>
+                      <a:rPr lang="nl-NL" sz="3600" b="0" i="1" smtClean="0">
+                        <a:latin typeface="Cambria Math"/>
+                      </a:rPr>
+                      <m:t>−</m:t>
+                    </m:r>
+                    <m:r>
+                      <a:rPr lang="nl-NL" sz="3600" b="0" i="1" smtClean="0">
+                        <a:latin typeface="Cambria Math"/>
+                      </a:rPr>
+                      <m:t>𝐺</m:t>
+                    </m:r>
+                    <m:f>
+                      <m:fPr>
+                        <m:ctrlPr>
+                          <a:rPr lang="nl-NL" sz="3600" b="0" i="1" smtClean="0">
+                            <a:latin typeface="Cambria Math" panose="02040503050406030204" pitchFamily="18" charset="0"/>
+                          </a:rPr>
+                        </m:ctrlPr>
+                      </m:fPr>
+                      <m:num>
+                        <m:r>
+                          <a:rPr lang="nl-NL" sz="3600" b="0" i="1" smtClean="0">
+                            <a:latin typeface="Cambria Math"/>
+                          </a:rPr>
+                          <m:t>𝑚𝑀</m:t>
+                        </m:r>
+                      </m:num>
+                      <m:den>
+                        <m:r>
+                          <a:rPr lang="nl-NL" sz="3600" b="0" i="1" smtClean="0">
+                            <a:latin typeface="Cambria Math"/>
+                          </a:rPr>
+                          <m:t>𝑟</m:t>
+                        </m:r>
+                      </m:den>
+                    </m:f>
+                  </m:oMath>
+                </a14:m>
+                <a:endParaRPr lang="nl-NL" dirty="0"/>
+              </a:p>
+              <a:p>
+                <a:r>
+                  <a:rPr lang="nl-NL" dirty="0" err="1"/>
+                  <a:t>Richardson</a:t>
+                </a:r>
+                <a:r>
+                  <a:rPr lang="nl-NL" dirty="0"/>
+                  <a:t> Extrapolatie</a:t>
+                </a:r>
+              </a:p>
+              <a:p>
+                <a:pPr marL="457200" lvl="1" indent="0">
+                  <a:buNone/>
+                </a:pPr>
+                <a14:m>
+                  <m:oMathPara xmlns:m="http://schemas.openxmlformats.org/officeDocument/2006/math">
+                    <m:oMathParaPr>
+                      <m:jc m:val="centerGroup"/>
+                    </m:oMathParaPr>
+                    <m:oMath xmlns:m="http://schemas.openxmlformats.org/officeDocument/2006/math">
+                      <m:f>
+                        <m:fPr>
+                          <m:ctrlPr>
+                            <a:rPr lang="nl-NL" sz="3200" i="1" smtClean="0">
+                              <a:latin typeface="Cambria Math" panose="02040503050406030204" pitchFamily="18" charset="0"/>
+                            </a:rPr>
+                          </m:ctrlPr>
+                        </m:fPr>
+                        <m:num>
+                          <m:r>
+                            <a:rPr lang="nl-NL" sz="3200" b="0" i="1" smtClean="0">
+                              <a:latin typeface="Cambria Math"/>
+                            </a:rPr>
+                            <m:t>𝑄</m:t>
+                          </m:r>
+                          <m:d>
+                            <m:dPr>
+                              <m:ctrlPr>
+                                <a:rPr lang="nl-NL" sz="3200" b="0" i="1" smtClean="0">
+                                  <a:latin typeface="Cambria Math" panose="02040503050406030204" pitchFamily="18" charset="0"/>
+                                </a:rPr>
+                              </m:ctrlPr>
+                            </m:dPr>
+                            <m:e>
+                              <m:r>
+                                <a:rPr lang="nl-NL" sz="3200" b="0" i="1" smtClean="0">
+                                  <a:latin typeface="Cambria Math"/>
+                                </a:rPr>
+                                <m:t>2</m:t>
+                              </m:r>
+                              <m:r>
+                                <a:rPr lang="nl-NL" sz="3200" b="0" i="1" smtClean="0">
+                                  <a:latin typeface="Cambria Math"/>
+                                </a:rPr>
+                                <m:t>h</m:t>
+                              </m:r>
+                            </m:e>
+                          </m:d>
+                          <m:r>
+                            <a:rPr lang="nl-NL" sz="3200" b="0" i="1" smtClean="0">
+                              <a:latin typeface="Cambria Math"/>
+                            </a:rPr>
+                            <m:t>−</m:t>
+                          </m:r>
+                          <m:r>
+                            <a:rPr lang="nl-NL" sz="3200" b="0" i="1" smtClean="0">
+                              <a:latin typeface="Cambria Math"/>
+                            </a:rPr>
+                            <m:t>𝑄</m:t>
+                          </m:r>
+                          <m:r>
+                            <a:rPr lang="nl-NL" sz="3200" b="0" i="1" smtClean="0">
+                              <a:latin typeface="Cambria Math"/>
+                            </a:rPr>
+                            <m:t>(4</m:t>
+                          </m:r>
+                          <m:r>
+                            <a:rPr lang="nl-NL" sz="3200" b="0" i="1" smtClean="0">
+                              <a:latin typeface="Cambria Math"/>
+                            </a:rPr>
+                            <m:t>h</m:t>
+                          </m:r>
+                          <m:r>
+                            <a:rPr lang="nl-NL" sz="3200" b="0" i="1" smtClean="0">
+                              <a:latin typeface="Cambria Math"/>
+                            </a:rPr>
+                            <m:t>)</m:t>
+                          </m:r>
+                        </m:num>
+                        <m:den>
+                          <m:r>
+                            <a:rPr lang="nl-NL" sz="3200" b="0" i="1" smtClean="0">
+                              <a:latin typeface="Cambria Math"/>
+                            </a:rPr>
+                            <m:t>𝑄</m:t>
+                          </m:r>
+                          <m:d>
+                            <m:dPr>
+                              <m:ctrlPr>
+                                <a:rPr lang="nl-NL" sz="3200" b="0" i="1" smtClean="0">
+                                  <a:latin typeface="Cambria Math" panose="02040503050406030204" pitchFamily="18" charset="0"/>
+                                </a:rPr>
+                              </m:ctrlPr>
+                            </m:dPr>
+                            <m:e>
+                              <m:r>
+                                <a:rPr lang="nl-NL" sz="3200" b="0" i="1" smtClean="0">
+                                  <a:latin typeface="Cambria Math"/>
+                                </a:rPr>
+                                <m:t>h</m:t>
+                              </m:r>
+                            </m:e>
+                          </m:d>
+                          <m:r>
+                            <a:rPr lang="nl-NL" sz="3200" b="0" i="1" smtClean="0">
+                              <a:latin typeface="Cambria Math"/>
+                            </a:rPr>
+                            <m:t>−</m:t>
+                          </m:r>
+                          <m:r>
+                            <a:rPr lang="nl-NL" sz="3200" b="0" i="1" smtClean="0">
+                              <a:latin typeface="Cambria Math"/>
+                            </a:rPr>
+                            <m:t>𝑄</m:t>
+                          </m:r>
+                          <m:r>
+                            <a:rPr lang="nl-NL" sz="3200" b="0" i="1" smtClean="0">
+                              <a:latin typeface="Cambria Math"/>
+                            </a:rPr>
+                            <m:t>(2</m:t>
+                          </m:r>
+                          <m:r>
+                            <a:rPr lang="nl-NL" sz="3200" b="0" i="1" smtClean="0">
+                              <a:latin typeface="Cambria Math"/>
+                            </a:rPr>
+                            <m:t>h</m:t>
+                          </m:r>
+                          <m:r>
+                            <a:rPr lang="nl-NL" sz="3200" b="0" i="1" smtClean="0">
+                              <a:latin typeface="Cambria Math"/>
+                            </a:rPr>
+                            <m:t>)</m:t>
+                          </m:r>
+                        </m:den>
+                      </m:f>
+                      <m:r>
+                        <a:rPr lang="nl-NL" sz="3200" b="0" i="1" smtClean="0">
+                          <a:latin typeface="Cambria Math"/>
+                        </a:rPr>
+                        <m:t>=</m:t>
+                      </m:r>
+                      <m:sSup>
+                        <m:sSupPr>
+                          <m:ctrlPr>
+                            <a:rPr lang="nl-NL" sz="3200" b="0" i="1" smtClean="0">
+                              <a:latin typeface="Cambria Math" panose="02040503050406030204" pitchFamily="18" charset="0"/>
+                            </a:rPr>
+                          </m:ctrlPr>
+                        </m:sSupPr>
+                        <m:e>
+                          <m:r>
+                            <a:rPr lang="nl-NL" sz="3200" b="0" i="1" smtClean="0">
+                              <a:latin typeface="Cambria Math"/>
+                            </a:rPr>
+                            <m:t>2</m:t>
+                          </m:r>
+                        </m:e>
+                        <m:sup>
+                          <m:r>
+                            <a:rPr lang="nl-NL" sz="3200" b="0" i="1" smtClean="0">
+                              <a:latin typeface="Cambria Math"/>
+                            </a:rPr>
+                            <m:t>𝑝</m:t>
+                          </m:r>
+                        </m:sup>
+                      </m:sSup>
+                    </m:oMath>
+                  </m:oMathPara>
+                </a14:m>
+                <a:endParaRPr lang="nl-NL" sz="3200" dirty="0"/>
+              </a:p>
+            </p:txBody>
+          </p:sp>
+        </mc:Choice>
+        <mc:Fallback xmlns="">
+          <p:sp>
+            <p:nvSpPr>
+              <p:cNvPr id="3" name="Tijdelijke aanduiding voor inhoud 2"/>
+              <p:cNvSpPr>
+                <a:spLocks noGrp="1" noRot="1" noChangeAspect="1" noMove="1" noResize="1" noEditPoints="1" noAdjustHandles="1" noChangeArrowheads="1" noChangeShapeType="1" noTextEdit="1"/>
+              </p:cNvSpPr>
+              <p:nvPr>
+                <p:ph idx="1"/>
+              </p:nvPr>
+            </p:nvSpPr>
+            <p:spPr>
+              <a:blipFill rotWithShape="1">
+                <a:blip r:embed="rId2"/>
+                <a:stretch>
+                  <a:fillRect l="-676" t="-1818"/>
+                </a:stretch>
+              </a:blipFill>
+            </p:spPr>
+            <p:txBody>
+              <a:bodyPr/>
+              <a:lstStyle/>
+              <a:p>
+                <a:r>
+                  <a:rPr lang="nl-NL">
+                    <a:noFill/>
+                  </a:rPr>
+                  <a:t> </a:t>
+                </a:r>
+              </a:p>
+            </p:txBody>
+          </p:sp>
+        </mc:Fallback>
+      </mc:AlternateContent>
+    </p:spTree>
+    <p:extLst>
+      <p:ext uri="{BB962C8B-B14F-4D97-AF65-F5344CB8AC3E}">
+        <p14:creationId xmlns:p14="http://schemas.microsoft.com/office/powerpoint/2010/main" val="120385941"/>
       </p:ext>
     </p:extLst>
   </p:cSld>

--- a/Presentatie/Presentatie.pptx
+++ b/Presentatie/Presentatie.pptx
@@ -122,7 +122,7 @@
   </p:defaultTextStyle>
   <p:extLst>
     <p:ext uri="{EFAFB233-063F-42B5-8137-9DF3F51BA10A}">
-      <p15:sldGuideLst xmlns:p15="http://schemas.microsoft.com/office/powerpoint/2012/main">
+      <p15:sldGuideLst xmlns:p15="http://schemas.microsoft.com/office/powerpoint/2012/main" xmlns="">
         <p15:guide id="1" orient="horz" pos="2160">
           <p15:clr>
             <a:srgbClr val="A4A3A4"/>
@@ -831,6 +831,18 @@
   <p:clrMapOvr>
     <a:masterClrMapping/>
   </p:clrMapOvr>
+  <mc:AlternateContent xmlns:mc="http://schemas.openxmlformats.org/markup-compatibility/2006">
+    <mc:Choice xmlns:p14="http://schemas.microsoft.com/office/powerpoint/2010/main" Requires="p14">
+      <p:transition spd="med" p14:dur="700">
+        <p:fade/>
+      </p:transition>
+    </mc:Choice>
+    <mc:Fallback>
+      <p:transition spd="med">
+        <p:fade/>
+      </p:transition>
+    </mc:Fallback>
+  </mc:AlternateContent>
 </p:sldLayout>
 </file>
 
@@ -1088,6 +1100,18 @@
   <p:clrMapOvr>
     <a:masterClrMapping/>
   </p:clrMapOvr>
+  <mc:AlternateContent xmlns:mc="http://schemas.openxmlformats.org/markup-compatibility/2006">
+    <mc:Choice xmlns:p14="http://schemas.microsoft.com/office/powerpoint/2010/main" Requires="p14">
+      <p:transition spd="med" p14:dur="700">
+        <p:fade/>
+      </p:transition>
+    </mc:Choice>
+    <mc:Fallback>
+      <p:transition spd="med">
+        <p:fade/>
+      </p:transition>
+    </mc:Fallback>
+  </mc:AlternateContent>
 </p:sldLayout>
 </file>
 
@@ -1329,6 +1353,18 @@
   <p:clrMapOvr>
     <a:masterClrMapping/>
   </p:clrMapOvr>
+  <mc:AlternateContent xmlns:mc="http://schemas.openxmlformats.org/markup-compatibility/2006">
+    <mc:Choice xmlns:p14="http://schemas.microsoft.com/office/powerpoint/2010/main" Requires="p14">
+      <p:transition spd="med" p14:dur="700">
+        <p:fade/>
+      </p:transition>
+    </mc:Choice>
+    <mc:Fallback>
+      <p:transition spd="med">
+        <p:fade/>
+      </p:transition>
+    </mc:Fallback>
+  </mc:AlternateContent>
 </p:sldLayout>
 </file>
 
@@ -1871,6 +1907,18 @@
   <p:clrMapOvr>
     <a:masterClrMapping/>
   </p:clrMapOvr>
+  <mc:AlternateContent xmlns:mc="http://schemas.openxmlformats.org/markup-compatibility/2006">
+    <mc:Choice xmlns:p14="http://schemas.microsoft.com/office/powerpoint/2010/main" Requires="p14">
+      <p:transition spd="med" p14:dur="700">
+        <p:fade/>
+      </p:transition>
+    </mc:Choice>
+    <mc:Fallback>
+      <p:transition spd="med">
+        <p:fade/>
+      </p:transition>
+    </mc:Fallback>
+  </mc:AlternateContent>
 </p:sldLayout>
 </file>
 
@@ -2112,6 +2160,18 @@
   <p:clrMapOvr>
     <a:masterClrMapping/>
   </p:clrMapOvr>
+  <mc:AlternateContent xmlns:mc="http://schemas.openxmlformats.org/markup-compatibility/2006">
+    <mc:Choice xmlns:p14="http://schemas.microsoft.com/office/powerpoint/2010/main" Requires="p14">
+      <p:transition spd="med" p14:dur="700">
+        <p:fade/>
+      </p:transition>
+    </mc:Choice>
+    <mc:Fallback>
+      <p:transition spd="med">
+        <p:fade/>
+      </p:transition>
+    </mc:Fallback>
+  </mc:AlternateContent>
 </p:sldLayout>
 </file>
 
@@ -2649,6 +2709,18 @@
   <p:clrMapOvr>
     <a:masterClrMapping/>
   </p:clrMapOvr>
+  <mc:AlternateContent xmlns:mc="http://schemas.openxmlformats.org/markup-compatibility/2006">
+    <mc:Choice xmlns:p14="http://schemas.microsoft.com/office/powerpoint/2010/main" Requires="p14">
+      <p:transition spd="med" p14:dur="700">
+        <p:fade/>
+      </p:transition>
+    </mc:Choice>
+    <mc:Fallback>
+      <p:transition spd="med">
+        <p:fade/>
+      </p:transition>
+    </mc:Fallback>
+  </mc:AlternateContent>
 </p:sldLayout>
 </file>
 
@@ -3423,6 +3495,18 @@
   <p:clrMapOvr>
     <a:masterClrMapping/>
   </p:clrMapOvr>
+  <mc:AlternateContent xmlns:mc="http://schemas.openxmlformats.org/markup-compatibility/2006">
+    <mc:Choice xmlns:p14="http://schemas.microsoft.com/office/powerpoint/2010/main" Requires="p14">
+      <p:transition spd="med" p14:dur="700">
+        <p:fade/>
+      </p:transition>
+    </mc:Choice>
+    <mc:Fallback>
+      <p:transition spd="med">
+        <p:fade/>
+      </p:transition>
+    </mc:Fallback>
+  </mc:AlternateContent>
 </p:sldLayout>
 </file>
 
@@ -3598,6 +3682,18 @@
   <p:clrMapOvr>
     <a:masterClrMapping/>
   </p:clrMapOvr>
+  <mc:AlternateContent xmlns:mc="http://schemas.openxmlformats.org/markup-compatibility/2006">
+    <mc:Choice xmlns:p14="http://schemas.microsoft.com/office/powerpoint/2010/main" Requires="p14">
+      <p:transition spd="med" p14:dur="700">
+        <p:fade/>
+      </p:transition>
+    </mc:Choice>
+    <mc:Fallback>
+      <p:transition spd="med">
+        <p:fade/>
+      </p:transition>
+    </mc:Fallback>
+  </mc:AlternateContent>
 </p:sldLayout>
 </file>
 
@@ -3831,6 +3927,18 @@
   <p:clrMapOvr>
     <a:masterClrMapping/>
   </p:clrMapOvr>
+  <mc:AlternateContent xmlns:mc="http://schemas.openxmlformats.org/markup-compatibility/2006">
+    <mc:Choice xmlns:p14="http://schemas.microsoft.com/office/powerpoint/2010/main" Requires="p14">
+      <p:transition spd="med" p14:dur="700">
+        <p:fade/>
+      </p:transition>
+    </mc:Choice>
+    <mc:Fallback>
+      <p:transition spd="med">
+        <p:fade/>
+      </p:transition>
+    </mc:Fallback>
+  </mc:AlternateContent>
 </p:sldLayout>
 </file>
 
@@ -4001,6 +4109,18 @@
   <p:clrMapOvr>
     <a:masterClrMapping/>
   </p:clrMapOvr>
+  <mc:AlternateContent xmlns:mc="http://schemas.openxmlformats.org/markup-compatibility/2006">
+    <mc:Choice xmlns:p14="http://schemas.microsoft.com/office/powerpoint/2010/main" Requires="p14">
+      <p:transition spd="med" p14:dur="700">
+        <p:fade/>
+      </p:transition>
+    </mc:Choice>
+    <mc:Fallback>
+      <p:transition spd="med">
+        <p:fade/>
+      </p:transition>
+    </mc:Fallback>
+  </mc:AlternateContent>
 </p:sldLayout>
 </file>
 
@@ -4300,6 +4420,18 @@
   <p:clrMapOvr>
     <a:masterClrMapping/>
   </p:clrMapOvr>
+  <mc:AlternateContent xmlns:mc="http://schemas.openxmlformats.org/markup-compatibility/2006">
+    <mc:Choice xmlns:p14="http://schemas.microsoft.com/office/powerpoint/2010/main" Requires="p14">
+      <p:transition spd="med" p14:dur="700">
+        <p:fade/>
+      </p:transition>
+    </mc:Choice>
+    <mc:Fallback>
+      <p:transition spd="med">
+        <p:fade/>
+      </p:transition>
+    </mc:Fallback>
+  </mc:AlternateContent>
 </p:sldLayout>
 </file>
 
@@ -4532,6 +4664,18 @@
   <p:clrMapOvr>
     <a:masterClrMapping/>
   </p:clrMapOvr>
+  <mc:AlternateContent xmlns:mc="http://schemas.openxmlformats.org/markup-compatibility/2006">
+    <mc:Choice xmlns:p14="http://schemas.microsoft.com/office/powerpoint/2010/main" Requires="p14">
+      <p:transition spd="med" p14:dur="700">
+        <p:fade/>
+      </p:transition>
+    </mc:Choice>
+    <mc:Fallback>
+      <p:transition spd="med">
+        <p:fade/>
+      </p:transition>
+    </mc:Fallback>
+  </mc:AlternateContent>
 </p:sldLayout>
 </file>
 
@@ -4911,6 +5055,18 @@
   <p:clrMapOvr>
     <a:masterClrMapping/>
   </p:clrMapOvr>
+  <mc:AlternateContent xmlns:mc="http://schemas.openxmlformats.org/markup-compatibility/2006">
+    <mc:Choice xmlns:p14="http://schemas.microsoft.com/office/powerpoint/2010/main" Requires="p14">
+      <p:transition spd="med" p14:dur="700">
+        <p:fade/>
+      </p:transition>
+    </mc:Choice>
+    <mc:Fallback>
+      <p:transition spd="med">
+        <p:fade/>
+      </p:transition>
+    </mc:Fallback>
+  </mc:AlternateContent>
 </p:sldLayout>
 </file>
 
@@ -5029,6 +5185,18 @@
   <p:clrMapOvr>
     <a:masterClrMapping/>
   </p:clrMapOvr>
+  <mc:AlternateContent xmlns:mc="http://schemas.openxmlformats.org/markup-compatibility/2006">
+    <mc:Choice xmlns:p14="http://schemas.microsoft.com/office/powerpoint/2010/main" Requires="p14">
+      <p:transition spd="med" p14:dur="700">
+        <p:fade/>
+      </p:transition>
+    </mc:Choice>
+    <mc:Fallback>
+      <p:transition spd="med">
+        <p:fade/>
+      </p:transition>
+    </mc:Fallback>
+  </mc:AlternateContent>
 </p:sldLayout>
 </file>
 
@@ -5124,6 +5292,18 @@
   <p:clrMapOvr>
     <a:masterClrMapping/>
   </p:clrMapOvr>
+  <mc:AlternateContent xmlns:mc="http://schemas.openxmlformats.org/markup-compatibility/2006">
+    <mc:Choice xmlns:p14="http://schemas.microsoft.com/office/powerpoint/2010/main" Requires="p14">
+      <p:transition spd="med" p14:dur="700">
+        <p:fade/>
+      </p:transition>
+    </mc:Choice>
+    <mc:Fallback>
+      <p:transition spd="med">
+        <p:fade/>
+      </p:transition>
+    </mc:Fallback>
+  </mc:AlternateContent>
 </p:sldLayout>
 </file>
 
@@ -5373,6 +5553,18 @@
   <p:clrMapOvr>
     <a:masterClrMapping/>
   </p:clrMapOvr>
+  <mc:AlternateContent xmlns:mc="http://schemas.openxmlformats.org/markup-compatibility/2006">
+    <mc:Choice xmlns:p14="http://schemas.microsoft.com/office/powerpoint/2010/main" Requires="p14">
+      <p:transition spd="med" p14:dur="700">
+        <p:fade/>
+      </p:transition>
+    </mc:Choice>
+    <mc:Fallback>
+      <p:transition spd="med">
+        <p:fade/>
+      </p:transition>
+    </mc:Fallback>
+  </mc:AlternateContent>
 </p:sldLayout>
 </file>
 
@@ -5630,6 +5822,18 @@
   <p:clrMapOvr>
     <a:masterClrMapping/>
   </p:clrMapOvr>
+  <mc:AlternateContent xmlns:mc="http://schemas.openxmlformats.org/markup-compatibility/2006">
+    <mc:Choice xmlns:p14="http://schemas.microsoft.com/office/powerpoint/2010/main" Requires="p14">
+      <p:transition spd="med" p14:dur="700">
+        <p:fade/>
+      </p:transition>
+    </mc:Choice>
+    <mc:Fallback>
+      <p:transition spd="med">
+        <p:fade/>
+      </p:transition>
+    </mc:Fallback>
+  </mc:AlternateContent>
 </p:sldLayout>
 </file>
 
@@ -5926,6 +6130,18 @@
     <p:sldLayoutId id="2147483694" r:id="rId16"/>
     <p:sldLayoutId id="2147483695" r:id="rId17"/>
   </p:sldLayoutIdLst>
+  <mc:AlternateContent xmlns:mc="http://schemas.openxmlformats.org/markup-compatibility/2006">
+    <mc:Choice xmlns:p14="http://schemas.microsoft.com/office/powerpoint/2010/main" Requires="p14">
+      <p:transition spd="med" p14:dur="700">
+        <p:fade/>
+      </p:transition>
+    </mc:Choice>
+    <mc:Fallback>
+      <p:transition spd="med">
+        <p:fade/>
+      </p:transition>
+    </mc:Fallback>
+  </mc:AlternateContent>
   <p:txStyles>
     <p:titleStyle>
       <a:lvl1pPr algn="r" defTabSz="914400" rtl="0" eaLnBrk="1" latinLnBrk="0" hangingPunct="1">
@@ -6395,6 +6611,25 @@
   <p:clrMapOvr>
     <a:masterClrMapping/>
   </p:clrMapOvr>
+  <mc:AlternateContent xmlns:mc="http://schemas.openxmlformats.org/markup-compatibility/2006">
+    <mc:Choice xmlns:p14="http://schemas.microsoft.com/office/powerpoint/2010/main" Requires="p14">
+      <p:transition spd="med" p14:dur="700">
+        <p:fade/>
+      </p:transition>
+    </mc:Choice>
+    <mc:Fallback>
+      <p:transition spd="med">
+        <p:fade/>
+      </p:transition>
+    </mc:Fallback>
+  </mc:AlternateContent>
+  <p:timing>
+    <p:tnLst>
+      <p:par>
+        <p:cTn id="1" dur="indefinite" restart="never" nodeType="tmRoot"/>
+      </p:par>
+    </p:tnLst>
+  </p:timing>
 </p:sld>
 </file>
 
@@ -6872,56 +7107,56 @@
                 <a:gridCol w="1484290">
                   <a:extLst>
                     <a:ext uri="{9D8B030D-6E8A-4147-A177-3AD203B41FA5}">
-                      <a16:colId xmlns:a16="http://schemas.microsoft.com/office/drawing/2014/main" val="20000"/>
+                      <a16:colId xmlns:a16="http://schemas.microsoft.com/office/drawing/2014/main" xmlns="" val="20000"/>
                     </a:ext>
                   </a:extLst>
                 </a:gridCol>
                 <a:gridCol w="1484290">
                   <a:extLst>
                     <a:ext uri="{9D8B030D-6E8A-4147-A177-3AD203B41FA5}">
-                      <a16:colId xmlns:a16="http://schemas.microsoft.com/office/drawing/2014/main" val="20001"/>
+                      <a16:colId xmlns:a16="http://schemas.microsoft.com/office/drawing/2014/main" xmlns="" val="20001"/>
                     </a:ext>
                   </a:extLst>
                 </a:gridCol>
                 <a:gridCol w="1484290">
                   <a:extLst>
                     <a:ext uri="{9D8B030D-6E8A-4147-A177-3AD203B41FA5}">
-                      <a16:colId xmlns:a16="http://schemas.microsoft.com/office/drawing/2014/main" val="20002"/>
+                      <a16:colId xmlns:a16="http://schemas.microsoft.com/office/drawing/2014/main" xmlns="" val="20002"/>
                     </a:ext>
                   </a:extLst>
                 </a:gridCol>
                 <a:gridCol w="1484290">
                   <a:extLst>
                     <a:ext uri="{9D8B030D-6E8A-4147-A177-3AD203B41FA5}">
-                      <a16:colId xmlns:a16="http://schemas.microsoft.com/office/drawing/2014/main" val="20003"/>
+                      <a16:colId xmlns:a16="http://schemas.microsoft.com/office/drawing/2014/main" xmlns="" val="20003"/>
                     </a:ext>
                   </a:extLst>
                 </a:gridCol>
                 <a:gridCol w="1484290">
                   <a:extLst>
                     <a:ext uri="{9D8B030D-6E8A-4147-A177-3AD203B41FA5}">
-                      <a16:colId xmlns:a16="http://schemas.microsoft.com/office/drawing/2014/main" val="20004"/>
+                      <a16:colId xmlns:a16="http://schemas.microsoft.com/office/drawing/2014/main" xmlns="" val="20004"/>
                     </a:ext>
                   </a:extLst>
                 </a:gridCol>
                 <a:gridCol w="1484290">
                   <a:extLst>
                     <a:ext uri="{9D8B030D-6E8A-4147-A177-3AD203B41FA5}">
-                      <a16:colId xmlns:a16="http://schemas.microsoft.com/office/drawing/2014/main" val="20005"/>
+                      <a16:colId xmlns:a16="http://schemas.microsoft.com/office/drawing/2014/main" xmlns="" val="20005"/>
                     </a:ext>
                   </a:extLst>
                 </a:gridCol>
                 <a:gridCol w="1484290">
                   <a:extLst>
                     <a:ext uri="{9D8B030D-6E8A-4147-A177-3AD203B41FA5}">
-                      <a16:colId xmlns:a16="http://schemas.microsoft.com/office/drawing/2014/main" val="20006"/>
+                      <a16:colId xmlns:a16="http://schemas.microsoft.com/office/drawing/2014/main" xmlns="" val="20006"/>
                     </a:ext>
                   </a:extLst>
                 </a:gridCol>
                 <a:gridCol w="1484290">
                   <a:extLst>
                     <a:ext uri="{9D8B030D-6E8A-4147-A177-3AD203B41FA5}">
-                      <a16:colId xmlns:a16="http://schemas.microsoft.com/office/drawing/2014/main" val="20007"/>
+                      <a16:colId xmlns:a16="http://schemas.microsoft.com/office/drawing/2014/main" xmlns="" val="20007"/>
                     </a:ext>
                   </a:extLst>
                 </a:gridCol>
@@ -7046,7 +7281,7 @@
                 </a:tc>
                 <a:extLst>
                   <a:ext uri="{0D108BD9-81ED-4DB2-BD59-A6C34878D82A}">
-                    <a16:rowId xmlns:a16="http://schemas.microsoft.com/office/drawing/2014/main" val="10000"/>
+                    <a16:rowId xmlns:a16="http://schemas.microsoft.com/office/drawing/2014/main" xmlns="" val="10000"/>
                   </a:ext>
                 </a:extLst>
               </a:tr>
@@ -7221,7 +7456,7 @@
                 </a:tc>
                 <a:extLst>
                   <a:ext uri="{0D108BD9-81ED-4DB2-BD59-A6C34878D82A}">
-                    <a16:rowId xmlns:a16="http://schemas.microsoft.com/office/drawing/2014/main" val="10001"/>
+                    <a16:rowId xmlns:a16="http://schemas.microsoft.com/office/drawing/2014/main" xmlns="" val="10001"/>
                   </a:ext>
                 </a:extLst>
               </a:tr>
@@ -7239,6 +7474,25 @@
   <p:clrMapOvr>
     <a:masterClrMapping/>
   </p:clrMapOvr>
+  <mc:AlternateContent xmlns:mc="http://schemas.openxmlformats.org/markup-compatibility/2006">
+    <mc:Choice xmlns:p14="http://schemas.microsoft.com/office/powerpoint/2010/main" Requires="p14">
+      <p:transition spd="med" p14:dur="700">
+        <p:fade/>
+      </p:transition>
+    </mc:Choice>
+    <mc:Fallback>
+      <p:transition spd="med">
+        <p:fade/>
+      </p:transition>
+    </mc:Fallback>
+  </mc:AlternateContent>
+  <p:timing>
+    <p:tnLst>
+      <p:par>
+        <p:cTn id="1" dur="indefinite" restart="never" nodeType="tmRoot"/>
+      </p:par>
+    </p:tnLst>
+  </p:timing>
 </p:sld>
 </file>
 
@@ -7328,6 +7582,25 @@
   <p:clrMapOvr>
     <a:masterClrMapping/>
   </p:clrMapOvr>
+  <mc:AlternateContent xmlns:mc="http://schemas.openxmlformats.org/markup-compatibility/2006">
+    <mc:Choice xmlns:p14="http://schemas.microsoft.com/office/powerpoint/2010/main" Requires="p14">
+      <p:transition spd="med" p14:dur="700">
+        <p:fade/>
+      </p:transition>
+    </mc:Choice>
+    <mc:Fallback>
+      <p:transition spd="med">
+        <p:fade/>
+      </p:transition>
+    </mc:Fallback>
+  </mc:AlternateContent>
+  <p:timing>
+    <p:tnLst>
+      <p:par>
+        <p:cTn id="1" dur="indefinite" restart="never" nodeType="tmRoot"/>
+      </p:par>
+    </p:tnLst>
+  </p:timing>
 </p:sld>
 </file>
 
@@ -7417,6 +7690,25 @@
   <p:clrMapOvr>
     <a:masterClrMapping/>
   </p:clrMapOvr>
+  <mc:AlternateContent xmlns:mc="http://schemas.openxmlformats.org/markup-compatibility/2006">
+    <mc:Choice xmlns:p14="http://schemas.microsoft.com/office/powerpoint/2010/main" Requires="p14">
+      <p:transition spd="med" p14:dur="700">
+        <p:fade/>
+      </p:transition>
+    </mc:Choice>
+    <mc:Fallback>
+      <p:transition spd="med">
+        <p:fade/>
+      </p:transition>
+    </mc:Fallback>
+  </mc:AlternateContent>
+  <p:timing>
+    <p:tnLst>
+      <p:par>
+        <p:cTn id="1" dur="indefinite" restart="never" nodeType="tmRoot"/>
+      </p:par>
+    </p:tnLst>
+  </p:timing>
 </p:sld>
 </file>
 
@@ -7531,6 +7823,25 @@
   <p:clrMapOvr>
     <a:masterClrMapping/>
   </p:clrMapOvr>
+  <mc:AlternateContent xmlns:mc="http://schemas.openxmlformats.org/markup-compatibility/2006">
+    <mc:Choice xmlns:p14="http://schemas.microsoft.com/office/powerpoint/2010/main" Requires="p14">
+      <p:transition spd="med" p14:dur="700">
+        <p:fade/>
+      </p:transition>
+    </mc:Choice>
+    <mc:Fallback>
+      <p:transition spd="med">
+        <p:fade/>
+      </p:transition>
+    </mc:Fallback>
+  </mc:AlternateContent>
+  <p:timing>
+    <p:tnLst>
+      <p:par>
+        <p:cTn id="1" dur="indefinite" restart="never" nodeType="tmRoot"/>
+      </p:par>
+    </p:tnLst>
+  </p:timing>
 </p:sld>
 </file>
 
@@ -7560,7 +7871,7 @@
           <p:nvPr/>
         </p:nvPicPr>
         <p:blipFill>
-          <a:blip r:embed="rId2">
+          <a:blip r:embed="rId2" cstate="print">
             <a:extLst>
               <a:ext uri="{28A0092B-C50C-407E-A947-70E740481C1C}">
                 <a14:useLocalDpi xmlns:a14="http://schemas.microsoft.com/office/drawing/2010/main" val="0"/>
@@ -7617,6 +7928,25 @@
   <p:clrMapOvr>
     <a:masterClrMapping/>
   </p:clrMapOvr>
+  <mc:AlternateContent xmlns:mc="http://schemas.openxmlformats.org/markup-compatibility/2006">
+    <mc:Choice xmlns:p14="http://schemas.microsoft.com/office/powerpoint/2010/main" Requires="p14">
+      <p:transition spd="med" p14:dur="700">
+        <p:fade/>
+      </p:transition>
+    </mc:Choice>
+    <mc:Fallback>
+      <p:transition spd="med">
+        <p:fade/>
+      </p:transition>
+    </mc:Fallback>
+  </mc:AlternateContent>
+  <p:timing>
+    <p:tnLst>
+      <p:par>
+        <p:cTn id="1" dur="indefinite" restart="never" nodeType="tmRoot"/>
+      </p:par>
+    </p:tnLst>
+  </p:timing>
 </p:sld>
 </file>
 
@@ -7753,6 +8083,25 @@
   <p:clrMapOvr>
     <a:masterClrMapping/>
   </p:clrMapOvr>
+  <mc:AlternateContent xmlns:mc="http://schemas.openxmlformats.org/markup-compatibility/2006">
+    <mc:Choice xmlns:p14="http://schemas.microsoft.com/office/powerpoint/2010/main" Requires="p14">
+      <p:transition spd="med" p14:dur="700">
+        <p:fade/>
+      </p:transition>
+    </mc:Choice>
+    <mc:Fallback>
+      <p:transition spd="med">
+        <p:fade/>
+      </p:transition>
+    </mc:Fallback>
+  </mc:AlternateContent>
+  <p:timing>
+    <p:tnLst>
+      <p:par>
+        <p:cTn id="1" dur="indefinite" restart="never" nodeType="tmRoot"/>
+      </p:par>
+    </p:tnLst>
+  </p:timing>
 </p:sld>
 </file>
 
@@ -7860,6 +8209,25 @@
   <p:clrMapOvr>
     <a:masterClrMapping/>
   </p:clrMapOvr>
+  <mc:AlternateContent xmlns:mc="http://schemas.openxmlformats.org/markup-compatibility/2006">
+    <mc:Choice xmlns:p14="http://schemas.microsoft.com/office/powerpoint/2010/main" Requires="p14">
+      <p:transition spd="med" p14:dur="700">
+        <p:fade/>
+      </p:transition>
+    </mc:Choice>
+    <mc:Fallback>
+      <p:transition spd="med">
+        <p:fade/>
+      </p:transition>
+    </mc:Fallback>
+  </mc:AlternateContent>
+  <p:timing>
+    <p:tnLst>
+      <p:par>
+        <p:cTn id="1" dur="indefinite" restart="never" nodeType="tmRoot"/>
+      </p:par>
+    </p:tnLst>
+  </p:timing>
 </p:sld>
 </file>
 
@@ -7902,8 +8270,8 @@
           </a:p>
         </p:txBody>
       </p:sp>
-      <mc:AlternateContent xmlns:mc="http://schemas.openxmlformats.org/markup-compatibility/2006">
-        <mc:Choice xmlns:a14="http://schemas.microsoft.com/office/drawing/2010/main" Requires="a14">
+      <mc:AlternateContent xmlns:mc="http://schemas.openxmlformats.org/markup-compatibility/2006" xmlns:a14="http://schemas.microsoft.com/office/drawing/2010/main">
+        <mc:Choice Requires="a14">
           <p:sp>
             <p:nvSpPr>
               <p:cNvPr id="3" name="Tijdelijke aanduiding voor inhoud 2"/>
@@ -7940,7 +8308,7 @@
                         <m:chr m:val="⃗"/>
                         <m:ctrlPr>
                           <a:rPr lang="nl-NL" sz="3200" b="0" i="1" smtClean="0">
-                            <a:latin typeface="Cambria Math" panose="02040503050406030204" pitchFamily="18" charset="0"/>
+                            <a:latin typeface="Cambria Math"/>
                           </a:rPr>
                         </m:ctrlPr>
                       </m:accPr>
@@ -7949,7 +8317,7 @@
                           <m:sSubPr>
                             <m:ctrlPr>
                               <a:rPr lang="nl-NL" sz="3200" b="0" i="1" smtClean="0">
-                                <a:latin typeface="Cambria Math" panose="02040503050406030204" pitchFamily="18" charset="0"/>
+                                <a:latin typeface="Cambria Math"/>
                               </a:rPr>
                             </m:ctrlPr>
                           </m:sSubPr>
@@ -7982,7 +8350,7 @@
                       <m:fPr>
                         <m:ctrlPr>
                           <a:rPr lang="nl-NL" sz="3200" i="1" smtClean="0">
-                            <a:latin typeface="Cambria Math" panose="02040503050406030204" pitchFamily="18" charset="0"/>
+                            <a:latin typeface="Cambria Math"/>
                           </a:rPr>
                         </m:ctrlPr>
                       </m:fPr>
@@ -7991,7 +8359,7 @@
                           <m:sSupPr>
                             <m:ctrlPr>
                               <a:rPr lang="nl-NL" sz="3200" i="1" smtClean="0">
-                                <a:latin typeface="Cambria Math" panose="02040503050406030204" pitchFamily="18" charset="0"/>
+                                <a:latin typeface="Cambria Math"/>
                               </a:rPr>
                             </m:ctrlPr>
                           </m:sSupPr>
@@ -8017,7 +8385,7 @@
                             <m:chr m:val="⃗"/>
                             <m:ctrlPr>
                               <a:rPr lang="nl-NL" sz="3200" i="1" smtClean="0">
-                                <a:latin typeface="Cambria Math" panose="02040503050406030204" pitchFamily="18" charset="0"/>
+                                <a:latin typeface="Cambria Math"/>
                               </a:rPr>
                             </m:ctrlPr>
                           </m:accPr>
@@ -8026,7 +8394,7 @@
                               <m:sSubPr>
                                 <m:ctrlPr>
                                   <a:rPr lang="nl-NL" sz="3200" i="1" smtClean="0">
-                                    <a:latin typeface="Cambria Math" panose="02040503050406030204" pitchFamily="18" charset="0"/>
+                                    <a:latin typeface="Cambria Math"/>
                                   </a:rPr>
                                 </m:ctrlPr>
                               </m:sSubPr>
@@ -8061,7 +8429,7 @@
                           <m:sSupPr>
                             <m:ctrlPr>
                               <a:rPr lang="nl-NL" sz="3200" b="0" i="1" smtClean="0">
-                                <a:latin typeface="Cambria Math" panose="02040503050406030204" pitchFamily="18" charset="0"/>
+                                <a:latin typeface="Cambria Math"/>
                               </a:rPr>
                             </m:ctrlPr>
                           </m:sSupPr>
@@ -8102,7 +8470,7 @@
                         <m:supHide m:val="on"/>
                         <m:ctrlPr>
                           <a:rPr lang="nl-NL" sz="3200" b="0" i="1" smtClean="0">
-                            <a:latin typeface="Cambria Math" panose="02040503050406030204" pitchFamily="18" charset="0"/>
+                            <a:latin typeface="Cambria Math"/>
                           </a:rPr>
                         </m:ctrlPr>
                       </m:naryPr>
@@ -8137,7 +8505,7 @@
                           <m:sSubPr>
                             <m:ctrlPr>
                               <a:rPr lang="nl-NL" sz="3200" b="0" i="1" smtClean="0">
-                                <a:latin typeface="Cambria Math" panose="02040503050406030204" pitchFamily="18" charset="0"/>
+                                <a:latin typeface="Cambria Math"/>
                               </a:rPr>
                             </m:ctrlPr>
                           </m:sSubPr>
@@ -8162,7 +8530,7 @@
                           <m:fPr>
                             <m:ctrlPr>
                               <a:rPr lang="nl-NL" sz="3200" b="0" i="1" smtClean="0">
-                                <a:latin typeface="Cambria Math" panose="02040503050406030204" pitchFamily="18" charset="0"/>
+                                <a:latin typeface="Cambria Math"/>
                               </a:rPr>
                             </m:ctrlPr>
                           </m:fPr>
@@ -8172,7 +8540,7 @@
                                 <m:chr m:val="⃗"/>
                                 <m:ctrlPr>
                                   <a:rPr lang="nl-NL" sz="3200" b="0" i="1" smtClean="0">
-                                    <a:latin typeface="Cambria Math" panose="02040503050406030204" pitchFamily="18" charset="0"/>
+                                    <a:latin typeface="Cambria Math"/>
                                   </a:rPr>
                                 </m:ctrlPr>
                               </m:accPr>
@@ -8181,7 +8549,7 @@
                                   <m:sSubPr>
                                     <m:ctrlPr>
                                       <a:rPr lang="nl-NL" sz="3200" b="0" i="1" smtClean="0">
-                                        <a:latin typeface="Cambria Math" panose="02040503050406030204" pitchFamily="18" charset="0"/>
+                                        <a:latin typeface="Cambria Math"/>
                                       </a:rPr>
                                     </m:ctrlPr>
                                   </m:sSubPr>
@@ -8215,7 +8583,7 @@
                                 <m:chr m:val="⃗"/>
                                 <m:ctrlPr>
                                   <a:rPr lang="nl-NL" sz="3200" i="1">
-                                    <a:latin typeface="Cambria Math" panose="02040503050406030204" pitchFamily="18" charset="0"/>
+                                    <a:latin typeface="Cambria Math"/>
                                   </a:rPr>
                                 </m:ctrlPr>
                               </m:accPr>
@@ -8224,7 +8592,7 @@
                                   <m:sSubPr>
                                     <m:ctrlPr>
                                       <a:rPr lang="nl-NL" sz="3200" i="1">
-                                        <a:latin typeface="Cambria Math" panose="02040503050406030204" pitchFamily="18" charset="0"/>
+                                        <a:latin typeface="Cambria Math"/>
                                       </a:rPr>
                                     </m:ctrlPr>
                                   </m:sSubPr>
@@ -8253,7 +8621,7 @@
                               <m:sSupPr>
                                 <m:ctrlPr>
                                   <a:rPr lang="nl-NL" sz="3200" b="0" i="1" smtClean="0">
-                                    <a:latin typeface="Cambria Math" panose="02040503050406030204" pitchFamily="18" charset="0"/>
+                                    <a:latin typeface="Cambria Math"/>
                                   </a:rPr>
                                 </m:ctrlPr>
                               </m:sSupPr>
@@ -8264,7 +8632,7 @@
                                     <m:endChr m:val="|"/>
                                     <m:ctrlPr>
                                       <a:rPr lang="nl-NL" sz="3200" b="0" i="1" smtClean="0">
-                                        <a:latin typeface="Cambria Math" panose="02040503050406030204" pitchFamily="18" charset="0"/>
+                                        <a:latin typeface="Cambria Math"/>
                                       </a:rPr>
                                     </m:ctrlPr>
                                   </m:dPr>
@@ -8274,7 +8642,7 @@
                                         <m:chr m:val="⃗"/>
                                         <m:ctrlPr>
                                           <a:rPr lang="nl-NL" sz="3200" i="1">
-                                            <a:latin typeface="Cambria Math" panose="02040503050406030204" pitchFamily="18" charset="0"/>
+                                            <a:latin typeface="Cambria Math"/>
                                           </a:rPr>
                                         </m:ctrlPr>
                                       </m:accPr>
@@ -8283,7 +8651,7 @@
                                           <m:sSubPr>
                                             <m:ctrlPr>
                                               <a:rPr lang="nl-NL" sz="3200" i="1" smtClean="0">
-                                                <a:latin typeface="Cambria Math" panose="02040503050406030204" pitchFamily="18" charset="0"/>
+                                                <a:latin typeface="Cambria Math"/>
                                               </a:rPr>
                                             </m:ctrlPr>
                                           </m:sSubPr>
@@ -8317,7 +8685,7 @@
                                         <m:chr m:val="⃗"/>
                                         <m:ctrlPr>
                                           <a:rPr lang="nl-NL" sz="3200" i="1">
-                                            <a:latin typeface="Cambria Math" panose="02040503050406030204" pitchFamily="18" charset="0"/>
+                                            <a:latin typeface="Cambria Math"/>
                                           </a:rPr>
                                         </m:ctrlPr>
                                       </m:accPr>
@@ -8326,7 +8694,7 @@
                                           <m:sSubPr>
                                             <m:ctrlPr>
                                               <a:rPr lang="nl-NL" sz="3200" i="1">
-                                                <a:latin typeface="Cambria Math" panose="02040503050406030204" pitchFamily="18" charset="0"/>
+                                                <a:latin typeface="Cambria Math"/>
                                               </a:rPr>
                                             </m:ctrlPr>
                                           </m:sSubPr>
@@ -8367,7 +8735,7 @@
                           <m:boxPr>
                             <m:ctrlPr>
                               <a:rPr lang="nl-NL" sz="3200" b="0" i="1" smtClean="0">
-                                <a:latin typeface="Cambria Math" panose="02040503050406030204" pitchFamily="18" charset="0"/>
+                                <a:latin typeface="Cambria Math"/>
                               </a:rPr>
                             </m:ctrlPr>
                           </m:boxPr>
@@ -8385,7 +8753,7 @@
                             <m:chr m:val="⃗"/>
                             <m:ctrlPr>
                               <a:rPr lang="nl-NL" sz="3200" b="0" i="1" smtClean="0">
-                                <a:latin typeface="Cambria Math" panose="02040503050406030204" pitchFamily="18" charset="0"/>
+                                <a:latin typeface="Cambria Math"/>
                               </a:rPr>
                             </m:ctrlPr>
                           </m:accPr>
@@ -8409,7 +8777,7 @@
                             <m:chr m:val="⃗"/>
                             <m:ctrlPr>
                               <a:rPr lang="nl-NL" sz="3200" b="0" i="1" smtClean="0">
-                                <a:latin typeface="Cambria Math" panose="02040503050406030204" pitchFamily="18" charset="0"/>
+                                <a:latin typeface="Cambria Math"/>
                               </a:rPr>
                             </m:ctrlPr>
                           </m:accPr>
@@ -8418,7 +8786,7 @@
                               <m:sSubPr>
                                 <m:ctrlPr>
                                   <a:rPr lang="nl-NL" sz="3200" b="0" i="1" smtClean="0">
-                                    <a:latin typeface="Cambria Math" panose="02040503050406030204" pitchFamily="18" charset="0"/>
+                                    <a:latin typeface="Cambria Math"/>
                                   </a:rPr>
                                 </m:ctrlPr>
                               </m:sSubPr>
@@ -8526,7 +8894,7 @@
             </p:txBody>
           </p:sp>
         </mc:Choice>
-        <mc:Fallback>
+        <mc:Fallback xmlns="">
           <p:sp>
             <p:nvSpPr>
               <p:cNvPr id="3" name="Tijdelijke aanduiding voor inhoud 2"/>
@@ -8604,6 +8972,25 @@
   <p:clrMapOvr>
     <a:masterClrMapping/>
   </p:clrMapOvr>
+  <mc:AlternateContent xmlns:mc="http://schemas.openxmlformats.org/markup-compatibility/2006">
+    <mc:Choice xmlns:p14="http://schemas.microsoft.com/office/powerpoint/2010/main" Requires="p14">
+      <p:transition spd="med" p14:dur="700">
+        <p:fade/>
+      </p:transition>
+    </mc:Choice>
+    <mc:Fallback>
+      <p:transition spd="med">
+        <p:fade/>
+      </p:transition>
+    </mc:Fallback>
+  </mc:AlternateContent>
+  <p:timing>
+    <p:tnLst>
+      <p:par>
+        <p:cTn id="1" dur="indefinite" restart="never" nodeType="tmRoot"/>
+      </p:par>
+    </p:tnLst>
+  </p:timing>
 </p:sld>
 </file>
 
@@ -8624,31 +9011,9 @@
           <a:chExt cx="0" cy="0"/>
         </a:xfrm>
       </p:grpSpPr>
-      <p:sp>
-        <p:nvSpPr>
-          <p:cNvPr id="2" name="Titel 1"/>
-          <p:cNvSpPr>
-            <a:spLocks noGrp="1"/>
-          </p:cNvSpPr>
-          <p:nvPr>
-            <p:ph type="title"/>
-          </p:nvPr>
-        </p:nvSpPr>
-        <p:spPr/>
-        <p:txBody>
-          <a:bodyPr/>
-          <a:lstStyle/>
-          <a:p>
-            <a:r>
-              <a:rPr lang="nl-NL"/>
-              <a:t>Barnes-Hut Algoritme</a:t>
-            </a:r>
-          </a:p>
-        </p:txBody>
-      </p:sp>
       <p:pic>
         <p:nvPicPr>
-          <p:cNvPr id="4" name="Afbeelding 3"/>
+          <p:cNvPr id="3" name="Afbeelding 2"/>
           <p:cNvPicPr>
             <a:picLocks noChangeAspect="1"/>
           </p:cNvPicPr>
@@ -8668,7 +9033,59 @@
         </p:blipFill>
         <p:spPr>
           <a:xfrm>
-            <a:off x="7572867" y="2057401"/>
+            <a:off x="7568950" y="2070175"/>
+            <a:ext cx="3933333" cy="3933333"/>
+          </a:xfrm>
+          <a:prstGeom prst="rect">
+            <a:avLst/>
+          </a:prstGeom>
+        </p:spPr>
+      </p:pic>
+      <p:sp>
+        <p:nvSpPr>
+          <p:cNvPr id="2" name="Titel 1"/>
+          <p:cNvSpPr>
+            <a:spLocks noGrp="1"/>
+          </p:cNvSpPr>
+          <p:nvPr>
+            <p:ph type="title"/>
+          </p:nvPr>
+        </p:nvSpPr>
+        <p:spPr/>
+        <p:txBody>
+          <a:bodyPr/>
+          <a:lstStyle/>
+          <a:p>
+            <a:r>
+              <a:rPr lang="nl-NL" dirty="0"/>
+              <a:t>Barnes-Hut Algoritme</a:t>
+            </a:r>
+          </a:p>
+        </p:txBody>
+      </p:sp>
+      <p:pic>
+        <p:nvPicPr>
+          <p:cNvPr id="4" name="Afbeelding 3"/>
+          <p:cNvPicPr>
+            <a:picLocks noChangeAspect="1"/>
+          </p:cNvPicPr>
+          <p:nvPr/>
+        </p:nvPicPr>
+        <p:blipFill>
+          <a:blip r:embed="rId3">
+            <a:extLst>
+              <a:ext uri="{28A0092B-C50C-407E-A947-70E740481C1C}">
+                <a14:useLocalDpi xmlns:a14="http://schemas.microsoft.com/office/drawing/2010/main" val="0"/>
+              </a:ext>
+            </a:extLst>
+          </a:blip>
+          <a:stretch>
+            <a:fillRect/>
+          </a:stretch>
+        </p:blipFill>
+        <p:spPr>
+          <a:xfrm>
+            <a:off x="7569339" y="2066926"/>
             <a:ext cx="3933333" cy="3933333"/>
           </a:xfrm>
           <a:prstGeom prst="rect">
@@ -8685,7 +9102,7 @@
           <p:nvPr/>
         </p:nvPicPr>
         <p:blipFill rotWithShape="1">
-          <a:blip r:embed="rId3">
+          <a:blip r:embed="rId4">
             <a:extLst>
               <a:ext uri="{28A0092B-C50C-407E-A947-70E740481C1C}">
                 <a14:useLocalDpi xmlns:a14="http://schemas.microsoft.com/office/drawing/2010/main" val="0"/>
@@ -8945,6 +9362,154 @@
   <p:clrMapOvr>
     <a:masterClrMapping/>
   </p:clrMapOvr>
+  <mc:AlternateContent xmlns:mc="http://schemas.openxmlformats.org/markup-compatibility/2006">
+    <mc:Choice xmlns:p14="http://schemas.microsoft.com/office/powerpoint/2010/main" Requires="p14">
+      <p:transition spd="med" p14:dur="700">
+        <p:fade/>
+      </p:transition>
+    </mc:Choice>
+    <mc:Fallback>
+      <p:transition spd="med">
+        <p:fade/>
+      </p:transition>
+    </mc:Fallback>
+  </mc:AlternateContent>
+  <p:timing>
+    <p:tnLst>
+      <p:par>
+        <p:cTn id="1" dur="indefinite" restart="never" nodeType="tmRoot">
+          <p:childTnLst>
+            <p:seq concurrent="1" nextAc="seek">
+              <p:cTn id="2" dur="indefinite" nodeType="mainSeq">
+                <p:childTnLst>
+                  <p:par>
+                    <p:cTn id="3" fill="hold">
+                      <p:stCondLst>
+                        <p:cond delay="indefinite"/>
+                      </p:stCondLst>
+                      <p:childTnLst>
+                        <p:par>
+                          <p:cTn id="4" fill="hold">
+                            <p:stCondLst>
+                              <p:cond delay="0"/>
+                            </p:stCondLst>
+                            <p:childTnLst>
+                              <p:par>
+                                <p:cTn id="5" presetID="10" presetClass="entr" presetSubtype="0" fill="hold" nodeType="clickEffect">
+                                  <p:stCondLst>
+                                    <p:cond delay="0"/>
+                                  </p:stCondLst>
+                                  <p:childTnLst>
+                                    <p:set>
+                                      <p:cBhvr>
+                                        <p:cTn id="6" dur="1" fill="hold">
+                                          <p:stCondLst>
+                                            <p:cond delay="0"/>
+                                          </p:stCondLst>
+                                        </p:cTn>
+                                        <p:tgtEl>
+                                          <p:spTgt spid="4"/>
+                                        </p:tgtEl>
+                                        <p:attrNameLst>
+                                          <p:attrName>style.visibility</p:attrName>
+                                        </p:attrNameLst>
+                                      </p:cBhvr>
+                                      <p:to>
+                                        <p:strVal val="visible"/>
+                                      </p:to>
+                                    </p:set>
+                                    <p:animEffect transition="in" filter="fade">
+                                      <p:cBhvr>
+                                        <p:cTn id="7" dur="500"/>
+                                        <p:tgtEl>
+                                          <p:spTgt spid="4"/>
+                                        </p:tgtEl>
+                                      </p:cBhvr>
+                                    </p:animEffect>
+                                  </p:childTnLst>
+                                </p:cTn>
+                              </p:par>
+                            </p:childTnLst>
+                          </p:cTn>
+                        </p:par>
+                      </p:childTnLst>
+                    </p:cTn>
+                  </p:par>
+                  <p:par>
+                    <p:cTn id="8" fill="hold">
+                      <p:stCondLst>
+                        <p:cond delay="indefinite"/>
+                      </p:stCondLst>
+                      <p:childTnLst>
+                        <p:par>
+                          <p:cTn id="9" fill="hold">
+                            <p:stCondLst>
+                              <p:cond delay="0"/>
+                            </p:stCondLst>
+                            <p:childTnLst>
+                              <p:par>
+                                <p:cTn id="10" presetID="10" presetClass="entr" presetSubtype="0" fill="hold" nodeType="clickEffect">
+                                  <p:stCondLst>
+                                    <p:cond delay="0"/>
+                                  </p:stCondLst>
+                                  <p:childTnLst>
+                                    <p:set>
+                                      <p:cBhvr>
+                                        <p:cTn id="11" dur="1" fill="hold">
+                                          <p:stCondLst>
+                                            <p:cond delay="0"/>
+                                          </p:stCondLst>
+                                        </p:cTn>
+                                        <p:tgtEl>
+                                          <p:spTgt spid="5"/>
+                                        </p:tgtEl>
+                                        <p:attrNameLst>
+                                          <p:attrName>style.visibility</p:attrName>
+                                        </p:attrNameLst>
+                                      </p:cBhvr>
+                                      <p:to>
+                                        <p:strVal val="visible"/>
+                                      </p:to>
+                                    </p:set>
+                                    <p:animEffect transition="in" filter="fade">
+                                      <p:cBhvr>
+                                        <p:cTn id="12" dur="500"/>
+                                        <p:tgtEl>
+                                          <p:spTgt spid="5"/>
+                                        </p:tgtEl>
+                                      </p:cBhvr>
+                                    </p:animEffect>
+                                  </p:childTnLst>
+                                </p:cTn>
+                              </p:par>
+                            </p:childTnLst>
+                          </p:cTn>
+                        </p:par>
+                      </p:childTnLst>
+                    </p:cTn>
+                  </p:par>
+                </p:childTnLst>
+              </p:cTn>
+              <p:prevCondLst>
+                <p:cond evt="onPrev" delay="0">
+                  <p:tgtEl>
+                    <p:sldTgt/>
+                  </p:tgtEl>
+                </p:cond>
+              </p:prevCondLst>
+              <p:nextCondLst>
+                <p:cond evt="onNext" delay="0">
+                  <p:tgtEl>
+                    <p:sldTgt/>
+                  </p:tgtEl>
+                </p:cond>
+              </p:nextCondLst>
+            </p:seq>
+          </p:childTnLst>
+        </p:cTn>
+      </p:par>
+    </p:tnLst>
+  </p:timing>
 </p:sld>
 </file>
 
@@ -9078,749 +9643,779 @@
           </a:ln>
         </p:spPr>
       </p:pic>
-      <p:sp>
-        <p:nvSpPr>
-          <p:cNvPr id="188" name="Shape 188"/>
-          <p:cNvSpPr/>
+      <p:grpSp>
+        <p:nvGrpSpPr>
+          <p:cNvPr id="3" name="Groep 2"/>
+          <p:cNvGrpSpPr/>
           <p:nvPr/>
-        </p:nvSpPr>
-        <p:spPr>
+        </p:nvGrpSpPr>
+        <p:grpSpPr>
           <a:xfrm>
-            <a:off x="9985750" y="4148175"/>
-            <a:ext cx="411900" cy="153600"/>
+            <a:off x="7871225" y="2405100"/>
+            <a:ext cx="3415950" cy="3384950"/>
+            <a:chOff x="7871225" y="2405100"/>
+            <a:chExt cx="3415950" cy="3384950"/>
           </a:xfrm>
-          <a:prstGeom prst="rect">
-            <a:avLst/>
-          </a:prstGeom>
-          <a:noFill/>
-          <a:ln w="19050" cap="flat" cmpd="sng">
-            <a:solidFill>
-              <a:srgbClr val="FF0000"/>
-            </a:solidFill>
-            <a:prstDash val="solid"/>
-            <a:round/>
-            <a:headEnd type="none" w="med" len="med"/>
-            <a:tailEnd type="none" w="med" len="med"/>
-          </a:ln>
-        </p:spPr>
-        <p:txBody>
-          <a:bodyPr lIns="91425" tIns="91425" rIns="91425" bIns="91425" anchor="ctr" anchorCtr="0">
-            <a:noAutofit/>
-          </a:bodyPr>
-          <a:lstStyle/>
-          <a:p>
-            <a:pPr lvl="0">
-              <a:spcBef>
-                <a:spcPts val="0"/>
-              </a:spcBef>
-              <a:buNone/>
-            </a:pPr>
-            <a:endParaRPr dirty="0"/>
-          </a:p>
-        </p:txBody>
-      </p:sp>
-      <p:sp>
-        <p:nvSpPr>
-          <p:cNvPr id="189" name="Shape 189"/>
-          <p:cNvSpPr/>
+        </p:grpSpPr>
+        <p:sp>
+          <p:nvSpPr>
+            <p:cNvPr id="195" name="Shape 195"/>
+            <p:cNvSpPr/>
+            <p:nvPr/>
+          </p:nvSpPr>
+          <p:spPr>
+            <a:xfrm>
+              <a:off x="7871225" y="5057825"/>
+              <a:ext cx="163200" cy="359400"/>
+            </a:xfrm>
+            <a:prstGeom prst="rect">
+              <a:avLst/>
+            </a:prstGeom>
+            <a:noFill/>
+            <a:ln w="19050" cap="flat" cmpd="sng">
+              <a:solidFill>
+                <a:srgbClr val="FF0000"/>
+              </a:solidFill>
+              <a:prstDash val="solid"/>
+              <a:round/>
+              <a:headEnd type="none" w="med" len="med"/>
+              <a:tailEnd type="none" w="med" len="med"/>
+            </a:ln>
+          </p:spPr>
+          <p:txBody>
+            <a:bodyPr lIns="91425" tIns="91425" rIns="91425" bIns="91425" anchor="ctr" anchorCtr="0">
+              <a:noAutofit/>
+            </a:bodyPr>
+            <a:lstStyle/>
+            <a:p>
+              <a:pPr lvl="0" rtl="0">
+                <a:spcBef>
+                  <a:spcPts val="0"/>
+                </a:spcBef>
+                <a:buNone/>
+              </a:pPr>
+              <a:endParaRPr dirty="0"/>
+            </a:p>
+          </p:txBody>
+        </p:sp>
+        <p:sp>
+          <p:nvSpPr>
+            <p:cNvPr id="188" name="Shape 188"/>
+            <p:cNvSpPr/>
+            <p:nvPr/>
+          </p:nvSpPr>
+          <p:spPr>
+            <a:xfrm>
+              <a:off x="9985750" y="4148175"/>
+              <a:ext cx="411900" cy="153600"/>
+            </a:xfrm>
+            <a:prstGeom prst="rect">
+              <a:avLst/>
+            </a:prstGeom>
+            <a:noFill/>
+            <a:ln w="19050" cap="flat" cmpd="sng">
+              <a:solidFill>
+                <a:srgbClr val="FF0000"/>
+              </a:solidFill>
+              <a:prstDash val="solid"/>
+              <a:round/>
+              <a:headEnd type="none" w="med" len="med"/>
+              <a:tailEnd type="none" w="med" len="med"/>
+            </a:ln>
+          </p:spPr>
+          <p:txBody>
+            <a:bodyPr lIns="91425" tIns="91425" rIns="91425" bIns="91425" anchor="ctr" anchorCtr="0">
+              <a:noAutofit/>
+            </a:bodyPr>
+            <a:lstStyle/>
+            <a:p>
+              <a:pPr lvl="0">
+                <a:spcBef>
+                  <a:spcPts val="0"/>
+                </a:spcBef>
+                <a:buNone/>
+              </a:pPr>
+              <a:endParaRPr dirty="0"/>
+            </a:p>
+          </p:txBody>
+        </p:sp>
+        <p:sp>
+          <p:nvSpPr>
+            <p:cNvPr id="189" name="Shape 189"/>
+            <p:cNvSpPr/>
+            <p:nvPr/>
+          </p:nvSpPr>
+          <p:spPr>
+            <a:xfrm>
+              <a:off x="9838125" y="4012400"/>
+              <a:ext cx="265500" cy="426300"/>
+            </a:xfrm>
+            <a:prstGeom prst="rect">
+              <a:avLst/>
+            </a:prstGeom>
+            <a:noFill/>
+            <a:ln w="19050" cap="flat" cmpd="sng">
+              <a:solidFill>
+                <a:srgbClr val="FF0000"/>
+              </a:solidFill>
+              <a:prstDash val="solid"/>
+              <a:round/>
+              <a:headEnd type="none" w="med" len="med"/>
+              <a:tailEnd type="none" w="med" len="med"/>
+            </a:ln>
+          </p:spPr>
+          <p:txBody>
+            <a:bodyPr lIns="91425" tIns="91425" rIns="91425" bIns="91425" anchor="ctr" anchorCtr="0">
+              <a:noAutofit/>
+            </a:bodyPr>
+            <a:lstStyle/>
+            <a:p>
+              <a:pPr lvl="0" rtl="0">
+                <a:spcBef>
+                  <a:spcPts val="0"/>
+                </a:spcBef>
+                <a:buNone/>
+              </a:pPr>
+              <a:endParaRPr dirty="0"/>
+            </a:p>
+          </p:txBody>
+        </p:sp>
+        <p:sp>
+          <p:nvSpPr>
+            <p:cNvPr id="190" name="Shape 190"/>
+            <p:cNvSpPr/>
+            <p:nvPr/>
+          </p:nvSpPr>
+          <p:spPr>
+            <a:xfrm>
+              <a:off x="11091875" y="3752850"/>
+              <a:ext cx="195300" cy="359400"/>
+            </a:xfrm>
+            <a:prstGeom prst="rect">
+              <a:avLst/>
+            </a:prstGeom>
+            <a:noFill/>
+            <a:ln w="19050" cap="flat" cmpd="sng">
+              <a:solidFill>
+                <a:srgbClr val="FF0000"/>
+              </a:solidFill>
+              <a:prstDash val="solid"/>
+              <a:round/>
+              <a:headEnd type="none" w="med" len="med"/>
+              <a:tailEnd type="none" w="med" len="med"/>
+            </a:ln>
+          </p:spPr>
+          <p:txBody>
+            <a:bodyPr lIns="91425" tIns="91425" rIns="91425" bIns="91425" anchor="ctr" anchorCtr="0">
+              <a:noAutofit/>
+            </a:bodyPr>
+            <a:lstStyle/>
+            <a:p>
+              <a:pPr lvl="0" rtl="0">
+                <a:spcBef>
+                  <a:spcPts val="0"/>
+                </a:spcBef>
+                <a:buNone/>
+              </a:pPr>
+              <a:endParaRPr dirty="0"/>
+            </a:p>
+          </p:txBody>
+        </p:sp>
+        <p:sp>
+          <p:nvSpPr>
+            <p:cNvPr id="191" name="Shape 191"/>
+            <p:cNvSpPr/>
+            <p:nvPr/>
+          </p:nvSpPr>
+          <p:spPr>
+            <a:xfrm>
+              <a:off x="9335750" y="4438650"/>
+              <a:ext cx="75000" cy="210900"/>
+            </a:xfrm>
+            <a:prstGeom prst="rect">
+              <a:avLst/>
+            </a:prstGeom>
+            <a:noFill/>
+            <a:ln w="19050" cap="flat" cmpd="sng">
+              <a:solidFill>
+                <a:srgbClr val="FF0000"/>
+              </a:solidFill>
+              <a:prstDash val="solid"/>
+              <a:round/>
+              <a:headEnd type="none" w="med" len="med"/>
+              <a:tailEnd type="none" w="med" len="med"/>
+            </a:ln>
+          </p:spPr>
+          <p:txBody>
+            <a:bodyPr lIns="91425" tIns="91425" rIns="91425" bIns="91425" anchor="ctr" anchorCtr="0">
+              <a:noAutofit/>
+            </a:bodyPr>
+            <a:lstStyle/>
+            <a:p>
+              <a:pPr lvl="0" rtl="0">
+                <a:spcBef>
+                  <a:spcPts val="0"/>
+                </a:spcBef>
+                <a:buNone/>
+              </a:pPr>
+              <a:endParaRPr dirty="0"/>
+            </a:p>
+          </p:txBody>
+        </p:sp>
+        <p:sp>
+          <p:nvSpPr>
+            <p:cNvPr id="192" name="Shape 192"/>
+            <p:cNvSpPr/>
+            <p:nvPr/>
+          </p:nvSpPr>
+          <p:spPr>
+            <a:xfrm>
+              <a:off x="10252450" y="5222100"/>
+              <a:ext cx="145200" cy="278700"/>
+            </a:xfrm>
+            <a:prstGeom prst="rect">
+              <a:avLst/>
+            </a:prstGeom>
+            <a:noFill/>
+            <a:ln w="19050" cap="flat" cmpd="sng">
+              <a:solidFill>
+                <a:srgbClr val="FF0000"/>
+              </a:solidFill>
+              <a:prstDash val="solid"/>
+              <a:round/>
+              <a:headEnd type="none" w="med" len="med"/>
+              <a:tailEnd type="none" w="med" len="med"/>
+            </a:ln>
+          </p:spPr>
+          <p:txBody>
+            <a:bodyPr lIns="91425" tIns="91425" rIns="91425" bIns="91425" anchor="ctr" anchorCtr="0">
+              <a:noAutofit/>
+            </a:bodyPr>
+            <a:lstStyle/>
+            <a:p>
+              <a:pPr lvl="0" rtl="0">
+                <a:spcBef>
+                  <a:spcPts val="0"/>
+                </a:spcBef>
+                <a:buNone/>
+              </a:pPr>
+              <a:endParaRPr dirty="0"/>
+            </a:p>
+          </p:txBody>
+        </p:sp>
+        <p:sp>
+          <p:nvSpPr>
+            <p:cNvPr id="193" name="Shape 193"/>
+            <p:cNvSpPr/>
+            <p:nvPr/>
+          </p:nvSpPr>
+          <p:spPr>
+            <a:xfrm>
+              <a:off x="10452475" y="5242425"/>
+              <a:ext cx="163200" cy="109500"/>
+            </a:xfrm>
+            <a:prstGeom prst="rect">
+              <a:avLst/>
+            </a:prstGeom>
+            <a:noFill/>
+            <a:ln w="19050" cap="flat" cmpd="sng">
+              <a:solidFill>
+                <a:srgbClr val="FF0000"/>
+              </a:solidFill>
+              <a:prstDash val="solid"/>
+              <a:round/>
+              <a:headEnd type="none" w="med" len="med"/>
+              <a:tailEnd type="none" w="med" len="med"/>
+            </a:ln>
+          </p:spPr>
+          <p:txBody>
+            <a:bodyPr lIns="91425" tIns="91425" rIns="91425" bIns="91425" anchor="ctr" anchorCtr="0">
+              <a:noAutofit/>
+            </a:bodyPr>
+            <a:lstStyle/>
+            <a:p>
+              <a:pPr lvl="0" rtl="0">
+                <a:spcBef>
+                  <a:spcPts val="0"/>
+                </a:spcBef>
+                <a:buNone/>
+              </a:pPr>
+              <a:endParaRPr dirty="0"/>
+            </a:p>
+          </p:txBody>
+        </p:sp>
+        <p:sp>
+          <p:nvSpPr>
+            <p:cNvPr id="194" name="Shape 194"/>
+            <p:cNvSpPr/>
+            <p:nvPr/>
+          </p:nvSpPr>
+          <p:spPr>
+            <a:xfrm>
+              <a:off x="9436900" y="5710250"/>
+              <a:ext cx="237000" cy="79800"/>
+            </a:xfrm>
+            <a:prstGeom prst="rect">
+              <a:avLst/>
+            </a:prstGeom>
+            <a:noFill/>
+            <a:ln w="19050" cap="flat" cmpd="sng">
+              <a:solidFill>
+                <a:srgbClr val="FF0000"/>
+              </a:solidFill>
+              <a:prstDash val="solid"/>
+              <a:round/>
+              <a:headEnd type="none" w="med" len="med"/>
+              <a:tailEnd type="none" w="med" len="med"/>
+            </a:ln>
+          </p:spPr>
+          <p:txBody>
+            <a:bodyPr lIns="91425" tIns="91425" rIns="91425" bIns="91425" anchor="ctr" anchorCtr="0">
+              <a:noAutofit/>
+            </a:bodyPr>
+            <a:lstStyle/>
+            <a:p>
+              <a:pPr lvl="0" rtl="0">
+                <a:spcBef>
+                  <a:spcPts val="0"/>
+                </a:spcBef>
+                <a:buNone/>
+              </a:pPr>
+              <a:endParaRPr dirty="0"/>
+            </a:p>
+          </p:txBody>
+        </p:sp>
+        <p:sp>
+          <p:nvSpPr>
+            <p:cNvPr id="196" name="Shape 196"/>
+            <p:cNvSpPr/>
+            <p:nvPr/>
+          </p:nvSpPr>
+          <p:spPr>
+            <a:xfrm>
+              <a:off x="7871225" y="5057825"/>
+              <a:ext cx="183300" cy="359400"/>
+            </a:xfrm>
+            <a:prstGeom prst="rect">
+              <a:avLst/>
+            </a:prstGeom>
+            <a:noFill/>
+            <a:ln w="19050" cap="flat" cmpd="sng">
+              <a:solidFill>
+                <a:srgbClr val="FF0000"/>
+              </a:solidFill>
+              <a:prstDash val="solid"/>
+              <a:round/>
+              <a:headEnd type="none" w="med" len="med"/>
+              <a:tailEnd type="none" w="med" len="med"/>
+            </a:ln>
+          </p:spPr>
+          <p:txBody>
+            <a:bodyPr lIns="91425" tIns="91425" rIns="91425" bIns="91425" anchor="ctr" anchorCtr="0">
+              <a:noAutofit/>
+            </a:bodyPr>
+            <a:lstStyle/>
+            <a:p>
+              <a:pPr lvl="0" rtl="0">
+                <a:spcBef>
+                  <a:spcPts val="0"/>
+                </a:spcBef>
+                <a:buNone/>
+              </a:pPr>
+              <a:endParaRPr dirty="0"/>
+            </a:p>
+          </p:txBody>
+        </p:sp>
+        <p:sp>
+          <p:nvSpPr>
+            <p:cNvPr id="197" name="Shape 197"/>
+            <p:cNvSpPr/>
+            <p:nvPr/>
+          </p:nvSpPr>
+          <p:spPr>
+            <a:xfrm>
+              <a:off x="8846200" y="3052775"/>
+              <a:ext cx="131100" cy="128700"/>
+            </a:xfrm>
+            <a:prstGeom prst="rect">
+              <a:avLst/>
+            </a:prstGeom>
+            <a:noFill/>
+            <a:ln w="19050" cap="flat" cmpd="sng">
+              <a:solidFill>
+                <a:srgbClr val="FF0000"/>
+              </a:solidFill>
+              <a:prstDash val="solid"/>
+              <a:round/>
+              <a:headEnd type="none" w="med" len="med"/>
+              <a:tailEnd type="none" w="med" len="med"/>
+            </a:ln>
+          </p:spPr>
+          <p:txBody>
+            <a:bodyPr lIns="91425" tIns="91425" rIns="91425" bIns="91425" anchor="ctr" anchorCtr="0">
+              <a:noAutofit/>
+            </a:bodyPr>
+            <a:lstStyle/>
+            <a:p>
+              <a:pPr lvl="0" rtl="0">
+                <a:spcBef>
+                  <a:spcPts val="0"/>
+                </a:spcBef>
+                <a:buNone/>
+              </a:pPr>
+              <a:endParaRPr dirty="0"/>
+            </a:p>
+          </p:txBody>
+        </p:sp>
+        <p:sp>
+          <p:nvSpPr>
+            <p:cNvPr id="198" name="Shape 198"/>
+            <p:cNvSpPr/>
+            <p:nvPr/>
+          </p:nvSpPr>
+          <p:spPr>
+            <a:xfrm>
+              <a:off x="9479600" y="3114675"/>
+              <a:ext cx="145200" cy="178500"/>
+            </a:xfrm>
+            <a:prstGeom prst="rect">
+              <a:avLst/>
+            </a:prstGeom>
+            <a:noFill/>
+            <a:ln w="19050" cap="flat" cmpd="sng">
+              <a:solidFill>
+                <a:srgbClr val="FF0000"/>
+              </a:solidFill>
+              <a:prstDash val="solid"/>
+              <a:round/>
+              <a:headEnd type="none" w="med" len="med"/>
+              <a:tailEnd type="none" w="med" len="med"/>
+            </a:ln>
+          </p:spPr>
+          <p:txBody>
+            <a:bodyPr lIns="91425" tIns="91425" rIns="91425" bIns="91425" anchor="ctr" anchorCtr="0">
+              <a:noAutofit/>
+            </a:bodyPr>
+            <a:lstStyle/>
+            <a:p>
+              <a:pPr lvl="0" rtl="0">
+                <a:spcBef>
+                  <a:spcPts val="0"/>
+                </a:spcBef>
+                <a:buNone/>
+              </a:pPr>
+              <a:endParaRPr dirty="0"/>
+            </a:p>
+          </p:txBody>
+        </p:sp>
+        <p:sp>
+          <p:nvSpPr>
+            <p:cNvPr id="199" name="Shape 199"/>
+            <p:cNvSpPr/>
+            <p:nvPr/>
+          </p:nvSpPr>
+          <p:spPr>
+            <a:xfrm>
+              <a:off x="9985750" y="2800350"/>
+              <a:ext cx="584400" cy="252300"/>
+            </a:xfrm>
+            <a:prstGeom prst="rect">
+              <a:avLst/>
+            </a:prstGeom>
+            <a:noFill/>
+            <a:ln w="19050" cap="flat" cmpd="sng">
+              <a:solidFill>
+                <a:srgbClr val="FF0000"/>
+              </a:solidFill>
+              <a:prstDash val="solid"/>
+              <a:round/>
+              <a:headEnd type="none" w="med" len="med"/>
+              <a:tailEnd type="none" w="med" len="med"/>
+            </a:ln>
+          </p:spPr>
+          <p:txBody>
+            <a:bodyPr lIns="91425" tIns="91425" rIns="91425" bIns="91425" anchor="ctr" anchorCtr="0">
+              <a:noAutofit/>
+            </a:bodyPr>
+            <a:lstStyle/>
+            <a:p>
+              <a:pPr lvl="0" rtl="0">
+                <a:spcBef>
+                  <a:spcPts val="0"/>
+                </a:spcBef>
+                <a:buNone/>
+              </a:pPr>
+              <a:endParaRPr dirty="0"/>
+            </a:p>
+          </p:txBody>
+        </p:sp>
+        <p:sp>
+          <p:nvSpPr>
+            <p:cNvPr id="200" name="Shape 200"/>
+            <p:cNvSpPr/>
+            <p:nvPr/>
+          </p:nvSpPr>
+          <p:spPr>
+            <a:xfrm>
+              <a:off x="8834300" y="2531300"/>
+              <a:ext cx="183300" cy="66600"/>
+            </a:xfrm>
+            <a:prstGeom prst="rect">
+              <a:avLst/>
+            </a:prstGeom>
+            <a:noFill/>
+            <a:ln w="19050" cap="flat" cmpd="sng">
+              <a:solidFill>
+                <a:srgbClr val="FF0000"/>
+              </a:solidFill>
+              <a:prstDash val="solid"/>
+              <a:round/>
+              <a:headEnd type="none" w="med" len="med"/>
+              <a:tailEnd type="none" w="med" len="med"/>
+            </a:ln>
+          </p:spPr>
+          <p:txBody>
+            <a:bodyPr lIns="91425" tIns="91425" rIns="91425" bIns="91425" anchor="ctr" anchorCtr="0">
+              <a:noAutofit/>
+            </a:bodyPr>
+            <a:lstStyle/>
+            <a:p>
+              <a:pPr lvl="0" rtl="0">
+                <a:spcBef>
+                  <a:spcPts val="0"/>
+                </a:spcBef>
+                <a:buNone/>
+              </a:pPr>
+              <a:endParaRPr dirty="0"/>
+            </a:p>
+          </p:txBody>
+        </p:sp>
+        <p:sp>
+          <p:nvSpPr>
+            <p:cNvPr id="201" name="Shape 201"/>
+            <p:cNvSpPr/>
+            <p:nvPr/>
+          </p:nvSpPr>
+          <p:spPr>
+            <a:xfrm>
+              <a:off x="9223500" y="2405100"/>
+              <a:ext cx="237000" cy="109500"/>
+            </a:xfrm>
+            <a:prstGeom prst="rect">
+              <a:avLst/>
+            </a:prstGeom>
+            <a:noFill/>
+            <a:ln w="19050" cap="flat" cmpd="sng">
+              <a:solidFill>
+                <a:srgbClr val="FF0000"/>
+              </a:solidFill>
+              <a:prstDash val="solid"/>
+              <a:round/>
+              <a:headEnd type="none" w="med" len="med"/>
+              <a:tailEnd type="none" w="med" len="med"/>
+            </a:ln>
+          </p:spPr>
+          <p:txBody>
+            <a:bodyPr lIns="91425" tIns="91425" rIns="91425" bIns="91425" anchor="ctr" anchorCtr="0">
+              <a:noAutofit/>
+            </a:bodyPr>
+            <a:lstStyle/>
+            <a:p>
+              <a:pPr lvl="0" rtl="0">
+                <a:spcBef>
+                  <a:spcPts val="0"/>
+                </a:spcBef>
+                <a:buNone/>
+              </a:pPr>
+              <a:endParaRPr dirty="0"/>
+            </a:p>
+          </p:txBody>
+        </p:sp>
+        <p:sp>
+          <p:nvSpPr>
+            <p:cNvPr id="202" name="Shape 202"/>
+            <p:cNvSpPr/>
+            <p:nvPr/>
+          </p:nvSpPr>
+          <p:spPr>
+            <a:xfrm>
+              <a:off x="8034425" y="3082775"/>
+              <a:ext cx="395100" cy="252300"/>
+            </a:xfrm>
+            <a:prstGeom prst="rect">
+              <a:avLst/>
+            </a:prstGeom>
+            <a:noFill/>
+            <a:ln w="19050" cap="flat" cmpd="sng">
+              <a:solidFill>
+                <a:srgbClr val="FF0000"/>
+              </a:solidFill>
+              <a:prstDash val="solid"/>
+              <a:round/>
+              <a:headEnd type="none" w="med" len="med"/>
+              <a:tailEnd type="none" w="med" len="med"/>
+            </a:ln>
+          </p:spPr>
+          <p:txBody>
+            <a:bodyPr lIns="91425" tIns="91425" rIns="91425" bIns="91425" anchor="ctr" anchorCtr="0">
+              <a:noAutofit/>
+            </a:bodyPr>
+            <a:lstStyle/>
+            <a:p>
+              <a:pPr lvl="0" rtl="0">
+                <a:spcBef>
+                  <a:spcPts val="0"/>
+                </a:spcBef>
+                <a:buNone/>
+              </a:pPr>
+              <a:endParaRPr dirty="0"/>
+            </a:p>
+          </p:txBody>
+        </p:sp>
+      </p:grpSp>
+      <p:grpSp>
+        <p:nvGrpSpPr>
+          <p:cNvPr id="4" name="Groep 3"/>
+          <p:cNvGrpSpPr/>
           <p:nvPr/>
-        </p:nvSpPr>
-        <p:spPr>
+        </p:nvGrpSpPr>
+        <p:grpSpPr>
           <a:xfrm>
-            <a:off x="9838125" y="4012400"/>
-            <a:ext cx="265500" cy="426300"/>
+            <a:off x="7804064" y="2962912"/>
+            <a:ext cx="3596965" cy="2035038"/>
+            <a:chOff x="7804064" y="2962912"/>
+            <a:chExt cx="3596965" cy="2035038"/>
           </a:xfrm>
-          <a:prstGeom prst="rect">
-            <a:avLst/>
-          </a:prstGeom>
-          <a:noFill/>
-          <a:ln w="19050" cap="flat" cmpd="sng">
-            <a:solidFill>
-              <a:srgbClr val="FF0000"/>
-            </a:solidFill>
-            <a:prstDash val="solid"/>
-            <a:round/>
-            <a:headEnd type="none" w="med" len="med"/>
-            <a:tailEnd type="none" w="med" len="med"/>
-          </a:ln>
-        </p:spPr>
-        <p:txBody>
-          <a:bodyPr lIns="91425" tIns="91425" rIns="91425" bIns="91425" anchor="ctr" anchorCtr="0">
-            <a:noAutofit/>
-          </a:bodyPr>
-          <a:lstStyle/>
-          <a:p>
-            <a:pPr lvl="0" rtl="0">
-              <a:spcBef>
-                <a:spcPts val="0"/>
-              </a:spcBef>
-              <a:buNone/>
-            </a:pPr>
-            <a:endParaRPr dirty="0"/>
-          </a:p>
-        </p:txBody>
-      </p:sp>
-      <p:sp>
-        <p:nvSpPr>
-          <p:cNvPr id="190" name="Shape 190"/>
-          <p:cNvSpPr/>
-          <p:nvPr/>
-        </p:nvSpPr>
-        <p:spPr>
-          <a:xfrm>
-            <a:off x="11091875" y="3752850"/>
-            <a:ext cx="195300" cy="359400"/>
-          </a:xfrm>
-          <a:prstGeom prst="rect">
-            <a:avLst/>
-          </a:prstGeom>
-          <a:noFill/>
-          <a:ln w="19050" cap="flat" cmpd="sng">
-            <a:solidFill>
-              <a:srgbClr val="FF0000"/>
-            </a:solidFill>
-            <a:prstDash val="solid"/>
-            <a:round/>
-            <a:headEnd type="none" w="med" len="med"/>
-            <a:tailEnd type="none" w="med" len="med"/>
-          </a:ln>
-        </p:spPr>
-        <p:txBody>
-          <a:bodyPr lIns="91425" tIns="91425" rIns="91425" bIns="91425" anchor="ctr" anchorCtr="0">
-            <a:noAutofit/>
-          </a:bodyPr>
-          <a:lstStyle/>
-          <a:p>
-            <a:pPr lvl="0" rtl="0">
-              <a:spcBef>
-                <a:spcPts val="0"/>
-              </a:spcBef>
-              <a:buNone/>
-            </a:pPr>
-            <a:endParaRPr dirty="0"/>
-          </a:p>
-        </p:txBody>
-      </p:sp>
-      <p:sp>
-        <p:nvSpPr>
-          <p:cNvPr id="191" name="Shape 191"/>
-          <p:cNvSpPr/>
-          <p:nvPr/>
-        </p:nvSpPr>
-        <p:spPr>
-          <a:xfrm>
-            <a:off x="9335750" y="4438650"/>
-            <a:ext cx="75000" cy="210900"/>
-          </a:xfrm>
-          <a:prstGeom prst="rect">
-            <a:avLst/>
-          </a:prstGeom>
-          <a:noFill/>
-          <a:ln w="19050" cap="flat" cmpd="sng">
-            <a:solidFill>
-              <a:srgbClr val="FF0000"/>
-            </a:solidFill>
-            <a:prstDash val="solid"/>
-            <a:round/>
-            <a:headEnd type="none" w="med" len="med"/>
-            <a:tailEnd type="none" w="med" len="med"/>
-          </a:ln>
-        </p:spPr>
-        <p:txBody>
-          <a:bodyPr lIns="91425" tIns="91425" rIns="91425" bIns="91425" anchor="ctr" anchorCtr="0">
-            <a:noAutofit/>
-          </a:bodyPr>
-          <a:lstStyle/>
-          <a:p>
-            <a:pPr lvl="0" rtl="0">
-              <a:spcBef>
-                <a:spcPts val="0"/>
-              </a:spcBef>
-              <a:buNone/>
-            </a:pPr>
-            <a:endParaRPr dirty="0"/>
-          </a:p>
-        </p:txBody>
-      </p:sp>
-      <p:sp>
-        <p:nvSpPr>
-          <p:cNvPr id="192" name="Shape 192"/>
-          <p:cNvSpPr/>
-          <p:nvPr/>
-        </p:nvSpPr>
-        <p:spPr>
-          <a:xfrm>
-            <a:off x="10252450" y="5222100"/>
-            <a:ext cx="145200" cy="278700"/>
-          </a:xfrm>
-          <a:prstGeom prst="rect">
-            <a:avLst/>
-          </a:prstGeom>
-          <a:noFill/>
-          <a:ln w="19050" cap="flat" cmpd="sng">
-            <a:solidFill>
-              <a:srgbClr val="FF0000"/>
-            </a:solidFill>
-            <a:prstDash val="solid"/>
-            <a:round/>
-            <a:headEnd type="none" w="med" len="med"/>
-            <a:tailEnd type="none" w="med" len="med"/>
-          </a:ln>
-        </p:spPr>
-        <p:txBody>
-          <a:bodyPr lIns="91425" tIns="91425" rIns="91425" bIns="91425" anchor="ctr" anchorCtr="0">
-            <a:noAutofit/>
-          </a:bodyPr>
-          <a:lstStyle/>
-          <a:p>
-            <a:pPr lvl="0" rtl="0">
-              <a:spcBef>
-                <a:spcPts val="0"/>
-              </a:spcBef>
-              <a:buNone/>
-            </a:pPr>
-            <a:endParaRPr dirty="0"/>
-          </a:p>
-        </p:txBody>
-      </p:sp>
-      <p:sp>
-        <p:nvSpPr>
-          <p:cNvPr id="193" name="Shape 193"/>
-          <p:cNvSpPr/>
-          <p:nvPr/>
-        </p:nvSpPr>
-        <p:spPr>
-          <a:xfrm>
-            <a:off x="10452475" y="5242425"/>
-            <a:ext cx="163200" cy="109500"/>
-          </a:xfrm>
-          <a:prstGeom prst="rect">
-            <a:avLst/>
-          </a:prstGeom>
-          <a:noFill/>
-          <a:ln w="19050" cap="flat" cmpd="sng">
-            <a:solidFill>
-              <a:srgbClr val="FF0000"/>
-            </a:solidFill>
-            <a:prstDash val="solid"/>
-            <a:round/>
-            <a:headEnd type="none" w="med" len="med"/>
-            <a:tailEnd type="none" w="med" len="med"/>
-          </a:ln>
-        </p:spPr>
-        <p:txBody>
-          <a:bodyPr lIns="91425" tIns="91425" rIns="91425" bIns="91425" anchor="ctr" anchorCtr="0">
-            <a:noAutofit/>
-          </a:bodyPr>
-          <a:lstStyle/>
-          <a:p>
-            <a:pPr lvl="0" rtl="0">
-              <a:spcBef>
-                <a:spcPts val="0"/>
-              </a:spcBef>
-              <a:buNone/>
-            </a:pPr>
-            <a:endParaRPr dirty="0"/>
-          </a:p>
-        </p:txBody>
-      </p:sp>
-      <p:sp>
-        <p:nvSpPr>
-          <p:cNvPr id="194" name="Shape 194"/>
-          <p:cNvSpPr/>
-          <p:nvPr/>
-        </p:nvSpPr>
-        <p:spPr>
-          <a:xfrm>
-            <a:off x="9436900" y="5710250"/>
-            <a:ext cx="237000" cy="79800"/>
-          </a:xfrm>
-          <a:prstGeom prst="rect">
-            <a:avLst/>
-          </a:prstGeom>
-          <a:noFill/>
-          <a:ln w="19050" cap="flat" cmpd="sng">
-            <a:solidFill>
-              <a:srgbClr val="FF0000"/>
-            </a:solidFill>
-            <a:prstDash val="solid"/>
-            <a:round/>
-            <a:headEnd type="none" w="med" len="med"/>
-            <a:tailEnd type="none" w="med" len="med"/>
-          </a:ln>
-        </p:spPr>
-        <p:txBody>
-          <a:bodyPr lIns="91425" tIns="91425" rIns="91425" bIns="91425" anchor="ctr" anchorCtr="0">
-            <a:noAutofit/>
-          </a:bodyPr>
-          <a:lstStyle/>
-          <a:p>
-            <a:pPr lvl="0" rtl="0">
-              <a:spcBef>
-                <a:spcPts val="0"/>
-              </a:spcBef>
-              <a:buNone/>
-            </a:pPr>
-            <a:endParaRPr dirty="0"/>
-          </a:p>
-        </p:txBody>
-      </p:sp>
-      <p:sp>
-        <p:nvSpPr>
-          <p:cNvPr id="195" name="Shape 195"/>
-          <p:cNvSpPr/>
-          <p:nvPr/>
-        </p:nvSpPr>
-        <p:spPr>
-          <a:xfrm>
-            <a:off x="7871225" y="5057825"/>
-            <a:ext cx="163200" cy="359400"/>
-          </a:xfrm>
-          <a:prstGeom prst="rect">
-            <a:avLst/>
-          </a:prstGeom>
-          <a:noFill/>
-          <a:ln w="19050" cap="flat" cmpd="sng">
-            <a:solidFill>
-              <a:srgbClr val="FF0000"/>
-            </a:solidFill>
-            <a:prstDash val="solid"/>
-            <a:round/>
-            <a:headEnd type="none" w="med" len="med"/>
-            <a:tailEnd type="none" w="med" len="med"/>
-          </a:ln>
-        </p:spPr>
-        <p:txBody>
-          <a:bodyPr lIns="91425" tIns="91425" rIns="91425" bIns="91425" anchor="ctr" anchorCtr="0">
-            <a:noAutofit/>
-          </a:bodyPr>
-          <a:lstStyle/>
-          <a:p>
-            <a:pPr lvl="0" rtl="0">
-              <a:spcBef>
-                <a:spcPts val="0"/>
-              </a:spcBef>
-              <a:buNone/>
-            </a:pPr>
-            <a:endParaRPr dirty="0"/>
-          </a:p>
-        </p:txBody>
-      </p:sp>
-      <p:sp>
-        <p:nvSpPr>
-          <p:cNvPr id="196" name="Shape 196"/>
-          <p:cNvSpPr/>
-          <p:nvPr/>
-        </p:nvSpPr>
-        <p:spPr>
-          <a:xfrm>
-            <a:off x="7871225" y="5057825"/>
-            <a:ext cx="183300" cy="359400"/>
-          </a:xfrm>
-          <a:prstGeom prst="rect">
-            <a:avLst/>
-          </a:prstGeom>
-          <a:noFill/>
-          <a:ln w="19050" cap="flat" cmpd="sng">
-            <a:solidFill>
-              <a:srgbClr val="FF0000"/>
-            </a:solidFill>
-            <a:prstDash val="solid"/>
-            <a:round/>
-            <a:headEnd type="none" w="med" len="med"/>
-            <a:tailEnd type="none" w="med" len="med"/>
-          </a:ln>
-        </p:spPr>
-        <p:txBody>
-          <a:bodyPr lIns="91425" tIns="91425" rIns="91425" bIns="91425" anchor="ctr" anchorCtr="0">
-            <a:noAutofit/>
-          </a:bodyPr>
-          <a:lstStyle/>
-          <a:p>
-            <a:pPr lvl="0" rtl="0">
-              <a:spcBef>
-                <a:spcPts val="0"/>
-              </a:spcBef>
-              <a:buNone/>
-            </a:pPr>
-            <a:endParaRPr dirty="0"/>
-          </a:p>
-        </p:txBody>
-      </p:sp>
-      <p:sp>
-        <p:nvSpPr>
-          <p:cNvPr id="197" name="Shape 197"/>
-          <p:cNvSpPr/>
-          <p:nvPr/>
-        </p:nvSpPr>
-        <p:spPr>
-          <a:xfrm>
-            <a:off x="8846200" y="3052775"/>
-            <a:ext cx="131100" cy="128700"/>
-          </a:xfrm>
-          <a:prstGeom prst="rect">
-            <a:avLst/>
-          </a:prstGeom>
-          <a:noFill/>
-          <a:ln w="19050" cap="flat" cmpd="sng">
-            <a:solidFill>
-              <a:srgbClr val="FF0000"/>
-            </a:solidFill>
-            <a:prstDash val="solid"/>
-            <a:round/>
-            <a:headEnd type="none" w="med" len="med"/>
-            <a:tailEnd type="none" w="med" len="med"/>
-          </a:ln>
-        </p:spPr>
-        <p:txBody>
-          <a:bodyPr lIns="91425" tIns="91425" rIns="91425" bIns="91425" anchor="ctr" anchorCtr="0">
-            <a:noAutofit/>
-          </a:bodyPr>
-          <a:lstStyle/>
-          <a:p>
-            <a:pPr lvl="0" rtl="0">
-              <a:spcBef>
-                <a:spcPts val="0"/>
-              </a:spcBef>
-              <a:buNone/>
-            </a:pPr>
-            <a:endParaRPr dirty="0"/>
-          </a:p>
-        </p:txBody>
-      </p:sp>
-      <p:sp>
-        <p:nvSpPr>
-          <p:cNvPr id="198" name="Shape 198"/>
-          <p:cNvSpPr/>
-          <p:nvPr/>
-        </p:nvSpPr>
-        <p:spPr>
-          <a:xfrm>
-            <a:off x="9479600" y="3114675"/>
-            <a:ext cx="145200" cy="178500"/>
-          </a:xfrm>
-          <a:prstGeom prst="rect">
-            <a:avLst/>
-          </a:prstGeom>
-          <a:noFill/>
-          <a:ln w="19050" cap="flat" cmpd="sng">
-            <a:solidFill>
-              <a:srgbClr val="FF0000"/>
-            </a:solidFill>
-            <a:prstDash val="solid"/>
-            <a:round/>
-            <a:headEnd type="none" w="med" len="med"/>
-            <a:tailEnd type="none" w="med" len="med"/>
-          </a:ln>
-        </p:spPr>
-        <p:txBody>
-          <a:bodyPr lIns="91425" tIns="91425" rIns="91425" bIns="91425" anchor="ctr" anchorCtr="0">
-            <a:noAutofit/>
-          </a:bodyPr>
-          <a:lstStyle/>
-          <a:p>
-            <a:pPr lvl="0" rtl="0">
-              <a:spcBef>
-                <a:spcPts val="0"/>
-              </a:spcBef>
-              <a:buNone/>
-            </a:pPr>
-            <a:endParaRPr dirty="0"/>
-          </a:p>
-        </p:txBody>
-      </p:sp>
-      <p:sp>
-        <p:nvSpPr>
-          <p:cNvPr id="199" name="Shape 199"/>
-          <p:cNvSpPr/>
-          <p:nvPr/>
-        </p:nvSpPr>
-        <p:spPr>
-          <a:xfrm>
-            <a:off x="9985750" y="2800350"/>
-            <a:ext cx="584400" cy="252300"/>
-          </a:xfrm>
-          <a:prstGeom prst="rect">
-            <a:avLst/>
-          </a:prstGeom>
-          <a:noFill/>
-          <a:ln w="19050" cap="flat" cmpd="sng">
-            <a:solidFill>
-              <a:srgbClr val="FF0000"/>
-            </a:solidFill>
-            <a:prstDash val="solid"/>
-            <a:round/>
-            <a:headEnd type="none" w="med" len="med"/>
-            <a:tailEnd type="none" w="med" len="med"/>
-          </a:ln>
-        </p:spPr>
-        <p:txBody>
-          <a:bodyPr lIns="91425" tIns="91425" rIns="91425" bIns="91425" anchor="ctr" anchorCtr="0">
-            <a:noAutofit/>
-          </a:bodyPr>
-          <a:lstStyle/>
-          <a:p>
-            <a:pPr lvl="0" rtl="0">
-              <a:spcBef>
-                <a:spcPts val="0"/>
-              </a:spcBef>
-              <a:buNone/>
-            </a:pPr>
-            <a:endParaRPr dirty="0"/>
-          </a:p>
-        </p:txBody>
-      </p:sp>
-      <p:sp>
-        <p:nvSpPr>
-          <p:cNvPr id="200" name="Shape 200"/>
-          <p:cNvSpPr/>
-          <p:nvPr/>
-        </p:nvSpPr>
-        <p:spPr>
-          <a:xfrm>
-            <a:off x="8834300" y="2531300"/>
-            <a:ext cx="183300" cy="66600"/>
-          </a:xfrm>
-          <a:prstGeom prst="rect">
-            <a:avLst/>
-          </a:prstGeom>
-          <a:noFill/>
-          <a:ln w="19050" cap="flat" cmpd="sng">
-            <a:solidFill>
-              <a:srgbClr val="FF0000"/>
-            </a:solidFill>
-            <a:prstDash val="solid"/>
-            <a:round/>
-            <a:headEnd type="none" w="med" len="med"/>
-            <a:tailEnd type="none" w="med" len="med"/>
-          </a:ln>
-        </p:spPr>
-        <p:txBody>
-          <a:bodyPr lIns="91425" tIns="91425" rIns="91425" bIns="91425" anchor="ctr" anchorCtr="0">
-            <a:noAutofit/>
-          </a:bodyPr>
-          <a:lstStyle/>
-          <a:p>
-            <a:pPr lvl="0" rtl="0">
-              <a:spcBef>
-                <a:spcPts val="0"/>
-              </a:spcBef>
-              <a:buNone/>
-            </a:pPr>
-            <a:endParaRPr dirty="0"/>
-          </a:p>
-        </p:txBody>
-      </p:sp>
-      <p:sp>
-        <p:nvSpPr>
-          <p:cNvPr id="201" name="Shape 201"/>
-          <p:cNvSpPr/>
-          <p:nvPr/>
-        </p:nvSpPr>
-        <p:spPr>
-          <a:xfrm>
-            <a:off x="9223500" y="2405100"/>
-            <a:ext cx="237000" cy="109500"/>
-          </a:xfrm>
-          <a:prstGeom prst="rect">
-            <a:avLst/>
-          </a:prstGeom>
-          <a:noFill/>
-          <a:ln w="19050" cap="flat" cmpd="sng">
-            <a:solidFill>
-              <a:srgbClr val="FF0000"/>
-            </a:solidFill>
-            <a:prstDash val="solid"/>
-            <a:round/>
-            <a:headEnd type="none" w="med" len="med"/>
-            <a:tailEnd type="none" w="med" len="med"/>
-          </a:ln>
-        </p:spPr>
-        <p:txBody>
-          <a:bodyPr lIns="91425" tIns="91425" rIns="91425" bIns="91425" anchor="ctr" anchorCtr="0">
-            <a:noAutofit/>
-          </a:bodyPr>
-          <a:lstStyle/>
-          <a:p>
-            <a:pPr lvl="0" rtl="0">
-              <a:spcBef>
-                <a:spcPts val="0"/>
-              </a:spcBef>
-              <a:buNone/>
-            </a:pPr>
-            <a:endParaRPr dirty="0"/>
-          </a:p>
-        </p:txBody>
-      </p:sp>
-      <p:sp>
-        <p:nvSpPr>
-          <p:cNvPr id="202" name="Shape 202"/>
-          <p:cNvSpPr/>
-          <p:nvPr/>
-        </p:nvSpPr>
-        <p:spPr>
-          <a:xfrm>
-            <a:off x="8034425" y="3082775"/>
-            <a:ext cx="395100" cy="252300"/>
-          </a:xfrm>
-          <a:prstGeom prst="rect">
-            <a:avLst/>
-          </a:prstGeom>
-          <a:noFill/>
-          <a:ln w="19050" cap="flat" cmpd="sng">
-            <a:solidFill>
-              <a:srgbClr val="FF0000"/>
-            </a:solidFill>
-            <a:prstDash val="solid"/>
-            <a:round/>
-            <a:headEnd type="none" w="med" len="med"/>
-            <a:tailEnd type="none" w="med" len="med"/>
-          </a:ln>
-        </p:spPr>
-        <p:txBody>
-          <a:bodyPr lIns="91425" tIns="91425" rIns="91425" bIns="91425" anchor="ctr" anchorCtr="0">
-            <a:noAutofit/>
-          </a:bodyPr>
-          <a:lstStyle/>
-          <a:p>
-            <a:pPr lvl="0" rtl="0">
-              <a:spcBef>
-                <a:spcPts val="0"/>
-              </a:spcBef>
-              <a:buNone/>
-            </a:pPr>
-            <a:endParaRPr dirty="0"/>
-          </a:p>
-        </p:txBody>
-      </p:sp>
-      <p:cxnSp>
-        <p:nvCxnSpPr>
-          <p:cNvPr id="203" name="Shape 203"/>
-          <p:cNvCxnSpPr/>
-          <p:nvPr/>
-        </p:nvCxnSpPr>
-        <p:spPr>
-          <a:xfrm flipH="1">
-            <a:off x="10149400" y="3826675"/>
-            <a:ext cx="201900" cy="304500"/>
-          </a:xfrm>
-          <a:prstGeom prst="straightConnector1">
-            <a:avLst/>
-          </a:prstGeom>
-          <a:noFill/>
-          <a:ln w="9525" cap="flat" cmpd="sng">
-            <a:solidFill>
-              <a:srgbClr val="38761D"/>
-            </a:solidFill>
-            <a:prstDash val="solid"/>
-            <a:round/>
-            <a:headEnd type="none" w="lg" len="lg"/>
-            <a:tailEnd type="triangle" w="lg" len="lg"/>
-          </a:ln>
-        </p:spPr>
-      </p:cxnSp>
-      <p:sp>
-        <p:nvSpPr>
-          <p:cNvPr id="204" name="Shape 204"/>
-          <p:cNvSpPr txBox="1"/>
-          <p:nvPr/>
-        </p:nvSpPr>
-        <p:spPr>
-          <a:xfrm>
-            <a:off x="10058964" y="2962912"/>
-            <a:ext cx="1342065" cy="549900"/>
-          </a:xfrm>
-          <a:prstGeom prst="rect">
-            <a:avLst/>
-          </a:prstGeom>
-          <a:noFill/>
-          <a:ln>
+        </p:grpSpPr>
+        <p:cxnSp>
+          <p:nvCxnSpPr>
+            <p:cNvPr id="203" name="Shape 203"/>
+            <p:cNvCxnSpPr/>
+            <p:nvPr/>
+          </p:nvCxnSpPr>
+          <p:spPr>
+            <a:xfrm flipH="1">
+              <a:off x="10149400" y="3826675"/>
+              <a:ext cx="201900" cy="304500"/>
+            </a:xfrm>
+            <a:prstGeom prst="straightConnector1">
+              <a:avLst/>
+            </a:prstGeom>
             <a:noFill/>
-          </a:ln>
-        </p:spPr>
-        <p:txBody>
-          <a:bodyPr lIns="91425" tIns="91425" rIns="91425" bIns="91425" anchor="t" anchorCtr="0">
-            <a:noAutofit/>
-          </a:bodyPr>
-          <a:lstStyle/>
-          <a:p>
-            <a:pPr lvl="0">
-              <a:spcBef>
-                <a:spcPts val="0"/>
-              </a:spcBef>
-              <a:buNone/>
-            </a:pPr>
-            <a:r>
-              <a:rPr lang="nl-NL" dirty="0"/>
-              <a:t>overlap, geen botsing</a:t>
-            </a:r>
-          </a:p>
-        </p:txBody>
-      </p:sp>
-      <p:cxnSp>
-        <p:nvCxnSpPr>
-          <p:cNvPr id="205" name="Shape 205"/>
-          <p:cNvCxnSpPr/>
-          <p:nvPr/>
-        </p:nvCxnSpPr>
-        <p:spPr>
-          <a:xfrm flipH="1">
-            <a:off x="8034425" y="4693450"/>
-            <a:ext cx="201900" cy="304500"/>
-          </a:xfrm>
-          <a:prstGeom prst="straightConnector1">
-            <a:avLst/>
-          </a:prstGeom>
-          <a:noFill/>
-          <a:ln w="9525" cap="flat" cmpd="sng">
-            <a:solidFill>
-              <a:srgbClr val="FF0000"/>
-            </a:solidFill>
-            <a:prstDash val="solid"/>
-            <a:round/>
-            <a:headEnd type="none" w="lg" len="lg"/>
-            <a:tailEnd type="triangle" w="lg" len="lg"/>
-          </a:ln>
-        </p:spPr>
-      </p:cxnSp>
-      <p:sp>
-        <p:nvSpPr>
-          <p:cNvPr id="206" name="Shape 206"/>
-          <p:cNvSpPr txBox="1"/>
-          <p:nvPr/>
-        </p:nvSpPr>
-        <p:spPr>
-          <a:xfrm>
-            <a:off x="7804064" y="4097950"/>
-            <a:ext cx="1130950" cy="495300"/>
-          </a:xfrm>
-          <a:prstGeom prst="rect">
-            <a:avLst/>
-          </a:prstGeom>
-          <a:noFill/>
-          <a:ln>
+            <a:ln w="9525" cap="flat" cmpd="sng">
+              <a:solidFill>
+                <a:srgbClr val="38761D"/>
+              </a:solidFill>
+              <a:prstDash val="solid"/>
+              <a:round/>
+              <a:headEnd type="none" w="lg" len="lg"/>
+              <a:tailEnd type="triangle" w="lg" len="lg"/>
+            </a:ln>
+          </p:spPr>
+        </p:cxnSp>
+        <p:sp>
+          <p:nvSpPr>
+            <p:cNvPr id="204" name="Shape 204"/>
+            <p:cNvSpPr txBox="1"/>
+            <p:nvPr/>
+          </p:nvSpPr>
+          <p:spPr>
+            <a:xfrm>
+              <a:off x="10058964" y="2962912"/>
+              <a:ext cx="1342065" cy="549900"/>
+            </a:xfrm>
+            <a:prstGeom prst="rect">
+              <a:avLst/>
+            </a:prstGeom>
             <a:noFill/>
-          </a:ln>
-        </p:spPr>
-        <p:txBody>
-          <a:bodyPr lIns="91425" tIns="91425" rIns="91425" bIns="91425" anchor="t" anchorCtr="0">
-            <a:noAutofit/>
-          </a:bodyPr>
-          <a:lstStyle/>
-          <a:p>
-            <a:pPr lvl="0">
-              <a:spcBef>
-                <a:spcPts val="0"/>
-              </a:spcBef>
-              <a:buNone/>
-            </a:pPr>
-            <a:r>
-              <a:rPr lang="nl-NL" dirty="0"/>
-              <a:t>overlap, botsing</a:t>
-            </a:r>
-          </a:p>
-        </p:txBody>
-      </p:sp>
+            <a:ln>
+              <a:noFill/>
+            </a:ln>
+          </p:spPr>
+          <p:txBody>
+            <a:bodyPr lIns="91425" tIns="91425" rIns="91425" bIns="91425" anchor="t" anchorCtr="0">
+              <a:noAutofit/>
+            </a:bodyPr>
+            <a:lstStyle/>
+            <a:p>
+              <a:pPr lvl="0">
+                <a:spcBef>
+                  <a:spcPts val="0"/>
+                </a:spcBef>
+                <a:buNone/>
+              </a:pPr>
+              <a:r>
+                <a:rPr lang="nl-NL" dirty="0"/>
+                <a:t>overlap, geen botsing</a:t>
+              </a:r>
+            </a:p>
+          </p:txBody>
+        </p:sp>
+        <p:cxnSp>
+          <p:nvCxnSpPr>
+            <p:cNvPr id="205" name="Shape 205"/>
+            <p:cNvCxnSpPr/>
+            <p:nvPr/>
+          </p:nvCxnSpPr>
+          <p:spPr>
+            <a:xfrm flipH="1">
+              <a:off x="8034425" y="4693450"/>
+              <a:ext cx="201900" cy="304500"/>
+            </a:xfrm>
+            <a:prstGeom prst="straightConnector1">
+              <a:avLst/>
+            </a:prstGeom>
+            <a:noFill/>
+            <a:ln w="9525" cap="flat" cmpd="sng">
+              <a:solidFill>
+                <a:srgbClr val="FF0000"/>
+              </a:solidFill>
+              <a:prstDash val="solid"/>
+              <a:round/>
+              <a:headEnd type="none" w="lg" len="lg"/>
+              <a:tailEnd type="triangle" w="lg" len="lg"/>
+            </a:ln>
+          </p:spPr>
+        </p:cxnSp>
+        <p:sp>
+          <p:nvSpPr>
+            <p:cNvPr id="206" name="Shape 206"/>
+            <p:cNvSpPr txBox="1"/>
+            <p:nvPr/>
+          </p:nvSpPr>
+          <p:spPr>
+            <a:xfrm>
+              <a:off x="7804064" y="4097950"/>
+              <a:ext cx="1130950" cy="495300"/>
+            </a:xfrm>
+            <a:prstGeom prst="rect">
+              <a:avLst/>
+            </a:prstGeom>
+            <a:noFill/>
+            <a:ln>
+              <a:noFill/>
+            </a:ln>
+          </p:spPr>
+          <p:txBody>
+            <a:bodyPr lIns="91425" tIns="91425" rIns="91425" bIns="91425" anchor="t" anchorCtr="0">
+              <a:noAutofit/>
+            </a:bodyPr>
+            <a:lstStyle/>
+            <a:p>
+              <a:pPr lvl="0">
+                <a:spcBef>
+                  <a:spcPts val="0"/>
+                </a:spcBef>
+                <a:buNone/>
+              </a:pPr>
+              <a:r>
+                <a:rPr lang="nl-NL" dirty="0"/>
+                <a:t>overlap, botsing</a:t>
+              </a:r>
+            </a:p>
+          </p:txBody>
+        </p:sp>
+      </p:grpSp>
       <p:sp>
         <p:nvSpPr>
           <p:cNvPr id="207" name="Shape 207"/>
@@ -10229,6 +10824,210 @@
   <p:clrMapOvr>
     <a:masterClrMapping/>
   </p:clrMapOvr>
+  <mc:AlternateContent xmlns:mc="http://schemas.openxmlformats.org/markup-compatibility/2006">
+    <mc:Choice xmlns:p14="http://schemas.microsoft.com/office/powerpoint/2010/main" Requires="p14">
+      <p:transition spd="med" p14:dur="700">
+        <p:fade/>
+      </p:transition>
+    </mc:Choice>
+    <mc:Fallback>
+      <p:transition spd="med">
+        <p:fade/>
+      </p:transition>
+    </mc:Fallback>
+  </mc:AlternateContent>
+  <p:timing>
+    <p:tnLst>
+      <p:par>
+        <p:cTn id="1" dur="indefinite" restart="never" nodeType="tmRoot">
+          <p:childTnLst>
+            <p:seq concurrent="1" nextAc="seek">
+              <p:cTn id="2" dur="indefinite" nodeType="mainSeq">
+                <p:childTnLst>
+                  <p:par>
+                    <p:cTn id="3" fill="hold">
+                      <p:stCondLst>
+                        <p:cond delay="indefinite"/>
+                      </p:stCondLst>
+                      <p:childTnLst>
+                        <p:par>
+                          <p:cTn id="4" fill="hold">
+                            <p:stCondLst>
+                              <p:cond delay="0"/>
+                            </p:stCondLst>
+                            <p:childTnLst>
+                              <p:par>
+                                <p:cTn id="5" presetID="10" presetClass="entr" presetSubtype="0" fill="hold" nodeType="clickEffect">
+                                  <p:stCondLst>
+                                    <p:cond delay="0"/>
+                                  </p:stCondLst>
+                                  <p:childTnLst>
+                                    <p:set>
+                                      <p:cBhvr>
+                                        <p:cTn id="6" dur="1" fill="hold">
+                                          <p:stCondLst>
+                                            <p:cond delay="0"/>
+                                          </p:stCondLst>
+                                        </p:cTn>
+                                        <p:tgtEl>
+                                          <p:spTgt spid="3"/>
+                                        </p:tgtEl>
+                                        <p:attrNameLst>
+                                          <p:attrName>style.visibility</p:attrName>
+                                        </p:attrNameLst>
+                                      </p:cBhvr>
+                                      <p:to>
+                                        <p:strVal val="visible"/>
+                                      </p:to>
+                                    </p:set>
+                                    <p:animEffect transition="in" filter="fade">
+                                      <p:cBhvr>
+                                        <p:cTn id="7" dur="500"/>
+                                        <p:tgtEl>
+                                          <p:spTgt spid="3"/>
+                                        </p:tgtEl>
+                                      </p:cBhvr>
+                                    </p:animEffect>
+                                  </p:childTnLst>
+                                </p:cTn>
+                              </p:par>
+                            </p:childTnLst>
+                          </p:cTn>
+                        </p:par>
+                      </p:childTnLst>
+                    </p:cTn>
+                  </p:par>
+                  <p:par>
+                    <p:cTn id="8" fill="hold">
+                      <p:stCondLst>
+                        <p:cond delay="indefinite"/>
+                      </p:stCondLst>
+                      <p:childTnLst>
+                        <p:par>
+                          <p:cTn id="9" fill="hold">
+                            <p:stCondLst>
+                              <p:cond delay="0"/>
+                            </p:stCondLst>
+                            <p:childTnLst>
+                              <p:par>
+                                <p:cTn id="10" presetID="16" presetClass="entr" presetSubtype="21" fill="hold" nodeType="clickEffect">
+                                  <p:stCondLst>
+                                    <p:cond delay="0"/>
+                                  </p:stCondLst>
+                                  <p:childTnLst>
+                                    <p:set>
+                                      <p:cBhvr>
+                                        <p:cTn id="11" dur="1" fill="hold">
+                                          <p:stCondLst>
+                                            <p:cond delay="0"/>
+                                          </p:stCondLst>
+                                        </p:cTn>
+                                        <p:tgtEl>
+                                          <p:spTgt spid="4"/>
+                                        </p:tgtEl>
+                                        <p:attrNameLst>
+                                          <p:attrName>style.visibility</p:attrName>
+                                        </p:attrNameLst>
+                                      </p:cBhvr>
+                                      <p:to>
+                                        <p:strVal val="visible"/>
+                                      </p:to>
+                                    </p:set>
+                                    <p:animEffect transition="in" filter="barn(inVertical)">
+                                      <p:cBhvr>
+                                        <p:cTn id="12" dur="500"/>
+                                        <p:tgtEl>
+                                          <p:spTgt spid="4"/>
+                                        </p:tgtEl>
+                                      </p:cBhvr>
+                                    </p:animEffect>
+                                  </p:childTnLst>
+                                </p:cTn>
+                              </p:par>
+                            </p:childTnLst>
+                          </p:cTn>
+                        </p:par>
+                      </p:childTnLst>
+                    </p:cTn>
+                  </p:par>
+                  <p:par>
+                    <p:cTn id="13" fill="hold">
+                      <p:stCondLst>
+                        <p:cond delay="indefinite"/>
+                      </p:stCondLst>
+                      <p:childTnLst>
+                        <p:par>
+                          <p:cTn id="14" fill="hold">
+                            <p:stCondLst>
+                              <p:cond delay="0"/>
+                            </p:stCondLst>
+                            <p:childTnLst>
+                              <p:par>
+                                <p:cTn id="15" presetID="10" presetClass="entr" presetSubtype="0" fill="hold" grpId="0" nodeType="clickEffect">
+                                  <p:stCondLst>
+                                    <p:cond delay="0"/>
+                                  </p:stCondLst>
+                                  <p:childTnLst>
+                                    <p:set>
+                                      <p:cBhvr>
+                                        <p:cTn id="16" dur="1" fill="hold">
+                                          <p:stCondLst>
+                                            <p:cond delay="0"/>
+                                          </p:stCondLst>
+                                        </p:cTn>
+                                        <p:tgtEl>
+                                          <p:spTgt spid="207"/>
+                                        </p:tgtEl>
+                                        <p:attrNameLst>
+                                          <p:attrName>style.visibility</p:attrName>
+                                        </p:attrNameLst>
+                                      </p:cBhvr>
+                                      <p:to>
+                                        <p:strVal val="visible"/>
+                                      </p:to>
+                                    </p:set>
+                                    <p:animEffect transition="in" filter="fade">
+                                      <p:cBhvr>
+                                        <p:cTn id="17" dur="500"/>
+                                        <p:tgtEl>
+                                          <p:spTgt spid="207"/>
+                                        </p:tgtEl>
+                                      </p:cBhvr>
+                                    </p:animEffect>
+                                  </p:childTnLst>
+                                </p:cTn>
+                              </p:par>
+                            </p:childTnLst>
+                          </p:cTn>
+                        </p:par>
+                      </p:childTnLst>
+                    </p:cTn>
+                  </p:par>
+                </p:childTnLst>
+              </p:cTn>
+              <p:prevCondLst>
+                <p:cond evt="onPrev" delay="0">
+                  <p:tgtEl>
+                    <p:sldTgt/>
+                  </p:tgtEl>
+                </p:cond>
+              </p:prevCondLst>
+              <p:nextCondLst>
+                <p:cond evt="onNext" delay="0">
+                  <p:tgtEl>
+                    <p:sldTgt/>
+                  </p:tgtEl>
+                </p:cond>
+              </p:nextCondLst>
+            </p:seq>
+          </p:childTnLst>
+        </p:cTn>
+      </p:par>
+    </p:tnLst>
+    <p:bldLst>
+      <p:bldP spid="207" grpId="0" animBg="1"/>
+    </p:bldLst>
+  </p:timing>
 </p:sld>
 </file>
 
@@ -10320,6 +11119,25 @@
   <p:clrMapOvr>
     <a:masterClrMapping/>
   </p:clrMapOvr>
+  <mc:AlternateContent xmlns:mc="http://schemas.openxmlformats.org/markup-compatibility/2006">
+    <mc:Choice xmlns:p14="http://schemas.microsoft.com/office/powerpoint/2010/main" Requires="p14">
+      <p:transition spd="med" p14:dur="700">
+        <p:fade/>
+      </p:transition>
+    </mc:Choice>
+    <mc:Fallback>
+      <p:transition spd="med">
+        <p:fade/>
+      </p:transition>
+    </mc:Fallback>
+  </mc:AlternateContent>
+  <p:timing>
+    <p:tnLst>
+      <p:par>
+        <p:cTn id="1" dur="indefinite" restart="never" nodeType="tmRoot"/>
+      </p:par>
+    </p:tnLst>
+  </p:timing>
 </p:sld>
 </file>
 
@@ -10340,6 +11158,36 @@
           <a:chExt cx="0" cy="0"/>
         </a:xfrm>
       </p:grpSpPr>
+      <p:pic>
+        <p:nvPicPr>
+          <p:cNvPr id="4" name="Afbeelding 3"/>
+          <p:cNvPicPr>
+            <a:picLocks noChangeAspect="1"/>
+          </p:cNvPicPr>
+          <p:nvPr/>
+        </p:nvPicPr>
+        <p:blipFill>
+          <a:blip r:embed="rId2">
+            <a:extLst>
+              <a:ext uri="{28A0092B-C50C-407E-A947-70E740481C1C}">
+                <a14:useLocalDpi xmlns:a14="http://schemas.microsoft.com/office/drawing/2010/main" val="0"/>
+              </a:ext>
+            </a:extLst>
+          </a:blip>
+          <a:stretch>
+            <a:fillRect/>
+          </a:stretch>
+        </p:blipFill>
+        <p:spPr>
+          <a:xfrm>
+            <a:off x="4277546" y="4873541"/>
+            <a:ext cx="7856223" cy="1857739"/>
+          </a:xfrm>
+          <a:prstGeom prst="rect">
+            <a:avLst/>
+          </a:prstGeom>
+        </p:spPr>
+      </p:pic>
       <p:sp>
         <p:nvSpPr>
           <p:cNvPr id="2" name="Titel 1"/>
@@ -10356,14 +11204,15 @@
           <a:lstStyle/>
           <a:p>
             <a:r>
-              <a:rPr lang="nl-NL"/>
+              <a:rPr lang="nl-NL" dirty="0" err="1"/>
               <a:t>Leapfrog</a:t>
             </a:r>
-          </a:p>
-        </p:txBody>
-      </p:sp>
-      <mc:AlternateContent xmlns:mc="http://schemas.openxmlformats.org/markup-compatibility/2006" xmlns:a14="http://schemas.microsoft.com/office/drawing/2010/main">
-        <mc:Choice Requires="a14">
+            <a:endParaRPr lang="nl-NL" dirty="0"/>
+          </a:p>
+        </p:txBody>
+      </p:sp>
+      <mc:AlternateContent xmlns:mc="http://schemas.openxmlformats.org/markup-compatibility/2006">
+        <mc:Choice xmlns:a14="http://schemas.microsoft.com/office/drawing/2010/main" Requires="a14">
           <p:sp>
             <p:nvSpPr>
               <p:cNvPr id="3" name="Tijdelijke aanduiding voor inhoud 2"/>
@@ -10376,25 +11225,388 @@
             </p:nvSpPr>
             <p:spPr/>
             <p:txBody>
-              <a:bodyPr/>
+              <a:bodyPr>
+                <a:normAutofit/>
+              </a:bodyPr>
               <a:lstStyle/>
               <a:p>
                 <a:r>
                   <a:rPr lang="nl-NL" dirty="0"/>
-                  <a:t>Handig voor mechanische systemen</a:t>
+                  <a:t>Formule:</a:t>
                 </a:r>
               </a:p>
               <a:p>
                 <a:pPr lvl="1"/>
+                <a14:m>
+                  <m:oMath xmlns:m="http://schemas.openxmlformats.org/officeDocument/2006/math">
+                    <m:sSub>
+                      <m:sSubPr>
+                        <m:ctrlPr>
+                          <a:rPr lang="nl-NL" i="1">
+                            <a:latin typeface="Cambria Math"/>
+                          </a:rPr>
+                        </m:ctrlPr>
+                      </m:sSubPr>
+                      <m:e>
+                        <m:r>
+                          <a:rPr lang="nl-NL" i="1">
+                            <a:latin typeface="Cambria Math"/>
+                          </a:rPr>
+                          <m:t>𝑥</m:t>
+                        </m:r>
+                      </m:e>
+                      <m:sub>
+                        <m:r>
+                          <a:rPr lang="nl-NL" i="1">
+                            <a:latin typeface="Cambria Math"/>
+                          </a:rPr>
+                          <m:t>𝑖</m:t>
+                        </m:r>
+                      </m:sub>
+                    </m:sSub>
+                    <m:r>
+                      <a:rPr lang="nl-NL" i="1">
+                        <a:latin typeface="Cambria Math"/>
+                      </a:rPr>
+                      <m:t>=</m:t>
+                    </m:r>
+                    <m:sSub>
+                      <m:sSubPr>
+                        <m:ctrlPr>
+                          <a:rPr lang="nl-NL" i="1">
+                            <a:latin typeface="Cambria Math"/>
+                          </a:rPr>
+                        </m:ctrlPr>
+                      </m:sSubPr>
+                      <m:e>
+                        <m:r>
+                          <a:rPr lang="nl-NL" i="1">
+                            <a:latin typeface="Cambria Math"/>
+                          </a:rPr>
+                          <m:t>𝑥</m:t>
+                        </m:r>
+                      </m:e>
+                      <m:sub>
+                        <m:r>
+                          <a:rPr lang="nl-NL" i="1">
+                            <a:latin typeface="Cambria Math"/>
+                          </a:rPr>
+                          <m:t>𝑖</m:t>
+                        </m:r>
+                        <m:r>
+                          <a:rPr lang="nl-NL" i="1">
+                            <a:latin typeface="Cambria Math"/>
+                          </a:rPr>
+                          <m:t>−1</m:t>
+                        </m:r>
+                      </m:sub>
+                    </m:sSub>
+                    <m:r>
+                      <a:rPr lang="nl-NL" i="1">
+                        <a:latin typeface="Cambria Math"/>
+                      </a:rPr>
+                      <m:t>+</m:t>
+                    </m:r>
+                    <m:sSub>
+                      <m:sSubPr>
+                        <m:ctrlPr>
+                          <a:rPr lang="nl-NL" i="1">
+                            <a:latin typeface="Cambria Math"/>
+                          </a:rPr>
+                        </m:ctrlPr>
+                      </m:sSubPr>
+                      <m:e>
+                        <m:r>
+                          <a:rPr lang="nl-NL" i="1">
+                            <a:latin typeface="Cambria Math"/>
+                            <a:ea typeface="Cambria Math"/>
+                          </a:rPr>
+                          <m:t>∆</m:t>
+                        </m:r>
+                        <m:r>
+                          <a:rPr lang="nl-NL" i="1">
+                            <a:latin typeface="Cambria Math"/>
+                            <a:ea typeface="Cambria Math"/>
+                          </a:rPr>
+                          <m:t>𝑡</m:t>
+                        </m:r>
+                        <m:r>
+                          <a:rPr lang="nl-NL" i="1">
+                            <a:latin typeface="Cambria Math"/>
+                            <a:ea typeface="Cambria Math"/>
+                          </a:rPr>
+                          <m:t> ∙</m:t>
+                        </m:r>
+                        <m:r>
+                          <a:rPr lang="nl-NL" i="1">
+                            <a:latin typeface="Cambria Math"/>
+                          </a:rPr>
+                          <m:t>𝑣</m:t>
+                        </m:r>
+                      </m:e>
+                      <m:sub>
+                        <m:r>
+                          <a:rPr lang="nl-NL" i="1">
+                            <a:latin typeface="Cambria Math"/>
+                          </a:rPr>
+                          <m:t>𝑖</m:t>
+                        </m:r>
+                        <m:r>
+                          <a:rPr lang="nl-NL" i="1">
+                            <a:latin typeface="Cambria Math"/>
+                          </a:rPr>
+                          <m:t>−</m:t>
+                        </m:r>
+                        <m:r>
+                          <a:rPr lang="nl-NL" i="1">
+                            <a:latin typeface="Cambria Math"/>
+                          </a:rPr>
+                          <m:t>1/2</m:t>
+                        </m:r>
+                      </m:sub>
+                    </m:sSub>
+                  </m:oMath>
+                </a14:m>
+                <a:endParaRPr lang="nl-NL" dirty="0"/>
+              </a:p>
+              <a:p>
+                <a:pPr lvl="1"/>
+                <a14:m>
+                  <m:oMath xmlns:m="http://schemas.openxmlformats.org/officeDocument/2006/math">
+                    <m:sSub>
+                      <m:sSubPr>
+                        <m:ctrlPr>
+                          <a:rPr lang="nl-NL" i="1">
+                            <a:latin typeface="Cambria Math"/>
+                          </a:rPr>
+                        </m:ctrlPr>
+                      </m:sSubPr>
+                      <m:e>
+                        <m:r>
+                          <a:rPr lang="nl-NL" i="1">
+                            <a:latin typeface="Cambria Math"/>
+                          </a:rPr>
+                          <m:t>𝑎</m:t>
+                        </m:r>
+                      </m:e>
+                      <m:sub>
+                        <m:r>
+                          <a:rPr lang="nl-NL" i="1">
+                            <a:latin typeface="Cambria Math"/>
+                          </a:rPr>
+                          <m:t>𝑖</m:t>
+                        </m:r>
+                      </m:sub>
+                    </m:sSub>
+                    <m:r>
+                      <a:rPr lang="nl-NL" i="1">
+                        <a:latin typeface="Cambria Math"/>
+                      </a:rPr>
+                      <m:t>=</m:t>
+                    </m:r>
+                    <m:sSub>
+                      <m:sSubPr>
+                        <m:ctrlPr>
+                          <a:rPr lang="nl-NL" i="1">
+                            <a:latin typeface="Cambria Math"/>
+                          </a:rPr>
+                        </m:ctrlPr>
+                      </m:sSubPr>
+                      <m:e>
+                        <m:r>
+                          <a:rPr lang="nl-NL" i="1">
+                            <a:latin typeface="Cambria Math"/>
+                          </a:rPr>
+                          <m:t>𝑓</m:t>
+                        </m:r>
+                        <m:r>
+                          <a:rPr lang="nl-NL" i="1">
+                            <a:latin typeface="Cambria Math"/>
+                          </a:rPr>
+                          <m:t>(</m:t>
+                        </m:r>
+                        <m:r>
+                          <a:rPr lang="nl-NL" i="1">
+                            <a:latin typeface="Cambria Math"/>
+                          </a:rPr>
+                          <m:t>𝑥</m:t>
+                        </m:r>
+                      </m:e>
+                      <m:sub>
+                        <m:r>
+                          <a:rPr lang="nl-NL" i="1">
+                            <a:latin typeface="Cambria Math"/>
+                          </a:rPr>
+                          <m:t>𝑖</m:t>
+                        </m:r>
+                      </m:sub>
+                    </m:sSub>
+                    <m:r>
+                      <a:rPr lang="nl-NL" i="1">
+                        <a:latin typeface="Cambria Math"/>
+                      </a:rPr>
+                      <m:t>)</m:t>
+                    </m:r>
+                  </m:oMath>
+                </a14:m>
+                <a:endParaRPr lang="nl-NL" i="1" dirty="0">
+                  <a:latin typeface="Cambria Math"/>
+                </a:endParaRPr>
+              </a:p>
+              <a:p>
+                <a:pPr lvl="1"/>
+                <a14:m>
+                  <m:oMath xmlns:m="http://schemas.openxmlformats.org/officeDocument/2006/math">
+                    <m:sSub>
+                      <m:sSubPr>
+                        <m:ctrlPr>
+                          <a:rPr lang="nl-NL" i="1">
+                            <a:latin typeface="Cambria Math"/>
+                          </a:rPr>
+                        </m:ctrlPr>
+                      </m:sSubPr>
+                      <m:e>
+                        <m:r>
+                          <a:rPr lang="nl-NL" i="1">
+                            <a:latin typeface="Cambria Math"/>
+                          </a:rPr>
+                          <m:t>𝑣</m:t>
+                        </m:r>
+                      </m:e>
+                      <m:sub>
+                        <m:r>
+                          <a:rPr lang="nl-NL" i="1">
+                            <a:latin typeface="Cambria Math"/>
+                          </a:rPr>
+                          <m:t>𝑖</m:t>
+                        </m:r>
+                        <m:r>
+                          <a:rPr lang="nl-NL" i="1">
+                            <a:latin typeface="Cambria Math"/>
+                          </a:rPr>
+                          <m:t>+1/2</m:t>
+                        </m:r>
+                      </m:sub>
+                    </m:sSub>
+                    <m:r>
+                      <a:rPr lang="nl-NL" i="1">
+                        <a:latin typeface="Cambria Math"/>
+                      </a:rPr>
+                      <m:t>=</m:t>
+                    </m:r>
+                    <m:sSub>
+                      <m:sSubPr>
+                        <m:ctrlPr>
+                          <a:rPr lang="nl-NL" i="1">
+                            <a:latin typeface="Cambria Math"/>
+                          </a:rPr>
+                        </m:ctrlPr>
+                      </m:sSubPr>
+                      <m:e>
+                        <m:r>
+                          <a:rPr lang="nl-NL" i="1">
+                            <a:latin typeface="Cambria Math"/>
+                          </a:rPr>
+                          <m:t>𝑣</m:t>
+                        </m:r>
+                      </m:e>
+                      <m:sub>
+                        <m:r>
+                          <a:rPr lang="nl-NL" i="1">
+                            <a:latin typeface="Cambria Math"/>
+                          </a:rPr>
+                          <m:t>𝑖</m:t>
+                        </m:r>
+                        <m:r>
+                          <a:rPr lang="nl-NL" i="1">
+                            <a:latin typeface="Cambria Math"/>
+                          </a:rPr>
+                          <m:t>−1/2</m:t>
+                        </m:r>
+                      </m:sub>
+                    </m:sSub>
+                    <m:r>
+                      <a:rPr lang="nl-NL" i="1">
+                        <a:latin typeface="Cambria Math"/>
+                      </a:rPr>
+                      <m:t>+</m:t>
+                    </m:r>
+                    <m:sSub>
+                      <m:sSubPr>
+                        <m:ctrlPr>
+                          <a:rPr lang="nl-NL" i="1">
+                            <a:latin typeface="Cambria Math"/>
+                          </a:rPr>
+                        </m:ctrlPr>
+                      </m:sSubPr>
+                      <m:e>
+                        <m:r>
+                          <a:rPr lang="nl-NL" i="1">
+                            <a:latin typeface="Cambria Math"/>
+                            <a:ea typeface="Cambria Math"/>
+                          </a:rPr>
+                          <m:t>∆</m:t>
+                        </m:r>
+                        <m:r>
+                          <a:rPr lang="nl-NL" i="1">
+                            <a:latin typeface="Cambria Math"/>
+                            <a:ea typeface="Cambria Math"/>
+                          </a:rPr>
+                          <m:t>𝑡</m:t>
+                        </m:r>
+                        <m:r>
+                          <a:rPr lang="nl-NL" i="1">
+                            <a:latin typeface="Cambria Math"/>
+                            <a:ea typeface="Cambria Math"/>
+                          </a:rPr>
+                          <m:t> ∙</m:t>
+                        </m:r>
+                        <m:r>
+                          <a:rPr lang="nl-NL" i="1">
+                            <a:latin typeface="Cambria Math"/>
+                            <a:ea typeface="Cambria Math"/>
+                          </a:rPr>
+                          <m:t>𝑎</m:t>
+                        </m:r>
+                      </m:e>
+                      <m:sub>
+                        <m:r>
+                          <a:rPr lang="nl-NL" i="1">
+                            <a:latin typeface="Cambria Math"/>
+                          </a:rPr>
+                          <m:t>𝑖</m:t>
+                        </m:r>
+                      </m:sub>
+                    </m:sSub>
+                  </m:oMath>
+                </a14:m>
+                <a:endParaRPr lang="nl-NL" dirty="0" smtClean="0"/>
+              </a:p>
+              <a:p>
                 <a:r>
                   <a:rPr lang="nl-NL" dirty="0"/>
-                  <a:t>Maakt gebruik van versnelling</a:t>
+                  <a:t>Orde </a:t>
+                </a:r>
+                <a:r>
+                  <a:rPr lang="nl-NL" dirty="0" smtClean="0"/>
+                  <a:t>2</a:t>
+                </a:r>
+                <a:endParaRPr lang="nl-NL" dirty="0"/>
+              </a:p>
+              <a:p>
+                <a:r>
+                  <a:rPr lang="nl-NL" dirty="0" smtClean="0"/>
+                  <a:t>Slechts 1 functie-evaluatie</a:t>
                 </a:r>
               </a:p>
               <a:p>
                 <a:r>
+                  <a:rPr lang="nl-NL" dirty="0" smtClean="0"/>
+                  <a:t>Stabiel </a:t>
+                </a:r>
+                <a:r>
                   <a:rPr lang="nl-NL" dirty="0"/>
-                  <a:t>Stabiel voor oscillaties</a:t>
+                  <a:t>voor oscillaties</a:t>
                 </a:r>
               </a:p>
               <a:p>
@@ -10426,7 +11638,7 @@
                       <m:fPr>
                         <m:ctrlPr>
                           <a:rPr lang="nl-NL" sz="2400" i="1">
-                            <a:latin typeface="Cambria Math" panose="02040503050406030204" pitchFamily="18" charset="0"/>
+                            <a:latin typeface="Cambria Math"/>
                             <a:ea typeface="Cambria Math"/>
                           </a:rPr>
                         </m:ctrlPr>
@@ -10476,367 +11688,13 @@
                 </a14:m>
                 <a:r>
                   <a:rPr lang="nl-NL" dirty="0"/>
-                  <a:t>: hoekfrequentie</a:t>
+                  <a:t>: </a:t>
                 </a:r>
-              </a:p>
-              <a:p>
                 <a:r>
-                  <a:rPr lang="nl-NL" dirty="0"/>
-                  <a:t>Formule:</a:t>
+                  <a:rPr lang="nl-NL" dirty="0" smtClean="0"/>
+                  <a:t>hoekfrequentie</a:t>
                 </a:r>
-              </a:p>
-              <a:p>
-                <a:pPr lvl="1"/>
-                <a14:m>
-                  <m:oMath xmlns:m="http://schemas.openxmlformats.org/officeDocument/2006/math">
-                    <m:sSub>
-                      <m:sSubPr>
-                        <m:ctrlPr>
-                          <a:rPr lang="nl-NL" i="1">
-                            <a:latin typeface="Cambria Math" panose="02040503050406030204" pitchFamily="18" charset="0"/>
-                          </a:rPr>
-                        </m:ctrlPr>
-                      </m:sSubPr>
-                      <m:e>
-                        <m:r>
-                          <a:rPr lang="nl-NL" i="1">
-                            <a:latin typeface="Cambria Math"/>
-                          </a:rPr>
-                          <m:t>𝑥</m:t>
-                        </m:r>
-                      </m:e>
-                      <m:sub>
-                        <m:r>
-                          <a:rPr lang="nl-NL" i="1">
-                            <a:latin typeface="Cambria Math"/>
-                          </a:rPr>
-                          <m:t>𝑖</m:t>
-                        </m:r>
-                      </m:sub>
-                    </m:sSub>
-                    <m:r>
-                      <a:rPr lang="nl-NL" i="1">
-                        <a:latin typeface="Cambria Math"/>
-                      </a:rPr>
-                      <m:t>=</m:t>
-                    </m:r>
-                    <m:sSub>
-                      <m:sSubPr>
-                        <m:ctrlPr>
-                          <a:rPr lang="nl-NL" i="1">
-                            <a:latin typeface="Cambria Math" panose="02040503050406030204" pitchFamily="18" charset="0"/>
-                          </a:rPr>
-                        </m:ctrlPr>
-                      </m:sSubPr>
-                      <m:e>
-                        <m:r>
-                          <a:rPr lang="nl-NL" i="1">
-                            <a:latin typeface="Cambria Math"/>
-                          </a:rPr>
-                          <m:t>𝑥</m:t>
-                        </m:r>
-                      </m:e>
-                      <m:sub>
-                        <m:r>
-                          <a:rPr lang="nl-NL" i="1">
-                            <a:latin typeface="Cambria Math"/>
-                          </a:rPr>
-                          <m:t>𝑖</m:t>
-                        </m:r>
-                        <m:r>
-                          <a:rPr lang="nl-NL" b="0" i="1" smtClean="0">
-                            <a:latin typeface="Cambria Math"/>
-                          </a:rPr>
-                          <m:t>−1</m:t>
-                        </m:r>
-                      </m:sub>
-                    </m:sSub>
-                    <m:r>
-                      <a:rPr lang="nl-NL" i="1">
-                        <a:latin typeface="Cambria Math"/>
-                      </a:rPr>
-                      <m:t>+</m:t>
-                    </m:r>
-                    <m:sSub>
-                      <m:sSubPr>
-                        <m:ctrlPr>
-                          <a:rPr lang="nl-NL" i="1">
-                            <a:latin typeface="Cambria Math" panose="02040503050406030204" pitchFamily="18" charset="0"/>
-                          </a:rPr>
-                        </m:ctrlPr>
-                      </m:sSubPr>
-                      <m:e>
-                        <m:r>
-                          <a:rPr lang="nl-NL" i="1">
-                            <a:latin typeface="Cambria Math"/>
-                            <a:ea typeface="Cambria Math"/>
-                          </a:rPr>
-                          <m:t>∆</m:t>
-                        </m:r>
-                        <m:r>
-                          <a:rPr lang="nl-NL" i="1">
-                            <a:latin typeface="Cambria Math"/>
-                            <a:ea typeface="Cambria Math"/>
-                          </a:rPr>
-                          <m:t>𝑡</m:t>
-                        </m:r>
-                        <m:r>
-                          <a:rPr lang="nl-NL" i="1">
-                            <a:latin typeface="Cambria Math"/>
-                            <a:ea typeface="Cambria Math"/>
-                          </a:rPr>
-                          <m:t> ∙</m:t>
-                        </m:r>
-                        <m:r>
-                          <a:rPr lang="nl-NL" i="1">
-                            <a:latin typeface="Cambria Math"/>
-                          </a:rPr>
-                          <m:t>𝑣</m:t>
-                        </m:r>
-                      </m:e>
-                      <m:sub>
-                        <m:r>
-                          <a:rPr lang="nl-NL" i="1">
-                            <a:latin typeface="Cambria Math"/>
-                          </a:rPr>
-                          <m:t>𝑖</m:t>
-                        </m:r>
-                        <m:r>
-                          <a:rPr lang="nl-NL" b="0" i="1" smtClean="0">
-                            <a:latin typeface="Cambria Math"/>
-                          </a:rPr>
-                          <m:t>−</m:t>
-                        </m:r>
-                        <m:r>
-                          <a:rPr lang="nl-NL" i="1">
-                            <a:latin typeface="Cambria Math"/>
-                          </a:rPr>
-                          <m:t>1/2</m:t>
-                        </m:r>
-                      </m:sub>
-                    </m:sSub>
-                  </m:oMath>
-                </a14:m>
                 <a:endParaRPr lang="nl-NL" dirty="0"/>
-              </a:p>
-              <a:p>
-                <a:pPr lvl="1"/>
-                <a14:m>
-                  <m:oMath xmlns:m="http://schemas.openxmlformats.org/officeDocument/2006/math">
-                    <m:sSub>
-                      <m:sSubPr>
-                        <m:ctrlPr>
-                          <a:rPr lang="nl-NL" i="1" smtClean="0">
-                            <a:latin typeface="Cambria Math" panose="02040503050406030204" pitchFamily="18" charset="0"/>
-                          </a:rPr>
-                        </m:ctrlPr>
-                      </m:sSubPr>
-                      <m:e>
-                        <m:r>
-                          <a:rPr lang="nl-NL" b="0" i="1" smtClean="0">
-                            <a:latin typeface="Cambria Math"/>
-                          </a:rPr>
-                          <m:t>𝑎</m:t>
-                        </m:r>
-                      </m:e>
-                      <m:sub>
-                        <m:r>
-                          <a:rPr lang="nl-NL" i="1">
-                            <a:latin typeface="Cambria Math"/>
-                          </a:rPr>
-                          <m:t>𝑖</m:t>
-                        </m:r>
-                      </m:sub>
-                    </m:sSub>
-                    <m:r>
-                      <a:rPr lang="nl-NL" i="1">
-                        <a:latin typeface="Cambria Math"/>
-                      </a:rPr>
-                      <m:t>=</m:t>
-                    </m:r>
-                    <m:sSub>
-                      <m:sSubPr>
-                        <m:ctrlPr>
-                          <a:rPr lang="nl-NL" i="1">
-                            <a:latin typeface="Cambria Math" panose="02040503050406030204" pitchFamily="18" charset="0"/>
-                          </a:rPr>
-                        </m:ctrlPr>
-                      </m:sSubPr>
-                      <m:e>
-                        <m:r>
-                          <a:rPr lang="nl-NL" b="0" i="1" smtClean="0">
-                            <a:latin typeface="Cambria Math"/>
-                          </a:rPr>
-                          <m:t>𝑓</m:t>
-                        </m:r>
-                        <m:r>
-                          <a:rPr lang="nl-NL" b="0" i="1" smtClean="0">
-                            <a:latin typeface="Cambria Math"/>
-                          </a:rPr>
-                          <m:t>(</m:t>
-                        </m:r>
-                        <m:r>
-                          <a:rPr lang="nl-NL" i="1">
-                            <a:latin typeface="Cambria Math"/>
-                          </a:rPr>
-                          <m:t>𝑥</m:t>
-                        </m:r>
-                      </m:e>
-                      <m:sub>
-                        <m:r>
-                          <a:rPr lang="nl-NL" i="1">
-                            <a:latin typeface="Cambria Math"/>
-                          </a:rPr>
-                          <m:t>𝑖</m:t>
-                        </m:r>
-                      </m:sub>
-                    </m:sSub>
-                    <m:r>
-                      <a:rPr lang="nl-NL" b="0" i="1" smtClean="0">
-                        <a:latin typeface="Cambria Math"/>
-                      </a:rPr>
-                      <m:t>)</m:t>
-                    </m:r>
-                  </m:oMath>
-                </a14:m>
-                <a:endParaRPr lang="nl-NL" b="0" i="1" dirty="0">
-                  <a:latin typeface="Cambria Math"/>
-                </a:endParaRPr>
-              </a:p>
-              <a:p>
-                <a:pPr lvl="1"/>
-                <a14:m>
-                  <m:oMath xmlns:m="http://schemas.openxmlformats.org/officeDocument/2006/math">
-                    <m:sSub>
-                      <m:sSubPr>
-                        <m:ctrlPr>
-                          <a:rPr lang="nl-NL" i="1">
-                            <a:latin typeface="Cambria Math" panose="02040503050406030204" pitchFamily="18" charset="0"/>
-                          </a:rPr>
-                        </m:ctrlPr>
-                      </m:sSubPr>
-                      <m:e>
-                        <m:r>
-                          <a:rPr lang="nl-NL" b="0" i="1" smtClean="0">
-                            <a:latin typeface="Cambria Math"/>
-                          </a:rPr>
-                          <m:t>𝑣</m:t>
-                        </m:r>
-                      </m:e>
-                      <m:sub>
-                        <m:r>
-                          <a:rPr lang="nl-NL" i="1">
-                            <a:latin typeface="Cambria Math"/>
-                          </a:rPr>
-                          <m:t>𝑖</m:t>
-                        </m:r>
-                        <m:r>
-                          <a:rPr lang="nl-NL" b="0" i="1" smtClean="0">
-                            <a:latin typeface="Cambria Math"/>
-                          </a:rPr>
-                          <m:t>+1/2</m:t>
-                        </m:r>
-                      </m:sub>
-                    </m:sSub>
-                    <m:r>
-                      <a:rPr lang="nl-NL" i="1">
-                        <a:latin typeface="Cambria Math"/>
-                      </a:rPr>
-                      <m:t>=</m:t>
-                    </m:r>
-                    <m:sSub>
-                      <m:sSubPr>
-                        <m:ctrlPr>
-                          <a:rPr lang="nl-NL" i="1">
-                            <a:latin typeface="Cambria Math" panose="02040503050406030204" pitchFamily="18" charset="0"/>
-                          </a:rPr>
-                        </m:ctrlPr>
-                      </m:sSubPr>
-                      <m:e>
-                        <m:r>
-                          <a:rPr lang="nl-NL" b="0" i="1" smtClean="0">
-                            <a:latin typeface="Cambria Math"/>
-                          </a:rPr>
-                          <m:t>𝑣</m:t>
-                        </m:r>
-                      </m:e>
-                      <m:sub>
-                        <m:r>
-                          <a:rPr lang="nl-NL" i="1">
-                            <a:latin typeface="Cambria Math"/>
-                          </a:rPr>
-                          <m:t>𝑖</m:t>
-                        </m:r>
-                        <m:r>
-                          <a:rPr lang="nl-NL" b="0" i="1" smtClean="0">
-                            <a:latin typeface="Cambria Math"/>
-                          </a:rPr>
-                          <m:t>−1/2</m:t>
-                        </m:r>
-                      </m:sub>
-                    </m:sSub>
-                    <m:r>
-                      <a:rPr lang="nl-NL" i="1">
-                        <a:latin typeface="Cambria Math"/>
-                      </a:rPr>
-                      <m:t>+</m:t>
-                    </m:r>
-                    <m:sSub>
-                      <m:sSubPr>
-                        <m:ctrlPr>
-                          <a:rPr lang="nl-NL" i="1">
-                            <a:latin typeface="Cambria Math" panose="02040503050406030204" pitchFamily="18" charset="0"/>
-                          </a:rPr>
-                        </m:ctrlPr>
-                      </m:sSubPr>
-                      <m:e>
-                        <m:r>
-                          <a:rPr lang="nl-NL" i="1">
-                            <a:latin typeface="Cambria Math"/>
-                            <a:ea typeface="Cambria Math"/>
-                          </a:rPr>
-                          <m:t>∆</m:t>
-                        </m:r>
-                        <m:r>
-                          <a:rPr lang="nl-NL" i="1">
-                            <a:latin typeface="Cambria Math"/>
-                            <a:ea typeface="Cambria Math"/>
-                          </a:rPr>
-                          <m:t>𝑡</m:t>
-                        </m:r>
-                        <m:r>
-                          <a:rPr lang="nl-NL" i="1">
-                            <a:latin typeface="Cambria Math"/>
-                            <a:ea typeface="Cambria Math"/>
-                          </a:rPr>
-                          <m:t> ∙</m:t>
-                        </m:r>
-                        <m:r>
-                          <a:rPr lang="nl-NL" b="0" i="1" smtClean="0">
-                            <a:latin typeface="Cambria Math"/>
-                            <a:ea typeface="Cambria Math"/>
-                          </a:rPr>
-                          <m:t>𝑎</m:t>
-                        </m:r>
-                      </m:e>
-                      <m:sub>
-                        <m:r>
-                          <a:rPr lang="nl-NL" i="1">
-                            <a:latin typeface="Cambria Math"/>
-                          </a:rPr>
-                          <m:t>𝑖</m:t>
-                        </m:r>
-                      </m:sub>
-                    </m:sSub>
-                  </m:oMath>
-                </a14:m>
-                <a:endParaRPr lang="nl-NL" dirty="0"/>
-              </a:p>
-              <a:p>
-                <a:r>
-                  <a:rPr lang="nl-NL" dirty="0"/>
-                  <a:t>Orde 2</a:t>
-                </a:r>
               </a:p>
               <a:p>
                 <a:pPr lvl="1"/>
@@ -10851,7 +11709,7 @@
             </p:txBody>
           </p:sp>
         </mc:Choice>
-        <mc:Fallback xmlns="">
+        <mc:Fallback>
           <p:sp>
             <p:nvSpPr>
               <p:cNvPr id="3" name="Tijdelijke aanduiding voor inhoud 2"/>
@@ -10864,7 +11722,7 @@
             </p:nvSpPr>
             <p:spPr>
               <a:blipFill rotWithShape="1">
-                <a:blip r:embed="rId2"/>
+                <a:blip r:embed="rId3"/>
                 <a:stretch>
                   <a:fillRect l="-676" t="-1818"/>
                 </a:stretch>
@@ -10885,36 +11743,6 @@
           </p:sp>
         </mc:Fallback>
       </mc:AlternateContent>
-      <p:pic>
-        <p:nvPicPr>
-          <p:cNvPr id="4" name="Afbeelding 3"/>
-          <p:cNvPicPr>
-            <a:picLocks noChangeAspect="1"/>
-          </p:cNvPicPr>
-          <p:nvPr/>
-        </p:nvPicPr>
-        <p:blipFill>
-          <a:blip r:embed="rId3">
-            <a:extLst>
-              <a:ext uri="{28A0092B-C50C-407E-A947-70E740481C1C}">
-                <a14:useLocalDpi xmlns:a14="http://schemas.microsoft.com/office/drawing/2010/main" val="0"/>
-              </a:ext>
-            </a:extLst>
-          </a:blip>
-          <a:stretch>
-            <a:fillRect/>
-          </a:stretch>
-        </p:blipFill>
-        <p:spPr>
-          <a:xfrm>
-            <a:off x="4134671" y="4825916"/>
-            <a:ext cx="7856223" cy="1857739"/>
-          </a:xfrm>
-          <a:prstGeom prst="rect">
-            <a:avLst/>
-          </a:prstGeom>
-        </p:spPr>
-      </p:pic>
     </p:spTree>
     <p:extLst>
       <p:ext uri="{BB962C8B-B14F-4D97-AF65-F5344CB8AC3E}">
@@ -10925,6 +11753,25 @@
   <p:clrMapOvr>
     <a:masterClrMapping/>
   </p:clrMapOvr>
+  <mc:AlternateContent xmlns:mc="http://schemas.openxmlformats.org/markup-compatibility/2006">
+    <mc:Choice xmlns:p14="http://schemas.microsoft.com/office/powerpoint/2010/main" Requires="p14">
+      <p:transition spd="med" p14:dur="700">
+        <p:fade/>
+      </p:transition>
+    </mc:Choice>
+    <mc:Fallback>
+      <p:transition spd="med">
+        <p:fade/>
+      </p:transition>
+    </mc:Fallback>
+  </mc:AlternateContent>
+  <p:timing>
+    <p:tnLst>
+      <p:par>
+        <p:cTn id="1" dur="indefinite" restart="never" nodeType="tmRoot"/>
+      </p:par>
+    </p:tnLst>
+  </p:timing>
 </p:sld>
 </file>
 
@@ -11009,7 +11856,7 @@
                       <m:fPr>
                         <m:ctrlPr>
                           <a:rPr lang="nl-NL" sz="3600" i="1" smtClean="0">
-                            <a:latin typeface="Cambria Math" panose="02040503050406030204" pitchFamily="18" charset="0"/>
+                            <a:latin typeface="Cambria Math"/>
                           </a:rPr>
                         </m:ctrlPr>
                       </m:fPr>
@@ -11040,7 +11887,7 @@
                       <m:sSupPr>
                         <m:ctrlPr>
                           <a:rPr lang="nl-NL" sz="3600" b="0" i="1" smtClean="0">
-                            <a:latin typeface="Cambria Math" panose="02040503050406030204" pitchFamily="18" charset="0"/>
+                            <a:latin typeface="Cambria Math"/>
                           </a:rPr>
                         </m:ctrlPr>
                       </m:sSupPr>
@@ -11071,7 +11918,7 @@
                       <m:fPr>
                         <m:ctrlPr>
                           <a:rPr lang="nl-NL" sz="3600" b="0" i="1" smtClean="0">
-                            <a:latin typeface="Cambria Math" panose="02040503050406030204" pitchFamily="18" charset="0"/>
+                            <a:latin typeface="Cambria Math"/>
                           </a:rPr>
                         </m:ctrlPr>
                       </m:fPr>
@@ -11102,7 +11949,7 @@
                       <m:sSupPr>
                         <m:ctrlPr>
                           <a:rPr lang="nl-NL" sz="3600" b="0" i="1" smtClean="0">
-                            <a:latin typeface="Cambria Math" panose="02040503050406030204" pitchFamily="18" charset="0"/>
+                            <a:latin typeface="Cambria Math"/>
                           </a:rPr>
                         </m:ctrlPr>
                       </m:sSupPr>
@@ -11139,7 +11986,7 @@
                       <m:fPr>
                         <m:ctrlPr>
                           <a:rPr lang="nl-NL" sz="3600" b="0" i="1" smtClean="0">
-                            <a:latin typeface="Cambria Math" panose="02040503050406030204" pitchFamily="18" charset="0"/>
+                            <a:latin typeface="Cambria Math"/>
                           </a:rPr>
                         </m:ctrlPr>
                       </m:fPr>
@@ -11188,7 +12035,7 @@
                         <m:fPr>
                           <m:ctrlPr>
                             <a:rPr lang="nl-NL" sz="3200" i="1" smtClean="0">
-                              <a:latin typeface="Cambria Math" panose="02040503050406030204" pitchFamily="18" charset="0"/>
+                              <a:latin typeface="Cambria Math"/>
                             </a:rPr>
                           </m:ctrlPr>
                         </m:fPr>
@@ -11203,7 +12050,7 @@
                             <m:dPr>
                               <m:ctrlPr>
                                 <a:rPr lang="nl-NL" sz="3200" b="0" i="1" smtClean="0">
-                                  <a:latin typeface="Cambria Math" panose="02040503050406030204" pitchFamily="18" charset="0"/>
+                                  <a:latin typeface="Cambria Math"/>
                                 </a:rPr>
                               </m:ctrlPr>
                             </m:dPr>
@@ -11264,7 +12111,7 @@
                             <m:dPr>
                               <m:ctrlPr>
                                 <a:rPr lang="nl-NL" sz="3200" b="0" i="1" smtClean="0">
-                                  <a:latin typeface="Cambria Math" panose="02040503050406030204" pitchFamily="18" charset="0"/>
+                                  <a:latin typeface="Cambria Math"/>
                                 </a:rPr>
                               </m:ctrlPr>
                             </m:dPr>
@@ -11319,7 +12166,7 @@
                         <m:sSupPr>
                           <m:ctrlPr>
                             <a:rPr lang="nl-NL" sz="3200" b="0" i="1" smtClean="0">
-                              <a:latin typeface="Cambria Math" panose="02040503050406030204" pitchFamily="18" charset="0"/>
+                              <a:latin typeface="Cambria Math"/>
                             </a:rPr>
                           </m:ctrlPr>
                         </m:sSupPr>
@@ -11392,6 +12239,25 @@
   <p:clrMapOvr>
     <a:masterClrMapping/>
   </p:clrMapOvr>
+  <mc:AlternateContent xmlns:mc="http://schemas.openxmlformats.org/markup-compatibility/2006">
+    <mc:Choice xmlns:p14="http://schemas.microsoft.com/office/powerpoint/2010/main" Requires="p14">
+      <p:transition spd="med" p14:dur="700">
+        <p:fade/>
+      </p:transition>
+    </mc:Choice>
+    <mc:Fallback>
+      <p:transition spd="med">
+        <p:fade/>
+      </p:transition>
+    </mc:Fallback>
+  </mc:AlternateContent>
+  <p:timing>
+    <p:tnLst>
+      <p:par>
+        <p:cTn id="1" dur="indefinite" restart="never" nodeType="tmRoot"/>
+      </p:par>
+    </p:tnLst>
+  </p:timing>
 </p:sld>
 </file>
 
@@ -11659,7 +12525,7 @@
   <a:extraClrSchemeLst/>
   <a:extLst>
     <a:ext uri="{05A4C25C-085E-4340-85A3-A5531E510DB2}">
-      <thm15:themeFamily xmlns:thm15="http://schemas.microsoft.com/office/thememl/2012/main" name="Vapor Trail" id="{4FDF2955-7D9C-493C-B9F9-C205151B46CD}" vid="{FE1EB5C7-81A8-4CBA-AE6E-B3BF73DC3895}"/>
+      <thm15:themeFamily xmlns:thm15="http://schemas.microsoft.com/office/thememl/2012/main" xmlns="" name="Vapor Trail" id="{4FDF2955-7D9C-493C-B9F9-C205151B46CD}" vid="{FE1EB5C7-81A8-4CBA-AE6E-B3BF73DC3895}"/>
     </a:ext>
   </a:extLst>
 </a:theme>

--- a/Presentatie/Presentatie.pptx
+++ b/Presentatie/Presentatie.pptx
@@ -10416,85 +10416,100 @@
           </p:txBody>
         </p:sp>
       </p:grpSp>
-      <p:sp>
-        <p:nvSpPr>
-          <p:cNvPr id="207" name="Shape 207"/>
-          <p:cNvSpPr/>
+      <p:grpSp>
+        <p:nvGrpSpPr>
+          <p:cNvPr id="5" name="Groep 4"/>
+          <p:cNvGrpSpPr/>
           <p:nvPr/>
-        </p:nvSpPr>
-        <p:spPr>
-          <a:xfrm>
-            <a:off x="8034425" y="2405100"/>
-            <a:ext cx="1590300" cy="930000"/>
-          </a:xfrm>
-          <a:prstGeom prst="rect">
-            <a:avLst/>
-          </a:prstGeom>
-          <a:noFill/>
-          <a:ln w="19050" cap="flat" cmpd="sng">
-            <a:solidFill>
-              <a:srgbClr val="FFC000"/>
-            </a:solidFill>
-            <a:prstDash val="solid"/>
-            <a:round/>
-            <a:headEnd type="none" w="med" len="med"/>
-            <a:tailEnd type="none" w="med" len="med"/>
-          </a:ln>
-        </p:spPr>
-        <p:txBody>
-          <a:bodyPr lIns="91425" tIns="91425" rIns="91425" bIns="91425" anchor="ctr" anchorCtr="0">
-            <a:noAutofit/>
-          </a:bodyPr>
-          <a:lstStyle/>
-          <a:p>
-            <a:pPr lvl="0" rtl="0">
-              <a:spcBef>
-                <a:spcPts val="0"/>
-              </a:spcBef>
-              <a:buNone/>
-            </a:pPr>
-            <a:endParaRPr dirty="0"/>
-          </a:p>
-        </p:txBody>
-      </p:sp>
-      <p:sp>
-        <p:nvSpPr>
-          <p:cNvPr id="208" name="Shape 208"/>
-          <p:cNvSpPr txBox="1"/>
-          <p:nvPr/>
-        </p:nvSpPr>
-        <p:spPr>
+        </p:nvGrpSpPr>
+        <p:grpSpPr>
           <a:xfrm>
             <a:off x="5956625" y="1932450"/>
-            <a:ext cx="1914600" cy="1054800"/>
+            <a:ext cx="3668100" cy="1402650"/>
+            <a:chOff x="5956625" y="1932450"/>
+            <a:chExt cx="3668100" cy="1402650"/>
           </a:xfrm>
-          <a:prstGeom prst="rect">
-            <a:avLst/>
-          </a:prstGeom>
-          <a:noFill/>
-          <a:ln>
+        </p:grpSpPr>
+        <p:sp>
+          <p:nvSpPr>
+            <p:cNvPr id="207" name="Shape 207"/>
+            <p:cNvSpPr/>
+            <p:nvPr/>
+          </p:nvSpPr>
+          <p:spPr>
+            <a:xfrm>
+              <a:off x="8034425" y="2405100"/>
+              <a:ext cx="1590300" cy="930000"/>
+            </a:xfrm>
+            <a:prstGeom prst="rect">
+              <a:avLst/>
+            </a:prstGeom>
             <a:noFill/>
-          </a:ln>
-        </p:spPr>
-        <p:txBody>
-          <a:bodyPr lIns="91425" tIns="91425" rIns="91425" bIns="91425" anchor="t" anchorCtr="0">
-            <a:noAutofit/>
-          </a:bodyPr>
-          <a:lstStyle/>
-          <a:p>
-            <a:pPr lvl="0">
-              <a:spcBef>
-                <a:spcPts val="0"/>
-              </a:spcBef>
-              <a:buNone/>
-            </a:pPr>
-            <a:r>
-              <a:rPr lang="nl-NL" dirty="0"/>
-              <a:t>oranje: grens van noordwest kwadrant</a:t>
-            </a:r>
-          </a:p>
-        </p:txBody>
-      </p:sp>
+            <a:ln w="19050" cap="flat" cmpd="sng">
+              <a:solidFill>
+                <a:srgbClr val="FFC000"/>
+              </a:solidFill>
+              <a:prstDash val="solid"/>
+              <a:round/>
+              <a:headEnd type="none" w="med" len="med"/>
+              <a:tailEnd type="none" w="med" len="med"/>
+            </a:ln>
+          </p:spPr>
+          <p:txBody>
+            <a:bodyPr lIns="91425" tIns="91425" rIns="91425" bIns="91425" anchor="ctr" anchorCtr="0">
+              <a:noAutofit/>
+            </a:bodyPr>
+            <a:lstStyle/>
+            <a:p>
+              <a:pPr lvl="0" rtl="0">
+                <a:spcBef>
+                  <a:spcPts val="0"/>
+                </a:spcBef>
+                <a:buNone/>
+              </a:pPr>
+              <a:endParaRPr dirty="0"/>
+            </a:p>
+          </p:txBody>
+        </p:sp>
+        <p:sp>
+          <p:nvSpPr>
+            <p:cNvPr id="208" name="Shape 208"/>
+            <p:cNvSpPr txBox="1"/>
+            <p:nvPr/>
+          </p:nvSpPr>
+          <p:spPr>
+            <a:xfrm>
+              <a:off x="5956625" y="1932450"/>
+              <a:ext cx="1914600" cy="1054800"/>
+            </a:xfrm>
+            <a:prstGeom prst="rect">
+              <a:avLst/>
+            </a:prstGeom>
+            <a:noFill/>
+            <a:ln>
+              <a:noFill/>
+            </a:ln>
+          </p:spPr>
+          <p:txBody>
+            <a:bodyPr lIns="91425" tIns="91425" rIns="91425" bIns="91425" anchor="t" anchorCtr="0">
+              <a:noAutofit/>
+            </a:bodyPr>
+            <a:lstStyle/>
+            <a:p>
+              <a:pPr lvl="0">
+                <a:spcBef>
+                  <a:spcPts val="0"/>
+                </a:spcBef>
+                <a:buNone/>
+              </a:pPr>
+              <a:r>
+                <a:rPr lang="nl-NL" dirty="0"/>
+                <a:t>oranje: grens van noordwest kwadrant</a:t>
+              </a:r>
+            </a:p>
+          </p:txBody>
+        </p:sp>
+      </p:grpSp>
       <p:sp>
         <p:nvSpPr>
           <p:cNvPr id="27" name="Tijdelijke aanduiding voor inhoud 2"/>
@@ -10963,7 +10978,7 @@
                             </p:stCondLst>
                             <p:childTnLst>
                               <p:par>
-                                <p:cTn id="15" presetID="10" presetClass="entr" presetSubtype="0" fill="hold" grpId="0" nodeType="clickEffect">
+                                <p:cTn id="15" presetID="10" presetClass="entr" presetSubtype="0" fill="hold" nodeType="clickEffect">
                                   <p:stCondLst>
                                     <p:cond delay="0"/>
                                   </p:stCondLst>
@@ -10976,7 +10991,7 @@
                                           </p:stCondLst>
                                         </p:cTn>
                                         <p:tgtEl>
-                                          <p:spTgt spid="207"/>
+                                          <p:spTgt spid="5"/>
                                         </p:tgtEl>
                                         <p:attrNameLst>
                                           <p:attrName>style.visibility</p:attrName>
@@ -10990,7 +11005,7 @@
                                       <p:cBhvr>
                                         <p:cTn id="17" dur="500"/>
                                         <p:tgtEl>
-                                          <p:spTgt spid="207"/>
+                                          <p:spTgt spid="5"/>
                                         </p:tgtEl>
                                       </p:cBhvr>
                                     </p:animEffect>
@@ -11024,9 +11039,6 @@
         </p:cTn>
       </p:par>
     </p:tnLst>
-    <p:bldLst>
-      <p:bldP spid="207" grpId="0" animBg="1"/>
-    </p:bldLst>
   </p:timing>
 </p:sld>
 </file>

--- a/Presentatie/Presentatie.pptx
+++ b/Presentatie/Presentatie.pptx
@@ -5,23 +5,22 @@
     <p:sldMasterId id="2147483678" r:id="rId1"/>
   </p:sldMasterIdLst>
   <p:notesMasterIdLst>
-    <p:notesMasterId r:id="rId16"/>
+    <p:notesMasterId r:id="rId15"/>
   </p:notesMasterIdLst>
   <p:sldIdLst>
     <p:sldId id="256" r:id="rId2"/>
     <p:sldId id="257" r:id="rId3"/>
     <p:sldId id="258" r:id="rId4"/>
     <p:sldId id="259" r:id="rId5"/>
-    <p:sldId id="267" r:id="rId6"/>
-    <p:sldId id="273" r:id="rId7"/>
-    <p:sldId id="262" r:id="rId8"/>
-    <p:sldId id="260" r:id="rId9"/>
+    <p:sldId id="274" r:id="rId6"/>
+    <p:sldId id="267" r:id="rId7"/>
+    <p:sldId id="273" r:id="rId8"/>
+    <p:sldId id="262" r:id="rId9"/>
     <p:sldId id="263" r:id="rId10"/>
     <p:sldId id="266" r:id="rId11"/>
     <p:sldId id="271" r:id="rId12"/>
-    <p:sldId id="270" r:id="rId13"/>
-    <p:sldId id="264" r:id="rId14"/>
-    <p:sldId id="265" r:id="rId15"/>
+    <p:sldId id="264" r:id="rId13"/>
+    <p:sldId id="265" r:id="rId14"/>
   </p:sldIdLst>
   <p:sldSz cx="12192000" cy="6858000"/>
   <p:notesSz cx="6858000" cy="9144000"/>
@@ -122,7 +121,7 @@
   </p:defaultTextStyle>
   <p:extLst>
     <p:ext uri="{EFAFB233-063F-42B5-8137-9DF3F51BA10A}">
-      <p15:sldGuideLst xmlns:p15="http://schemas.microsoft.com/office/powerpoint/2012/main" xmlns="">
+      <p15:sldGuideLst xmlns="" xmlns:p15="http://schemas.microsoft.com/office/powerpoint/2012/main">
         <p15:guide id="1" orient="horz" pos="2160">
           <p15:clr>
             <a:srgbClr val="A4A3A4"/>
@@ -831,13 +830,13 @@
   <p:clrMapOvr>
     <a:masterClrMapping/>
   </p:clrMapOvr>
-  <mc:AlternateContent xmlns:mc="http://schemas.openxmlformats.org/markup-compatibility/2006">
-    <mc:Choice xmlns:p14="http://schemas.microsoft.com/office/powerpoint/2010/main" Requires="p14">
+  <mc:AlternateContent xmlns:mc="http://schemas.openxmlformats.org/markup-compatibility/2006" xmlns:p14="http://schemas.microsoft.com/office/powerpoint/2010/main">
+    <mc:Choice Requires="p14">
       <p:transition spd="med" p14:dur="700">
         <p:fade/>
       </p:transition>
     </mc:Choice>
-    <mc:Fallback>
+    <mc:Fallback xmlns="">
       <p:transition spd="med">
         <p:fade/>
       </p:transition>
@@ -1100,13 +1099,13 @@
   <p:clrMapOvr>
     <a:masterClrMapping/>
   </p:clrMapOvr>
-  <mc:AlternateContent xmlns:mc="http://schemas.openxmlformats.org/markup-compatibility/2006">
-    <mc:Choice xmlns:p14="http://schemas.microsoft.com/office/powerpoint/2010/main" Requires="p14">
+  <mc:AlternateContent xmlns:mc="http://schemas.openxmlformats.org/markup-compatibility/2006" xmlns:p14="http://schemas.microsoft.com/office/powerpoint/2010/main">
+    <mc:Choice Requires="p14">
       <p:transition spd="med" p14:dur="700">
         <p:fade/>
       </p:transition>
     </mc:Choice>
-    <mc:Fallback>
+    <mc:Fallback xmlns="">
       <p:transition spd="med">
         <p:fade/>
       </p:transition>
@@ -1353,13 +1352,13 @@
   <p:clrMapOvr>
     <a:masterClrMapping/>
   </p:clrMapOvr>
-  <mc:AlternateContent xmlns:mc="http://schemas.openxmlformats.org/markup-compatibility/2006">
-    <mc:Choice xmlns:p14="http://schemas.microsoft.com/office/powerpoint/2010/main" Requires="p14">
+  <mc:AlternateContent xmlns:mc="http://schemas.openxmlformats.org/markup-compatibility/2006" xmlns:p14="http://schemas.microsoft.com/office/powerpoint/2010/main">
+    <mc:Choice Requires="p14">
       <p:transition spd="med" p14:dur="700">
         <p:fade/>
       </p:transition>
     </mc:Choice>
-    <mc:Fallback>
+    <mc:Fallback xmlns="">
       <p:transition spd="med">
         <p:fade/>
       </p:transition>
@@ -1907,13 +1906,13 @@
   <p:clrMapOvr>
     <a:masterClrMapping/>
   </p:clrMapOvr>
-  <mc:AlternateContent xmlns:mc="http://schemas.openxmlformats.org/markup-compatibility/2006">
-    <mc:Choice xmlns:p14="http://schemas.microsoft.com/office/powerpoint/2010/main" Requires="p14">
+  <mc:AlternateContent xmlns:mc="http://schemas.openxmlformats.org/markup-compatibility/2006" xmlns:p14="http://schemas.microsoft.com/office/powerpoint/2010/main">
+    <mc:Choice Requires="p14">
       <p:transition spd="med" p14:dur="700">
         <p:fade/>
       </p:transition>
     </mc:Choice>
-    <mc:Fallback>
+    <mc:Fallback xmlns="">
       <p:transition spd="med">
         <p:fade/>
       </p:transition>
@@ -2160,13 +2159,13 @@
   <p:clrMapOvr>
     <a:masterClrMapping/>
   </p:clrMapOvr>
-  <mc:AlternateContent xmlns:mc="http://schemas.openxmlformats.org/markup-compatibility/2006">
-    <mc:Choice xmlns:p14="http://schemas.microsoft.com/office/powerpoint/2010/main" Requires="p14">
+  <mc:AlternateContent xmlns:mc="http://schemas.openxmlformats.org/markup-compatibility/2006" xmlns:p14="http://schemas.microsoft.com/office/powerpoint/2010/main">
+    <mc:Choice Requires="p14">
       <p:transition spd="med" p14:dur="700">
         <p:fade/>
       </p:transition>
     </mc:Choice>
-    <mc:Fallback>
+    <mc:Fallback xmlns="">
       <p:transition spd="med">
         <p:fade/>
       </p:transition>
@@ -2709,13 +2708,13 @@
   <p:clrMapOvr>
     <a:masterClrMapping/>
   </p:clrMapOvr>
-  <mc:AlternateContent xmlns:mc="http://schemas.openxmlformats.org/markup-compatibility/2006">
-    <mc:Choice xmlns:p14="http://schemas.microsoft.com/office/powerpoint/2010/main" Requires="p14">
+  <mc:AlternateContent xmlns:mc="http://schemas.openxmlformats.org/markup-compatibility/2006" xmlns:p14="http://schemas.microsoft.com/office/powerpoint/2010/main">
+    <mc:Choice Requires="p14">
       <p:transition spd="med" p14:dur="700">
         <p:fade/>
       </p:transition>
     </mc:Choice>
-    <mc:Fallback>
+    <mc:Fallback xmlns="">
       <p:transition spd="med">
         <p:fade/>
       </p:transition>
@@ -3495,13 +3494,13 @@
   <p:clrMapOvr>
     <a:masterClrMapping/>
   </p:clrMapOvr>
-  <mc:AlternateContent xmlns:mc="http://schemas.openxmlformats.org/markup-compatibility/2006">
-    <mc:Choice xmlns:p14="http://schemas.microsoft.com/office/powerpoint/2010/main" Requires="p14">
+  <mc:AlternateContent xmlns:mc="http://schemas.openxmlformats.org/markup-compatibility/2006" xmlns:p14="http://schemas.microsoft.com/office/powerpoint/2010/main">
+    <mc:Choice Requires="p14">
       <p:transition spd="med" p14:dur="700">
         <p:fade/>
       </p:transition>
     </mc:Choice>
-    <mc:Fallback>
+    <mc:Fallback xmlns="">
       <p:transition spd="med">
         <p:fade/>
       </p:transition>
@@ -3682,13 +3681,13 @@
   <p:clrMapOvr>
     <a:masterClrMapping/>
   </p:clrMapOvr>
-  <mc:AlternateContent xmlns:mc="http://schemas.openxmlformats.org/markup-compatibility/2006">
-    <mc:Choice xmlns:p14="http://schemas.microsoft.com/office/powerpoint/2010/main" Requires="p14">
+  <mc:AlternateContent xmlns:mc="http://schemas.openxmlformats.org/markup-compatibility/2006" xmlns:p14="http://schemas.microsoft.com/office/powerpoint/2010/main">
+    <mc:Choice Requires="p14">
       <p:transition spd="med" p14:dur="700">
         <p:fade/>
       </p:transition>
     </mc:Choice>
-    <mc:Fallback>
+    <mc:Fallback xmlns="">
       <p:transition spd="med">
         <p:fade/>
       </p:transition>
@@ -3927,13 +3926,13 @@
   <p:clrMapOvr>
     <a:masterClrMapping/>
   </p:clrMapOvr>
-  <mc:AlternateContent xmlns:mc="http://schemas.openxmlformats.org/markup-compatibility/2006">
-    <mc:Choice xmlns:p14="http://schemas.microsoft.com/office/powerpoint/2010/main" Requires="p14">
+  <mc:AlternateContent xmlns:mc="http://schemas.openxmlformats.org/markup-compatibility/2006" xmlns:p14="http://schemas.microsoft.com/office/powerpoint/2010/main">
+    <mc:Choice Requires="p14">
       <p:transition spd="med" p14:dur="700">
         <p:fade/>
       </p:transition>
     </mc:Choice>
-    <mc:Fallback>
+    <mc:Fallback xmlns="">
       <p:transition spd="med">
         <p:fade/>
       </p:transition>
@@ -4109,13 +4108,13 @@
   <p:clrMapOvr>
     <a:masterClrMapping/>
   </p:clrMapOvr>
-  <mc:AlternateContent xmlns:mc="http://schemas.openxmlformats.org/markup-compatibility/2006">
-    <mc:Choice xmlns:p14="http://schemas.microsoft.com/office/powerpoint/2010/main" Requires="p14">
+  <mc:AlternateContent xmlns:mc="http://schemas.openxmlformats.org/markup-compatibility/2006" xmlns:p14="http://schemas.microsoft.com/office/powerpoint/2010/main">
+    <mc:Choice Requires="p14">
       <p:transition spd="med" p14:dur="700">
         <p:fade/>
       </p:transition>
     </mc:Choice>
-    <mc:Fallback>
+    <mc:Fallback xmlns="">
       <p:transition spd="med">
         <p:fade/>
       </p:transition>
@@ -4420,13 +4419,13 @@
   <p:clrMapOvr>
     <a:masterClrMapping/>
   </p:clrMapOvr>
-  <mc:AlternateContent xmlns:mc="http://schemas.openxmlformats.org/markup-compatibility/2006">
-    <mc:Choice xmlns:p14="http://schemas.microsoft.com/office/powerpoint/2010/main" Requires="p14">
+  <mc:AlternateContent xmlns:mc="http://schemas.openxmlformats.org/markup-compatibility/2006" xmlns:p14="http://schemas.microsoft.com/office/powerpoint/2010/main">
+    <mc:Choice Requires="p14">
       <p:transition spd="med" p14:dur="700">
         <p:fade/>
       </p:transition>
     </mc:Choice>
-    <mc:Fallback>
+    <mc:Fallback xmlns="">
       <p:transition spd="med">
         <p:fade/>
       </p:transition>
@@ -4664,13 +4663,13 @@
   <p:clrMapOvr>
     <a:masterClrMapping/>
   </p:clrMapOvr>
-  <mc:AlternateContent xmlns:mc="http://schemas.openxmlformats.org/markup-compatibility/2006">
-    <mc:Choice xmlns:p14="http://schemas.microsoft.com/office/powerpoint/2010/main" Requires="p14">
+  <mc:AlternateContent xmlns:mc="http://schemas.openxmlformats.org/markup-compatibility/2006" xmlns:p14="http://schemas.microsoft.com/office/powerpoint/2010/main">
+    <mc:Choice Requires="p14">
       <p:transition spd="med" p14:dur="700">
         <p:fade/>
       </p:transition>
     </mc:Choice>
-    <mc:Fallback>
+    <mc:Fallback xmlns="">
       <p:transition spd="med">
         <p:fade/>
       </p:transition>
@@ -5055,13 +5054,13 @@
   <p:clrMapOvr>
     <a:masterClrMapping/>
   </p:clrMapOvr>
-  <mc:AlternateContent xmlns:mc="http://schemas.openxmlformats.org/markup-compatibility/2006">
-    <mc:Choice xmlns:p14="http://schemas.microsoft.com/office/powerpoint/2010/main" Requires="p14">
+  <mc:AlternateContent xmlns:mc="http://schemas.openxmlformats.org/markup-compatibility/2006" xmlns:p14="http://schemas.microsoft.com/office/powerpoint/2010/main">
+    <mc:Choice Requires="p14">
       <p:transition spd="med" p14:dur="700">
         <p:fade/>
       </p:transition>
     </mc:Choice>
-    <mc:Fallback>
+    <mc:Fallback xmlns="">
       <p:transition spd="med">
         <p:fade/>
       </p:transition>
@@ -5185,13 +5184,13 @@
   <p:clrMapOvr>
     <a:masterClrMapping/>
   </p:clrMapOvr>
-  <mc:AlternateContent xmlns:mc="http://schemas.openxmlformats.org/markup-compatibility/2006">
-    <mc:Choice xmlns:p14="http://schemas.microsoft.com/office/powerpoint/2010/main" Requires="p14">
+  <mc:AlternateContent xmlns:mc="http://schemas.openxmlformats.org/markup-compatibility/2006" xmlns:p14="http://schemas.microsoft.com/office/powerpoint/2010/main">
+    <mc:Choice Requires="p14">
       <p:transition spd="med" p14:dur="700">
         <p:fade/>
       </p:transition>
     </mc:Choice>
-    <mc:Fallback>
+    <mc:Fallback xmlns="">
       <p:transition spd="med">
         <p:fade/>
       </p:transition>
@@ -5292,13 +5291,13 @@
   <p:clrMapOvr>
     <a:masterClrMapping/>
   </p:clrMapOvr>
-  <mc:AlternateContent xmlns:mc="http://schemas.openxmlformats.org/markup-compatibility/2006">
-    <mc:Choice xmlns:p14="http://schemas.microsoft.com/office/powerpoint/2010/main" Requires="p14">
+  <mc:AlternateContent xmlns:mc="http://schemas.openxmlformats.org/markup-compatibility/2006" xmlns:p14="http://schemas.microsoft.com/office/powerpoint/2010/main">
+    <mc:Choice Requires="p14">
       <p:transition spd="med" p14:dur="700">
         <p:fade/>
       </p:transition>
     </mc:Choice>
-    <mc:Fallback>
+    <mc:Fallback xmlns="">
       <p:transition spd="med">
         <p:fade/>
       </p:transition>
@@ -5553,13 +5552,13 @@
   <p:clrMapOvr>
     <a:masterClrMapping/>
   </p:clrMapOvr>
-  <mc:AlternateContent xmlns:mc="http://schemas.openxmlformats.org/markup-compatibility/2006">
-    <mc:Choice xmlns:p14="http://schemas.microsoft.com/office/powerpoint/2010/main" Requires="p14">
+  <mc:AlternateContent xmlns:mc="http://schemas.openxmlformats.org/markup-compatibility/2006" xmlns:p14="http://schemas.microsoft.com/office/powerpoint/2010/main">
+    <mc:Choice Requires="p14">
       <p:transition spd="med" p14:dur="700">
         <p:fade/>
       </p:transition>
     </mc:Choice>
-    <mc:Fallback>
+    <mc:Fallback xmlns="">
       <p:transition spd="med">
         <p:fade/>
       </p:transition>
@@ -5822,13 +5821,13 @@
   <p:clrMapOvr>
     <a:masterClrMapping/>
   </p:clrMapOvr>
-  <mc:AlternateContent xmlns:mc="http://schemas.openxmlformats.org/markup-compatibility/2006">
-    <mc:Choice xmlns:p14="http://schemas.microsoft.com/office/powerpoint/2010/main" Requires="p14">
+  <mc:AlternateContent xmlns:mc="http://schemas.openxmlformats.org/markup-compatibility/2006" xmlns:p14="http://schemas.microsoft.com/office/powerpoint/2010/main">
+    <mc:Choice Requires="p14">
       <p:transition spd="med" p14:dur="700">
         <p:fade/>
       </p:transition>
     </mc:Choice>
-    <mc:Fallback>
+    <mc:Fallback xmlns="">
       <p:transition spd="med">
         <p:fade/>
       </p:transition>
@@ -6130,13 +6129,13 @@
     <p:sldLayoutId id="2147483694" r:id="rId16"/>
     <p:sldLayoutId id="2147483695" r:id="rId17"/>
   </p:sldLayoutIdLst>
-  <mc:AlternateContent xmlns:mc="http://schemas.openxmlformats.org/markup-compatibility/2006">
-    <mc:Choice xmlns:p14="http://schemas.microsoft.com/office/powerpoint/2010/main" Requires="p14">
+  <mc:AlternateContent xmlns:mc="http://schemas.openxmlformats.org/markup-compatibility/2006" xmlns:p14="http://schemas.microsoft.com/office/powerpoint/2010/main">
+    <mc:Choice Requires="p14">
       <p:transition spd="med" p14:dur="700">
         <p:fade/>
       </p:transition>
     </mc:Choice>
-    <mc:Fallback>
+    <mc:Fallback xmlns="">
       <p:transition spd="med">
         <p:fade/>
       </p:transition>
@@ -6611,13 +6610,13 @@
   <p:clrMapOvr>
     <a:masterClrMapping/>
   </p:clrMapOvr>
-  <mc:AlternateContent xmlns:mc="http://schemas.openxmlformats.org/markup-compatibility/2006">
-    <mc:Choice xmlns:p14="http://schemas.microsoft.com/office/powerpoint/2010/main" Requires="p14">
+  <mc:AlternateContent xmlns:mc="http://schemas.openxmlformats.org/markup-compatibility/2006" xmlns:p14="http://schemas.microsoft.com/office/powerpoint/2010/main">
+    <mc:Choice Requires="p14">
       <p:transition spd="med" p14:dur="700">
         <p:fade/>
       </p:transition>
     </mc:Choice>
-    <mc:Fallback>
+    <mc:Fallback xmlns="">
       <p:transition spd="med">
         <p:fade/>
       </p:transition>
@@ -7088,14 +7087,14 @@
           <p:nvPr>
             <p:extLst>
               <p:ext uri="{D42A27DB-BD31-4B8C-83A1-F6EECF244321}">
-                <p14:modId xmlns:p14="http://schemas.microsoft.com/office/powerpoint/2010/main" val="782030648"/>
+                <p14:modId xmlns:p14="http://schemas.microsoft.com/office/powerpoint/2010/main" val="2399196591"/>
               </p:ext>
             </p:extLst>
           </p:nvPr>
         </p:nvGraphicFramePr>
         <p:xfrm>
-          <a:off x="158840" y="4925121"/>
-          <a:ext cx="11874320" cy="1044476"/>
+          <a:off x="158840" y="5810946"/>
+          <a:ext cx="11874320" cy="775236"/>
         </p:xfrm>
         <a:graphic>
           <a:graphicData uri="http://schemas.openxmlformats.org/drawingml/2006/table">
@@ -7107,56 +7106,56 @@
                 <a:gridCol w="1484290">
                   <a:extLst>
                     <a:ext uri="{9D8B030D-6E8A-4147-A177-3AD203B41FA5}">
-                      <a16:colId xmlns:a16="http://schemas.microsoft.com/office/drawing/2014/main" xmlns="" val="20000"/>
+                      <a16:colId xmlns="" xmlns:a16="http://schemas.microsoft.com/office/drawing/2014/main" val="20000"/>
                     </a:ext>
                   </a:extLst>
                 </a:gridCol>
                 <a:gridCol w="1484290">
                   <a:extLst>
                     <a:ext uri="{9D8B030D-6E8A-4147-A177-3AD203B41FA5}">
-                      <a16:colId xmlns:a16="http://schemas.microsoft.com/office/drawing/2014/main" xmlns="" val="20001"/>
+                      <a16:colId xmlns="" xmlns:a16="http://schemas.microsoft.com/office/drawing/2014/main" val="20001"/>
                     </a:ext>
                   </a:extLst>
                 </a:gridCol>
                 <a:gridCol w="1484290">
                   <a:extLst>
                     <a:ext uri="{9D8B030D-6E8A-4147-A177-3AD203B41FA5}">
-                      <a16:colId xmlns:a16="http://schemas.microsoft.com/office/drawing/2014/main" xmlns="" val="20002"/>
+                      <a16:colId xmlns="" xmlns:a16="http://schemas.microsoft.com/office/drawing/2014/main" val="20002"/>
                     </a:ext>
                   </a:extLst>
                 </a:gridCol>
                 <a:gridCol w="1484290">
                   <a:extLst>
                     <a:ext uri="{9D8B030D-6E8A-4147-A177-3AD203B41FA5}">
-                      <a16:colId xmlns:a16="http://schemas.microsoft.com/office/drawing/2014/main" xmlns="" val="20003"/>
+                      <a16:colId xmlns="" xmlns:a16="http://schemas.microsoft.com/office/drawing/2014/main" val="20003"/>
                     </a:ext>
                   </a:extLst>
                 </a:gridCol>
                 <a:gridCol w="1484290">
                   <a:extLst>
                     <a:ext uri="{9D8B030D-6E8A-4147-A177-3AD203B41FA5}">
-                      <a16:colId xmlns:a16="http://schemas.microsoft.com/office/drawing/2014/main" xmlns="" val="20004"/>
+                      <a16:colId xmlns="" xmlns:a16="http://schemas.microsoft.com/office/drawing/2014/main" val="20004"/>
                     </a:ext>
                   </a:extLst>
                 </a:gridCol>
                 <a:gridCol w="1484290">
                   <a:extLst>
                     <a:ext uri="{9D8B030D-6E8A-4147-A177-3AD203B41FA5}">
-                      <a16:colId xmlns:a16="http://schemas.microsoft.com/office/drawing/2014/main" xmlns="" val="20005"/>
+                      <a16:colId xmlns="" xmlns:a16="http://schemas.microsoft.com/office/drawing/2014/main" val="20005"/>
                     </a:ext>
                   </a:extLst>
                 </a:gridCol>
                 <a:gridCol w="1484290">
                   <a:extLst>
                     <a:ext uri="{9D8B030D-6E8A-4147-A177-3AD203B41FA5}">
-                      <a16:colId xmlns:a16="http://schemas.microsoft.com/office/drawing/2014/main" xmlns="" val="20006"/>
+                      <a16:colId xmlns="" xmlns:a16="http://schemas.microsoft.com/office/drawing/2014/main" val="20006"/>
                     </a:ext>
                   </a:extLst>
                 </a:gridCol>
                 <a:gridCol w="1484290">
                   <a:extLst>
                     <a:ext uri="{9D8B030D-6E8A-4147-A177-3AD203B41FA5}">
-                      <a16:colId xmlns:a16="http://schemas.microsoft.com/office/drawing/2014/main" xmlns="" val="20007"/>
+                      <a16:colId xmlns="" xmlns:a16="http://schemas.microsoft.com/office/drawing/2014/main" val="20007"/>
                     </a:ext>
                   </a:extLst>
                 </a:gridCol>
@@ -7169,14 +7168,14 @@
                     <a:p>
                       <a:pPr algn="ctr"/>
                       <a:r>
-                        <a:rPr lang="nl-NL"/>
+                        <a:rPr lang="nl-NL" dirty="0"/>
                         <a:t>k-de</a:t>
                       </a:r>
                       <a:r>
-                        <a:rPr lang="nl-NL" baseline="0"/>
+                        <a:rPr lang="nl-NL" baseline="0" dirty="0"/>
                         <a:t> tijdstip</a:t>
                       </a:r>
-                      <a:endParaRPr lang="nl-NL"/>
+                      <a:endParaRPr lang="nl-NL" dirty="0"/>
                     </a:p>
                   </a:txBody>
                   <a:tcPr/>
@@ -7281,7 +7280,7 @@
                 </a:tc>
                 <a:extLst>
                   <a:ext uri="{0D108BD9-81ED-4DB2-BD59-A6C34878D82A}">
-                    <a16:rowId xmlns:a16="http://schemas.microsoft.com/office/drawing/2014/main" xmlns="" val="10000"/>
+                    <a16:rowId xmlns="" xmlns:a16="http://schemas.microsoft.com/office/drawing/2014/main" val="10000"/>
                   </a:ext>
                 </a:extLst>
               </a:tr>
@@ -7293,9 +7292,10 @@
                     <a:p>
                       <a:pPr algn="ctr"/>
                       <a:r>
-                        <a:rPr lang="nl-NL" dirty="0"/>
-                        <a:t>Energie/AM</a:t>
+                        <a:rPr lang="nl-NL" dirty="0" smtClean="0"/>
+                        <a:t>Energie</a:t>
                       </a:r>
+                      <a:endParaRPr lang="nl-NL" dirty="0"/>
                     </a:p>
                   </a:txBody>
                   <a:tcPr/>
@@ -7351,7 +7351,7 @@
                     <a:p>
                       <a:pPr algn="ctr"/>
                       <a:r>
-                        <a:rPr lang="nl-NL" sz="1800" b="0" i="0" u="none" strike="noStrike" kern="1200" baseline="0">
+                        <a:rPr lang="nl-NL" sz="1800" b="0" i="0" u="none" strike="noStrike" kern="1200" baseline="0" dirty="0">
                           <a:solidFill>
                             <a:schemeClr val="dk1"/>
                           </a:solidFill>
@@ -7361,7 +7361,7 @@
                         </a:rPr>
                         <a:t>-0.0981</a:t>
                       </a:r>
-                      <a:endParaRPr lang="nl-NL"/>
+                      <a:endParaRPr lang="nl-NL" dirty="0"/>
                     </a:p>
                   </a:txBody>
                   <a:tcPr/>
@@ -7456,7 +7456,7 @@
                 </a:tc>
                 <a:extLst>
                   <a:ext uri="{0D108BD9-81ED-4DB2-BD59-A6C34878D82A}">
-                    <a16:rowId xmlns:a16="http://schemas.microsoft.com/office/drawing/2014/main" xmlns="" val="10001"/>
+                    <a16:rowId xmlns="" xmlns:a16="http://schemas.microsoft.com/office/drawing/2014/main" val="10001"/>
                   </a:ext>
                 </a:extLst>
               </a:tr>
@@ -7464,6 +7464,70 @@
           </a:graphicData>
         </a:graphic>
       </p:graphicFrame>
+      <p:pic>
+        <p:nvPicPr>
+          <p:cNvPr id="1026" name="Picture 2"/>
+          <p:cNvPicPr>
+            <a:picLocks noChangeAspect="1" noChangeArrowheads="1"/>
+          </p:cNvPicPr>
+          <p:nvPr/>
+        </p:nvPicPr>
+        <p:blipFill>
+          <a:blip r:embed="rId2">
+            <a:extLst>
+              <a:ext uri="{28A0092B-C50C-407E-A947-70E740481C1C}">
+                <a14:useLocalDpi xmlns:a14="http://schemas.microsoft.com/office/drawing/2010/main" val="0"/>
+              </a:ext>
+            </a:extLst>
+          </a:blip>
+          <a:srcRect/>
+          <a:stretch>
+            <a:fillRect/>
+          </a:stretch>
+        </p:blipFill>
+        <p:spPr bwMode="auto">
+          <a:xfrm>
+            <a:off x="6725727" y="1666875"/>
+            <a:ext cx="4871332" cy="4105275"/>
+          </a:xfrm>
+          <a:prstGeom prst="rect">
+            <a:avLst/>
+          </a:prstGeom>
+          <a:noFill/>
+          <a:ln>
+            <a:noFill/>
+          </a:ln>
+          <a:effectLst/>
+          <a:extLst>
+            <a:ext uri="{909E8E84-426E-40DD-AFC4-6F175D3DCCD1}">
+              <a14:hiddenFill xmlns:a14="http://schemas.microsoft.com/office/drawing/2010/main">
+                <a:solidFill>
+                  <a:schemeClr val="accent1"/>
+                </a:solidFill>
+              </a14:hiddenFill>
+            </a:ext>
+            <a:ext uri="{91240B29-F687-4F45-9708-019B960494DF}">
+              <a14:hiddenLine xmlns:a14="http://schemas.microsoft.com/office/drawing/2010/main" w="9525">
+                <a:solidFill>
+                  <a:schemeClr val="tx1"/>
+                </a:solidFill>
+                <a:miter lim="800000"/>
+                <a:headEnd/>
+                <a:tailEnd/>
+              </a14:hiddenLine>
+            </a:ext>
+            <a:ext uri="{AF507438-7753-43E0-B8FC-AC1667EBCBE1}">
+              <a14:hiddenEffects xmlns:a14="http://schemas.microsoft.com/office/drawing/2010/main">
+                <a:effectLst>
+                  <a:outerShdw dist="35921" dir="2700000" algn="ctr" rotWithShape="0">
+                    <a:schemeClr val="bg2"/>
+                  </a:outerShdw>
+                </a:effectLst>
+              </a14:hiddenEffects>
+            </a:ext>
+          </a:extLst>
+        </p:spPr>
+      </p:pic>
     </p:spTree>
     <p:extLst>
       <p:ext uri="{BB962C8B-B14F-4D97-AF65-F5344CB8AC3E}">
@@ -7474,13 +7538,13 @@
   <p:clrMapOvr>
     <a:masterClrMapping/>
   </p:clrMapOvr>
-  <mc:AlternateContent xmlns:mc="http://schemas.openxmlformats.org/markup-compatibility/2006">
-    <mc:Choice xmlns:p14="http://schemas.microsoft.com/office/powerpoint/2010/main" Requires="p14">
+  <mc:AlternateContent xmlns:mc="http://schemas.openxmlformats.org/markup-compatibility/2006" xmlns:p14="http://schemas.microsoft.com/office/powerpoint/2010/main">
+    <mc:Choice Requires="p14">
       <p:transition spd="med" p14:dur="700">
         <p:fade/>
       </p:transition>
     </mc:Choice>
-    <mc:Fallback>
+    <mc:Fallback xmlns="">
       <p:transition spd="med">
         <p:fade/>
       </p:transition>
@@ -7515,13 +7579,11 @@
       </p:grpSpPr>
       <p:pic>
         <p:nvPicPr>
-          <p:cNvPr id="4" name="Tijdelijke aanduiding voor inhoud 3"/>
+          <p:cNvPr id="5" name="Afbeelding 4"/>
           <p:cNvPicPr>
-            <a:picLocks noGrp="1" noChangeAspect="1"/>
+            <a:picLocks noChangeAspect="1"/>
           </p:cNvPicPr>
-          <p:nvPr>
-            <p:ph idx="1"/>
-          </p:nvPr>
+          <p:nvPr/>
         </p:nvPicPr>
         <p:blipFill>
           <a:blip r:embed="rId2">
@@ -7537,41 +7599,33 @@
         </p:blipFill>
         <p:spPr>
           <a:xfrm>
-            <a:off x="287618" y="1529411"/>
-            <a:ext cx="5512312" cy="4644377"/>
-          </a:xfrm>
-        </p:spPr>
-      </p:pic>
-      <p:pic>
-        <p:nvPicPr>
-          <p:cNvPr id="5" name="Afbeelding 4"/>
-          <p:cNvPicPr>
-            <a:picLocks noChangeAspect="1"/>
-          </p:cNvPicPr>
-          <p:nvPr/>
-        </p:nvPicPr>
-        <p:blipFill>
-          <a:blip r:embed="rId3">
-            <a:extLst>
-              <a:ext uri="{28A0092B-C50C-407E-A947-70E740481C1C}">
-                <a14:useLocalDpi xmlns:a14="http://schemas.microsoft.com/office/drawing/2010/main" val="0"/>
-              </a:ext>
-            </a:extLst>
-          </a:blip>
-          <a:stretch>
-            <a:fillRect/>
-          </a:stretch>
-        </p:blipFill>
-        <p:spPr>
-          <a:xfrm>
-            <a:off x="5798712" y="1682324"/>
-            <a:ext cx="5753638" cy="4252689"/>
+            <a:off x="2090284" y="1162765"/>
+            <a:ext cx="7647495" cy="5652496"/>
           </a:xfrm>
           <a:prstGeom prst="rect">
             <a:avLst/>
           </a:prstGeom>
         </p:spPr>
       </p:pic>
+      <p:sp>
+        <p:nvSpPr>
+          <p:cNvPr id="2" name="Tijdelijke aanduiding voor inhoud 1"/>
+          <p:cNvSpPr>
+            <a:spLocks noGrp="1"/>
+          </p:cNvSpPr>
+          <p:nvPr>
+            <p:ph idx="1"/>
+          </p:nvPr>
+        </p:nvSpPr>
+        <p:spPr/>
+        <p:txBody>
+          <a:bodyPr/>
+          <a:lstStyle/>
+          <a:p>
+            <a:endParaRPr lang="nl-NL" dirty="0"/>
+          </a:p>
+        </p:txBody>
+      </p:sp>
     </p:spTree>
     <p:extLst>
       <p:ext uri="{BB962C8B-B14F-4D97-AF65-F5344CB8AC3E}">
@@ -7582,13 +7636,13 @@
   <p:clrMapOvr>
     <a:masterClrMapping/>
   </p:clrMapOvr>
-  <mc:AlternateContent xmlns:mc="http://schemas.openxmlformats.org/markup-compatibility/2006">
-    <mc:Choice xmlns:p14="http://schemas.microsoft.com/office/powerpoint/2010/main" Requires="p14">
+  <mc:AlternateContent xmlns:mc="http://schemas.openxmlformats.org/markup-compatibility/2006" xmlns:p14="http://schemas.microsoft.com/office/powerpoint/2010/main">
+    <mc:Choice Requires="p14">
       <p:transition spd="med" p14:dur="700">
         <p:fade/>
       </p:transition>
     </mc:Choice>
-    <mc:Fallback>
+    <mc:Fallback xmlns="">
       <p:transition spd="med">
         <p:fade/>
       </p:transition>
@@ -7621,82 +7675,107 @@
           <a:chExt cx="0" cy="0"/>
         </a:xfrm>
       </p:grpSpPr>
-      <p:pic>
-        <p:nvPicPr>
-          <p:cNvPr id="4" name="Tijdelijke aanduiding voor inhoud 3"/>
-          <p:cNvPicPr>
-            <a:picLocks noGrp="1" noChangeAspect="1"/>
-          </p:cNvPicPr>
+      <p:sp>
+        <p:nvSpPr>
+          <p:cNvPr id="2" name="Titel 1"/>
+          <p:cNvSpPr>
+            <a:spLocks noGrp="1"/>
+          </p:cNvSpPr>
+          <p:nvPr>
+            <p:ph type="title"/>
+          </p:nvPr>
+        </p:nvSpPr>
+        <p:spPr/>
+        <p:txBody>
+          <a:bodyPr/>
+          <a:lstStyle/>
+          <a:p>
+            <a:r>
+              <a:rPr lang="nl-NL" dirty="0"/>
+              <a:t>Conclusie</a:t>
+            </a:r>
+          </a:p>
+        </p:txBody>
+      </p:sp>
+      <p:sp>
+        <p:nvSpPr>
+          <p:cNvPr id="3" name="Tijdelijke aanduiding voor inhoud 2"/>
+          <p:cNvSpPr>
+            <a:spLocks noGrp="1"/>
+          </p:cNvSpPr>
           <p:nvPr>
             <p:ph idx="1"/>
           </p:nvPr>
-        </p:nvPicPr>
-        <p:blipFill>
-          <a:blip r:embed="rId2">
-            <a:extLst>
-              <a:ext uri="{28A0092B-C50C-407E-A947-70E740481C1C}">
-                <a14:useLocalDpi xmlns:a14="http://schemas.microsoft.com/office/drawing/2010/main" val="0"/>
-              </a:ext>
-            </a:extLst>
-          </a:blip>
-          <a:stretch>
-            <a:fillRect/>
-          </a:stretch>
-        </p:blipFill>
-        <p:spPr>
-          <a:xfrm>
-            <a:off x="525472" y="1571098"/>
-            <a:ext cx="5304668" cy="4351338"/>
-          </a:xfrm>
-        </p:spPr>
-      </p:pic>
-      <p:pic>
-        <p:nvPicPr>
-          <p:cNvPr id="5" name="Afbeelding 4"/>
-          <p:cNvPicPr>
-            <a:picLocks noChangeAspect="1"/>
-          </p:cNvPicPr>
-          <p:nvPr/>
-        </p:nvPicPr>
-        <p:blipFill>
-          <a:blip r:embed="rId3">
-            <a:extLst>
-              <a:ext uri="{28A0092B-C50C-407E-A947-70E740481C1C}">
-                <a14:useLocalDpi xmlns:a14="http://schemas.microsoft.com/office/drawing/2010/main" val="0"/>
-              </a:ext>
-            </a:extLst>
-          </a:blip>
-          <a:stretch>
-            <a:fillRect/>
-          </a:stretch>
-        </p:blipFill>
-        <p:spPr>
-          <a:xfrm>
-            <a:off x="6038513" y="1526074"/>
-            <a:ext cx="5403238" cy="4463132"/>
-          </a:xfrm>
-          <a:prstGeom prst="rect">
-            <a:avLst/>
-          </a:prstGeom>
-        </p:spPr>
-      </p:pic>
+        </p:nvSpPr>
+        <p:spPr/>
+        <p:txBody>
+          <a:bodyPr/>
+          <a:lstStyle/>
+          <a:p>
+            <a:r>
+              <a:rPr lang="nl-NL" dirty="0"/>
+              <a:t>Barnes-Hut voor sneller programma</a:t>
+            </a:r>
+          </a:p>
+          <a:p>
+            <a:r>
+              <a:rPr lang="nl-NL" dirty="0" err="1"/>
+              <a:t>Leapfrog</a:t>
+            </a:r>
+            <a:r>
+              <a:rPr lang="nl-NL" dirty="0"/>
+              <a:t> voor goede integratie</a:t>
+            </a:r>
+          </a:p>
+          <a:p>
+            <a:endParaRPr lang="nl-NL" dirty="0"/>
+          </a:p>
+          <a:p>
+            <a:r>
+              <a:rPr lang="nl-NL" dirty="0"/>
+              <a:t>Aantal planeten bereikt equilibrium</a:t>
+            </a:r>
+          </a:p>
+          <a:p>
+            <a:r>
+              <a:rPr lang="nl-NL" dirty="0"/>
+              <a:t>Voor groot aantal beginlichamen geen invloed</a:t>
+            </a:r>
+          </a:p>
+          <a:p>
+            <a:endParaRPr lang="nl-NL" dirty="0"/>
+          </a:p>
+          <a:p>
+            <a:r>
+              <a:rPr lang="nl-NL" dirty="0"/>
+              <a:t>Model nauwkeurig genoeg</a:t>
+            </a:r>
+          </a:p>
+          <a:p>
+            <a:endParaRPr lang="nl-NL" dirty="0"/>
+          </a:p>
+          <a:p>
+            <a:endParaRPr lang="nl-NL" dirty="0"/>
+          </a:p>
+        </p:txBody>
+      </p:sp>
     </p:spTree>
     <p:extLst>
       <p:ext uri="{BB962C8B-B14F-4D97-AF65-F5344CB8AC3E}">
-        <p14:creationId xmlns:p14="http://schemas.microsoft.com/office/powerpoint/2010/main" val="1028094166"/>
+        <p14:creationId xmlns:p14="http://schemas.microsoft.com/office/powerpoint/2010/main" val="2551201508"/>
       </p:ext>
     </p:extLst>
   </p:cSld>
   <p:clrMapOvr>
     <a:masterClrMapping/>
   </p:clrMapOvr>
-  <mc:AlternateContent xmlns:mc="http://schemas.openxmlformats.org/markup-compatibility/2006">
-    <mc:Choice xmlns:p14="http://schemas.microsoft.com/office/powerpoint/2010/main" Requires="p14">
+  <mc:AlternateContent xmlns:mc="http://schemas.openxmlformats.org/markup-compatibility/2006" xmlns:p14="http://schemas.microsoft.com/office/powerpoint/2010/main">
+    <mc:Choice Requires="p14">
       <p:transition spd="med" p14:dur="700">
         <p:fade/>
       </p:transition>
     </mc:Choice>
-    <mc:Fallback>
+    <mc:Fallback xmlns="">
       <p:transition spd="med">
         <p:fade/>
       </p:transition>
@@ -7713,139 +7792,6 @@
 </file>
 
 <file path=ppt/slides/slide13.xml><?xml version="1.0" encoding="utf-8"?>
-<p:sld xmlns:a="http://schemas.openxmlformats.org/drawingml/2006/main" xmlns:r="http://schemas.openxmlformats.org/officeDocument/2006/relationships" xmlns:p="http://schemas.openxmlformats.org/presentationml/2006/main">
-  <p:cSld>
-    <p:spTree>
-      <p:nvGrpSpPr>
-        <p:cNvPr id="1" name=""/>
-        <p:cNvGrpSpPr/>
-        <p:nvPr/>
-      </p:nvGrpSpPr>
-      <p:grpSpPr>
-        <a:xfrm>
-          <a:off x="0" y="0"/>
-          <a:ext cx="0" cy="0"/>
-          <a:chOff x="0" y="0"/>
-          <a:chExt cx="0" cy="0"/>
-        </a:xfrm>
-      </p:grpSpPr>
-      <p:sp>
-        <p:nvSpPr>
-          <p:cNvPr id="2" name="Titel 1"/>
-          <p:cNvSpPr>
-            <a:spLocks noGrp="1"/>
-          </p:cNvSpPr>
-          <p:nvPr>
-            <p:ph type="title"/>
-          </p:nvPr>
-        </p:nvSpPr>
-        <p:spPr/>
-        <p:txBody>
-          <a:bodyPr/>
-          <a:lstStyle/>
-          <a:p>
-            <a:r>
-              <a:rPr lang="nl-NL" dirty="0"/>
-              <a:t>Conclusie</a:t>
-            </a:r>
-          </a:p>
-        </p:txBody>
-      </p:sp>
-      <p:sp>
-        <p:nvSpPr>
-          <p:cNvPr id="3" name="Tijdelijke aanduiding voor inhoud 2"/>
-          <p:cNvSpPr>
-            <a:spLocks noGrp="1"/>
-          </p:cNvSpPr>
-          <p:nvPr>
-            <p:ph idx="1"/>
-          </p:nvPr>
-        </p:nvSpPr>
-        <p:spPr/>
-        <p:txBody>
-          <a:bodyPr/>
-          <a:lstStyle/>
-          <a:p>
-            <a:r>
-              <a:rPr lang="nl-NL" dirty="0"/>
-              <a:t>Barnes-Hut voor sneller programma</a:t>
-            </a:r>
-          </a:p>
-          <a:p>
-            <a:r>
-              <a:rPr lang="nl-NL" dirty="0" err="1"/>
-              <a:t>Leapfrog</a:t>
-            </a:r>
-            <a:r>
-              <a:rPr lang="nl-NL" dirty="0"/>
-              <a:t> voor goede integratie</a:t>
-            </a:r>
-          </a:p>
-          <a:p>
-            <a:endParaRPr lang="nl-NL" dirty="0"/>
-          </a:p>
-          <a:p>
-            <a:r>
-              <a:rPr lang="nl-NL" dirty="0"/>
-              <a:t>Aantal planeten bereikt equilibrium</a:t>
-            </a:r>
-          </a:p>
-          <a:p>
-            <a:r>
-              <a:rPr lang="nl-NL" dirty="0"/>
-              <a:t>Voor groot aantal beginlichamen geen invloed</a:t>
-            </a:r>
-          </a:p>
-          <a:p>
-            <a:endParaRPr lang="nl-NL" dirty="0"/>
-          </a:p>
-          <a:p>
-            <a:r>
-              <a:rPr lang="nl-NL" dirty="0"/>
-              <a:t>Model nauwkeurig genoeg</a:t>
-            </a:r>
-          </a:p>
-          <a:p>
-            <a:endParaRPr lang="nl-NL" dirty="0"/>
-          </a:p>
-          <a:p>
-            <a:endParaRPr lang="nl-NL" dirty="0"/>
-          </a:p>
-        </p:txBody>
-      </p:sp>
-    </p:spTree>
-    <p:extLst>
-      <p:ext uri="{BB962C8B-B14F-4D97-AF65-F5344CB8AC3E}">
-        <p14:creationId xmlns:p14="http://schemas.microsoft.com/office/powerpoint/2010/main" val="2551201508"/>
-      </p:ext>
-    </p:extLst>
-  </p:cSld>
-  <p:clrMapOvr>
-    <a:masterClrMapping/>
-  </p:clrMapOvr>
-  <mc:AlternateContent xmlns:mc="http://schemas.openxmlformats.org/markup-compatibility/2006">
-    <mc:Choice xmlns:p14="http://schemas.microsoft.com/office/powerpoint/2010/main" Requires="p14">
-      <p:transition spd="med" p14:dur="700">
-        <p:fade/>
-      </p:transition>
-    </mc:Choice>
-    <mc:Fallback>
-      <p:transition spd="med">
-        <p:fade/>
-      </p:transition>
-    </mc:Fallback>
-  </mc:AlternateContent>
-  <p:timing>
-    <p:tnLst>
-      <p:par>
-        <p:cTn id="1" dur="indefinite" restart="never" nodeType="tmRoot"/>
-      </p:par>
-    </p:tnLst>
-  </p:timing>
-</p:sld>
-</file>
-
-<file path=ppt/slides/slide14.xml><?xml version="1.0" encoding="utf-8"?>
 <p:sld xmlns:a="http://schemas.openxmlformats.org/drawingml/2006/main" xmlns:r="http://schemas.openxmlformats.org/officeDocument/2006/relationships" xmlns:p="http://schemas.openxmlformats.org/presentationml/2006/main">
   <p:cSld>
     <p:spTree>
@@ -7928,13 +7874,13 @@
   <p:clrMapOvr>
     <a:masterClrMapping/>
   </p:clrMapOvr>
-  <mc:AlternateContent xmlns:mc="http://schemas.openxmlformats.org/markup-compatibility/2006">
-    <mc:Choice xmlns:p14="http://schemas.microsoft.com/office/powerpoint/2010/main" Requires="p14">
+  <mc:AlternateContent xmlns:mc="http://schemas.openxmlformats.org/markup-compatibility/2006" xmlns:p14="http://schemas.microsoft.com/office/powerpoint/2010/main">
+    <mc:Choice Requires="p14">
       <p:transition spd="med" p14:dur="700">
         <p:fade/>
       </p:transition>
     </mc:Choice>
-    <mc:Fallback>
+    <mc:Fallback xmlns="">
       <p:transition spd="med">
         <p:fade/>
       </p:transition>
@@ -8083,13 +8029,13 @@
   <p:clrMapOvr>
     <a:masterClrMapping/>
   </p:clrMapOvr>
-  <mc:AlternateContent xmlns:mc="http://schemas.openxmlformats.org/markup-compatibility/2006">
-    <mc:Choice xmlns:p14="http://schemas.microsoft.com/office/powerpoint/2010/main" Requires="p14">
+  <mc:AlternateContent xmlns:mc="http://schemas.openxmlformats.org/markup-compatibility/2006" xmlns:p14="http://schemas.microsoft.com/office/powerpoint/2010/main">
+    <mc:Choice Requires="p14">
       <p:transition spd="med" p14:dur="700">
         <p:fade/>
       </p:transition>
     </mc:Choice>
-    <mc:Fallback>
+    <mc:Fallback xmlns="">
       <p:transition spd="med">
         <p:fade/>
       </p:transition>
@@ -8209,13 +8155,13 @@
   <p:clrMapOvr>
     <a:masterClrMapping/>
   </p:clrMapOvr>
-  <mc:AlternateContent xmlns:mc="http://schemas.openxmlformats.org/markup-compatibility/2006">
-    <mc:Choice xmlns:p14="http://schemas.microsoft.com/office/powerpoint/2010/main" Requires="p14">
+  <mc:AlternateContent xmlns:mc="http://schemas.openxmlformats.org/markup-compatibility/2006" xmlns:p14="http://schemas.microsoft.com/office/powerpoint/2010/main">
+    <mc:Choice Requires="p14">
       <p:transition spd="med" p14:dur="700">
         <p:fade/>
       </p:transition>
     </mc:Choice>
-    <mc:Fallback>
+    <mc:Fallback xmlns="">
       <p:transition spd="med">
         <p:fade/>
       </p:transition>
@@ -8972,13 +8918,13 @@
   <p:clrMapOvr>
     <a:masterClrMapping/>
   </p:clrMapOvr>
-  <mc:AlternateContent xmlns:mc="http://schemas.openxmlformats.org/markup-compatibility/2006">
-    <mc:Choice xmlns:p14="http://schemas.microsoft.com/office/powerpoint/2010/main" Requires="p14">
+  <mc:AlternateContent xmlns:mc="http://schemas.openxmlformats.org/markup-compatibility/2006" xmlns:p14="http://schemas.microsoft.com/office/powerpoint/2010/main">
+    <mc:Choice Requires="p14">
       <p:transition spd="med" p14:dur="700">
         <p:fade/>
       </p:transition>
     </mc:Choice>
-    <mc:Fallback>
+    <mc:Fallback xmlns="">
       <p:transition spd="med">
         <p:fade/>
       </p:transition>
@@ -8995,6 +8941,634 @@
 </file>
 
 <file path=ppt/slides/slide5.xml><?xml version="1.0" encoding="utf-8"?>
+<p:sld xmlns:a="http://schemas.openxmlformats.org/drawingml/2006/main" xmlns:r="http://schemas.openxmlformats.org/officeDocument/2006/relationships" xmlns:p="http://schemas.openxmlformats.org/presentationml/2006/main">
+  <p:cSld>
+    <p:spTree>
+      <p:nvGrpSpPr>
+        <p:cNvPr id="1" name=""/>
+        <p:cNvGrpSpPr/>
+        <p:nvPr/>
+      </p:nvGrpSpPr>
+      <p:grpSpPr>
+        <a:xfrm>
+          <a:off x="0" y="0"/>
+          <a:ext cx="0" cy="0"/>
+          <a:chOff x="0" y="0"/>
+          <a:chExt cx="0" cy="0"/>
+        </a:xfrm>
+      </p:grpSpPr>
+      <p:pic>
+        <p:nvPicPr>
+          <p:cNvPr id="4" name="Afbeelding 3"/>
+          <p:cNvPicPr>
+            <a:picLocks noChangeAspect="1"/>
+          </p:cNvPicPr>
+          <p:nvPr/>
+        </p:nvPicPr>
+        <p:blipFill>
+          <a:blip r:embed="rId2">
+            <a:extLst>
+              <a:ext uri="{28A0092B-C50C-407E-A947-70E740481C1C}">
+                <a14:useLocalDpi xmlns:a14="http://schemas.microsoft.com/office/drawing/2010/main" val="0"/>
+              </a:ext>
+            </a:extLst>
+          </a:blip>
+          <a:stretch>
+            <a:fillRect/>
+          </a:stretch>
+        </p:blipFill>
+        <p:spPr>
+          <a:xfrm>
+            <a:off x="4277546" y="4873541"/>
+            <a:ext cx="7856223" cy="1857739"/>
+          </a:xfrm>
+          <a:prstGeom prst="rect">
+            <a:avLst/>
+          </a:prstGeom>
+        </p:spPr>
+      </p:pic>
+      <p:sp>
+        <p:nvSpPr>
+          <p:cNvPr id="2" name="Titel 1"/>
+          <p:cNvSpPr>
+            <a:spLocks noGrp="1"/>
+          </p:cNvSpPr>
+          <p:nvPr>
+            <p:ph type="title"/>
+          </p:nvPr>
+        </p:nvSpPr>
+        <p:spPr/>
+        <p:txBody>
+          <a:bodyPr/>
+          <a:lstStyle/>
+          <a:p>
+            <a:r>
+              <a:rPr lang="nl-NL" dirty="0" err="1"/>
+              <a:t>Leapfrog</a:t>
+            </a:r>
+            <a:endParaRPr lang="nl-NL" dirty="0"/>
+          </a:p>
+        </p:txBody>
+      </p:sp>
+      <mc:AlternateContent xmlns:mc="http://schemas.openxmlformats.org/markup-compatibility/2006" xmlns:a14="http://schemas.microsoft.com/office/drawing/2010/main">
+        <mc:Choice Requires="a14">
+          <p:sp>
+            <p:nvSpPr>
+              <p:cNvPr id="3" name="Tijdelijke aanduiding voor inhoud 2"/>
+              <p:cNvSpPr>
+                <a:spLocks noGrp="1"/>
+              </p:cNvSpPr>
+              <p:nvPr>
+                <p:ph idx="1"/>
+              </p:nvPr>
+            </p:nvSpPr>
+            <p:spPr/>
+            <p:txBody>
+              <a:bodyPr>
+                <a:normAutofit/>
+              </a:bodyPr>
+              <a:lstStyle/>
+              <a:p>
+                <a:r>
+                  <a:rPr lang="nl-NL" dirty="0"/>
+                  <a:t>Formule:</a:t>
+                </a:r>
+              </a:p>
+              <a:p>
+                <a:pPr lvl="1"/>
+                <a14:m>
+                  <m:oMath xmlns:m="http://schemas.openxmlformats.org/officeDocument/2006/math">
+                    <m:sSub>
+                      <m:sSubPr>
+                        <m:ctrlPr>
+                          <a:rPr lang="nl-NL" i="1">
+                            <a:latin typeface="Cambria Math"/>
+                          </a:rPr>
+                        </m:ctrlPr>
+                      </m:sSubPr>
+                      <m:e>
+                        <m:r>
+                          <a:rPr lang="nl-NL" i="1">
+                            <a:latin typeface="Cambria Math"/>
+                          </a:rPr>
+                          <m:t>𝑥</m:t>
+                        </m:r>
+                      </m:e>
+                      <m:sub>
+                        <m:r>
+                          <a:rPr lang="nl-NL" i="1">
+                            <a:latin typeface="Cambria Math"/>
+                          </a:rPr>
+                          <m:t>𝑖</m:t>
+                        </m:r>
+                      </m:sub>
+                    </m:sSub>
+                    <m:r>
+                      <a:rPr lang="nl-NL" i="1">
+                        <a:latin typeface="Cambria Math"/>
+                      </a:rPr>
+                      <m:t>=</m:t>
+                    </m:r>
+                    <m:sSub>
+                      <m:sSubPr>
+                        <m:ctrlPr>
+                          <a:rPr lang="nl-NL" i="1">
+                            <a:latin typeface="Cambria Math"/>
+                          </a:rPr>
+                        </m:ctrlPr>
+                      </m:sSubPr>
+                      <m:e>
+                        <m:r>
+                          <a:rPr lang="nl-NL" i="1">
+                            <a:latin typeface="Cambria Math"/>
+                          </a:rPr>
+                          <m:t>𝑥</m:t>
+                        </m:r>
+                      </m:e>
+                      <m:sub>
+                        <m:r>
+                          <a:rPr lang="nl-NL" i="1">
+                            <a:latin typeface="Cambria Math"/>
+                          </a:rPr>
+                          <m:t>𝑖</m:t>
+                        </m:r>
+                        <m:r>
+                          <a:rPr lang="nl-NL" i="1">
+                            <a:latin typeface="Cambria Math"/>
+                          </a:rPr>
+                          <m:t>−1</m:t>
+                        </m:r>
+                      </m:sub>
+                    </m:sSub>
+                    <m:r>
+                      <a:rPr lang="nl-NL" i="1">
+                        <a:latin typeface="Cambria Math"/>
+                      </a:rPr>
+                      <m:t>+</m:t>
+                    </m:r>
+                    <m:sSub>
+                      <m:sSubPr>
+                        <m:ctrlPr>
+                          <a:rPr lang="nl-NL" i="1">
+                            <a:latin typeface="Cambria Math"/>
+                          </a:rPr>
+                        </m:ctrlPr>
+                      </m:sSubPr>
+                      <m:e>
+                        <m:r>
+                          <a:rPr lang="nl-NL" i="1">
+                            <a:latin typeface="Cambria Math"/>
+                            <a:ea typeface="Cambria Math"/>
+                          </a:rPr>
+                          <m:t>∆</m:t>
+                        </m:r>
+                        <m:r>
+                          <a:rPr lang="nl-NL" i="1">
+                            <a:latin typeface="Cambria Math"/>
+                            <a:ea typeface="Cambria Math"/>
+                          </a:rPr>
+                          <m:t>𝑡</m:t>
+                        </m:r>
+                        <m:r>
+                          <a:rPr lang="nl-NL" i="1">
+                            <a:latin typeface="Cambria Math"/>
+                            <a:ea typeface="Cambria Math"/>
+                          </a:rPr>
+                          <m:t> ∙</m:t>
+                        </m:r>
+                        <m:r>
+                          <a:rPr lang="nl-NL" i="1">
+                            <a:latin typeface="Cambria Math"/>
+                          </a:rPr>
+                          <m:t>𝑣</m:t>
+                        </m:r>
+                      </m:e>
+                      <m:sub>
+                        <m:r>
+                          <a:rPr lang="nl-NL" i="1">
+                            <a:latin typeface="Cambria Math"/>
+                          </a:rPr>
+                          <m:t>𝑖</m:t>
+                        </m:r>
+                        <m:r>
+                          <a:rPr lang="nl-NL" i="1">
+                            <a:latin typeface="Cambria Math"/>
+                          </a:rPr>
+                          <m:t>−1/2</m:t>
+                        </m:r>
+                      </m:sub>
+                    </m:sSub>
+                  </m:oMath>
+                </a14:m>
+                <a:endParaRPr lang="nl-NL" dirty="0"/>
+              </a:p>
+              <a:p>
+                <a:pPr lvl="1"/>
+                <a14:m>
+                  <m:oMath xmlns:m="http://schemas.openxmlformats.org/officeDocument/2006/math">
+                    <m:sSub>
+                      <m:sSubPr>
+                        <m:ctrlPr>
+                          <a:rPr lang="nl-NL" i="1">
+                            <a:latin typeface="Cambria Math"/>
+                          </a:rPr>
+                        </m:ctrlPr>
+                      </m:sSubPr>
+                      <m:e>
+                        <m:r>
+                          <a:rPr lang="nl-NL" i="1">
+                            <a:latin typeface="Cambria Math"/>
+                          </a:rPr>
+                          <m:t>𝑎</m:t>
+                        </m:r>
+                      </m:e>
+                      <m:sub>
+                        <m:r>
+                          <a:rPr lang="nl-NL" i="1">
+                            <a:latin typeface="Cambria Math"/>
+                          </a:rPr>
+                          <m:t>𝑖</m:t>
+                        </m:r>
+                      </m:sub>
+                    </m:sSub>
+                    <m:r>
+                      <a:rPr lang="nl-NL" i="1">
+                        <a:latin typeface="Cambria Math"/>
+                      </a:rPr>
+                      <m:t>=</m:t>
+                    </m:r>
+                    <m:sSub>
+                      <m:sSubPr>
+                        <m:ctrlPr>
+                          <a:rPr lang="nl-NL" i="1">
+                            <a:latin typeface="Cambria Math"/>
+                          </a:rPr>
+                        </m:ctrlPr>
+                      </m:sSubPr>
+                      <m:e>
+                        <m:r>
+                          <a:rPr lang="nl-NL" i="1">
+                            <a:latin typeface="Cambria Math"/>
+                          </a:rPr>
+                          <m:t>𝑓</m:t>
+                        </m:r>
+                        <m:r>
+                          <a:rPr lang="nl-NL" i="1">
+                            <a:latin typeface="Cambria Math"/>
+                          </a:rPr>
+                          <m:t>(</m:t>
+                        </m:r>
+                        <m:r>
+                          <a:rPr lang="nl-NL" i="1">
+                            <a:latin typeface="Cambria Math"/>
+                          </a:rPr>
+                          <m:t>𝑥</m:t>
+                        </m:r>
+                      </m:e>
+                      <m:sub>
+                        <m:r>
+                          <a:rPr lang="nl-NL" i="1">
+                            <a:latin typeface="Cambria Math"/>
+                          </a:rPr>
+                          <m:t>𝑖</m:t>
+                        </m:r>
+                      </m:sub>
+                    </m:sSub>
+                    <m:r>
+                      <a:rPr lang="nl-NL" i="1">
+                        <a:latin typeface="Cambria Math"/>
+                      </a:rPr>
+                      <m:t>)</m:t>
+                    </m:r>
+                  </m:oMath>
+                </a14:m>
+                <a:endParaRPr lang="nl-NL" i="1" dirty="0">
+                  <a:latin typeface="Cambria Math"/>
+                </a:endParaRPr>
+              </a:p>
+              <a:p>
+                <a:pPr lvl="1"/>
+                <a14:m>
+                  <m:oMath xmlns:m="http://schemas.openxmlformats.org/officeDocument/2006/math">
+                    <m:sSub>
+                      <m:sSubPr>
+                        <m:ctrlPr>
+                          <a:rPr lang="nl-NL" i="1">
+                            <a:latin typeface="Cambria Math"/>
+                          </a:rPr>
+                        </m:ctrlPr>
+                      </m:sSubPr>
+                      <m:e>
+                        <m:r>
+                          <a:rPr lang="nl-NL" i="1">
+                            <a:latin typeface="Cambria Math"/>
+                          </a:rPr>
+                          <m:t>𝑣</m:t>
+                        </m:r>
+                      </m:e>
+                      <m:sub>
+                        <m:r>
+                          <a:rPr lang="nl-NL" i="1">
+                            <a:latin typeface="Cambria Math"/>
+                          </a:rPr>
+                          <m:t>𝑖</m:t>
+                        </m:r>
+                        <m:r>
+                          <a:rPr lang="nl-NL" i="1">
+                            <a:latin typeface="Cambria Math"/>
+                          </a:rPr>
+                          <m:t>+1/2</m:t>
+                        </m:r>
+                      </m:sub>
+                    </m:sSub>
+                    <m:r>
+                      <a:rPr lang="nl-NL" i="1">
+                        <a:latin typeface="Cambria Math"/>
+                      </a:rPr>
+                      <m:t>=</m:t>
+                    </m:r>
+                    <m:sSub>
+                      <m:sSubPr>
+                        <m:ctrlPr>
+                          <a:rPr lang="nl-NL" i="1">
+                            <a:latin typeface="Cambria Math"/>
+                          </a:rPr>
+                        </m:ctrlPr>
+                      </m:sSubPr>
+                      <m:e>
+                        <m:r>
+                          <a:rPr lang="nl-NL" i="1">
+                            <a:latin typeface="Cambria Math"/>
+                          </a:rPr>
+                          <m:t>𝑣</m:t>
+                        </m:r>
+                      </m:e>
+                      <m:sub>
+                        <m:r>
+                          <a:rPr lang="nl-NL" i="1">
+                            <a:latin typeface="Cambria Math"/>
+                          </a:rPr>
+                          <m:t>𝑖</m:t>
+                        </m:r>
+                        <m:r>
+                          <a:rPr lang="nl-NL" i="1">
+                            <a:latin typeface="Cambria Math"/>
+                          </a:rPr>
+                          <m:t>−1/2</m:t>
+                        </m:r>
+                      </m:sub>
+                    </m:sSub>
+                    <m:r>
+                      <a:rPr lang="nl-NL" i="1">
+                        <a:latin typeface="Cambria Math"/>
+                      </a:rPr>
+                      <m:t>+</m:t>
+                    </m:r>
+                    <m:sSub>
+                      <m:sSubPr>
+                        <m:ctrlPr>
+                          <a:rPr lang="nl-NL" i="1">
+                            <a:latin typeface="Cambria Math"/>
+                          </a:rPr>
+                        </m:ctrlPr>
+                      </m:sSubPr>
+                      <m:e>
+                        <m:r>
+                          <a:rPr lang="nl-NL" i="1">
+                            <a:latin typeface="Cambria Math"/>
+                            <a:ea typeface="Cambria Math"/>
+                          </a:rPr>
+                          <m:t>∆</m:t>
+                        </m:r>
+                        <m:r>
+                          <a:rPr lang="nl-NL" i="1">
+                            <a:latin typeface="Cambria Math"/>
+                            <a:ea typeface="Cambria Math"/>
+                          </a:rPr>
+                          <m:t>𝑡</m:t>
+                        </m:r>
+                        <m:r>
+                          <a:rPr lang="nl-NL" i="1">
+                            <a:latin typeface="Cambria Math"/>
+                            <a:ea typeface="Cambria Math"/>
+                          </a:rPr>
+                          <m:t> ∙</m:t>
+                        </m:r>
+                        <m:r>
+                          <a:rPr lang="nl-NL" i="1">
+                            <a:latin typeface="Cambria Math"/>
+                            <a:ea typeface="Cambria Math"/>
+                          </a:rPr>
+                          <m:t>𝑎</m:t>
+                        </m:r>
+                      </m:e>
+                      <m:sub>
+                        <m:r>
+                          <a:rPr lang="nl-NL" i="1">
+                            <a:latin typeface="Cambria Math"/>
+                          </a:rPr>
+                          <m:t>𝑖</m:t>
+                        </m:r>
+                      </m:sub>
+                    </m:sSub>
+                  </m:oMath>
+                </a14:m>
+                <a:endParaRPr lang="nl-NL" dirty="0" smtClean="0"/>
+              </a:p>
+              <a:p>
+                <a:r>
+                  <a:rPr lang="nl-NL" dirty="0"/>
+                  <a:t>Orde </a:t>
+                </a:r>
+                <a:r>
+                  <a:rPr lang="nl-NL" dirty="0" smtClean="0"/>
+                  <a:t>2</a:t>
+                </a:r>
+                <a:endParaRPr lang="nl-NL" dirty="0"/>
+              </a:p>
+              <a:p>
+                <a:r>
+                  <a:rPr lang="nl-NL" dirty="0" smtClean="0"/>
+                  <a:t>Slechts 1 functie-evaluatie</a:t>
+                </a:r>
+              </a:p>
+              <a:p>
+                <a:r>
+                  <a:rPr lang="nl-NL" dirty="0" smtClean="0"/>
+                  <a:t>Stabiel </a:t>
+                </a:r>
+                <a:r>
+                  <a:rPr lang="nl-NL" dirty="0"/>
+                  <a:t>voor oscillaties</a:t>
+                </a:r>
+              </a:p>
+              <a:p>
+                <a:pPr lvl="1"/>
+                <a14:m>
+                  <m:oMath xmlns:m="http://schemas.openxmlformats.org/officeDocument/2006/math">
+                    <m:r>
+                      <a:rPr lang="nl-NL" sz="2400" i="1">
+                        <a:latin typeface="Cambria Math"/>
+                        <a:ea typeface="Cambria Math"/>
+                      </a:rPr>
+                      <m:t>∆</m:t>
+                    </m:r>
+                    <m:r>
+                      <a:rPr lang="nl-NL" sz="2400" i="1">
+                        <a:latin typeface="Cambria Math"/>
+                        <a:ea typeface="Cambria Math"/>
+                      </a:rPr>
+                      <m:t>𝑡</m:t>
+                    </m:r>
+                    <m:r>
+                      <a:rPr lang="nl-NL" sz="2400" i="1">
+                        <a:latin typeface="Cambria Math"/>
+                        <a:ea typeface="Cambria Math"/>
+                      </a:rPr>
+                      <m:t>≤</m:t>
+                    </m:r>
+                    <m:f>
+                      <m:fPr>
+                        <m:ctrlPr>
+                          <a:rPr lang="nl-NL" sz="2400" i="1">
+                            <a:latin typeface="Cambria Math"/>
+                            <a:ea typeface="Cambria Math"/>
+                          </a:rPr>
+                        </m:ctrlPr>
+                      </m:fPr>
+                      <m:num>
+                        <m:r>
+                          <a:rPr lang="nl-NL" sz="2400" i="1">
+                            <a:latin typeface="Cambria Math"/>
+                            <a:ea typeface="Cambria Math"/>
+                          </a:rPr>
+                          <m:t>2</m:t>
+                        </m:r>
+                      </m:num>
+                      <m:den>
+                        <m:r>
+                          <a:rPr lang="nl-NL" sz="2400" i="1">
+                            <a:latin typeface="Cambria Math"/>
+                            <a:ea typeface="Cambria Math"/>
+                          </a:rPr>
+                          <m:t>𝜔</m:t>
+                        </m:r>
+                      </m:den>
+                    </m:f>
+                    <m:r>
+                      <a:rPr lang="nl-NL" sz="2400" b="0" i="0" smtClean="0">
+                        <a:latin typeface="Cambria Math"/>
+                        <a:ea typeface="Cambria Math"/>
+                      </a:rPr>
+                      <m:t> ,</m:t>
+                    </m:r>
+                  </m:oMath>
+                </a14:m>
+                <a:r>
+                  <a:rPr lang="nl-NL" dirty="0"/>
+                  <a:t> </a:t>
+                </a:r>
+                <a14:m>
+                  <m:oMath xmlns:m="http://schemas.openxmlformats.org/officeDocument/2006/math">
+                    <m:r>
+                      <a:rPr lang="nl-NL" sz="2400" i="1">
+                        <a:latin typeface="Cambria Math"/>
+                        <a:ea typeface="Cambria Math"/>
+                      </a:rPr>
+                      <m:t>𝜔</m:t>
+                    </m:r>
+                  </m:oMath>
+                </a14:m>
+                <a:r>
+                  <a:rPr lang="nl-NL" dirty="0"/>
+                  <a:t>: </a:t>
+                </a:r>
+                <a:r>
+                  <a:rPr lang="nl-NL" dirty="0" smtClean="0"/>
+                  <a:t>hoekfrequentie</a:t>
+                </a:r>
+                <a:endParaRPr lang="nl-NL" dirty="0"/>
+              </a:p>
+              <a:p>
+                <a:pPr lvl="1"/>
+                <a:endParaRPr lang="nl-NL" dirty="0"/>
+              </a:p>
+              <a:p>
+                <a:pPr marL="457200" lvl="1" indent="0">
+                  <a:buNone/>
+                </a:pPr>
+                <a:endParaRPr lang="nl-NL" dirty="0"/>
+              </a:p>
+            </p:txBody>
+          </p:sp>
+        </mc:Choice>
+        <mc:Fallback xmlns="">
+          <p:sp>
+            <p:nvSpPr>
+              <p:cNvPr id="3" name="Tijdelijke aanduiding voor inhoud 2"/>
+              <p:cNvSpPr>
+                <a:spLocks noGrp="1" noRot="1" noChangeAspect="1" noMove="1" noResize="1" noEditPoints="1" noAdjustHandles="1" noChangeArrowheads="1" noChangeShapeType="1" noTextEdit="1"/>
+              </p:cNvSpPr>
+              <p:nvPr>
+                <p:ph idx="1"/>
+              </p:nvPr>
+            </p:nvSpPr>
+            <p:spPr>
+              <a:blipFill rotWithShape="1">
+                <a:blip r:embed="rId3"/>
+                <a:stretch>
+                  <a:fillRect l="-676" t="-1818"/>
+                </a:stretch>
+              </a:blipFill>
+            </p:spPr>
+            <p:txBody>
+              <a:bodyPr/>
+              <a:lstStyle/>
+              <a:p>
+                <a:r>
+                  <a:rPr lang="nl-NL">
+                    <a:noFill/>
+                  </a:rPr>
+                  <a:t> </a:t>
+                </a:r>
+              </a:p>
+            </p:txBody>
+          </p:sp>
+        </mc:Fallback>
+      </mc:AlternateContent>
+    </p:spTree>
+    <p:extLst>
+      <p:ext uri="{BB962C8B-B14F-4D97-AF65-F5344CB8AC3E}">
+        <p14:creationId xmlns:p14="http://schemas.microsoft.com/office/powerpoint/2010/main" val="483754110"/>
+      </p:ext>
+    </p:extLst>
+  </p:cSld>
+  <p:clrMapOvr>
+    <a:masterClrMapping/>
+  </p:clrMapOvr>
+  <mc:AlternateContent xmlns:mc="http://schemas.openxmlformats.org/markup-compatibility/2006" xmlns:p14="http://schemas.microsoft.com/office/powerpoint/2010/main">
+    <mc:Choice Requires="p14">
+      <p:transition spd="med" p14:dur="700">
+        <p:fade/>
+      </p:transition>
+    </mc:Choice>
+    <mc:Fallback xmlns="">
+      <p:transition spd="med">
+        <p:fade/>
+      </p:transition>
+    </mc:Fallback>
+  </mc:AlternateContent>
+  <p:timing>
+    <p:tnLst>
+      <p:par>
+        <p:cTn id="1" dur="indefinite" restart="never" nodeType="tmRoot"/>
+      </p:par>
+    </p:tnLst>
+  </p:timing>
+</p:sld>
+</file>
+
+<file path=ppt/slides/slide6.xml><?xml version="1.0" encoding="utf-8"?>
 <p:sld xmlns:a="http://schemas.openxmlformats.org/drawingml/2006/main" xmlns:r="http://schemas.openxmlformats.org/officeDocument/2006/relationships" xmlns:p="http://schemas.openxmlformats.org/presentationml/2006/main">
   <p:cSld>
     <p:spTree>
@@ -9114,7 +9688,7 @@
         </p:blipFill>
         <p:spPr>
           <a:xfrm>
-            <a:off x="3999282" y="4876800"/>
+            <a:off x="4637457" y="4924425"/>
             <a:ext cx="2575990" cy="1981200"/>
           </a:xfrm>
           <a:prstGeom prst="rect">
@@ -9322,8 +9896,19 @@
           <a:p>
             <a:r>
               <a:rPr lang="nl-NL" dirty="0"/>
-              <a:t>Implementatie: ruimte recursief opdelen in kwadranten tot elk deeltje eigen kwadrant heeft</a:t>
-            </a:r>
+              <a:t>Implementatie: ruimte recursief opdelen in kwadranten tot elk </a:t>
+            </a:r>
+            <a:r>
+              <a:rPr lang="nl-NL" dirty="0" smtClean="0"/>
+              <a:t>kwadrant een of nul deeltjes heeft</a:t>
+            </a:r>
+          </a:p>
+          <a:p>
+            <a:r>
+              <a:rPr lang="nl-NL" dirty="0" smtClean="0"/>
+              <a:t>Deeltjes in kwadrant groeperen</a:t>
+            </a:r>
+            <a:endParaRPr lang="nl-NL" dirty="0"/>
           </a:p>
           <a:p>
             <a:r>
@@ -9362,13 +9947,13 @@
   <p:clrMapOvr>
     <a:masterClrMapping/>
   </p:clrMapOvr>
-  <mc:AlternateContent xmlns:mc="http://schemas.openxmlformats.org/markup-compatibility/2006">
-    <mc:Choice xmlns:p14="http://schemas.microsoft.com/office/powerpoint/2010/main" Requires="p14">
+  <mc:AlternateContent xmlns:mc="http://schemas.openxmlformats.org/markup-compatibility/2006" xmlns:p14="http://schemas.microsoft.com/office/powerpoint/2010/main">
+    <mc:Choice Requires="p14">
       <p:transition spd="med" p14:dur="700">
         <p:fade/>
       </p:transition>
     </mc:Choice>
-    <mc:Fallback>
+    <mc:Fallback xmlns="">
       <p:transition spd="med">
         <p:fade/>
       </p:transition>
@@ -9513,7 +10098,7 @@
 </p:sld>
 </file>
 
-<file path=ppt/slides/slide6.xml><?xml version="1.0" encoding="utf-8"?>
+<file path=ppt/slides/slide7.xml><?xml version="1.0" encoding="utf-8"?>
 <p:sld xmlns:a="http://schemas.openxmlformats.org/drawingml/2006/main" xmlns:r="http://schemas.openxmlformats.org/officeDocument/2006/relationships" xmlns:p="http://schemas.openxmlformats.org/presentationml/2006/main">
   <p:cSld>
     <p:spTree>
@@ -10275,149 +10860,6 @@
       </p:grpSp>
       <p:grpSp>
         <p:nvGrpSpPr>
-          <p:cNvPr id="4" name="Groep 3"/>
-          <p:cNvGrpSpPr/>
-          <p:nvPr/>
-        </p:nvGrpSpPr>
-        <p:grpSpPr>
-          <a:xfrm>
-            <a:off x="7804064" y="2962912"/>
-            <a:ext cx="3596965" cy="2035038"/>
-            <a:chOff x="7804064" y="2962912"/>
-            <a:chExt cx="3596965" cy="2035038"/>
-          </a:xfrm>
-        </p:grpSpPr>
-        <p:cxnSp>
-          <p:nvCxnSpPr>
-            <p:cNvPr id="203" name="Shape 203"/>
-            <p:cNvCxnSpPr/>
-            <p:nvPr/>
-          </p:nvCxnSpPr>
-          <p:spPr>
-            <a:xfrm flipH="1">
-              <a:off x="10149400" y="3826675"/>
-              <a:ext cx="201900" cy="304500"/>
-            </a:xfrm>
-            <a:prstGeom prst="straightConnector1">
-              <a:avLst/>
-            </a:prstGeom>
-            <a:noFill/>
-            <a:ln w="9525" cap="flat" cmpd="sng">
-              <a:solidFill>
-                <a:srgbClr val="38761D"/>
-              </a:solidFill>
-              <a:prstDash val="solid"/>
-              <a:round/>
-              <a:headEnd type="none" w="lg" len="lg"/>
-              <a:tailEnd type="triangle" w="lg" len="lg"/>
-            </a:ln>
-          </p:spPr>
-        </p:cxnSp>
-        <p:sp>
-          <p:nvSpPr>
-            <p:cNvPr id="204" name="Shape 204"/>
-            <p:cNvSpPr txBox="1"/>
-            <p:nvPr/>
-          </p:nvSpPr>
-          <p:spPr>
-            <a:xfrm>
-              <a:off x="10058964" y="2962912"/>
-              <a:ext cx="1342065" cy="549900"/>
-            </a:xfrm>
-            <a:prstGeom prst="rect">
-              <a:avLst/>
-            </a:prstGeom>
-            <a:noFill/>
-            <a:ln>
-              <a:noFill/>
-            </a:ln>
-          </p:spPr>
-          <p:txBody>
-            <a:bodyPr lIns="91425" tIns="91425" rIns="91425" bIns="91425" anchor="t" anchorCtr="0">
-              <a:noAutofit/>
-            </a:bodyPr>
-            <a:lstStyle/>
-            <a:p>
-              <a:pPr lvl="0">
-                <a:spcBef>
-                  <a:spcPts val="0"/>
-                </a:spcBef>
-                <a:buNone/>
-              </a:pPr>
-              <a:r>
-                <a:rPr lang="nl-NL" dirty="0"/>
-                <a:t>overlap, geen botsing</a:t>
-              </a:r>
-            </a:p>
-          </p:txBody>
-        </p:sp>
-        <p:cxnSp>
-          <p:nvCxnSpPr>
-            <p:cNvPr id="205" name="Shape 205"/>
-            <p:cNvCxnSpPr/>
-            <p:nvPr/>
-          </p:nvCxnSpPr>
-          <p:spPr>
-            <a:xfrm flipH="1">
-              <a:off x="8034425" y="4693450"/>
-              <a:ext cx="201900" cy="304500"/>
-            </a:xfrm>
-            <a:prstGeom prst="straightConnector1">
-              <a:avLst/>
-            </a:prstGeom>
-            <a:noFill/>
-            <a:ln w="9525" cap="flat" cmpd="sng">
-              <a:solidFill>
-                <a:srgbClr val="FF0000"/>
-              </a:solidFill>
-              <a:prstDash val="solid"/>
-              <a:round/>
-              <a:headEnd type="none" w="lg" len="lg"/>
-              <a:tailEnd type="triangle" w="lg" len="lg"/>
-            </a:ln>
-          </p:spPr>
-        </p:cxnSp>
-        <p:sp>
-          <p:nvSpPr>
-            <p:cNvPr id="206" name="Shape 206"/>
-            <p:cNvSpPr txBox="1"/>
-            <p:nvPr/>
-          </p:nvSpPr>
-          <p:spPr>
-            <a:xfrm>
-              <a:off x="7804064" y="4097950"/>
-              <a:ext cx="1130950" cy="495300"/>
-            </a:xfrm>
-            <a:prstGeom prst="rect">
-              <a:avLst/>
-            </a:prstGeom>
-            <a:noFill/>
-            <a:ln>
-              <a:noFill/>
-            </a:ln>
-          </p:spPr>
-          <p:txBody>
-            <a:bodyPr lIns="91425" tIns="91425" rIns="91425" bIns="91425" anchor="t" anchorCtr="0">
-              <a:noAutofit/>
-            </a:bodyPr>
-            <a:lstStyle/>
-            <a:p>
-              <a:pPr lvl="0">
-                <a:spcBef>
-                  <a:spcPts val="0"/>
-                </a:spcBef>
-                <a:buNone/>
-              </a:pPr>
-              <a:r>
-                <a:rPr lang="nl-NL" dirty="0"/>
-                <a:t>overlap, botsing</a:t>
-              </a:r>
-            </a:p>
-          </p:txBody>
-        </p:sp>
-      </p:grpSp>
-      <p:grpSp>
-        <p:nvGrpSpPr>
           <p:cNvPr id="5" name="Groep 4"/>
           <p:cNvGrpSpPr/>
           <p:nvPr/>
@@ -10750,7 +11192,7 @@
               <a:buChar char="•"/>
             </a:pPr>
             <a:r>
-              <a:rPr lang="nl-NL" dirty="0">
+              <a:rPr lang="nl-NL" dirty="0" smtClean="0">
                 <a:solidFill>
                   <a:schemeClr val="dk1"/>
                 </a:solidFill>
@@ -10758,8 +11200,16 @@
                 <a:cs typeface="Century Gothic"/>
                 <a:sym typeface="Century Gothic"/>
               </a:rPr>
-              <a:t>Botsing mogelijk als en slechts als rechthoeken overlappen</a:t>
-            </a:r>
+              <a:t>Botsing onmogelijk als en slechts als rechthoeken niet overlappen</a:t>
+            </a:r>
+            <a:endParaRPr lang="nl-NL" dirty="0">
+              <a:solidFill>
+                <a:schemeClr val="dk1"/>
+              </a:solidFill>
+              <a:ea typeface="Century Gothic"/>
+              <a:cs typeface="Century Gothic"/>
+              <a:sym typeface="Century Gothic"/>
+            </a:endParaRPr>
           </a:p>
           <a:p>
             <a:pPr lvl="0">
@@ -10839,13 +11289,13 @@
   <p:clrMapOvr>
     <a:masterClrMapping/>
   </p:clrMapOvr>
-  <mc:AlternateContent xmlns:mc="http://schemas.openxmlformats.org/markup-compatibility/2006">
-    <mc:Choice xmlns:p14="http://schemas.microsoft.com/office/powerpoint/2010/main" Requires="p14">
+  <mc:AlternateContent xmlns:mc="http://schemas.openxmlformats.org/markup-compatibility/2006" xmlns:p14="http://schemas.microsoft.com/office/powerpoint/2010/main">
+    <mc:Choice Requires="p14">
       <p:transition spd="med" p14:dur="700">
         <p:fade/>
       </p:transition>
     </mc:Choice>
-    <mc:Fallback>
+    <mc:Fallback xmlns="">
       <p:transition spd="med">
         <p:fade/>
       </p:transition>
@@ -10925,7 +11375,7 @@
                             </p:stCondLst>
                             <p:childTnLst>
                               <p:par>
-                                <p:cTn id="10" presetID="16" presetClass="entr" presetSubtype="21" fill="hold" nodeType="clickEffect">
+                                <p:cTn id="10" presetID="10" presetClass="entr" presetSubtype="0" fill="hold" nodeType="clickEffect">
                                   <p:stCondLst>
                                     <p:cond delay="0"/>
                                   </p:stCondLst>
@@ -10933,59 +11383,6 @@
                                     <p:set>
                                       <p:cBhvr>
                                         <p:cTn id="11" dur="1" fill="hold">
-                                          <p:stCondLst>
-                                            <p:cond delay="0"/>
-                                          </p:stCondLst>
-                                        </p:cTn>
-                                        <p:tgtEl>
-                                          <p:spTgt spid="4"/>
-                                        </p:tgtEl>
-                                        <p:attrNameLst>
-                                          <p:attrName>style.visibility</p:attrName>
-                                        </p:attrNameLst>
-                                      </p:cBhvr>
-                                      <p:to>
-                                        <p:strVal val="visible"/>
-                                      </p:to>
-                                    </p:set>
-                                    <p:animEffect transition="in" filter="barn(inVertical)">
-                                      <p:cBhvr>
-                                        <p:cTn id="12" dur="500"/>
-                                        <p:tgtEl>
-                                          <p:spTgt spid="4"/>
-                                        </p:tgtEl>
-                                      </p:cBhvr>
-                                    </p:animEffect>
-                                  </p:childTnLst>
-                                </p:cTn>
-                              </p:par>
-                            </p:childTnLst>
-                          </p:cTn>
-                        </p:par>
-                      </p:childTnLst>
-                    </p:cTn>
-                  </p:par>
-                  <p:par>
-                    <p:cTn id="13" fill="hold">
-                      <p:stCondLst>
-                        <p:cond delay="indefinite"/>
-                      </p:stCondLst>
-                      <p:childTnLst>
-                        <p:par>
-                          <p:cTn id="14" fill="hold">
-                            <p:stCondLst>
-                              <p:cond delay="0"/>
-                            </p:stCondLst>
-                            <p:childTnLst>
-                              <p:par>
-                                <p:cTn id="15" presetID="10" presetClass="entr" presetSubtype="0" fill="hold" nodeType="clickEffect">
-                                  <p:stCondLst>
-                                    <p:cond delay="0"/>
-                                  </p:stCondLst>
-                                  <p:childTnLst>
-                                    <p:set>
-                                      <p:cBhvr>
-                                        <p:cTn id="16" dur="1" fill="hold">
                                           <p:stCondLst>
                                             <p:cond delay="0"/>
                                           </p:stCondLst>
@@ -11003,7 +11400,7 @@
                                     </p:set>
                                     <p:animEffect transition="in" filter="fade">
                                       <p:cBhvr>
-                                        <p:cTn id="17" dur="500"/>
+                                        <p:cTn id="12" dur="500"/>
                                         <p:tgtEl>
                                           <p:spTgt spid="5"/>
                                         </p:tgtEl>
@@ -11043,7 +11440,7 @@
 </p:sld>
 </file>
 
-<file path=ppt/slides/slide7.xml><?xml version="1.0" encoding="utf-8"?>
+<file path=ppt/slides/slide8.xml><?xml version="1.0" encoding="utf-8"?>
 <p:sld xmlns:a="http://schemas.openxmlformats.org/drawingml/2006/main" xmlns:r="http://schemas.openxmlformats.org/officeDocument/2006/relationships" xmlns:p="http://schemas.openxmlformats.org/presentationml/2006/main">
   <p:cSld>
     <p:spTree>
@@ -11131,647 +11528,13 @@
   <p:clrMapOvr>
     <a:masterClrMapping/>
   </p:clrMapOvr>
-  <mc:AlternateContent xmlns:mc="http://schemas.openxmlformats.org/markup-compatibility/2006">
-    <mc:Choice xmlns:p14="http://schemas.microsoft.com/office/powerpoint/2010/main" Requires="p14">
+  <mc:AlternateContent xmlns:mc="http://schemas.openxmlformats.org/markup-compatibility/2006" xmlns:p14="http://schemas.microsoft.com/office/powerpoint/2010/main">
+    <mc:Choice Requires="p14">
       <p:transition spd="med" p14:dur="700">
         <p:fade/>
       </p:transition>
     </mc:Choice>
-    <mc:Fallback>
-      <p:transition spd="med">
-        <p:fade/>
-      </p:transition>
-    </mc:Fallback>
-  </mc:AlternateContent>
-  <p:timing>
-    <p:tnLst>
-      <p:par>
-        <p:cTn id="1" dur="indefinite" restart="never" nodeType="tmRoot"/>
-      </p:par>
-    </p:tnLst>
-  </p:timing>
-</p:sld>
-</file>
-
-<file path=ppt/slides/slide8.xml><?xml version="1.0" encoding="utf-8"?>
-<p:sld xmlns:a="http://schemas.openxmlformats.org/drawingml/2006/main" xmlns:r="http://schemas.openxmlformats.org/officeDocument/2006/relationships" xmlns:p="http://schemas.openxmlformats.org/presentationml/2006/main">
-  <p:cSld>
-    <p:spTree>
-      <p:nvGrpSpPr>
-        <p:cNvPr id="1" name=""/>
-        <p:cNvGrpSpPr/>
-        <p:nvPr/>
-      </p:nvGrpSpPr>
-      <p:grpSpPr>
-        <a:xfrm>
-          <a:off x="0" y="0"/>
-          <a:ext cx="0" cy="0"/>
-          <a:chOff x="0" y="0"/>
-          <a:chExt cx="0" cy="0"/>
-        </a:xfrm>
-      </p:grpSpPr>
-      <p:pic>
-        <p:nvPicPr>
-          <p:cNvPr id="4" name="Afbeelding 3"/>
-          <p:cNvPicPr>
-            <a:picLocks noChangeAspect="1"/>
-          </p:cNvPicPr>
-          <p:nvPr/>
-        </p:nvPicPr>
-        <p:blipFill>
-          <a:blip r:embed="rId2">
-            <a:extLst>
-              <a:ext uri="{28A0092B-C50C-407E-A947-70E740481C1C}">
-                <a14:useLocalDpi xmlns:a14="http://schemas.microsoft.com/office/drawing/2010/main" val="0"/>
-              </a:ext>
-            </a:extLst>
-          </a:blip>
-          <a:stretch>
-            <a:fillRect/>
-          </a:stretch>
-        </p:blipFill>
-        <p:spPr>
-          <a:xfrm>
-            <a:off x="4277546" y="4873541"/>
-            <a:ext cx="7856223" cy="1857739"/>
-          </a:xfrm>
-          <a:prstGeom prst="rect">
-            <a:avLst/>
-          </a:prstGeom>
-        </p:spPr>
-      </p:pic>
-      <p:sp>
-        <p:nvSpPr>
-          <p:cNvPr id="2" name="Titel 1"/>
-          <p:cNvSpPr>
-            <a:spLocks noGrp="1"/>
-          </p:cNvSpPr>
-          <p:nvPr>
-            <p:ph type="title"/>
-          </p:nvPr>
-        </p:nvSpPr>
-        <p:spPr/>
-        <p:txBody>
-          <a:bodyPr/>
-          <a:lstStyle/>
-          <a:p>
-            <a:r>
-              <a:rPr lang="nl-NL" dirty="0" err="1"/>
-              <a:t>Leapfrog</a:t>
-            </a:r>
-            <a:endParaRPr lang="nl-NL" dirty="0"/>
-          </a:p>
-        </p:txBody>
-      </p:sp>
-      <mc:AlternateContent xmlns:mc="http://schemas.openxmlformats.org/markup-compatibility/2006">
-        <mc:Choice xmlns:a14="http://schemas.microsoft.com/office/drawing/2010/main" Requires="a14">
-          <p:sp>
-            <p:nvSpPr>
-              <p:cNvPr id="3" name="Tijdelijke aanduiding voor inhoud 2"/>
-              <p:cNvSpPr>
-                <a:spLocks noGrp="1"/>
-              </p:cNvSpPr>
-              <p:nvPr>
-                <p:ph idx="1"/>
-              </p:nvPr>
-            </p:nvSpPr>
-            <p:spPr/>
-            <p:txBody>
-              <a:bodyPr>
-                <a:normAutofit/>
-              </a:bodyPr>
-              <a:lstStyle/>
-              <a:p>
-                <a:r>
-                  <a:rPr lang="nl-NL" dirty="0"/>
-                  <a:t>Formule:</a:t>
-                </a:r>
-              </a:p>
-              <a:p>
-                <a:pPr lvl="1"/>
-                <a14:m>
-                  <m:oMath xmlns:m="http://schemas.openxmlformats.org/officeDocument/2006/math">
-                    <m:sSub>
-                      <m:sSubPr>
-                        <m:ctrlPr>
-                          <a:rPr lang="nl-NL" i="1">
-                            <a:latin typeface="Cambria Math"/>
-                          </a:rPr>
-                        </m:ctrlPr>
-                      </m:sSubPr>
-                      <m:e>
-                        <m:r>
-                          <a:rPr lang="nl-NL" i="1">
-                            <a:latin typeface="Cambria Math"/>
-                          </a:rPr>
-                          <m:t>𝑥</m:t>
-                        </m:r>
-                      </m:e>
-                      <m:sub>
-                        <m:r>
-                          <a:rPr lang="nl-NL" i="1">
-                            <a:latin typeface="Cambria Math"/>
-                          </a:rPr>
-                          <m:t>𝑖</m:t>
-                        </m:r>
-                      </m:sub>
-                    </m:sSub>
-                    <m:r>
-                      <a:rPr lang="nl-NL" i="1">
-                        <a:latin typeface="Cambria Math"/>
-                      </a:rPr>
-                      <m:t>=</m:t>
-                    </m:r>
-                    <m:sSub>
-                      <m:sSubPr>
-                        <m:ctrlPr>
-                          <a:rPr lang="nl-NL" i="1">
-                            <a:latin typeface="Cambria Math"/>
-                          </a:rPr>
-                        </m:ctrlPr>
-                      </m:sSubPr>
-                      <m:e>
-                        <m:r>
-                          <a:rPr lang="nl-NL" i="1">
-                            <a:latin typeface="Cambria Math"/>
-                          </a:rPr>
-                          <m:t>𝑥</m:t>
-                        </m:r>
-                      </m:e>
-                      <m:sub>
-                        <m:r>
-                          <a:rPr lang="nl-NL" i="1">
-                            <a:latin typeface="Cambria Math"/>
-                          </a:rPr>
-                          <m:t>𝑖</m:t>
-                        </m:r>
-                        <m:r>
-                          <a:rPr lang="nl-NL" i="1">
-                            <a:latin typeface="Cambria Math"/>
-                          </a:rPr>
-                          <m:t>−1</m:t>
-                        </m:r>
-                      </m:sub>
-                    </m:sSub>
-                    <m:r>
-                      <a:rPr lang="nl-NL" i="1">
-                        <a:latin typeface="Cambria Math"/>
-                      </a:rPr>
-                      <m:t>+</m:t>
-                    </m:r>
-                    <m:sSub>
-                      <m:sSubPr>
-                        <m:ctrlPr>
-                          <a:rPr lang="nl-NL" i="1">
-                            <a:latin typeface="Cambria Math"/>
-                          </a:rPr>
-                        </m:ctrlPr>
-                      </m:sSubPr>
-                      <m:e>
-                        <m:r>
-                          <a:rPr lang="nl-NL" i="1">
-                            <a:latin typeface="Cambria Math"/>
-                            <a:ea typeface="Cambria Math"/>
-                          </a:rPr>
-                          <m:t>∆</m:t>
-                        </m:r>
-                        <m:r>
-                          <a:rPr lang="nl-NL" i="1">
-                            <a:latin typeface="Cambria Math"/>
-                            <a:ea typeface="Cambria Math"/>
-                          </a:rPr>
-                          <m:t>𝑡</m:t>
-                        </m:r>
-                        <m:r>
-                          <a:rPr lang="nl-NL" i="1">
-                            <a:latin typeface="Cambria Math"/>
-                            <a:ea typeface="Cambria Math"/>
-                          </a:rPr>
-                          <m:t> ∙</m:t>
-                        </m:r>
-                        <m:r>
-                          <a:rPr lang="nl-NL" i="1">
-                            <a:latin typeface="Cambria Math"/>
-                          </a:rPr>
-                          <m:t>𝑣</m:t>
-                        </m:r>
-                      </m:e>
-                      <m:sub>
-                        <m:r>
-                          <a:rPr lang="nl-NL" i="1">
-                            <a:latin typeface="Cambria Math"/>
-                          </a:rPr>
-                          <m:t>𝑖</m:t>
-                        </m:r>
-                        <m:r>
-                          <a:rPr lang="nl-NL" i="1">
-                            <a:latin typeface="Cambria Math"/>
-                          </a:rPr>
-                          <m:t>−</m:t>
-                        </m:r>
-                        <m:r>
-                          <a:rPr lang="nl-NL" i="1">
-                            <a:latin typeface="Cambria Math"/>
-                          </a:rPr>
-                          <m:t>1/2</m:t>
-                        </m:r>
-                      </m:sub>
-                    </m:sSub>
-                  </m:oMath>
-                </a14:m>
-                <a:endParaRPr lang="nl-NL" dirty="0"/>
-              </a:p>
-              <a:p>
-                <a:pPr lvl="1"/>
-                <a14:m>
-                  <m:oMath xmlns:m="http://schemas.openxmlformats.org/officeDocument/2006/math">
-                    <m:sSub>
-                      <m:sSubPr>
-                        <m:ctrlPr>
-                          <a:rPr lang="nl-NL" i="1">
-                            <a:latin typeface="Cambria Math"/>
-                          </a:rPr>
-                        </m:ctrlPr>
-                      </m:sSubPr>
-                      <m:e>
-                        <m:r>
-                          <a:rPr lang="nl-NL" i="1">
-                            <a:latin typeface="Cambria Math"/>
-                          </a:rPr>
-                          <m:t>𝑎</m:t>
-                        </m:r>
-                      </m:e>
-                      <m:sub>
-                        <m:r>
-                          <a:rPr lang="nl-NL" i="1">
-                            <a:latin typeface="Cambria Math"/>
-                          </a:rPr>
-                          <m:t>𝑖</m:t>
-                        </m:r>
-                      </m:sub>
-                    </m:sSub>
-                    <m:r>
-                      <a:rPr lang="nl-NL" i="1">
-                        <a:latin typeface="Cambria Math"/>
-                      </a:rPr>
-                      <m:t>=</m:t>
-                    </m:r>
-                    <m:sSub>
-                      <m:sSubPr>
-                        <m:ctrlPr>
-                          <a:rPr lang="nl-NL" i="1">
-                            <a:latin typeface="Cambria Math"/>
-                          </a:rPr>
-                        </m:ctrlPr>
-                      </m:sSubPr>
-                      <m:e>
-                        <m:r>
-                          <a:rPr lang="nl-NL" i="1">
-                            <a:latin typeface="Cambria Math"/>
-                          </a:rPr>
-                          <m:t>𝑓</m:t>
-                        </m:r>
-                        <m:r>
-                          <a:rPr lang="nl-NL" i="1">
-                            <a:latin typeface="Cambria Math"/>
-                          </a:rPr>
-                          <m:t>(</m:t>
-                        </m:r>
-                        <m:r>
-                          <a:rPr lang="nl-NL" i="1">
-                            <a:latin typeface="Cambria Math"/>
-                          </a:rPr>
-                          <m:t>𝑥</m:t>
-                        </m:r>
-                      </m:e>
-                      <m:sub>
-                        <m:r>
-                          <a:rPr lang="nl-NL" i="1">
-                            <a:latin typeface="Cambria Math"/>
-                          </a:rPr>
-                          <m:t>𝑖</m:t>
-                        </m:r>
-                      </m:sub>
-                    </m:sSub>
-                    <m:r>
-                      <a:rPr lang="nl-NL" i="1">
-                        <a:latin typeface="Cambria Math"/>
-                      </a:rPr>
-                      <m:t>)</m:t>
-                    </m:r>
-                  </m:oMath>
-                </a14:m>
-                <a:endParaRPr lang="nl-NL" i="1" dirty="0">
-                  <a:latin typeface="Cambria Math"/>
-                </a:endParaRPr>
-              </a:p>
-              <a:p>
-                <a:pPr lvl="1"/>
-                <a14:m>
-                  <m:oMath xmlns:m="http://schemas.openxmlformats.org/officeDocument/2006/math">
-                    <m:sSub>
-                      <m:sSubPr>
-                        <m:ctrlPr>
-                          <a:rPr lang="nl-NL" i="1">
-                            <a:latin typeface="Cambria Math"/>
-                          </a:rPr>
-                        </m:ctrlPr>
-                      </m:sSubPr>
-                      <m:e>
-                        <m:r>
-                          <a:rPr lang="nl-NL" i="1">
-                            <a:latin typeface="Cambria Math"/>
-                          </a:rPr>
-                          <m:t>𝑣</m:t>
-                        </m:r>
-                      </m:e>
-                      <m:sub>
-                        <m:r>
-                          <a:rPr lang="nl-NL" i="1">
-                            <a:latin typeface="Cambria Math"/>
-                          </a:rPr>
-                          <m:t>𝑖</m:t>
-                        </m:r>
-                        <m:r>
-                          <a:rPr lang="nl-NL" i="1">
-                            <a:latin typeface="Cambria Math"/>
-                          </a:rPr>
-                          <m:t>+1/2</m:t>
-                        </m:r>
-                      </m:sub>
-                    </m:sSub>
-                    <m:r>
-                      <a:rPr lang="nl-NL" i="1">
-                        <a:latin typeface="Cambria Math"/>
-                      </a:rPr>
-                      <m:t>=</m:t>
-                    </m:r>
-                    <m:sSub>
-                      <m:sSubPr>
-                        <m:ctrlPr>
-                          <a:rPr lang="nl-NL" i="1">
-                            <a:latin typeface="Cambria Math"/>
-                          </a:rPr>
-                        </m:ctrlPr>
-                      </m:sSubPr>
-                      <m:e>
-                        <m:r>
-                          <a:rPr lang="nl-NL" i="1">
-                            <a:latin typeface="Cambria Math"/>
-                          </a:rPr>
-                          <m:t>𝑣</m:t>
-                        </m:r>
-                      </m:e>
-                      <m:sub>
-                        <m:r>
-                          <a:rPr lang="nl-NL" i="1">
-                            <a:latin typeface="Cambria Math"/>
-                          </a:rPr>
-                          <m:t>𝑖</m:t>
-                        </m:r>
-                        <m:r>
-                          <a:rPr lang="nl-NL" i="1">
-                            <a:latin typeface="Cambria Math"/>
-                          </a:rPr>
-                          <m:t>−1/2</m:t>
-                        </m:r>
-                      </m:sub>
-                    </m:sSub>
-                    <m:r>
-                      <a:rPr lang="nl-NL" i="1">
-                        <a:latin typeface="Cambria Math"/>
-                      </a:rPr>
-                      <m:t>+</m:t>
-                    </m:r>
-                    <m:sSub>
-                      <m:sSubPr>
-                        <m:ctrlPr>
-                          <a:rPr lang="nl-NL" i="1">
-                            <a:latin typeface="Cambria Math"/>
-                          </a:rPr>
-                        </m:ctrlPr>
-                      </m:sSubPr>
-                      <m:e>
-                        <m:r>
-                          <a:rPr lang="nl-NL" i="1">
-                            <a:latin typeface="Cambria Math"/>
-                            <a:ea typeface="Cambria Math"/>
-                          </a:rPr>
-                          <m:t>∆</m:t>
-                        </m:r>
-                        <m:r>
-                          <a:rPr lang="nl-NL" i="1">
-                            <a:latin typeface="Cambria Math"/>
-                            <a:ea typeface="Cambria Math"/>
-                          </a:rPr>
-                          <m:t>𝑡</m:t>
-                        </m:r>
-                        <m:r>
-                          <a:rPr lang="nl-NL" i="1">
-                            <a:latin typeface="Cambria Math"/>
-                            <a:ea typeface="Cambria Math"/>
-                          </a:rPr>
-                          <m:t> ∙</m:t>
-                        </m:r>
-                        <m:r>
-                          <a:rPr lang="nl-NL" i="1">
-                            <a:latin typeface="Cambria Math"/>
-                            <a:ea typeface="Cambria Math"/>
-                          </a:rPr>
-                          <m:t>𝑎</m:t>
-                        </m:r>
-                      </m:e>
-                      <m:sub>
-                        <m:r>
-                          <a:rPr lang="nl-NL" i="1">
-                            <a:latin typeface="Cambria Math"/>
-                          </a:rPr>
-                          <m:t>𝑖</m:t>
-                        </m:r>
-                      </m:sub>
-                    </m:sSub>
-                  </m:oMath>
-                </a14:m>
-                <a:endParaRPr lang="nl-NL" dirty="0" smtClean="0"/>
-              </a:p>
-              <a:p>
-                <a:r>
-                  <a:rPr lang="nl-NL" dirty="0"/>
-                  <a:t>Orde </a:t>
-                </a:r>
-                <a:r>
-                  <a:rPr lang="nl-NL" dirty="0" smtClean="0"/>
-                  <a:t>2</a:t>
-                </a:r>
-                <a:endParaRPr lang="nl-NL" dirty="0"/>
-              </a:p>
-              <a:p>
-                <a:r>
-                  <a:rPr lang="nl-NL" dirty="0" smtClean="0"/>
-                  <a:t>Slechts 1 functie-evaluatie</a:t>
-                </a:r>
-              </a:p>
-              <a:p>
-                <a:r>
-                  <a:rPr lang="nl-NL" dirty="0" smtClean="0"/>
-                  <a:t>Stabiel </a:t>
-                </a:r>
-                <a:r>
-                  <a:rPr lang="nl-NL" dirty="0"/>
-                  <a:t>voor oscillaties</a:t>
-                </a:r>
-              </a:p>
-              <a:p>
-                <a:pPr lvl="1"/>
-                <a14:m>
-                  <m:oMath xmlns:m="http://schemas.openxmlformats.org/officeDocument/2006/math">
-                    <m:r>
-                      <a:rPr lang="nl-NL" sz="2400" i="1">
-                        <a:latin typeface="Cambria Math"/>
-                        <a:ea typeface="Cambria Math"/>
-                      </a:rPr>
-                      <m:t>∆</m:t>
-                    </m:r>
-                    <m:r>
-                      <a:rPr lang="nl-NL" sz="2400" i="1">
-                        <a:latin typeface="Cambria Math"/>
-                        <a:ea typeface="Cambria Math"/>
-                      </a:rPr>
-                      <m:t>𝑡</m:t>
-                    </m:r>
-                    <m:r>
-                      <a:rPr lang="nl-NL" sz="2400" i="1">
-                        <a:latin typeface="Cambria Math"/>
-                        <a:ea typeface="Cambria Math"/>
-                      </a:rPr>
-                      <m:t>≤</m:t>
-                    </m:r>
-                    <m:f>
-                      <m:fPr>
-                        <m:ctrlPr>
-                          <a:rPr lang="nl-NL" sz="2400" i="1">
-                            <a:latin typeface="Cambria Math"/>
-                            <a:ea typeface="Cambria Math"/>
-                          </a:rPr>
-                        </m:ctrlPr>
-                      </m:fPr>
-                      <m:num>
-                        <m:r>
-                          <a:rPr lang="nl-NL" sz="2400" i="1">
-                            <a:latin typeface="Cambria Math"/>
-                            <a:ea typeface="Cambria Math"/>
-                          </a:rPr>
-                          <m:t>2</m:t>
-                        </m:r>
-                      </m:num>
-                      <m:den>
-                        <m:r>
-                          <a:rPr lang="nl-NL" sz="2400" i="1">
-                            <a:latin typeface="Cambria Math"/>
-                            <a:ea typeface="Cambria Math"/>
-                          </a:rPr>
-                          <m:t>𝜔</m:t>
-                        </m:r>
-                      </m:den>
-                    </m:f>
-                    <m:r>
-                      <a:rPr lang="nl-NL" sz="2400" b="0" i="0" smtClean="0">
-                        <a:latin typeface="Cambria Math"/>
-                        <a:ea typeface="Cambria Math"/>
-                      </a:rPr>
-                      <m:t> ,</m:t>
-                    </m:r>
-                  </m:oMath>
-                </a14:m>
-                <a:r>
-                  <a:rPr lang="nl-NL" dirty="0"/>
-                  <a:t> </a:t>
-                </a:r>
-                <a14:m>
-                  <m:oMath xmlns:m="http://schemas.openxmlformats.org/officeDocument/2006/math">
-                    <m:r>
-                      <a:rPr lang="nl-NL" sz="2400" i="1">
-                        <a:latin typeface="Cambria Math"/>
-                        <a:ea typeface="Cambria Math"/>
-                      </a:rPr>
-                      <m:t>𝜔</m:t>
-                    </m:r>
-                  </m:oMath>
-                </a14:m>
-                <a:r>
-                  <a:rPr lang="nl-NL" dirty="0"/>
-                  <a:t>: </a:t>
-                </a:r>
-                <a:r>
-                  <a:rPr lang="nl-NL" dirty="0" smtClean="0"/>
-                  <a:t>hoekfrequentie</a:t>
-                </a:r>
-                <a:endParaRPr lang="nl-NL" dirty="0"/>
-              </a:p>
-              <a:p>
-                <a:pPr lvl="1"/>
-                <a:endParaRPr lang="nl-NL" dirty="0"/>
-              </a:p>
-              <a:p>
-                <a:pPr marL="457200" lvl="1" indent="0">
-                  <a:buNone/>
-                </a:pPr>
-                <a:endParaRPr lang="nl-NL" dirty="0"/>
-              </a:p>
-            </p:txBody>
-          </p:sp>
-        </mc:Choice>
-        <mc:Fallback>
-          <p:sp>
-            <p:nvSpPr>
-              <p:cNvPr id="3" name="Tijdelijke aanduiding voor inhoud 2"/>
-              <p:cNvSpPr>
-                <a:spLocks noGrp="1" noRot="1" noChangeAspect="1" noMove="1" noResize="1" noEditPoints="1" noAdjustHandles="1" noChangeArrowheads="1" noChangeShapeType="1" noTextEdit="1"/>
-              </p:cNvSpPr>
-              <p:nvPr>
-                <p:ph idx="1"/>
-              </p:nvPr>
-            </p:nvSpPr>
-            <p:spPr>
-              <a:blipFill rotWithShape="1">
-                <a:blip r:embed="rId3"/>
-                <a:stretch>
-                  <a:fillRect l="-676" t="-1818"/>
-                </a:stretch>
-              </a:blipFill>
-            </p:spPr>
-            <p:txBody>
-              <a:bodyPr/>
-              <a:lstStyle/>
-              <a:p>
-                <a:r>
-                  <a:rPr lang="nl-NL">
-                    <a:noFill/>
-                  </a:rPr>
-                  <a:t> </a:t>
-                </a:r>
-              </a:p>
-            </p:txBody>
-          </p:sp>
-        </mc:Fallback>
-      </mc:AlternateContent>
-    </p:spTree>
-    <p:extLst>
-      <p:ext uri="{BB962C8B-B14F-4D97-AF65-F5344CB8AC3E}">
-        <p14:creationId xmlns:p14="http://schemas.microsoft.com/office/powerpoint/2010/main" val="4106520603"/>
-      </p:ext>
-    </p:extLst>
-  </p:cSld>
-  <p:clrMapOvr>
-    <a:masterClrMapping/>
-  </p:clrMapOvr>
-  <mc:AlternateContent xmlns:mc="http://schemas.openxmlformats.org/markup-compatibility/2006">
-    <mc:Choice xmlns:p14="http://schemas.microsoft.com/office/powerpoint/2010/main" Requires="p14">
-      <p:transition spd="med" p14:dur="700">
-        <p:fade/>
-      </p:transition>
-    </mc:Choice>
-    <mc:Fallback>
+    <mc:Fallback xmlns="">
       <p:transition spd="med">
         <p:fade/>
       </p:transition>
@@ -12251,13 +12014,13 @@
   <p:clrMapOvr>
     <a:masterClrMapping/>
   </p:clrMapOvr>
-  <mc:AlternateContent xmlns:mc="http://schemas.openxmlformats.org/markup-compatibility/2006">
-    <mc:Choice xmlns:p14="http://schemas.microsoft.com/office/powerpoint/2010/main" Requires="p14">
+  <mc:AlternateContent xmlns:mc="http://schemas.openxmlformats.org/markup-compatibility/2006" xmlns:p14="http://schemas.microsoft.com/office/powerpoint/2010/main">
+    <mc:Choice Requires="p14">
       <p:transition spd="med" p14:dur="700">
         <p:fade/>
       </p:transition>
     </mc:Choice>
-    <mc:Fallback>
+    <mc:Fallback xmlns="">
       <p:transition spd="med">
         <p:fade/>
       </p:transition>
@@ -12537,7 +12300,7 @@
   <a:extraClrSchemeLst/>
   <a:extLst>
     <a:ext uri="{05A4C25C-085E-4340-85A3-A5531E510DB2}">
-      <thm15:themeFamily xmlns:thm15="http://schemas.microsoft.com/office/thememl/2012/main" xmlns="" name="Vapor Trail" id="{4FDF2955-7D9C-493C-B9F9-C205151B46CD}" vid="{FE1EB5C7-81A8-4CBA-AE6E-B3BF73DC3895}"/>
+      <thm15:themeFamily xmlns="" xmlns:thm15="http://schemas.microsoft.com/office/thememl/2012/main" name="Vapor Trail" id="{4FDF2955-7D9C-493C-B9F9-C205151B46CD}" vid="{FE1EB5C7-81A8-4CBA-AE6E-B3BF73DC3895}"/>
     </a:ext>
   </a:extLst>
 </a:theme>

--- a/Presentatie/Presentatie.pptx
+++ b/Presentatie/Presentatie.pptx
@@ -121,7 +121,7 @@
   </p:defaultTextStyle>
   <p:extLst>
     <p:ext uri="{EFAFB233-063F-42B5-8137-9DF3F51BA10A}">
-      <p15:sldGuideLst xmlns="" xmlns:p15="http://schemas.microsoft.com/office/powerpoint/2012/main">
+      <p15:sldGuideLst xmlns:p15="http://schemas.microsoft.com/office/powerpoint/2012/main" xmlns="">
         <p15:guide id="1" orient="horz" pos="2160">
           <p15:clr>
             <a:srgbClr val="A4A3A4"/>
@@ -220,7 +220,7 @@
           <a:p>
             <a:fld id="{5F2BFC91-6838-42FB-B20E-402D536CBC41}" type="datetimeFigureOut">
               <a:rPr lang="nl-NL" smtClean="0"/>
-              <a:t>9-6-2017</a:t>
+              <a:t>14-6-2017</a:t>
             </a:fld>
             <a:endParaRPr lang="nl-NL"/>
           </a:p>
@@ -762,7 +762,7 @@
           <a:p>
             <a:fld id="{D0BEBCF1-C867-4FA3-929D-70E3E2EA05CD}" type="datetimeFigureOut">
               <a:rPr lang="nl-NL" smtClean="0"/>
-              <a:t>9-6-2017</a:t>
+              <a:t>14-6-2017</a:t>
             </a:fld>
             <a:endParaRPr lang="nl-NL"/>
           </a:p>
@@ -1041,7 +1041,7 @@
           <a:p>
             <a:fld id="{D0BEBCF1-C867-4FA3-929D-70E3E2EA05CD}" type="datetimeFigureOut">
               <a:rPr lang="nl-NL" smtClean="0"/>
-              <a:t>9-6-2017</a:t>
+              <a:t>14-6-2017</a:t>
             </a:fld>
             <a:endParaRPr lang="nl-NL"/>
           </a:p>
@@ -1284,7 +1284,7 @@
           <a:p>
             <a:fld id="{D0BEBCF1-C867-4FA3-929D-70E3E2EA05CD}" type="datetimeFigureOut">
               <a:rPr lang="nl-NL" smtClean="0"/>
-              <a:t>9-6-2017</a:t>
+              <a:t>14-6-2017</a:t>
             </a:fld>
             <a:endParaRPr lang="nl-NL"/>
           </a:p>
@@ -1606,7 +1606,7 @@
           <a:p>
             <a:fld id="{D0BEBCF1-C867-4FA3-929D-70E3E2EA05CD}" type="datetimeFigureOut">
               <a:rPr lang="nl-NL" smtClean="0"/>
-              <a:t>9-6-2017</a:t>
+              <a:t>14-6-2017</a:t>
             </a:fld>
             <a:endParaRPr lang="nl-NL"/>
           </a:p>
@@ -2091,7 +2091,7 @@
           <a:p>
             <a:fld id="{D0BEBCF1-C867-4FA3-929D-70E3E2EA05CD}" type="datetimeFigureOut">
               <a:rPr lang="nl-NL" smtClean="0"/>
-              <a:t>9-6-2017</a:t>
+              <a:t>14-6-2017</a:t>
             </a:fld>
             <a:endParaRPr lang="nl-NL"/>
           </a:p>
@@ -2650,7 +2650,7 @@
           <a:p>
             <a:fld id="{D0BEBCF1-C867-4FA3-929D-70E3E2EA05CD}" type="datetimeFigureOut">
               <a:rPr lang="nl-NL" smtClean="0"/>
-              <a:t>9-6-2017</a:t>
+              <a:t>14-6-2017</a:t>
             </a:fld>
             <a:endParaRPr lang="nl-NL"/>
           </a:p>
@@ -3436,7 +3436,7 @@
           <a:p>
             <a:fld id="{D0BEBCF1-C867-4FA3-929D-70E3E2EA05CD}" type="datetimeFigureOut">
               <a:rPr lang="nl-NL" smtClean="0"/>
-              <a:t>9-6-2017</a:t>
+              <a:t>14-6-2017</a:t>
             </a:fld>
             <a:endParaRPr lang="nl-NL"/>
           </a:p>
@@ -3623,7 +3623,7 @@
           <a:p>
             <a:fld id="{D0BEBCF1-C867-4FA3-929D-70E3E2EA05CD}" type="datetimeFigureOut">
               <a:rPr lang="nl-NL" smtClean="0"/>
-              <a:t>9-6-2017</a:t>
+              <a:t>14-6-2017</a:t>
             </a:fld>
             <a:endParaRPr lang="nl-NL"/>
           </a:p>
@@ -3858,7 +3858,7 @@
           <a:p>
             <a:fld id="{D0BEBCF1-C867-4FA3-929D-70E3E2EA05CD}" type="datetimeFigureOut">
               <a:rPr lang="nl-NL" smtClean="0"/>
-              <a:t>9-6-2017</a:t>
+              <a:t>14-6-2017</a:t>
             </a:fld>
             <a:endParaRPr lang="nl-NL"/>
           </a:p>
@@ -4050,7 +4050,7 @@
           <a:p>
             <a:fld id="{D0BEBCF1-C867-4FA3-929D-70E3E2EA05CD}" type="datetimeFigureOut">
               <a:rPr lang="nl-NL" smtClean="0"/>
-              <a:t>9-6-2017</a:t>
+              <a:t>14-6-2017</a:t>
             </a:fld>
             <a:endParaRPr lang="nl-NL"/>
           </a:p>
@@ -4351,7 +4351,7 @@
           <a:p>
             <a:fld id="{D0BEBCF1-C867-4FA3-929D-70E3E2EA05CD}" type="datetimeFigureOut">
               <a:rPr lang="nl-NL" smtClean="0"/>
-              <a:t>9-6-2017</a:t>
+              <a:t>14-6-2017</a:t>
             </a:fld>
             <a:endParaRPr lang="nl-NL"/>
           </a:p>
@@ -4605,7 +4605,7 @@
           <a:p>
             <a:fld id="{D0BEBCF1-C867-4FA3-929D-70E3E2EA05CD}" type="datetimeFigureOut">
               <a:rPr lang="nl-NL" smtClean="0"/>
-              <a:t>9-6-2017</a:t>
+              <a:t>14-6-2017</a:t>
             </a:fld>
             <a:endParaRPr lang="nl-NL"/>
           </a:p>
@@ -4996,7 +4996,7 @@
           <a:p>
             <a:fld id="{D0BEBCF1-C867-4FA3-929D-70E3E2EA05CD}" type="datetimeFigureOut">
               <a:rPr lang="nl-NL" smtClean="0"/>
-              <a:t>9-6-2017</a:t>
+              <a:t>14-6-2017</a:t>
             </a:fld>
             <a:endParaRPr lang="nl-NL"/>
           </a:p>
@@ -5126,7 +5126,7 @@
           <a:p>
             <a:fld id="{D0BEBCF1-C867-4FA3-929D-70E3E2EA05CD}" type="datetimeFigureOut">
               <a:rPr lang="nl-NL" smtClean="0"/>
-              <a:t>9-6-2017</a:t>
+              <a:t>14-6-2017</a:t>
             </a:fld>
             <a:endParaRPr lang="nl-NL"/>
           </a:p>
@@ -5233,7 +5233,7 @@
           <a:p>
             <a:fld id="{D0BEBCF1-C867-4FA3-929D-70E3E2EA05CD}" type="datetimeFigureOut">
               <a:rPr lang="nl-NL" smtClean="0"/>
-              <a:t>9-6-2017</a:t>
+              <a:t>14-6-2017</a:t>
             </a:fld>
             <a:endParaRPr lang="nl-NL"/>
           </a:p>
@@ -5494,7 +5494,7 @@
           <a:p>
             <a:fld id="{D0BEBCF1-C867-4FA3-929D-70E3E2EA05CD}" type="datetimeFigureOut">
               <a:rPr lang="nl-NL" smtClean="0"/>
-              <a:t>9-6-2017</a:t>
+              <a:t>14-6-2017</a:t>
             </a:fld>
             <a:endParaRPr lang="nl-NL"/>
           </a:p>
@@ -5763,7 +5763,7 @@
           <a:p>
             <a:fld id="{D0BEBCF1-C867-4FA3-929D-70E3E2EA05CD}" type="datetimeFigureOut">
               <a:rPr lang="nl-NL" smtClean="0"/>
-              <a:t>9-6-2017</a:t>
+              <a:t>14-6-2017</a:t>
             </a:fld>
             <a:endParaRPr lang="nl-NL"/>
           </a:p>
@@ -6018,7 +6018,7 @@
           <a:p>
             <a:fld id="{D0BEBCF1-C867-4FA3-929D-70E3E2EA05CD}" type="datetimeFigureOut">
               <a:rPr lang="nl-NL" smtClean="0"/>
-              <a:t>9-6-2017</a:t>
+              <a:t>14-6-2017</a:t>
             </a:fld>
             <a:endParaRPr lang="nl-NL"/>
           </a:p>
@@ -7106,56 +7106,56 @@
                 <a:gridCol w="1484290">
                   <a:extLst>
                     <a:ext uri="{9D8B030D-6E8A-4147-A177-3AD203B41FA5}">
-                      <a16:colId xmlns="" xmlns:a16="http://schemas.microsoft.com/office/drawing/2014/main" val="20000"/>
+                      <a16:colId xmlns:a16="http://schemas.microsoft.com/office/drawing/2014/main" xmlns="" val="20000"/>
                     </a:ext>
                   </a:extLst>
                 </a:gridCol>
                 <a:gridCol w="1484290">
                   <a:extLst>
                     <a:ext uri="{9D8B030D-6E8A-4147-A177-3AD203B41FA5}">
-                      <a16:colId xmlns="" xmlns:a16="http://schemas.microsoft.com/office/drawing/2014/main" val="20001"/>
+                      <a16:colId xmlns:a16="http://schemas.microsoft.com/office/drawing/2014/main" xmlns="" val="20001"/>
                     </a:ext>
                   </a:extLst>
                 </a:gridCol>
                 <a:gridCol w="1484290">
                   <a:extLst>
                     <a:ext uri="{9D8B030D-6E8A-4147-A177-3AD203B41FA5}">
-                      <a16:colId xmlns="" xmlns:a16="http://schemas.microsoft.com/office/drawing/2014/main" val="20002"/>
+                      <a16:colId xmlns:a16="http://schemas.microsoft.com/office/drawing/2014/main" xmlns="" val="20002"/>
                     </a:ext>
                   </a:extLst>
                 </a:gridCol>
                 <a:gridCol w="1484290">
                   <a:extLst>
                     <a:ext uri="{9D8B030D-6E8A-4147-A177-3AD203B41FA5}">
-                      <a16:colId xmlns="" xmlns:a16="http://schemas.microsoft.com/office/drawing/2014/main" val="20003"/>
+                      <a16:colId xmlns:a16="http://schemas.microsoft.com/office/drawing/2014/main" xmlns="" val="20003"/>
                     </a:ext>
                   </a:extLst>
                 </a:gridCol>
                 <a:gridCol w="1484290">
                   <a:extLst>
                     <a:ext uri="{9D8B030D-6E8A-4147-A177-3AD203B41FA5}">
-                      <a16:colId xmlns="" xmlns:a16="http://schemas.microsoft.com/office/drawing/2014/main" val="20004"/>
+                      <a16:colId xmlns:a16="http://schemas.microsoft.com/office/drawing/2014/main" xmlns="" val="20004"/>
                     </a:ext>
                   </a:extLst>
                 </a:gridCol>
                 <a:gridCol w="1484290">
                   <a:extLst>
                     <a:ext uri="{9D8B030D-6E8A-4147-A177-3AD203B41FA5}">
-                      <a16:colId xmlns="" xmlns:a16="http://schemas.microsoft.com/office/drawing/2014/main" val="20005"/>
+                      <a16:colId xmlns:a16="http://schemas.microsoft.com/office/drawing/2014/main" xmlns="" val="20005"/>
                     </a:ext>
                   </a:extLst>
                 </a:gridCol>
                 <a:gridCol w="1484290">
                   <a:extLst>
                     <a:ext uri="{9D8B030D-6E8A-4147-A177-3AD203B41FA5}">
-                      <a16:colId xmlns="" xmlns:a16="http://schemas.microsoft.com/office/drawing/2014/main" val="20006"/>
+                      <a16:colId xmlns:a16="http://schemas.microsoft.com/office/drawing/2014/main" xmlns="" val="20006"/>
                     </a:ext>
                   </a:extLst>
                 </a:gridCol>
                 <a:gridCol w="1484290">
                   <a:extLst>
                     <a:ext uri="{9D8B030D-6E8A-4147-A177-3AD203B41FA5}">
-                      <a16:colId xmlns="" xmlns:a16="http://schemas.microsoft.com/office/drawing/2014/main" val="20007"/>
+                      <a16:colId xmlns:a16="http://schemas.microsoft.com/office/drawing/2014/main" xmlns="" val="20007"/>
                     </a:ext>
                   </a:extLst>
                 </a:gridCol>
@@ -7280,7 +7280,7 @@
                 </a:tc>
                 <a:extLst>
                   <a:ext uri="{0D108BD9-81ED-4DB2-BD59-A6C34878D82A}">
-                    <a16:rowId xmlns="" xmlns:a16="http://schemas.microsoft.com/office/drawing/2014/main" val="10000"/>
+                    <a16:rowId xmlns:a16="http://schemas.microsoft.com/office/drawing/2014/main" xmlns="" val="10000"/>
                   </a:ext>
                 </a:extLst>
               </a:tr>
@@ -7456,7 +7456,7 @@
                 </a:tc>
                 <a:extLst>
                   <a:ext uri="{0D108BD9-81ED-4DB2-BD59-A6C34878D82A}">
-                    <a16:rowId xmlns="" xmlns:a16="http://schemas.microsoft.com/office/drawing/2014/main" val="10001"/>
+                    <a16:rowId xmlns:a16="http://schemas.microsoft.com/office/drawing/2014/main" xmlns="" val="10001"/>
                   </a:ext>
                 </a:extLst>
               </a:tr>
@@ -9659,7 +9659,7 @@
         </p:blipFill>
         <p:spPr>
           <a:xfrm>
-            <a:off x="7569339" y="2066926"/>
+            <a:off x="7569339" y="2075552"/>
             <a:ext cx="3933333" cy="3933333"/>
           </a:xfrm>
           <a:prstGeom prst="rect">
@@ -9937,6 +9937,36 @@
           </a:p>
         </p:txBody>
       </p:sp>
+      <p:pic>
+        <p:nvPicPr>
+          <p:cNvPr id="7" name="Afbeelding 6"/>
+          <p:cNvPicPr>
+            <a:picLocks noChangeAspect="1"/>
+          </p:cNvPicPr>
+          <p:nvPr/>
+        </p:nvPicPr>
+        <p:blipFill>
+          <a:blip r:embed="rId5">
+            <a:extLst>
+              <a:ext uri="{28A0092B-C50C-407E-A947-70E740481C1C}">
+                <a14:useLocalDpi xmlns:a14="http://schemas.microsoft.com/office/drawing/2010/main" val="0"/>
+              </a:ext>
+            </a:extLst>
+          </a:blip>
+          <a:stretch>
+            <a:fillRect/>
+          </a:stretch>
+        </p:blipFill>
+        <p:spPr>
+          <a:xfrm>
+            <a:off x="7564457" y="2073905"/>
+            <a:ext cx="3933333" cy="3933333"/>
+          </a:xfrm>
+          <a:prstGeom prst="rect">
+            <a:avLst/>
+          </a:prstGeom>
+        </p:spPr>
+      </p:pic>
     </p:spTree>
     <p:extLst>
       <p:ext uri="{BB962C8B-B14F-4D97-AF65-F5344CB8AC3E}">
@@ -10046,6 +10076,59 @@
                                           </p:stCondLst>
                                         </p:cTn>
                                         <p:tgtEl>
+                                          <p:spTgt spid="7"/>
+                                        </p:tgtEl>
+                                        <p:attrNameLst>
+                                          <p:attrName>style.visibility</p:attrName>
+                                        </p:attrNameLst>
+                                      </p:cBhvr>
+                                      <p:to>
+                                        <p:strVal val="visible"/>
+                                      </p:to>
+                                    </p:set>
+                                    <p:animEffect transition="in" filter="fade">
+                                      <p:cBhvr>
+                                        <p:cTn id="12" dur="500"/>
+                                        <p:tgtEl>
+                                          <p:spTgt spid="7"/>
+                                        </p:tgtEl>
+                                      </p:cBhvr>
+                                    </p:animEffect>
+                                  </p:childTnLst>
+                                </p:cTn>
+                              </p:par>
+                            </p:childTnLst>
+                          </p:cTn>
+                        </p:par>
+                      </p:childTnLst>
+                    </p:cTn>
+                  </p:par>
+                  <p:par>
+                    <p:cTn id="13" fill="hold">
+                      <p:stCondLst>
+                        <p:cond delay="indefinite"/>
+                      </p:stCondLst>
+                      <p:childTnLst>
+                        <p:par>
+                          <p:cTn id="14" fill="hold">
+                            <p:stCondLst>
+                              <p:cond delay="0"/>
+                            </p:stCondLst>
+                            <p:childTnLst>
+                              <p:par>
+                                <p:cTn id="15" presetID="10" presetClass="entr" presetSubtype="0" fill="hold" nodeType="clickEffect">
+                                  <p:stCondLst>
+                                    <p:cond delay="0"/>
+                                  </p:stCondLst>
+                                  <p:childTnLst>
+                                    <p:set>
+                                      <p:cBhvr>
+                                        <p:cTn id="16" dur="1" fill="hold">
+                                          <p:stCondLst>
+                                            <p:cond delay="0"/>
+                                          </p:stCondLst>
+                                        </p:cTn>
+                                        <p:tgtEl>
                                           <p:spTgt spid="5"/>
                                         </p:tgtEl>
                                         <p:attrNameLst>
@@ -10058,7 +10141,7 @@
                                     </p:set>
                                     <p:animEffect transition="in" filter="fade">
                                       <p:cBhvr>
-                                        <p:cTn id="12" dur="500"/>
+                                        <p:cTn id="17" dur="500"/>
                                         <p:tgtEl>
                                           <p:spTgt spid="5"/>
                                         </p:tgtEl>
@@ -12300,7 +12383,7 @@
   <a:extraClrSchemeLst/>
   <a:extLst>
     <a:ext uri="{05A4C25C-085E-4340-85A3-A5531E510DB2}">
-      <thm15:themeFamily xmlns="" xmlns:thm15="http://schemas.microsoft.com/office/thememl/2012/main" name="Vapor Trail" id="{4FDF2955-7D9C-493C-B9F9-C205151B46CD}" vid="{FE1EB5C7-81A8-4CBA-AE6E-B3BF73DC3895}"/>
+      <thm15:themeFamily xmlns:thm15="http://schemas.microsoft.com/office/thememl/2012/main" xmlns="" name="Vapor Trail" id="{4FDF2955-7D9C-493C-B9F9-C205151B46CD}" vid="{FE1EB5C7-81A8-4CBA-AE6E-B3BF73DC3895}"/>
     </a:ext>
   </a:extLst>
 </a:theme>
